--- a/jspWorks/자료/jsp_ppt/4장. jsp 서블릿 API.pptx
+++ b/jspWorks/자료/jsp_ppt/4장. jsp 서블릿 API.pptx
@@ -5,7 +5,7 @@
     <p:sldMasterId id="2147483648" r:id="rId1"/>
   </p:sldMasterIdLst>
   <p:notesMasterIdLst>
-    <p:notesMasterId r:id="rId53"/>
+    <p:notesMasterId r:id="rId54"/>
   </p:notesMasterIdLst>
   <p:sldIdLst>
     <p:sldId id="256" r:id="rId2"/>
@@ -28,37 +28,38 @@
     <p:sldId id="408" r:id="rId19"/>
     <p:sldId id="410" r:id="rId20"/>
     <p:sldId id="380" r:id="rId21"/>
-    <p:sldId id="404" r:id="rId22"/>
-    <p:sldId id="381" r:id="rId23"/>
-    <p:sldId id="391" r:id="rId24"/>
-    <p:sldId id="392" r:id="rId25"/>
-    <p:sldId id="443" r:id="rId26"/>
-    <p:sldId id="382" r:id="rId27"/>
-    <p:sldId id="383" r:id="rId28"/>
-    <p:sldId id="442" r:id="rId29"/>
-    <p:sldId id="444" r:id="rId30"/>
-    <p:sldId id="445" r:id="rId31"/>
-    <p:sldId id="393" r:id="rId32"/>
-    <p:sldId id="395" r:id="rId33"/>
-    <p:sldId id="394" r:id="rId34"/>
-    <p:sldId id="412" r:id="rId35"/>
-    <p:sldId id="441" r:id="rId36"/>
-    <p:sldId id="413" r:id="rId37"/>
-    <p:sldId id="414" r:id="rId38"/>
-    <p:sldId id="422" r:id="rId39"/>
-    <p:sldId id="423" r:id="rId40"/>
-    <p:sldId id="424" r:id="rId41"/>
-    <p:sldId id="425" r:id="rId42"/>
-    <p:sldId id="426" r:id="rId43"/>
-    <p:sldId id="446" r:id="rId44"/>
-    <p:sldId id="427" r:id="rId45"/>
-    <p:sldId id="428" r:id="rId46"/>
-    <p:sldId id="429" r:id="rId47"/>
-    <p:sldId id="430" r:id="rId48"/>
-    <p:sldId id="433" r:id="rId49"/>
-    <p:sldId id="434" r:id="rId50"/>
-    <p:sldId id="447" r:id="rId51"/>
-    <p:sldId id="448" r:id="rId52"/>
+    <p:sldId id="449" r:id="rId22"/>
+    <p:sldId id="404" r:id="rId23"/>
+    <p:sldId id="381" r:id="rId24"/>
+    <p:sldId id="391" r:id="rId25"/>
+    <p:sldId id="392" r:id="rId26"/>
+    <p:sldId id="443" r:id="rId27"/>
+    <p:sldId id="382" r:id="rId28"/>
+    <p:sldId id="383" r:id="rId29"/>
+    <p:sldId id="442" r:id="rId30"/>
+    <p:sldId id="444" r:id="rId31"/>
+    <p:sldId id="445" r:id="rId32"/>
+    <p:sldId id="393" r:id="rId33"/>
+    <p:sldId id="395" r:id="rId34"/>
+    <p:sldId id="394" r:id="rId35"/>
+    <p:sldId id="412" r:id="rId36"/>
+    <p:sldId id="441" r:id="rId37"/>
+    <p:sldId id="413" r:id="rId38"/>
+    <p:sldId id="414" r:id="rId39"/>
+    <p:sldId id="422" r:id="rId40"/>
+    <p:sldId id="423" r:id="rId41"/>
+    <p:sldId id="424" r:id="rId42"/>
+    <p:sldId id="425" r:id="rId43"/>
+    <p:sldId id="426" r:id="rId44"/>
+    <p:sldId id="446" r:id="rId45"/>
+    <p:sldId id="427" r:id="rId46"/>
+    <p:sldId id="428" r:id="rId47"/>
+    <p:sldId id="429" r:id="rId48"/>
+    <p:sldId id="430" r:id="rId49"/>
+    <p:sldId id="433" r:id="rId50"/>
+    <p:sldId id="434" r:id="rId51"/>
+    <p:sldId id="447" r:id="rId52"/>
+    <p:sldId id="448" r:id="rId53"/>
   </p:sldIdLst>
   <p:sldSz cx="9906000" cy="6858000" type="A4"/>
   <p:notesSz cx="6858000" cy="9144000"/>
@@ -159,7 +160,7 @@
   </p:defaultTextStyle>
   <p:extLst>
     <p:ext uri="{EFAFB233-063F-42B5-8137-9DF3F51BA10A}">
-      <p15:sldGuideLst xmlns:p15="http://schemas.microsoft.com/office/powerpoint/2012/main" xmlns="">
+      <p15:sldGuideLst xmlns:p15="http://schemas.microsoft.com/office/powerpoint/2012/main">
         <p15:guide id="1" orient="horz" pos="2160">
           <p15:clr>
             <a:srgbClr val="A4A3A4"/>
@@ -258,7 +259,7 @@
           <a:p>
             <a:fld id="{7665CDAC-D627-4E87-877A-1B781DD4CADC}" type="datetimeFigureOut">
               <a:rPr lang="ko-KR" altLang="en-US" smtClean="0"/>
-              <a:t>2022-07-23</a:t>
+              <a:t>2023-05-29</a:t>
             </a:fld>
             <a:endParaRPr lang="ko-KR" altLang="en-US"/>
           </a:p>
@@ -675,7 +676,7 @@
           <a:p>
             <a:fld id="{0FADDD8A-FD4C-4C63-90D4-202AFE8080B2}" type="slidenum">
               <a:rPr lang="ko-KR" altLang="en-US" smtClean="0"/>
-              <a:t>31</a:t>
+              <a:t>32</a:t>
             </a:fld>
             <a:endParaRPr lang="ko-KR" altLang="en-US"/>
           </a:p>
@@ -759,7 +760,7 @@
           <a:p>
             <a:fld id="{0FADDD8A-FD4C-4C63-90D4-202AFE8080B2}" type="slidenum">
               <a:rPr lang="ko-KR" altLang="en-US" smtClean="0"/>
-              <a:t>32</a:t>
+              <a:t>33</a:t>
             </a:fld>
             <a:endParaRPr lang="ko-KR" altLang="en-US"/>
           </a:p>
@@ -843,7 +844,7 @@
           <a:p>
             <a:fld id="{0FADDD8A-FD4C-4C63-90D4-202AFE8080B2}" type="slidenum">
               <a:rPr lang="ko-KR" altLang="en-US" smtClean="0"/>
-              <a:t>33</a:t>
+              <a:t>34</a:t>
             </a:fld>
             <a:endParaRPr lang="ko-KR" altLang="en-US"/>
           </a:p>
@@ -1048,7 +1049,7 @@
           <a:p>
             <a:fld id="{F4AC81B4-D91A-4578-85B3-829E63FCFE17}" type="datetime1">
               <a:rPr lang="ko-KR" altLang="en-US" smtClean="0"/>
-              <a:t>2022-07-23</a:t>
+              <a:t>2023-05-29</a:t>
             </a:fld>
             <a:endParaRPr lang="ko-KR" altLang="en-US"/>
           </a:p>
@@ -1423,7 +1424,7 @@
           <a:p>
             <a:fld id="{F5B77542-37E5-48F2-BAE7-80CC6B0EB6A3}" type="datetime1">
               <a:rPr lang="ko-KR" altLang="en-US" smtClean="0"/>
-              <a:t>2022-07-23</a:t>
+              <a:t>2023-05-29</a:t>
             </a:fld>
             <a:endParaRPr lang="ko-KR" altLang="en-US"/>
           </a:p>
@@ -1603,7 +1604,7 @@
           <a:p>
             <a:fld id="{227CF174-B5AC-4A98-B673-0BE8126D3F27}" type="datetime1">
               <a:rPr lang="ko-KR" altLang="en-US" smtClean="0"/>
-              <a:t>2022-07-23</a:t>
+              <a:t>2023-05-29</a:t>
             </a:fld>
             <a:endParaRPr lang="ko-KR" altLang="en-US"/>
           </a:p>
@@ -1777,7 +1778,7 @@
           <a:p>
             <a:fld id="{E20FDEC8-1339-42E8-9704-2977280C2FD3}" type="datetime1">
               <a:rPr lang="ko-KR" altLang="en-US" smtClean="0"/>
-              <a:t>2022-07-23</a:t>
+              <a:t>2023-05-29</a:t>
             </a:fld>
             <a:endParaRPr lang="ko-KR" altLang="en-US"/>
           </a:p>
@@ -2023,7 +2024,7 @@
           <a:p>
             <a:fld id="{4D18DC76-A282-4817-B790-197F054E1215}" type="datetime1">
               <a:rPr lang="ko-KR" altLang="en-US" smtClean="0"/>
-              <a:t>2022-07-23</a:t>
+              <a:t>2023-05-29</a:t>
             </a:fld>
             <a:endParaRPr lang="ko-KR" altLang="en-US"/>
           </a:p>
@@ -2311,7 +2312,7 @@
           <a:p>
             <a:fld id="{6680AA6C-13D8-43E4-90F0-E6C88A2B9F16}" type="datetime1">
               <a:rPr lang="ko-KR" altLang="en-US" smtClean="0"/>
-              <a:t>2022-07-23</a:t>
+              <a:t>2023-05-29</a:t>
             </a:fld>
             <a:endParaRPr lang="ko-KR" altLang="en-US"/>
           </a:p>
@@ -2733,7 +2734,7 @@
           <a:p>
             <a:fld id="{3EF5B03B-20CC-436E-8601-C933C6C1F4A6}" type="datetime1">
               <a:rPr lang="ko-KR" altLang="en-US" smtClean="0"/>
-              <a:t>2022-07-23</a:t>
+              <a:t>2023-05-29</a:t>
             </a:fld>
             <a:endParaRPr lang="ko-KR" altLang="en-US"/>
           </a:p>
@@ -2851,7 +2852,7 @@
           <a:p>
             <a:fld id="{87B5A15D-8B08-482F-AB47-E416EC355EB6}" type="datetime1">
               <a:rPr lang="ko-KR" altLang="en-US" smtClean="0"/>
-              <a:t>2022-07-23</a:t>
+              <a:t>2023-05-29</a:t>
             </a:fld>
             <a:endParaRPr lang="ko-KR" altLang="en-US"/>
           </a:p>
@@ -2946,7 +2947,7 @@
           <a:p>
             <a:fld id="{A877D7F8-7B64-44F8-A411-CBD22F28CBFF}" type="datetime1">
               <a:rPr lang="ko-KR" altLang="en-US" smtClean="0"/>
-              <a:t>2022-07-23</a:t>
+              <a:t>2023-05-29</a:t>
             </a:fld>
             <a:endParaRPr lang="ko-KR" altLang="en-US"/>
           </a:p>
@@ -3223,7 +3224,7 @@
           <a:p>
             <a:fld id="{E12DBD9B-2BB6-4D1F-BCB4-1E48829C93C3}" type="datetime1">
               <a:rPr lang="ko-KR" altLang="en-US" smtClean="0"/>
-              <a:t>2022-07-23</a:t>
+              <a:t>2023-05-29</a:t>
             </a:fld>
             <a:endParaRPr lang="ko-KR" altLang="en-US"/>
           </a:p>
@@ -3476,7 +3477,7 @@
           <a:p>
             <a:fld id="{17564C48-0CD7-40EB-BE64-BBF4DB8C56AF}" type="datetime1">
               <a:rPr lang="ko-KR" altLang="en-US" smtClean="0"/>
-              <a:t>2022-07-23</a:t>
+              <a:t>2023-05-29</a:t>
             </a:fld>
             <a:endParaRPr lang="ko-KR" altLang="en-US"/>
           </a:p>
@@ -3656,7 +3657,7 @@
           <a:p>
             <a:fld id="{C116BCB4-B68B-4638-8167-F4BDC0A30DA1}" type="datetime1">
               <a:rPr lang="ko-KR" altLang="en-US" smtClean="0"/>
-              <a:t>2022-07-23</a:t>
+              <a:t>2023-05-29</a:t>
             </a:fld>
             <a:endParaRPr lang="ko-KR" altLang="en-US"/>
           </a:p>
@@ -4596,7 +4597,7 @@
           <p:cNvPr id="6" name="모서리가 둥근 직사각형 5">
             <a:extLst>
               <a:ext uri="{FF2B5EF4-FFF2-40B4-BE49-F238E27FC236}">
-                <a16:creationId xmlns:a16="http://schemas.microsoft.com/office/drawing/2014/main" xmlns="" id="{792DA8B4-17B2-454B-97AC-17311A4832C5}"/>
+                <a16:creationId xmlns:a16="http://schemas.microsoft.com/office/drawing/2014/main" id="{792DA8B4-17B2-454B-97AC-17311A4832C5}"/>
               </a:ext>
             </a:extLst>
           </p:cNvPr>
@@ -4605,8 +4606,8 @@
         </p:nvSpPr>
         <p:spPr>
           <a:xfrm>
-            <a:off x="4953000" y="1376997"/>
-            <a:ext cx="2880320" cy="360040"/>
+            <a:off x="5385048" y="1376997"/>
+            <a:ext cx="2448272" cy="360040"/>
           </a:xfrm>
           <a:prstGeom prst="roundRect">
             <a:avLst/>
@@ -4638,29 +4639,18 @@
           <a:p>
             <a:pPr algn="ctr"/>
             <a:r>
-              <a:rPr lang="en-US" altLang="ko-KR" sz="1600" dirty="0" err="1">
-                <a:solidFill>
-                  <a:sysClr val="windowText" lastClr="000000"/>
-                </a:solidFill>
-              </a:rPr>
-              <a:t>c</a:t>
-            </a:r>
-            <a:r>
-              <a:rPr lang="en-US" altLang="ko-KR" sz="1600" dirty="0" err="1" smtClean="0">
-                <a:solidFill>
-                  <a:sysClr val="windowText" lastClr="000000"/>
-                </a:solidFill>
-              </a:rPr>
-              <a:t>om.servlet</a:t>
-            </a:r>
-            <a:r>
               <a:rPr lang="en-US" altLang="ko-KR" sz="1600" dirty="0" smtClean="0">
                 <a:solidFill>
                   <a:sysClr val="windowText" lastClr="000000"/>
                 </a:solidFill>
               </a:rPr>
-              <a:t>/FirstServlet.java</a:t>
-            </a:r>
+              <a:t>servlet/FirstServlet.java</a:t>
+            </a:r>
+            <a:endParaRPr lang="en-US" altLang="ko-KR" sz="1600" dirty="0" smtClean="0">
+              <a:solidFill>
+                <a:sysClr val="windowText" lastClr="000000"/>
+              </a:solidFill>
+            </a:endParaRPr>
           </a:p>
         </p:txBody>
       </p:sp>
@@ -4701,6 +4691,43 @@
           <a:chExt cx="0" cy="0"/>
         </a:xfrm>
       </p:grpSpPr>
+      <p:pic>
+        <p:nvPicPr>
+          <p:cNvPr id="3" name="그림 2"/>
+          <p:cNvPicPr>
+            <a:picLocks noChangeAspect="1"/>
+          </p:cNvPicPr>
+          <p:nvPr/>
+        </p:nvPicPr>
+        <p:blipFill>
+          <a:blip r:embed="rId2">
+            <a:extLst>
+              <a:ext uri="{28A0092B-C50C-407E-A947-70E740481C1C}">
+                <a14:useLocalDpi xmlns:a14="http://schemas.microsoft.com/office/drawing/2010/main" val="0"/>
+              </a:ext>
+            </a:extLst>
+          </a:blip>
+          <a:stretch>
+            <a:fillRect/>
+          </a:stretch>
+        </p:blipFill>
+        <p:spPr>
+          <a:xfrm>
+            <a:off x="1064568" y="2974437"/>
+            <a:ext cx="5752566" cy="2614803"/>
+          </a:xfrm>
+          <a:prstGeom prst="rect">
+            <a:avLst/>
+          </a:prstGeom>
+          <a:ln>
+            <a:solidFill>
+              <a:schemeClr val="bg1">
+                <a:lumMod val="85000"/>
+              </a:schemeClr>
+            </a:solidFill>
+          </a:ln>
+        </p:spPr>
+      </p:pic>
       <p:sp>
         <p:nvSpPr>
           <p:cNvPr id="15" name="제목 5"/>
@@ -4907,15 +4934,11 @@
             </a:r>
             <a:r>
               <a:rPr lang="en-US" altLang="ko-KR" sz="1600" dirty="0" smtClean="0"/>
-              <a:t>localhost:8080/</a:t>
-            </a:r>
-            <a:r>
-              <a:rPr lang="en-US" altLang="ko-KR" sz="1600" dirty="0" err="1" smtClean="0"/>
-              <a:t>jwbook</a:t>
+              <a:t>localhost:8080/first</a:t>
             </a:r>
             <a:r>
               <a:rPr lang="en-US" altLang="ko-KR" sz="1600" dirty="0" smtClean="0"/>
-              <a:t>/first” </a:t>
+              <a:t>” </a:t>
             </a:r>
             <a:r>
               <a:rPr lang="ko-KR" altLang="en-US" sz="1600" dirty="0" smtClean="0"/>
@@ -4937,50 +4960,12 @@
           </a:p>
         </p:txBody>
       </p:sp>
-      <p:pic>
-        <p:nvPicPr>
-          <p:cNvPr id="2" name="그림 1"/>
-          <p:cNvPicPr>
-            <a:picLocks noChangeAspect="1"/>
-          </p:cNvPicPr>
-          <p:nvPr/>
-        </p:nvPicPr>
-        <p:blipFill>
-          <a:blip r:embed="rId2">
-            <a:extLst>
-              <a:ext uri="{28A0092B-C50C-407E-A947-70E740481C1C}">
-                <a14:useLocalDpi xmlns:a14="http://schemas.microsoft.com/office/drawing/2010/main" val="0"/>
-              </a:ext>
-            </a:extLst>
-          </a:blip>
-          <a:stretch>
-            <a:fillRect/>
-          </a:stretch>
-        </p:blipFill>
-        <p:spPr>
-          <a:xfrm>
-            <a:off x="1037695" y="3112733"/>
-            <a:ext cx="5912885" cy="2376264"/>
-          </a:xfrm>
-          <a:prstGeom prst="rect">
-            <a:avLst/>
-          </a:prstGeom>
-          <a:ln>
-            <a:solidFill>
-              <a:schemeClr val="accent5">
-                <a:lumMod val="20000"/>
-                <a:lumOff val="80000"/>
-              </a:schemeClr>
-            </a:solidFill>
-          </a:ln>
-        </p:spPr>
-      </p:pic>
       <p:sp>
         <p:nvSpPr>
           <p:cNvPr id="10" name="모서리가 둥근 직사각형 9">
             <a:extLst>
               <a:ext uri="{FF2B5EF4-FFF2-40B4-BE49-F238E27FC236}">
-                <a16:creationId xmlns:a16="http://schemas.microsoft.com/office/drawing/2014/main" xmlns="" id="{792DA8B4-17B2-454B-97AC-17311A4832C5}"/>
+                <a16:creationId xmlns:a16="http://schemas.microsoft.com/office/drawing/2014/main" id="{792DA8B4-17B2-454B-97AC-17311A4832C5}"/>
               </a:ext>
             </a:extLst>
           </p:cNvPr>
@@ -4989,7 +4974,7 @@
         </p:nvSpPr>
         <p:spPr>
           <a:xfrm>
-            <a:off x="5025008" y="3068960"/>
+            <a:off x="5457057" y="4306073"/>
             <a:ext cx="3521775" cy="299896"/>
           </a:xfrm>
           <a:prstGeom prst="roundRect">
@@ -5055,7 +5040,7 @@
         </p:nvCxnSpPr>
         <p:spPr>
           <a:xfrm flipH="1">
-            <a:off x="4808984" y="3376799"/>
+            <a:off x="5056828" y="4578273"/>
             <a:ext cx="348040" cy="311998"/>
           </a:xfrm>
           <a:prstGeom prst="straightConnector1">
@@ -5090,7 +5075,7 @@
           <p:cNvPr id="12" name="모서리가 둥근 직사각형 11">
             <a:extLst>
               <a:ext uri="{FF2B5EF4-FFF2-40B4-BE49-F238E27FC236}">
-                <a16:creationId xmlns:a16="http://schemas.microsoft.com/office/drawing/2014/main" xmlns="" id="{792DA8B4-17B2-454B-97AC-17311A4832C5}"/>
+                <a16:creationId xmlns:a16="http://schemas.microsoft.com/office/drawing/2014/main" id="{792DA8B4-17B2-454B-97AC-17311A4832C5}"/>
               </a:ext>
             </a:extLst>
           </p:cNvPr>
@@ -5099,7 +5084,7 @@
         </p:nvSpPr>
         <p:spPr>
           <a:xfrm>
-            <a:off x="1331309" y="3688797"/>
+            <a:off x="1456428" y="4927781"/>
             <a:ext cx="3600400" cy="210010"/>
           </a:xfrm>
           <a:prstGeom prst="roundRect">
@@ -5159,8 +5144,8 @@
         </p:blipFill>
         <p:spPr>
           <a:xfrm>
-            <a:off x="5457619" y="5128956"/>
-            <a:ext cx="3239797" cy="893021"/>
+            <a:off x="5457057" y="4927781"/>
+            <a:ext cx="3456384" cy="952721"/>
           </a:xfrm>
           <a:prstGeom prst="rect">
             <a:avLst/>
@@ -5175,42 +5160,64 @@
           </a:ln>
         </p:spPr>
       </p:pic>
-      <p:pic>
-        <p:nvPicPr>
-          <p:cNvPr id="6" name="그림 5"/>
-          <p:cNvPicPr>
-            <a:picLocks noChangeAspect="1"/>
-          </p:cNvPicPr>
-          <p:nvPr/>
-        </p:nvPicPr>
-        <p:blipFill rotWithShape="1">
-          <a:blip r:embed="rId4">
+      <p:sp>
+        <p:nvSpPr>
+          <p:cNvPr id="13" name="모서리가 둥근 직사각형 12">
             <a:extLst>
-              <a:ext uri="{28A0092B-C50C-407E-A947-70E740481C1C}">
-                <a14:useLocalDpi xmlns:a14="http://schemas.microsoft.com/office/drawing/2010/main" val="0"/>
+              <a:ext uri="{FF2B5EF4-FFF2-40B4-BE49-F238E27FC236}">
+                <a16:creationId xmlns:a16="http://schemas.microsoft.com/office/drawing/2014/main" id="{792DA8B4-17B2-454B-97AC-17311A4832C5}"/>
               </a:ext>
             </a:extLst>
-          </a:blip>
-          <a:srcRect r="4249"/>
-          <a:stretch/>
-        </p:blipFill>
-        <p:spPr>
-          <a:xfrm>
-            <a:off x="5449256" y="4480885"/>
-            <a:ext cx="3247078" cy="533446"/>
-          </a:xfrm>
-          <a:prstGeom prst="rect">
-            <a:avLst/>
-          </a:prstGeom>
-          <a:ln>
+          </p:cNvPr>
+          <p:cNvSpPr/>
+          <p:nvPr/>
+        </p:nvSpPr>
+        <p:spPr>
+          <a:xfrm>
+            <a:off x="6593083" y="3460843"/>
+            <a:ext cx="2104334" cy="360040"/>
+          </a:xfrm>
+          <a:prstGeom prst="roundRect">
+            <a:avLst/>
+          </a:prstGeom>
+          <a:noFill/>
+          <a:ln w="12700">
             <a:solidFill>
-              <a:schemeClr val="bg1">
-                <a:lumMod val="85000"/>
-              </a:schemeClr>
+              <a:schemeClr val="tx1"/>
             </a:solidFill>
           </a:ln>
         </p:spPr>
-      </p:pic>
+        <p:style>
+          <a:lnRef idx="2">
+            <a:schemeClr val="accent2"/>
+          </a:lnRef>
+          <a:fillRef idx="1">
+            <a:schemeClr val="lt1"/>
+          </a:fillRef>
+          <a:effectRef idx="0">
+            <a:schemeClr val="accent2"/>
+          </a:effectRef>
+          <a:fontRef idx="minor">
+            <a:schemeClr val="dk1"/>
+          </a:fontRef>
+        </p:style>
+        <p:txBody>
+          <a:bodyPr rtlCol="0" anchor="ctr"/>
+          <a:lstStyle/>
+          <a:p>
+            <a:pPr algn="ctr"/>
+            <a:r>
+              <a:rPr lang="en-US" altLang="ko-KR" sz="1600" dirty="0"/>
+              <a:t>WEB-INF/web.xml</a:t>
+            </a:r>
+            <a:endParaRPr lang="en-US" altLang="ko-KR" sz="1600" dirty="0" smtClean="0">
+              <a:solidFill>
+                <a:sysClr val="windowText" lastClr="000000"/>
+              </a:solidFill>
+            </a:endParaRPr>
+          </a:p>
+        </p:txBody>
+      </p:sp>
     </p:spTree>
     <p:extLst>
       <p:ext uri="{BB962C8B-B14F-4D97-AF65-F5344CB8AC3E}">
@@ -5544,7 +5551,7 @@
           <p:cNvPr id="7" name="모서리가 둥근 직사각형 6">
             <a:extLst>
               <a:ext uri="{FF2B5EF4-FFF2-40B4-BE49-F238E27FC236}">
-                <a16:creationId xmlns:a16="http://schemas.microsoft.com/office/drawing/2014/main" xmlns="" id="{792DA8B4-17B2-454B-97AC-17311A4832C5}"/>
+                <a16:creationId xmlns:a16="http://schemas.microsoft.com/office/drawing/2014/main" id="{792DA8B4-17B2-454B-97AC-17311A4832C5}"/>
               </a:ext>
             </a:extLst>
           </p:cNvPr>
@@ -5586,21 +5593,18 @@
           <a:p>
             <a:pPr algn="ctr"/>
             <a:r>
-              <a:rPr lang="en-US" altLang="ko-KR" sz="1600" dirty="0" err="1" smtClean="0">
-                <a:solidFill>
-                  <a:sysClr val="windowText" lastClr="000000"/>
-                </a:solidFill>
-              </a:rPr>
-              <a:t>com.servlet</a:t>
-            </a:r>
-            <a:r>
               <a:rPr lang="en-US" altLang="ko-KR" sz="1600" dirty="0" smtClean="0">
                 <a:solidFill>
                   <a:sysClr val="windowText" lastClr="000000"/>
                 </a:solidFill>
               </a:rPr>
-              <a:t>/SecondServlet.java</a:t>
-            </a:r>
+              <a:t>servlet/SecondServlet.java</a:t>
+            </a:r>
+            <a:endParaRPr lang="en-US" altLang="ko-KR" sz="1600" dirty="0" smtClean="0">
+              <a:solidFill>
+                <a:sysClr val="windowText" lastClr="000000"/>
+              </a:solidFill>
+            </a:endParaRPr>
           </a:p>
         </p:txBody>
       </p:sp>
@@ -5773,7 +5777,7 @@
       </p:sp>
       <p:pic>
         <p:nvPicPr>
-          <p:cNvPr id="3" name="그림 2"/>
+          <p:cNvPr id="2" name="그림 1"/>
           <p:cNvPicPr>
             <a:picLocks noChangeAspect="1"/>
           </p:cNvPicPr>
@@ -5793,8 +5797,8 @@
         </p:blipFill>
         <p:spPr>
           <a:xfrm>
-            <a:off x="1518433" y="1783036"/>
-            <a:ext cx="6469941" cy="4061812"/>
+            <a:off x="1424608" y="1772816"/>
+            <a:ext cx="5913985" cy="4248472"/>
           </a:xfrm>
           <a:prstGeom prst="rect">
             <a:avLst/>
@@ -6051,7 +6055,7 @@
           <p:cNvPr id="11" name="모서리가 둥근 직사각형 10">
             <a:extLst>
               <a:ext uri="{FF2B5EF4-FFF2-40B4-BE49-F238E27FC236}">
-                <a16:creationId xmlns:a16="http://schemas.microsoft.com/office/drawing/2014/main" xmlns="" id="{792DA8B4-17B2-454B-97AC-17311A4832C5}"/>
+                <a16:creationId xmlns:a16="http://schemas.microsoft.com/office/drawing/2014/main" id="{792DA8B4-17B2-454B-97AC-17311A4832C5}"/>
               </a:ext>
             </a:extLst>
           </p:cNvPr>
@@ -6123,7 +6127,7 @@
           <p:cNvPr id="16" name="모서리가 둥근 직사각형 15">
             <a:extLst>
               <a:ext uri="{FF2B5EF4-FFF2-40B4-BE49-F238E27FC236}">
-                <a16:creationId xmlns:a16="http://schemas.microsoft.com/office/drawing/2014/main" xmlns="" id="{792DA8B4-17B2-454B-97AC-17311A4832C5}"/>
+                <a16:creationId xmlns:a16="http://schemas.microsoft.com/office/drawing/2014/main" id="{792DA8B4-17B2-454B-97AC-17311A4832C5}"/>
               </a:ext>
             </a:extLst>
           </p:cNvPr>
@@ -6452,7 +6456,7 @@
           <p:cNvPr id="14" name="모서리가 둥근 직사각형 13">
             <a:extLst>
               <a:ext uri="{FF2B5EF4-FFF2-40B4-BE49-F238E27FC236}">
-                <a16:creationId xmlns:a16="http://schemas.microsoft.com/office/drawing/2014/main" xmlns="" id="{792DA8B4-17B2-454B-97AC-17311A4832C5}"/>
+                <a16:creationId xmlns:a16="http://schemas.microsoft.com/office/drawing/2014/main" id="{792DA8B4-17B2-454B-97AC-17311A4832C5}"/>
               </a:ext>
             </a:extLst>
           </p:cNvPr>
@@ -6524,7 +6528,7 @@
           <p:cNvPr id="19" name="모서리가 둥근 직사각형 18">
             <a:extLst>
               <a:ext uri="{FF2B5EF4-FFF2-40B4-BE49-F238E27FC236}">
-                <a16:creationId xmlns:a16="http://schemas.microsoft.com/office/drawing/2014/main" xmlns="" id="{792DA8B4-17B2-454B-97AC-17311A4832C5}"/>
+                <a16:creationId xmlns:a16="http://schemas.microsoft.com/office/drawing/2014/main" id="{792DA8B4-17B2-454B-97AC-17311A4832C5}"/>
               </a:ext>
             </a:extLst>
           </p:cNvPr>
@@ -6616,7 +6620,7 @@
           <p:cNvPr id="23" name="모서리가 둥근 직사각형 22">
             <a:extLst>
               <a:ext uri="{FF2B5EF4-FFF2-40B4-BE49-F238E27FC236}">
-                <a16:creationId xmlns:a16="http://schemas.microsoft.com/office/drawing/2014/main" xmlns="" id="{792DA8B4-17B2-454B-97AC-17311A4832C5}"/>
+                <a16:creationId xmlns:a16="http://schemas.microsoft.com/office/drawing/2014/main" id="{792DA8B4-17B2-454B-97AC-17311A4832C5}"/>
               </a:ext>
             </a:extLst>
           </p:cNvPr>
@@ -6937,7 +6941,7 @@
             <p:cNvPr id="10" name="이등변 삼각형 9">
               <a:extLst>
                 <a:ext uri="{FF2B5EF4-FFF2-40B4-BE49-F238E27FC236}">
-                  <a16:creationId xmlns:a16="http://schemas.microsoft.com/office/drawing/2014/main" xmlns="" id="{A928C65B-0F62-4DFC-9220-DF40E5958238}"/>
+                  <a16:creationId xmlns:a16="http://schemas.microsoft.com/office/drawing/2014/main" id="{A928C65B-0F62-4DFC-9220-DF40E5958238}"/>
                 </a:ext>
               </a:extLst>
             </p:cNvPr>
@@ -6984,7 +6988,7 @@
             <p:cNvPr id="11" name="직선 연결선 10">
               <a:extLst>
                 <a:ext uri="{FF2B5EF4-FFF2-40B4-BE49-F238E27FC236}">
-                  <a16:creationId xmlns:a16="http://schemas.microsoft.com/office/drawing/2014/main" xmlns="" id="{D15E6F92-B9C8-4563-8C4E-646F583209B9}"/>
+                  <a16:creationId xmlns:a16="http://schemas.microsoft.com/office/drawing/2014/main" id="{D15E6F92-B9C8-4563-8C4E-646F583209B9}"/>
                 </a:ext>
               </a:extLst>
             </p:cNvPr>
@@ -7102,7 +7106,7 @@
             <p:cNvPr id="14" name="이등변 삼각형 13">
               <a:extLst>
                 <a:ext uri="{FF2B5EF4-FFF2-40B4-BE49-F238E27FC236}">
-                  <a16:creationId xmlns:a16="http://schemas.microsoft.com/office/drawing/2014/main" xmlns="" id="{A928C65B-0F62-4DFC-9220-DF40E5958238}"/>
+                  <a16:creationId xmlns:a16="http://schemas.microsoft.com/office/drawing/2014/main" id="{A928C65B-0F62-4DFC-9220-DF40E5958238}"/>
                 </a:ext>
               </a:extLst>
             </p:cNvPr>
@@ -7149,7 +7153,7 @@
             <p:cNvPr id="16" name="직선 연결선 15">
               <a:extLst>
                 <a:ext uri="{FF2B5EF4-FFF2-40B4-BE49-F238E27FC236}">
-                  <a16:creationId xmlns:a16="http://schemas.microsoft.com/office/drawing/2014/main" xmlns="" id="{D15E6F92-B9C8-4563-8C4E-646F583209B9}"/>
+                  <a16:creationId xmlns:a16="http://schemas.microsoft.com/office/drawing/2014/main" id="{D15E6F92-B9C8-4563-8C4E-646F583209B9}"/>
                 </a:ext>
               </a:extLst>
             </p:cNvPr>
@@ -7263,7 +7267,7 @@
             <p:cNvPr id="19" name="이등변 삼각형 18">
               <a:extLst>
                 <a:ext uri="{FF2B5EF4-FFF2-40B4-BE49-F238E27FC236}">
-                  <a16:creationId xmlns:a16="http://schemas.microsoft.com/office/drawing/2014/main" xmlns="" id="{A928C65B-0F62-4DFC-9220-DF40E5958238}"/>
+                  <a16:creationId xmlns:a16="http://schemas.microsoft.com/office/drawing/2014/main" id="{A928C65B-0F62-4DFC-9220-DF40E5958238}"/>
                 </a:ext>
               </a:extLst>
             </p:cNvPr>
@@ -7310,7 +7314,7 @@
             <p:cNvPr id="20" name="직선 연결선 19">
               <a:extLst>
                 <a:ext uri="{FF2B5EF4-FFF2-40B4-BE49-F238E27FC236}">
-                  <a16:creationId xmlns:a16="http://schemas.microsoft.com/office/drawing/2014/main" xmlns="" id="{D15E6F92-B9C8-4563-8C4E-646F583209B9}"/>
+                  <a16:creationId xmlns:a16="http://schemas.microsoft.com/office/drawing/2014/main" id="{D15E6F92-B9C8-4563-8C4E-646F583209B9}"/>
                 </a:ext>
               </a:extLst>
             </p:cNvPr>
@@ -7680,13 +7684,13 @@
       </p:sp>
       <p:pic>
         <p:nvPicPr>
-          <p:cNvPr id="5" name="그림 4"/>
+          <p:cNvPr id="3" name="그림 2"/>
           <p:cNvPicPr>
             <a:picLocks noChangeAspect="1"/>
           </p:cNvPicPr>
           <p:nvPr/>
         </p:nvPicPr>
-        <p:blipFill>
+        <p:blipFill rotWithShape="1">
           <a:blip r:embed="rId2">
             <a:extLst>
               <a:ext uri="{28A0092B-C50C-407E-A947-70E740481C1C}">
@@ -7694,14 +7698,13 @@
               </a:ext>
             </a:extLst>
           </a:blip>
-          <a:stretch>
-            <a:fillRect/>
-          </a:stretch>
+          <a:srcRect b="40822"/>
+          <a:stretch/>
         </p:blipFill>
         <p:spPr>
           <a:xfrm>
-            <a:off x="848544" y="1628800"/>
-            <a:ext cx="8178938" cy="2952328"/>
+            <a:off x="1339218" y="4797151"/>
+            <a:ext cx="3685790" cy="1661595"/>
           </a:xfrm>
           <a:prstGeom prst="rect">
             <a:avLst/>
@@ -7715,42 +7718,6 @@
           </a:ln>
         </p:spPr>
       </p:pic>
-      <p:pic>
-        <p:nvPicPr>
-          <p:cNvPr id="2" name="그림 1"/>
-          <p:cNvPicPr>
-            <a:picLocks noChangeAspect="1"/>
-          </p:cNvPicPr>
-          <p:nvPr/>
-        </p:nvPicPr>
-        <p:blipFill rotWithShape="1">
-          <a:blip r:embed="rId3">
-            <a:extLst>
-              <a:ext uri="{28A0092B-C50C-407E-A947-70E740481C1C}">
-                <a14:useLocalDpi xmlns:a14="http://schemas.microsoft.com/office/drawing/2010/main" val="0"/>
-              </a:ext>
-            </a:extLst>
-          </a:blip>
-          <a:srcRect b="50000"/>
-          <a:stretch/>
-        </p:blipFill>
-        <p:spPr>
-          <a:xfrm>
-            <a:off x="1529816" y="4437112"/>
-            <a:ext cx="3109085" cy="1433870"/>
-          </a:xfrm>
-          <a:prstGeom prst="rect">
-            <a:avLst/>
-          </a:prstGeom>
-          <a:ln>
-            <a:solidFill>
-              <a:schemeClr val="bg1">
-                <a:lumMod val="85000"/>
-              </a:schemeClr>
-            </a:solidFill>
-          </a:ln>
-        </p:spPr>
-      </p:pic>
       <p:sp>
         <p:nvSpPr>
           <p:cNvPr id="7" name="TextBox 6"/>
@@ -7759,7 +7726,7 @@
         </p:nvSpPr>
         <p:spPr>
           <a:xfrm>
-            <a:off x="4304928" y="4797152"/>
+            <a:off x="4592960" y="5301208"/>
             <a:ext cx="5104792" cy="866692"/>
           </a:xfrm>
           <a:prstGeom prst="roundRect">
@@ -7855,58 +7822,43 @@
           </a:p>
         </p:txBody>
       </p:sp>
-      <p:sp>
-        <p:nvSpPr>
-          <p:cNvPr id="16" name="모서리가 둥근 직사각형 15">
+      <p:pic>
+        <p:nvPicPr>
+          <p:cNvPr id="6" name="그림 5"/>
+          <p:cNvPicPr>
+            <a:picLocks noChangeAspect="1"/>
+          </p:cNvPicPr>
+          <p:nvPr/>
+        </p:nvPicPr>
+        <p:blipFill>
+          <a:blip r:embed="rId3">
             <a:extLst>
-              <a:ext uri="{FF2B5EF4-FFF2-40B4-BE49-F238E27FC236}">
-                <a16:creationId xmlns:a16="http://schemas.microsoft.com/office/drawing/2014/main" xmlns="" id="{792DA8B4-17B2-454B-97AC-17311A4832C5}"/>
+              <a:ext uri="{28A0092B-C50C-407E-A947-70E740481C1C}">
+                <a14:useLocalDpi xmlns:a14="http://schemas.microsoft.com/office/drawing/2010/main" val="0"/>
               </a:ext>
             </a:extLst>
-          </p:cNvPr>
-          <p:cNvSpPr/>
-          <p:nvPr/>
-        </p:nvSpPr>
-        <p:spPr>
-          <a:xfrm>
-            <a:off x="8392565" y="2774226"/>
-            <a:ext cx="648072" cy="301435"/>
-          </a:xfrm>
-          <a:prstGeom prst="roundRect">
-            <a:avLst/>
-          </a:prstGeom>
-          <a:noFill/>
+          </a:blip>
+          <a:stretch>
+            <a:fillRect/>
+          </a:stretch>
+        </p:blipFill>
+        <p:spPr>
+          <a:xfrm>
+            <a:off x="1280592" y="1534726"/>
+            <a:ext cx="6916236" cy="3108209"/>
+          </a:xfrm>
+          <a:prstGeom prst="rect">
+            <a:avLst/>
+          </a:prstGeom>
           <a:ln>
-            <a:prstDash val="sysDash"/>
+            <a:solidFill>
+              <a:schemeClr val="bg1">
+                <a:lumMod val="85000"/>
+              </a:schemeClr>
+            </a:solidFill>
           </a:ln>
         </p:spPr>
-        <p:style>
-          <a:lnRef idx="2">
-            <a:schemeClr val="accent2"/>
-          </a:lnRef>
-          <a:fillRef idx="1">
-            <a:schemeClr val="lt1"/>
-          </a:fillRef>
-          <a:effectRef idx="0">
-            <a:schemeClr val="accent2"/>
-          </a:effectRef>
-          <a:fontRef idx="minor">
-            <a:schemeClr val="dk1"/>
-          </a:fontRef>
-        </p:style>
-        <p:txBody>
-          <a:bodyPr rtlCol="0" anchor="ctr"/>
-          <a:lstStyle/>
-          <a:p>
-            <a:pPr algn="ctr"/>
-            <a:endParaRPr lang="ko-KR" altLang="en-US" sz="1300" dirty="0">
-              <a:solidFill>
-                <a:sysClr val="windowText" lastClr="000000"/>
-              </a:solidFill>
-            </a:endParaRPr>
-          </a:p>
-        </p:txBody>
-      </p:sp>
+      </p:pic>
     </p:spTree>
     <p:extLst>
       <p:ext uri="{BB962C8B-B14F-4D97-AF65-F5344CB8AC3E}">
@@ -7944,43 +7896,6 @@
           <a:chExt cx="0" cy="0"/>
         </a:xfrm>
       </p:grpSpPr>
-      <p:pic>
-        <p:nvPicPr>
-          <p:cNvPr id="5" name="그림 4"/>
-          <p:cNvPicPr>
-            <a:picLocks noChangeAspect="1"/>
-          </p:cNvPicPr>
-          <p:nvPr/>
-        </p:nvPicPr>
-        <p:blipFill>
-          <a:blip r:embed="rId2">
-            <a:extLst>
-              <a:ext uri="{28A0092B-C50C-407E-A947-70E740481C1C}">
-                <a14:useLocalDpi xmlns:a14="http://schemas.microsoft.com/office/drawing/2010/main" val="0"/>
-              </a:ext>
-            </a:extLst>
-          </a:blip>
-          <a:stretch>
-            <a:fillRect/>
-          </a:stretch>
-        </p:blipFill>
-        <p:spPr>
-          <a:xfrm>
-            <a:off x="747396" y="1809608"/>
-            <a:ext cx="8832346" cy="3238781"/>
-          </a:xfrm>
-          <a:prstGeom prst="rect">
-            <a:avLst/>
-          </a:prstGeom>
-          <a:ln>
-            <a:solidFill>
-              <a:schemeClr val="bg1">
-                <a:lumMod val="85000"/>
-              </a:schemeClr>
-            </a:solidFill>
-          </a:ln>
-        </p:spPr>
-      </p:pic>
       <p:sp>
         <p:nvSpPr>
           <p:cNvPr id="15" name="제목 5"/>
@@ -8148,6 +8063,43 @@
       </p:sp>
       <p:pic>
         <p:nvPicPr>
+          <p:cNvPr id="2" name="그림 1"/>
+          <p:cNvPicPr>
+            <a:picLocks noChangeAspect="1"/>
+          </p:cNvPicPr>
+          <p:nvPr/>
+        </p:nvPicPr>
+        <p:blipFill>
+          <a:blip r:embed="rId2">
+            <a:extLst>
+              <a:ext uri="{28A0092B-C50C-407E-A947-70E740481C1C}">
+                <a14:useLocalDpi xmlns:a14="http://schemas.microsoft.com/office/drawing/2010/main" val="0"/>
+              </a:ext>
+            </a:extLst>
+          </a:blip>
+          <a:stretch>
+            <a:fillRect/>
+          </a:stretch>
+        </p:blipFill>
+        <p:spPr>
+          <a:xfrm>
+            <a:off x="933101" y="1855333"/>
+            <a:ext cx="8039797" cy="3147333"/>
+          </a:xfrm>
+          <a:prstGeom prst="rect">
+            <a:avLst/>
+          </a:prstGeom>
+          <a:ln>
+            <a:solidFill>
+              <a:schemeClr val="bg1">
+                <a:lumMod val="85000"/>
+              </a:schemeClr>
+            </a:solidFill>
+          </a:ln>
+        </p:spPr>
+      </p:pic>
+      <p:pic>
+        <p:nvPicPr>
           <p:cNvPr id="3" name="그림 2"/>
           <p:cNvPicPr>
             <a:picLocks noChangeAspect="1"/>
@@ -8187,7 +8139,7 @@
           <p:cNvPr id="9" name="모서리가 둥근 직사각형 8">
             <a:extLst>
               <a:ext uri="{FF2B5EF4-FFF2-40B4-BE49-F238E27FC236}">
-                <a16:creationId xmlns:a16="http://schemas.microsoft.com/office/drawing/2014/main" xmlns="" id="{792DA8B4-17B2-454B-97AC-17311A4832C5}"/>
+                <a16:creationId xmlns:a16="http://schemas.microsoft.com/office/drawing/2014/main" id="{792DA8B4-17B2-454B-97AC-17311A4832C5}"/>
               </a:ext>
             </a:extLst>
           </p:cNvPr>
@@ -8196,8 +8148,8 @@
         </p:nvSpPr>
         <p:spPr>
           <a:xfrm>
-            <a:off x="1466938" y="3140968"/>
-            <a:ext cx="5862326" cy="368951"/>
+            <a:off x="1496616" y="2348880"/>
+            <a:ext cx="6192688" cy="720080"/>
           </a:xfrm>
           <a:prstGeom prst="roundRect">
             <a:avLst/>
@@ -8632,7 +8584,7 @@
           <p:cNvPr id="16" name="모서리가 둥근 직사각형 15">
             <a:extLst>
               <a:ext uri="{FF2B5EF4-FFF2-40B4-BE49-F238E27FC236}">
-                <a16:creationId xmlns:a16="http://schemas.microsoft.com/office/drawing/2014/main" xmlns="" id="{792DA8B4-17B2-454B-97AC-17311A4832C5}"/>
+                <a16:creationId xmlns:a16="http://schemas.microsoft.com/office/drawing/2014/main" id="{792DA8B4-17B2-454B-97AC-17311A4832C5}"/>
               </a:ext>
             </a:extLst>
           </p:cNvPr>
@@ -9252,7 +9204,7 @@
           <p:cNvPr id="29" name="내용 개체 틀 2">
             <a:extLst>
               <a:ext uri="{FF2B5EF4-FFF2-40B4-BE49-F238E27FC236}">
-                <a16:creationId xmlns:a16="http://schemas.microsoft.com/office/drawing/2014/main" xmlns="" id="{2BF5621B-67C3-4A25-A1B1-779ADAACC6F7}"/>
+                <a16:creationId xmlns:a16="http://schemas.microsoft.com/office/drawing/2014/main" id="{2BF5621B-67C3-4A25-A1B1-779ADAACC6F7}"/>
               </a:ext>
             </a:extLst>
           </p:cNvPr>
@@ -9523,43 +9475,6 @@
           <a:chExt cx="0" cy="0"/>
         </a:xfrm>
       </p:grpSpPr>
-      <p:pic>
-        <p:nvPicPr>
-          <p:cNvPr id="5" name="그림 4"/>
-          <p:cNvPicPr>
-            <a:picLocks noChangeAspect="1"/>
-          </p:cNvPicPr>
-          <p:nvPr/>
-        </p:nvPicPr>
-        <p:blipFill>
-          <a:blip r:embed="rId2">
-            <a:extLst>
-              <a:ext uri="{28A0092B-C50C-407E-A947-70E740481C1C}">
-                <a14:useLocalDpi xmlns:a14="http://schemas.microsoft.com/office/drawing/2010/main" val="0"/>
-              </a:ext>
-            </a:extLst>
-          </a:blip>
-          <a:stretch>
-            <a:fillRect/>
-          </a:stretch>
-        </p:blipFill>
-        <p:spPr>
-          <a:xfrm>
-            <a:off x="5270762" y="4036818"/>
-            <a:ext cx="3795089" cy="838273"/>
-          </a:xfrm>
-          <a:prstGeom prst="rect">
-            <a:avLst/>
-          </a:prstGeom>
-          <a:ln>
-            <a:solidFill>
-              <a:schemeClr val="bg1">
-                <a:lumMod val="85000"/>
-              </a:schemeClr>
-            </a:solidFill>
-          </a:ln>
-        </p:spPr>
-      </p:pic>
       <p:sp>
         <p:nvSpPr>
           <p:cNvPr id="15" name="제목 5"/>
@@ -9644,7 +9559,7 @@
         </p:nvSpPr>
         <p:spPr>
           <a:xfrm>
-            <a:off x="776536" y="980728"/>
+            <a:off x="776536" y="1223338"/>
             <a:ext cx="8496944" cy="494494"/>
           </a:xfrm>
           <a:prstGeom prst="rect">
@@ -9692,14 +9607,14 @@
           <p:nvPr>
             <p:extLst>
               <p:ext uri="{D42A27DB-BD31-4B8C-83A1-F6EECF244321}">
-                <p14:modId xmlns:p14="http://schemas.microsoft.com/office/powerpoint/2010/main" val="1171266129"/>
+                <p14:modId xmlns:p14="http://schemas.microsoft.com/office/powerpoint/2010/main" val="2805769180"/>
               </p:ext>
             </p:extLst>
           </p:nvPr>
         </p:nvGraphicFramePr>
         <p:xfrm>
-          <a:off x="776536" y="1700808"/>
-          <a:ext cx="8640960" cy="1828800"/>
+          <a:off x="776536" y="2060848"/>
+          <a:ext cx="8640960" cy="2448272"/>
         </p:xfrm>
         <a:graphic>
           <a:graphicData uri="http://schemas.openxmlformats.org/drawingml/2006/table">
@@ -9708,11 +9623,29 @@
                 <a:tableStyleId>{5940675A-B579-460E-94D1-54222C63F5DA}</a:tableStyleId>
               </a:tblPr>
               <a:tblGrid>
-                <a:gridCol w="2808312"/>
-                <a:gridCol w="1440160"/>
-                <a:gridCol w="4392488"/>
+                <a:gridCol w="2808312">
+                  <a:extLst>
+                    <a:ext uri="{9D8B030D-6E8A-4147-A177-3AD203B41FA5}">
+                      <a16:colId xmlns:a16="http://schemas.microsoft.com/office/drawing/2014/main" val="20000"/>
+                    </a:ext>
+                  </a:extLst>
+                </a:gridCol>
+                <a:gridCol w="1440160">
+                  <a:extLst>
+                    <a:ext uri="{9D8B030D-6E8A-4147-A177-3AD203B41FA5}">
+                      <a16:colId xmlns:a16="http://schemas.microsoft.com/office/drawing/2014/main" val="20001"/>
+                    </a:ext>
+                  </a:extLst>
+                </a:gridCol>
+                <a:gridCol w="4392488">
+                  <a:extLst>
+                    <a:ext uri="{9D8B030D-6E8A-4147-A177-3AD203B41FA5}">
+                      <a16:colId xmlns:a16="http://schemas.microsoft.com/office/drawing/2014/main" val="20002"/>
+                    </a:ext>
+                  </a:extLst>
+                </a:gridCol>
               </a:tblGrid>
-              <a:tr h="290432">
+              <a:tr h="448850">
                 <a:tc>
                   <a:txBody>
                     <a:bodyPr/>
@@ -9785,8 +9718,13 @@
                     </a:solidFill>
                   </a:tcPr>
                 </a:tc>
+                <a:extLst>
+                  <a:ext uri="{0D108BD9-81ED-4DB2-BD59-A6C34878D82A}">
+                    <a16:rowId xmlns:a16="http://schemas.microsoft.com/office/drawing/2014/main" val="10000"/>
+                  </a:ext>
+                </a:extLst>
               </a:tr>
-              <a:tr h="290432">
+              <a:tr h="448850">
                 <a:tc>
                   <a:txBody>
                     <a:bodyPr/>
@@ -9867,8 +9805,13 @@
                     </a:lnR>
                   </a:tcPr>
                 </a:tc>
+                <a:extLst>
+                  <a:ext uri="{0D108BD9-81ED-4DB2-BD59-A6C34878D82A}">
+                    <a16:rowId xmlns:a16="http://schemas.microsoft.com/office/drawing/2014/main" val="10001"/>
+                  </a:ext>
+                </a:extLst>
               </a:tr>
-              <a:tr h="501656">
+              <a:tr h="775286">
                 <a:tc>
                   <a:txBody>
                     <a:bodyPr/>
@@ -9980,8 +9923,13 @@
                     </a:lnR>
                   </a:tcPr>
                 </a:tc>
+                <a:extLst>
+                  <a:ext uri="{0D108BD9-81ED-4DB2-BD59-A6C34878D82A}">
+                    <a16:rowId xmlns:a16="http://schemas.microsoft.com/office/drawing/2014/main" val="10002"/>
+                  </a:ext>
+                </a:extLst>
               </a:tr>
-              <a:tr h="501656">
+              <a:tr h="775286">
                 <a:tc>
                   <a:txBody>
                     <a:bodyPr/>
@@ -10077,172 +10025,16 @@
                     </a:lnR>
                   </a:tcPr>
                 </a:tc>
+                <a:extLst>
+                  <a:ext uri="{0D108BD9-81ED-4DB2-BD59-A6C34878D82A}">
+                    <a16:rowId xmlns:a16="http://schemas.microsoft.com/office/drawing/2014/main" val="10003"/>
+                  </a:ext>
+                </a:extLst>
               </a:tr>
             </a:tbl>
           </a:graphicData>
         </a:graphic>
       </p:graphicFrame>
-      <p:cxnSp>
-        <p:nvCxnSpPr>
-          <p:cNvPr id="16" name="직선 화살표 연결선 15"/>
-          <p:cNvCxnSpPr/>
-          <p:nvPr/>
-        </p:nvCxnSpPr>
-        <p:spPr>
-          <a:xfrm>
-            <a:off x="4736976" y="4875092"/>
-            <a:ext cx="576064" cy="0"/>
-          </a:xfrm>
-          <a:prstGeom prst="straightConnector1">
-            <a:avLst/>
-          </a:prstGeom>
-          <a:ln w="9525">
-            <a:solidFill>
-              <a:srgbClr val="C00000"/>
-            </a:solidFill>
-            <a:prstDash val="solid"/>
-            <a:headEnd type="none" w="med" len="med"/>
-            <a:tailEnd type="triangle" w="med" len="med"/>
-          </a:ln>
-        </p:spPr>
-        <p:style>
-          <a:lnRef idx="1">
-            <a:schemeClr val="accent1"/>
-          </a:lnRef>
-          <a:fillRef idx="0">
-            <a:schemeClr val="accent1"/>
-          </a:fillRef>
-          <a:effectRef idx="0">
-            <a:schemeClr val="accent1"/>
-          </a:effectRef>
-          <a:fontRef idx="minor">
-            <a:schemeClr val="tx1"/>
-          </a:fontRef>
-        </p:style>
-      </p:cxnSp>
-      <p:sp>
-        <p:nvSpPr>
-          <p:cNvPr id="18" name="모서리가 둥근 직사각형 17">
-            <a:extLst>
-              <a:ext uri="{FF2B5EF4-FFF2-40B4-BE49-F238E27FC236}">
-                <a16:creationId xmlns:a16="http://schemas.microsoft.com/office/drawing/2014/main" xmlns="" id="{792DA8B4-17B2-454B-97AC-17311A4832C5}"/>
-              </a:ext>
-            </a:extLst>
-          </p:cNvPr>
-          <p:cNvSpPr/>
-          <p:nvPr/>
-        </p:nvSpPr>
-        <p:spPr>
-          <a:xfrm>
-            <a:off x="5476120" y="4725144"/>
-            <a:ext cx="3384376" cy="299896"/>
-          </a:xfrm>
-          <a:prstGeom prst="roundRect">
-            <a:avLst/>
-          </a:prstGeom>
-          <a:noFill/>
-        </p:spPr>
-        <p:style>
-          <a:lnRef idx="2">
-            <a:schemeClr val="accent2"/>
-          </a:lnRef>
-          <a:fillRef idx="1">
-            <a:schemeClr val="lt1"/>
-          </a:fillRef>
-          <a:effectRef idx="0">
-            <a:schemeClr val="accent2"/>
-          </a:effectRef>
-          <a:fontRef idx="minor">
-            <a:schemeClr val="dk1"/>
-          </a:fontRef>
-        </p:style>
-        <p:txBody>
-          <a:bodyPr rtlCol="0" anchor="ctr"/>
-          <a:lstStyle/>
-          <a:p>
-            <a:r>
-              <a:rPr lang="ko-KR" altLang="en-US" sz="1600" dirty="0" smtClean="0">
-                <a:solidFill>
-                  <a:sysClr val="windowText" lastClr="000000"/>
-                </a:solidFill>
-              </a:rPr>
-              <a:t>브라우저엔  내용이 출력되지 않음</a:t>
-            </a:r>
-            <a:endParaRPr lang="en-US" altLang="ko-KR" sz="1600" dirty="0" smtClean="0">
-              <a:solidFill>
-                <a:sysClr val="windowText" lastClr="000000"/>
-              </a:solidFill>
-            </a:endParaRPr>
-          </a:p>
-        </p:txBody>
-      </p:sp>
-      <p:pic>
-        <p:nvPicPr>
-          <p:cNvPr id="13" name="그림 12"/>
-          <p:cNvPicPr>
-            <a:picLocks noChangeAspect="1"/>
-          </p:cNvPicPr>
-          <p:nvPr/>
-        </p:nvPicPr>
-        <p:blipFill>
-          <a:blip r:embed="rId3">
-            <a:extLst>
-              <a:ext uri="{28A0092B-C50C-407E-A947-70E740481C1C}">
-                <a14:useLocalDpi xmlns:a14="http://schemas.microsoft.com/office/drawing/2010/main" val="0"/>
-              </a:ext>
-            </a:extLst>
-          </a:blip>
-          <a:stretch>
-            <a:fillRect/>
-          </a:stretch>
-        </p:blipFill>
-        <p:spPr>
-          <a:xfrm>
-            <a:off x="5423177" y="5157192"/>
-            <a:ext cx="3798374" cy="802022"/>
-          </a:xfrm>
-          <a:prstGeom prst="rect">
-            <a:avLst/>
-          </a:prstGeom>
-        </p:spPr>
-      </p:pic>
-      <p:pic>
-        <p:nvPicPr>
-          <p:cNvPr id="3" name="그림 2"/>
-          <p:cNvPicPr>
-            <a:picLocks noChangeAspect="1"/>
-          </p:cNvPicPr>
-          <p:nvPr/>
-        </p:nvPicPr>
-        <p:blipFill>
-          <a:blip r:embed="rId4">
-            <a:extLst>
-              <a:ext uri="{28A0092B-C50C-407E-A947-70E740481C1C}">
-                <a14:useLocalDpi xmlns:a14="http://schemas.microsoft.com/office/drawing/2010/main" val="0"/>
-              </a:ext>
-            </a:extLst>
-          </a:blip>
-          <a:stretch>
-            <a:fillRect/>
-          </a:stretch>
-        </p:blipFill>
-        <p:spPr>
-          <a:xfrm>
-            <a:off x="992560" y="4082543"/>
-            <a:ext cx="3665538" cy="1585097"/>
-          </a:xfrm>
-          <a:prstGeom prst="rect">
-            <a:avLst/>
-          </a:prstGeom>
-          <a:ln>
-            <a:solidFill>
-              <a:schemeClr val="bg1">
-                <a:lumMod val="85000"/>
-              </a:schemeClr>
-            </a:solidFill>
-          </a:ln>
-        </p:spPr>
-      </p:pic>
     </p:spTree>
     <p:extLst>
       <p:ext uri="{BB962C8B-B14F-4D97-AF65-F5344CB8AC3E}">
@@ -10356,185 +10148,63 @@
           </a:p>
         </p:txBody>
       </p:sp>
-      <p:pic>
-        <p:nvPicPr>
-          <p:cNvPr id="5" name="그림 4"/>
-          <p:cNvPicPr>
-            <a:picLocks noChangeAspect="1"/>
-          </p:cNvPicPr>
-          <p:nvPr/>
-        </p:nvPicPr>
-        <p:blipFill>
-          <a:blip r:embed="rId2">
-            <a:extLst>
-              <a:ext uri="{28A0092B-C50C-407E-A947-70E740481C1C}">
-                <a14:useLocalDpi xmlns:a14="http://schemas.microsoft.com/office/drawing/2010/main" val="0"/>
-              </a:ext>
-            </a:extLst>
-          </a:blip>
-          <a:stretch>
-            <a:fillRect/>
-          </a:stretch>
-        </p:blipFill>
-        <p:spPr>
-          <a:xfrm>
-            <a:off x="1453976" y="2352364"/>
-            <a:ext cx="6451352" cy="2228764"/>
+      <p:sp>
+        <p:nvSpPr>
+          <p:cNvPr id="4" name="TextBox 3"/>
+          <p:cNvSpPr txBox="1"/>
+          <p:nvPr/>
+        </p:nvSpPr>
+        <p:spPr>
+          <a:xfrm>
+            <a:off x="776536" y="980728"/>
+            <a:ext cx="8496944" cy="494494"/>
           </a:xfrm>
           <a:prstGeom prst="rect">
             <a:avLst/>
           </a:prstGeom>
-          <a:ln>
-            <a:solidFill>
-              <a:schemeClr val="bg1">
-                <a:lumMod val="85000"/>
-              </a:schemeClr>
-            </a:solidFill>
-          </a:ln>
-        </p:spPr>
-      </p:pic>
-      <p:sp>
-        <p:nvSpPr>
-          <p:cNvPr id="19" name="모서리가 둥근 직사각형 18">
-            <a:extLst>
-              <a:ext uri="{FF2B5EF4-FFF2-40B4-BE49-F238E27FC236}">
-                <a16:creationId xmlns:a16="http://schemas.microsoft.com/office/drawing/2014/main" xmlns="" id="{792DA8B4-17B2-454B-97AC-17311A4832C5}"/>
-              </a:ext>
-            </a:extLst>
-          </p:cNvPr>
-          <p:cNvSpPr/>
-          <p:nvPr/>
-        </p:nvSpPr>
-        <p:spPr>
-          <a:xfrm>
-            <a:off x="3023344" y="1688216"/>
-            <a:ext cx="2376264" cy="299896"/>
-          </a:xfrm>
-          <a:prstGeom prst="roundRect">
-            <a:avLst/>
-          </a:prstGeom>
           <a:noFill/>
         </p:spPr>
-        <p:style>
-          <a:lnRef idx="2">
-            <a:schemeClr val="accent2"/>
-          </a:lnRef>
-          <a:fillRef idx="1">
-            <a:schemeClr val="lt1"/>
-          </a:fillRef>
-          <a:effectRef idx="0">
-            <a:schemeClr val="accent2"/>
-          </a:effectRef>
-          <a:fontRef idx="minor">
-            <a:schemeClr val="dk1"/>
-          </a:fontRef>
-        </p:style>
-        <p:txBody>
-          <a:bodyPr rtlCol="0" anchor="ctr"/>
+        <p:txBody>
+          <a:bodyPr wrap="square" rtlCol="0">
+            <a:spAutoFit/>
+          </a:bodyPr>
           <a:lstStyle/>
           <a:p>
-            <a:r>
-              <a:rPr lang="en-US" altLang="ko-KR" sz="1600" dirty="0" err="1" smtClean="0">
-                <a:solidFill>
-                  <a:sysClr val="windowText" lastClr="000000"/>
-                </a:solidFill>
-              </a:rPr>
-              <a:t>LoginServlet</a:t>
-            </a:r>
-            <a:r>
-              <a:rPr lang="ko-KR" altLang="en-US" sz="1600" dirty="0" smtClean="0">
-                <a:solidFill>
-                  <a:sysClr val="windowText" lastClr="000000"/>
-                </a:solidFill>
-              </a:rPr>
+            <a:pPr>
+              <a:lnSpc>
+                <a:spcPct val="150000"/>
+              </a:lnSpc>
+            </a:pPr>
+            <a:r>
+              <a:rPr lang="en-US" altLang="ko-KR" sz="2000" b="1" dirty="0" err="1" smtClean="0"/>
+              <a:t>HttpServletRequest</a:t>
+            </a:r>
+            <a:r>
+              <a:rPr lang="ko-KR" altLang="en-US" sz="2000" b="1" dirty="0" smtClean="0"/>
+              <a:t>로</a:t>
+            </a:r>
+            <a:r>
+              <a:rPr lang="en-US" altLang="ko-KR" sz="2000" b="1" dirty="0" smtClean="0"/>
               <a:t> </a:t>
             </a:r>
             <a:r>
-              <a:rPr lang="ko-KR" altLang="en-US" sz="1600" dirty="0" err="1" smtClean="0">
-                <a:solidFill>
-                  <a:sysClr val="windowText" lastClr="000000"/>
-                </a:solidFill>
-              </a:rPr>
-              <a:t>매핑</a:t>
-            </a:r>
-            <a:r>
-              <a:rPr lang="ko-KR" altLang="en-US" sz="1600" dirty="0" smtClean="0">
-                <a:solidFill>
-                  <a:sysClr val="windowText" lastClr="000000"/>
-                </a:solidFill>
-              </a:rPr>
-              <a:t> 이름</a:t>
-            </a:r>
-            <a:endParaRPr lang="en-US" altLang="ko-KR" sz="1600" dirty="0" smtClean="0">
-              <a:solidFill>
-                <a:sysClr val="windowText" lastClr="000000"/>
-              </a:solidFill>
-            </a:endParaRPr>
-          </a:p>
-        </p:txBody>
-      </p:sp>
-      <p:sp>
-        <p:nvSpPr>
-          <p:cNvPr id="22" name="모서리가 둥근 직사각형 21">
-            <a:extLst>
-              <a:ext uri="{FF2B5EF4-FFF2-40B4-BE49-F238E27FC236}">
-                <a16:creationId xmlns:a16="http://schemas.microsoft.com/office/drawing/2014/main" xmlns="" id="{792DA8B4-17B2-454B-97AC-17311A4832C5}"/>
-              </a:ext>
-            </a:extLst>
-          </p:cNvPr>
-          <p:cNvSpPr/>
-          <p:nvPr/>
-        </p:nvSpPr>
-        <p:spPr>
-          <a:xfrm>
-            <a:off x="2663304" y="2256207"/>
-            <a:ext cx="720080" cy="301435"/>
-          </a:xfrm>
-          <a:prstGeom prst="roundRect">
-            <a:avLst/>
-          </a:prstGeom>
-          <a:noFill/>
-          <a:ln>
-            <a:prstDash val="sysDash"/>
-          </a:ln>
-        </p:spPr>
-        <p:style>
-          <a:lnRef idx="2">
-            <a:schemeClr val="accent2"/>
-          </a:lnRef>
-          <a:fillRef idx="1">
-            <a:schemeClr val="lt1"/>
-          </a:fillRef>
-          <a:effectRef idx="0">
-            <a:schemeClr val="accent2"/>
-          </a:effectRef>
-          <a:fontRef idx="minor">
-            <a:schemeClr val="dk1"/>
-          </a:fontRef>
-        </p:style>
-        <p:txBody>
-          <a:bodyPr rtlCol="0" anchor="ctr"/>
-          <a:lstStyle/>
-          <a:p>
-            <a:pPr algn="ctr"/>
-            <a:endParaRPr lang="ko-KR" altLang="en-US" sz="1300" dirty="0">
-              <a:solidFill>
-                <a:sysClr val="windowText" lastClr="000000"/>
-              </a:solidFill>
-            </a:endParaRPr>
+              <a:rPr lang="ko-KR" altLang="en-US" sz="2000" b="1" dirty="0" smtClean="0"/>
+              <a:t>요청 실습</a:t>
+            </a:r>
+            <a:endParaRPr lang="en-US" altLang="ko-KR" sz="2000" b="1" dirty="0" smtClean="0"/>
           </a:p>
         </p:txBody>
       </p:sp>
       <p:cxnSp>
         <p:nvCxnSpPr>
-          <p:cNvPr id="23" name="직선 화살표 연결선 22"/>
+          <p:cNvPr id="16" name="직선 화살표 연결선 15"/>
           <p:cNvCxnSpPr/>
           <p:nvPr/>
         </p:nvCxnSpPr>
         <p:spPr>
-          <a:xfrm flipH="1">
-            <a:off x="3138181" y="1988112"/>
-            <a:ext cx="144016" cy="242837"/>
+          <a:xfrm>
+            <a:off x="4664968" y="2473917"/>
+            <a:ext cx="576064" cy="0"/>
           </a:xfrm>
           <a:prstGeom prst="straightConnector1">
             <a:avLst/>
@@ -10563,12 +10233,49 @@
           </a:fontRef>
         </p:style>
       </p:cxnSp>
-      <p:sp>
-        <p:nvSpPr>
-          <p:cNvPr id="7" name="모서리가 둥근 직사각형 6">
+      <p:pic>
+        <p:nvPicPr>
+          <p:cNvPr id="6" name="그림 5"/>
+          <p:cNvPicPr>
+            <a:picLocks noChangeAspect="1"/>
+          </p:cNvPicPr>
+          <p:nvPr/>
+        </p:nvPicPr>
+        <p:blipFill>
+          <a:blip r:embed="rId2">
+            <a:extLst>
+              <a:ext uri="{28A0092B-C50C-407E-A947-70E740481C1C}">
+                <a14:useLocalDpi xmlns:a14="http://schemas.microsoft.com/office/drawing/2010/main" val="0"/>
+              </a:ext>
+            </a:extLst>
+          </a:blip>
+          <a:stretch>
+            <a:fillRect/>
+          </a:stretch>
+        </p:blipFill>
+        <p:spPr>
+          <a:xfrm>
+            <a:off x="5404112" y="1772816"/>
+            <a:ext cx="3221296" cy="717577"/>
+          </a:xfrm>
+          <a:prstGeom prst="rect">
+            <a:avLst/>
+          </a:prstGeom>
+          <a:ln>
+            <a:solidFill>
+              <a:schemeClr val="bg1">
+                <a:lumMod val="85000"/>
+              </a:schemeClr>
+            </a:solidFill>
+          </a:ln>
+        </p:spPr>
+      </p:pic>
+      <p:sp>
+        <p:nvSpPr>
+          <p:cNvPr id="18" name="모서리가 둥근 직사각형 17">
             <a:extLst>
               <a:ext uri="{FF2B5EF4-FFF2-40B4-BE49-F238E27FC236}">
-                <a16:creationId xmlns:a16="http://schemas.microsoft.com/office/drawing/2014/main" xmlns="" id="{792DA8B4-17B2-454B-97AC-17311A4832C5}"/>
+                <a16:creationId xmlns:a16="http://schemas.microsoft.com/office/drawing/2014/main" id="{792DA8B4-17B2-454B-97AC-17311A4832C5}"/>
               </a:ext>
             </a:extLst>
           </p:cNvPr>
@@ -10577,18 +10284,13 @@
         </p:nvSpPr>
         <p:spPr>
           <a:xfrm>
-            <a:off x="5838688" y="1901440"/>
-            <a:ext cx="2066640" cy="360040"/>
+            <a:off x="5330954" y="2401448"/>
+            <a:ext cx="3384376" cy="299896"/>
           </a:xfrm>
           <a:prstGeom prst="roundRect">
             <a:avLst/>
           </a:prstGeom>
           <a:noFill/>
-          <a:ln w="12700">
-            <a:solidFill>
-              <a:schemeClr val="tx1"/>
-            </a:solidFill>
-          </a:ln>
         </p:spPr>
         <p:style>
           <a:lnRef idx="2">
@@ -10608,14 +10310,13 @@
           <a:bodyPr rtlCol="0" anchor="ctr"/>
           <a:lstStyle/>
           <a:p>
-            <a:pPr algn="ctr"/>
-            <a:r>
-              <a:rPr lang="en-US" altLang="ko-KR" sz="1600" dirty="0" err="1" smtClean="0">
+            <a:r>
+              <a:rPr lang="ko-KR" altLang="en-US" sz="1600" dirty="0" smtClean="0">
                 <a:solidFill>
                   <a:sysClr val="windowText" lastClr="000000"/>
                 </a:solidFill>
               </a:rPr>
-              <a:t>loginForm.jsp</a:t>
+              <a:t>브라우저엔  내용이 출력되지 않음</a:t>
             </a:r>
             <a:endParaRPr lang="en-US" altLang="ko-KR" sz="1600" dirty="0" smtClean="0">
               <a:solidFill>
@@ -10625,10 +10326,158 @@
           </a:p>
         </p:txBody>
       </p:sp>
+      <p:pic>
+        <p:nvPicPr>
+          <p:cNvPr id="13" name="그림 12"/>
+          <p:cNvPicPr>
+            <a:picLocks noChangeAspect="1"/>
+          </p:cNvPicPr>
+          <p:nvPr/>
+        </p:nvPicPr>
+        <p:blipFill>
+          <a:blip r:embed="rId3">
+            <a:extLst>
+              <a:ext uri="{28A0092B-C50C-407E-A947-70E740481C1C}">
+                <a14:useLocalDpi xmlns:a14="http://schemas.microsoft.com/office/drawing/2010/main" val="0"/>
+              </a:ext>
+            </a:extLst>
+          </a:blip>
+          <a:stretch>
+            <a:fillRect/>
+          </a:stretch>
+        </p:blipFill>
+        <p:spPr>
+          <a:xfrm>
+            <a:off x="5195469" y="2865454"/>
+            <a:ext cx="3798374" cy="802022"/>
+          </a:xfrm>
+          <a:prstGeom prst="rect">
+            <a:avLst/>
+          </a:prstGeom>
+          <a:ln>
+            <a:solidFill>
+              <a:schemeClr val="bg1">
+                <a:lumMod val="85000"/>
+              </a:schemeClr>
+            </a:solidFill>
+          </a:ln>
+        </p:spPr>
+      </p:pic>
+      <p:pic>
+        <p:nvPicPr>
+          <p:cNvPr id="2" name="그림 1"/>
+          <p:cNvPicPr>
+            <a:picLocks noChangeAspect="1"/>
+          </p:cNvPicPr>
+          <p:nvPr/>
+        </p:nvPicPr>
+        <p:blipFill>
+          <a:blip r:embed="rId4">
+            <a:extLst>
+              <a:ext uri="{28A0092B-C50C-407E-A947-70E740481C1C}">
+                <a14:useLocalDpi xmlns:a14="http://schemas.microsoft.com/office/drawing/2010/main" val="0"/>
+              </a:ext>
+            </a:extLst>
+          </a:blip>
+          <a:stretch>
+            <a:fillRect/>
+          </a:stretch>
+        </p:blipFill>
+        <p:spPr>
+          <a:xfrm>
+            <a:off x="1130060" y="1787503"/>
+            <a:ext cx="3453368" cy="1878148"/>
+          </a:xfrm>
+          <a:prstGeom prst="rect">
+            <a:avLst/>
+          </a:prstGeom>
+          <a:ln>
+            <a:solidFill>
+              <a:schemeClr val="bg1">
+                <a:lumMod val="85000"/>
+              </a:schemeClr>
+            </a:solidFill>
+          </a:ln>
+        </p:spPr>
+      </p:pic>
+      <p:pic>
+        <p:nvPicPr>
+          <p:cNvPr id="8" name="그림 7"/>
+          <p:cNvPicPr>
+            <a:picLocks noChangeAspect="1"/>
+          </p:cNvPicPr>
+          <p:nvPr/>
+        </p:nvPicPr>
+        <p:blipFill>
+          <a:blip r:embed="rId5">
+            <a:extLst>
+              <a:ext uri="{28A0092B-C50C-407E-A947-70E740481C1C}">
+                <a14:useLocalDpi xmlns:a14="http://schemas.microsoft.com/office/drawing/2010/main" val="0"/>
+              </a:ext>
+            </a:extLst>
+          </a:blip>
+          <a:stretch>
+            <a:fillRect/>
+          </a:stretch>
+        </p:blipFill>
+        <p:spPr>
+          <a:xfrm>
+            <a:off x="1709834" y="4051620"/>
+            <a:ext cx="2534737" cy="2113684"/>
+          </a:xfrm>
+          <a:prstGeom prst="rect">
+            <a:avLst/>
+          </a:prstGeom>
+          <a:ln>
+            <a:solidFill>
+              <a:schemeClr val="bg1">
+                <a:lumMod val="85000"/>
+              </a:schemeClr>
+            </a:solidFill>
+          </a:ln>
+        </p:spPr>
+      </p:pic>
+      <p:pic>
+        <p:nvPicPr>
+          <p:cNvPr id="9" name="그림 8"/>
+          <p:cNvPicPr>
+            <a:picLocks noChangeAspect="1"/>
+          </p:cNvPicPr>
+          <p:nvPr/>
+        </p:nvPicPr>
+        <p:blipFill>
+          <a:blip r:embed="rId6">
+            <a:extLst>
+              <a:ext uri="{28A0092B-C50C-407E-A947-70E740481C1C}">
+                <a14:useLocalDpi xmlns:a14="http://schemas.microsoft.com/office/drawing/2010/main" val="0"/>
+              </a:ext>
+            </a:extLst>
+          </a:blip>
+          <a:stretch>
+            <a:fillRect/>
+          </a:stretch>
+        </p:blipFill>
+        <p:spPr>
+          <a:xfrm>
+            <a:off x="4615747" y="4056811"/>
+            <a:ext cx="2019475" cy="2103302"/>
+          </a:xfrm>
+          <a:prstGeom prst="rect">
+            <a:avLst/>
+          </a:prstGeom>
+          <a:ln>
+            <a:solidFill>
+              <a:schemeClr val="bg1">
+                <a:lumMod val="85000"/>
+              </a:schemeClr>
+            </a:solidFill>
+          </a:ln>
+        </p:spPr>
+      </p:pic>
     </p:spTree>
     <p:extLst>
       <p:ext uri="{BB962C8B-B14F-4D97-AF65-F5344CB8AC3E}">
-        <p14:creationId xmlns:p14="http://schemas.microsoft.com/office/powerpoint/2010/main" val="3105063166"/>
+        <p14:creationId xmlns:p14="http://schemas.microsoft.com/office/powerpoint/2010/main" val="1730797574"/>
       </p:ext>
     </p:extLst>
   </p:cSld>
@@ -10738,60 +10587,9 @@
           </a:p>
         </p:txBody>
       </p:sp>
-      <p:sp>
-        <p:nvSpPr>
-          <p:cNvPr id="4" name="TextBox 3"/>
-          <p:cNvSpPr txBox="1"/>
-          <p:nvPr/>
-        </p:nvSpPr>
-        <p:spPr>
-          <a:xfrm>
-            <a:off x="776536" y="980728"/>
-            <a:ext cx="8496944" cy="553998"/>
-          </a:xfrm>
-          <a:prstGeom prst="rect">
-            <a:avLst/>
-          </a:prstGeom>
-          <a:noFill/>
-        </p:spPr>
-        <p:txBody>
-          <a:bodyPr wrap="square" rtlCol="0">
-            <a:spAutoFit/>
-          </a:bodyPr>
-          <a:lstStyle/>
-          <a:p>
-            <a:pPr>
-              <a:lnSpc>
-                <a:spcPct val="150000"/>
-              </a:lnSpc>
-            </a:pPr>
-            <a:r>
-              <a:rPr lang="en-US" altLang="ko-KR" sz="2000" b="1" dirty="0" err="1" smtClean="0"/>
-              <a:t>LoginServet</a:t>
-            </a:r>
-            <a:r>
-              <a:rPr lang="en-US" altLang="ko-KR" sz="2000" b="1" dirty="0"/>
-              <a:t> </a:t>
-            </a:r>
-            <a:r>
-              <a:rPr lang="en-US" altLang="ko-KR" sz="2000" b="1" dirty="0" smtClean="0"/>
-              <a:t>– </a:t>
-            </a:r>
-            <a:r>
-              <a:rPr lang="ko-KR" altLang="en-US" sz="2000" b="1" dirty="0" err="1" smtClean="0"/>
-              <a:t>애너테이션</a:t>
-            </a:r>
-            <a:r>
-              <a:rPr lang="ko-KR" altLang="en-US" sz="2000" b="1" dirty="0" smtClean="0"/>
-              <a:t> 방식</a:t>
-            </a:r>
-            <a:endParaRPr lang="en-US" altLang="ko-KR" sz="2000" b="1" dirty="0" smtClean="0"/>
-          </a:p>
-        </p:txBody>
-      </p:sp>
       <p:pic>
         <p:nvPicPr>
-          <p:cNvPr id="2" name="그림 1"/>
+          <p:cNvPr id="5" name="그림 4"/>
           <p:cNvPicPr>
             <a:picLocks noChangeAspect="1"/>
           </p:cNvPicPr>
@@ -10811,8 +10609,8 @@
         </p:blipFill>
         <p:spPr>
           <a:xfrm>
-            <a:off x="992560" y="1700808"/>
-            <a:ext cx="7776864" cy="3696001"/>
+            <a:off x="1136576" y="2288008"/>
+            <a:ext cx="7488833" cy="2723845"/>
           </a:xfrm>
           <a:prstGeom prst="rect">
             <a:avLst/>
@@ -10828,10 +10626,10 @@
       </p:pic>
       <p:sp>
         <p:nvSpPr>
-          <p:cNvPr id="6" name="모서리가 둥근 직사각형 5">
+          <p:cNvPr id="19" name="모서리가 둥근 직사각형 18">
             <a:extLst>
               <a:ext uri="{FF2B5EF4-FFF2-40B4-BE49-F238E27FC236}">
-                <a16:creationId xmlns:a16="http://schemas.microsoft.com/office/drawing/2014/main" xmlns="" id="{792DA8B4-17B2-454B-97AC-17311A4832C5}"/>
+                <a16:creationId xmlns:a16="http://schemas.microsoft.com/office/drawing/2014/main" id="{792DA8B4-17B2-454B-97AC-17311A4832C5}"/>
               </a:ext>
             </a:extLst>
           </p:cNvPr>
@@ -10840,16 +10638,13 @@
         </p:nvSpPr>
         <p:spPr>
           <a:xfrm>
-            <a:off x="704528" y="3179857"/>
-            <a:ext cx="8568952" cy="2481391"/>
+            <a:off x="3023344" y="1688216"/>
+            <a:ext cx="2376264" cy="299896"/>
           </a:xfrm>
           <a:prstGeom prst="roundRect">
             <a:avLst/>
           </a:prstGeom>
           <a:noFill/>
-          <a:ln>
-            <a:prstDash val="sysDash"/>
-          </a:ln>
         </p:spPr>
         <p:style>
           <a:lnRef idx="2">
@@ -10869,8 +10664,39 @@
           <a:bodyPr rtlCol="0" anchor="ctr"/>
           <a:lstStyle/>
           <a:p>
-            <a:pPr algn="ctr"/>
-            <a:endParaRPr lang="ko-KR" altLang="en-US" sz="1300" dirty="0">
+            <a:r>
+              <a:rPr lang="en-US" altLang="ko-KR" sz="1600" dirty="0" err="1" smtClean="0">
+                <a:solidFill>
+                  <a:sysClr val="windowText" lastClr="000000"/>
+                </a:solidFill>
+              </a:rPr>
+              <a:t>LoginServlet</a:t>
+            </a:r>
+            <a:r>
+              <a:rPr lang="ko-KR" altLang="en-US" sz="1600" dirty="0" smtClean="0">
+                <a:solidFill>
+                  <a:sysClr val="windowText" lastClr="000000"/>
+                </a:solidFill>
+              </a:rPr>
+              <a:t> </a:t>
+            </a:r>
+            <a:r>
+              <a:rPr lang="ko-KR" altLang="en-US" sz="1600" dirty="0" err="1" smtClean="0">
+                <a:solidFill>
+                  <a:sysClr val="windowText" lastClr="000000"/>
+                </a:solidFill>
+              </a:rPr>
+              <a:t>매핑</a:t>
+            </a:r>
+            <a:r>
+              <a:rPr lang="ko-KR" altLang="en-US" sz="1600" dirty="0" smtClean="0">
+                <a:solidFill>
+                  <a:sysClr val="windowText" lastClr="000000"/>
+                </a:solidFill>
+              </a:rPr>
+              <a:t> 이름</a:t>
+            </a:r>
+            <a:endParaRPr lang="en-US" altLang="ko-KR" sz="1600" dirty="0" smtClean="0">
               <a:solidFill>
                 <a:sysClr val="windowText" lastClr="000000"/>
               </a:solidFill>
@@ -10880,68 +10706,10 @@
       </p:sp>
       <p:sp>
         <p:nvSpPr>
-          <p:cNvPr id="3" name="TextBox 2"/>
-          <p:cNvSpPr txBox="1"/>
-          <p:nvPr/>
-        </p:nvSpPr>
-        <p:spPr>
-          <a:xfrm>
-            <a:off x="3224808" y="5796992"/>
-            <a:ext cx="5544616" cy="369332"/>
-          </a:xfrm>
-          <a:prstGeom prst="rect">
-            <a:avLst/>
-          </a:prstGeom>
-          <a:noFill/>
-        </p:spPr>
-        <p:txBody>
-          <a:bodyPr wrap="square" rtlCol="0">
-            <a:spAutoFit/>
-          </a:bodyPr>
-          <a:lstStyle/>
-          <a:p>
-            <a:r>
-              <a:rPr lang="en-US" altLang="ko-KR" dirty="0"/>
-              <a:t>m</a:t>
-            </a:r>
-            <a:r>
-              <a:rPr lang="en-US" altLang="ko-KR" dirty="0" smtClean="0"/>
-              <a:t>ethod </a:t>
-            </a:r>
-            <a:r>
-              <a:rPr lang="ko-KR" altLang="en-US" dirty="0" smtClean="0"/>
-              <a:t>방식이 </a:t>
-            </a:r>
-            <a:r>
-              <a:rPr lang="en-US" altLang="ko-KR" dirty="0" smtClean="0"/>
-              <a:t>post</a:t>
-            </a:r>
-            <a:r>
-              <a:rPr lang="ko-KR" altLang="en-US" dirty="0" smtClean="0"/>
-              <a:t>이므로 </a:t>
-            </a:r>
-            <a:r>
-              <a:rPr lang="en-US" altLang="ko-KR" dirty="0" err="1" smtClean="0"/>
-              <a:t>doPost</a:t>
-            </a:r>
-            <a:r>
-              <a:rPr lang="en-US" altLang="ko-KR" dirty="0" smtClean="0"/>
-              <a:t>() </a:t>
-            </a:r>
-            <a:r>
-              <a:rPr lang="ko-KR" altLang="en-US" dirty="0" err="1" smtClean="0"/>
-              <a:t>사용해야함</a:t>
-            </a:r>
-            <a:endParaRPr lang="ko-KR" altLang="en-US" dirty="0"/>
-          </a:p>
-        </p:txBody>
-      </p:sp>
-      <p:sp>
-        <p:nvSpPr>
-          <p:cNvPr id="8" name="모서리가 둥근 직사각형 7">
+          <p:cNvPr id="22" name="모서리가 둥근 직사각형 21">
             <a:extLst>
               <a:ext uri="{FF2B5EF4-FFF2-40B4-BE49-F238E27FC236}">
-                <a16:creationId xmlns:a16="http://schemas.microsoft.com/office/drawing/2014/main" xmlns="" id="{792DA8B4-17B2-454B-97AC-17311A4832C5}"/>
+                <a16:creationId xmlns:a16="http://schemas.microsoft.com/office/drawing/2014/main" id="{792DA8B4-17B2-454B-97AC-17311A4832C5}"/>
               </a:ext>
             </a:extLst>
           </p:cNvPr>
@@ -10950,17 +10718,15 @@
         </p:nvSpPr>
         <p:spPr>
           <a:xfrm>
-            <a:off x="6034760" y="1530669"/>
-            <a:ext cx="3222358" cy="360040"/>
+            <a:off x="2576736" y="2204864"/>
+            <a:ext cx="936104" cy="380705"/>
           </a:xfrm>
           <a:prstGeom prst="roundRect">
             <a:avLst/>
           </a:prstGeom>
           <a:noFill/>
-          <a:ln w="12700">
-            <a:solidFill>
-              <a:schemeClr val="tx1"/>
-            </a:solidFill>
+          <a:ln>
+            <a:prstDash val="sysDash"/>
           </a:ln>
         </p:spPr>
         <p:style>
@@ -10982,29 +10748,118 @@
           <a:lstStyle/>
           <a:p>
             <a:pPr algn="ctr"/>
+            <a:endParaRPr lang="ko-KR" altLang="en-US" sz="1300" dirty="0">
+              <a:solidFill>
+                <a:sysClr val="windowText" lastClr="000000"/>
+              </a:solidFill>
+            </a:endParaRPr>
+          </a:p>
+        </p:txBody>
+      </p:sp>
+      <p:cxnSp>
+        <p:nvCxnSpPr>
+          <p:cNvPr id="23" name="직선 화살표 연결선 22"/>
+          <p:cNvCxnSpPr/>
+          <p:nvPr/>
+        </p:nvCxnSpPr>
+        <p:spPr>
+          <a:xfrm flipH="1">
+            <a:off x="3138181" y="1988112"/>
+            <a:ext cx="144016" cy="242837"/>
+          </a:xfrm>
+          <a:prstGeom prst="straightConnector1">
+            <a:avLst/>
+          </a:prstGeom>
+          <a:ln w="9525">
+            <a:solidFill>
+              <a:srgbClr val="C00000"/>
+            </a:solidFill>
+            <a:prstDash val="solid"/>
+            <a:headEnd type="none" w="med" len="med"/>
+            <a:tailEnd type="triangle" w="med" len="med"/>
+          </a:ln>
+        </p:spPr>
+        <p:style>
+          <a:lnRef idx="1">
+            <a:schemeClr val="accent1"/>
+          </a:lnRef>
+          <a:fillRef idx="0">
+            <a:schemeClr val="accent1"/>
+          </a:fillRef>
+          <a:effectRef idx="0">
+            <a:schemeClr val="accent1"/>
+          </a:effectRef>
+          <a:fontRef idx="minor">
+            <a:schemeClr val="tx1"/>
+          </a:fontRef>
+        </p:style>
+      </p:cxnSp>
+      <p:sp>
+        <p:nvSpPr>
+          <p:cNvPr id="7" name="모서리가 둥근 직사각형 6">
+            <a:extLst>
+              <a:ext uri="{FF2B5EF4-FFF2-40B4-BE49-F238E27FC236}">
+                <a16:creationId xmlns:a16="http://schemas.microsoft.com/office/drawing/2014/main" id="{792DA8B4-17B2-454B-97AC-17311A4832C5}"/>
+              </a:ext>
+            </a:extLst>
+          </p:cNvPr>
+          <p:cNvSpPr/>
+          <p:nvPr/>
+        </p:nvSpPr>
+        <p:spPr>
+          <a:xfrm>
+            <a:off x="7113240" y="2585569"/>
+            <a:ext cx="1728192" cy="360040"/>
+          </a:xfrm>
+          <a:prstGeom prst="roundRect">
+            <a:avLst/>
+          </a:prstGeom>
+          <a:noFill/>
+          <a:ln w="12700">
+            <a:solidFill>
+              <a:schemeClr val="tx1"/>
+            </a:solidFill>
+          </a:ln>
+        </p:spPr>
+        <p:style>
+          <a:lnRef idx="2">
+            <a:schemeClr val="accent2"/>
+          </a:lnRef>
+          <a:fillRef idx="1">
+            <a:schemeClr val="lt1"/>
+          </a:fillRef>
+          <a:effectRef idx="0">
+            <a:schemeClr val="accent2"/>
+          </a:effectRef>
+          <a:fontRef idx="minor">
+            <a:schemeClr val="dk1"/>
+          </a:fontRef>
+        </p:style>
+        <p:txBody>
+          <a:bodyPr rtlCol="0" anchor="ctr"/>
+          <a:lstStyle/>
+          <a:p>
+            <a:pPr algn="ctr"/>
             <a:r>
               <a:rPr lang="en-US" altLang="ko-KR" sz="1600" dirty="0" err="1" smtClean="0">
                 <a:solidFill>
                   <a:sysClr val="windowText" lastClr="000000"/>
                 </a:solidFill>
               </a:rPr>
-              <a:t>com.servlet</a:t>
-            </a:r>
-            <a:r>
-              <a:rPr lang="en-US" altLang="ko-KR" sz="1600" dirty="0" smtClean="0">
-                <a:solidFill>
-                  <a:sysClr val="windowText" lastClr="000000"/>
-                </a:solidFill>
-              </a:rPr>
-              <a:t>/LoginServlet.java</a:t>
-            </a:r>
+              <a:t>loginForm.jsp</a:t>
+            </a:r>
+            <a:endParaRPr lang="en-US" altLang="ko-KR" sz="1600" dirty="0" smtClean="0">
+              <a:solidFill>
+                <a:sysClr val="windowText" lastClr="000000"/>
+              </a:solidFill>
+            </a:endParaRPr>
           </a:p>
         </p:txBody>
       </p:sp>
     </p:spTree>
     <p:extLst>
       <p:ext uri="{BB962C8B-B14F-4D97-AF65-F5344CB8AC3E}">
-        <p14:creationId xmlns:p14="http://schemas.microsoft.com/office/powerpoint/2010/main" val="556377807"/>
+        <p14:creationId xmlns:p14="http://schemas.microsoft.com/office/powerpoint/2010/main" val="3105063166"/>
       </p:ext>
     </p:extLst>
   </p:cSld>
@@ -11040,7 +10895,7 @@
       </p:grpSpPr>
       <p:pic>
         <p:nvPicPr>
-          <p:cNvPr id="7" name="그림 6"/>
+          <p:cNvPr id="5" name="그림 4"/>
           <p:cNvPicPr>
             <a:picLocks noChangeAspect="1"/>
           </p:cNvPicPr>
@@ -11060,8 +10915,8 @@
         </p:blipFill>
         <p:spPr>
           <a:xfrm>
-            <a:off x="1496615" y="3546981"/>
-            <a:ext cx="7304056" cy="2762339"/>
+            <a:off x="1136576" y="1687870"/>
+            <a:ext cx="7496110" cy="4198641"/>
           </a:xfrm>
           <a:prstGeom prst="rect">
             <a:avLst/>
@@ -11120,37 +10975,32 @@
               <a:t> </a:t>
             </a:r>
             <a:r>
-              <a:rPr lang="ko-KR" altLang="en-US" b="1" dirty="0" err="1">
+              <a:rPr lang="en-US" altLang="ko-KR" b="1" dirty="0" smtClean="0">
                 <a:latin typeface="휴먼엑스포" panose="02030504000101010101" pitchFamily="18" charset="-127"/>
                 <a:ea typeface="휴먼엑스포" panose="02030504000101010101" pitchFamily="18" charset="-127"/>
               </a:rPr>
-              <a:t>서블릿의</a:t>
-            </a:r>
-            <a:r>
-              <a:rPr lang="ko-KR" altLang="en-US" b="1" dirty="0">
-                <a:latin typeface="휴먼엑스포" panose="02030504000101010101" pitchFamily="18" charset="-127"/>
-                <a:ea typeface="휴먼엑스포" panose="02030504000101010101" pitchFamily="18" charset="-127"/>
-              </a:rPr>
-              <a:t> 응답 </a:t>
+              <a:t>&lt;form&gt; </a:t>
             </a:r>
             <a:r>
               <a:rPr lang="ko-KR" altLang="en-US" b="1" dirty="0" smtClean="0">
                 <a:latin typeface="휴먼엑스포" panose="02030504000101010101" pitchFamily="18" charset="-127"/>
                 <a:ea typeface="휴먼엑스포" panose="02030504000101010101" pitchFamily="18" charset="-127"/>
               </a:rPr>
-              <a:t>처리</a:t>
-            </a:r>
-            <a:r>
-              <a:rPr lang="ko-KR" altLang="en-US" dirty="0"/>
-              <a:t> </a:t>
-            </a:r>
-            <a:r>
-              <a:rPr lang="en-US" altLang="ko-KR" dirty="0" smtClean="0"/>
-              <a:t>– html</a:t>
-            </a:r>
-            <a:r>
-              <a:rPr lang="ko-KR" altLang="en-US" dirty="0" smtClean="0"/>
-              <a:t>형식으로 응답</a:t>
+              <a:t>태그로 </a:t>
+            </a:r>
+            <a:r>
+              <a:rPr lang="ko-KR" altLang="en-US" b="1" dirty="0" err="1" smtClean="0">
+                <a:latin typeface="휴먼엑스포" panose="02030504000101010101" pitchFamily="18" charset="-127"/>
+                <a:ea typeface="휴먼엑스포" panose="02030504000101010101" pitchFamily="18" charset="-127"/>
+              </a:rPr>
+              <a:t>서블릿에</a:t>
+            </a:r>
+            <a:r>
+              <a:rPr lang="ko-KR" altLang="en-US" b="1" dirty="0" smtClean="0">
+                <a:latin typeface="휴먼엑스포" panose="02030504000101010101" pitchFamily="18" charset="-127"/>
+                <a:ea typeface="휴먼엑스포" panose="02030504000101010101" pitchFamily="18" charset="-127"/>
+              </a:rPr>
+              <a:t> 요청하기</a:t>
             </a:r>
             <a:endParaRPr lang="ko-KR" altLang="en-US" dirty="0"/>
           </a:p>
@@ -11184,34 +11034,129 @@
               </a:lnSpc>
             </a:pPr>
             <a:r>
+              <a:rPr lang="en-US" altLang="ko-KR" sz="2000" b="1" dirty="0" err="1" smtClean="0"/>
+              <a:t>LoginServet</a:t>
+            </a:r>
+            <a:r>
+              <a:rPr lang="en-US" altLang="ko-KR" sz="2000" b="1" dirty="0"/>
+              <a:t> </a:t>
+            </a:r>
+            <a:r>
               <a:rPr lang="en-US" altLang="ko-KR" sz="2000" b="1" dirty="0" smtClean="0"/>
-              <a:t>LoginServlet2</a:t>
+              <a:t>– </a:t>
+            </a:r>
+            <a:r>
+              <a:rPr lang="ko-KR" altLang="en-US" sz="2000" b="1" dirty="0" err="1" smtClean="0"/>
+              <a:t>애너테이션</a:t>
             </a:r>
             <a:r>
               <a:rPr lang="ko-KR" altLang="en-US" sz="2000" b="1" dirty="0" smtClean="0"/>
-              <a:t>에서 웹 브라우저로 출력</a:t>
-            </a:r>
-            <a:r>
-              <a:rPr lang="en-US" altLang="ko-KR" sz="2000" b="1" dirty="0" smtClean="0"/>
-              <a:t>(</a:t>
-            </a:r>
-            <a:r>
-              <a:rPr lang="ko-KR" altLang="en-US" sz="2000" b="1" dirty="0" smtClean="0"/>
-              <a:t>보여주기</a:t>
-            </a:r>
-            <a:r>
-              <a:rPr lang="en-US" altLang="ko-KR" sz="2000" b="1" dirty="0" smtClean="0"/>
-              <a:t>)</a:t>
-            </a:r>
-          </a:p>
-        </p:txBody>
-      </p:sp>
-      <p:sp>
-        <p:nvSpPr>
-          <p:cNvPr id="19" name="모서리가 둥근 직사각형 18">
+              <a:t> 방식</a:t>
+            </a:r>
+            <a:endParaRPr lang="en-US" altLang="ko-KR" sz="2000" b="1" dirty="0" smtClean="0"/>
+          </a:p>
+        </p:txBody>
+      </p:sp>
+      <p:sp>
+        <p:nvSpPr>
+          <p:cNvPr id="3" name="TextBox 2"/>
+          <p:cNvSpPr txBox="1"/>
+          <p:nvPr/>
+        </p:nvSpPr>
+        <p:spPr>
+          <a:xfrm>
+            <a:off x="1712640" y="5949280"/>
+            <a:ext cx="5544616" cy="369332"/>
+          </a:xfrm>
+          <a:prstGeom prst="rect">
+            <a:avLst/>
+          </a:prstGeom>
+          <a:noFill/>
+        </p:spPr>
+        <p:txBody>
+          <a:bodyPr wrap="square" rtlCol="0">
+            <a:spAutoFit/>
+          </a:bodyPr>
+          <a:lstStyle/>
+          <a:p>
+            <a:r>
+              <a:rPr lang="en-US" altLang="ko-KR" b="1" i="1" dirty="0">
+                <a:solidFill>
+                  <a:srgbClr val="C00000"/>
+                </a:solidFill>
+              </a:rPr>
+              <a:t>m</a:t>
+            </a:r>
+            <a:r>
+              <a:rPr lang="en-US" altLang="ko-KR" b="1" i="1" dirty="0" smtClean="0">
+                <a:solidFill>
+                  <a:srgbClr val="C00000"/>
+                </a:solidFill>
+              </a:rPr>
+              <a:t>ethod </a:t>
+            </a:r>
+            <a:r>
+              <a:rPr lang="ko-KR" altLang="en-US" b="1" i="1" dirty="0" smtClean="0">
+                <a:solidFill>
+                  <a:srgbClr val="C00000"/>
+                </a:solidFill>
+              </a:rPr>
+              <a:t>방식이 </a:t>
+            </a:r>
+            <a:r>
+              <a:rPr lang="en-US" altLang="ko-KR" b="1" i="1" dirty="0" smtClean="0">
+                <a:solidFill>
+                  <a:srgbClr val="C00000"/>
+                </a:solidFill>
+              </a:rPr>
+              <a:t>post</a:t>
+            </a:r>
+            <a:r>
+              <a:rPr lang="ko-KR" altLang="en-US" b="1" i="1" dirty="0" smtClean="0">
+                <a:solidFill>
+                  <a:srgbClr val="C00000"/>
+                </a:solidFill>
+              </a:rPr>
+              <a:t>이므로 </a:t>
+            </a:r>
+            <a:r>
+              <a:rPr lang="en-US" altLang="ko-KR" b="1" i="1" dirty="0" err="1" smtClean="0">
+                <a:solidFill>
+                  <a:srgbClr val="C00000"/>
+                </a:solidFill>
+              </a:rPr>
+              <a:t>doPost</a:t>
+            </a:r>
+            <a:r>
+              <a:rPr lang="en-US" altLang="ko-KR" b="1" i="1" dirty="0" smtClean="0">
+                <a:solidFill>
+                  <a:srgbClr val="C00000"/>
+                </a:solidFill>
+              </a:rPr>
+              <a:t>() </a:t>
+            </a:r>
+            <a:r>
+              <a:rPr lang="ko-KR" altLang="en-US" b="1" i="1" dirty="0" err="1" smtClean="0">
+                <a:solidFill>
+                  <a:srgbClr val="C00000"/>
+                </a:solidFill>
+              </a:rPr>
+              <a:t>사용해야함</a:t>
+            </a:r>
+            <a:endParaRPr lang="ko-KR" altLang="en-US" b="1" i="1" dirty="0">
+              <a:solidFill>
+                <a:srgbClr val="C00000"/>
+              </a:solidFill>
+            </a:endParaRPr>
+          </a:p>
+        </p:txBody>
+      </p:sp>
+      <p:sp>
+        <p:nvSpPr>
+          <p:cNvPr id="8" name="모서리가 둥근 직사각형 7">
             <a:extLst>
               <a:ext uri="{FF2B5EF4-FFF2-40B4-BE49-F238E27FC236}">
-                <a16:creationId xmlns:a16="http://schemas.microsoft.com/office/drawing/2014/main" xmlns="" id="{792DA8B4-17B2-454B-97AC-17311A4832C5}"/>
+                <a16:creationId xmlns:a16="http://schemas.microsoft.com/office/drawing/2014/main" id="{792DA8B4-17B2-454B-97AC-17311A4832C5}"/>
               </a:ext>
             </a:extLst>
           </p:cNvPr>
@@ -11220,13 +11165,18 @@
         </p:nvSpPr>
         <p:spPr>
           <a:xfrm>
-            <a:off x="6609184" y="4731444"/>
-            <a:ext cx="2952328" cy="299896"/>
+            <a:off x="6034760" y="1530669"/>
+            <a:ext cx="3222358" cy="360040"/>
           </a:xfrm>
           <a:prstGeom prst="roundRect">
             <a:avLst/>
           </a:prstGeom>
           <a:noFill/>
+          <a:ln w="12700">
+            <a:solidFill>
+              <a:schemeClr val="tx1"/>
+            </a:solidFill>
+          </a:ln>
         </p:spPr>
         <p:style>
           <a:lnRef idx="2">
@@ -11246,29 +11196,14 @@
           <a:bodyPr rtlCol="0" anchor="ctr"/>
           <a:lstStyle/>
           <a:p>
-            <a:r>
-              <a:rPr lang="en-US" altLang="ko-KR" sz="1600" dirty="0">
-                <a:solidFill>
-                  <a:sysClr val="windowText" lastClr="000000"/>
-                </a:solidFill>
-              </a:rPr>
-              <a:t>h</a:t>
-            </a:r>
+            <a:pPr algn="ctr"/>
             <a:r>
               <a:rPr lang="en-US" altLang="ko-KR" sz="1600" dirty="0" smtClean="0">
                 <a:solidFill>
                   <a:sysClr val="windowText" lastClr="000000"/>
                 </a:solidFill>
               </a:rPr>
-              <a:t>idden </a:t>
-            </a:r>
-            <a:r>
-              <a:rPr lang="ko-KR" altLang="en-US" sz="1600" dirty="0" smtClean="0">
-                <a:solidFill>
-                  <a:sysClr val="windowText" lastClr="000000"/>
-                </a:solidFill>
-              </a:rPr>
-              <a:t>타입으로 정보 보내기</a:t>
+              <a:t>member/LoginServlet.java</a:t>
             </a:r>
             <a:endParaRPr lang="en-US" altLang="ko-KR" sz="1600" dirty="0" smtClean="0">
               <a:solidFill>
@@ -11278,267 +11213,10 @@
           </a:p>
         </p:txBody>
       </p:sp>
-      <p:sp>
-        <p:nvSpPr>
-          <p:cNvPr id="22" name="모서리가 둥근 직사각형 21">
-            <a:extLst>
-              <a:ext uri="{FF2B5EF4-FFF2-40B4-BE49-F238E27FC236}">
-                <a16:creationId xmlns:a16="http://schemas.microsoft.com/office/drawing/2014/main" xmlns="" id="{792DA8B4-17B2-454B-97AC-17311A4832C5}"/>
-              </a:ext>
-            </a:extLst>
-          </p:cNvPr>
-          <p:cNvSpPr/>
-          <p:nvPr/>
-        </p:nvSpPr>
-        <p:spPr>
-          <a:xfrm>
-            <a:off x="2135756" y="3528293"/>
-            <a:ext cx="1728192" cy="301435"/>
-          </a:xfrm>
-          <a:prstGeom prst="roundRect">
-            <a:avLst/>
-          </a:prstGeom>
-          <a:noFill/>
-          <a:ln>
-            <a:prstDash val="sysDash"/>
-          </a:ln>
-        </p:spPr>
-        <p:style>
-          <a:lnRef idx="2">
-            <a:schemeClr val="accent2"/>
-          </a:lnRef>
-          <a:fillRef idx="1">
-            <a:schemeClr val="lt1"/>
-          </a:fillRef>
-          <a:effectRef idx="0">
-            <a:schemeClr val="accent2"/>
-          </a:effectRef>
-          <a:fontRef idx="minor">
-            <a:schemeClr val="dk1"/>
-          </a:fontRef>
-        </p:style>
-        <p:txBody>
-          <a:bodyPr rtlCol="0" anchor="ctr"/>
-          <a:lstStyle/>
-          <a:p>
-            <a:pPr algn="ctr"/>
-            <a:endParaRPr lang="ko-KR" altLang="en-US" sz="1300" dirty="0">
-              <a:solidFill>
-                <a:sysClr val="windowText" lastClr="000000"/>
-              </a:solidFill>
-            </a:endParaRPr>
-          </a:p>
-        </p:txBody>
-      </p:sp>
-      <p:cxnSp>
-        <p:nvCxnSpPr>
-          <p:cNvPr id="29" name="직선 화살표 연결선 28"/>
-          <p:cNvCxnSpPr/>
-          <p:nvPr/>
-        </p:nvCxnSpPr>
-        <p:spPr>
-          <a:xfrm flipH="1">
-            <a:off x="7278394" y="5031340"/>
-            <a:ext cx="338902" cy="545976"/>
-          </a:xfrm>
-          <a:prstGeom prst="straightConnector1">
-            <a:avLst/>
-          </a:prstGeom>
-          <a:ln w="9525">
-            <a:solidFill>
-              <a:srgbClr val="C00000"/>
-            </a:solidFill>
-            <a:prstDash val="solid"/>
-            <a:headEnd type="none" w="med" len="med"/>
-            <a:tailEnd type="triangle" w="med" len="med"/>
-          </a:ln>
-        </p:spPr>
-        <p:style>
-          <a:lnRef idx="1">
-            <a:schemeClr val="accent1"/>
-          </a:lnRef>
-          <a:fillRef idx="0">
-            <a:schemeClr val="accent1"/>
-          </a:fillRef>
-          <a:effectRef idx="0">
-            <a:schemeClr val="accent1"/>
-          </a:effectRef>
-          <a:fontRef idx="minor">
-            <a:schemeClr val="tx1"/>
-          </a:fontRef>
-        </p:style>
-      </p:cxnSp>
-      <p:sp>
-        <p:nvSpPr>
-          <p:cNvPr id="31" name="모서리가 둥근 직사각형 30">
-            <a:extLst>
-              <a:ext uri="{FF2B5EF4-FFF2-40B4-BE49-F238E27FC236}">
-                <a16:creationId xmlns:a16="http://schemas.microsoft.com/office/drawing/2014/main" xmlns="" id="{792DA8B4-17B2-454B-97AC-17311A4832C5}"/>
-              </a:ext>
-            </a:extLst>
-          </p:cNvPr>
-          <p:cNvSpPr/>
-          <p:nvPr/>
-        </p:nvSpPr>
-        <p:spPr>
-          <a:xfrm>
-            <a:off x="1496615" y="5566378"/>
-            <a:ext cx="7200801" cy="324035"/>
-          </a:xfrm>
-          <a:prstGeom prst="roundRect">
-            <a:avLst/>
-          </a:prstGeom>
-          <a:noFill/>
-          <a:ln>
-            <a:solidFill>
-              <a:srgbClr val="002060"/>
-            </a:solidFill>
-            <a:prstDash val="sysDash"/>
-          </a:ln>
-        </p:spPr>
-        <p:style>
-          <a:lnRef idx="2">
-            <a:schemeClr val="accent2"/>
-          </a:lnRef>
-          <a:fillRef idx="1">
-            <a:schemeClr val="lt1"/>
-          </a:fillRef>
-          <a:effectRef idx="0">
-            <a:schemeClr val="accent2"/>
-          </a:effectRef>
-          <a:fontRef idx="minor">
-            <a:schemeClr val="dk1"/>
-          </a:fontRef>
-        </p:style>
-        <p:txBody>
-          <a:bodyPr rtlCol="0" anchor="ctr"/>
-          <a:lstStyle/>
-          <a:p>
-            <a:pPr algn="ctr"/>
-            <a:endParaRPr lang="ko-KR" altLang="en-US" sz="1300" dirty="0">
-              <a:solidFill>
-                <a:sysClr val="windowText" lastClr="000000"/>
-              </a:solidFill>
-            </a:endParaRPr>
-          </a:p>
-        </p:txBody>
-      </p:sp>
-      <p:pic>
-        <p:nvPicPr>
-          <p:cNvPr id="8" name="그림 7"/>
-          <p:cNvPicPr>
-            <a:picLocks noChangeAspect="1"/>
-          </p:cNvPicPr>
-          <p:nvPr/>
-        </p:nvPicPr>
-        <p:blipFill>
-          <a:blip r:embed="rId3">
-            <a:extLst>
-              <a:ext uri="{28A0092B-C50C-407E-A947-70E740481C1C}">
-                <a14:useLocalDpi xmlns:a14="http://schemas.microsoft.com/office/drawing/2010/main" val="0"/>
-              </a:ext>
-            </a:extLst>
-          </a:blip>
-          <a:stretch>
-            <a:fillRect/>
-          </a:stretch>
-        </p:blipFill>
-        <p:spPr>
-          <a:xfrm>
-            <a:off x="1393838" y="1692464"/>
-            <a:ext cx="3618263" cy="1600109"/>
-          </a:xfrm>
-          <a:prstGeom prst="rect">
-            <a:avLst/>
-          </a:prstGeom>
-          <a:ln>
-            <a:solidFill>
-              <a:schemeClr val="bg1">
-                <a:lumMod val="85000"/>
-              </a:schemeClr>
-            </a:solidFill>
-          </a:ln>
-        </p:spPr>
-      </p:pic>
-      <p:pic>
-        <p:nvPicPr>
-          <p:cNvPr id="9" name="그림 8"/>
-          <p:cNvPicPr>
-            <a:picLocks noChangeAspect="1"/>
-          </p:cNvPicPr>
-          <p:nvPr/>
-        </p:nvPicPr>
-        <p:blipFill>
-          <a:blip r:embed="rId4">
-            <a:extLst>
-              <a:ext uri="{28A0092B-C50C-407E-A947-70E740481C1C}">
-                <a14:useLocalDpi xmlns:a14="http://schemas.microsoft.com/office/drawing/2010/main" val="0"/>
-              </a:ext>
-            </a:extLst>
-          </a:blip>
-          <a:stretch>
-            <a:fillRect/>
-          </a:stretch>
-        </p:blipFill>
-        <p:spPr>
-          <a:xfrm>
-            <a:off x="5457056" y="1802878"/>
-            <a:ext cx="3065059" cy="1379277"/>
-          </a:xfrm>
-          <a:prstGeom prst="rect">
-            <a:avLst/>
-          </a:prstGeom>
-          <a:ln>
-            <a:solidFill>
-              <a:schemeClr val="bg1">
-                <a:lumMod val="85000"/>
-              </a:schemeClr>
-            </a:solidFill>
-          </a:ln>
-        </p:spPr>
-      </p:pic>
-      <p:cxnSp>
-        <p:nvCxnSpPr>
-          <p:cNvPr id="18" name="직선 화살표 연결선 17"/>
-          <p:cNvCxnSpPr/>
-          <p:nvPr/>
-        </p:nvCxnSpPr>
-        <p:spPr>
-          <a:xfrm flipV="1">
-            <a:off x="4994616" y="2495834"/>
-            <a:ext cx="412463" cy="2"/>
-          </a:xfrm>
-          <a:prstGeom prst="straightConnector1">
-            <a:avLst/>
-          </a:prstGeom>
-          <a:ln w="9525">
-            <a:solidFill>
-              <a:srgbClr val="C00000"/>
-            </a:solidFill>
-            <a:prstDash val="solid"/>
-            <a:headEnd type="none" w="med" len="med"/>
-            <a:tailEnd type="triangle" w="med" len="med"/>
-          </a:ln>
-        </p:spPr>
-        <p:style>
-          <a:lnRef idx="1">
-            <a:schemeClr val="accent1"/>
-          </a:lnRef>
-          <a:fillRef idx="0">
-            <a:schemeClr val="accent1"/>
-          </a:fillRef>
-          <a:effectRef idx="0">
-            <a:schemeClr val="accent1"/>
-          </a:effectRef>
-          <a:fontRef idx="minor">
-            <a:schemeClr val="tx1"/>
-          </a:fontRef>
-        </p:style>
-      </p:cxnSp>
     </p:spTree>
     <p:extLst>
       <p:ext uri="{BB962C8B-B14F-4D97-AF65-F5344CB8AC3E}">
-        <p14:creationId xmlns:p14="http://schemas.microsoft.com/office/powerpoint/2010/main" val="2223146423"/>
+        <p14:creationId xmlns:p14="http://schemas.microsoft.com/office/powerpoint/2010/main" val="556377807"/>
       </p:ext>
     </p:extLst>
   </p:cSld>
@@ -11572,6 +11250,43 @@
           <a:chExt cx="0" cy="0"/>
         </a:xfrm>
       </p:grpSpPr>
+      <p:pic>
+        <p:nvPicPr>
+          <p:cNvPr id="7" name="그림 6"/>
+          <p:cNvPicPr>
+            <a:picLocks noChangeAspect="1"/>
+          </p:cNvPicPr>
+          <p:nvPr/>
+        </p:nvPicPr>
+        <p:blipFill>
+          <a:blip r:embed="rId2">
+            <a:extLst>
+              <a:ext uri="{28A0092B-C50C-407E-A947-70E740481C1C}">
+                <a14:useLocalDpi xmlns:a14="http://schemas.microsoft.com/office/drawing/2010/main" val="0"/>
+              </a:ext>
+            </a:extLst>
+          </a:blip>
+          <a:stretch>
+            <a:fillRect/>
+          </a:stretch>
+        </p:blipFill>
+        <p:spPr>
+          <a:xfrm>
+            <a:off x="1496615" y="3546981"/>
+            <a:ext cx="7304056" cy="2762339"/>
+          </a:xfrm>
+          <a:prstGeom prst="rect">
+            <a:avLst/>
+          </a:prstGeom>
+          <a:ln>
+            <a:solidFill>
+              <a:schemeClr val="bg1">
+                <a:lumMod val="85000"/>
+              </a:schemeClr>
+            </a:solidFill>
+          </a:ln>
+        </p:spPr>
+      </p:pic>
       <p:sp>
         <p:nvSpPr>
           <p:cNvPr id="15" name="제목 5"/>
@@ -11610,83 +11325,357 @@
           <a:p>
             <a:r>
               <a:rPr lang="en-US" altLang="ko-KR" dirty="0" smtClean="0"/>
-              <a:t>  </a:t>
-            </a:r>
-            <a:r>
-              <a:rPr lang="ko-KR" altLang="en-US" b="1" dirty="0" err="1" smtClean="0">
+              <a:t> </a:t>
+            </a:r>
+            <a:r>
+              <a:rPr lang="ko-KR" altLang="en-US" dirty="0"/>
+              <a:t> </a:t>
+            </a:r>
+            <a:r>
+              <a:rPr lang="ko-KR" altLang="en-US" b="1" dirty="0" err="1">
                 <a:latin typeface="휴먼엑스포" panose="02030504000101010101" pitchFamily="18" charset="-127"/>
                 <a:ea typeface="휴먼엑스포" panose="02030504000101010101" pitchFamily="18" charset="-127"/>
               </a:rPr>
               <a:t>서블릿의</a:t>
             </a:r>
             <a:r>
+              <a:rPr lang="ko-KR" altLang="en-US" b="1" dirty="0">
+                <a:latin typeface="휴먼엑스포" panose="02030504000101010101" pitchFamily="18" charset="-127"/>
+                <a:ea typeface="휴먼엑스포" panose="02030504000101010101" pitchFamily="18" charset="-127"/>
+              </a:rPr>
+              <a:t> 응답 </a:t>
+            </a:r>
+            <a:r>
               <a:rPr lang="ko-KR" altLang="en-US" b="1" dirty="0" smtClean="0">
                 <a:latin typeface="휴먼엑스포" panose="02030504000101010101" pitchFamily="18" charset="-127"/>
                 <a:ea typeface="휴먼엑스포" panose="02030504000101010101" pitchFamily="18" charset="-127"/>
               </a:rPr>
-              <a:t> </a:t>
-            </a:r>
-            <a:r>
-              <a:rPr lang="ko-KR" altLang="en-US" b="1" dirty="0">
-                <a:latin typeface="휴먼엑스포" panose="02030504000101010101" pitchFamily="18" charset="-127"/>
-                <a:ea typeface="휴먼엑스포" panose="02030504000101010101" pitchFamily="18" charset="-127"/>
-              </a:rPr>
-              <a:t>응답 처리</a:t>
+              <a:t>처리</a:t>
             </a:r>
             <a:r>
               <a:rPr lang="ko-KR" altLang="en-US" dirty="0"/>
               <a:t> </a:t>
             </a:r>
             <a:r>
-              <a:rPr lang="en-US" altLang="ko-KR" dirty="0"/>
+              <a:rPr lang="en-US" altLang="ko-KR" dirty="0" smtClean="0"/>
               <a:t>– html</a:t>
             </a:r>
             <a:r>
-              <a:rPr lang="ko-KR" altLang="en-US" dirty="0"/>
+              <a:rPr lang="ko-KR" altLang="en-US" dirty="0" smtClean="0"/>
               <a:t>형식으로 응답</a:t>
             </a:r>
-          </a:p>
-        </p:txBody>
-      </p:sp>
+            <a:endParaRPr lang="ko-KR" altLang="en-US" dirty="0"/>
+          </a:p>
+        </p:txBody>
+      </p:sp>
+      <p:sp>
+        <p:nvSpPr>
+          <p:cNvPr id="4" name="TextBox 3"/>
+          <p:cNvSpPr txBox="1"/>
+          <p:nvPr/>
+        </p:nvSpPr>
+        <p:spPr>
+          <a:xfrm>
+            <a:off x="776536" y="980728"/>
+            <a:ext cx="8496944" cy="553998"/>
+          </a:xfrm>
+          <a:prstGeom prst="rect">
+            <a:avLst/>
+          </a:prstGeom>
+          <a:noFill/>
+        </p:spPr>
+        <p:txBody>
+          <a:bodyPr wrap="square" rtlCol="0">
+            <a:spAutoFit/>
+          </a:bodyPr>
+          <a:lstStyle/>
+          <a:p>
+            <a:pPr>
+              <a:lnSpc>
+                <a:spcPct val="150000"/>
+              </a:lnSpc>
+            </a:pPr>
+            <a:r>
+              <a:rPr lang="en-US" altLang="ko-KR" sz="2000" b="1" dirty="0" smtClean="0"/>
+              <a:t>LoginServlet2</a:t>
+            </a:r>
+            <a:r>
+              <a:rPr lang="ko-KR" altLang="en-US" sz="2000" b="1" dirty="0" smtClean="0"/>
+              <a:t>에서 웹 브라우저로 출력</a:t>
+            </a:r>
+            <a:r>
+              <a:rPr lang="en-US" altLang="ko-KR" sz="2000" b="1" dirty="0" smtClean="0"/>
+              <a:t>(</a:t>
+            </a:r>
+            <a:r>
+              <a:rPr lang="ko-KR" altLang="en-US" sz="2000" b="1" dirty="0" smtClean="0"/>
+              <a:t>보여주기</a:t>
+            </a:r>
+            <a:r>
+              <a:rPr lang="en-US" altLang="ko-KR" sz="2000" b="1" dirty="0" smtClean="0"/>
+              <a:t>)</a:t>
+            </a:r>
+          </a:p>
+        </p:txBody>
+      </p:sp>
+      <p:sp>
+        <p:nvSpPr>
+          <p:cNvPr id="19" name="모서리가 둥근 직사각형 18">
+            <a:extLst>
+              <a:ext uri="{FF2B5EF4-FFF2-40B4-BE49-F238E27FC236}">
+                <a16:creationId xmlns:a16="http://schemas.microsoft.com/office/drawing/2014/main" id="{792DA8B4-17B2-454B-97AC-17311A4832C5}"/>
+              </a:ext>
+            </a:extLst>
+          </p:cNvPr>
+          <p:cNvSpPr/>
+          <p:nvPr/>
+        </p:nvSpPr>
+        <p:spPr>
+          <a:xfrm>
+            <a:off x="6609184" y="4731444"/>
+            <a:ext cx="2952328" cy="299896"/>
+          </a:xfrm>
+          <a:prstGeom prst="roundRect">
+            <a:avLst/>
+          </a:prstGeom>
+          <a:noFill/>
+        </p:spPr>
+        <p:style>
+          <a:lnRef idx="2">
+            <a:schemeClr val="accent2"/>
+          </a:lnRef>
+          <a:fillRef idx="1">
+            <a:schemeClr val="lt1"/>
+          </a:fillRef>
+          <a:effectRef idx="0">
+            <a:schemeClr val="accent2"/>
+          </a:effectRef>
+          <a:fontRef idx="minor">
+            <a:schemeClr val="dk1"/>
+          </a:fontRef>
+        </p:style>
+        <p:txBody>
+          <a:bodyPr rtlCol="0" anchor="ctr"/>
+          <a:lstStyle/>
+          <a:p>
+            <a:r>
+              <a:rPr lang="en-US" altLang="ko-KR" sz="1600" dirty="0">
+                <a:solidFill>
+                  <a:sysClr val="windowText" lastClr="000000"/>
+                </a:solidFill>
+              </a:rPr>
+              <a:t>h</a:t>
+            </a:r>
+            <a:r>
+              <a:rPr lang="en-US" altLang="ko-KR" sz="1600" dirty="0" smtClean="0">
+                <a:solidFill>
+                  <a:sysClr val="windowText" lastClr="000000"/>
+                </a:solidFill>
+              </a:rPr>
+              <a:t>idden </a:t>
+            </a:r>
+            <a:r>
+              <a:rPr lang="ko-KR" altLang="en-US" sz="1600" dirty="0" smtClean="0">
+                <a:solidFill>
+                  <a:sysClr val="windowText" lastClr="000000"/>
+                </a:solidFill>
+              </a:rPr>
+              <a:t>타입으로 정보 보내기</a:t>
+            </a:r>
+            <a:endParaRPr lang="en-US" altLang="ko-KR" sz="1600" dirty="0" smtClean="0">
+              <a:solidFill>
+                <a:sysClr val="windowText" lastClr="000000"/>
+              </a:solidFill>
+            </a:endParaRPr>
+          </a:p>
+        </p:txBody>
+      </p:sp>
+      <p:sp>
+        <p:nvSpPr>
+          <p:cNvPr id="22" name="모서리가 둥근 직사각형 21">
+            <a:extLst>
+              <a:ext uri="{FF2B5EF4-FFF2-40B4-BE49-F238E27FC236}">
+                <a16:creationId xmlns:a16="http://schemas.microsoft.com/office/drawing/2014/main" id="{792DA8B4-17B2-454B-97AC-17311A4832C5}"/>
+              </a:ext>
+            </a:extLst>
+          </p:cNvPr>
+          <p:cNvSpPr/>
+          <p:nvPr/>
+        </p:nvSpPr>
+        <p:spPr>
+          <a:xfrm>
+            <a:off x="2135756" y="3528293"/>
+            <a:ext cx="1728192" cy="301435"/>
+          </a:xfrm>
+          <a:prstGeom prst="roundRect">
+            <a:avLst/>
+          </a:prstGeom>
+          <a:noFill/>
+          <a:ln>
+            <a:prstDash val="sysDash"/>
+          </a:ln>
+        </p:spPr>
+        <p:style>
+          <a:lnRef idx="2">
+            <a:schemeClr val="accent2"/>
+          </a:lnRef>
+          <a:fillRef idx="1">
+            <a:schemeClr val="lt1"/>
+          </a:fillRef>
+          <a:effectRef idx="0">
+            <a:schemeClr val="accent2"/>
+          </a:effectRef>
+          <a:fontRef idx="minor">
+            <a:schemeClr val="dk1"/>
+          </a:fontRef>
+        </p:style>
+        <p:txBody>
+          <a:bodyPr rtlCol="0" anchor="ctr"/>
+          <a:lstStyle/>
+          <a:p>
+            <a:pPr algn="ctr"/>
+            <a:endParaRPr lang="ko-KR" altLang="en-US" sz="1300" dirty="0">
+              <a:solidFill>
+                <a:sysClr val="windowText" lastClr="000000"/>
+              </a:solidFill>
+            </a:endParaRPr>
+          </a:p>
+        </p:txBody>
+      </p:sp>
+      <p:cxnSp>
+        <p:nvCxnSpPr>
+          <p:cNvPr id="29" name="직선 화살표 연결선 28"/>
+          <p:cNvCxnSpPr/>
+          <p:nvPr/>
+        </p:nvCxnSpPr>
+        <p:spPr>
+          <a:xfrm flipH="1">
+            <a:off x="7278394" y="5031340"/>
+            <a:ext cx="338902" cy="545976"/>
+          </a:xfrm>
+          <a:prstGeom prst="straightConnector1">
+            <a:avLst/>
+          </a:prstGeom>
+          <a:ln w="9525">
+            <a:solidFill>
+              <a:srgbClr val="C00000"/>
+            </a:solidFill>
+            <a:prstDash val="solid"/>
+            <a:headEnd type="none" w="med" len="med"/>
+            <a:tailEnd type="triangle" w="med" len="med"/>
+          </a:ln>
+        </p:spPr>
+        <p:style>
+          <a:lnRef idx="1">
+            <a:schemeClr val="accent1"/>
+          </a:lnRef>
+          <a:fillRef idx="0">
+            <a:schemeClr val="accent1"/>
+          </a:fillRef>
+          <a:effectRef idx="0">
+            <a:schemeClr val="accent1"/>
+          </a:effectRef>
+          <a:fontRef idx="minor">
+            <a:schemeClr val="tx1"/>
+          </a:fontRef>
+        </p:style>
+      </p:cxnSp>
+      <p:sp>
+        <p:nvSpPr>
+          <p:cNvPr id="31" name="모서리가 둥근 직사각형 30">
+            <a:extLst>
+              <a:ext uri="{FF2B5EF4-FFF2-40B4-BE49-F238E27FC236}">
+                <a16:creationId xmlns:a16="http://schemas.microsoft.com/office/drawing/2014/main" id="{792DA8B4-17B2-454B-97AC-17311A4832C5}"/>
+              </a:ext>
+            </a:extLst>
+          </p:cNvPr>
+          <p:cNvSpPr/>
+          <p:nvPr/>
+        </p:nvSpPr>
+        <p:spPr>
+          <a:xfrm>
+            <a:off x="1496615" y="5566378"/>
+            <a:ext cx="7200801" cy="324035"/>
+          </a:xfrm>
+          <a:prstGeom prst="roundRect">
+            <a:avLst/>
+          </a:prstGeom>
+          <a:noFill/>
+          <a:ln>
+            <a:solidFill>
+              <a:srgbClr val="002060"/>
+            </a:solidFill>
+            <a:prstDash val="sysDash"/>
+          </a:ln>
+        </p:spPr>
+        <p:style>
+          <a:lnRef idx="2">
+            <a:schemeClr val="accent2"/>
+          </a:lnRef>
+          <a:fillRef idx="1">
+            <a:schemeClr val="lt1"/>
+          </a:fillRef>
+          <a:effectRef idx="0">
+            <a:schemeClr val="accent2"/>
+          </a:effectRef>
+          <a:fontRef idx="minor">
+            <a:schemeClr val="dk1"/>
+          </a:fontRef>
+        </p:style>
+        <p:txBody>
+          <a:bodyPr rtlCol="0" anchor="ctr"/>
+          <a:lstStyle/>
+          <a:p>
+            <a:pPr algn="ctr"/>
+            <a:endParaRPr lang="ko-KR" altLang="en-US" sz="1300" dirty="0">
+              <a:solidFill>
+                <a:sysClr val="windowText" lastClr="000000"/>
+              </a:solidFill>
+            </a:endParaRPr>
+          </a:p>
+        </p:txBody>
+      </p:sp>
+      <p:cxnSp>
+        <p:nvCxnSpPr>
+          <p:cNvPr id="18" name="직선 화살표 연결선 17"/>
+          <p:cNvCxnSpPr/>
+          <p:nvPr/>
+        </p:nvCxnSpPr>
+        <p:spPr>
+          <a:xfrm flipV="1">
+            <a:off x="4736180" y="2348880"/>
+            <a:ext cx="412463" cy="2"/>
+          </a:xfrm>
+          <a:prstGeom prst="straightConnector1">
+            <a:avLst/>
+          </a:prstGeom>
+          <a:ln w="9525">
+            <a:solidFill>
+              <a:srgbClr val="C00000"/>
+            </a:solidFill>
+            <a:prstDash val="solid"/>
+            <a:headEnd type="none" w="med" len="med"/>
+            <a:tailEnd type="triangle" w="med" len="med"/>
+          </a:ln>
+        </p:spPr>
+        <p:style>
+          <a:lnRef idx="1">
+            <a:schemeClr val="accent1"/>
+          </a:lnRef>
+          <a:fillRef idx="0">
+            <a:schemeClr val="accent1"/>
+          </a:fillRef>
+          <a:effectRef idx="0">
+            <a:schemeClr val="accent1"/>
+          </a:effectRef>
+          <a:fontRef idx="minor">
+            <a:schemeClr val="tx1"/>
+          </a:fontRef>
+        </p:style>
+      </p:cxnSp>
       <p:pic>
         <p:nvPicPr>
           <p:cNvPr id="2" name="그림 1"/>
-          <p:cNvPicPr>
-            <a:picLocks noChangeAspect="1"/>
-          </p:cNvPicPr>
-          <p:nvPr/>
-        </p:nvPicPr>
-        <p:blipFill rotWithShape="1">
-          <a:blip r:embed="rId2">
-            <a:extLst>
-              <a:ext uri="{28A0092B-C50C-407E-A947-70E740481C1C}">
-                <a14:useLocalDpi xmlns:a14="http://schemas.microsoft.com/office/drawing/2010/main" val="0"/>
-              </a:ext>
-            </a:extLst>
-          </a:blip>
-          <a:srcRect r="17756"/>
-          <a:stretch/>
-        </p:blipFill>
-        <p:spPr>
-          <a:xfrm>
-            <a:off x="1461946" y="1990847"/>
-            <a:ext cx="5651293" cy="4211524"/>
-          </a:xfrm>
-          <a:prstGeom prst="rect">
-            <a:avLst/>
-          </a:prstGeom>
-          <a:ln>
-            <a:solidFill>
-              <a:schemeClr val="bg1">
-                <a:lumMod val="85000"/>
-              </a:schemeClr>
-            </a:solidFill>
-          </a:ln>
-        </p:spPr>
-      </p:pic>
-      <p:pic>
-        <p:nvPicPr>
-          <p:cNvPr id="5" name="그림 4"/>
           <p:cNvPicPr>
             <a:picLocks noChangeAspect="1"/>
           </p:cNvPicPr>
@@ -11706,8 +11695,8 @@
         </p:blipFill>
         <p:spPr>
           <a:xfrm>
-            <a:off x="1448296" y="1260127"/>
-            <a:ext cx="5664944" cy="684702"/>
+            <a:off x="1496615" y="1612800"/>
+            <a:ext cx="2874865" cy="1658576"/>
           </a:xfrm>
           <a:prstGeom prst="rect">
             <a:avLst/>
@@ -11721,12 +11710,235 @@
           </a:ln>
         </p:spPr>
       </p:pic>
+      <p:pic>
+        <p:nvPicPr>
+          <p:cNvPr id="3" name="그림 2"/>
+          <p:cNvPicPr>
+            <a:picLocks noChangeAspect="1"/>
+          </p:cNvPicPr>
+          <p:nvPr/>
+        </p:nvPicPr>
+        <p:blipFill>
+          <a:blip r:embed="rId4">
+            <a:extLst>
+              <a:ext uri="{28A0092B-C50C-407E-A947-70E740481C1C}">
+                <a14:useLocalDpi xmlns:a14="http://schemas.microsoft.com/office/drawing/2010/main" val="0"/>
+              </a:ext>
+            </a:extLst>
+          </a:blip>
+          <a:stretch>
+            <a:fillRect/>
+          </a:stretch>
+        </p:blipFill>
+        <p:spPr>
+          <a:xfrm>
+            <a:off x="5414426" y="1612800"/>
+            <a:ext cx="2896041" cy="1635984"/>
+          </a:xfrm>
+          <a:prstGeom prst="rect">
+            <a:avLst/>
+          </a:prstGeom>
+          <a:ln>
+            <a:solidFill>
+              <a:schemeClr val="bg1">
+                <a:lumMod val="85000"/>
+              </a:schemeClr>
+            </a:solidFill>
+          </a:ln>
+        </p:spPr>
+      </p:pic>
+    </p:spTree>
+    <p:extLst>
+      <p:ext uri="{BB962C8B-B14F-4D97-AF65-F5344CB8AC3E}">
+        <p14:creationId xmlns:p14="http://schemas.microsoft.com/office/powerpoint/2010/main" val="2223146423"/>
+      </p:ext>
+    </p:extLst>
+  </p:cSld>
+  <p:clrMapOvr>
+    <a:masterClrMapping/>
+  </p:clrMapOvr>
+  <p:timing>
+    <p:tnLst>
+      <p:par>
+        <p:cTn id="1" dur="indefinite" restart="never" nodeType="tmRoot"/>
+      </p:par>
+    </p:tnLst>
+  </p:timing>
+</p:sld>
+</file>
+
+<file path=ppt/slides/slide25.xml><?xml version="1.0" encoding="utf-8"?>
+<p:sld xmlns:a="http://schemas.openxmlformats.org/drawingml/2006/main" xmlns:r="http://schemas.openxmlformats.org/officeDocument/2006/relationships" xmlns:p="http://schemas.openxmlformats.org/presentationml/2006/main">
+  <p:cSld>
+    <p:spTree>
+      <p:nvGrpSpPr>
+        <p:cNvPr id="1" name=""/>
+        <p:cNvGrpSpPr/>
+        <p:nvPr/>
+      </p:nvGrpSpPr>
+      <p:grpSpPr>
+        <a:xfrm>
+          <a:off x="0" y="0"/>
+          <a:ext cx="0" cy="0"/>
+          <a:chOff x="0" y="0"/>
+          <a:chExt cx="0" cy="0"/>
+        </a:xfrm>
+      </p:grpSpPr>
+      <p:sp>
+        <p:nvSpPr>
+          <p:cNvPr id="15" name="제목 5"/>
+          <p:cNvSpPr txBox="1">
+            <a:spLocks/>
+          </p:cNvSpPr>
+          <p:nvPr/>
+        </p:nvSpPr>
+        <p:spPr>
+          <a:xfrm>
+            <a:off x="0" y="-27384"/>
+            <a:ext cx="8337376" cy="854968"/>
+          </a:xfrm>
+          <a:prstGeom prst="rect">
+            <a:avLst/>
+          </a:prstGeom>
+        </p:spPr>
+        <p:txBody>
+          <a:bodyPr anchor="ctr" anchorCtr="0"/>
+          <a:lstStyle>
+            <a:lvl1pPr algn="l" defTabSz="914400" rtl="0" eaLnBrk="1" latinLnBrk="1" hangingPunct="1">
+              <a:spcBef>
+                <a:spcPct val="0"/>
+              </a:spcBef>
+              <a:buNone/>
+              <a:defRPr sz="3200" kern="1200">
+                <a:solidFill>
+                  <a:schemeClr val="bg1"/>
+                </a:solidFill>
+                <a:latin typeface="HY헤드라인M" panose="02030600000101010101" pitchFamily="18" charset="-127"/>
+                <a:ea typeface="HY헤드라인M" panose="02030600000101010101" pitchFamily="18" charset="-127"/>
+                <a:cs typeface="+mj-cs"/>
+              </a:defRPr>
+            </a:lvl1pPr>
+          </a:lstStyle>
+          <a:p>
+            <a:r>
+              <a:rPr lang="en-US" altLang="ko-KR" dirty="0" smtClean="0"/>
+              <a:t>  </a:t>
+            </a:r>
+            <a:r>
+              <a:rPr lang="ko-KR" altLang="en-US" b="1" dirty="0" err="1" smtClean="0">
+                <a:latin typeface="휴먼엑스포" panose="02030504000101010101" pitchFamily="18" charset="-127"/>
+                <a:ea typeface="휴먼엑스포" panose="02030504000101010101" pitchFamily="18" charset="-127"/>
+              </a:rPr>
+              <a:t>서블릿의</a:t>
+            </a:r>
+            <a:r>
+              <a:rPr lang="ko-KR" altLang="en-US" b="1" dirty="0" smtClean="0">
+                <a:latin typeface="휴먼엑스포" panose="02030504000101010101" pitchFamily="18" charset="-127"/>
+                <a:ea typeface="휴먼엑스포" panose="02030504000101010101" pitchFamily="18" charset="-127"/>
+              </a:rPr>
+              <a:t> </a:t>
+            </a:r>
+            <a:r>
+              <a:rPr lang="ko-KR" altLang="en-US" b="1" dirty="0">
+                <a:latin typeface="휴먼엑스포" panose="02030504000101010101" pitchFamily="18" charset="-127"/>
+                <a:ea typeface="휴먼엑스포" panose="02030504000101010101" pitchFamily="18" charset="-127"/>
+              </a:rPr>
+              <a:t>응답 처리</a:t>
+            </a:r>
+            <a:r>
+              <a:rPr lang="ko-KR" altLang="en-US" dirty="0"/>
+              <a:t> </a:t>
+            </a:r>
+            <a:r>
+              <a:rPr lang="en-US" altLang="ko-KR" dirty="0"/>
+              <a:t>– html</a:t>
+            </a:r>
+            <a:r>
+              <a:rPr lang="ko-KR" altLang="en-US" dirty="0"/>
+              <a:t>형식으로 응답</a:t>
+            </a:r>
+          </a:p>
+        </p:txBody>
+      </p:sp>
+      <p:pic>
+        <p:nvPicPr>
+          <p:cNvPr id="2" name="그림 1"/>
+          <p:cNvPicPr>
+            <a:picLocks noChangeAspect="1"/>
+          </p:cNvPicPr>
+          <p:nvPr/>
+        </p:nvPicPr>
+        <p:blipFill rotWithShape="1">
+          <a:blip r:embed="rId2">
+            <a:extLst>
+              <a:ext uri="{28A0092B-C50C-407E-A947-70E740481C1C}">
+                <a14:useLocalDpi xmlns:a14="http://schemas.microsoft.com/office/drawing/2010/main" val="0"/>
+              </a:ext>
+            </a:extLst>
+          </a:blip>
+          <a:srcRect r="17756"/>
+          <a:stretch/>
+        </p:blipFill>
+        <p:spPr>
+          <a:xfrm>
+            <a:off x="1461946" y="1990847"/>
+            <a:ext cx="5651293" cy="4211524"/>
+          </a:xfrm>
+          <a:prstGeom prst="rect">
+            <a:avLst/>
+          </a:prstGeom>
+          <a:ln>
+            <a:solidFill>
+              <a:schemeClr val="bg1">
+                <a:lumMod val="85000"/>
+              </a:schemeClr>
+            </a:solidFill>
+          </a:ln>
+        </p:spPr>
+      </p:pic>
+      <p:pic>
+        <p:nvPicPr>
+          <p:cNvPr id="5" name="그림 4"/>
+          <p:cNvPicPr>
+            <a:picLocks noChangeAspect="1"/>
+          </p:cNvPicPr>
+          <p:nvPr/>
+        </p:nvPicPr>
+        <p:blipFill>
+          <a:blip r:embed="rId3">
+            <a:extLst>
+              <a:ext uri="{28A0092B-C50C-407E-A947-70E740481C1C}">
+                <a14:useLocalDpi xmlns:a14="http://schemas.microsoft.com/office/drawing/2010/main" val="0"/>
+              </a:ext>
+            </a:extLst>
+          </a:blip>
+          <a:stretch>
+            <a:fillRect/>
+          </a:stretch>
+        </p:blipFill>
+        <p:spPr>
+          <a:xfrm>
+            <a:off x="1448296" y="1260127"/>
+            <a:ext cx="5664944" cy="684702"/>
+          </a:xfrm>
+          <a:prstGeom prst="rect">
+            <a:avLst/>
+          </a:prstGeom>
+          <a:ln>
+            <a:solidFill>
+              <a:schemeClr val="bg1">
+                <a:lumMod val="85000"/>
+              </a:schemeClr>
+            </a:solidFill>
+          </a:ln>
+        </p:spPr>
+      </p:pic>
       <p:sp>
         <p:nvSpPr>
           <p:cNvPr id="9" name="모서리가 둥근 직사각형 8">
             <a:extLst>
               <a:ext uri="{FF2B5EF4-FFF2-40B4-BE49-F238E27FC236}">
-                <a16:creationId xmlns:a16="http://schemas.microsoft.com/office/drawing/2014/main" xmlns="" id="{792DA8B4-17B2-454B-97AC-17311A4832C5}"/>
+                <a16:creationId xmlns:a16="http://schemas.microsoft.com/office/drawing/2014/main" id="{792DA8B4-17B2-454B-97AC-17311A4832C5}"/>
               </a:ext>
             </a:extLst>
           </p:cNvPr>
@@ -11796,7 +12008,7 @@
 </p:sld>
 </file>
 
-<file path=ppt/slides/slide25.xml><?xml version="1.0" encoding="utf-8"?>
+<file path=ppt/slides/slide26.xml><?xml version="1.0" encoding="utf-8"?>
 <p:sld xmlns:a="http://schemas.openxmlformats.org/drawingml/2006/main" xmlns:r="http://schemas.openxmlformats.org/officeDocument/2006/relationships" xmlns:p="http://schemas.openxmlformats.org/presentationml/2006/main">
   <p:cSld>
     <p:spTree>
@@ -12108,7 +12320,7 @@
 </p:sld>
 </file>
 
-<file path=ppt/slides/slide26.xml><?xml version="1.0" encoding="utf-8"?>
+<file path=ppt/slides/slide27.xml><?xml version="1.0" encoding="utf-8"?>
 <p:sld xmlns:a="http://schemas.openxmlformats.org/drawingml/2006/main" xmlns:r="http://schemas.openxmlformats.org/officeDocument/2006/relationships" xmlns:p="http://schemas.openxmlformats.org/presentationml/2006/main">
   <p:cSld>
     <p:spTree>
@@ -12338,237 +12550,6 @@
     <p:extLst>
       <p:ext uri="{BB962C8B-B14F-4D97-AF65-F5344CB8AC3E}">
         <p14:creationId xmlns:p14="http://schemas.microsoft.com/office/powerpoint/2010/main" val="1627145616"/>
-      </p:ext>
-    </p:extLst>
-  </p:cSld>
-  <p:clrMapOvr>
-    <a:masterClrMapping/>
-  </p:clrMapOvr>
-  <p:timing>
-    <p:tnLst>
-      <p:par>
-        <p:cTn id="1" dur="indefinite" restart="never" nodeType="tmRoot"/>
-      </p:par>
-    </p:tnLst>
-  </p:timing>
-</p:sld>
-</file>
-
-<file path=ppt/slides/slide27.xml><?xml version="1.0" encoding="utf-8"?>
-<p:sld xmlns:a="http://schemas.openxmlformats.org/drawingml/2006/main" xmlns:r="http://schemas.openxmlformats.org/officeDocument/2006/relationships" xmlns:p="http://schemas.openxmlformats.org/presentationml/2006/main">
-  <p:cSld>
-    <p:spTree>
-      <p:nvGrpSpPr>
-        <p:cNvPr id="1" name=""/>
-        <p:cNvGrpSpPr/>
-        <p:nvPr/>
-      </p:nvGrpSpPr>
-      <p:grpSpPr>
-        <a:xfrm>
-          <a:off x="0" y="0"/>
-          <a:ext cx="0" cy="0"/>
-          <a:chOff x="0" y="0"/>
-          <a:chExt cx="0" cy="0"/>
-        </a:xfrm>
-      </p:grpSpPr>
-      <p:sp>
-        <p:nvSpPr>
-          <p:cNvPr id="15" name="제목 5"/>
-          <p:cNvSpPr txBox="1">
-            <a:spLocks/>
-          </p:cNvSpPr>
-          <p:nvPr/>
-        </p:nvSpPr>
-        <p:spPr>
-          <a:xfrm>
-            <a:off x="0" y="-27384"/>
-            <a:ext cx="8337376" cy="854968"/>
-          </a:xfrm>
-          <a:prstGeom prst="rect">
-            <a:avLst/>
-          </a:prstGeom>
-        </p:spPr>
-        <p:txBody>
-          <a:bodyPr anchor="ctr" anchorCtr="0"/>
-          <a:lstStyle>
-            <a:lvl1pPr algn="l" defTabSz="914400" rtl="0" eaLnBrk="1" latinLnBrk="1" hangingPunct="1">
-              <a:spcBef>
-                <a:spcPct val="0"/>
-              </a:spcBef>
-              <a:buNone/>
-              <a:defRPr sz="3200" kern="1200">
-                <a:solidFill>
-                  <a:schemeClr val="bg1"/>
-                </a:solidFill>
-                <a:latin typeface="HY헤드라인M" panose="02030600000101010101" pitchFamily="18" charset="-127"/>
-                <a:ea typeface="HY헤드라인M" panose="02030600000101010101" pitchFamily="18" charset="-127"/>
-                <a:cs typeface="+mj-cs"/>
-              </a:defRPr>
-            </a:lvl1pPr>
-          </a:lstStyle>
-          <a:p>
-            <a:r>
-              <a:rPr lang="en-US" altLang="ko-KR" dirty="0" smtClean="0"/>
-              <a:t> </a:t>
-            </a:r>
-            <a:r>
-              <a:rPr lang="ko-KR" altLang="en-US" dirty="0"/>
-              <a:t> </a:t>
-            </a:r>
-            <a:r>
-              <a:rPr lang="en-US" altLang="ko-KR" b="1" dirty="0" smtClean="0">
-                <a:latin typeface="휴먼엑스포" panose="02030504000101010101" pitchFamily="18" charset="-127"/>
-                <a:ea typeface="휴먼엑스포" panose="02030504000101010101" pitchFamily="18" charset="-127"/>
-              </a:rPr>
-              <a:t>&lt;form&gt; </a:t>
-            </a:r>
-            <a:r>
-              <a:rPr lang="ko-KR" altLang="en-US" b="1" dirty="0" smtClean="0">
-                <a:latin typeface="휴먼엑스포" panose="02030504000101010101" pitchFamily="18" charset="-127"/>
-                <a:ea typeface="휴먼엑스포" panose="02030504000101010101" pitchFamily="18" charset="-127"/>
-              </a:rPr>
-              <a:t>태그로 </a:t>
-            </a:r>
-            <a:r>
-              <a:rPr lang="ko-KR" altLang="en-US" b="1" dirty="0" err="1" smtClean="0">
-                <a:latin typeface="휴먼엑스포" panose="02030504000101010101" pitchFamily="18" charset="-127"/>
-                <a:ea typeface="휴먼엑스포" panose="02030504000101010101" pitchFamily="18" charset="-127"/>
-              </a:rPr>
-              <a:t>서블릿에</a:t>
-            </a:r>
-            <a:r>
-              <a:rPr lang="ko-KR" altLang="en-US" b="1" dirty="0" smtClean="0">
-                <a:latin typeface="휴먼엑스포" panose="02030504000101010101" pitchFamily="18" charset="-127"/>
-                <a:ea typeface="휴먼엑스포" panose="02030504000101010101" pitchFamily="18" charset="-127"/>
-              </a:rPr>
-              <a:t> 요청하기</a:t>
-            </a:r>
-            <a:endParaRPr lang="ko-KR" altLang="en-US" dirty="0"/>
-          </a:p>
-        </p:txBody>
-      </p:sp>
-      <p:sp>
-        <p:nvSpPr>
-          <p:cNvPr id="4" name="TextBox 3"/>
-          <p:cNvSpPr txBox="1"/>
-          <p:nvPr/>
-        </p:nvSpPr>
-        <p:spPr>
-          <a:xfrm>
-            <a:off x="776536" y="980728"/>
-            <a:ext cx="8496944" cy="494494"/>
-          </a:xfrm>
-          <a:prstGeom prst="rect">
-            <a:avLst/>
-          </a:prstGeom>
-          <a:noFill/>
-        </p:spPr>
-        <p:txBody>
-          <a:bodyPr wrap="square" rtlCol="0">
-            <a:spAutoFit/>
-          </a:bodyPr>
-          <a:lstStyle/>
-          <a:p>
-            <a:pPr>
-              <a:lnSpc>
-                <a:spcPct val="150000"/>
-              </a:lnSpc>
-            </a:pPr>
-            <a:r>
-              <a:rPr lang="en-US" altLang="ko-KR" sz="2000" b="1" dirty="0" err="1" smtClean="0"/>
-              <a:t>RegisterServet</a:t>
-            </a:r>
-            <a:r>
-              <a:rPr lang="en-US" altLang="ko-KR" sz="2000" b="1" dirty="0" smtClean="0"/>
-              <a:t> </a:t>
-            </a:r>
-            <a:r>
-              <a:rPr lang="ko-KR" altLang="en-US" sz="2000" b="1" dirty="0" smtClean="0"/>
-              <a:t>생성</a:t>
-            </a:r>
-            <a:endParaRPr lang="en-US" altLang="ko-KR" sz="2000" b="1" dirty="0" smtClean="0"/>
-          </a:p>
-        </p:txBody>
-      </p:sp>
-      <p:pic>
-        <p:nvPicPr>
-          <p:cNvPr id="5" name="그림 4"/>
-          <p:cNvPicPr>
-            <a:picLocks noChangeAspect="1"/>
-          </p:cNvPicPr>
-          <p:nvPr/>
-        </p:nvPicPr>
-        <p:blipFill>
-          <a:blip r:embed="rId2">
-            <a:extLst>
-              <a:ext uri="{28A0092B-C50C-407E-A947-70E740481C1C}">
-                <a14:useLocalDpi xmlns:a14="http://schemas.microsoft.com/office/drawing/2010/main" val="0"/>
-              </a:ext>
-            </a:extLst>
-          </a:blip>
-          <a:stretch>
-            <a:fillRect/>
-          </a:stretch>
-        </p:blipFill>
-        <p:spPr>
-          <a:xfrm>
-            <a:off x="916607" y="1556792"/>
-            <a:ext cx="7279595" cy="4608512"/>
-          </a:xfrm>
-          <a:prstGeom prst="rect">
-            <a:avLst/>
-          </a:prstGeom>
-          <a:ln>
-            <a:solidFill>
-              <a:schemeClr val="accent5">
-                <a:lumMod val="40000"/>
-                <a:lumOff val="60000"/>
-              </a:schemeClr>
-            </a:solidFill>
-          </a:ln>
-        </p:spPr>
-      </p:pic>
-      <p:pic>
-        <p:nvPicPr>
-          <p:cNvPr id="2" name="그림 1"/>
-          <p:cNvPicPr>
-            <a:picLocks noChangeAspect="1"/>
-          </p:cNvPicPr>
-          <p:nvPr/>
-        </p:nvPicPr>
-        <p:blipFill>
-          <a:blip r:embed="rId3">
-            <a:extLst>
-              <a:ext uri="{28A0092B-C50C-407E-A947-70E740481C1C}">
-                <a14:useLocalDpi xmlns:a14="http://schemas.microsoft.com/office/drawing/2010/main" val="0"/>
-              </a:ext>
-            </a:extLst>
-          </a:blip>
-          <a:stretch>
-            <a:fillRect/>
-          </a:stretch>
-        </p:blipFill>
-        <p:spPr>
-          <a:xfrm>
-            <a:off x="6969224" y="4809034"/>
-            <a:ext cx="2194522" cy="1428278"/>
-          </a:xfrm>
-          <a:prstGeom prst="rect">
-            <a:avLst/>
-          </a:prstGeom>
-          <a:ln>
-            <a:solidFill>
-              <a:schemeClr val="bg1">
-                <a:lumMod val="85000"/>
-              </a:schemeClr>
-            </a:solidFill>
-          </a:ln>
-        </p:spPr>
-      </p:pic>
-    </p:spTree>
-    <p:extLst>
-      <p:ext uri="{BB962C8B-B14F-4D97-AF65-F5344CB8AC3E}">
-        <p14:creationId xmlns:p14="http://schemas.microsoft.com/office/powerpoint/2010/main" val="2720858460"/>
       </p:ext>
     </p:extLst>
   </p:cSld>
@@ -12647,19 +12628,83 @@
               <a:t> </a:t>
             </a:r>
             <a:r>
+              <a:rPr lang="en-US" altLang="ko-KR" b="1" dirty="0" smtClean="0">
+                <a:latin typeface="휴먼엑스포" panose="02030504000101010101" pitchFamily="18" charset="-127"/>
+                <a:ea typeface="휴먼엑스포" panose="02030504000101010101" pitchFamily="18" charset="-127"/>
+              </a:rPr>
+              <a:t>&lt;form&gt; </a:t>
+            </a:r>
+            <a:r>
               <a:rPr lang="ko-KR" altLang="en-US" b="1" dirty="0" smtClean="0">
                 <a:latin typeface="휴먼엑스포" panose="02030504000101010101" pitchFamily="18" charset="-127"/>
                 <a:ea typeface="휴먼엑스포" panose="02030504000101010101" pitchFamily="18" charset="-127"/>
               </a:rPr>
-              <a:t>간단한 계산기</a:t>
+              <a:t>태그로 </a:t>
+            </a:r>
+            <a:r>
+              <a:rPr lang="ko-KR" altLang="en-US" b="1" dirty="0" err="1" smtClean="0">
+                <a:latin typeface="휴먼엑스포" panose="02030504000101010101" pitchFamily="18" charset="-127"/>
+                <a:ea typeface="휴먼엑스포" panose="02030504000101010101" pitchFamily="18" charset="-127"/>
+              </a:rPr>
+              <a:t>서블릿에</a:t>
+            </a:r>
+            <a:r>
+              <a:rPr lang="ko-KR" altLang="en-US" b="1" dirty="0" smtClean="0">
+                <a:latin typeface="휴먼엑스포" panose="02030504000101010101" pitchFamily="18" charset="-127"/>
+                <a:ea typeface="휴먼엑스포" panose="02030504000101010101" pitchFamily="18" charset="-127"/>
+              </a:rPr>
+              <a:t> 요청하기</a:t>
             </a:r>
             <a:endParaRPr lang="ko-KR" altLang="en-US" dirty="0"/>
+          </a:p>
+        </p:txBody>
+      </p:sp>
+      <p:sp>
+        <p:nvSpPr>
+          <p:cNvPr id="4" name="TextBox 3"/>
+          <p:cNvSpPr txBox="1"/>
+          <p:nvPr/>
+        </p:nvSpPr>
+        <p:spPr>
+          <a:xfrm>
+            <a:off x="776536" y="980728"/>
+            <a:ext cx="8496944" cy="494494"/>
+          </a:xfrm>
+          <a:prstGeom prst="rect">
+            <a:avLst/>
+          </a:prstGeom>
+          <a:noFill/>
+        </p:spPr>
+        <p:txBody>
+          <a:bodyPr wrap="square" rtlCol="0">
+            <a:spAutoFit/>
+          </a:bodyPr>
+          <a:lstStyle/>
+          <a:p>
+            <a:pPr>
+              <a:lnSpc>
+                <a:spcPct val="150000"/>
+              </a:lnSpc>
+            </a:pPr>
+            <a:r>
+              <a:rPr lang="en-US" altLang="ko-KR" sz="2000" b="1" dirty="0" err="1" smtClean="0"/>
+              <a:t>RegisterServet</a:t>
+            </a:r>
+            <a:r>
+              <a:rPr lang="en-US" altLang="ko-KR" sz="2000" b="1" dirty="0" smtClean="0"/>
+              <a:t> </a:t>
+            </a:r>
+            <a:r>
+              <a:rPr lang="ko-KR" altLang="en-US" sz="2000" b="1" dirty="0" smtClean="0"/>
+              <a:t>생성</a:t>
+            </a:r>
+            <a:endParaRPr lang="en-US" altLang="ko-KR" sz="2000" b="1" dirty="0" smtClean="0"/>
           </a:p>
         </p:txBody>
       </p:sp>
       <p:pic>
         <p:nvPicPr>
-          <p:cNvPr id="6" name="그림 5"/>
+          <p:cNvPr id="5" name="그림 4"/>
           <p:cNvPicPr>
             <a:picLocks noChangeAspect="1"/>
           </p:cNvPicPr>
@@ -12679,94 +12724,25 @@
         </p:blipFill>
         <p:spPr>
           <a:xfrm>
-            <a:off x="1784647" y="2636911"/>
-            <a:ext cx="6048673" cy="3714755"/>
+            <a:off x="916607" y="1556792"/>
+            <a:ext cx="7279595" cy="4608512"/>
           </a:xfrm>
           <a:prstGeom prst="rect">
             <a:avLst/>
           </a:prstGeom>
           <a:ln>
             <a:solidFill>
-              <a:schemeClr val="bg1">
-                <a:lumMod val="85000"/>
+              <a:schemeClr val="accent5">
+                <a:lumMod val="40000"/>
+                <a:lumOff val="60000"/>
               </a:schemeClr>
             </a:solidFill>
           </a:ln>
         </p:spPr>
       </p:pic>
-      <p:sp>
-        <p:nvSpPr>
-          <p:cNvPr id="7" name="모서리가 둥근 직사각형 6">
-            <a:extLst>
-              <a:ext uri="{FF2B5EF4-FFF2-40B4-BE49-F238E27FC236}">
-                <a16:creationId xmlns:a16="http://schemas.microsoft.com/office/drawing/2014/main" xmlns="" id="{792DA8B4-17B2-454B-97AC-17311A4832C5}"/>
-              </a:ext>
-            </a:extLst>
-          </p:cNvPr>
-          <p:cNvSpPr/>
-          <p:nvPr/>
-        </p:nvSpPr>
-        <p:spPr>
-          <a:xfrm>
-            <a:off x="5494022" y="2809279"/>
-            <a:ext cx="2411306" cy="316149"/>
-          </a:xfrm>
-          <a:prstGeom prst="roundRect">
-            <a:avLst/>
-          </a:prstGeom>
-          <a:noFill/>
-          <a:ln w="12700">
-            <a:solidFill>
-              <a:schemeClr val="tx1"/>
-            </a:solidFill>
-          </a:ln>
-        </p:spPr>
-        <p:style>
-          <a:lnRef idx="2">
-            <a:schemeClr val="accent2"/>
-          </a:lnRef>
-          <a:fillRef idx="1">
-            <a:schemeClr val="lt1"/>
-          </a:fillRef>
-          <a:effectRef idx="0">
-            <a:schemeClr val="accent2"/>
-          </a:effectRef>
-          <a:fontRef idx="minor">
-            <a:schemeClr val="dk1"/>
-          </a:fontRef>
-        </p:style>
-        <p:txBody>
-          <a:bodyPr rtlCol="0" anchor="ctr"/>
-          <a:lstStyle/>
-          <a:p>
-            <a:pPr algn="ctr"/>
-            <a:r>
-              <a:rPr lang="en-US" altLang="ko-KR" sz="1600" dirty="0" smtClean="0">
-                <a:solidFill>
-                  <a:sysClr val="windowText" lastClr="000000"/>
-                </a:solidFill>
-              </a:rPr>
-              <a:t>servlet/</a:t>
-            </a:r>
-            <a:r>
-              <a:rPr lang="en-US" altLang="ko-KR" sz="1600" dirty="0" err="1" smtClean="0">
-                <a:solidFill>
-                  <a:sysClr val="windowText" lastClr="000000"/>
-                </a:solidFill>
-              </a:rPr>
-              <a:t>calcForm.jsp</a:t>
-            </a:r>
-            <a:endParaRPr lang="en-US" altLang="ko-KR" sz="1600" dirty="0" smtClean="0">
-              <a:solidFill>
-                <a:sysClr val="windowText" lastClr="000000"/>
-              </a:solidFill>
-            </a:endParaRPr>
-          </a:p>
-        </p:txBody>
-      </p:sp>
       <p:pic>
         <p:nvPicPr>
-          <p:cNvPr id="8" name="그림 7"/>
+          <p:cNvPr id="2" name="그림 1"/>
           <p:cNvPicPr>
             <a:picLocks noChangeAspect="1"/>
           </p:cNvPicPr>
@@ -12786,8 +12762,8 @@
         </p:blipFill>
         <p:spPr>
           <a:xfrm>
-            <a:off x="1224408" y="1246245"/>
-            <a:ext cx="3498574" cy="1262183"/>
+            <a:off x="6969224" y="4809034"/>
+            <a:ext cx="2194522" cy="1428278"/>
           </a:xfrm>
           <a:prstGeom prst="rect">
             <a:avLst/>
@@ -12801,88 +12777,10 @@
           </a:ln>
         </p:spPr>
       </p:pic>
-      <p:pic>
-        <p:nvPicPr>
-          <p:cNvPr id="9" name="그림 8"/>
-          <p:cNvPicPr>
-            <a:picLocks noChangeAspect="1"/>
-          </p:cNvPicPr>
-          <p:nvPr/>
-        </p:nvPicPr>
-        <p:blipFill>
-          <a:blip r:embed="rId4">
-            <a:extLst>
-              <a:ext uri="{28A0092B-C50C-407E-A947-70E740481C1C}">
-                <a14:useLocalDpi xmlns:a14="http://schemas.microsoft.com/office/drawing/2010/main" val="0"/>
-              </a:ext>
-            </a:extLst>
-          </a:blip>
-          <a:stretch>
-            <a:fillRect/>
-          </a:stretch>
-        </p:blipFill>
-        <p:spPr>
-          <a:xfrm>
-            <a:off x="5652458" y="1246245"/>
-            <a:ext cx="2952328" cy="1195626"/>
-          </a:xfrm>
-          <a:prstGeom prst="rect">
-            <a:avLst/>
-          </a:prstGeom>
-          <a:ln>
-            <a:solidFill>
-              <a:schemeClr val="bg1">
-                <a:lumMod val="85000"/>
-              </a:schemeClr>
-            </a:solidFill>
-          </a:ln>
-        </p:spPr>
-      </p:pic>
-      <p:sp>
-        <p:nvSpPr>
-          <p:cNvPr id="10" name="오른쪽 화살표 9"/>
-          <p:cNvSpPr/>
-          <p:nvPr/>
-        </p:nvSpPr>
-        <p:spPr>
-          <a:xfrm>
-            <a:off x="4943534" y="1823872"/>
-            <a:ext cx="432048" cy="104520"/>
-          </a:xfrm>
-          <a:prstGeom prst="rightArrow">
-            <a:avLst/>
-          </a:prstGeom>
-          <a:ln w="12700"/>
-        </p:spPr>
-        <p:style>
-          <a:lnRef idx="2">
-            <a:schemeClr val="accent1">
-              <a:shade val="50000"/>
-            </a:schemeClr>
-          </a:lnRef>
-          <a:fillRef idx="1">
-            <a:schemeClr val="accent1"/>
-          </a:fillRef>
-          <a:effectRef idx="0">
-            <a:schemeClr val="accent1"/>
-          </a:effectRef>
-          <a:fontRef idx="minor">
-            <a:schemeClr val="lt1"/>
-          </a:fontRef>
-        </p:style>
-        <p:txBody>
-          <a:bodyPr rtlCol="0" anchor="ctr"/>
-          <a:lstStyle/>
-          <a:p>
-            <a:pPr algn="ctr"/>
-            <a:endParaRPr lang="ko-KR" altLang="en-US"/>
-          </a:p>
-        </p:txBody>
-      </p:sp>
     </p:spTree>
     <p:extLst>
       <p:ext uri="{BB962C8B-B14F-4D97-AF65-F5344CB8AC3E}">
-        <p14:creationId xmlns:p14="http://schemas.microsoft.com/office/powerpoint/2010/main" val="3796363577"/>
+        <p14:creationId xmlns:p14="http://schemas.microsoft.com/office/powerpoint/2010/main" val="2720858460"/>
       </p:ext>
     </p:extLst>
   </p:cSld>
@@ -12973,7 +12871,7 @@
       </p:sp>
       <p:pic>
         <p:nvPicPr>
-          <p:cNvPr id="3" name="그림 2"/>
+          <p:cNvPr id="6" name="그림 5"/>
           <p:cNvPicPr>
             <a:picLocks noChangeAspect="1"/>
           </p:cNvPicPr>
@@ -12993,8 +12891,8 @@
         </p:blipFill>
         <p:spPr>
           <a:xfrm>
-            <a:off x="920552" y="1142800"/>
-            <a:ext cx="7712109" cy="4572397"/>
+            <a:off x="1784647" y="2636911"/>
+            <a:ext cx="6048673" cy="3714755"/>
           </a:xfrm>
           <a:prstGeom prst="rect">
             <a:avLst/>
@@ -13010,10 +12908,10 @@
       </p:pic>
       <p:sp>
         <p:nvSpPr>
-          <p:cNvPr id="6" name="모서리가 둥근 직사각형 5">
+          <p:cNvPr id="7" name="모서리가 둥근 직사각형 6">
             <a:extLst>
               <a:ext uri="{FF2B5EF4-FFF2-40B4-BE49-F238E27FC236}">
-                <a16:creationId xmlns:a16="http://schemas.microsoft.com/office/drawing/2014/main" xmlns="" id="{792DA8B4-17B2-454B-97AC-17311A4832C5}"/>
+                <a16:creationId xmlns:a16="http://schemas.microsoft.com/office/drawing/2014/main" id="{792DA8B4-17B2-454B-97AC-17311A4832C5}"/>
               </a:ext>
             </a:extLst>
           </p:cNvPr>
@@ -13022,8 +12920,8 @@
         </p:nvSpPr>
         <p:spPr>
           <a:xfrm>
-            <a:off x="6249144" y="1412776"/>
-            <a:ext cx="3131386" cy="316149"/>
+            <a:off x="5494022" y="2809279"/>
+            <a:ext cx="2411306" cy="316149"/>
           </a:xfrm>
           <a:prstGeom prst="roundRect">
             <a:avLst/>
@@ -13060,15 +12958,143 @@
                   <a:sysClr val="windowText" lastClr="000000"/>
                 </a:solidFill>
               </a:rPr>
-              <a:t>com.calculator.CalcServlet.java</a:t>
-            </a:r>
+              <a:t>servlet/</a:t>
+            </a:r>
+            <a:r>
+              <a:rPr lang="en-US" altLang="ko-KR" sz="1600" dirty="0" err="1" smtClean="0">
+                <a:solidFill>
+                  <a:sysClr val="windowText" lastClr="000000"/>
+                </a:solidFill>
+              </a:rPr>
+              <a:t>calcForm.jsp</a:t>
+            </a:r>
+            <a:endParaRPr lang="en-US" altLang="ko-KR" sz="1600" dirty="0" smtClean="0">
+              <a:solidFill>
+                <a:sysClr val="windowText" lastClr="000000"/>
+              </a:solidFill>
+            </a:endParaRPr>
+          </a:p>
+        </p:txBody>
+      </p:sp>
+      <p:pic>
+        <p:nvPicPr>
+          <p:cNvPr id="8" name="그림 7"/>
+          <p:cNvPicPr>
+            <a:picLocks noChangeAspect="1"/>
+          </p:cNvPicPr>
+          <p:nvPr/>
+        </p:nvPicPr>
+        <p:blipFill>
+          <a:blip r:embed="rId3">
+            <a:extLst>
+              <a:ext uri="{28A0092B-C50C-407E-A947-70E740481C1C}">
+                <a14:useLocalDpi xmlns:a14="http://schemas.microsoft.com/office/drawing/2010/main" val="0"/>
+              </a:ext>
+            </a:extLst>
+          </a:blip>
+          <a:stretch>
+            <a:fillRect/>
+          </a:stretch>
+        </p:blipFill>
+        <p:spPr>
+          <a:xfrm>
+            <a:off x="1224408" y="1246245"/>
+            <a:ext cx="3498574" cy="1262183"/>
+          </a:xfrm>
+          <a:prstGeom prst="rect">
+            <a:avLst/>
+          </a:prstGeom>
+          <a:ln>
+            <a:solidFill>
+              <a:schemeClr val="bg1">
+                <a:lumMod val="85000"/>
+              </a:schemeClr>
+            </a:solidFill>
+          </a:ln>
+        </p:spPr>
+      </p:pic>
+      <p:pic>
+        <p:nvPicPr>
+          <p:cNvPr id="9" name="그림 8"/>
+          <p:cNvPicPr>
+            <a:picLocks noChangeAspect="1"/>
+          </p:cNvPicPr>
+          <p:nvPr/>
+        </p:nvPicPr>
+        <p:blipFill>
+          <a:blip r:embed="rId4">
+            <a:extLst>
+              <a:ext uri="{28A0092B-C50C-407E-A947-70E740481C1C}">
+                <a14:useLocalDpi xmlns:a14="http://schemas.microsoft.com/office/drawing/2010/main" val="0"/>
+              </a:ext>
+            </a:extLst>
+          </a:blip>
+          <a:stretch>
+            <a:fillRect/>
+          </a:stretch>
+        </p:blipFill>
+        <p:spPr>
+          <a:xfrm>
+            <a:off x="5652458" y="1246245"/>
+            <a:ext cx="2952328" cy="1195626"/>
+          </a:xfrm>
+          <a:prstGeom prst="rect">
+            <a:avLst/>
+          </a:prstGeom>
+          <a:ln>
+            <a:solidFill>
+              <a:schemeClr val="bg1">
+                <a:lumMod val="85000"/>
+              </a:schemeClr>
+            </a:solidFill>
+          </a:ln>
+        </p:spPr>
+      </p:pic>
+      <p:sp>
+        <p:nvSpPr>
+          <p:cNvPr id="10" name="오른쪽 화살표 9"/>
+          <p:cNvSpPr/>
+          <p:nvPr/>
+        </p:nvSpPr>
+        <p:spPr>
+          <a:xfrm>
+            <a:off x="4943534" y="1823872"/>
+            <a:ext cx="432048" cy="104520"/>
+          </a:xfrm>
+          <a:prstGeom prst="rightArrow">
+            <a:avLst/>
+          </a:prstGeom>
+          <a:ln w="12700"/>
+        </p:spPr>
+        <p:style>
+          <a:lnRef idx="2">
+            <a:schemeClr val="accent1">
+              <a:shade val="50000"/>
+            </a:schemeClr>
+          </a:lnRef>
+          <a:fillRef idx="1">
+            <a:schemeClr val="accent1"/>
+          </a:fillRef>
+          <a:effectRef idx="0">
+            <a:schemeClr val="accent1"/>
+          </a:effectRef>
+          <a:fontRef idx="minor">
+            <a:schemeClr val="lt1"/>
+          </a:fontRef>
+        </p:style>
+        <p:txBody>
+          <a:bodyPr rtlCol="0" anchor="ctr"/>
+          <a:lstStyle/>
+          <a:p>
+            <a:pPr algn="ctr"/>
+            <a:endParaRPr lang="ko-KR" altLang="en-US"/>
           </a:p>
         </p:txBody>
       </p:sp>
     </p:spTree>
     <p:extLst>
       <p:ext uri="{BB962C8B-B14F-4D97-AF65-F5344CB8AC3E}">
-        <p14:creationId xmlns:p14="http://schemas.microsoft.com/office/powerpoint/2010/main" val="980002226"/>
+        <p14:creationId xmlns:p14="http://schemas.microsoft.com/office/powerpoint/2010/main" val="3796363577"/>
       </p:ext>
     </p:extLst>
   </p:cSld>
@@ -14164,8 +14190,8 @@
         </p:blipFill>
         <p:spPr>
           <a:xfrm>
-            <a:off x="1345899" y="2060848"/>
-            <a:ext cx="6862388" cy="2232248"/>
+            <a:off x="920552" y="1142800"/>
+            <a:ext cx="7712109" cy="4572397"/>
           </a:xfrm>
           <a:prstGeom prst="rect">
             <a:avLst/>
@@ -14181,10 +14207,10 @@
       </p:pic>
       <p:sp>
         <p:nvSpPr>
-          <p:cNvPr id="5" name="모서리가 둥근 직사각형 4">
+          <p:cNvPr id="6" name="모서리가 둥근 직사각형 5">
             <a:extLst>
               <a:ext uri="{FF2B5EF4-FFF2-40B4-BE49-F238E27FC236}">
-                <a16:creationId xmlns:a16="http://schemas.microsoft.com/office/drawing/2014/main" xmlns="" id="{792DA8B4-17B2-454B-97AC-17311A4832C5}"/>
+                <a16:creationId xmlns:a16="http://schemas.microsoft.com/office/drawing/2014/main" id="{792DA8B4-17B2-454B-97AC-17311A4832C5}"/>
               </a:ext>
             </a:extLst>
           </p:cNvPr>
@@ -14193,7 +14219,7 @@
         </p:nvSpPr>
         <p:spPr>
           <a:xfrm>
-            <a:off x="5076901" y="1621231"/>
+            <a:off x="6249144" y="1412776"/>
             <a:ext cx="3131386" cy="316149"/>
           </a:xfrm>
           <a:prstGeom prst="roundRect">
@@ -14239,7 +14265,7 @@
     </p:spTree>
     <p:extLst>
       <p:ext uri="{BB962C8B-B14F-4D97-AF65-F5344CB8AC3E}">
-        <p14:creationId xmlns:p14="http://schemas.microsoft.com/office/powerpoint/2010/main" val="4286007262"/>
+        <p14:creationId xmlns:p14="http://schemas.microsoft.com/office/powerpoint/2010/main" val="980002226"/>
       </p:ext>
     </p:extLst>
   </p:cSld>
@@ -14273,43 +14299,6 @@
           <a:chExt cx="0" cy="0"/>
         </a:xfrm>
       </p:grpSpPr>
-      <p:pic>
-        <p:nvPicPr>
-          <p:cNvPr id="6" name="그림 5"/>
-          <p:cNvPicPr>
-            <a:picLocks noChangeAspect="1"/>
-          </p:cNvPicPr>
-          <p:nvPr/>
-        </p:nvPicPr>
-        <p:blipFill>
-          <a:blip r:embed="rId3">
-            <a:extLst>
-              <a:ext uri="{28A0092B-C50C-407E-A947-70E740481C1C}">
-                <a14:useLocalDpi xmlns:a14="http://schemas.microsoft.com/office/drawing/2010/main" val="0"/>
-              </a:ext>
-            </a:extLst>
-          </a:blip>
-          <a:stretch>
-            <a:fillRect/>
-          </a:stretch>
-        </p:blipFill>
-        <p:spPr>
-          <a:xfrm>
-            <a:off x="1368237" y="1844824"/>
-            <a:ext cx="5601235" cy="2389860"/>
-          </a:xfrm>
-          <a:prstGeom prst="rect">
-            <a:avLst/>
-          </a:prstGeom>
-          <a:ln>
-            <a:solidFill>
-              <a:schemeClr val="bg1">
-                <a:lumMod val="85000"/>
-              </a:schemeClr>
-            </a:solidFill>
-          </a:ln>
-        </p:spPr>
-      </p:pic>
       <p:sp>
         <p:nvSpPr>
           <p:cNvPr id="15" name="제목 5"/>
@@ -14350,63 +14339,64 @@
               <a:rPr lang="en-US" altLang="ko-KR" dirty="0" smtClean="0"/>
               <a:t> </a:t>
             </a:r>
+            <a:r>
+              <a:rPr lang="ko-KR" altLang="en-US" dirty="0"/>
+              <a:t> </a:t>
+            </a:r>
+            <a:r>
+              <a:rPr lang="ko-KR" altLang="en-US" b="1" dirty="0" smtClean="0">
+                <a:latin typeface="휴먼엑스포" panose="02030504000101010101" pitchFamily="18" charset="-127"/>
+                <a:ea typeface="휴먼엑스포" panose="02030504000101010101" pitchFamily="18" charset="-127"/>
+              </a:rPr>
+              <a:t>간단한 계산기</a:t>
+            </a:r>
             <a:endParaRPr lang="ko-KR" altLang="en-US" dirty="0"/>
           </a:p>
         </p:txBody>
       </p:sp>
-      <p:sp>
-        <p:nvSpPr>
-          <p:cNvPr id="4" name="TextBox 3"/>
-          <p:cNvSpPr txBox="1"/>
-          <p:nvPr/>
-        </p:nvSpPr>
-        <p:spPr>
-          <a:xfrm>
-            <a:off x="776536" y="980728"/>
-            <a:ext cx="8496944" cy="494494"/>
+      <p:pic>
+        <p:nvPicPr>
+          <p:cNvPr id="3" name="그림 2"/>
+          <p:cNvPicPr>
+            <a:picLocks noChangeAspect="1"/>
+          </p:cNvPicPr>
+          <p:nvPr/>
+        </p:nvPicPr>
+        <p:blipFill>
+          <a:blip r:embed="rId2">
+            <a:extLst>
+              <a:ext uri="{28A0092B-C50C-407E-A947-70E740481C1C}">
+                <a14:useLocalDpi xmlns:a14="http://schemas.microsoft.com/office/drawing/2010/main" val="0"/>
+              </a:ext>
+            </a:extLst>
+          </a:blip>
+          <a:stretch>
+            <a:fillRect/>
+          </a:stretch>
+        </p:blipFill>
+        <p:spPr>
+          <a:xfrm>
+            <a:off x="1345899" y="2060848"/>
+            <a:ext cx="6862388" cy="2232248"/>
           </a:xfrm>
           <a:prstGeom prst="rect">
             <a:avLst/>
           </a:prstGeom>
-          <a:noFill/>
-        </p:spPr>
-        <p:txBody>
-          <a:bodyPr wrap="square" rtlCol="0">
-            <a:spAutoFit/>
-          </a:bodyPr>
-          <a:lstStyle/>
-          <a:p>
-            <a:pPr>
-              <a:lnSpc>
-                <a:spcPct val="150000"/>
-              </a:lnSpc>
-            </a:pPr>
-            <a:r>
-              <a:rPr lang="en-US" altLang="ko-KR" sz="2000" b="1" dirty="0" smtClean="0"/>
-              <a:t>GET</a:t>
-            </a:r>
-            <a:r>
-              <a:rPr lang="ko-KR" altLang="en-US" sz="2000" b="1" dirty="0" smtClean="0"/>
-              <a:t>방식과 </a:t>
-            </a:r>
-            <a:r>
-              <a:rPr lang="en-US" altLang="ko-KR" sz="2000" b="1" dirty="0" smtClean="0"/>
-              <a:t>POST </a:t>
-            </a:r>
-            <a:r>
-              <a:rPr lang="ko-KR" altLang="en-US" sz="2000" b="1" dirty="0" smtClean="0"/>
-              <a:t>방식 요청 동시에 처리하기</a:t>
-            </a:r>
-            <a:endParaRPr lang="en-US" altLang="ko-KR" sz="2000" b="1" dirty="0" smtClean="0"/>
-          </a:p>
-        </p:txBody>
-      </p:sp>
-      <p:sp>
-        <p:nvSpPr>
-          <p:cNvPr id="14" name="모서리가 둥근 직사각형 13">
+          <a:ln>
+            <a:solidFill>
+              <a:schemeClr val="bg1">
+                <a:lumMod val="85000"/>
+              </a:schemeClr>
+            </a:solidFill>
+          </a:ln>
+        </p:spPr>
+      </p:pic>
+      <p:sp>
+        <p:nvSpPr>
+          <p:cNvPr id="5" name="모서리가 둥근 직사각형 4">
             <a:extLst>
               <a:ext uri="{FF2B5EF4-FFF2-40B4-BE49-F238E27FC236}">
-                <a16:creationId xmlns:a16="http://schemas.microsoft.com/office/drawing/2014/main" xmlns="" id="{792DA8B4-17B2-454B-97AC-17311A4832C5}"/>
+                <a16:creationId xmlns:a16="http://schemas.microsoft.com/office/drawing/2014/main" id="{792DA8B4-17B2-454B-97AC-17311A4832C5}"/>
               </a:ext>
             </a:extLst>
           </p:cNvPr>
@@ -14415,13 +14405,18 @@
         </p:nvSpPr>
         <p:spPr>
           <a:xfrm>
-            <a:off x="5758712" y="1982908"/>
-            <a:ext cx="1622568" cy="299896"/>
+            <a:off x="5076901" y="1621231"/>
+            <a:ext cx="3131386" cy="316149"/>
           </a:xfrm>
           <a:prstGeom prst="roundRect">
             <a:avLst/>
           </a:prstGeom>
           <a:noFill/>
+          <a:ln w="12700">
+            <a:solidFill>
+              <a:schemeClr val="tx1"/>
+            </a:solidFill>
+          </a:ln>
         </p:spPr>
         <p:style>
           <a:lnRef idx="2">
@@ -14441,257 +14436,22 @@
           <a:bodyPr rtlCol="0" anchor="ctr"/>
           <a:lstStyle/>
           <a:p>
+            <a:pPr algn="ctr"/>
             <a:r>
               <a:rPr lang="en-US" altLang="ko-KR" sz="1600" dirty="0" smtClean="0">
                 <a:solidFill>
                   <a:sysClr val="windowText" lastClr="000000"/>
                 </a:solidFill>
               </a:rPr>
-              <a:t>get</a:t>
-            </a:r>
-            <a:r>
-              <a:rPr lang="ko-KR" altLang="en-US" sz="1600" dirty="0" smtClean="0">
-                <a:solidFill>
-                  <a:sysClr val="windowText" lastClr="000000"/>
-                </a:solidFill>
-              </a:rPr>
-              <a:t>으로 바꿈</a:t>
-            </a:r>
-            <a:endParaRPr lang="en-US" altLang="ko-KR" sz="1600" dirty="0" smtClean="0">
-              <a:solidFill>
-                <a:sysClr val="windowText" lastClr="000000"/>
-              </a:solidFill>
-            </a:endParaRPr>
-          </a:p>
-        </p:txBody>
-      </p:sp>
-      <p:sp>
-        <p:nvSpPr>
-          <p:cNvPr id="16" name="모서리가 둥근 직사각형 15">
-            <a:extLst>
-              <a:ext uri="{FF2B5EF4-FFF2-40B4-BE49-F238E27FC236}">
-                <a16:creationId xmlns:a16="http://schemas.microsoft.com/office/drawing/2014/main" xmlns="" id="{792DA8B4-17B2-454B-97AC-17311A4832C5}"/>
-              </a:ext>
-            </a:extLst>
-          </p:cNvPr>
-          <p:cNvSpPr/>
-          <p:nvPr/>
-        </p:nvSpPr>
-        <p:spPr>
-          <a:xfrm>
-            <a:off x="3550973" y="1694106"/>
-            <a:ext cx="1540230" cy="438750"/>
-          </a:xfrm>
-          <a:prstGeom prst="roundRect">
-            <a:avLst/>
-          </a:prstGeom>
-          <a:noFill/>
-          <a:ln>
-            <a:prstDash val="sysDash"/>
-          </a:ln>
-        </p:spPr>
-        <p:style>
-          <a:lnRef idx="2">
-            <a:schemeClr val="accent2"/>
-          </a:lnRef>
-          <a:fillRef idx="1">
-            <a:schemeClr val="lt1"/>
-          </a:fillRef>
-          <a:effectRef idx="0">
-            <a:schemeClr val="accent2"/>
-          </a:effectRef>
-          <a:fontRef idx="minor">
-            <a:schemeClr val="dk1"/>
-          </a:fontRef>
-        </p:style>
-        <p:txBody>
-          <a:bodyPr rtlCol="0" anchor="ctr"/>
-          <a:lstStyle/>
-          <a:p>
-            <a:pPr algn="ctr"/>
-            <a:endParaRPr lang="ko-KR" altLang="en-US" sz="1300" dirty="0">
-              <a:solidFill>
-                <a:sysClr val="windowText" lastClr="000000"/>
-              </a:solidFill>
-            </a:endParaRPr>
-          </a:p>
-        </p:txBody>
-      </p:sp>
-      <p:cxnSp>
-        <p:nvCxnSpPr>
-          <p:cNvPr id="17" name="직선 화살표 연결선 16"/>
-          <p:cNvCxnSpPr>
-            <a:stCxn id="14" idx="1"/>
-          </p:cNvCxnSpPr>
-          <p:nvPr/>
-        </p:nvCxnSpPr>
-        <p:spPr>
-          <a:xfrm flipH="1" flipV="1">
-            <a:off x="5181852" y="1982908"/>
-            <a:ext cx="576860" cy="149948"/>
-          </a:xfrm>
-          <a:prstGeom prst="straightConnector1">
-            <a:avLst/>
-          </a:prstGeom>
-          <a:ln w="9525">
-            <a:solidFill>
-              <a:srgbClr val="C00000"/>
-            </a:solidFill>
-            <a:prstDash val="solid"/>
-            <a:headEnd type="none" w="med" len="med"/>
-            <a:tailEnd type="triangle" w="med" len="med"/>
-          </a:ln>
-        </p:spPr>
-        <p:style>
-          <a:lnRef idx="1">
-            <a:schemeClr val="accent1"/>
-          </a:lnRef>
-          <a:fillRef idx="0">
-            <a:schemeClr val="accent1"/>
-          </a:fillRef>
-          <a:effectRef idx="0">
-            <a:schemeClr val="accent1"/>
-          </a:effectRef>
-          <a:fontRef idx="minor">
-            <a:schemeClr val="tx1"/>
-          </a:fontRef>
-        </p:style>
-      </p:cxnSp>
-      <p:pic>
-        <p:nvPicPr>
-          <p:cNvPr id="2" name="그림 1"/>
-          <p:cNvPicPr>
-            <a:picLocks noChangeAspect="1"/>
-          </p:cNvPicPr>
-          <p:nvPr/>
-        </p:nvPicPr>
-        <p:blipFill>
-          <a:blip r:embed="rId4">
-            <a:extLst>
-              <a:ext uri="{28A0092B-C50C-407E-A947-70E740481C1C}">
-                <a14:useLocalDpi xmlns:a14="http://schemas.microsoft.com/office/drawing/2010/main" val="0"/>
-              </a:ext>
-            </a:extLst>
-          </a:blip>
-          <a:stretch>
-            <a:fillRect/>
-          </a:stretch>
-        </p:blipFill>
-        <p:spPr>
-          <a:xfrm>
-            <a:off x="5937950" y="4383277"/>
-            <a:ext cx="2471433" cy="1393613"/>
-          </a:xfrm>
-          <a:prstGeom prst="rect">
-            <a:avLst/>
-          </a:prstGeom>
-          <a:ln>
-            <a:solidFill>
-              <a:schemeClr val="accent5">
-                <a:lumMod val="20000"/>
-                <a:lumOff val="80000"/>
-              </a:schemeClr>
-            </a:solidFill>
-          </a:ln>
-        </p:spPr>
-      </p:pic>
-      <p:sp>
-        <p:nvSpPr>
-          <p:cNvPr id="9" name="제목 5"/>
-          <p:cNvSpPr txBox="1">
-            <a:spLocks/>
-          </p:cNvSpPr>
-          <p:nvPr/>
-        </p:nvSpPr>
-        <p:spPr>
-          <a:xfrm>
-            <a:off x="152400" y="-27384"/>
-            <a:ext cx="8337376" cy="854968"/>
-          </a:xfrm>
-          <a:prstGeom prst="rect">
-            <a:avLst/>
-          </a:prstGeom>
-        </p:spPr>
-        <p:txBody>
-          <a:bodyPr anchor="ctr" anchorCtr="0"/>
-          <a:lstStyle>
-            <a:lvl1pPr algn="l" defTabSz="914400" rtl="0" eaLnBrk="1" latinLnBrk="1" hangingPunct="1">
-              <a:spcBef>
-                <a:spcPct val="0"/>
-              </a:spcBef>
-              <a:buNone/>
-              <a:defRPr sz="3200" kern="1200">
-                <a:solidFill>
-                  <a:schemeClr val="bg1"/>
-                </a:solidFill>
-                <a:latin typeface="HY헤드라인M" panose="02030600000101010101" pitchFamily="18" charset="-127"/>
-                <a:ea typeface="HY헤드라인M" panose="02030600000101010101" pitchFamily="18" charset="-127"/>
-                <a:cs typeface="+mj-cs"/>
-              </a:defRPr>
-            </a:lvl1pPr>
-          </a:lstStyle>
-          <a:p>
-            <a:r>
-              <a:rPr lang="en-US" altLang="ko-KR" dirty="0" smtClean="0"/>
-              <a:t> GET</a:t>
-            </a:r>
-            <a:r>
-              <a:rPr lang="ko-KR" altLang="en-US" dirty="0" smtClean="0"/>
-              <a:t>방식과 </a:t>
-            </a:r>
-            <a:r>
-              <a:rPr lang="en-US" altLang="ko-KR" dirty="0" smtClean="0"/>
-              <a:t>POST </a:t>
-            </a:r>
-            <a:r>
-              <a:rPr lang="ko-KR" altLang="en-US" dirty="0" smtClean="0"/>
-              <a:t>방식으로 동시 처리</a:t>
-            </a:r>
-            <a:endParaRPr lang="ko-KR" altLang="en-US" dirty="0"/>
-          </a:p>
-        </p:txBody>
-      </p:sp>
-      <p:pic>
-        <p:nvPicPr>
-          <p:cNvPr id="3" name="그림 2"/>
-          <p:cNvPicPr>
-            <a:picLocks noChangeAspect="1"/>
-          </p:cNvPicPr>
-          <p:nvPr/>
-        </p:nvPicPr>
-        <p:blipFill>
-          <a:blip r:embed="rId5">
-            <a:extLst>
-              <a:ext uri="{28A0092B-C50C-407E-A947-70E740481C1C}">
-                <a14:useLocalDpi xmlns:a14="http://schemas.microsoft.com/office/drawing/2010/main" val="0"/>
-              </a:ext>
-            </a:extLst>
-          </a:blip>
-          <a:stretch>
-            <a:fillRect/>
-          </a:stretch>
-        </p:blipFill>
-        <p:spPr>
-          <a:xfrm>
-            <a:off x="1367989" y="4383277"/>
-            <a:ext cx="3833854" cy="1700397"/>
-          </a:xfrm>
-          <a:prstGeom prst="rect">
-            <a:avLst/>
-          </a:prstGeom>
-          <a:ln>
-            <a:solidFill>
-              <a:schemeClr val="bg1">
-                <a:lumMod val="85000"/>
-              </a:schemeClr>
-            </a:solidFill>
-          </a:ln>
-        </p:spPr>
-      </p:pic>
+              <a:t>com.calculator.CalcServlet.java</a:t>
+            </a:r>
+          </a:p>
+        </p:txBody>
+      </p:sp>
     </p:spTree>
     <p:extLst>
       <p:ext uri="{BB962C8B-B14F-4D97-AF65-F5344CB8AC3E}">
-        <p14:creationId xmlns:p14="http://schemas.microsoft.com/office/powerpoint/2010/main" val="1498656667"/>
+        <p14:creationId xmlns:p14="http://schemas.microsoft.com/office/powerpoint/2010/main" val="4286007262"/>
       </p:ext>
     </p:extLst>
   </p:cSld>
@@ -14725,6 +14485,43 @@
           <a:chExt cx="0" cy="0"/>
         </a:xfrm>
       </p:grpSpPr>
+      <p:pic>
+        <p:nvPicPr>
+          <p:cNvPr id="6" name="그림 5"/>
+          <p:cNvPicPr>
+            <a:picLocks noChangeAspect="1"/>
+          </p:cNvPicPr>
+          <p:nvPr/>
+        </p:nvPicPr>
+        <p:blipFill>
+          <a:blip r:embed="rId3">
+            <a:extLst>
+              <a:ext uri="{28A0092B-C50C-407E-A947-70E740481C1C}">
+                <a14:useLocalDpi xmlns:a14="http://schemas.microsoft.com/office/drawing/2010/main" val="0"/>
+              </a:ext>
+            </a:extLst>
+          </a:blip>
+          <a:stretch>
+            <a:fillRect/>
+          </a:stretch>
+        </p:blipFill>
+        <p:spPr>
+          <a:xfrm>
+            <a:off x="1368237" y="1844824"/>
+            <a:ext cx="5601235" cy="2389860"/>
+          </a:xfrm>
+          <a:prstGeom prst="rect">
+            <a:avLst/>
+          </a:prstGeom>
+          <a:ln>
+            <a:solidFill>
+              <a:schemeClr val="bg1">
+                <a:lumMod val="85000"/>
+              </a:schemeClr>
+            </a:solidFill>
+          </a:ln>
+        </p:spPr>
+      </p:pic>
       <p:sp>
         <p:nvSpPr>
           <p:cNvPr id="15" name="제목 5"/>
@@ -14778,7 +14575,7 @@
         <p:spPr>
           <a:xfrm>
             <a:off x="776536" y="980728"/>
-            <a:ext cx="8496944" cy="1015663"/>
+            <a:ext cx="8496944" cy="494494"/>
           </a:xfrm>
           <a:prstGeom prst="rect">
             <a:avLst/>
@@ -14814,72 +14611,14 @@
             </a:r>
             <a:endParaRPr lang="en-US" altLang="ko-KR" sz="2000" b="1" dirty="0" smtClean="0"/>
           </a:p>
-          <a:p>
-            <a:pPr>
-              <a:lnSpc>
-                <a:spcPct val="150000"/>
-              </a:lnSpc>
-            </a:pPr>
-            <a:r>
-              <a:rPr lang="en-US" altLang="ko-KR" sz="2000" b="1" dirty="0"/>
-              <a:t>- </a:t>
-            </a:r>
-            <a:r>
-              <a:rPr lang="ko-KR" altLang="en-US" sz="2000" b="1" dirty="0"/>
-              <a:t>방법 </a:t>
-            </a:r>
-            <a:r>
-              <a:rPr lang="en-US" altLang="ko-KR" sz="2000" b="1" dirty="0" smtClean="0"/>
-              <a:t>1</a:t>
-            </a:r>
-            <a:endParaRPr lang="en-US" altLang="ko-KR" sz="2000" b="1" dirty="0"/>
-          </a:p>
-        </p:txBody>
-      </p:sp>
-      <p:pic>
-        <p:nvPicPr>
-          <p:cNvPr id="3" name="그림 2"/>
-          <p:cNvPicPr>
-            <a:picLocks noChangeAspect="1"/>
-          </p:cNvPicPr>
-          <p:nvPr/>
-        </p:nvPicPr>
-        <p:blipFill>
-          <a:blip r:embed="rId3">
-            <a:extLst>
-              <a:ext uri="{28A0092B-C50C-407E-A947-70E740481C1C}">
-                <a14:useLocalDpi xmlns:a14="http://schemas.microsoft.com/office/drawing/2010/main" val="0"/>
-              </a:ext>
-            </a:extLst>
-          </a:blip>
-          <a:stretch>
-            <a:fillRect/>
-          </a:stretch>
-        </p:blipFill>
-        <p:spPr>
-          <a:xfrm>
-            <a:off x="938229" y="1941965"/>
-            <a:ext cx="7888336" cy="4320582"/>
-          </a:xfrm>
-          <a:prstGeom prst="rect">
-            <a:avLst/>
-          </a:prstGeom>
-          <a:ln>
-            <a:solidFill>
-              <a:schemeClr val="accent5">
-                <a:lumMod val="20000"/>
-                <a:lumOff val="80000"/>
-              </a:schemeClr>
-            </a:solidFill>
-          </a:ln>
-        </p:spPr>
-      </p:pic>
-      <p:sp>
-        <p:nvSpPr>
-          <p:cNvPr id="13" name="모서리가 둥근 직사각형 12">
+        </p:txBody>
+      </p:sp>
+      <p:sp>
+        <p:nvSpPr>
+          <p:cNvPr id="14" name="모서리가 둥근 직사각형 13">
             <a:extLst>
               <a:ext uri="{FF2B5EF4-FFF2-40B4-BE49-F238E27FC236}">
-                <a16:creationId xmlns:a16="http://schemas.microsoft.com/office/drawing/2014/main" xmlns="" id="{792DA8B4-17B2-454B-97AC-17311A4832C5}"/>
+                <a16:creationId xmlns:a16="http://schemas.microsoft.com/office/drawing/2014/main" id="{792DA8B4-17B2-454B-97AC-17311A4832C5}"/>
               </a:ext>
             </a:extLst>
           </p:cNvPr>
@@ -14888,16 +14627,13 @@
         </p:nvSpPr>
         <p:spPr>
           <a:xfrm>
-            <a:off x="704528" y="4293096"/>
-            <a:ext cx="8784976" cy="2088232"/>
+            <a:off x="5758712" y="1982908"/>
+            <a:ext cx="1622568" cy="299896"/>
           </a:xfrm>
           <a:prstGeom prst="roundRect">
             <a:avLst/>
           </a:prstGeom>
           <a:noFill/>
-          <a:ln>
-            <a:prstDash val="sysDash"/>
-          </a:ln>
         </p:spPr>
         <p:style>
           <a:lnRef idx="2">
@@ -14917,6 +14653,73 @@
           <a:bodyPr rtlCol="0" anchor="ctr"/>
           <a:lstStyle/>
           <a:p>
+            <a:r>
+              <a:rPr lang="en-US" altLang="ko-KR" sz="1600" dirty="0" smtClean="0">
+                <a:solidFill>
+                  <a:sysClr val="windowText" lastClr="000000"/>
+                </a:solidFill>
+              </a:rPr>
+              <a:t>get</a:t>
+            </a:r>
+            <a:r>
+              <a:rPr lang="ko-KR" altLang="en-US" sz="1600" dirty="0" smtClean="0">
+                <a:solidFill>
+                  <a:sysClr val="windowText" lastClr="000000"/>
+                </a:solidFill>
+              </a:rPr>
+              <a:t>으로 바꿈</a:t>
+            </a:r>
+            <a:endParaRPr lang="en-US" altLang="ko-KR" sz="1600" dirty="0" smtClean="0">
+              <a:solidFill>
+                <a:sysClr val="windowText" lastClr="000000"/>
+              </a:solidFill>
+            </a:endParaRPr>
+          </a:p>
+        </p:txBody>
+      </p:sp>
+      <p:sp>
+        <p:nvSpPr>
+          <p:cNvPr id="16" name="모서리가 둥근 직사각형 15">
+            <a:extLst>
+              <a:ext uri="{FF2B5EF4-FFF2-40B4-BE49-F238E27FC236}">
+                <a16:creationId xmlns:a16="http://schemas.microsoft.com/office/drawing/2014/main" id="{792DA8B4-17B2-454B-97AC-17311A4832C5}"/>
+              </a:ext>
+            </a:extLst>
+          </p:cNvPr>
+          <p:cNvSpPr/>
+          <p:nvPr/>
+        </p:nvSpPr>
+        <p:spPr>
+          <a:xfrm>
+            <a:off x="3550973" y="1694106"/>
+            <a:ext cx="1540230" cy="438750"/>
+          </a:xfrm>
+          <a:prstGeom prst="roundRect">
+            <a:avLst/>
+          </a:prstGeom>
+          <a:noFill/>
+          <a:ln>
+            <a:prstDash val="sysDash"/>
+          </a:ln>
+        </p:spPr>
+        <p:style>
+          <a:lnRef idx="2">
+            <a:schemeClr val="accent2"/>
+          </a:lnRef>
+          <a:fillRef idx="1">
+            <a:schemeClr val="lt1"/>
+          </a:fillRef>
+          <a:effectRef idx="0">
+            <a:schemeClr val="accent2"/>
+          </a:effectRef>
+          <a:fontRef idx="minor">
+            <a:schemeClr val="dk1"/>
+          </a:fontRef>
+        </p:style>
+        <p:txBody>
+          <a:bodyPr rtlCol="0" anchor="ctr"/>
+          <a:lstStyle/>
+          <a:p>
             <a:pPr algn="ctr"/>
             <a:endParaRPr lang="ko-KR" altLang="en-US" sz="1300" dirty="0">
               <a:solidFill>
@@ -14926,9 +14729,87 @@
           </a:p>
         </p:txBody>
       </p:sp>
-      <p:sp>
-        <p:nvSpPr>
-          <p:cNvPr id="7" name="제목 5"/>
+      <p:cxnSp>
+        <p:nvCxnSpPr>
+          <p:cNvPr id="17" name="직선 화살표 연결선 16"/>
+          <p:cNvCxnSpPr>
+            <a:stCxn id="14" idx="1"/>
+          </p:cNvCxnSpPr>
+          <p:nvPr/>
+        </p:nvCxnSpPr>
+        <p:spPr>
+          <a:xfrm flipH="1" flipV="1">
+            <a:off x="5181852" y="1982908"/>
+            <a:ext cx="576860" cy="149948"/>
+          </a:xfrm>
+          <a:prstGeom prst="straightConnector1">
+            <a:avLst/>
+          </a:prstGeom>
+          <a:ln w="9525">
+            <a:solidFill>
+              <a:srgbClr val="C00000"/>
+            </a:solidFill>
+            <a:prstDash val="solid"/>
+            <a:headEnd type="none" w="med" len="med"/>
+            <a:tailEnd type="triangle" w="med" len="med"/>
+          </a:ln>
+        </p:spPr>
+        <p:style>
+          <a:lnRef idx="1">
+            <a:schemeClr val="accent1"/>
+          </a:lnRef>
+          <a:fillRef idx="0">
+            <a:schemeClr val="accent1"/>
+          </a:fillRef>
+          <a:effectRef idx="0">
+            <a:schemeClr val="accent1"/>
+          </a:effectRef>
+          <a:fontRef idx="minor">
+            <a:schemeClr val="tx1"/>
+          </a:fontRef>
+        </p:style>
+      </p:cxnSp>
+      <p:pic>
+        <p:nvPicPr>
+          <p:cNvPr id="2" name="그림 1"/>
+          <p:cNvPicPr>
+            <a:picLocks noChangeAspect="1"/>
+          </p:cNvPicPr>
+          <p:nvPr/>
+        </p:nvPicPr>
+        <p:blipFill>
+          <a:blip r:embed="rId4">
+            <a:extLst>
+              <a:ext uri="{28A0092B-C50C-407E-A947-70E740481C1C}">
+                <a14:useLocalDpi xmlns:a14="http://schemas.microsoft.com/office/drawing/2010/main" val="0"/>
+              </a:ext>
+            </a:extLst>
+          </a:blip>
+          <a:stretch>
+            <a:fillRect/>
+          </a:stretch>
+        </p:blipFill>
+        <p:spPr>
+          <a:xfrm>
+            <a:off x="5937950" y="4383277"/>
+            <a:ext cx="2471433" cy="1393613"/>
+          </a:xfrm>
+          <a:prstGeom prst="rect">
+            <a:avLst/>
+          </a:prstGeom>
+          <a:ln>
+            <a:solidFill>
+              <a:schemeClr val="accent5">
+                <a:lumMod val="20000"/>
+                <a:lumOff val="80000"/>
+              </a:schemeClr>
+            </a:solidFill>
+          </a:ln>
+        </p:spPr>
+      </p:pic>
+      <p:sp>
+        <p:nvSpPr>
+          <p:cNvPr id="9" name="제목 5"/>
           <p:cNvSpPr txBox="1">
             <a:spLocks/>
           </p:cNvSpPr>
@@ -14982,10 +14863,47 @@
           </a:p>
         </p:txBody>
       </p:sp>
+      <p:pic>
+        <p:nvPicPr>
+          <p:cNvPr id="3" name="그림 2"/>
+          <p:cNvPicPr>
+            <a:picLocks noChangeAspect="1"/>
+          </p:cNvPicPr>
+          <p:nvPr/>
+        </p:nvPicPr>
+        <p:blipFill>
+          <a:blip r:embed="rId5">
+            <a:extLst>
+              <a:ext uri="{28A0092B-C50C-407E-A947-70E740481C1C}">
+                <a14:useLocalDpi xmlns:a14="http://schemas.microsoft.com/office/drawing/2010/main" val="0"/>
+              </a:ext>
+            </a:extLst>
+          </a:blip>
+          <a:stretch>
+            <a:fillRect/>
+          </a:stretch>
+        </p:blipFill>
+        <p:spPr>
+          <a:xfrm>
+            <a:off x="1367989" y="4383277"/>
+            <a:ext cx="3833854" cy="1700397"/>
+          </a:xfrm>
+          <a:prstGeom prst="rect">
+            <a:avLst/>
+          </a:prstGeom>
+          <a:ln>
+            <a:solidFill>
+              <a:schemeClr val="bg1">
+                <a:lumMod val="85000"/>
+              </a:schemeClr>
+            </a:solidFill>
+          </a:ln>
+        </p:spPr>
+      </p:pic>
     </p:spTree>
     <p:extLst>
       <p:ext uri="{BB962C8B-B14F-4D97-AF65-F5344CB8AC3E}">
-        <p14:creationId xmlns:p14="http://schemas.microsoft.com/office/powerpoint/2010/main" val="1026214474"/>
+        <p14:creationId xmlns:p14="http://schemas.microsoft.com/office/powerpoint/2010/main" val="1498656667"/>
       </p:ext>
     </p:extLst>
   </p:cSld>
@@ -15072,7 +14990,7 @@
         <p:spPr>
           <a:xfrm>
             <a:off x="776536" y="980728"/>
-            <a:ext cx="8496944" cy="969496"/>
+            <a:ext cx="8496944" cy="1015663"/>
           </a:xfrm>
           <a:prstGeom prst="rect">
             <a:avLst/>
@@ -15104,15 +15022,7 @@
             </a:r>
             <a:r>
               <a:rPr lang="ko-KR" altLang="en-US" sz="2000" b="1" dirty="0" smtClean="0"/>
-              <a:t>방식 요청 동시에 처리하기 </a:t>
-            </a:r>
-            <a:r>
-              <a:rPr lang="en-US" altLang="ko-KR" sz="2000" b="1" dirty="0" smtClean="0"/>
-              <a:t>- </a:t>
-            </a:r>
-            <a:r>
-              <a:rPr lang="ko-KR" altLang="en-US" sz="2000" b="1" dirty="0" smtClean="0"/>
-              <a:t>간단</a:t>
+              <a:t>방식 요청 동시에 처리하기</a:t>
             </a:r>
             <a:endParaRPr lang="en-US" altLang="ko-KR" sz="2000" b="1" dirty="0" smtClean="0"/>
           </a:p>
@@ -15123,24 +15033,24 @@
               </a:lnSpc>
             </a:pPr>
             <a:r>
-              <a:rPr lang="en-US" altLang="ko-KR" b="1" dirty="0" smtClean="0"/>
+              <a:rPr lang="en-US" altLang="ko-KR" sz="2000" b="1" dirty="0"/>
               <a:t>- </a:t>
             </a:r>
             <a:r>
-              <a:rPr lang="ko-KR" altLang="en-US" b="1" dirty="0" smtClean="0"/>
+              <a:rPr lang="ko-KR" altLang="en-US" sz="2000" b="1" dirty="0"/>
               <a:t>방법 </a:t>
             </a:r>
             <a:r>
-              <a:rPr lang="en-US" altLang="ko-KR" b="1" dirty="0"/>
-              <a:t>2</a:t>
-            </a:r>
-            <a:endParaRPr lang="en-US" altLang="ko-KR" b="1" dirty="0" smtClean="0"/>
+              <a:rPr lang="en-US" altLang="ko-KR" sz="2000" b="1" dirty="0" smtClean="0"/>
+              <a:t>1</a:t>
+            </a:r>
+            <a:endParaRPr lang="en-US" altLang="ko-KR" sz="2000" b="1" dirty="0"/>
           </a:p>
         </p:txBody>
       </p:sp>
       <p:pic>
         <p:nvPicPr>
-          <p:cNvPr id="2" name="그림 1"/>
+          <p:cNvPr id="3" name="그림 2"/>
           <p:cNvPicPr>
             <a:picLocks noChangeAspect="1"/>
           </p:cNvPicPr>
@@ -15160,8 +15070,8 @@
         </p:blipFill>
         <p:spPr>
           <a:xfrm>
-            <a:off x="1313047" y="2060848"/>
-            <a:ext cx="7423922" cy="3934501"/>
+            <a:off x="938229" y="1941965"/>
+            <a:ext cx="7888336" cy="4320582"/>
           </a:xfrm>
           <a:prstGeom prst="rect">
             <a:avLst/>
@@ -15181,7 +15091,7 @@
           <p:cNvPr id="13" name="모서리가 둥근 직사각형 12">
             <a:extLst>
               <a:ext uri="{FF2B5EF4-FFF2-40B4-BE49-F238E27FC236}">
-                <a16:creationId xmlns:a16="http://schemas.microsoft.com/office/drawing/2014/main" xmlns="" id="{792DA8B4-17B2-454B-97AC-17311A4832C5}"/>
+                <a16:creationId xmlns:a16="http://schemas.microsoft.com/office/drawing/2014/main" id="{792DA8B4-17B2-454B-97AC-17311A4832C5}"/>
               </a:ext>
             </a:extLst>
           </p:cNvPr>
@@ -15190,8 +15100,8 @@
         </p:nvSpPr>
         <p:spPr>
           <a:xfrm>
-            <a:off x="1136576" y="3332689"/>
-            <a:ext cx="7776864" cy="653970"/>
+            <a:off x="704528" y="4293096"/>
+            <a:ext cx="8784976" cy="2088232"/>
           </a:xfrm>
           <a:prstGeom prst="roundRect">
             <a:avLst/>
@@ -15287,7 +15197,7 @@
     </p:spTree>
     <p:extLst>
       <p:ext uri="{BB962C8B-B14F-4D97-AF65-F5344CB8AC3E}">
-        <p14:creationId xmlns:p14="http://schemas.microsoft.com/office/powerpoint/2010/main" val="3918968659"/>
+        <p14:creationId xmlns:p14="http://schemas.microsoft.com/office/powerpoint/2010/main" val="1026214474"/>
       </p:ext>
     </p:extLst>
   </p:cSld>
@@ -15332,6 +15242,308 @@
         <p:spPr>
           <a:xfrm>
             <a:off x="0" y="-27384"/>
+            <a:ext cx="8337376" cy="854968"/>
+          </a:xfrm>
+          <a:prstGeom prst="rect">
+            <a:avLst/>
+          </a:prstGeom>
+        </p:spPr>
+        <p:txBody>
+          <a:bodyPr anchor="ctr" anchorCtr="0"/>
+          <a:lstStyle>
+            <a:lvl1pPr algn="l" defTabSz="914400" rtl="0" eaLnBrk="1" latinLnBrk="1" hangingPunct="1">
+              <a:spcBef>
+                <a:spcPct val="0"/>
+              </a:spcBef>
+              <a:buNone/>
+              <a:defRPr sz="3200" kern="1200">
+                <a:solidFill>
+                  <a:schemeClr val="bg1"/>
+                </a:solidFill>
+                <a:latin typeface="HY헤드라인M" panose="02030600000101010101" pitchFamily="18" charset="-127"/>
+                <a:ea typeface="HY헤드라인M" panose="02030600000101010101" pitchFamily="18" charset="-127"/>
+                <a:cs typeface="+mj-cs"/>
+              </a:defRPr>
+            </a:lvl1pPr>
+          </a:lstStyle>
+          <a:p>
+            <a:r>
+              <a:rPr lang="en-US" altLang="ko-KR" dirty="0" smtClean="0"/>
+              <a:t> </a:t>
+            </a:r>
+            <a:endParaRPr lang="ko-KR" altLang="en-US" dirty="0"/>
+          </a:p>
+        </p:txBody>
+      </p:sp>
+      <p:sp>
+        <p:nvSpPr>
+          <p:cNvPr id="4" name="TextBox 3"/>
+          <p:cNvSpPr txBox="1"/>
+          <p:nvPr/>
+        </p:nvSpPr>
+        <p:spPr>
+          <a:xfrm>
+            <a:off x="776536" y="980728"/>
+            <a:ext cx="8496944" cy="969496"/>
+          </a:xfrm>
+          <a:prstGeom prst="rect">
+            <a:avLst/>
+          </a:prstGeom>
+          <a:noFill/>
+        </p:spPr>
+        <p:txBody>
+          <a:bodyPr wrap="square" rtlCol="0">
+            <a:spAutoFit/>
+          </a:bodyPr>
+          <a:lstStyle/>
+          <a:p>
+            <a:pPr>
+              <a:lnSpc>
+                <a:spcPct val="150000"/>
+              </a:lnSpc>
+            </a:pPr>
+            <a:r>
+              <a:rPr lang="en-US" altLang="ko-KR" sz="2000" b="1" dirty="0" smtClean="0"/>
+              <a:t>GET</a:t>
+            </a:r>
+            <a:r>
+              <a:rPr lang="ko-KR" altLang="en-US" sz="2000" b="1" dirty="0" smtClean="0"/>
+              <a:t>방식과 </a:t>
+            </a:r>
+            <a:r>
+              <a:rPr lang="en-US" altLang="ko-KR" sz="2000" b="1" dirty="0" smtClean="0"/>
+              <a:t>POST </a:t>
+            </a:r>
+            <a:r>
+              <a:rPr lang="ko-KR" altLang="en-US" sz="2000" b="1" dirty="0" smtClean="0"/>
+              <a:t>방식 요청 동시에 처리하기 </a:t>
+            </a:r>
+            <a:r>
+              <a:rPr lang="en-US" altLang="ko-KR" sz="2000" b="1" dirty="0" smtClean="0"/>
+              <a:t>- </a:t>
+            </a:r>
+            <a:r>
+              <a:rPr lang="ko-KR" altLang="en-US" sz="2000" b="1" dirty="0" smtClean="0"/>
+              <a:t>간단</a:t>
+            </a:r>
+            <a:endParaRPr lang="en-US" altLang="ko-KR" sz="2000" b="1" dirty="0" smtClean="0"/>
+          </a:p>
+          <a:p>
+            <a:pPr>
+              <a:lnSpc>
+                <a:spcPct val="150000"/>
+              </a:lnSpc>
+            </a:pPr>
+            <a:r>
+              <a:rPr lang="en-US" altLang="ko-KR" b="1" dirty="0" smtClean="0"/>
+              <a:t>- </a:t>
+            </a:r>
+            <a:r>
+              <a:rPr lang="ko-KR" altLang="en-US" b="1" dirty="0" smtClean="0"/>
+              <a:t>방법 </a:t>
+            </a:r>
+            <a:r>
+              <a:rPr lang="en-US" altLang="ko-KR" b="1" dirty="0"/>
+              <a:t>2</a:t>
+            </a:r>
+            <a:endParaRPr lang="en-US" altLang="ko-KR" b="1" dirty="0" smtClean="0"/>
+          </a:p>
+        </p:txBody>
+      </p:sp>
+      <p:pic>
+        <p:nvPicPr>
+          <p:cNvPr id="2" name="그림 1"/>
+          <p:cNvPicPr>
+            <a:picLocks noChangeAspect="1"/>
+          </p:cNvPicPr>
+          <p:nvPr/>
+        </p:nvPicPr>
+        <p:blipFill>
+          <a:blip r:embed="rId3">
+            <a:extLst>
+              <a:ext uri="{28A0092B-C50C-407E-A947-70E740481C1C}">
+                <a14:useLocalDpi xmlns:a14="http://schemas.microsoft.com/office/drawing/2010/main" val="0"/>
+              </a:ext>
+            </a:extLst>
+          </a:blip>
+          <a:stretch>
+            <a:fillRect/>
+          </a:stretch>
+        </p:blipFill>
+        <p:spPr>
+          <a:xfrm>
+            <a:off x="1313047" y="2060848"/>
+            <a:ext cx="7423922" cy="3934501"/>
+          </a:xfrm>
+          <a:prstGeom prst="rect">
+            <a:avLst/>
+          </a:prstGeom>
+          <a:ln>
+            <a:solidFill>
+              <a:schemeClr val="accent5">
+                <a:lumMod val="20000"/>
+                <a:lumOff val="80000"/>
+              </a:schemeClr>
+            </a:solidFill>
+          </a:ln>
+        </p:spPr>
+      </p:pic>
+      <p:sp>
+        <p:nvSpPr>
+          <p:cNvPr id="13" name="모서리가 둥근 직사각형 12">
+            <a:extLst>
+              <a:ext uri="{FF2B5EF4-FFF2-40B4-BE49-F238E27FC236}">
+                <a16:creationId xmlns:a16="http://schemas.microsoft.com/office/drawing/2014/main" id="{792DA8B4-17B2-454B-97AC-17311A4832C5}"/>
+              </a:ext>
+            </a:extLst>
+          </p:cNvPr>
+          <p:cNvSpPr/>
+          <p:nvPr/>
+        </p:nvSpPr>
+        <p:spPr>
+          <a:xfrm>
+            <a:off x="1136576" y="3332689"/>
+            <a:ext cx="7776864" cy="653970"/>
+          </a:xfrm>
+          <a:prstGeom prst="roundRect">
+            <a:avLst/>
+          </a:prstGeom>
+          <a:noFill/>
+          <a:ln>
+            <a:prstDash val="sysDash"/>
+          </a:ln>
+        </p:spPr>
+        <p:style>
+          <a:lnRef idx="2">
+            <a:schemeClr val="accent2"/>
+          </a:lnRef>
+          <a:fillRef idx="1">
+            <a:schemeClr val="lt1"/>
+          </a:fillRef>
+          <a:effectRef idx="0">
+            <a:schemeClr val="accent2"/>
+          </a:effectRef>
+          <a:fontRef idx="minor">
+            <a:schemeClr val="dk1"/>
+          </a:fontRef>
+        </p:style>
+        <p:txBody>
+          <a:bodyPr rtlCol="0" anchor="ctr"/>
+          <a:lstStyle/>
+          <a:p>
+            <a:pPr algn="ctr"/>
+            <a:endParaRPr lang="ko-KR" altLang="en-US" sz="1300" dirty="0">
+              <a:solidFill>
+                <a:sysClr val="windowText" lastClr="000000"/>
+              </a:solidFill>
+            </a:endParaRPr>
+          </a:p>
+        </p:txBody>
+      </p:sp>
+      <p:sp>
+        <p:nvSpPr>
+          <p:cNvPr id="7" name="제목 5"/>
+          <p:cNvSpPr txBox="1">
+            <a:spLocks/>
+          </p:cNvSpPr>
+          <p:nvPr/>
+        </p:nvSpPr>
+        <p:spPr>
+          <a:xfrm>
+            <a:off x="152400" y="-27384"/>
+            <a:ext cx="8337376" cy="854968"/>
+          </a:xfrm>
+          <a:prstGeom prst="rect">
+            <a:avLst/>
+          </a:prstGeom>
+        </p:spPr>
+        <p:txBody>
+          <a:bodyPr anchor="ctr" anchorCtr="0"/>
+          <a:lstStyle>
+            <a:lvl1pPr algn="l" defTabSz="914400" rtl="0" eaLnBrk="1" latinLnBrk="1" hangingPunct="1">
+              <a:spcBef>
+                <a:spcPct val="0"/>
+              </a:spcBef>
+              <a:buNone/>
+              <a:defRPr sz="3200" kern="1200">
+                <a:solidFill>
+                  <a:schemeClr val="bg1"/>
+                </a:solidFill>
+                <a:latin typeface="HY헤드라인M" panose="02030600000101010101" pitchFamily="18" charset="-127"/>
+                <a:ea typeface="HY헤드라인M" panose="02030600000101010101" pitchFamily="18" charset="-127"/>
+                <a:cs typeface="+mj-cs"/>
+              </a:defRPr>
+            </a:lvl1pPr>
+          </a:lstStyle>
+          <a:p>
+            <a:r>
+              <a:rPr lang="en-US" altLang="ko-KR" dirty="0" smtClean="0"/>
+              <a:t> GET</a:t>
+            </a:r>
+            <a:r>
+              <a:rPr lang="ko-KR" altLang="en-US" dirty="0" smtClean="0"/>
+              <a:t>방식과 </a:t>
+            </a:r>
+            <a:r>
+              <a:rPr lang="en-US" altLang="ko-KR" dirty="0" smtClean="0"/>
+              <a:t>POST </a:t>
+            </a:r>
+            <a:r>
+              <a:rPr lang="ko-KR" altLang="en-US" dirty="0" smtClean="0"/>
+              <a:t>방식으로 동시 처리</a:t>
+            </a:r>
+            <a:endParaRPr lang="ko-KR" altLang="en-US" dirty="0"/>
+          </a:p>
+        </p:txBody>
+      </p:sp>
+    </p:spTree>
+    <p:extLst>
+      <p:ext uri="{BB962C8B-B14F-4D97-AF65-F5344CB8AC3E}">
+        <p14:creationId xmlns:p14="http://schemas.microsoft.com/office/powerpoint/2010/main" val="3918968659"/>
+      </p:ext>
+    </p:extLst>
+  </p:cSld>
+  <p:clrMapOvr>
+    <a:masterClrMapping/>
+  </p:clrMapOvr>
+  <p:timing>
+    <p:tnLst>
+      <p:par>
+        <p:cTn id="1" dur="indefinite" restart="never" nodeType="tmRoot"/>
+      </p:par>
+    </p:tnLst>
+  </p:timing>
+</p:sld>
+</file>
+
+<file path=ppt/slides/slide35.xml><?xml version="1.0" encoding="utf-8"?>
+<p:sld xmlns:a="http://schemas.openxmlformats.org/drawingml/2006/main" xmlns:r="http://schemas.openxmlformats.org/officeDocument/2006/relationships" xmlns:p="http://schemas.openxmlformats.org/presentationml/2006/main">
+  <p:cSld>
+    <p:spTree>
+      <p:nvGrpSpPr>
+        <p:cNvPr id="1" name=""/>
+        <p:cNvGrpSpPr/>
+        <p:nvPr/>
+      </p:nvGrpSpPr>
+      <p:grpSpPr>
+        <a:xfrm>
+          <a:off x="0" y="0"/>
+          <a:ext cx="0" cy="0"/>
+          <a:chOff x="0" y="0"/>
+          <a:chExt cx="0" cy="0"/>
+        </a:xfrm>
+      </p:grpSpPr>
+      <p:sp>
+        <p:nvSpPr>
+          <p:cNvPr id="15" name="제목 5"/>
+          <p:cNvSpPr txBox="1">
+            <a:spLocks/>
+          </p:cNvSpPr>
+          <p:nvPr/>
+        </p:nvSpPr>
+        <p:spPr>
+          <a:xfrm>
+            <a:off x="0" y="-27384"/>
             <a:ext cx="7995338" cy="854968"/>
           </a:xfrm>
           <a:prstGeom prst="rect">
@@ -15895,7 +16107,7 @@
 </p:sld>
 </file>
 
-<file path=ppt/slides/slide35.xml><?xml version="1.0" encoding="utf-8"?>
+<file path=ppt/slides/slide36.xml><?xml version="1.0" encoding="utf-8"?>
 <p:sld xmlns:a="http://schemas.openxmlformats.org/drawingml/2006/main" xmlns:r="http://schemas.openxmlformats.org/officeDocument/2006/relationships" xmlns:p="http://schemas.openxmlformats.org/presentationml/2006/main">
   <p:cSld>
     <p:spTree>
@@ -16667,7 +16879,7 @@
 </p:sld>
 </file>
 
-<file path=ppt/slides/slide36.xml><?xml version="1.0" encoding="utf-8"?>
+<file path=ppt/slides/slide37.xml><?xml version="1.0" encoding="utf-8"?>
 <p:sld xmlns:a="http://schemas.openxmlformats.org/drawingml/2006/main" xmlns:r="http://schemas.openxmlformats.org/officeDocument/2006/relationships" xmlns:p="http://schemas.openxmlformats.org/presentationml/2006/main">
   <p:cSld>
     <p:spTree>
@@ -16902,7 +17114,7 @@
           <p:cNvPr id="7" name="모서리가 둥근 직사각형 6">
             <a:extLst>
               <a:ext uri="{FF2B5EF4-FFF2-40B4-BE49-F238E27FC236}">
-                <a16:creationId xmlns:a16="http://schemas.microsoft.com/office/drawing/2014/main" xmlns="" id="{792DA8B4-17B2-454B-97AC-17311A4832C5}"/>
+                <a16:creationId xmlns:a16="http://schemas.microsoft.com/office/drawing/2014/main" id="{792DA8B4-17B2-454B-97AC-17311A4832C5}"/>
               </a:ext>
             </a:extLst>
           </p:cNvPr>
@@ -17016,7 +17228,7 @@
 </p:sld>
 </file>
 
-<file path=ppt/slides/slide37.xml><?xml version="1.0" encoding="utf-8"?>
+<file path=ppt/slides/slide38.xml><?xml version="1.0" encoding="utf-8"?>
 <p:sld xmlns:a="http://schemas.openxmlformats.org/drawingml/2006/main" xmlns:r="http://schemas.openxmlformats.org/officeDocument/2006/relationships" xmlns:p="http://schemas.openxmlformats.org/presentationml/2006/main">
   <p:cSld>
     <p:spTree>
@@ -17193,7 +17405,7 @@
 </p:sld>
 </file>
 
-<file path=ppt/slides/slide38.xml><?xml version="1.0" encoding="utf-8"?>
+<file path=ppt/slides/slide39.xml><?xml version="1.0" encoding="utf-8"?>
 <p:sld xmlns:a="http://schemas.openxmlformats.org/drawingml/2006/main" xmlns:r="http://schemas.openxmlformats.org/officeDocument/2006/relationships" xmlns:p="http://schemas.openxmlformats.org/presentationml/2006/main">
   <p:cSld>
     <p:spTree>
@@ -17838,353 +18050,6 @@
 </p:sld>
 </file>
 
-<file path=ppt/slides/slide39.xml><?xml version="1.0" encoding="utf-8"?>
-<p:sld xmlns:a="http://schemas.openxmlformats.org/drawingml/2006/main" xmlns:r="http://schemas.openxmlformats.org/officeDocument/2006/relationships" xmlns:p="http://schemas.openxmlformats.org/presentationml/2006/main">
-  <p:cSld>
-    <p:spTree>
-      <p:nvGrpSpPr>
-        <p:cNvPr id="1" name=""/>
-        <p:cNvGrpSpPr/>
-        <p:nvPr/>
-      </p:nvGrpSpPr>
-      <p:grpSpPr>
-        <a:xfrm>
-          <a:off x="0" y="0"/>
-          <a:ext cx="0" cy="0"/>
-          <a:chOff x="0" y="0"/>
-          <a:chExt cx="0" cy="0"/>
-        </a:xfrm>
-      </p:grpSpPr>
-      <p:sp>
-        <p:nvSpPr>
-          <p:cNvPr id="15" name="제목 5"/>
-          <p:cNvSpPr txBox="1">
-            <a:spLocks/>
-          </p:cNvSpPr>
-          <p:nvPr/>
-        </p:nvSpPr>
-        <p:spPr>
-          <a:xfrm>
-            <a:off x="0" y="-27384"/>
-            <a:ext cx="7995338" cy="854968"/>
-          </a:xfrm>
-          <a:prstGeom prst="rect">
-            <a:avLst/>
-          </a:prstGeom>
-        </p:spPr>
-        <p:txBody>
-          <a:bodyPr anchor="ctr" anchorCtr="0"/>
-          <a:lstStyle>
-            <a:lvl1pPr algn="l" defTabSz="914400" rtl="0" eaLnBrk="1" latinLnBrk="1" hangingPunct="1">
-              <a:spcBef>
-                <a:spcPct val="0"/>
-              </a:spcBef>
-              <a:buNone/>
-              <a:defRPr sz="3200" kern="1200">
-                <a:solidFill>
-                  <a:schemeClr val="bg1"/>
-                </a:solidFill>
-                <a:latin typeface="HY헤드라인M" panose="02030600000101010101" pitchFamily="18" charset="-127"/>
-                <a:ea typeface="HY헤드라인M" panose="02030600000101010101" pitchFamily="18" charset="-127"/>
-                <a:cs typeface="+mj-cs"/>
-              </a:defRPr>
-            </a:lvl1pPr>
-          </a:lstStyle>
-          <a:p>
-            <a:r>
-              <a:rPr lang="en-US" altLang="ko-KR" dirty="0" smtClean="0"/>
-              <a:t> </a:t>
-            </a:r>
-            <a:r>
-              <a:rPr lang="ko-KR" altLang="en-US" dirty="0"/>
-              <a:t> </a:t>
-            </a:r>
-            <a:r>
-              <a:rPr lang="ko-KR" altLang="en-US" dirty="0" err="1" smtClean="0"/>
-              <a:t>서블릿</a:t>
-            </a:r>
-            <a:r>
-              <a:rPr lang="ko-KR" altLang="en-US" dirty="0" smtClean="0"/>
-              <a:t> 포워드 기능</a:t>
-            </a:r>
-            <a:endParaRPr lang="ko-KR" altLang="en-US" dirty="0"/>
-          </a:p>
-        </p:txBody>
-      </p:sp>
-      <p:sp>
-        <p:nvSpPr>
-          <p:cNvPr id="5" name="TextBox 4"/>
-          <p:cNvSpPr txBox="1"/>
-          <p:nvPr/>
-        </p:nvSpPr>
-        <p:spPr>
-          <a:xfrm>
-            <a:off x="776536" y="1052736"/>
-            <a:ext cx="6048672" cy="553998"/>
-          </a:xfrm>
-          <a:prstGeom prst="rect">
-            <a:avLst/>
-          </a:prstGeom>
-          <a:noFill/>
-        </p:spPr>
-        <p:txBody>
-          <a:bodyPr wrap="square" rtlCol="0">
-            <a:spAutoFit/>
-          </a:bodyPr>
-          <a:lstStyle/>
-          <a:p>
-            <a:pPr>
-              <a:lnSpc>
-                <a:spcPct val="150000"/>
-              </a:lnSpc>
-            </a:pPr>
-            <a:r>
-              <a:rPr lang="en-US" altLang="ko-KR" sz="2000" b="1" dirty="0" smtClean="0"/>
-              <a:t>Java EE API</a:t>
-            </a:r>
-            <a:r>
-              <a:rPr lang="en-US" altLang="ko-KR" b="1" dirty="0" smtClean="0"/>
-              <a:t>-&gt; </a:t>
-            </a:r>
-            <a:r>
-              <a:rPr lang="ko-KR" altLang="en-US" b="1" dirty="0" err="1" smtClean="0"/>
-              <a:t>서블릿</a:t>
-            </a:r>
-            <a:r>
-              <a:rPr lang="ko-KR" altLang="en-US" b="1" dirty="0" smtClean="0"/>
-              <a:t>  </a:t>
-            </a:r>
-            <a:r>
-              <a:rPr lang="en-US" altLang="ko-KR" b="1" dirty="0" smtClean="0"/>
-              <a:t>-&gt; </a:t>
-            </a:r>
-            <a:r>
-              <a:rPr lang="en-US" altLang="ko-KR" b="1" dirty="0" err="1" smtClean="0"/>
-              <a:t>RequestDispatcher</a:t>
-            </a:r>
-            <a:r>
-              <a:rPr lang="en-US" altLang="ko-KR" b="1" dirty="0" smtClean="0"/>
-              <a:t> </a:t>
-            </a:r>
-            <a:r>
-              <a:rPr lang="ko-KR" altLang="en-US" b="1" dirty="0" smtClean="0"/>
-              <a:t>클래스</a:t>
-            </a:r>
-            <a:endParaRPr lang="en-US" altLang="ko-KR" b="1" dirty="0" smtClean="0"/>
-          </a:p>
-        </p:txBody>
-      </p:sp>
-      <p:pic>
-        <p:nvPicPr>
-          <p:cNvPr id="3" name="그림 2"/>
-          <p:cNvPicPr>
-            <a:picLocks noChangeAspect="1"/>
-          </p:cNvPicPr>
-          <p:nvPr/>
-        </p:nvPicPr>
-        <p:blipFill>
-          <a:blip r:embed="rId2">
-            <a:extLst>
-              <a:ext uri="{28A0092B-C50C-407E-A947-70E740481C1C}">
-                <a14:useLocalDpi xmlns:a14="http://schemas.microsoft.com/office/drawing/2010/main" val="0"/>
-              </a:ext>
-            </a:extLst>
-          </a:blip>
-          <a:stretch>
-            <a:fillRect/>
-          </a:stretch>
-        </p:blipFill>
-        <p:spPr>
-          <a:xfrm>
-            <a:off x="1280592" y="1714239"/>
-            <a:ext cx="6150267" cy="2758370"/>
-          </a:xfrm>
-          <a:prstGeom prst="rect">
-            <a:avLst/>
-          </a:prstGeom>
-          <a:ln>
-            <a:solidFill>
-              <a:schemeClr val="bg1">
-                <a:lumMod val="85000"/>
-              </a:schemeClr>
-            </a:solidFill>
-          </a:ln>
-        </p:spPr>
-      </p:pic>
-      <p:sp>
-        <p:nvSpPr>
-          <p:cNvPr id="4" name="직사각형 3"/>
-          <p:cNvSpPr/>
-          <p:nvPr/>
-        </p:nvSpPr>
-        <p:spPr>
-          <a:xfrm>
-            <a:off x="759768" y="4581128"/>
-            <a:ext cx="8568952" cy="1569660"/>
-          </a:xfrm>
-          <a:prstGeom prst="rect">
-            <a:avLst/>
-          </a:prstGeom>
-        </p:spPr>
-        <p:txBody>
-          <a:bodyPr wrap="square">
-            <a:spAutoFit/>
-          </a:bodyPr>
-          <a:lstStyle/>
-          <a:p>
-            <a:pPr>
-              <a:lnSpc>
-                <a:spcPct val="150000"/>
-              </a:lnSpc>
-            </a:pPr>
-            <a:r>
-              <a:rPr lang="ko-KR" altLang="en-US" sz="1600" dirty="0"/>
-              <a:t>클라이언트에서 요청을 수신하여 서버의 리소스</a:t>
-            </a:r>
-            <a:r>
-              <a:rPr lang="en-US" altLang="ko-KR" sz="1600" dirty="0"/>
-              <a:t>(</a:t>
-            </a:r>
-            <a:r>
-              <a:rPr lang="ko-KR" altLang="en-US" sz="1600" dirty="0"/>
-              <a:t>예</a:t>
-            </a:r>
-            <a:r>
-              <a:rPr lang="en-US" altLang="ko-KR" sz="1600" dirty="0"/>
-              <a:t>: </a:t>
-            </a:r>
-            <a:r>
-              <a:rPr lang="ko-KR" altLang="en-US" sz="1600" dirty="0" err="1"/>
-              <a:t>서블릿</a:t>
-            </a:r>
-            <a:r>
-              <a:rPr lang="en-US" altLang="ko-KR" sz="1600" dirty="0"/>
-              <a:t>, HTML </a:t>
-            </a:r>
-            <a:r>
-              <a:rPr lang="ko-KR" altLang="en-US" sz="1600" dirty="0"/>
-              <a:t>파일 또는 </a:t>
-            </a:r>
-            <a:r>
-              <a:rPr lang="en-US" altLang="ko-KR" sz="1600" dirty="0"/>
-              <a:t>JSP </a:t>
-            </a:r>
-            <a:r>
-              <a:rPr lang="ko-KR" altLang="en-US" sz="1600" dirty="0"/>
-              <a:t>파일</a:t>
-            </a:r>
-            <a:r>
-              <a:rPr lang="en-US" altLang="ko-KR" sz="1600" dirty="0"/>
-              <a:t>)</a:t>
-            </a:r>
-            <a:r>
-              <a:rPr lang="ko-KR" altLang="en-US" sz="1600" dirty="0"/>
-              <a:t>로 보내는 </a:t>
-            </a:r>
-            <a:r>
-              <a:rPr lang="ko-KR" altLang="en-US" sz="1600" dirty="0" smtClean="0"/>
-              <a:t>객체를 </a:t>
-            </a:r>
-            <a:r>
-              <a:rPr lang="ko-KR" altLang="en-US" sz="1600" dirty="0"/>
-              <a:t>정의합니다</a:t>
-            </a:r>
-            <a:r>
-              <a:rPr lang="en-US" altLang="ko-KR" sz="1600" dirty="0"/>
-              <a:t>. </a:t>
-            </a:r>
-            <a:endParaRPr lang="en-US" altLang="ko-KR" sz="1600" dirty="0" smtClean="0"/>
-          </a:p>
-          <a:p>
-            <a:pPr>
-              <a:lnSpc>
-                <a:spcPct val="150000"/>
-              </a:lnSpc>
-            </a:pPr>
-            <a:r>
-              <a:rPr lang="ko-KR" altLang="en-US" sz="1600" dirty="0" err="1" smtClean="0"/>
-              <a:t>서블릿</a:t>
-            </a:r>
-            <a:r>
-              <a:rPr lang="ko-KR" altLang="en-US" sz="1600" dirty="0" smtClean="0"/>
-              <a:t> </a:t>
-            </a:r>
-            <a:r>
-              <a:rPr lang="ko-KR" altLang="en-US" sz="1600" dirty="0"/>
-              <a:t>컨테이너는 </a:t>
-            </a:r>
-            <a:r>
-              <a:rPr lang="en-US" altLang="ko-KR" sz="1600" dirty="0" err="1"/>
-              <a:t>RequestDispatcher</a:t>
-            </a:r>
-            <a:r>
-              <a:rPr lang="en-US" altLang="ko-KR" sz="1600" dirty="0"/>
-              <a:t> </a:t>
-            </a:r>
-            <a:r>
-              <a:rPr lang="ko-KR" altLang="en-US" sz="1600" dirty="0"/>
-              <a:t>객</a:t>
-            </a:r>
-            <a:r>
-              <a:rPr lang="ko-KR" altLang="en-US" sz="1600" dirty="0" smtClean="0"/>
-              <a:t>체를 </a:t>
-            </a:r>
-            <a:r>
-              <a:rPr lang="ko-KR" altLang="en-US" sz="1600" dirty="0"/>
-              <a:t>생성하며</a:t>
-            </a:r>
-            <a:r>
-              <a:rPr lang="en-US" altLang="ko-KR" sz="1600" dirty="0"/>
-              <a:t>, </a:t>
-            </a:r>
-            <a:r>
-              <a:rPr lang="ko-KR" altLang="en-US" sz="1600" dirty="0"/>
-              <a:t>이 </a:t>
-            </a:r>
-            <a:r>
-              <a:rPr lang="ko-KR" altLang="en-US" sz="1600" dirty="0" smtClean="0"/>
-              <a:t>객체는 </a:t>
-            </a:r>
-            <a:r>
-              <a:rPr lang="ko-KR" altLang="en-US" sz="1600" dirty="0"/>
-              <a:t>특정 경로에 있거나 특정 이름에 의해 지정된 서버 리소스를 감싸는 </a:t>
-            </a:r>
-            <a:r>
-              <a:rPr lang="ko-KR" altLang="en-US" sz="1600" dirty="0" err="1"/>
-              <a:t>래퍼로</a:t>
-            </a:r>
-            <a:r>
-              <a:rPr lang="ko-KR" altLang="en-US" sz="1600" dirty="0"/>
-              <a:t> 사용됩니다</a:t>
-            </a:r>
-            <a:r>
-              <a:rPr lang="en-US" altLang="ko-KR" sz="1600" dirty="0"/>
-              <a:t>.</a:t>
-            </a:r>
-            <a:endParaRPr lang="ko-KR" altLang="en-US" sz="1600" dirty="0"/>
-          </a:p>
-        </p:txBody>
-      </p:sp>
-    </p:spTree>
-    <p:extLst>
-      <p:ext uri="{BB962C8B-B14F-4D97-AF65-F5344CB8AC3E}">
-        <p14:creationId xmlns:p14="http://schemas.microsoft.com/office/powerpoint/2010/main" val="2266938998"/>
-      </p:ext>
-    </p:extLst>
-  </p:cSld>
-  <p:clrMapOvr>
-    <a:masterClrMapping/>
-  </p:clrMapOvr>
-  <p:timing>
-    <p:tnLst>
-      <p:par>
-        <p:cTn id="1" dur="indefinite" restart="never" nodeType="tmRoot"/>
-      </p:par>
-    </p:tnLst>
-  </p:timing>
-</p:sld>
-</file>
-
 <file path=ppt/slides/slide4.xml><?xml version="1.0" encoding="utf-8"?>
 <p:sld xmlns:a="http://schemas.openxmlformats.org/drawingml/2006/main" xmlns:r="http://schemas.openxmlformats.org/officeDocument/2006/relationships" xmlns:p="http://schemas.openxmlformats.org/presentationml/2006/main">
   <p:cSld>
@@ -18744,8 +18609,8 @@
         </p:nvSpPr>
         <p:spPr>
           <a:xfrm>
-            <a:off x="1141106" y="1242064"/>
-            <a:ext cx="2664296" cy="507831"/>
+            <a:off x="776536" y="1052736"/>
+            <a:ext cx="6048672" cy="553998"/>
           </a:xfrm>
           <a:prstGeom prst="rect">
             <a:avLst/>
@@ -18764,28 +18629,44 @@
               </a:lnSpc>
             </a:pPr>
             <a:r>
-              <a:rPr lang="en-US" altLang="ko-KR" b="1" dirty="0"/>
+              <a:rPr lang="en-US" altLang="ko-KR" sz="2000" b="1" dirty="0" smtClean="0"/>
+              <a:t>Java EE API</a:t>
+            </a:r>
+            <a:r>
+              <a:rPr lang="en-US" altLang="ko-KR" b="1" dirty="0" smtClean="0"/>
+              <a:t>-&gt; </a:t>
+            </a:r>
+            <a:r>
+              <a:rPr lang="ko-KR" altLang="en-US" b="1" dirty="0" err="1" smtClean="0"/>
+              <a:t>서블릿</a:t>
+            </a:r>
+            <a:r>
+              <a:rPr lang="ko-KR" altLang="en-US" b="1" dirty="0" smtClean="0"/>
+              <a:t>  </a:t>
+            </a:r>
+            <a:r>
+              <a:rPr lang="en-US" altLang="ko-KR" b="1" dirty="0" smtClean="0"/>
+              <a:t>-&gt; </a:t>
+            </a:r>
+            <a:r>
+              <a:rPr lang="en-US" altLang="ko-KR" b="1" dirty="0" err="1" smtClean="0"/>
+              <a:t>RequestDispatcher</a:t>
+            </a:r>
+            <a:r>
+              <a:rPr lang="en-US" altLang="ko-KR" b="1" dirty="0" smtClean="0"/>
               <a:t> </a:t>
             </a:r>
             <a:r>
-              <a:rPr lang="en-US" altLang="ko-KR" b="1" dirty="0" smtClean="0"/>
-              <a:t> dispatch</a:t>
-            </a:r>
-            <a:r>
               <a:rPr lang="ko-KR" altLang="en-US" b="1" dirty="0" smtClean="0"/>
-              <a:t>방법 실</a:t>
-            </a:r>
-            <a:r>
-              <a:rPr lang="ko-KR" altLang="en-US" b="1" dirty="0"/>
-              <a:t>습</a:t>
-            </a:r>
-            <a:endParaRPr lang="en-US" altLang="ko-KR" sz="1600" b="1" dirty="0" smtClean="0"/>
+              <a:t>클래스</a:t>
+            </a:r>
+            <a:endParaRPr lang="en-US" altLang="ko-KR" b="1" dirty="0" smtClean="0"/>
           </a:p>
         </p:txBody>
       </p:sp>
       <p:pic>
         <p:nvPicPr>
-          <p:cNvPr id="2" name="그림 1"/>
+          <p:cNvPr id="3" name="그림 2"/>
           <p:cNvPicPr>
             <a:picLocks noChangeAspect="1"/>
           </p:cNvPicPr>
@@ -18805,8 +18686,8 @@
         </p:blipFill>
         <p:spPr>
           <a:xfrm>
-            <a:off x="1400892" y="1993336"/>
-            <a:ext cx="3452159" cy="998307"/>
+            <a:off x="1280592" y="1714239"/>
+            <a:ext cx="6150267" cy="2758370"/>
           </a:xfrm>
           <a:prstGeom prst="rect">
             <a:avLst/>
@@ -18820,211 +18701,164 @@
           </a:ln>
         </p:spPr>
       </p:pic>
-      <p:pic>
-        <p:nvPicPr>
-          <p:cNvPr id="6" name="그림 5"/>
-          <p:cNvPicPr>
-            <a:picLocks noChangeAspect="1"/>
-          </p:cNvPicPr>
-          <p:nvPr/>
-        </p:nvPicPr>
-        <p:blipFill>
-          <a:blip r:embed="rId3">
-            <a:extLst>
-              <a:ext uri="{28A0092B-C50C-407E-A947-70E740481C1C}">
-                <a14:useLocalDpi xmlns:a14="http://schemas.microsoft.com/office/drawing/2010/main" val="0"/>
-              </a:ext>
-            </a:extLst>
-          </a:blip>
-          <a:stretch>
-            <a:fillRect/>
-          </a:stretch>
-        </p:blipFill>
-        <p:spPr>
-          <a:xfrm>
-            <a:off x="1400892" y="3150145"/>
-            <a:ext cx="7658764" cy="2522439"/>
+      <p:sp>
+        <p:nvSpPr>
+          <p:cNvPr id="4" name="직사각형 3"/>
+          <p:cNvSpPr/>
+          <p:nvPr/>
+        </p:nvSpPr>
+        <p:spPr>
+          <a:xfrm>
+            <a:off x="759768" y="4581128"/>
+            <a:ext cx="8568952" cy="1569660"/>
           </a:xfrm>
           <a:prstGeom prst="rect">
             <a:avLst/>
           </a:prstGeom>
-          <a:ln>
-            <a:solidFill>
-              <a:schemeClr val="bg1">
-                <a:lumMod val="85000"/>
-              </a:schemeClr>
-            </a:solidFill>
-          </a:ln>
-        </p:spPr>
-      </p:pic>
-      <p:sp>
-        <p:nvSpPr>
-          <p:cNvPr id="7" name="모서리가 둥근 직사각형 6">
-            <a:extLst>
-              <a:ext uri="{FF2B5EF4-FFF2-40B4-BE49-F238E27FC236}">
-                <a16:creationId xmlns:a16="http://schemas.microsoft.com/office/drawing/2014/main" xmlns="" id="{792DA8B4-17B2-454B-97AC-17311A4832C5}"/>
-              </a:ext>
-            </a:extLst>
-          </p:cNvPr>
-          <p:cNvSpPr/>
-          <p:nvPr/>
-        </p:nvSpPr>
-        <p:spPr>
-          <a:xfrm>
-            <a:off x="5025008" y="2192593"/>
-            <a:ext cx="2754120" cy="299896"/>
-          </a:xfrm>
-          <a:prstGeom prst="roundRect">
-            <a:avLst/>
-          </a:prstGeom>
-          <a:noFill/>
-        </p:spPr>
-        <p:style>
-          <a:lnRef idx="2">
-            <a:schemeClr val="accent2"/>
-          </a:lnRef>
-          <a:fillRef idx="1">
-            <a:schemeClr val="lt1"/>
-          </a:fillRef>
-          <a:effectRef idx="0">
-            <a:schemeClr val="accent2"/>
-          </a:effectRef>
-          <a:fontRef idx="minor">
-            <a:schemeClr val="dk1"/>
-          </a:fontRef>
-        </p:style>
-        <p:txBody>
-          <a:bodyPr rtlCol="0" anchor="ctr"/>
+        </p:spPr>
+        <p:txBody>
+          <a:bodyPr wrap="square">
+            <a:spAutoFit/>
+          </a:bodyPr>
           <a:lstStyle/>
           <a:p>
-            <a:r>
-              <a:rPr lang="ko-KR" altLang="en-US" sz="1600" dirty="0" smtClean="0">
-                <a:solidFill>
-                  <a:sysClr val="windowText" lastClr="000000"/>
-                </a:solidFill>
-              </a:rPr>
-              <a:t>주소 표시줄에서 요청한다</a:t>
-            </a:r>
-            <a:r>
-              <a:rPr lang="en-US" altLang="ko-KR" sz="1600" dirty="0" smtClean="0">
-                <a:solidFill>
-                  <a:sysClr val="windowText" lastClr="000000"/>
-                </a:solidFill>
-              </a:rPr>
+            <a:pPr>
+              <a:lnSpc>
+                <a:spcPct val="150000"/>
+              </a:lnSpc>
+            </a:pPr>
+            <a:r>
+              <a:rPr lang="ko-KR" altLang="en-US" sz="1600" dirty="0"/>
+              <a:t>클라이언트에서 요청을 수신하여 서버의 리소스</a:t>
+            </a:r>
+            <a:r>
+              <a:rPr lang="en-US" altLang="ko-KR" sz="1600" dirty="0"/>
+              <a:t>(</a:t>
+            </a:r>
+            <a:r>
+              <a:rPr lang="ko-KR" altLang="en-US" sz="1600" dirty="0"/>
+              <a:t>예</a:t>
+            </a:r>
+            <a:r>
+              <a:rPr lang="en-US" altLang="ko-KR" sz="1600" dirty="0"/>
+              <a:t>: </a:t>
+            </a:r>
+            <a:r>
+              <a:rPr lang="ko-KR" altLang="en-US" sz="1600" dirty="0" err="1"/>
+              <a:t>서블릿</a:t>
+            </a:r>
+            <a:r>
+              <a:rPr lang="en-US" altLang="ko-KR" sz="1600" dirty="0"/>
+              <a:t>, HTML </a:t>
+            </a:r>
+            <a:r>
+              <a:rPr lang="ko-KR" altLang="en-US" sz="1600" dirty="0"/>
+              <a:t>파일 또는 </a:t>
+            </a:r>
+            <a:r>
+              <a:rPr lang="en-US" altLang="ko-KR" sz="1600" dirty="0"/>
+              <a:t>JSP </a:t>
+            </a:r>
+            <a:r>
+              <a:rPr lang="ko-KR" altLang="en-US" sz="1600" dirty="0"/>
+              <a:t>파일</a:t>
+            </a:r>
+            <a:r>
+              <a:rPr lang="en-US" altLang="ko-KR" sz="1600" dirty="0"/>
+              <a:t>)</a:t>
+            </a:r>
+            <a:r>
+              <a:rPr lang="ko-KR" altLang="en-US" sz="1600" dirty="0"/>
+              <a:t>로 보내는 </a:t>
+            </a:r>
+            <a:r>
+              <a:rPr lang="ko-KR" altLang="en-US" sz="1600" dirty="0" smtClean="0"/>
+              <a:t>객체를 </a:t>
+            </a:r>
+            <a:r>
+              <a:rPr lang="ko-KR" altLang="en-US" sz="1600" dirty="0"/>
+              <a:t>정의합니다</a:t>
+            </a:r>
+            <a:r>
+              <a:rPr lang="en-US" altLang="ko-KR" sz="1600" dirty="0"/>
+              <a:t>. </a:t>
+            </a:r>
+            <a:endParaRPr lang="en-US" altLang="ko-KR" sz="1600" dirty="0" smtClean="0"/>
+          </a:p>
+          <a:p>
+            <a:pPr>
+              <a:lnSpc>
+                <a:spcPct val="150000"/>
+              </a:lnSpc>
+            </a:pPr>
+            <a:r>
+              <a:rPr lang="ko-KR" altLang="en-US" sz="1600" dirty="0" err="1" smtClean="0"/>
+              <a:t>서블릿</a:t>
+            </a:r>
+            <a:r>
+              <a:rPr lang="ko-KR" altLang="en-US" sz="1600" dirty="0" smtClean="0"/>
+              <a:t> </a:t>
+            </a:r>
+            <a:r>
+              <a:rPr lang="ko-KR" altLang="en-US" sz="1600" dirty="0"/>
+              <a:t>컨테이너는 </a:t>
+            </a:r>
+            <a:r>
+              <a:rPr lang="en-US" altLang="ko-KR" sz="1600" dirty="0" err="1"/>
+              <a:t>RequestDispatcher</a:t>
+            </a:r>
+            <a:r>
+              <a:rPr lang="en-US" altLang="ko-KR" sz="1600" dirty="0"/>
+              <a:t> </a:t>
+            </a:r>
+            <a:r>
+              <a:rPr lang="ko-KR" altLang="en-US" sz="1600" dirty="0"/>
+              <a:t>객</a:t>
+            </a:r>
+            <a:r>
+              <a:rPr lang="ko-KR" altLang="en-US" sz="1600" dirty="0" smtClean="0"/>
+              <a:t>체를 </a:t>
+            </a:r>
+            <a:r>
+              <a:rPr lang="ko-KR" altLang="en-US" sz="1600" dirty="0"/>
+              <a:t>생성하며</a:t>
+            </a:r>
+            <a:r>
+              <a:rPr lang="en-US" altLang="ko-KR" sz="1600" dirty="0"/>
+              <a:t>, </a:t>
+            </a:r>
+            <a:r>
+              <a:rPr lang="ko-KR" altLang="en-US" sz="1600" dirty="0"/>
+              <a:t>이 </a:t>
+            </a:r>
+            <a:r>
+              <a:rPr lang="ko-KR" altLang="en-US" sz="1600" dirty="0" smtClean="0"/>
+              <a:t>객체는 </a:t>
+            </a:r>
+            <a:r>
+              <a:rPr lang="ko-KR" altLang="en-US" sz="1600" dirty="0"/>
+              <a:t>특정 경로에 있거나 특정 이름에 의해 지정된 서버 리소스를 감싸는 </a:t>
+            </a:r>
+            <a:r>
+              <a:rPr lang="ko-KR" altLang="en-US" sz="1600" dirty="0" err="1"/>
+              <a:t>래퍼로</a:t>
+            </a:r>
+            <a:r>
+              <a:rPr lang="ko-KR" altLang="en-US" sz="1600" dirty="0"/>
+              <a:t> 사용됩니다</a:t>
+            </a:r>
+            <a:r>
+              <a:rPr lang="en-US" altLang="ko-KR" sz="1600" dirty="0"/>
               <a:t>.</a:t>
             </a:r>
-          </a:p>
-        </p:txBody>
-      </p:sp>
-      <p:cxnSp>
-        <p:nvCxnSpPr>
-          <p:cNvPr id="8" name="직선 화살표 연결선 7"/>
-          <p:cNvCxnSpPr>
-            <a:stCxn id="7" idx="1"/>
-          </p:cNvCxnSpPr>
-          <p:nvPr/>
-        </p:nvCxnSpPr>
-        <p:spPr>
-          <a:xfrm flipH="1" flipV="1">
-            <a:off x="4448148" y="2192593"/>
-            <a:ext cx="576860" cy="149948"/>
-          </a:xfrm>
-          <a:prstGeom prst="straightConnector1">
-            <a:avLst/>
-          </a:prstGeom>
-          <a:ln w="9525">
-            <a:solidFill>
-              <a:srgbClr val="C00000"/>
-            </a:solidFill>
-            <a:prstDash val="solid"/>
-            <a:headEnd type="none" w="med" len="med"/>
-            <a:tailEnd type="triangle" w="med" len="med"/>
-          </a:ln>
-        </p:spPr>
-        <p:style>
-          <a:lnRef idx="1">
-            <a:schemeClr val="accent1"/>
-          </a:lnRef>
-          <a:fillRef idx="0">
-            <a:schemeClr val="accent1"/>
-          </a:fillRef>
-          <a:effectRef idx="0">
-            <a:schemeClr val="accent1"/>
-          </a:effectRef>
-          <a:fontRef idx="minor">
-            <a:schemeClr val="tx1"/>
-          </a:fontRef>
-        </p:style>
-      </p:cxnSp>
-      <p:sp>
-        <p:nvSpPr>
-          <p:cNvPr id="9" name="모서리가 둥근 직사각형 8">
-            <a:extLst>
-              <a:ext uri="{FF2B5EF4-FFF2-40B4-BE49-F238E27FC236}">
-                <a16:creationId xmlns:a16="http://schemas.microsoft.com/office/drawing/2014/main" xmlns="" id="{792DA8B4-17B2-454B-97AC-17311A4832C5}"/>
-              </a:ext>
-            </a:extLst>
-          </p:cNvPr>
-          <p:cNvSpPr/>
-          <p:nvPr/>
-        </p:nvSpPr>
-        <p:spPr>
-          <a:xfrm>
-            <a:off x="5745088" y="2655538"/>
-            <a:ext cx="3222358" cy="360040"/>
-          </a:xfrm>
-          <a:prstGeom prst="roundRect">
-            <a:avLst/>
-          </a:prstGeom>
-          <a:noFill/>
-          <a:ln w="12700">
-            <a:solidFill>
-              <a:schemeClr val="tx1"/>
-            </a:solidFill>
-          </a:ln>
-        </p:spPr>
-        <p:style>
-          <a:lnRef idx="2">
-            <a:schemeClr val="accent2"/>
-          </a:lnRef>
-          <a:fillRef idx="1">
-            <a:schemeClr val="lt1"/>
-          </a:fillRef>
-          <a:effectRef idx="0">
-            <a:schemeClr val="accent2"/>
-          </a:effectRef>
-          <a:fontRef idx="minor">
-            <a:schemeClr val="dk1"/>
-          </a:fontRef>
-        </p:style>
-        <p:txBody>
-          <a:bodyPr rtlCol="0" anchor="ctr"/>
-          <a:lstStyle/>
-          <a:p>
-            <a:pPr algn="ctr"/>
-            <a:r>
-              <a:rPr lang="en-US" altLang="ko-KR" sz="1600" dirty="0" err="1" smtClean="0">
-                <a:solidFill>
-                  <a:sysClr val="windowText" lastClr="000000"/>
-                </a:solidFill>
-              </a:rPr>
-              <a:t>com.servlet</a:t>
-            </a:r>
-            <a:r>
-              <a:rPr lang="en-US" altLang="ko-KR" sz="1600" dirty="0" smtClean="0">
-                <a:solidFill>
-                  <a:sysClr val="windowText" lastClr="000000"/>
-                </a:solidFill>
-              </a:rPr>
-              <a:t>/SecondServlet.java</a:t>
-            </a:r>
+            <a:endParaRPr lang="ko-KR" altLang="en-US" sz="1600" dirty="0"/>
           </a:p>
         </p:txBody>
       </p:sp>
     </p:spTree>
     <p:extLst>
       <p:ext uri="{BB962C8B-B14F-4D97-AF65-F5344CB8AC3E}">
-        <p14:creationId xmlns:p14="http://schemas.microsoft.com/office/powerpoint/2010/main" val="178645080"/>
+        <p14:creationId xmlns:p14="http://schemas.microsoft.com/office/powerpoint/2010/main" val="2266938998"/>
       </p:ext>
     </p:extLst>
   </p:cSld>
@@ -19122,7 +18956,7 @@
         </p:nvSpPr>
         <p:spPr>
           <a:xfrm>
-            <a:off x="1064568" y="1228315"/>
+            <a:off x="1141106" y="1242064"/>
             <a:ext cx="2664296" cy="507831"/>
           </a:xfrm>
           <a:prstGeom prst="rect">
@@ -19142,8 +18976,12 @@
               </a:lnSpc>
             </a:pPr>
             <a:r>
+              <a:rPr lang="en-US" altLang="ko-KR" b="1" dirty="0"/>
+              <a:t> </a:t>
+            </a:r>
+            <a:r>
               <a:rPr lang="en-US" altLang="ko-KR" b="1" dirty="0" smtClean="0"/>
-              <a:t>dispatch</a:t>
+              <a:t> dispatch</a:t>
             </a:r>
             <a:r>
               <a:rPr lang="ko-KR" altLang="en-US" b="1" dirty="0" smtClean="0"/>
@@ -19159,7 +18997,7 @@
       </p:sp>
       <p:pic>
         <p:nvPicPr>
-          <p:cNvPr id="4" name="그림 3"/>
+          <p:cNvPr id="2" name="그림 1"/>
           <p:cNvPicPr>
             <a:picLocks noChangeAspect="1"/>
           </p:cNvPicPr>
@@ -19179,8 +19017,8 @@
         </p:blipFill>
         <p:spPr>
           <a:xfrm>
-            <a:off x="1208583" y="1916832"/>
-            <a:ext cx="6950043" cy="3193057"/>
+            <a:off x="1400892" y="1993336"/>
+            <a:ext cx="3452159" cy="998307"/>
           </a:xfrm>
           <a:prstGeom prst="rect">
             <a:avLst/>
@@ -19194,10 +19032,211 @@
           </a:ln>
         </p:spPr>
       </p:pic>
+      <p:pic>
+        <p:nvPicPr>
+          <p:cNvPr id="6" name="그림 5"/>
+          <p:cNvPicPr>
+            <a:picLocks noChangeAspect="1"/>
+          </p:cNvPicPr>
+          <p:nvPr/>
+        </p:nvPicPr>
+        <p:blipFill>
+          <a:blip r:embed="rId3">
+            <a:extLst>
+              <a:ext uri="{28A0092B-C50C-407E-A947-70E740481C1C}">
+                <a14:useLocalDpi xmlns:a14="http://schemas.microsoft.com/office/drawing/2010/main" val="0"/>
+              </a:ext>
+            </a:extLst>
+          </a:blip>
+          <a:stretch>
+            <a:fillRect/>
+          </a:stretch>
+        </p:blipFill>
+        <p:spPr>
+          <a:xfrm>
+            <a:off x="1400892" y="3150145"/>
+            <a:ext cx="7658764" cy="2522439"/>
+          </a:xfrm>
+          <a:prstGeom prst="rect">
+            <a:avLst/>
+          </a:prstGeom>
+          <a:ln>
+            <a:solidFill>
+              <a:schemeClr val="bg1">
+                <a:lumMod val="85000"/>
+              </a:schemeClr>
+            </a:solidFill>
+          </a:ln>
+        </p:spPr>
+      </p:pic>
+      <p:sp>
+        <p:nvSpPr>
+          <p:cNvPr id="7" name="모서리가 둥근 직사각형 6">
+            <a:extLst>
+              <a:ext uri="{FF2B5EF4-FFF2-40B4-BE49-F238E27FC236}">
+                <a16:creationId xmlns:a16="http://schemas.microsoft.com/office/drawing/2014/main" id="{792DA8B4-17B2-454B-97AC-17311A4832C5}"/>
+              </a:ext>
+            </a:extLst>
+          </p:cNvPr>
+          <p:cNvSpPr/>
+          <p:nvPr/>
+        </p:nvSpPr>
+        <p:spPr>
+          <a:xfrm>
+            <a:off x="5025008" y="2192593"/>
+            <a:ext cx="2754120" cy="299896"/>
+          </a:xfrm>
+          <a:prstGeom prst="roundRect">
+            <a:avLst/>
+          </a:prstGeom>
+          <a:noFill/>
+        </p:spPr>
+        <p:style>
+          <a:lnRef idx="2">
+            <a:schemeClr val="accent2"/>
+          </a:lnRef>
+          <a:fillRef idx="1">
+            <a:schemeClr val="lt1"/>
+          </a:fillRef>
+          <a:effectRef idx="0">
+            <a:schemeClr val="accent2"/>
+          </a:effectRef>
+          <a:fontRef idx="minor">
+            <a:schemeClr val="dk1"/>
+          </a:fontRef>
+        </p:style>
+        <p:txBody>
+          <a:bodyPr rtlCol="0" anchor="ctr"/>
+          <a:lstStyle/>
+          <a:p>
+            <a:r>
+              <a:rPr lang="ko-KR" altLang="en-US" sz="1600" dirty="0" smtClean="0">
+                <a:solidFill>
+                  <a:sysClr val="windowText" lastClr="000000"/>
+                </a:solidFill>
+              </a:rPr>
+              <a:t>주소 표시줄에서 요청한다</a:t>
+            </a:r>
+            <a:r>
+              <a:rPr lang="en-US" altLang="ko-KR" sz="1600" dirty="0" smtClean="0">
+                <a:solidFill>
+                  <a:sysClr val="windowText" lastClr="000000"/>
+                </a:solidFill>
+              </a:rPr>
+              <a:t>.</a:t>
+            </a:r>
+          </a:p>
+        </p:txBody>
+      </p:sp>
+      <p:cxnSp>
+        <p:nvCxnSpPr>
+          <p:cNvPr id="8" name="직선 화살표 연결선 7"/>
+          <p:cNvCxnSpPr>
+            <a:stCxn id="7" idx="1"/>
+          </p:cNvCxnSpPr>
+          <p:nvPr/>
+        </p:nvCxnSpPr>
+        <p:spPr>
+          <a:xfrm flipH="1" flipV="1">
+            <a:off x="4448148" y="2192593"/>
+            <a:ext cx="576860" cy="149948"/>
+          </a:xfrm>
+          <a:prstGeom prst="straightConnector1">
+            <a:avLst/>
+          </a:prstGeom>
+          <a:ln w="9525">
+            <a:solidFill>
+              <a:srgbClr val="C00000"/>
+            </a:solidFill>
+            <a:prstDash val="solid"/>
+            <a:headEnd type="none" w="med" len="med"/>
+            <a:tailEnd type="triangle" w="med" len="med"/>
+          </a:ln>
+        </p:spPr>
+        <p:style>
+          <a:lnRef idx="1">
+            <a:schemeClr val="accent1"/>
+          </a:lnRef>
+          <a:fillRef idx="0">
+            <a:schemeClr val="accent1"/>
+          </a:fillRef>
+          <a:effectRef idx="0">
+            <a:schemeClr val="accent1"/>
+          </a:effectRef>
+          <a:fontRef idx="minor">
+            <a:schemeClr val="tx1"/>
+          </a:fontRef>
+        </p:style>
+      </p:cxnSp>
+      <p:sp>
+        <p:nvSpPr>
+          <p:cNvPr id="9" name="모서리가 둥근 직사각형 8">
+            <a:extLst>
+              <a:ext uri="{FF2B5EF4-FFF2-40B4-BE49-F238E27FC236}">
+                <a16:creationId xmlns:a16="http://schemas.microsoft.com/office/drawing/2014/main" id="{792DA8B4-17B2-454B-97AC-17311A4832C5}"/>
+              </a:ext>
+            </a:extLst>
+          </p:cNvPr>
+          <p:cNvSpPr/>
+          <p:nvPr/>
+        </p:nvSpPr>
+        <p:spPr>
+          <a:xfrm>
+            <a:off x="5745088" y="2655538"/>
+            <a:ext cx="3222358" cy="360040"/>
+          </a:xfrm>
+          <a:prstGeom prst="roundRect">
+            <a:avLst/>
+          </a:prstGeom>
+          <a:noFill/>
+          <a:ln w="12700">
+            <a:solidFill>
+              <a:schemeClr val="tx1"/>
+            </a:solidFill>
+          </a:ln>
+        </p:spPr>
+        <p:style>
+          <a:lnRef idx="2">
+            <a:schemeClr val="accent2"/>
+          </a:lnRef>
+          <a:fillRef idx="1">
+            <a:schemeClr val="lt1"/>
+          </a:fillRef>
+          <a:effectRef idx="0">
+            <a:schemeClr val="accent2"/>
+          </a:effectRef>
+          <a:fontRef idx="minor">
+            <a:schemeClr val="dk1"/>
+          </a:fontRef>
+        </p:style>
+        <p:txBody>
+          <a:bodyPr rtlCol="0" anchor="ctr"/>
+          <a:lstStyle/>
+          <a:p>
+            <a:pPr algn="ctr"/>
+            <a:r>
+              <a:rPr lang="en-US" altLang="ko-KR" sz="1600" dirty="0" err="1" smtClean="0">
+                <a:solidFill>
+                  <a:sysClr val="windowText" lastClr="000000"/>
+                </a:solidFill>
+              </a:rPr>
+              <a:t>com.servlet</a:t>
+            </a:r>
+            <a:r>
+              <a:rPr lang="en-US" altLang="ko-KR" sz="1600" dirty="0" smtClean="0">
+                <a:solidFill>
+                  <a:sysClr val="windowText" lastClr="000000"/>
+                </a:solidFill>
+              </a:rPr>
+              <a:t>/SecondServlet.java</a:t>
+            </a:r>
+          </a:p>
+        </p:txBody>
+      </p:sp>
     </p:spTree>
     <p:extLst>
       <p:ext uri="{BB962C8B-B14F-4D97-AF65-F5344CB8AC3E}">
-        <p14:creationId xmlns:p14="http://schemas.microsoft.com/office/powerpoint/2010/main" val="3546512560"/>
+        <p14:creationId xmlns:p14="http://schemas.microsoft.com/office/powerpoint/2010/main" val="178645080"/>
       </p:ext>
     </p:extLst>
   </p:cSld>
@@ -19273,11 +19312,15 @@
             </a:r>
             <a:r>
               <a:rPr lang="ko-KR" altLang="en-US" dirty="0"/>
-              <a:t> 쿠키</a:t>
-            </a:r>
-            <a:r>
-              <a:rPr lang="en-US" altLang="ko-KR" dirty="0"/>
-              <a:t>(cookie)</a:t>
+              <a:t> </a:t>
+            </a:r>
+            <a:r>
+              <a:rPr lang="ko-KR" altLang="en-US" dirty="0" err="1" smtClean="0"/>
+              <a:t>서블릿</a:t>
+            </a:r>
+            <a:r>
+              <a:rPr lang="ko-KR" altLang="en-US" dirty="0" smtClean="0"/>
+              <a:t> 포워드 기능</a:t>
             </a:r>
             <a:endParaRPr lang="ko-KR" altLang="en-US" dirty="0"/>
           </a:p>
@@ -19291,8 +19334,8 @@
         </p:nvSpPr>
         <p:spPr>
           <a:xfrm>
-            <a:off x="776536" y="980728"/>
-            <a:ext cx="8496944" cy="553998"/>
+            <a:off x="1064568" y="1228315"/>
+            <a:ext cx="2664296" cy="507831"/>
           </a:xfrm>
           <a:prstGeom prst="rect">
             <a:avLst/>
@@ -19311,14 +19354,18 @@
               </a:lnSpc>
             </a:pPr>
             <a:r>
-              <a:rPr lang="ko-KR" altLang="en-US" sz="2000" b="1" dirty="0" err="1" smtClean="0"/>
-              <a:t>서블릿에서</a:t>
-            </a:r>
-            <a:r>
-              <a:rPr lang="ko-KR" altLang="en-US" sz="2000" b="1" dirty="0" smtClean="0"/>
-              <a:t> 쿠키 사용하기</a:t>
-            </a:r>
-            <a:endParaRPr lang="en-US" altLang="ko-KR" dirty="0"/>
+              <a:rPr lang="en-US" altLang="ko-KR" b="1" dirty="0" smtClean="0"/>
+              <a:t>dispatch</a:t>
+            </a:r>
+            <a:r>
+              <a:rPr lang="ko-KR" altLang="en-US" b="1" dirty="0" smtClean="0"/>
+              <a:t>방법 실</a:t>
+            </a:r>
+            <a:r>
+              <a:rPr lang="ko-KR" altLang="en-US" b="1" dirty="0"/>
+              <a:t>습</a:t>
+            </a:r>
+            <a:endParaRPr lang="en-US" altLang="ko-KR" sz="1600" b="1" dirty="0" smtClean="0"/>
           </a:p>
         </p:txBody>
       </p:sp>
@@ -19344,8 +19391,8 @@
         </p:blipFill>
         <p:spPr>
           <a:xfrm>
-            <a:off x="776536" y="1600606"/>
-            <a:ext cx="8455836" cy="4132650"/>
+            <a:off x="1208583" y="1916832"/>
+            <a:ext cx="6950043" cy="3193057"/>
           </a:xfrm>
           <a:prstGeom prst="rect">
             <a:avLst/>
@@ -19359,47 +19406,10 @@
           </a:ln>
         </p:spPr>
       </p:pic>
-      <p:pic>
-        <p:nvPicPr>
-          <p:cNvPr id="6" name="그림 5"/>
-          <p:cNvPicPr>
-            <a:picLocks noChangeAspect="1"/>
-          </p:cNvPicPr>
-          <p:nvPr/>
-        </p:nvPicPr>
-        <p:blipFill>
-          <a:blip r:embed="rId3">
-            <a:extLst>
-              <a:ext uri="{28A0092B-C50C-407E-A947-70E740481C1C}">
-                <a14:useLocalDpi xmlns:a14="http://schemas.microsoft.com/office/drawing/2010/main" val="0"/>
-              </a:ext>
-            </a:extLst>
-          </a:blip>
-          <a:stretch>
-            <a:fillRect/>
-          </a:stretch>
-        </p:blipFill>
-        <p:spPr>
-          <a:xfrm>
-            <a:off x="5950872" y="5157192"/>
-            <a:ext cx="3322608" cy="899238"/>
-          </a:xfrm>
-          <a:prstGeom prst="rect">
-            <a:avLst/>
-          </a:prstGeom>
-          <a:ln>
-            <a:solidFill>
-              <a:schemeClr val="bg1">
-                <a:lumMod val="85000"/>
-              </a:schemeClr>
-            </a:solidFill>
-          </a:ln>
-        </p:spPr>
-      </p:pic>
     </p:spTree>
     <p:extLst>
       <p:ext uri="{BB962C8B-B14F-4D97-AF65-F5344CB8AC3E}">
-        <p14:creationId xmlns:p14="http://schemas.microsoft.com/office/powerpoint/2010/main" val="1362696016"/>
+        <p14:creationId xmlns:p14="http://schemas.microsoft.com/office/powerpoint/2010/main" val="3546512560"/>
       </p:ext>
     </p:extLst>
   </p:cSld>
@@ -19485,9 +19495,48 @@
           </a:p>
         </p:txBody>
       </p:sp>
+      <p:sp>
+        <p:nvSpPr>
+          <p:cNvPr id="5" name="TextBox 4"/>
+          <p:cNvSpPr txBox="1"/>
+          <p:nvPr/>
+        </p:nvSpPr>
+        <p:spPr>
+          <a:xfrm>
+            <a:off x="776536" y="980728"/>
+            <a:ext cx="8496944" cy="553998"/>
+          </a:xfrm>
+          <a:prstGeom prst="rect">
+            <a:avLst/>
+          </a:prstGeom>
+          <a:noFill/>
+        </p:spPr>
+        <p:txBody>
+          <a:bodyPr wrap="square" rtlCol="0">
+            <a:spAutoFit/>
+          </a:bodyPr>
+          <a:lstStyle/>
+          <a:p>
+            <a:pPr>
+              <a:lnSpc>
+                <a:spcPct val="150000"/>
+              </a:lnSpc>
+            </a:pPr>
+            <a:r>
+              <a:rPr lang="ko-KR" altLang="en-US" sz="2000" b="1" dirty="0" err="1" smtClean="0"/>
+              <a:t>서블릿에서</a:t>
+            </a:r>
+            <a:r>
+              <a:rPr lang="ko-KR" altLang="en-US" sz="2000" b="1" dirty="0" smtClean="0"/>
+              <a:t> 쿠키 사용하기</a:t>
+            </a:r>
+            <a:endParaRPr lang="en-US" altLang="ko-KR" dirty="0"/>
+          </a:p>
+        </p:txBody>
+      </p:sp>
       <p:pic>
         <p:nvPicPr>
-          <p:cNvPr id="2" name="그림 1"/>
+          <p:cNvPr id="4" name="그림 3"/>
           <p:cNvPicPr>
             <a:picLocks noChangeAspect="1"/>
           </p:cNvPicPr>
@@ -19507,8 +19556,8 @@
         </p:blipFill>
         <p:spPr>
           <a:xfrm>
-            <a:off x="570316" y="3171394"/>
-            <a:ext cx="8073897" cy="1872208"/>
+            <a:off x="776536" y="1600606"/>
+            <a:ext cx="8455836" cy="4132650"/>
           </a:xfrm>
           <a:prstGeom prst="rect">
             <a:avLst/>
@@ -19524,7 +19573,7 @@
       </p:pic>
       <p:pic>
         <p:nvPicPr>
-          <p:cNvPr id="3" name="그림 2"/>
+          <p:cNvPr id="6" name="그림 5"/>
           <p:cNvPicPr>
             <a:picLocks noChangeAspect="1"/>
           </p:cNvPicPr>
@@ -19544,8 +19593,8 @@
         </p:blipFill>
         <p:spPr>
           <a:xfrm>
-            <a:off x="560512" y="1268760"/>
-            <a:ext cx="8680635" cy="1584176"/>
+            <a:off x="5950872" y="5157192"/>
+            <a:ext cx="3322608" cy="899238"/>
           </a:xfrm>
           <a:prstGeom prst="rect">
             <a:avLst/>
@@ -19562,7 +19611,7 @@
     </p:spTree>
     <p:extLst>
       <p:ext uri="{BB962C8B-B14F-4D97-AF65-F5344CB8AC3E}">
-        <p14:creationId xmlns:p14="http://schemas.microsoft.com/office/powerpoint/2010/main" val="1599346481"/>
+        <p14:creationId xmlns:p14="http://schemas.microsoft.com/office/powerpoint/2010/main" val="1362696016"/>
       </p:ext>
     </p:extLst>
   </p:cSld>
@@ -19648,45 +19697,6 @@
           </a:p>
         </p:txBody>
       </p:sp>
-      <p:sp>
-        <p:nvSpPr>
-          <p:cNvPr id="5" name="TextBox 4"/>
-          <p:cNvSpPr txBox="1"/>
-          <p:nvPr/>
-        </p:nvSpPr>
-        <p:spPr>
-          <a:xfrm>
-            <a:off x="776536" y="980728"/>
-            <a:ext cx="8496944" cy="494494"/>
-          </a:xfrm>
-          <a:prstGeom prst="rect">
-            <a:avLst/>
-          </a:prstGeom>
-          <a:noFill/>
-        </p:spPr>
-        <p:txBody>
-          <a:bodyPr wrap="square" rtlCol="0">
-            <a:spAutoFit/>
-          </a:bodyPr>
-          <a:lstStyle/>
-          <a:p>
-            <a:pPr>
-              <a:lnSpc>
-                <a:spcPct val="150000"/>
-              </a:lnSpc>
-            </a:pPr>
-            <a:r>
-              <a:rPr lang="ko-KR" altLang="en-US" sz="2000" b="1" dirty="0" smtClean="0"/>
-              <a:t>쿠키 가져오</a:t>
-            </a:r>
-            <a:r>
-              <a:rPr lang="ko-KR" altLang="en-US" sz="2000" b="1" dirty="0"/>
-              <a:t>기</a:t>
-            </a:r>
-            <a:endParaRPr lang="en-US" altLang="ko-KR" sz="2000" b="1" dirty="0" smtClean="0"/>
-          </a:p>
-        </p:txBody>
-      </p:sp>
       <p:pic>
         <p:nvPicPr>
           <p:cNvPr id="2" name="그림 1"/>
@@ -19709,8 +19719,8 @@
         </p:blipFill>
         <p:spPr>
           <a:xfrm>
-            <a:off x="632520" y="1628800"/>
-            <a:ext cx="8784976" cy="4204342"/>
+            <a:off x="570316" y="3171394"/>
+            <a:ext cx="8073897" cy="1872208"/>
           </a:xfrm>
           <a:prstGeom prst="rect">
             <a:avLst/>
@@ -19746,8 +19756,8 @@
         </p:blipFill>
         <p:spPr>
           <a:xfrm>
-            <a:off x="5745088" y="5410195"/>
-            <a:ext cx="3482642" cy="845893"/>
+            <a:off x="560512" y="1268760"/>
+            <a:ext cx="8680635" cy="1584176"/>
           </a:xfrm>
           <a:prstGeom prst="rect">
             <a:avLst/>
@@ -19764,7 +19774,7 @@
     </p:spTree>
     <p:extLst>
       <p:ext uri="{BB962C8B-B14F-4D97-AF65-F5344CB8AC3E}">
-        <p14:creationId xmlns:p14="http://schemas.microsoft.com/office/powerpoint/2010/main" val="3511827381"/>
+        <p14:creationId xmlns:p14="http://schemas.microsoft.com/office/powerpoint/2010/main" val="1599346481"/>
       </p:ext>
     </p:extLst>
   </p:cSld>
@@ -19836,15 +19846,15 @@
           <a:p>
             <a:r>
               <a:rPr lang="en-US" altLang="ko-KR" dirty="0" smtClean="0"/>
-              <a:t>  </a:t>
-            </a:r>
-            <a:r>
-              <a:rPr lang="ko-KR" altLang="en-US" dirty="0" smtClean="0"/>
-              <a:t>세션</a:t>
+              <a:t> </a:t>
+            </a:r>
+            <a:r>
+              <a:rPr lang="ko-KR" altLang="en-US" dirty="0"/>
+              <a:t> 쿠키</a:t>
             </a:r>
             <a:r>
               <a:rPr lang="en-US" altLang="ko-KR" dirty="0"/>
-              <a:t>(session)</a:t>
+              <a:t>(cookie)</a:t>
             </a:r>
             <a:endParaRPr lang="ko-KR" altLang="en-US" dirty="0"/>
           </a:p>
@@ -19858,8 +19868,8 @@
         </p:nvSpPr>
         <p:spPr>
           <a:xfrm>
-            <a:off x="785326" y="974034"/>
-            <a:ext cx="8496944" cy="1708160"/>
+            <a:off x="776536" y="980728"/>
+            <a:ext cx="8496944" cy="494494"/>
           </a:xfrm>
           <a:prstGeom prst="rect">
             <a:avLst/>
@@ -19878,120 +19888,20 @@
               </a:lnSpc>
             </a:pPr>
             <a:r>
-              <a:rPr lang="ko-KR" altLang="en-US" sz="2000" b="1" dirty="0" err="1" smtClean="0"/>
-              <a:t>서블릿에서</a:t>
-            </a:r>
-            <a:r>
               <a:rPr lang="ko-KR" altLang="en-US" sz="2000" b="1" dirty="0" smtClean="0"/>
-              <a:t> 세</a:t>
+              <a:t>쿠키 가져오</a:t>
             </a:r>
             <a:r>
               <a:rPr lang="ko-KR" altLang="en-US" sz="2000" b="1" dirty="0"/>
-              <a:t>션</a:t>
-            </a:r>
-            <a:r>
-              <a:rPr lang="ko-KR" altLang="en-US" sz="2000" b="1" dirty="0" smtClean="0"/>
-              <a:t> 사용하기</a:t>
+              <a:t>기</a:t>
             </a:r>
             <a:endParaRPr lang="en-US" altLang="ko-KR" sz="2000" b="1" dirty="0" smtClean="0"/>
-          </a:p>
-          <a:p>
-            <a:pPr>
-              <a:lnSpc>
-                <a:spcPct val="150000"/>
-              </a:lnSpc>
-            </a:pPr>
-            <a:r>
-              <a:rPr lang="en-US" altLang="ko-KR" sz="1600" dirty="0" err="1" smtClean="0"/>
-              <a:t>HttpSession</a:t>
-            </a:r>
-            <a:r>
-              <a:rPr lang="en-US" altLang="ko-KR" sz="1600" dirty="0"/>
-              <a:t> </a:t>
-            </a:r>
-            <a:r>
-              <a:rPr lang="en-US" altLang="ko-KR" sz="1600" dirty="0" smtClean="0"/>
-              <a:t>– Java EE API</a:t>
-            </a:r>
-            <a:r>
-              <a:rPr lang="ko-KR" altLang="en-US" sz="1600" dirty="0" smtClean="0"/>
-              <a:t>로 검색</a:t>
-            </a:r>
-            <a:endParaRPr lang="en-US" altLang="ko-KR" sz="1600" dirty="0" smtClean="0"/>
-          </a:p>
-          <a:p>
-            <a:pPr>
-              <a:lnSpc>
-                <a:spcPct val="150000"/>
-              </a:lnSpc>
-            </a:pPr>
-            <a:r>
-              <a:rPr lang="ko-KR" altLang="en-US" sz="1600" dirty="0" err="1" smtClean="0"/>
-              <a:t>서블릿에서</a:t>
-            </a:r>
-            <a:r>
-              <a:rPr lang="ko-KR" altLang="en-US" sz="1600" dirty="0" smtClean="0"/>
-              <a:t> 세션을 이용하려면 </a:t>
-            </a:r>
-            <a:r>
-              <a:rPr lang="en-US" altLang="ko-KR" sz="1600" dirty="0" err="1" smtClean="0"/>
-              <a:t>HttpSession</a:t>
-            </a:r>
-            <a:r>
-              <a:rPr lang="en-US" altLang="ko-KR" sz="1600" dirty="0" smtClean="0"/>
-              <a:t> </a:t>
-            </a:r>
-            <a:r>
-              <a:rPr lang="ko-KR" altLang="en-US" sz="1600" dirty="0" smtClean="0"/>
-              <a:t>인터페이스의 객체를 생성해야 한다</a:t>
-            </a:r>
-            <a:r>
-              <a:rPr lang="en-US" altLang="ko-KR" sz="1600" dirty="0" smtClean="0"/>
-              <a:t>. </a:t>
-            </a:r>
-            <a:r>
-              <a:rPr lang="en-US" altLang="ko-KR" sz="1600" dirty="0" err="1" smtClean="0"/>
-              <a:t>HttpSession</a:t>
-            </a:r>
-            <a:r>
-              <a:rPr lang="ko-KR" altLang="en-US" sz="1600" dirty="0" smtClean="0"/>
-              <a:t>객체는 </a:t>
-            </a:r>
-            <a:r>
-              <a:rPr lang="en-US" altLang="ko-KR" sz="1600" dirty="0" err="1" smtClean="0"/>
-              <a:t>HttpServletRequest</a:t>
-            </a:r>
-            <a:r>
-              <a:rPr lang="ko-KR" altLang="en-US" sz="1600" dirty="0" smtClean="0"/>
-              <a:t>의 </a:t>
-            </a:r>
-            <a:r>
-              <a:rPr lang="en-US" altLang="ko-KR" sz="1600" dirty="0" err="1" smtClean="0"/>
-              <a:t>getSession</a:t>
-            </a:r>
-            <a:r>
-              <a:rPr lang="en-US" altLang="ko-KR" sz="1600" dirty="0" smtClean="0"/>
-              <a:t>() </a:t>
-            </a:r>
-            <a:r>
-              <a:rPr lang="ko-KR" altLang="en-US" sz="1600" dirty="0" err="1" smtClean="0"/>
-              <a:t>메서드를</a:t>
-            </a:r>
-            <a:r>
-              <a:rPr lang="ko-KR" altLang="en-US" sz="1600" dirty="0" smtClean="0"/>
-              <a:t> 호출해서 생성한다</a:t>
-            </a:r>
-            <a:r>
-              <a:rPr lang="en-US" altLang="ko-KR" sz="1600" dirty="0" smtClean="0"/>
-              <a:t>. </a:t>
-            </a:r>
-            <a:endParaRPr lang="en-US" altLang="ko-KR" sz="1600" dirty="0"/>
           </a:p>
         </p:txBody>
       </p:sp>
       <p:pic>
         <p:nvPicPr>
-          <p:cNvPr id="12" name="그림 11"/>
+          <p:cNvPr id="2" name="그림 1"/>
           <p:cNvPicPr>
             <a:picLocks noChangeAspect="1"/>
           </p:cNvPicPr>
@@ -20011,8 +19921,8 @@
         </p:blipFill>
         <p:spPr>
           <a:xfrm>
-            <a:off x="848544" y="2924944"/>
-            <a:ext cx="4914419" cy="3146096"/>
+            <a:off x="632520" y="1628800"/>
+            <a:ext cx="8784976" cy="4204342"/>
           </a:xfrm>
           <a:prstGeom prst="rect">
             <a:avLst/>
@@ -20028,7 +19938,7 @@
       </p:pic>
       <p:pic>
         <p:nvPicPr>
-          <p:cNvPr id="11" name="그림 10"/>
+          <p:cNvPr id="3" name="그림 2"/>
           <p:cNvPicPr>
             <a:picLocks noChangeAspect="1"/>
           </p:cNvPicPr>
@@ -20048,8 +19958,8 @@
         </p:blipFill>
         <p:spPr>
           <a:xfrm>
-            <a:off x="3512840" y="4365104"/>
-            <a:ext cx="6002432" cy="1594723"/>
+            <a:off x="5745088" y="5410195"/>
+            <a:ext cx="3482642" cy="845893"/>
           </a:xfrm>
           <a:prstGeom prst="rect">
             <a:avLst/>
@@ -20066,7 +19976,7 @@
     </p:spTree>
     <p:extLst>
       <p:ext uri="{BB962C8B-B14F-4D97-AF65-F5344CB8AC3E}">
-        <p14:creationId xmlns:p14="http://schemas.microsoft.com/office/powerpoint/2010/main" val="2556190687"/>
+        <p14:creationId xmlns:p14="http://schemas.microsoft.com/office/powerpoint/2010/main" val="3511827381"/>
       </p:ext>
     </p:extLst>
   </p:cSld>
@@ -20160,8 +20070,8 @@
         </p:nvSpPr>
         <p:spPr>
           <a:xfrm>
-            <a:off x="776536" y="980728"/>
-            <a:ext cx="8496944" cy="553998"/>
+            <a:off x="785326" y="974034"/>
+            <a:ext cx="8496944" cy="1708160"/>
           </a:xfrm>
           <a:prstGeom prst="rect">
             <a:avLst/>
@@ -20195,13 +20105,105 @@
               <a:rPr lang="ko-KR" altLang="en-US" sz="2000" b="1" dirty="0" smtClean="0"/>
               <a:t> 사용하기</a:t>
             </a:r>
-            <a:endParaRPr lang="en-US" altLang="ko-KR" dirty="0"/>
+            <a:endParaRPr lang="en-US" altLang="ko-KR" sz="2000" b="1" dirty="0" smtClean="0"/>
+          </a:p>
+          <a:p>
+            <a:pPr>
+              <a:lnSpc>
+                <a:spcPct val="150000"/>
+              </a:lnSpc>
+            </a:pPr>
+            <a:r>
+              <a:rPr lang="en-US" altLang="ko-KR" sz="1600" dirty="0" err="1" smtClean="0"/>
+              <a:t>HttpSession</a:t>
+            </a:r>
+            <a:r>
+              <a:rPr lang="en-US" altLang="ko-KR" sz="1600" dirty="0"/>
+              <a:t> </a:t>
+            </a:r>
+            <a:r>
+              <a:rPr lang="en-US" altLang="ko-KR" sz="1600" dirty="0" smtClean="0"/>
+              <a:t>– Java EE API</a:t>
+            </a:r>
+            <a:r>
+              <a:rPr lang="ko-KR" altLang="en-US" sz="1600" dirty="0" smtClean="0"/>
+              <a:t>로 검색</a:t>
+            </a:r>
+            <a:endParaRPr lang="en-US" altLang="ko-KR" sz="1600" dirty="0" smtClean="0"/>
+          </a:p>
+          <a:p>
+            <a:pPr>
+              <a:lnSpc>
+                <a:spcPct val="150000"/>
+              </a:lnSpc>
+            </a:pPr>
+            <a:r>
+              <a:rPr lang="ko-KR" altLang="en-US" sz="1600" dirty="0" err="1" smtClean="0"/>
+              <a:t>서블릿에서</a:t>
+            </a:r>
+            <a:r>
+              <a:rPr lang="ko-KR" altLang="en-US" sz="1600" dirty="0" smtClean="0"/>
+              <a:t> 세션을 이용하려면 </a:t>
+            </a:r>
+            <a:r>
+              <a:rPr lang="en-US" altLang="ko-KR" sz="1600" dirty="0" err="1" smtClean="0"/>
+              <a:t>HttpSession</a:t>
+            </a:r>
+            <a:r>
+              <a:rPr lang="en-US" altLang="ko-KR" sz="1600" dirty="0" smtClean="0"/>
+              <a:t> </a:t>
+            </a:r>
+            <a:r>
+              <a:rPr lang="ko-KR" altLang="en-US" sz="1600" dirty="0" smtClean="0"/>
+              <a:t>인터페이스의 객체를 생성해야 한다</a:t>
+            </a:r>
+            <a:r>
+              <a:rPr lang="en-US" altLang="ko-KR" sz="1600" dirty="0" smtClean="0"/>
+              <a:t>. </a:t>
+            </a:r>
+            <a:r>
+              <a:rPr lang="en-US" altLang="ko-KR" sz="1600" dirty="0" err="1" smtClean="0"/>
+              <a:t>HttpSession</a:t>
+            </a:r>
+            <a:r>
+              <a:rPr lang="ko-KR" altLang="en-US" sz="1600" dirty="0" smtClean="0"/>
+              <a:t>객체는 </a:t>
+            </a:r>
+            <a:r>
+              <a:rPr lang="en-US" altLang="ko-KR" sz="1600" dirty="0" err="1" smtClean="0"/>
+              <a:t>HttpServletRequest</a:t>
+            </a:r>
+            <a:r>
+              <a:rPr lang="ko-KR" altLang="en-US" sz="1600" dirty="0" smtClean="0"/>
+              <a:t>의 </a:t>
+            </a:r>
+            <a:r>
+              <a:rPr lang="en-US" altLang="ko-KR" sz="1600" dirty="0" err="1" smtClean="0"/>
+              <a:t>getSession</a:t>
+            </a:r>
+            <a:r>
+              <a:rPr lang="en-US" altLang="ko-KR" sz="1600" dirty="0" smtClean="0"/>
+              <a:t>() </a:t>
+            </a:r>
+            <a:r>
+              <a:rPr lang="ko-KR" altLang="en-US" sz="1600" dirty="0" err="1" smtClean="0"/>
+              <a:t>메서드를</a:t>
+            </a:r>
+            <a:r>
+              <a:rPr lang="ko-KR" altLang="en-US" sz="1600" dirty="0" smtClean="0"/>
+              <a:t> 호출해서 생성한다</a:t>
+            </a:r>
+            <a:r>
+              <a:rPr lang="en-US" altLang="ko-KR" sz="1600" dirty="0" smtClean="0"/>
+              <a:t>. </a:t>
+            </a:r>
+            <a:endParaRPr lang="en-US" altLang="ko-KR" sz="1600" dirty="0"/>
           </a:p>
         </p:txBody>
       </p:sp>
       <p:pic>
         <p:nvPicPr>
-          <p:cNvPr id="3" name="그림 2"/>
+          <p:cNvPr id="12" name="그림 11"/>
           <p:cNvPicPr>
             <a:picLocks noChangeAspect="1"/>
           </p:cNvPicPr>
@@ -20221,17 +20223,16 @@
         </p:blipFill>
         <p:spPr>
           <a:xfrm>
-            <a:off x="632520" y="2276872"/>
-            <a:ext cx="8704187" cy="3024336"/>
+            <a:off x="848544" y="2924944"/>
+            <a:ext cx="4914419" cy="3146096"/>
           </a:xfrm>
           <a:prstGeom prst="rect">
             <a:avLst/>
           </a:prstGeom>
           <a:ln>
             <a:solidFill>
-              <a:schemeClr val="accent6">
-                <a:lumMod val="20000"/>
-                <a:lumOff val="80000"/>
+              <a:schemeClr val="bg1">
+                <a:lumMod val="85000"/>
               </a:schemeClr>
             </a:solidFill>
           </a:ln>
@@ -20239,7 +20240,7 @@
       </p:pic>
       <p:pic>
         <p:nvPicPr>
-          <p:cNvPr id="4" name="그림 3"/>
+          <p:cNvPr id="11" name="그림 10"/>
           <p:cNvPicPr>
             <a:picLocks noChangeAspect="1"/>
           </p:cNvPicPr>
@@ -20259,8 +20260,8 @@
         </p:blipFill>
         <p:spPr>
           <a:xfrm>
-            <a:off x="652358" y="1629116"/>
-            <a:ext cx="5738358" cy="647756"/>
+            <a:off x="3512840" y="4365104"/>
+            <a:ext cx="6002432" cy="1594723"/>
           </a:xfrm>
           <a:prstGeom prst="rect">
             <a:avLst/>
@@ -20277,7 +20278,7 @@
     </p:spTree>
     <p:extLst>
       <p:ext uri="{BB962C8B-B14F-4D97-AF65-F5344CB8AC3E}">
-        <p14:creationId xmlns:p14="http://schemas.microsoft.com/office/powerpoint/2010/main" val="2945592566"/>
+        <p14:creationId xmlns:p14="http://schemas.microsoft.com/office/powerpoint/2010/main" val="2556190687"/>
       </p:ext>
     </p:extLst>
   </p:cSld>
@@ -20412,7 +20413,7 @@
       </p:sp>
       <p:pic>
         <p:nvPicPr>
-          <p:cNvPr id="4" name="그림 3"/>
+          <p:cNvPr id="3" name="그림 2"/>
           <p:cNvPicPr>
             <a:picLocks noChangeAspect="1"/>
           </p:cNvPicPr>
@@ -20432,8 +20433,8 @@
         </p:blipFill>
         <p:spPr>
           <a:xfrm>
-            <a:off x="992560" y="1737319"/>
-            <a:ext cx="3779848" cy="1470788"/>
+            <a:off x="632520" y="2276872"/>
+            <a:ext cx="8704187" cy="3024336"/>
           </a:xfrm>
           <a:prstGeom prst="rect">
             <a:avLst/>
@@ -20450,7 +20451,7 @@
       </p:pic>
       <p:pic>
         <p:nvPicPr>
-          <p:cNvPr id="6" name="그림 5"/>
+          <p:cNvPr id="4" name="그림 3"/>
           <p:cNvPicPr>
             <a:picLocks noChangeAspect="1"/>
           </p:cNvPicPr>
@@ -20470,6 +20471,217 @@
         </p:blipFill>
         <p:spPr>
           <a:xfrm>
+            <a:off x="652358" y="1629116"/>
+            <a:ext cx="5738358" cy="647756"/>
+          </a:xfrm>
+          <a:prstGeom prst="rect">
+            <a:avLst/>
+          </a:prstGeom>
+          <a:ln>
+            <a:solidFill>
+              <a:schemeClr val="bg1">
+                <a:lumMod val="85000"/>
+              </a:schemeClr>
+            </a:solidFill>
+          </a:ln>
+        </p:spPr>
+      </p:pic>
+    </p:spTree>
+    <p:extLst>
+      <p:ext uri="{BB962C8B-B14F-4D97-AF65-F5344CB8AC3E}">
+        <p14:creationId xmlns:p14="http://schemas.microsoft.com/office/powerpoint/2010/main" val="2945592566"/>
+      </p:ext>
+    </p:extLst>
+  </p:cSld>
+  <p:clrMapOvr>
+    <a:masterClrMapping/>
+  </p:clrMapOvr>
+  <p:timing>
+    <p:tnLst>
+      <p:par>
+        <p:cTn id="1" dur="indefinite" restart="never" nodeType="tmRoot"/>
+      </p:par>
+    </p:tnLst>
+  </p:timing>
+</p:sld>
+</file>
+
+<file path=ppt/slides/slide48.xml><?xml version="1.0" encoding="utf-8"?>
+<p:sld xmlns:a="http://schemas.openxmlformats.org/drawingml/2006/main" xmlns:r="http://schemas.openxmlformats.org/officeDocument/2006/relationships" xmlns:p="http://schemas.openxmlformats.org/presentationml/2006/main">
+  <p:cSld>
+    <p:spTree>
+      <p:nvGrpSpPr>
+        <p:cNvPr id="1" name=""/>
+        <p:cNvGrpSpPr/>
+        <p:nvPr/>
+      </p:nvGrpSpPr>
+      <p:grpSpPr>
+        <a:xfrm>
+          <a:off x="0" y="0"/>
+          <a:ext cx="0" cy="0"/>
+          <a:chOff x="0" y="0"/>
+          <a:chExt cx="0" cy="0"/>
+        </a:xfrm>
+      </p:grpSpPr>
+      <p:sp>
+        <p:nvSpPr>
+          <p:cNvPr id="15" name="제목 5"/>
+          <p:cNvSpPr txBox="1">
+            <a:spLocks/>
+          </p:cNvSpPr>
+          <p:nvPr/>
+        </p:nvSpPr>
+        <p:spPr>
+          <a:xfrm>
+            <a:off x="0" y="-27384"/>
+            <a:ext cx="7995338" cy="854968"/>
+          </a:xfrm>
+          <a:prstGeom prst="rect">
+            <a:avLst/>
+          </a:prstGeom>
+        </p:spPr>
+        <p:txBody>
+          <a:bodyPr anchor="ctr" anchorCtr="0"/>
+          <a:lstStyle>
+            <a:lvl1pPr algn="l" defTabSz="914400" rtl="0" eaLnBrk="1" latinLnBrk="1" hangingPunct="1">
+              <a:spcBef>
+                <a:spcPct val="0"/>
+              </a:spcBef>
+              <a:buNone/>
+              <a:defRPr sz="3200" kern="1200">
+                <a:solidFill>
+                  <a:schemeClr val="bg1"/>
+                </a:solidFill>
+                <a:latin typeface="HY헤드라인M" panose="02030600000101010101" pitchFamily="18" charset="-127"/>
+                <a:ea typeface="HY헤드라인M" panose="02030600000101010101" pitchFamily="18" charset="-127"/>
+                <a:cs typeface="+mj-cs"/>
+              </a:defRPr>
+            </a:lvl1pPr>
+          </a:lstStyle>
+          <a:p>
+            <a:r>
+              <a:rPr lang="en-US" altLang="ko-KR" dirty="0" smtClean="0"/>
+              <a:t>  </a:t>
+            </a:r>
+            <a:r>
+              <a:rPr lang="ko-KR" altLang="en-US" dirty="0" smtClean="0"/>
+              <a:t>세션</a:t>
+            </a:r>
+            <a:r>
+              <a:rPr lang="en-US" altLang="ko-KR" dirty="0"/>
+              <a:t>(session)</a:t>
+            </a:r>
+            <a:endParaRPr lang="ko-KR" altLang="en-US" dirty="0"/>
+          </a:p>
+        </p:txBody>
+      </p:sp>
+      <p:sp>
+        <p:nvSpPr>
+          <p:cNvPr id="5" name="TextBox 4"/>
+          <p:cNvSpPr txBox="1"/>
+          <p:nvPr/>
+        </p:nvSpPr>
+        <p:spPr>
+          <a:xfrm>
+            <a:off x="776536" y="980728"/>
+            <a:ext cx="8496944" cy="553998"/>
+          </a:xfrm>
+          <a:prstGeom prst="rect">
+            <a:avLst/>
+          </a:prstGeom>
+          <a:noFill/>
+        </p:spPr>
+        <p:txBody>
+          <a:bodyPr wrap="square" rtlCol="0">
+            <a:spAutoFit/>
+          </a:bodyPr>
+          <a:lstStyle/>
+          <a:p>
+            <a:pPr>
+              <a:lnSpc>
+                <a:spcPct val="150000"/>
+              </a:lnSpc>
+            </a:pPr>
+            <a:r>
+              <a:rPr lang="ko-KR" altLang="en-US" sz="2000" b="1" dirty="0" err="1" smtClean="0"/>
+              <a:t>서블릿에서</a:t>
+            </a:r>
+            <a:r>
+              <a:rPr lang="ko-KR" altLang="en-US" sz="2000" b="1" dirty="0" smtClean="0"/>
+              <a:t> 세</a:t>
+            </a:r>
+            <a:r>
+              <a:rPr lang="ko-KR" altLang="en-US" sz="2000" b="1" dirty="0"/>
+              <a:t>션</a:t>
+            </a:r>
+            <a:r>
+              <a:rPr lang="ko-KR" altLang="en-US" sz="2000" b="1" dirty="0" smtClean="0"/>
+              <a:t> 사용하기</a:t>
+            </a:r>
+            <a:endParaRPr lang="en-US" altLang="ko-KR" dirty="0"/>
+          </a:p>
+        </p:txBody>
+      </p:sp>
+      <p:pic>
+        <p:nvPicPr>
+          <p:cNvPr id="4" name="그림 3"/>
+          <p:cNvPicPr>
+            <a:picLocks noChangeAspect="1"/>
+          </p:cNvPicPr>
+          <p:nvPr/>
+        </p:nvPicPr>
+        <p:blipFill>
+          <a:blip r:embed="rId2">
+            <a:extLst>
+              <a:ext uri="{28A0092B-C50C-407E-A947-70E740481C1C}">
+                <a14:useLocalDpi xmlns:a14="http://schemas.microsoft.com/office/drawing/2010/main" val="0"/>
+              </a:ext>
+            </a:extLst>
+          </a:blip>
+          <a:stretch>
+            <a:fillRect/>
+          </a:stretch>
+        </p:blipFill>
+        <p:spPr>
+          <a:xfrm>
+            <a:off x="992560" y="1737319"/>
+            <a:ext cx="3779848" cy="1470788"/>
+          </a:xfrm>
+          <a:prstGeom prst="rect">
+            <a:avLst/>
+          </a:prstGeom>
+          <a:ln>
+            <a:solidFill>
+              <a:schemeClr val="accent6">
+                <a:lumMod val="20000"/>
+                <a:lumOff val="80000"/>
+              </a:schemeClr>
+            </a:solidFill>
+          </a:ln>
+        </p:spPr>
+      </p:pic>
+      <p:pic>
+        <p:nvPicPr>
+          <p:cNvPr id="6" name="그림 5"/>
+          <p:cNvPicPr>
+            <a:picLocks noChangeAspect="1"/>
+          </p:cNvPicPr>
+          <p:nvPr/>
+        </p:nvPicPr>
+        <p:blipFill>
+          <a:blip r:embed="rId3">
+            <a:extLst>
+              <a:ext uri="{28A0092B-C50C-407E-A947-70E740481C1C}">
+                <a14:useLocalDpi xmlns:a14="http://schemas.microsoft.com/office/drawing/2010/main" val="0"/>
+              </a:ext>
+            </a:extLst>
+          </a:blip>
+          <a:stretch>
+            <a:fillRect/>
+          </a:stretch>
+        </p:blipFill>
+        <p:spPr>
+          <a:xfrm>
             <a:off x="5169024" y="1737319"/>
             <a:ext cx="3680255" cy="1259634"/>
           </a:xfrm>
@@ -20598,7 +20810,7 @@
           <p:cNvPr id="10" name="모서리가 둥근 직사각형 9">
             <a:extLst>
               <a:ext uri="{FF2B5EF4-FFF2-40B4-BE49-F238E27FC236}">
-                <a16:creationId xmlns:a16="http://schemas.microsoft.com/office/drawing/2014/main" xmlns="" id="{792DA8B4-17B2-454B-97AC-17311A4832C5}"/>
+                <a16:creationId xmlns:a16="http://schemas.microsoft.com/office/drawing/2014/main" id="{792DA8B4-17B2-454B-97AC-17311A4832C5}"/>
               </a:ext>
             </a:extLst>
           </p:cNvPr>
@@ -20749,7 +20961,7 @@
           <p:cNvPr id="16" name="모서리가 둥근 직사각형 15">
             <a:extLst>
               <a:ext uri="{FF2B5EF4-FFF2-40B4-BE49-F238E27FC236}">
-                <a16:creationId xmlns:a16="http://schemas.microsoft.com/office/drawing/2014/main" xmlns="" id="{792DA8B4-17B2-454B-97AC-17311A4832C5}"/>
+                <a16:creationId xmlns:a16="http://schemas.microsoft.com/office/drawing/2014/main" id="{792DA8B4-17B2-454B-97AC-17311A4832C5}"/>
               </a:ext>
             </a:extLst>
           </p:cNvPr>
@@ -20952,7 +21164,7 @@
 </p:sld>
 </file>
 
-<file path=ppt/slides/slide48.xml><?xml version="1.0" encoding="utf-8"?>
+<file path=ppt/slides/slide49.xml><?xml version="1.0" encoding="utf-8"?>
 <p:sld xmlns:a="http://schemas.openxmlformats.org/drawingml/2006/main" xmlns:r="http://schemas.openxmlformats.org/officeDocument/2006/relationships" xmlns:p="http://schemas.openxmlformats.org/presentationml/2006/main">
   <p:cSld>
     <p:spTree>
@@ -21199,7 +21411,7 @@
           <p:cNvPr id="19" name="모서리가 둥근 직사각형 18">
             <a:extLst>
               <a:ext uri="{FF2B5EF4-FFF2-40B4-BE49-F238E27FC236}">
-                <a16:creationId xmlns:a16="http://schemas.microsoft.com/office/drawing/2014/main" xmlns="" id="{792DA8B4-17B2-454B-97AC-17311A4832C5}"/>
+                <a16:creationId xmlns:a16="http://schemas.microsoft.com/office/drawing/2014/main" id="{792DA8B4-17B2-454B-97AC-17311A4832C5}"/>
               </a:ext>
             </a:extLst>
           </p:cNvPr>
@@ -21292,7 +21504,7 @@
           <p:cNvPr id="21" name="모서리가 둥근 직사각형 20">
             <a:extLst>
               <a:ext uri="{FF2B5EF4-FFF2-40B4-BE49-F238E27FC236}">
-                <a16:creationId xmlns:a16="http://schemas.microsoft.com/office/drawing/2014/main" xmlns="" id="{792DA8B4-17B2-454B-97AC-17311A4832C5}"/>
+                <a16:creationId xmlns:a16="http://schemas.microsoft.com/office/drawing/2014/main" id="{792DA8B4-17B2-454B-97AC-17311A4832C5}"/>
               </a:ext>
             </a:extLst>
           </p:cNvPr>
@@ -21347,7 +21559,7 @@
           <p:cNvPr id="22" name="모서리가 둥근 직사각형 21">
             <a:extLst>
               <a:ext uri="{FF2B5EF4-FFF2-40B4-BE49-F238E27FC236}">
-                <a16:creationId xmlns:a16="http://schemas.microsoft.com/office/drawing/2014/main" xmlns="" id="{792DA8B4-17B2-454B-97AC-17311A4832C5}"/>
+                <a16:creationId xmlns:a16="http://schemas.microsoft.com/office/drawing/2014/main" id="{792DA8B4-17B2-454B-97AC-17311A4832C5}"/>
               </a:ext>
             </a:extLst>
           </p:cNvPr>
@@ -21541,7 +21753,7 @@
           <p:cNvPr id="29" name="모서리가 둥근 직사각형 28">
             <a:extLst>
               <a:ext uri="{FF2B5EF4-FFF2-40B4-BE49-F238E27FC236}">
-                <a16:creationId xmlns:a16="http://schemas.microsoft.com/office/drawing/2014/main" xmlns="" id="{792DA8B4-17B2-454B-97AC-17311A4832C5}"/>
+                <a16:creationId xmlns:a16="http://schemas.microsoft.com/office/drawing/2014/main" id="{792DA8B4-17B2-454B-97AC-17311A4832C5}"/>
               </a:ext>
             </a:extLst>
           </p:cNvPr>
@@ -21852,7 +22064,7 @@
 </p:sld>
 </file>
 
-<file path=ppt/slides/slide49.xml><?xml version="1.0" encoding="utf-8"?>
+<file path=ppt/slides/slide5.xml><?xml version="1.0" encoding="utf-8"?>
 <p:sld xmlns:a="http://schemas.openxmlformats.org/drawingml/2006/main" xmlns:r="http://schemas.openxmlformats.org/officeDocument/2006/relationships" xmlns:p="http://schemas.openxmlformats.org/presentationml/2006/main">
   <p:cSld>
     <p:spTree>
@@ -21907,6 +22119,387 @@
           <a:p>
             <a:r>
               <a:rPr lang="en-US" altLang="ko-KR" dirty="0" smtClean="0"/>
+              <a:t> </a:t>
+            </a:r>
+            <a:r>
+              <a:rPr lang="ko-KR" altLang="en-US" b="1" dirty="0" err="1">
+                <a:latin typeface="휴먼엑스포" panose="02030504000101010101" pitchFamily="18" charset="-127"/>
+                <a:ea typeface="휴먼엑스포" panose="02030504000101010101" pitchFamily="18" charset="-127"/>
+              </a:rPr>
+              <a:t>서블릿</a:t>
+            </a:r>
+            <a:r>
+              <a:rPr lang="ko-KR" altLang="en-US" b="1" dirty="0">
+                <a:latin typeface="휴먼엑스포" panose="02030504000101010101" pitchFamily="18" charset="-127"/>
+                <a:ea typeface="휴먼엑스포" panose="02030504000101010101" pitchFamily="18" charset="-127"/>
+              </a:rPr>
+              <a:t> </a:t>
+            </a:r>
+            <a:r>
+              <a:rPr lang="en-US" altLang="ko-KR" b="1" dirty="0">
+                <a:latin typeface="휴먼엑스포" panose="02030504000101010101" pitchFamily="18" charset="-127"/>
+                <a:ea typeface="휴먼엑스포" panose="02030504000101010101" pitchFamily="18" charset="-127"/>
+              </a:rPr>
+              <a:t>– Servlet</a:t>
+            </a:r>
+            <a:endParaRPr lang="ko-KR" altLang="en-US" dirty="0"/>
+          </a:p>
+        </p:txBody>
+      </p:sp>
+      <p:sp>
+        <p:nvSpPr>
+          <p:cNvPr id="7" name="TextBox 6"/>
+          <p:cNvSpPr txBox="1"/>
+          <p:nvPr/>
+        </p:nvSpPr>
+        <p:spPr>
+          <a:xfrm>
+            <a:off x="632520" y="1065217"/>
+            <a:ext cx="8928992" cy="3708708"/>
+          </a:xfrm>
+          <a:prstGeom prst="rect">
+            <a:avLst/>
+          </a:prstGeom>
+          <a:noFill/>
+        </p:spPr>
+        <p:txBody>
+          <a:bodyPr wrap="square" rtlCol="0">
+            <a:spAutoFit/>
+          </a:bodyPr>
+          <a:lstStyle/>
+          <a:p>
+            <a:pPr>
+              <a:lnSpc>
+                <a:spcPct val="200000"/>
+              </a:lnSpc>
+            </a:pPr>
+            <a:r>
+              <a:rPr lang="ko-KR" altLang="en-US" sz="2000" b="1" dirty="0" err="1" smtClean="0"/>
+              <a:t>서블릿</a:t>
+            </a:r>
+            <a:r>
+              <a:rPr lang="ko-KR" altLang="en-US" sz="2000" b="1" dirty="0" smtClean="0"/>
+              <a:t> </a:t>
+            </a:r>
+            <a:r>
+              <a:rPr lang="en-US" altLang="ko-KR" sz="2000" b="1" dirty="0" smtClean="0"/>
+              <a:t>vs </a:t>
+            </a:r>
+            <a:r>
+              <a:rPr lang="en-US" altLang="ko-KR" sz="2000" b="1" dirty="0" smtClean="0">
+                <a:solidFill>
+                  <a:srgbClr val="0070C0"/>
+                </a:solidFill>
+              </a:rPr>
+              <a:t>JSP</a:t>
+            </a:r>
+          </a:p>
+          <a:p>
+            <a:pPr>
+              <a:lnSpc>
+                <a:spcPct val="150000"/>
+              </a:lnSpc>
+            </a:pPr>
+            <a:r>
+              <a:rPr lang="ko-KR" altLang="en-US" sz="1600" dirty="0" err="1" smtClean="0"/>
+              <a:t>서블릿은</a:t>
+            </a:r>
+            <a:r>
+              <a:rPr lang="ko-KR" altLang="en-US" sz="1600" dirty="0" smtClean="0"/>
+              <a:t> </a:t>
+            </a:r>
+            <a:r>
+              <a:rPr lang="ko-KR" altLang="en-US" sz="1600" dirty="0" err="1" smtClean="0"/>
+              <a:t>서버쪽에서</a:t>
+            </a:r>
+            <a:r>
+              <a:rPr lang="ko-KR" altLang="en-US" sz="1600" dirty="0" smtClean="0"/>
+              <a:t> 실행되면서 클라이언트의 요청에 따라 동적으로 서비스를 제공하는 </a:t>
+            </a:r>
+            <a:r>
+              <a:rPr lang="ko-KR" altLang="en-US" sz="1600" b="1" dirty="0" smtClean="0">
+                <a:solidFill>
+                  <a:srgbClr val="C00000"/>
+                </a:solidFill>
+              </a:rPr>
+              <a:t>자바 클래스 이다</a:t>
+            </a:r>
+            <a:r>
+              <a:rPr lang="en-US" altLang="ko-KR" sz="1600" b="1" dirty="0" smtClean="0">
+                <a:solidFill>
+                  <a:srgbClr val="C00000"/>
+                </a:solidFill>
+              </a:rPr>
+              <a:t>.</a:t>
+            </a:r>
+            <a:r>
+              <a:rPr lang="en-US" altLang="ko-KR" b="1" dirty="0">
+                <a:solidFill>
+                  <a:srgbClr val="0070C0"/>
+                </a:solidFill>
+              </a:rPr>
+              <a:t> </a:t>
+            </a:r>
+            <a:endParaRPr lang="en-US" altLang="ko-KR" b="1" dirty="0" smtClean="0">
+              <a:solidFill>
+                <a:srgbClr val="0070C0"/>
+              </a:solidFill>
+            </a:endParaRPr>
+          </a:p>
+          <a:p>
+            <a:pPr>
+              <a:lnSpc>
+                <a:spcPct val="150000"/>
+              </a:lnSpc>
+            </a:pPr>
+            <a:r>
+              <a:rPr lang="ko-KR" altLang="en-US" sz="1600" dirty="0" err="1" smtClean="0"/>
+              <a:t>서블릿의</a:t>
+            </a:r>
+            <a:r>
+              <a:rPr lang="ko-KR" altLang="en-US" sz="1600" dirty="0" smtClean="0"/>
+              <a:t> 문제점을 보완하여 등장한 것이 </a:t>
+            </a:r>
+            <a:r>
+              <a:rPr lang="en-US" altLang="ko-KR" sz="1600" b="1" dirty="0" smtClean="0">
+                <a:solidFill>
+                  <a:srgbClr val="0070C0"/>
+                </a:solidFill>
+              </a:rPr>
+              <a:t>JSP(Java Server Pages)</a:t>
+            </a:r>
+            <a:r>
+              <a:rPr lang="ko-KR" altLang="en-US" sz="1600" dirty="0" smtClean="0"/>
+              <a:t>이다</a:t>
+            </a:r>
+            <a:r>
+              <a:rPr lang="en-US" altLang="ko-KR" sz="1600" dirty="0" smtClean="0"/>
+              <a:t>.</a:t>
+            </a:r>
+          </a:p>
+          <a:p>
+            <a:pPr>
+              <a:lnSpc>
+                <a:spcPct val="150000"/>
+              </a:lnSpc>
+            </a:pPr>
+            <a:r>
+              <a:rPr lang="ko-KR" altLang="en-US" sz="1600" dirty="0" smtClean="0"/>
+              <a:t>화면의 기능이나 구성이 복잡해짐에 따라 사용자를 고려하는 요구사항이 늘어났고 디자이너의 경우 화면의 수월한 기능 구현과 개발 후의 화면의 편리한 유지관리를 목적으로 도입 된 것이다</a:t>
+            </a:r>
+            <a:r>
+              <a:rPr lang="en-US" altLang="ko-KR" sz="1600" dirty="0" smtClean="0"/>
+              <a:t>.</a:t>
+            </a:r>
+          </a:p>
+          <a:p>
+            <a:pPr>
+              <a:lnSpc>
+                <a:spcPct val="150000"/>
+              </a:lnSpc>
+            </a:pPr>
+            <a:endParaRPr lang="en-US" altLang="ko-KR" sz="1600" dirty="0" smtClean="0"/>
+          </a:p>
+          <a:p>
+            <a:pPr>
+              <a:lnSpc>
+                <a:spcPct val="150000"/>
+              </a:lnSpc>
+            </a:pPr>
+            <a:r>
+              <a:rPr lang="ko-KR" altLang="en-US" sz="1600" dirty="0" smtClean="0"/>
+              <a:t>현재는 웹 애플리케이션을 개발할 때 </a:t>
+            </a:r>
+            <a:r>
+              <a:rPr lang="en-US" altLang="ko-KR" sz="1600" dirty="0" smtClean="0">
+                <a:solidFill>
+                  <a:srgbClr val="0070C0"/>
+                </a:solidFill>
+              </a:rPr>
+              <a:t>JSP</a:t>
+            </a:r>
+            <a:r>
+              <a:rPr lang="ko-KR" altLang="en-US" sz="1600" dirty="0" smtClean="0"/>
+              <a:t>는 화면 계층</a:t>
+            </a:r>
+            <a:r>
+              <a:rPr lang="en-US" altLang="ko-KR" sz="1600" dirty="0" smtClean="0"/>
+              <a:t>(</a:t>
+            </a:r>
+            <a:r>
+              <a:rPr lang="ko-KR" altLang="en-US" sz="1600" dirty="0" smtClean="0"/>
+              <a:t>프레젠테이</a:t>
+            </a:r>
+            <a:r>
+              <a:rPr lang="ko-KR" altLang="en-US" sz="1600" dirty="0"/>
+              <a:t>션</a:t>
+            </a:r>
+            <a:r>
+              <a:rPr lang="ko-KR" altLang="en-US" sz="1600" dirty="0" smtClean="0"/>
+              <a:t> 계층</a:t>
+            </a:r>
+            <a:r>
+              <a:rPr lang="en-US" altLang="ko-KR" sz="1600" dirty="0" smtClean="0"/>
+              <a:t>)</a:t>
+            </a:r>
+            <a:r>
+              <a:rPr lang="ko-KR" altLang="en-US" sz="1600" dirty="0" smtClean="0"/>
+              <a:t>으로 </a:t>
+            </a:r>
+            <a:r>
+              <a:rPr lang="ko-KR" altLang="en-US" sz="1600" dirty="0" err="1" smtClean="0"/>
+              <a:t>서블릿은</a:t>
+            </a:r>
+            <a:r>
+              <a:rPr lang="ko-KR" altLang="en-US" sz="1600" dirty="0" smtClean="0"/>
+              <a:t> 비즈니스 </a:t>
+            </a:r>
+            <a:r>
+              <a:rPr lang="ko-KR" altLang="en-US" sz="1600" dirty="0" err="1" smtClean="0"/>
+              <a:t>로직</a:t>
+            </a:r>
+            <a:r>
+              <a:rPr lang="en-US" altLang="ko-KR" sz="1600" dirty="0" smtClean="0"/>
+              <a:t>(Controller)</a:t>
+            </a:r>
+            <a:r>
+              <a:rPr lang="ko-KR" altLang="en-US" sz="1600" dirty="0" smtClean="0"/>
+              <a:t>으로 역할을 나누어 기능을 구현하고 있다</a:t>
+            </a:r>
+            <a:r>
+              <a:rPr lang="en-US" altLang="ko-KR" sz="1600" b="1" dirty="0" smtClean="0">
+                <a:solidFill>
+                  <a:srgbClr val="C00000"/>
+                </a:solidFill>
+              </a:rPr>
+              <a:t>.(</a:t>
+            </a:r>
+            <a:r>
+              <a:rPr lang="ko-KR" altLang="en-US" sz="1600" b="1" dirty="0" smtClean="0">
+                <a:solidFill>
+                  <a:srgbClr val="C00000"/>
+                </a:solidFill>
+              </a:rPr>
+              <a:t>모델</a:t>
+            </a:r>
+            <a:r>
+              <a:rPr lang="en-US" altLang="ko-KR" sz="1600" b="1" dirty="0" smtClean="0">
+                <a:solidFill>
+                  <a:srgbClr val="C00000"/>
+                </a:solidFill>
+              </a:rPr>
+              <a:t>2 </a:t>
+            </a:r>
+            <a:r>
+              <a:rPr lang="ko-KR" altLang="en-US" sz="1600" b="1" dirty="0" smtClean="0">
+                <a:solidFill>
+                  <a:srgbClr val="C00000"/>
+                </a:solidFill>
+              </a:rPr>
+              <a:t>방식</a:t>
+            </a:r>
+            <a:r>
+              <a:rPr lang="en-US" altLang="ko-KR" sz="1600" b="1" dirty="0" smtClean="0">
+                <a:solidFill>
+                  <a:srgbClr val="C00000"/>
+                </a:solidFill>
+              </a:rPr>
+              <a:t>- MVC </a:t>
+            </a:r>
+            <a:r>
+              <a:rPr lang="ko-KR" altLang="en-US" sz="1600" b="1" dirty="0" smtClean="0">
+                <a:solidFill>
+                  <a:srgbClr val="C00000"/>
+                </a:solidFill>
+              </a:rPr>
+              <a:t>패턴</a:t>
+            </a:r>
+            <a:r>
+              <a:rPr lang="en-US" altLang="ko-KR" sz="1600" b="1" dirty="0" smtClean="0">
+                <a:solidFill>
+                  <a:srgbClr val="C00000"/>
+                </a:solidFill>
+              </a:rPr>
+              <a:t>)</a:t>
+            </a:r>
+          </a:p>
+        </p:txBody>
+      </p:sp>
+    </p:spTree>
+    <p:extLst>
+      <p:ext uri="{BB962C8B-B14F-4D97-AF65-F5344CB8AC3E}">
+        <p14:creationId xmlns:p14="http://schemas.microsoft.com/office/powerpoint/2010/main" val="2241920699"/>
+      </p:ext>
+    </p:extLst>
+  </p:cSld>
+  <p:clrMapOvr>
+    <a:masterClrMapping/>
+  </p:clrMapOvr>
+  <p:timing>
+    <p:tnLst>
+      <p:par>
+        <p:cTn id="1" dur="indefinite" restart="never" nodeType="tmRoot"/>
+      </p:par>
+    </p:tnLst>
+  </p:timing>
+</p:sld>
+</file>
+
+<file path=ppt/slides/slide50.xml><?xml version="1.0" encoding="utf-8"?>
+<p:sld xmlns:a="http://schemas.openxmlformats.org/drawingml/2006/main" xmlns:r="http://schemas.openxmlformats.org/officeDocument/2006/relationships" xmlns:p="http://schemas.openxmlformats.org/presentationml/2006/main">
+  <p:cSld>
+    <p:spTree>
+      <p:nvGrpSpPr>
+        <p:cNvPr id="1" name=""/>
+        <p:cNvGrpSpPr/>
+        <p:nvPr/>
+      </p:nvGrpSpPr>
+      <p:grpSpPr>
+        <a:xfrm>
+          <a:off x="0" y="0"/>
+          <a:ext cx="0" cy="0"/>
+          <a:chOff x="0" y="0"/>
+          <a:chExt cx="0" cy="0"/>
+        </a:xfrm>
+      </p:grpSpPr>
+      <p:sp>
+        <p:nvSpPr>
+          <p:cNvPr id="15" name="제목 5"/>
+          <p:cNvSpPr txBox="1">
+            <a:spLocks/>
+          </p:cNvSpPr>
+          <p:nvPr/>
+        </p:nvSpPr>
+        <p:spPr>
+          <a:xfrm>
+            <a:off x="0" y="-27384"/>
+            <a:ext cx="7995338" cy="854968"/>
+          </a:xfrm>
+          <a:prstGeom prst="rect">
+            <a:avLst/>
+          </a:prstGeom>
+        </p:spPr>
+        <p:txBody>
+          <a:bodyPr anchor="ctr" anchorCtr="0"/>
+          <a:lstStyle>
+            <a:lvl1pPr algn="l" defTabSz="914400" rtl="0" eaLnBrk="1" latinLnBrk="1" hangingPunct="1">
+              <a:spcBef>
+                <a:spcPct val="0"/>
+              </a:spcBef>
+              <a:buNone/>
+              <a:defRPr sz="3200" kern="1200">
+                <a:solidFill>
+                  <a:schemeClr val="bg1"/>
+                </a:solidFill>
+                <a:latin typeface="HY헤드라인M" panose="02030600000101010101" pitchFamily="18" charset="-127"/>
+                <a:ea typeface="HY헤드라인M" panose="02030600000101010101" pitchFamily="18" charset="-127"/>
+                <a:cs typeface="+mj-cs"/>
+              </a:defRPr>
+            </a:lvl1pPr>
+          </a:lstStyle>
+          <a:p>
+            <a:r>
+              <a:rPr lang="en-US" altLang="ko-KR" dirty="0" smtClean="0"/>
               <a:t>  </a:t>
             </a:r>
             <a:r>
@@ -22118,7 +22711,7 @@
           <p:cNvPr id="23" name="모서리가 둥근 직사각형 22">
             <a:extLst>
               <a:ext uri="{FF2B5EF4-FFF2-40B4-BE49-F238E27FC236}">
-                <a16:creationId xmlns:a16="http://schemas.microsoft.com/office/drawing/2014/main" xmlns="" id="{792DA8B4-17B2-454B-97AC-17311A4832C5}"/>
+                <a16:creationId xmlns:a16="http://schemas.microsoft.com/office/drawing/2014/main" id="{792DA8B4-17B2-454B-97AC-17311A4832C5}"/>
               </a:ext>
             </a:extLst>
           </p:cNvPr>
@@ -22267,388 +22860,7 @@
 </p:sld>
 </file>
 
-<file path=ppt/slides/slide5.xml><?xml version="1.0" encoding="utf-8"?>
-<p:sld xmlns:a="http://schemas.openxmlformats.org/drawingml/2006/main" xmlns:r="http://schemas.openxmlformats.org/officeDocument/2006/relationships" xmlns:p="http://schemas.openxmlformats.org/presentationml/2006/main">
-  <p:cSld>
-    <p:spTree>
-      <p:nvGrpSpPr>
-        <p:cNvPr id="1" name=""/>
-        <p:cNvGrpSpPr/>
-        <p:nvPr/>
-      </p:nvGrpSpPr>
-      <p:grpSpPr>
-        <a:xfrm>
-          <a:off x="0" y="0"/>
-          <a:ext cx="0" cy="0"/>
-          <a:chOff x="0" y="0"/>
-          <a:chExt cx="0" cy="0"/>
-        </a:xfrm>
-      </p:grpSpPr>
-      <p:sp>
-        <p:nvSpPr>
-          <p:cNvPr id="15" name="제목 5"/>
-          <p:cNvSpPr txBox="1">
-            <a:spLocks/>
-          </p:cNvSpPr>
-          <p:nvPr/>
-        </p:nvSpPr>
-        <p:spPr>
-          <a:xfrm>
-            <a:off x="0" y="-27384"/>
-            <a:ext cx="7995338" cy="854968"/>
-          </a:xfrm>
-          <a:prstGeom prst="rect">
-            <a:avLst/>
-          </a:prstGeom>
-        </p:spPr>
-        <p:txBody>
-          <a:bodyPr anchor="ctr" anchorCtr="0"/>
-          <a:lstStyle>
-            <a:lvl1pPr algn="l" defTabSz="914400" rtl="0" eaLnBrk="1" latinLnBrk="1" hangingPunct="1">
-              <a:spcBef>
-                <a:spcPct val="0"/>
-              </a:spcBef>
-              <a:buNone/>
-              <a:defRPr sz="3200" kern="1200">
-                <a:solidFill>
-                  <a:schemeClr val="bg1"/>
-                </a:solidFill>
-                <a:latin typeface="HY헤드라인M" panose="02030600000101010101" pitchFamily="18" charset="-127"/>
-                <a:ea typeface="HY헤드라인M" panose="02030600000101010101" pitchFamily="18" charset="-127"/>
-                <a:cs typeface="+mj-cs"/>
-              </a:defRPr>
-            </a:lvl1pPr>
-          </a:lstStyle>
-          <a:p>
-            <a:r>
-              <a:rPr lang="en-US" altLang="ko-KR" dirty="0" smtClean="0"/>
-              <a:t> </a:t>
-            </a:r>
-            <a:r>
-              <a:rPr lang="ko-KR" altLang="en-US" b="1" dirty="0" err="1">
-                <a:latin typeface="휴먼엑스포" panose="02030504000101010101" pitchFamily="18" charset="-127"/>
-                <a:ea typeface="휴먼엑스포" panose="02030504000101010101" pitchFamily="18" charset="-127"/>
-              </a:rPr>
-              <a:t>서블릿</a:t>
-            </a:r>
-            <a:r>
-              <a:rPr lang="ko-KR" altLang="en-US" b="1" dirty="0">
-                <a:latin typeface="휴먼엑스포" panose="02030504000101010101" pitchFamily="18" charset="-127"/>
-                <a:ea typeface="휴먼엑스포" panose="02030504000101010101" pitchFamily="18" charset="-127"/>
-              </a:rPr>
-              <a:t> </a:t>
-            </a:r>
-            <a:r>
-              <a:rPr lang="en-US" altLang="ko-KR" b="1" dirty="0">
-                <a:latin typeface="휴먼엑스포" panose="02030504000101010101" pitchFamily="18" charset="-127"/>
-                <a:ea typeface="휴먼엑스포" panose="02030504000101010101" pitchFamily="18" charset="-127"/>
-              </a:rPr>
-              <a:t>– Servlet</a:t>
-            </a:r>
-            <a:endParaRPr lang="ko-KR" altLang="en-US" dirty="0"/>
-          </a:p>
-        </p:txBody>
-      </p:sp>
-      <p:sp>
-        <p:nvSpPr>
-          <p:cNvPr id="7" name="TextBox 6"/>
-          <p:cNvSpPr txBox="1"/>
-          <p:nvPr/>
-        </p:nvSpPr>
-        <p:spPr>
-          <a:xfrm>
-            <a:off x="632520" y="1065217"/>
-            <a:ext cx="8928992" cy="3708708"/>
-          </a:xfrm>
-          <a:prstGeom prst="rect">
-            <a:avLst/>
-          </a:prstGeom>
-          <a:noFill/>
-        </p:spPr>
-        <p:txBody>
-          <a:bodyPr wrap="square" rtlCol="0">
-            <a:spAutoFit/>
-          </a:bodyPr>
-          <a:lstStyle/>
-          <a:p>
-            <a:pPr>
-              <a:lnSpc>
-                <a:spcPct val="200000"/>
-              </a:lnSpc>
-            </a:pPr>
-            <a:r>
-              <a:rPr lang="ko-KR" altLang="en-US" sz="2000" b="1" dirty="0" err="1" smtClean="0"/>
-              <a:t>서블릿</a:t>
-            </a:r>
-            <a:r>
-              <a:rPr lang="ko-KR" altLang="en-US" sz="2000" b="1" dirty="0" smtClean="0"/>
-              <a:t> </a:t>
-            </a:r>
-            <a:r>
-              <a:rPr lang="en-US" altLang="ko-KR" sz="2000" b="1" dirty="0" smtClean="0"/>
-              <a:t>vs </a:t>
-            </a:r>
-            <a:r>
-              <a:rPr lang="en-US" altLang="ko-KR" sz="2000" b="1" dirty="0" smtClean="0">
-                <a:solidFill>
-                  <a:srgbClr val="0070C0"/>
-                </a:solidFill>
-              </a:rPr>
-              <a:t>JSP</a:t>
-            </a:r>
-          </a:p>
-          <a:p>
-            <a:pPr>
-              <a:lnSpc>
-                <a:spcPct val="150000"/>
-              </a:lnSpc>
-            </a:pPr>
-            <a:r>
-              <a:rPr lang="ko-KR" altLang="en-US" sz="1600" dirty="0" err="1" smtClean="0"/>
-              <a:t>서블릿은</a:t>
-            </a:r>
-            <a:r>
-              <a:rPr lang="ko-KR" altLang="en-US" sz="1600" dirty="0" smtClean="0"/>
-              <a:t> </a:t>
-            </a:r>
-            <a:r>
-              <a:rPr lang="ko-KR" altLang="en-US" sz="1600" dirty="0" err="1" smtClean="0"/>
-              <a:t>서버쪽에서</a:t>
-            </a:r>
-            <a:r>
-              <a:rPr lang="ko-KR" altLang="en-US" sz="1600" dirty="0" smtClean="0"/>
-              <a:t> 실행되면서 클라이언트의 요청에 따라 동적으로 서비스를 제공하는 </a:t>
-            </a:r>
-            <a:r>
-              <a:rPr lang="ko-KR" altLang="en-US" sz="1600" b="1" dirty="0" smtClean="0">
-                <a:solidFill>
-                  <a:srgbClr val="C00000"/>
-                </a:solidFill>
-              </a:rPr>
-              <a:t>자바 클래스 이다</a:t>
-            </a:r>
-            <a:r>
-              <a:rPr lang="en-US" altLang="ko-KR" sz="1600" b="1" dirty="0" smtClean="0">
-                <a:solidFill>
-                  <a:srgbClr val="C00000"/>
-                </a:solidFill>
-              </a:rPr>
-              <a:t>.</a:t>
-            </a:r>
-            <a:r>
-              <a:rPr lang="en-US" altLang="ko-KR" b="1" dirty="0">
-                <a:solidFill>
-                  <a:srgbClr val="0070C0"/>
-                </a:solidFill>
-              </a:rPr>
-              <a:t> </a:t>
-            </a:r>
-            <a:endParaRPr lang="en-US" altLang="ko-KR" b="1" dirty="0" smtClean="0">
-              <a:solidFill>
-                <a:srgbClr val="0070C0"/>
-              </a:solidFill>
-            </a:endParaRPr>
-          </a:p>
-          <a:p>
-            <a:pPr>
-              <a:lnSpc>
-                <a:spcPct val="150000"/>
-              </a:lnSpc>
-            </a:pPr>
-            <a:r>
-              <a:rPr lang="ko-KR" altLang="en-US" sz="1600" dirty="0" err="1" smtClean="0"/>
-              <a:t>서블릿의</a:t>
-            </a:r>
-            <a:r>
-              <a:rPr lang="ko-KR" altLang="en-US" sz="1600" dirty="0" smtClean="0"/>
-              <a:t> 문제점을 보완하여 등장한 것이 </a:t>
-            </a:r>
-            <a:r>
-              <a:rPr lang="en-US" altLang="ko-KR" sz="1600" b="1" dirty="0" smtClean="0">
-                <a:solidFill>
-                  <a:srgbClr val="0070C0"/>
-                </a:solidFill>
-              </a:rPr>
-              <a:t>JSP(Java Server Pages)</a:t>
-            </a:r>
-            <a:r>
-              <a:rPr lang="ko-KR" altLang="en-US" sz="1600" dirty="0" smtClean="0"/>
-              <a:t>이다</a:t>
-            </a:r>
-            <a:r>
-              <a:rPr lang="en-US" altLang="ko-KR" sz="1600" dirty="0" smtClean="0"/>
-              <a:t>.</a:t>
-            </a:r>
-          </a:p>
-          <a:p>
-            <a:pPr>
-              <a:lnSpc>
-                <a:spcPct val="150000"/>
-              </a:lnSpc>
-            </a:pPr>
-            <a:r>
-              <a:rPr lang="ko-KR" altLang="en-US" sz="1600" dirty="0" smtClean="0"/>
-              <a:t>화면의 기능이나 구성이 복잡해짐에 따라 사용자를 고려하는 요구사항이 늘어났고 디자이너의 경우 화면의 수월한 기능 구현과 개발 후의 화면의 편리한 유지관리를 목적으로 도입 된 것이다</a:t>
-            </a:r>
-            <a:r>
-              <a:rPr lang="en-US" altLang="ko-KR" sz="1600" dirty="0" smtClean="0"/>
-              <a:t>.</a:t>
-            </a:r>
-          </a:p>
-          <a:p>
-            <a:pPr>
-              <a:lnSpc>
-                <a:spcPct val="150000"/>
-              </a:lnSpc>
-            </a:pPr>
-            <a:endParaRPr lang="en-US" altLang="ko-KR" sz="1600" dirty="0" smtClean="0"/>
-          </a:p>
-          <a:p>
-            <a:pPr>
-              <a:lnSpc>
-                <a:spcPct val="150000"/>
-              </a:lnSpc>
-            </a:pPr>
-            <a:r>
-              <a:rPr lang="ko-KR" altLang="en-US" sz="1600" dirty="0" smtClean="0"/>
-              <a:t>현재는 웹 애플리케이션을 개발할 때 </a:t>
-            </a:r>
-            <a:r>
-              <a:rPr lang="en-US" altLang="ko-KR" sz="1600" dirty="0" smtClean="0">
-                <a:solidFill>
-                  <a:srgbClr val="0070C0"/>
-                </a:solidFill>
-              </a:rPr>
-              <a:t>JSP</a:t>
-            </a:r>
-            <a:r>
-              <a:rPr lang="ko-KR" altLang="en-US" sz="1600" dirty="0" smtClean="0"/>
-              <a:t>는 화면 계층</a:t>
-            </a:r>
-            <a:r>
-              <a:rPr lang="en-US" altLang="ko-KR" sz="1600" dirty="0" smtClean="0"/>
-              <a:t>(</a:t>
-            </a:r>
-            <a:r>
-              <a:rPr lang="ko-KR" altLang="en-US" sz="1600" dirty="0" smtClean="0"/>
-              <a:t>프레젠테이</a:t>
-            </a:r>
-            <a:r>
-              <a:rPr lang="ko-KR" altLang="en-US" sz="1600" dirty="0"/>
-              <a:t>션</a:t>
-            </a:r>
-            <a:r>
-              <a:rPr lang="ko-KR" altLang="en-US" sz="1600" dirty="0" smtClean="0"/>
-              <a:t> 계층</a:t>
-            </a:r>
-            <a:r>
-              <a:rPr lang="en-US" altLang="ko-KR" sz="1600" dirty="0" smtClean="0"/>
-              <a:t>)</a:t>
-            </a:r>
-            <a:r>
-              <a:rPr lang="ko-KR" altLang="en-US" sz="1600" dirty="0" smtClean="0"/>
-              <a:t>으로 </a:t>
-            </a:r>
-            <a:r>
-              <a:rPr lang="ko-KR" altLang="en-US" sz="1600" dirty="0" err="1" smtClean="0"/>
-              <a:t>서블릿은</a:t>
-            </a:r>
-            <a:r>
-              <a:rPr lang="ko-KR" altLang="en-US" sz="1600" dirty="0" smtClean="0"/>
-              <a:t> 비즈니스 </a:t>
-            </a:r>
-            <a:r>
-              <a:rPr lang="ko-KR" altLang="en-US" sz="1600" dirty="0" err="1" smtClean="0"/>
-              <a:t>로직</a:t>
-            </a:r>
-            <a:r>
-              <a:rPr lang="en-US" altLang="ko-KR" sz="1600" dirty="0" smtClean="0"/>
-              <a:t>(Controller)</a:t>
-            </a:r>
-            <a:r>
-              <a:rPr lang="ko-KR" altLang="en-US" sz="1600" dirty="0" smtClean="0"/>
-              <a:t>으로 역할을 나누어 기능을 구현하고 있다</a:t>
-            </a:r>
-            <a:r>
-              <a:rPr lang="en-US" altLang="ko-KR" sz="1600" b="1" dirty="0" smtClean="0">
-                <a:solidFill>
-                  <a:srgbClr val="C00000"/>
-                </a:solidFill>
-              </a:rPr>
-              <a:t>.(</a:t>
-            </a:r>
-            <a:r>
-              <a:rPr lang="ko-KR" altLang="en-US" sz="1600" b="1" dirty="0" smtClean="0">
-                <a:solidFill>
-                  <a:srgbClr val="C00000"/>
-                </a:solidFill>
-              </a:rPr>
-              <a:t>모델</a:t>
-            </a:r>
-            <a:r>
-              <a:rPr lang="en-US" altLang="ko-KR" sz="1600" b="1" dirty="0" smtClean="0">
-                <a:solidFill>
-                  <a:srgbClr val="C00000"/>
-                </a:solidFill>
-              </a:rPr>
-              <a:t>2 </a:t>
-            </a:r>
-            <a:r>
-              <a:rPr lang="ko-KR" altLang="en-US" sz="1600" b="1" dirty="0" smtClean="0">
-                <a:solidFill>
-                  <a:srgbClr val="C00000"/>
-                </a:solidFill>
-              </a:rPr>
-              <a:t>방식</a:t>
-            </a:r>
-            <a:r>
-              <a:rPr lang="en-US" altLang="ko-KR" sz="1600" b="1" dirty="0" smtClean="0">
-                <a:solidFill>
-                  <a:srgbClr val="C00000"/>
-                </a:solidFill>
-              </a:rPr>
-              <a:t>- MVC </a:t>
-            </a:r>
-            <a:r>
-              <a:rPr lang="ko-KR" altLang="en-US" sz="1600" b="1" dirty="0" smtClean="0">
-                <a:solidFill>
-                  <a:srgbClr val="C00000"/>
-                </a:solidFill>
-              </a:rPr>
-              <a:t>패턴</a:t>
-            </a:r>
-            <a:r>
-              <a:rPr lang="en-US" altLang="ko-KR" sz="1600" b="1" dirty="0" smtClean="0">
-                <a:solidFill>
-                  <a:srgbClr val="C00000"/>
-                </a:solidFill>
-              </a:rPr>
-              <a:t>)</a:t>
-            </a:r>
-          </a:p>
-        </p:txBody>
-      </p:sp>
-    </p:spTree>
-    <p:extLst>
-      <p:ext uri="{BB962C8B-B14F-4D97-AF65-F5344CB8AC3E}">
-        <p14:creationId xmlns:p14="http://schemas.microsoft.com/office/powerpoint/2010/main" val="2241920699"/>
-      </p:ext>
-    </p:extLst>
-  </p:cSld>
-  <p:clrMapOvr>
-    <a:masterClrMapping/>
-  </p:clrMapOvr>
-  <p:timing>
-    <p:tnLst>
-      <p:par>
-        <p:cTn id="1" dur="indefinite" restart="never" nodeType="tmRoot"/>
-      </p:par>
-    </p:tnLst>
-  </p:timing>
-</p:sld>
-</file>
-
-<file path=ppt/slides/slide50.xml><?xml version="1.0" encoding="utf-8"?>
+<file path=ppt/slides/slide51.xml><?xml version="1.0" encoding="utf-8"?>
 <p:sld xmlns:a="http://schemas.openxmlformats.org/drawingml/2006/main" xmlns:r="http://schemas.openxmlformats.org/officeDocument/2006/relationships" xmlns:p="http://schemas.openxmlformats.org/presentationml/2006/main">
   <p:cSld>
     <p:spTree>
@@ -22899,7 +23111,7 @@
 </p:sld>
 </file>
 
-<file path=ppt/slides/slide51.xml><?xml version="1.0" encoding="utf-8"?>
+<file path=ppt/slides/slide52.xml><?xml version="1.0" encoding="utf-8"?>
 <p:sld xmlns:a="http://schemas.openxmlformats.org/drawingml/2006/main" xmlns:r="http://schemas.openxmlformats.org/officeDocument/2006/relationships" xmlns:p="http://schemas.openxmlformats.org/presentationml/2006/main">
   <p:cSld>
     <p:spTree>
@@ -23565,7 +23777,7 @@
             <p:cNvPr id="37" name="이등변 삼각형 36">
               <a:extLst>
                 <a:ext uri="{FF2B5EF4-FFF2-40B4-BE49-F238E27FC236}">
-                  <a16:creationId xmlns:a16="http://schemas.microsoft.com/office/drawing/2014/main" xmlns="" id="{A928C65B-0F62-4DFC-9220-DF40E5958238}"/>
+                  <a16:creationId xmlns:a16="http://schemas.microsoft.com/office/drawing/2014/main" id="{A928C65B-0F62-4DFC-9220-DF40E5958238}"/>
                 </a:ext>
               </a:extLst>
             </p:cNvPr>
@@ -23612,7 +23824,7 @@
             <p:cNvPr id="38" name="직선 연결선 37">
               <a:extLst>
                 <a:ext uri="{FF2B5EF4-FFF2-40B4-BE49-F238E27FC236}">
-                  <a16:creationId xmlns:a16="http://schemas.microsoft.com/office/drawing/2014/main" xmlns="" id="{D15E6F92-B9C8-4563-8C4E-646F583209B9}"/>
+                  <a16:creationId xmlns:a16="http://schemas.microsoft.com/office/drawing/2014/main" id="{D15E6F92-B9C8-4563-8C4E-646F583209B9}"/>
                 </a:ext>
               </a:extLst>
             </p:cNvPr>
@@ -23673,8 +23885,20 @@
                 <a:tableStyleId>{5940675A-B579-460E-94D1-54222C63F5DA}</a:tableStyleId>
               </a:tblPr>
               <a:tblGrid>
-                <a:gridCol w="3096344"/>
-                <a:gridCol w="4896544"/>
+                <a:gridCol w="3096344">
+                  <a:extLst>
+                    <a:ext uri="{9D8B030D-6E8A-4147-A177-3AD203B41FA5}">
+                      <a16:colId xmlns:a16="http://schemas.microsoft.com/office/drawing/2014/main" val="20000"/>
+                    </a:ext>
+                  </a:extLst>
+                </a:gridCol>
+                <a:gridCol w="4896544">
+                  <a:extLst>
+                    <a:ext uri="{9D8B030D-6E8A-4147-A177-3AD203B41FA5}">
+                      <a16:colId xmlns:a16="http://schemas.microsoft.com/office/drawing/2014/main" val="20001"/>
+                    </a:ext>
+                  </a:extLst>
+                </a:gridCol>
               </a:tblGrid>
               <a:tr h="432048">
                 <a:tc>
@@ -23725,6 +23949,11 @@
                     </a:solidFill>
                   </a:tcPr>
                 </a:tc>
+                <a:extLst>
+                  <a:ext uri="{0D108BD9-81ED-4DB2-BD59-A6C34878D82A}">
+                    <a16:rowId xmlns:a16="http://schemas.microsoft.com/office/drawing/2014/main" val="10000"/>
+                  </a:ext>
+                </a:extLst>
               </a:tr>
               <a:tr h="432048">
                 <a:tc>
@@ -23837,6 +24066,11 @@
                     </a:lnR>
                   </a:tcPr>
                 </a:tc>
+                <a:extLst>
+                  <a:ext uri="{0D108BD9-81ED-4DB2-BD59-A6C34878D82A}">
+                    <a16:rowId xmlns:a16="http://schemas.microsoft.com/office/drawing/2014/main" val="10001"/>
+                  </a:ext>
+                </a:extLst>
               </a:tr>
               <a:tr h="432048">
                 <a:tc>
@@ -23945,6 +24179,11 @@
                     </a:lnR>
                   </a:tcPr>
                 </a:tc>
+                <a:extLst>
+                  <a:ext uri="{0D108BD9-81ED-4DB2-BD59-A6C34878D82A}">
+                    <a16:rowId xmlns:a16="http://schemas.microsoft.com/office/drawing/2014/main" val="10002"/>
+                  </a:ext>
+                </a:extLst>
               </a:tr>
             </a:tbl>
           </a:graphicData>
@@ -24016,7 +24255,7 @@
             <p:cNvPr id="20" name="이등변 삼각형 19">
               <a:extLst>
                 <a:ext uri="{FF2B5EF4-FFF2-40B4-BE49-F238E27FC236}">
-                  <a16:creationId xmlns:a16="http://schemas.microsoft.com/office/drawing/2014/main" xmlns="" id="{A928C65B-0F62-4DFC-9220-DF40E5958238}"/>
+                  <a16:creationId xmlns:a16="http://schemas.microsoft.com/office/drawing/2014/main" id="{A928C65B-0F62-4DFC-9220-DF40E5958238}"/>
                 </a:ext>
               </a:extLst>
             </p:cNvPr>
@@ -24063,7 +24302,7 @@
             <p:cNvPr id="21" name="직선 연결선 20">
               <a:extLst>
                 <a:ext uri="{FF2B5EF4-FFF2-40B4-BE49-F238E27FC236}">
-                  <a16:creationId xmlns:a16="http://schemas.microsoft.com/office/drawing/2014/main" xmlns="" id="{D15E6F92-B9C8-4563-8C4E-646F583209B9}"/>
+                  <a16:creationId xmlns:a16="http://schemas.microsoft.com/office/drawing/2014/main" id="{D15E6F92-B9C8-4563-8C4E-646F583209B9}"/>
                 </a:ext>
               </a:extLst>
             </p:cNvPr>
@@ -24311,7 +24550,7 @@
             <p:cNvPr id="13" name="이등변 삼각형 12">
               <a:extLst>
                 <a:ext uri="{FF2B5EF4-FFF2-40B4-BE49-F238E27FC236}">
-                  <a16:creationId xmlns:a16="http://schemas.microsoft.com/office/drawing/2014/main" xmlns="" id="{A928C65B-0F62-4DFC-9220-DF40E5958238}"/>
+                  <a16:creationId xmlns:a16="http://schemas.microsoft.com/office/drawing/2014/main" id="{A928C65B-0F62-4DFC-9220-DF40E5958238}"/>
                 </a:ext>
               </a:extLst>
             </p:cNvPr>
@@ -24358,7 +24597,7 @@
             <p:cNvPr id="14" name="직선 연결선 13">
               <a:extLst>
                 <a:ext uri="{FF2B5EF4-FFF2-40B4-BE49-F238E27FC236}">
-                  <a16:creationId xmlns:a16="http://schemas.microsoft.com/office/drawing/2014/main" xmlns="" id="{D15E6F92-B9C8-4563-8C4E-646F583209B9}"/>
+                  <a16:creationId xmlns:a16="http://schemas.microsoft.com/office/drawing/2014/main" id="{D15E6F92-B9C8-4563-8C4E-646F583209B9}"/>
                 </a:ext>
               </a:extLst>
             </p:cNvPr>
@@ -24491,7 +24730,7 @@
             <p:cNvPr id="26" name="이등변 삼각형 25">
               <a:extLst>
                 <a:ext uri="{FF2B5EF4-FFF2-40B4-BE49-F238E27FC236}">
-                  <a16:creationId xmlns:a16="http://schemas.microsoft.com/office/drawing/2014/main" xmlns="" id="{A928C65B-0F62-4DFC-9220-DF40E5958238}"/>
+                  <a16:creationId xmlns:a16="http://schemas.microsoft.com/office/drawing/2014/main" id="{A928C65B-0F62-4DFC-9220-DF40E5958238}"/>
                 </a:ext>
               </a:extLst>
             </p:cNvPr>
@@ -24538,7 +24777,7 @@
             <p:cNvPr id="27" name="직선 연결선 26">
               <a:extLst>
                 <a:ext uri="{FF2B5EF4-FFF2-40B4-BE49-F238E27FC236}">
-                  <a16:creationId xmlns:a16="http://schemas.microsoft.com/office/drawing/2014/main" xmlns="" id="{D15E6F92-B9C8-4563-8C4E-646F583209B9}"/>
+                  <a16:creationId xmlns:a16="http://schemas.microsoft.com/office/drawing/2014/main" id="{D15E6F92-B9C8-4563-8C4E-646F583209B9}"/>
                 </a:ext>
               </a:extLst>
             </p:cNvPr>
@@ -24659,7 +24898,7 @@
             <p:cNvPr id="30" name="이등변 삼각형 29">
               <a:extLst>
                 <a:ext uri="{FF2B5EF4-FFF2-40B4-BE49-F238E27FC236}">
-                  <a16:creationId xmlns:a16="http://schemas.microsoft.com/office/drawing/2014/main" xmlns="" id="{A928C65B-0F62-4DFC-9220-DF40E5958238}"/>
+                  <a16:creationId xmlns:a16="http://schemas.microsoft.com/office/drawing/2014/main" id="{A928C65B-0F62-4DFC-9220-DF40E5958238}"/>
                 </a:ext>
               </a:extLst>
             </p:cNvPr>
@@ -24706,7 +24945,7 @@
             <p:cNvPr id="31" name="직선 연결선 30">
               <a:extLst>
                 <a:ext uri="{FF2B5EF4-FFF2-40B4-BE49-F238E27FC236}">
-                  <a16:creationId xmlns:a16="http://schemas.microsoft.com/office/drawing/2014/main" xmlns="" id="{D15E6F92-B9C8-4563-8C4E-646F583209B9}"/>
+                  <a16:creationId xmlns:a16="http://schemas.microsoft.com/office/drawing/2014/main" id="{D15E6F92-B9C8-4563-8C4E-646F583209B9}"/>
                 </a:ext>
               </a:extLst>
             </p:cNvPr>
@@ -24977,6 +25216,43 @@
           <a:chExt cx="0" cy="0"/>
         </a:xfrm>
       </p:grpSpPr>
+      <p:pic>
+        <p:nvPicPr>
+          <p:cNvPr id="2" name="그림 1"/>
+          <p:cNvPicPr>
+            <a:picLocks noChangeAspect="1"/>
+          </p:cNvPicPr>
+          <p:nvPr/>
+        </p:nvPicPr>
+        <p:blipFill>
+          <a:blip r:embed="rId2">
+            <a:extLst>
+              <a:ext uri="{28A0092B-C50C-407E-A947-70E740481C1C}">
+                <a14:useLocalDpi xmlns:a14="http://schemas.microsoft.com/office/drawing/2010/main" val="0"/>
+              </a:ext>
+            </a:extLst>
+          </a:blip>
+          <a:stretch>
+            <a:fillRect/>
+          </a:stretch>
+        </p:blipFill>
+        <p:spPr>
+          <a:xfrm>
+            <a:off x="4246054" y="2607651"/>
+            <a:ext cx="3663596" cy="3698029"/>
+          </a:xfrm>
+          <a:prstGeom prst="rect">
+            <a:avLst/>
+          </a:prstGeom>
+          <a:ln>
+            <a:solidFill>
+              <a:schemeClr val="bg1">
+                <a:lumMod val="85000"/>
+              </a:schemeClr>
+            </a:solidFill>
+          </a:ln>
+        </p:spPr>
+      </p:pic>
       <p:sp>
         <p:nvSpPr>
           <p:cNvPr id="15" name="제목 5"/>
@@ -25127,44 +25403,6 @@
       </p:sp>
       <p:pic>
         <p:nvPicPr>
-          <p:cNvPr id="9" name="그림 8"/>
-          <p:cNvPicPr>
-            <a:picLocks noChangeAspect="1"/>
-          </p:cNvPicPr>
-          <p:nvPr/>
-        </p:nvPicPr>
-        <p:blipFill>
-          <a:blip r:embed="rId2">
-            <a:extLst>
-              <a:ext uri="{28A0092B-C50C-407E-A947-70E740481C1C}">
-                <a14:useLocalDpi xmlns:a14="http://schemas.microsoft.com/office/drawing/2010/main" val="0"/>
-              </a:ext>
-            </a:extLst>
-          </a:blip>
-          <a:stretch>
-            <a:fillRect/>
-          </a:stretch>
-        </p:blipFill>
-        <p:spPr>
-          <a:xfrm>
-            <a:off x="4232920" y="2486637"/>
-            <a:ext cx="3962645" cy="3495255"/>
-          </a:xfrm>
-          <a:prstGeom prst="rect">
-            <a:avLst/>
-          </a:prstGeom>
-          <a:ln>
-            <a:solidFill>
-              <a:schemeClr val="accent5">
-                <a:lumMod val="20000"/>
-                <a:lumOff val="80000"/>
-              </a:schemeClr>
-            </a:solidFill>
-          </a:ln>
-        </p:spPr>
-      </p:pic>
-      <p:pic>
-        <p:nvPicPr>
           <p:cNvPr id="34" name="그림 33"/>
           <p:cNvPicPr>
             <a:picLocks noChangeAspect="1"/>
@@ -25205,7 +25443,7 @@
           <p:cNvPr id="35" name="모서리가 둥근 직사각형 34">
             <a:extLst>
               <a:ext uri="{FF2B5EF4-FFF2-40B4-BE49-F238E27FC236}">
-                <a16:creationId xmlns:a16="http://schemas.microsoft.com/office/drawing/2014/main" xmlns="" id="{792DA8B4-17B2-454B-97AC-17311A4832C5}"/>
+                <a16:creationId xmlns:a16="http://schemas.microsoft.com/office/drawing/2014/main" id="{792DA8B4-17B2-454B-97AC-17311A4832C5}"/>
               </a:ext>
             </a:extLst>
           </p:cNvPr>
@@ -25315,7 +25553,7 @@
           <p:cNvPr id="37" name="모서리가 둥근 직사각형 36">
             <a:extLst>
               <a:ext uri="{FF2B5EF4-FFF2-40B4-BE49-F238E27FC236}">
-                <a16:creationId xmlns:a16="http://schemas.microsoft.com/office/drawing/2014/main" xmlns="" id="{792DA8B4-17B2-454B-97AC-17311A4832C5}"/>
+                <a16:creationId xmlns:a16="http://schemas.microsoft.com/office/drawing/2014/main" id="{792DA8B4-17B2-454B-97AC-17311A4832C5}"/>
               </a:ext>
             </a:extLst>
           </p:cNvPr>
@@ -25367,7 +25605,7 @@
           <p:cNvPr id="38" name="모서리가 둥근 직사각형 37">
             <a:extLst>
               <a:ext uri="{FF2B5EF4-FFF2-40B4-BE49-F238E27FC236}">
-                <a16:creationId xmlns:a16="http://schemas.microsoft.com/office/drawing/2014/main" xmlns="" id="{792DA8B4-17B2-454B-97AC-17311A4832C5}"/>
+                <a16:creationId xmlns:a16="http://schemas.microsoft.com/office/drawing/2014/main" id="{792DA8B4-17B2-454B-97AC-17311A4832C5}"/>
               </a:ext>
             </a:extLst>
           </p:cNvPr>
@@ -25437,8 +25675,8 @@
         </p:nvCxnSpPr>
         <p:spPr>
           <a:xfrm flipH="1" flipV="1">
-            <a:off x="7547355" y="3886628"/>
-            <a:ext cx="447983" cy="347636"/>
+            <a:off x="7461668" y="3290686"/>
+            <a:ext cx="552835" cy="943578"/>
           </a:xfrm>
           <a:prstGeom prst="straightConnector1">
             <a:avLst/>
@@ -25472,7 +25710,7 @@
           <p:cNvPr id="42" name="모서리가 둥근 직사각형 41">
             <a:extLst>
               <a:ext uri="{FF2B5EF4-FFF2-40B4-BE49-F238E27FC236}">
-                <a16:creationId xmlns:a16="http://schemas.microsoft.com/office/drawing/2014/main" xmlns="" id="{792DA8B4-17B2-454B-97AC-17311A4832C5}"/>
+                <a16:creationId xmlns:a16="http://schemas.microsoft.com/office/drawing/2014/main" id="{792DA8B4-17B2-454B-97AC-17311A4832C5}"/>
               </a:ext>
             </a:extLst>
           </p:cNvPr>
@@ -25481,8 +25719,8 @@
         </p:nvSpPr>
         <p:spPr>
           <a:xfrm>
-            <a:off x="4736976" y="3788575"/>
-            <a:ext cx="2808312" cy="196107"/>
+            <a:off x="4469396" y="3132648"/>
+            <a:ext cx="2931876" cy="224344"/>
           </a:xfrm>
           <a:prstGeom prst="roundRect">
             <a:avLst/>
@@ -25524,7 +25762,7 @@
           <p:cNvPr id="43" name="모서리가 둥근 직사각형 42">
             <a:extLst>
               <a:ext uri="{FF2B5EF4-FFF2-40B4-BE49-F238E27FC236}">
-                <a16:creationId xmlns:a16="http://schemas.microsoft.com/office/drawing/2014/main" xmlns="" id="{792DA8B4-17B2-454B-97AC-17311A4832C5}"/>
+                <a16:creationId xmlns:a16="http://schemas.microsoft.com/office/drawing/2014/main" id="{792DA8B4-17B2-454B-97AC-17311A4832C5}"/>
               </a:ext>
             </a:extLst>
           </p:cNvPr>
@@ -25533,8 +25771,8 @@
         </p:nvSpPr>
         <p:spPr>
           <a:xfrm>
-            <a:off x="4736976" y="5352834"/>
-            <a:ext cx="1728192" cy="216024"/>
+            <a:off x="4516825" y="4715414"/>
+            <a:ext cx="1538228" cy="225754"/>
           </a:xfrm>
           <a:prstGeom prst="roundRect">
             <a:avLst/>
@@ -25579,8 +25817,8 @@
         </p:nvCxnSpPr>
         <p:spPr>
           <a:xfrm flipH="1">
-            <a:off x="6646291" y="4574869"/>
-            <a:ext cx="1349047" cy="885977"/>
+            <a:off x="6307828" y="4574869"/>
+            <a:ext cx="1687511" cy="1158387"/>
           </a:xfrm>
           <a:prstGeom prst="straightConnector1">
             <a:avLst/>
@@ -25651,7 +25889,7 @@
           <p:cNvPr id="21" name="모서리가 둥근 직사각형 20">
             <a:extLst>
               <a:ext uri="{FF2B5EF4-FFF2-40B4-BE49-F238E27FC236}">
-                <a16:creationId xmlns:a16="http://schemas.microsoft.com/office/drawing/2014/main" xmlns="" id="{792DA8B4-17B2-454B-97AC-17311A4832C5}"/>
+                <a16:creationId xmlns:a16="http://schemas.microsoft.com/office/drawing/2014/main" id="{792DA8B4-17B2-454B-97AC-17311A4832C5}"/>
               </a:ext>
             </a:extLst>
           </p:cNvPr>
@@ -25698,6 +25936,98 @@
           </a:p>
         </p:txBody>
       </p:sp>
+      <p:sp>
+        <p:nvSpPr>
+          <p:cNvPr id="17" name="모서리가 둥근 직사각형 16">
+            <a:extLst>
+              <a:ext uri="{FF2B5EF4-FFF2-40B4-BE49-F238E27FC236}">
+                <a16:creationId xmlns:a16="http://schemas.microsoft.com/office/drawing/2014/main" id="{792DA8B4-17B2-454B-97AC-17311A4832C5}"/>
+              </a:ext>
+            </a:extLst>
+          </p:cNvPr>
+          <p:cNvSpPr/>
+          <p:nvPr/>
+        </p:nvSpPr>
+        <p:spPr>
+          <a:xfrm>
+            <a:off x="4520952" y="5833257"/>
+            <a:ext cx="1538228" cy="225754"/>
+          </a:xfrm>
+          <a:prstGeom prst="roundRect">
+            <a:avLst/>
+          </a:prstGeom>
+          <a:noFill/>
+          <a:ln>
+            <a:prstDash val="sysDash"/>
+          </a:ln>
+        </p:spPr>
+        <p:style>
+          <a:lnRef idx="2">
+            <a:schemeClr val="accent2"/>
+          </a:lnRef>
+          <a:fillRef idx="1">
+            <a:schemeClr val="lt1"/>
+          </a:fillRef>
+          <a:effectRef idx="0">
+            <a:schemeClr val="accent2"/>
+          </a:effectRef>
+          <a:fontRef idx="minor">
+            <a:schemeClr val="dk1"/>
+          </a:fontRef>
+        </p:style>
+        <p:txBody>
+          <a:bodyPr rtlCol="0" anchor="ctr"/>
+          <a:lstStyle/>
+          <a:p>
+            <a:pPr algn="ctr"/>
+            <a:endParaRPr lang="ko-KR" altLang="en-US" sz="1300" dirty="0">
+              <a:solidFill>
+                <a:sysClr val="windowText" lastClr="000000"/>
+              </a:solidFill>
+            </a:endParaRPr>
+          </a:p>
+        </p:txBody>
+      </p:sp>
+      <p:cxnSp>
+        <p:nvCxnSpPr>
+          <p:cNvPr id="19" name="직선 화살표 연결선 18"/>
+          <p:cNvCxnSpPr>
+            <a:stCxn id="2" idx="3"/>
+          </p:cNvCxnSpPr>
+          <p:nvPr/>
+        </p:nvCxnSpPr>
+        <p:spPr>
+          <a:xfrm flipH="1">
+            <a:off x="6159906" y="4456666"/>
+            <a:ext cx="1749744" cy="371625"/>
+          </a:xfrm>
+          <a:prstGeom prst="straightConnector1">
+            <a:avLst/>
+          </a:prstGeom>
+          <a:ln w="9525">
+            <a:solidFill>
+              <a:srgbClr val="C00000"/>
+            </a:solidFill>
+            <a:prstDash val="solid"/>
+            <a:headEnd type="none" w="med" len="med"/>
+            <a:tailEnd type="triangle" w="med" len="med"/>
+          </a:ln>
+        </p:spPr>
+        <p:style>
+          <a:lnRef idx="1">
+            <a:schemeClr val="accent1"/>
+          </a:lnRef>
+          <a:fillRef idx="0">
+            <a:schemeClr val="accent1"/>
+          </a:fillRef>
+          <a:effectRef idx="0">
+            <a:schemeClr val="accent1"/>
+          </a:effectRef>
+          <a:fontRef idx="minor">
+            <a:schemeClr val="tx1"/>
+          </a:fontRef>
+        </p:style>
+      </p:cxnSp>
     </p:spTree>
     <p:extLst>
       <p:ext uri="{BB962C8B-B14F-4D97-AF65-F5344CB8AC3E}">

--- a/jspWorks/자료/jsp_ppt/4장. jsp 서블릿 API.pptx
+++ b/jspWorks/자료/jsp_ppt/4장. jsp 서블릿 API.pptx
@@ -5,7 +5,7 @@
     <p:sldMasterId id="2147483648" r:id="rId1"/>
   </p:sldMasterIdLst>
   <p:notesMasterIdLst>
-    <p:notesMasterId r:id="rId54"/>
+    <p:notesMasterId r:id="rId55"/>
   </p:notesMasterIdLst>
   <p:sldIdLst>
     <p:sldId id="256" r:id="rId2"/>
@@ -37,29 +37,30 @@
     <p:sldId id="382" r:id="rId28"/>
     <p:sldId id="383" r:id="rId29"/>
     <p:sldId id="442" r:id="rId30"/>
-    <p:sldId id="444" r:id="rId31"/>
-    <p:sldId id="445" r:id="rId32"/>
-    <p:sldId id="393" r:id="rId33"/>
-    <p:sldId id="395" r:id="rId34"/>
-    <p:sldId id="394" r:id="rId35"/>
-    <p:sldId id="412" r:id="rId36"/>
-    <p:sldId id="441" r:id="rId37"/>
-    <p:sldId id="413" r:id="rId38"/>
-    <p:sldId id="414" r:id="rId39"/>
-    <p:sldId id="422" r:id="rId40"/>
-    <p:sldId id="423" r:id="rId41"/>
-    <p:sldId id="424" r:id="rId42"/>
-    <p:sldId id="425" r:id="rId43"/>
-    <p:sldId id="426" r:id="rId44"/>
-    <p:sldId id="446" r:id="rId45"/>
-    <p:sldId id="427" r:id="rId46"/>
-    <p:sldId id="428" r:id="rId47"/>
-    <p:sldId id="429" r:id="rId48"/>
-    <p:sldId id="430" r:id="rId49"/>
-    <p:sldId id="433" r:id="rId50"/>
-    <p:sldId id="434" r:id="rId51"/>
-    <p:sldId id="447" r:id="rId52"/>
-    <p:sldId id="448" r:id="rId53"/>
+    <p:sldId id="450" r:id="rId31"/>
+    <p:sldId id="444" r:id="rId32"/>
+    <p:sldId id="445" r:id="rId33"/>
+    <p:sldId id="393" r:id="rId34"/>
+    <p:sldId id="395" r:id="rId35"/>
+    <p:sldId id="394" r:id="rId36"/>
+    <p:sldId id="412" r:id="rId37"/>
+    <p:sldId id="441" r:id="rId38"/>
+    <p:sldId id="413" r:id="rId39"/>
+    <p:sldId id="414" r:id="rId40"/>
+    <p:sldId id="422" r:id="rId41"/>
+    <p:sldId id="423" r:id="rId42"/>
+    <p:sldId id="424" r:id="rId43"/>
+    <p:sldId id="425" r:id="rId44"/>
+    <p:sldId id="426" r:id="rId45"/>
+    <p:sldId id="446" r:id="rId46"/>
+    <p:sldId id="427" r:id="rId47"/>
+    <p:sldId id="428" r:id="rId48"/>
+    <p:sldId id="429" r:id="rId49"/>
+    <p:sldId id="430" r:id="rId50"/>
+    <p:sldId id="433" r:id="rId51"/>
+    <p:sldId id="434" r:id="rId52"/>
+    <p:sldId id="447" r:id="rId53"/>
+    <p:sldId id="448" r:id="rId54"/>
   </p:sldIdLst>
   <p:sldSz cx="9906000" cy="6858000" type="A4"/>
   <p:notesSz cx="6858000" cy="9144000"/>
@@ -259,7 +260,7 @@
           <a:p>
             <a:fld id="{7665CDAC-D627-4E87-877A-1B781DD4CADC}" type="datetimeFigureOut">
               <a:rPr lang="ko-KR" altLang="en-US" smtClean="0"/>
-              <a:t>2023-05-29</a:t>
+              <a:t>2023-05-31</a:t>
             </a:fld>
             <a:endParaRPr lang="ko-KR" altLang="en-US"/>
           </a:p>
@@ -676,7 +677,7 @@
           <a:p>
             <a:fld id="{0FADDD8A-FD4C-4C63-90D4-202AFE8080B2}" type="slidenum">
               <a:rPr lang="ko-KR" altLang="en-US" smtClean="0"/>
-              <a:t>32</a:t>
+              <a:t>33</a:t>
             </a:fld>
             <a:endParaRPr lang="ko-KR" altLang="en-US"/>
           </a:p>
@@ -760,7 +761,7 @@
           <a:p>
             <a:fld id="{0FADDD8A-FD4C-4C63-90D4-202AFE8080B2}" type="slidenum">
               <a:rPr lang="ko-KR" altLang="en-US" smtClean="0"/>
-              <a:t>33</a:t>
+              <a:t>34</a:t>
             </a:fld>
             <a:endParaRPr lang="ko-KR" altLang="en-US"/>
           </a:p>
@@ -844,7 +845,7 @@
           <a:p>
             <a:fld id="{0FADDD8A-FD4C-4C63-90D4-202AFE8080B2}" type="slidenum">
               <a:rPr lang="ko-KR" altLang="en-US" smtClean="0"/>
-              <a:t>34</a:t>
+              <a:t>35</a:t>
             </a:fld>
             <a:endParaRPr lang="ko-KR" altLang="en-US"/>
           </a:p>
@@ -1049,7 +1050,7 @@
           <a:p>
             <a:fld id="{F4AC81B4-D91A-4578-85B3-829E63FCFE17}" type="datetime1">
               <a:rPr lang="ko-KR" altLang="en-US" smtClean="0"/>
-              <a:t>2023-05-29</a:t>
+              <a:t>2023-05-31</a:t>
             </a:fld>
             <a:endParaRPr lang="ko-KR" altLang="en-US"/>
           </a:p>
@@ -1424,7 +1425,7 @@
           <a:p>
             <a:fld id="{F5B77542-37E5-48F2-BAE7-80CC6B0EB6A3}" type="datetime1">
               <a:rPr lang="ko-KR" altLang="en-US" smtClean="0"/>
-              <a:t>2023-05-29</a:t>
+              <a:t>2023-05-31</a:t>
             </a:fld>
             <a:endParaRPr lang="ko-KR" altLang="en-US"/>
           </a:p>
@@ -1604,7 +1605,7 @@
           <a:p>
             <a:fld id="{227CF174-B5AC-4A98-B673-0BE8126D3F27}" type="datetime1">
               <a:rPr lang="ko-KR" altLang="en-US" smtClean="0"/>
-              <a:t>2023-05-29</a:t>
+              <a:t>2023-05-31</a:t>
             </a:fld>
             <a:endParaRPr lang="ko-KR" altLang="en-US"/>
           </a:p>
@@ -1778,7 +1779,7 @@
           <a:p>
             <a:fld id="{E20FDEC8-1339-42E8-9704-2977280C2FD3}" type="datetime1">
               <a:rPr lang="ko-KR" altLang="en-US" smtClean="0"/>
-              <a:t>2023-05-29</a:t>
+              <a:t>2023-05-31</a:t>
             </a:fld>
             <a:endParaRPr lang="ko-KR" altLang="en-US"/>
           </a:p>
@@ -2024,7 +2025,7 @@
           <a:p>
             <a:fld id="{4D18DC76-A282-4817-B790-197F054E1215}" type="datetime1">
               <a:rPr lang="ko-KR" altLang="en-US" smtClean="0"/>
-              <a:t>2023-05-29</a:t>
+              <a:t>2023-05-31</a:t>
             </a:fld>
             <a:endParaRPr lang="ko-KR" altLang="en-US"/>
           </a:p>
@@ -2312,7 +2313,7 @@
           <a:p>
             <a:fld id="{6680AA6C-13D8-43E4-90F0-E6C88A2B9F16}" type="datetime1">
               <a:rPr lang="ko-KR" altLang="en-US" smtClean="0"/>
-              <a:t>2023-05-29</a:t>
+              <a:t>2023-05-31</a:t>
             </a:fld>
             <a:endParaRPr lang="ko-KR" altLang="en-US"/>
           </a:p>
@@ -2734,7 +2735,7 @@
           <a:p>
             <a:fld id="{3EF5B03B-20CC-436E-8601-C933C6C1F4A6}" type="datetime1">
               <a:rPr lang="ko-KR" altLang="en-US" smtClean="0"/>
-              <a:t>2023-05-29</a:t>
+              <a:t>2023-05-31</a:t>
             </a:fld>
             <a:endParaRPr lang="ko-KR" altLang="en-US"/>
           </a:p>
@@ -2852,7 +2853,7 @@
           <a:p>
             <a:fld id="{87B5A15D-8B08-482F-AB47-E416EC355EB6}" type="datetime1">
               <a:rPr lang="ko-KR" altLang="en-US" smtClean="0"/>
-              <a:t>2023-05-29</a:t>
+              <a:t>2023-05-31</a:t>
             </a:fld>
             <a:endParaRPr lang="ko-KR" altLang="en-US"/>
           </a:p>
@@ -2947,7 +2948,7 @@
           <a:p>
             <a:fld id="{A877D7F8-7B64-44F8-A411-CBD22F28CBFF}" type="datetime1">
               <a:rPr lang="ko-KR" altLang="en-US" smtClean="0"/>
-              <a:t>2023-05-29</a:t>
+              <a:t>2023-05-31</a:t>
             </a:fld>
             <a:endParaRPr lang="ko-KR" altLang="en-US"/>
           </a:p>
@@ -3224,7 +3225,7 @@
           <a:p>
             <a:fld id="{E12DBD9B-2BB6-4D1F-BCB4-1E48829C93C3}" type="datetime1">
               <a:rPr lang="ko-KR" altLang="en-US" smtClean="0"/>
-              <a:t>2023-05-29</a:t>
+              <a:t>2023-05-31</a:t>
             </a:fld>
             <a:endParaRPr lang="ko-KR" altLang="en-US"/>
           </a:p>
@@ -3477,7 +3478,7 @@
           <a:p>
             <a:fld id="{17564C48-0CD7-40EB-BE64-BBF4DB8C56AF}" type="datetime1">
               <a:rPr lang="ko-KR" altLang="en-US" smtClean="0"/>
-              <a:t>2023-05-29</a:t>
+              <a:t>2023-05-31</a:t>
             </a:fld>
             <a:endParaRPr lang="ko-KR" altLang="en-US"/>
           </a:p>
@@ -3657,7 +3658,7 @@
           <a:p>
             <a:fld id="{C116BCB4-B68B-4638-8167-F4BDC0A30DA1}" type="datetime1">
               <a:rPr lang="ko-KR" altLang="en-US" smtClean="0"/>
-              <a:t>2023-05-29</a:t>
+              <a:t>2023-05-31</a:t>
             </a:fld>
             <a:endParaRPr lang="ko-KR" altLang="en-US"/>
           </a:p>
@@ -4646,11 +4647,6 @@
               </a:rPr>
               <a:t>servlet/FirstServlet.java</a:t>
             </a:r>
-            <a:endParaRPr lang="en-US" altLang="ko-KR" sz="1600" dirty="0" smtClean="0">
-              <a:solidFill>
-                <a:sysClr val="windowText" lastClr="000000"/>
-              </a:solidFill>
-            </a:endParaRPr>
           </a:p>
         </p:txBody>
       </p:sp>
@@ -4934,11 +4930,7 @@
             </a:r>
             <a:r>
               <a:rPr lang="en-US" altLang="ko-KR" sz="1600" dirty="0" smtClean="0"/>
-              <a:t>localhost:8080/first</a:t>
-            </a:r>
-            <a:r>
-              <a:rPr lang="en-US" altLang="ko-KR" sz="1600" dirty="0" smtClean="0"/>
-              <a:t>” </a:t>
+              <a:t>localhost:8080/first” </a:t>
             </a:r>
             <a:r>
               <a:rPr lang="ko-KR" altLang="en-US" sz="1600" dirty="0" smtClean="0"/>
@@ -5600,11 +5592,6 @@
               </a:rPr>
               <a:t>servlet/SecondServlet.java</a:t>
             </a:r>
-            <a:endParaRPr lang="en-US" altLang="ko-KR" sz="1600" dirty="0" smtClean="0">
-              <a:solidFill>
-                <a:sysClr val="windowText" lastClr="000000"/>
-              </a:solidFill>
-            </a:endParaRPr>
           </a:p>
         </p:txBody>
       </p:sp>
@@ -8543,7 +8530,7 @@
         </p:nvSpPr>
         <p:spPr>
           <a:xfrm>
-            <a:off x="7113240" y="2074378"/>
+            <a:off x="7040297" y="1938145"/>
             <a:ext cx="1512168" cy="923330"/>
           </a:xfrm>
           <a:prstGeom prst="rect">
@@ -8633,7 +8620,7 @@
       </p:sp>
       <p:pic>
         <p:nvPicPr>
-          <p:cNvPr id="2" name="그림 1"/>
+          <p:cNvPr id="5" name="그림 4"/>
           <p:cNvPicPr>
             <a:picLocks noChangeAspect="1"/>
           </p:cNvPicPr>
@@ -8653,8 +8640,8 @@
         </p:blipFill>
         <p:spPr>
           <a:xfrm>
-            <a:off x="1069504" y="2708920"/>
-            <a:ext cx="5911352" cy="3609942"/>
+            <a:off x="1208584" y="2798234"/>
+            <a:ext cx="6587797" cy="3707989"/>
           </a:xfrm>
           <a:prstGeom prst="rect">
             <a:avLst/>
@@ -8670,7 +8657,7 @@
       </p:pic>
       <p:pic>
         <p:nvPicPr>
-          <p:cNvPr id="3" name="그림 2"/>
+          <p:cNvPr id="6" name="그림 5"/>
           <p:cNvPicPr>
             <a:picLocks noChangeAspect="1"/>
           </p:cNvPicPr>
@@ -8690,8 +8677,8 @@
         </p:blipFill>
         <p:spPr>
           <a:xfrm>
-            <a:off x="5670309" y="4941167"/>
-            <a:ext cx="3772227" cy="1143099"/>
+            <a:off x="6416725" y="5389441"/>
+            <a:ext cx="2759312" cy="1101164"/>
           </a:xfrm>
           <a:prstGeom prst="rect">
             <a:avLst/>
@@ -11205,11 +11192,6 @@
               </a:rPr>
               <a:t>member/LoginServlet.java</a:t>
             </a:r>
-            <a:endParaRPr lang="en-US" altLang="ko-KR" sz="1600" dirty="0" smtClean="0">
-              <a:solidFill>
-                <a:sysClr val="windowText" lastClr="000000"/>
-              </a:solidFill>
-            </a:endParaRPr>
           </a:p>
         </p:txBody>
       </p:sp>
@@ -12871,7 +12853,7 @@
       </p:sp>
       <p:pic>
         <p:nvPicPr>
-          <p:cNvPr id="6" name="그림 5"/>
+          <p:cNvPr id="3" name="그림 2"/>
           <p:cNvPicPr>
             <a:picLocks noChangeAspect="1"/>
           </p:cNvPicPr>
@@ -12891,8 +12873,8 @@
         </p:blipFill>
         <p:spPr>
           <a:xfrm>
-            <a:off x="1784647" y="2636911"/>
-            <a:ext cx="6048673" cy="3714755"/>
+            <a:off x="970924" y="1412776"/>
+            <a:ext cx="7920880" cy="2003475"/>
           </a:xfrm>
           <a:prstGeom prst="rect">
             <a:avLst/>
@@ -12906,79 +12888,9 @@
           </a:ln>
         </p:spPr>
       </p:pic>
-      <p:sp>
-        <p:nvSpPr>
-          <p:cNvPr id="7" name="모서리가 둥근 직사각형 6">
-            <a:extLst>
-              <a:ext uri="{FF2B5EF4-FFF2-40B4-BE49-F238E27FC236}">
-                <a16:creationId xmlns:a16="http://schemas.microsoft.com/office/drawing/2014/main" id="{792DA8B4-17B2-454B-97AC-17311A4832C5}"/>
-              </a:ext>
-            </a:extLst>
-          </p:cNvPr>
-          <p:cNvSpPr/>
-          <p:nvPr/>
-        </p:nvSpPr>
-        <p:spPr>
-          <a:xfrm>
-            <a:off x="5494022" y="2809279"/>
-            <a:ext cx="2411306" cy="316149"/>
-          </a:xfrm>
-          <a:prstGeom prst="roundRect">
-            <a:avLst/>
-          </a:prstGeom>
-          <a:noFill/>
-          <a:ln w="12700">
-            <a:solidFill>
-              <a:schemeClr val="tx1"/>
-            </a:solidFill>
-          </a:ln>
-        </p:spPr>
-        <p:style>
-          <a:lnRef idx="2">
-            <a:schemeClr val="accent2"/>
-          </a:lnRef>
-          <a:fillRef idx="1">
-            <a:schemeClr val="lt1"/>
-          </a:fillRef>
-          <a:effectRef idx="0">
-            <a:schemeClr val="accent2"/>
-          </a:effectRef>
-          <a:fontRef idx="minor">
-            <a:schemeClr val="dk1"/>
-          </a:fontRef>
-        </p:style>
-        <p:txBody>
-          <a:bodyPr rtlCol="0" anchor="ctr"/>
-          <a:lstStyle/>
-          <a:p>
-            <a:pPr algn="ctr"/>
-            <a:r>
-              <a:rPr lang="en-US" altLang="ko-KR" sz="1600" dirty="0" smtClean="0">
-                <a:solidFill>
-                  <a:sysClr val="windowText" lastClr="000000"/>
-                </a:solidFill>
-              </a:rPr>
-              <a:t>servlet/</a:t>
-            </a:r>
-            <a:r>
-              <a:rPr lang="en-US" altLang="ko-KR" sz="1600" dirty="0" err="1" smtClean="0">
-                <a:solidFill>
-                  <a:sysClr val="windowText" lastClr="000000"/>
-                </a:solidFill>
-              </a:rPr>
-              <a:t>calcForm.jsp</a:t>
-            </a:r>
-            <a:endParaRPr lang="en-US" altLang="ko-KR" sz="1600" dirty="0" smtClean="0">
-              <a:solidFill>
-                <a:sysClr val="windowText" lastClr="000000"/>
-              </a:solidFill>
-            </a:endParaRPr>
-          </a:p>
-        </p:txBody>
-      </p:sp>
       <p:pic>
         <p:nvPicPr>
-          <p:cNvPr id="8" name="그림 7"/>
+          <p:cNvPr id="5" name="그림 4"/>
           <p:cNvPicPr>
             <a:picLocks noChangeAspect="1"/>
           </p:cNvPicPr>
@@ -12998,8 +12910,8 @@
         </p:blipFill>
         <p:spPr>
           <a:xfrm>
-            <a:off x="1224408" y="1246245"/>
-            <a:ext cx="3498574" cy="1262183"/>
+            <a:off x="992560" y="3861048"/>
+            <a:ext cx="7920880" cy="2213821"/>
           </a:xfrm>
           <a:prstGeom prst="rect">
             <a:avLst/>
@@ -13013,84 +12925,6 @@
           </a:ln>
         </p:spPr>
       </p:pic>
-      <p:pic>
-        <p:nvPicPr>
-          <p:cNvPr id="9" name="그림 8"/>
-          <p:cNvPicPr>
-            <a:picLocks noChangeAspect="1"/>
-          </p:cNvPicPr>
-          <p:nvPr/>
-        </p:nvPicPr>
-        <p:blipFill>
-          <a:blip r:embed="rId4">
-            <a:extLst>
-              <a:ext uri="{28A0092B-C50C-407E-A947-70E740481C1C}">
-                <a14:useLocalDpi xmlns:a14="http://schemas.microsoft.com/office/drawing/2010/main" val="0"/>
-              </a:ext>
-            </a:extLst>
-          </a:blip>
-          <a:stretch>
-            <a:fillRect/>
-          </a:stretch>
-        </p:blipFill>
-        <p:spPr>
-          <a:xfrm>
-            <a:off x="5652458" y="1246245"/>
-            <a:ext cx="2952328" cy="1195626"/>
-          </a:xfrm>
-          <a:prstGeom prst="rect">
-            <a:avLst/>
-          </a:prstGeom>
-          <a:ln>
-            <a:solidFill>
-              <a:schemeClr val="bg1">
-                <a:lumMod val="85000"/>
-              </a:schemeClr>
-            </a:solidFill>
-          </a:ln>
-        </p:spPr>
-      </p:pic>
-      <p:sp>
-        <p:nvSpPr>
-          <p:cNvPr id="10" name="오른쪽 화살표 9"/>
-          <p:cNvSpPr/>
-          <p:nvPr/>
-        </p:nvSpPr>
-        <p:spPr>
-          <a:xfrm>
-            <a:off x="4943534" y="1823872"/>
-            <a:ext cx="432048" cy="104520"/>
-          </a:xfrm>
-          <a:prstGeom prst="rightArrow">
-            <a:avLst/>
-          </a:prstGeom>
-          <a:ln w="12700"/>
-        </p:spPr>
-        <p:style>
-          <a:lnRef idx="2">
-            <a:schemeClr val="accent1">
-              <a:shade val="50000"/>
-            </a:schemeClr>
-          </a:lnRef>
-          <a:fillRef idx="1">
-            <a:schemeClr val="accent1"/>
-          </a:fillRef>
-          <a:effectRef idx="0">
-            <a:schemeClr val="accent1"/>
-          </a:effectRef>
-          <a:fontRef idx="minor">
-            <a:schemeClr val="lt1"/>
-          </a:fontRef>
-        </p:style>
-        <p:txBody>
-          <a:bodyPr rtlCol="0" anchor="ctr"/>
-          <a:lstStyle/>
-          <a:p>
-            <a:pPr algn="ctr"/>
-            <a:endParaRPr lang="ko-KR" altLang="en-US"/>
-          </a:p>
-        </p:txBody>
-      </p:sp>
     </p:spTree>
     <p:extLst>
       <p:ext uri="{BB962C8B-B14F-4D97-AF65-F5344CB8AC3E}">
@@ -14170,7 +14004,7 @@
       </p:sp>
       <p:pic>
         <p:nvPicPr>
-          <p:cNvPr id="3" name="그림 2"/>
+          <p:cNvPr id="2" name="그림 1"/>
           <p:cNvPicPr>
             <a:picLocks noChangeAspect="1"/>
           </p:cNvPicPr>
@@ -14190,8 +14024,8 @@
         </p:blipFill>
         <p:spPr>
           <a:xfrm>
-            <a:off x="920552" y="1142800"/>
-            <a:ext cx="7712109" cy="4572397"/>
+            <a:off x="1568624" y="1196752"/>
+            <a:ext cx="6569009" cy="5159187"/>
           </a:xfrm>
           <a:prstGeom prst="rect">
             <a:avLst/>
@@ -14207,7 +14041,7 @@
       </p:pic>
       <p:sp>
         <p:nvSpPr>
-          <p:cNvPr id="6" name="모서리가 둥근 직사각형 5">
+          <p:cNvPr id="7" name="모서리가 둥근 직사각형 6">
             <a:extLst>
               <a:ext uri="{FF2B5EF4-FFF2-40B4-BE49-F238E27FC236}">
                 <a16:creationId xmlns:a16="http://schemas.microsoft.com/office/drawing/2014/main" id="{792DA8B4-17B2-454B-97AC-17311A4832C5}"/>
@@ -14219,8 +14053,8 @@
         </p:nvSpPr>
         <p:spPr>
           <a:xfrm>
-            <a:off x="6249144" y="1412776"/>
-            <a:ext cx="3131386" cy="316149"/>
+            <a:off x="6825208" y="1700808"/>
+            <a:ext cx="2448272" cy="316149"/>
           </a:xfrm>
           <a:prstGeom prst="roundRect">
             <a:avLst/>
@@ -14252,20 +14086,78 @@
           <a:p>
             <a:pPr algn="ctr"/>
             <a:r>
+              <a:rPr lang="en-US" altLang="ko-KR" sz="1600" dirty="0">
+                <a:solidFill>
+                  <a:sysClr val="windowText" lastClr="000000"/>
+                </a:solidFill>
+              </a:rPr>
+              <a:t>s</a:t>
+            </a:r>
+            <a:r>
               <a:rPr lang="en-US" altLang="ko-KR" sz="1600" dirty="0" smtClean="0">
                 <a:solidFill>
                   <a:sysClr val="windowText" lastClr="000000"/>
                 </a:solidFill>
               </a:rPr>
-              <a:t>com.calculator.CalcServlet.java</a:t>
-            </a:r>
-          </a:p>
-        </p:txBody>
-      </p:sp>
+              <a:t>ervlet/</a:t>
+            </a:r>
+            <a:r>
+              <a:rPr lang="en-US" altLang="ko-KR" sz="1600" dirty="0" err="1" smtClean="0">
+                <a:solidFill>
+                  <a:sysClr val="windowText" lastClr="000000"/>
+                </a:solidFill>
+              </a:rPr>
+              <a:t>calcForm.jsp</a:t>
+            </a:r>
+            <a:endParaRPr lang="en-US" altLang="ko-KR" sz="1600" dirty="0" smtClean="0">
+              <a:solidFill>
+                <a:sysClr val="windowText" lastClr="000000"/>
+              </a:solidFill>
+            </a:endParaRPr>
+          </a:p>
+        </p:txBody>
+      </p:sp>
+      <p:pic>
+        <p:nvPicPr>
+          <p:cNvPr id="3" name="그림 2"/>
+          <p:cNvPicPr>
+            <a:picLocks noChangeAspect="1"/>
+          </p:cNvPicPr>
+          <p:nvPr/>
+        </p:nvPicPr>
+        <p:blipFill>
+          <a:blip r:embed="rId3">
+            <a:extLst>
+              <a:ext uri="{28A0092B-C50C-407E-A947-70E740481C1C}">
+                <a14:useLocalDpi xmlns:a14="http://schemas.microsoft.com/office/drawing/2010/main" val="0"/>
+              </a:ext>
+            </a:extLst>
+          </a:blip>
+          <a:stretch>
+            <a:fillRect/>
+          </a:stretch>
+        </p:blipFill>
+        <p:spPr>
+          <a:xfrm>
+            <a:off x="7251432" y="3284984"/>
+            <a:ext cx="2171888" cy="2453853"/>
+          </a:xfrm>
+          <a:prstGeom prst="rect">
+            <a:avLst/>
+          </a:prstGeom>
+          <a:ln>
+            <a:solidFill>
+              <a:schemeClr val="bg1">
+                <a:lumMod val="85000"/>
+              </a:schemeClr>
+            </a:solidFill>
+          </a:ln>
+        </p:spPr>
+      </p:pic>
     </p:spTree>
     <p:extLst>
       <p:ext uri="{BB962C8B-B14F-4D97-AF65-F5344CB8AC3E}">
-        <p14:creationId xmlns:p14="http://schemas.microsoft.com/office/powerpoint/2010/main" val="980002226"/>
+        <p14:creationId xmlns:p14="http://schemas.microsoft.com/office/powerpoint/2010/main" val="3224662542"/>
       </p:ext>
     </p:extLst>
   </p:cSld>
@@ -14356,7 +14248,7 @@
       </p:sp>
       <p:pic>
         <p:nvPicPr>
-          <p:cNvPr id="3" name="그림 2"/>
+          <p:cNvPr id="2" name="그림 1"/>
           <p:cNvPicPr>
             <a:picLocks noChangeAspect="1"/>
           </p:cNvPicPr>
@@ -14376,8 +14268,8 @@
         </p:blipFill>
         <p:spPr>
           <a:xfrm>
-            <a:off x="1345899" y="2060848"/>
-            <a:ext cx="6862388" cy="2232248"/>
+            <a:off x="704528" y="1196752"/>
+            <a:ext cx="8458933" cy="4709568"/>
           </a:xfrm>
           <a:prstGeom prst="rect">
             <a:avLst/>
@@ -14405,7 +14297,7 @@
         </p:nvSpPr>
         <p:spPr>
           <a:xfrm>
-            <a:off x="5076901" y="1621231"/>
+            <a:off x="6537176" y="1340768"/>
             <a:ext cx="3131386" cy="316149"/>
           </a:xfrm>
           <a:prstGeom prst="roundRect">
@@ -14443,7 +14335,7 @@
                   <a:sysClr val="windowText" lastClr="000000"/>
                 </a:solidFill>
               </a:rPr>
-              <a:t>com.calculator.CalcServlet.java</a:t>
+              <a:t>servlet.CalcServlet.java</a:t>
             </a:r>
           </a:p>
         </p:txBody>
@@ -14451,7 +14343,7 @@
     </p:spTree>
     <p:extLst>
       <p:ext uri="{BB962C8B-B14F-4D97-AF65-F5344CB8AC3E}">
-        <p14:creationId xmlns:p14="http://schemas.microsoft.com/office/powerpoint/2010/main" val="4286007262"/>
+        <p14:creationId xmlns:p14="http://schemas.microsoft.com/office/powerpoint/2010/main" val="980002226"/>
       </p:ext>
     </p:extLst>
   </p:cSld>
@@ -14485,43 +14377,6 @@
           <a:chExt cx="0" cy="0"/>
         </a:xfrm>
       </p:grpSpPr>
-      <p:pic>
-        <p:nvPicPr>
-          <p:cNvPr id="6" name="그림 5"/>
-          <p:cNvPicPr>
-            <a:picLocks noChangeAspect="1"/>
-          </p:cNvPicPr>
-          <p:nvPr/>
-        </p:nvPicPr>
-        <p:blipFill>
-          <a:blip r:embed="rId3">
-            <a:extLst>
-              <a:ext uri="{28A0092B-C50C-407E-A947-70E740481C1C}">
-                <a14:useLocalDpi xmlns:a14="http://schemas.microsoft.com/office/drawing/2010/main" val="0"/>
-              </a:ext>
-            </a:extLst>
-          </a:blip>
-          <a:stretch>
-            <a:fillRect/>
-          </a:stretch>
-        </p:blipFill>
-        <p:spPr>
-          <a:xfrm>
-            <a:off x="1368237" y="1844824"/>
-            <a:ext cx="5601235" cy="2389860"/>
-          </a:xfrm>
-          <a:prstGeom prst="rect">
-            <a:avLst/>
-          </a:prstGeom>
-          <a:ln>
-            <a:solidFill>
-              <a:schemeClr val="bg1">
-                <a:lumMod val="85000"/>
-              </a:schemeClr>
-            </a:solidFill>
-          </a:ln>
-        </p:spPr>
-      </p:pic>
       <p:sp>
         <p:nvSpPr>
           <p:cNvPr id="15" name="제목 5"/>
@@ -14562,223 +14417,31 @@
               <a:rPr lang="en-US" altLang="ko-KR" dirty="0" smtClean="0"/>
               <a:t> </a:t>
             </a:r>
+            <a:r>
+              <a:rPr lang="ko-KR" altLang="en-US" dirty="0"/>
+              <a:t> </a:t>
+            </a:r>
+            <a:r>
+              <a:rPr lang="ko-KR" altLang="en-US" b="1" dirty="0" smtClean="0">
+                <a:latin typeface="휴먼엑스포" panose="02030504000101010101" pitchFamily="18" charset="-127"/>
+                <a:ea typeface="휴먼엑스포" panose="02030504000101010101" pitchFamily="18" charset="-127"/>
+              </a:rPr>
+              <a:t>간단한 계산기</a:t>
+            </a:r>
             <a:endParaRPr lang="ko-KR" altLang="en-US" dirty="0"/>
           </a:p>
         </p:txBody>
       </p:sp>
-      <p:sp>
-        <p:nvSpPr>
-          <p:cNvPr id="4" name="TextBox 3"/>
-          <p:cNvSpPr txBox="1"/>
-          <p:nvPr/>
-        </p:nvSpPr>
-        <p:spPr>
-          <a:xfrm>
-            <a:off x="776536" y="980728"/>
-            <a:ext cx="8496944" cy="494494"/>
-          </a:xfrm>
-          <a:prstGeom prst="rect">
-            <a:avLst/>
-          </a:prstGeom>
-          <a:noFill/>
-        </p:spPr>
-        <p:txBody>
-          <a:bodyPr wrap="square" rtlCol="0">
-            <a:spAutoFit/>
-          </a:bodyPr>
-          <a:lstStyle/>
-          <a:p>
-            <a:pPr>
-              <a:lnSpc>
-                <a:spcPct val="150000"/>
-              </a:lnSpc>
-            </a:pPr>
-            <a:r>
-              <a:rPr lang="en-US" altLang="ko-KR" sz="2000" b="1" dirty="0" smtClean="0"/>
-              <a:t>GET</a:t>
-            </a:r>
-            <a:r>
-              <a:rPr lang="ko-KR" altLang="en-US" sz="2000" b="1" dirty="0" smtClean="0"/>
-              <a:t>방식과 </a:t>
-            </a:r>
-            <a:r>
-              <a:rPr lang="en-US" altLang="ko-KR" sz="2000" b="1" dirty="0" smtClean="0"/>
-              <a:t>POST </a:t>
-            </a:r>
-            <a:r>
-              <a:rPr lang="ko-KR" altLang="en-US" sz="2000" b="1" dirty="0" smtClean="0"/>
-              <a:t>방식 요청 동시에 처리하기</a:t>
-            </a:r>
-            <a:endParaRPr lang="en-US" altLang="ko-KR" sz="2000" b="1" dirty="0" smtClean="0"/>
-          </a:p>
-        </p:txBody>
-      </p:sp>
-      <p:sp>
-        <p:nvSpPr>
-          <p:cNvPr id="14" name="모서리가 둥근 직사각형 13">
-            <a:extLst>
-              <a:ext uri="{FF2B5EF4-FFF2-40B4-BE49-F238E27FC236}">
-                <a16:creationId xmlns:a16="http://schemas.microsoft.com/office/drawing/2014/main" id="{792DA8B4-17B2-454B-97AC-17311A4832C5}"/>
-              </a:ext>
-            </a:extLst>
-          </p:cNvPr>
-          <p:cNvSpPr/>
-          <p:nvPr/>
-        </p:nvSpPr>
-        <p:spPr>
-          <a:xfrm>
-            <a:off x="5758712" y="1982908"/>
-            <a:ext cx="1622568" cy="299896"/>
-          </a:xfrm>
-          <a:prstGeom prst="roundRect">
-            <a:avLst/>
-          </a:prstGeom>
-          <a:noFill/>
-        </p:spPr>
-        <p:style>
-          <a:lnRef idx="2">
-            <a:schemeClr val="accent2"/>
-          </a:lnRef>
-          <a:fillRef idx="1">
-            <a:schemeClr val="lt1"/>
-          </a:fillRef>
-          <a:effectRef idx="0">
-            <a:schemeClr val="accent2"/>
-          </a:effectRef>
-          <a:fontRef idx="minor">
-            <a:schemeClr val="dk1"/>
-          </a:fontRef>
-        </p:style>
-        <p:txBody>
-          <a:bodyPr rtlCol="0" anchor="ctr"/>
-          <a:lstStyle/>
-          <a:p>
-            <a:r>
-              <a:rPr lang="en-US" altLang="ko-KR" sz="1600" dirty="0" smtClean="0">
-                <a:solidFill>
-                  <a:sysClr val="windowText" lastClr="000000"/>
-                </a:solidFill>
-              </a:rPr>
-              <a:t>get</a:t>
-            </a:r>
-            <a:r>
-              <a:rPr lang="ko-KR" altLang="en-US" sz="1600" dirty="0" smtClean="0">
-                <a:solidFill>
-                  <a:sysClr val="windowText" lastClr="000000"/>
-                </a:solidFill>
-              </a:rPr>
-              <a:t>으로 바꿈</a:t>
-            </a:r>
-            <a:endParaRPr lang="en-US" altLang="ko-KR" sz="1600" dirty="0" smtClean="0">
-              <a:solidFill>
-                <a:sysClr val="windowText" lastClr="000000"/>
-              </a:solidFill>
-            </a:endParaRPr>
-          </a:p>
-        </p:txBody>
-      </p:sp>
-      <p:sp>
-        <p:nvSpPr>
-          <p:cNvPr id="16" name="모서리가 둥근 직사각형 15">
-            <a:extLst>
-              <a:ext uri="{FF2B5EF4-FFF2-40B4-BE49-F238E27FC236}">
-                <a16:creationId xmlns:a16="http://schemas.microsoft.com/office/drawing/2014/main" id="{792DA8B4-17B2-454B-97AC-17311A4832C5}"/>
-              </a:ext>
-            </a:extLst>
-          </p:cNvPr>
-          <p:cNvSpPr/>
-          <p:nvPr/>
-        </p:nvSpPr>
-        <p:spPr>
-          <a:xfrm>
-            <a:off x="3550973" y="1694106"/>
-            <a:ext cx="1540230" cy="438750"/>
-          </a:xfrm>
-          <a:prstGeom prst="roundRect">
-            <a:avLst/>
-          </a:prstGeom>
-          <a:noFill/>
-          <a:ln>
-            <a:prstDash val="sysDash"/>
-          </a:ln>
-        </p:spPr>
-        <p:style>
-          <a:lnRef idx="2">
-            <a:schemeClr val="accent2"/>
-          </a:lnRef>
-          <a:fillRef idx="1">
-            <a:schemeClr val="lt1"/>
-          </a:fillRef>
-          <a:effectRef idx="0">
-            <a:schemeClr val="accent2"/>
-          </a:effectRef>
-          <a:fontRef idx="minor">
-            <a:schemeClr val="dk1"/>
-          </a:fontRef>
-        </p:style>
-        <p:txBody>
-          <a:bodyPr rtlCol="0" anchor="ctr"/>
-          <a:lstStyle/>
-          <a:p>
-            <a:pPr algn="ctr"/>
-            <a:endParaRPr lang="ko-KR" altLang="en-US" sz="1300" dirty="0">
-              <a:solidFill>
-                <a:sysClr val="windowText" lastClr="000000"/>
-              </a:solidFill>
-            </a:endParaRPr>
-          </a:p>
-        </p:txBody>
-      </p:sp>
-      <p:cxnSp>
-        <p:nvCxnSpPr>
-          <p:cNvPr id="17" name="직선 화살표 연결선 16"/>
-          <p:cNvCxnSpPr>
-            <a:stCxn id="14" idx="1"/>
-          </p:cNvCxnSpPr>
-          <p:nvPr/>
-        </p:nvCxnSpPr>
-        <p:spPr>
-          <a:xfrm flipH="1" flipV="1">
-            <a:off x="5181852" y="1982908"/>
-            <a:ext cx="576860" cy="149948"/>
-          </a:xfrm>
-          <a:prstGeom prst="straightConnector1">
-            <a:avLst/>
-          </a:prstGeom>
-          <a:ln w="9525">
-            <a:solidFill>
-              <a:srgbClr val="C00000"/>
-            </a:solidFill>
-            <a:prstDash val="solid"/>
-            <a:headEnd type="none" w="med" len="med"/>
-            <a:tailEnd type="triangle" w="med" len="med"/>
-          </a:ln>
-        </p:spPr>
-        <p:style>
-          <a:lnRef idx="1">
-            <a:schemeClr val="accent1"/>
-          </a:lnRef>
-          <a:fillRef idx="0">
-            <a:schemeClr val="accent1"/>
-          </a:fillRef>
-          <a:effectRef idx="0">
-            <a:schemeClr val="accent1"/>
-          </a:effectRef>
-          <a:fontRef idx="minor">
-            <a:schemeClr val="tx1"/>
-          </a:fontRef>
-        </p:style>
-      </p:cxnSp>
       <p:pic>
         <p:nvPicPr>
-          <p:cNvPr id="2" name="그림 1"/>
+          <p:cNvPr id="4" name="그림 3"/>
           <p:cNvPicPr>
             <a:picLocks noChangeAspect="1"/>
           </p:cNvPicPr>
           <p:nvPr/>
         </p:nvPicPr>
         <p:blipFill>
-          <a:blip r:embed="rId4">
+          <a:blip r:embed="rId2">
             <a:extLst>
               <a:ext uri="{28A0092B-C50C-407E-A947-70E740481C1C}">
                 <a14:useLocalDpi xmlns:a14="http://schemas.microsoft.com/office/drawing/2010/main" val="0"/>
@@ -14791,102 +14454,8 @@
         </p:blipFill>
         <p:spPr>
           <a:xfrm>
-            <a:off x="5937950" y="4383277"/>
-            <a:ext cx="2471433" cy="1393613"/>
-          </a:xfrm>
-          <a:prstGeom prst="rect">
-            <a:avLst/>
-          </a:prstGeom>
-          <a:ln>
-            <a:solidFill>
-              <a:schemeClr val="accent5">
-                <a:lumMod val="20000"/>
-                <a:lumOff val="80000"/>
-              </a:schemeClr>
-            </a:solidFill>
-          </a:ln>
-        </p:spPr>
-      </p:pic>
-      <p:sp>
-        <p:nvSpPr>
-          <p:cNvPr id="9" name="제목 5"/>
-          <p:cNvSpPr txBox="1">
-            <a:spLocks/>
-          </p:cNvSpPr>
-          <p:nvPr/>
-        </p:nvSpPr>
-        <p:spPr>
-          <a:xfrm>
-            <a:off x="152400" y="-27384"/>
-            <a:ext cx="8337376" cy="854968"/>
-          </a:xfrm>
-          <a:prstGeom prst="rect">
-            <a:avLst/>
-          </a:prstGeom>
-        </p:spPr>
-        <p:txBody>
-          <a:bodyPr anchor="ctr" anchorCtr="0"/>
-          <a:lstStyle>
-            <a:lvl1pPr algn="l" defTabSz="914400" rtl="0" eaLnBrk="1" latinLnBrk="1" hangingPunct="1">
-              <a:spcBef>
-                <a:spcPct val="0"/>
-              </a:spcBef>
-              <a:buNone/>
-              <a:defRPr sz="3200" kern="1200">
-                <a:solidFill>
-                  <a:schemeClr val="bg1"/>
-                </a:solidFill>
-                <a:latin typeface="HY헤드라인M" panose="02030600000101010101" pitchFamily="18" charset="-127"/>
-                <a:ea typeface="HY헤드라인M" panose="02030600000101010101" pitchFamily="18" charset="-127"/>
-                <a:cs typeface="+mj-cs"/>
-              </a:defRPr>
-            </a:lvl1pPr>
-          </a:lstStyle>
-          <a:p>
-            <a:r>
-              <a:rPr lang="en-US" altLang="ko-KR" dirty="0" smtClean="0"/>
-              <a:t> GET</a:t>
-            </a:r>
-            <a:r>
-              <a:rPr lang="ko-KR" altLang="en-US" dirty="0" smtClean="0"/>
-              <a:t>방식과 </a:t>
-            </a:r>
-            <a:r>
-              <a:rPr lang="en-US" altLang="ko-KR" dirty="0" smtClean="0"/>
-              <a:t>POST </a:t>
-            </a:r>
-            <a:r>
-              <a:rPr lang="ko-KR" altLang="en-US" dirty="0" smtClean="0"/>
-              <a:t>방식으로 동시 처리</a:t>
-            </a:r>
-            <a:endParaRPr lang="ko-KR" altLang="en-US" dirty="0"/>
-          </a:p>
-        </p:txBody>
-      </p:sp>
-      <p:pic>
-        <p:nvPicPr>
-          <p:cNvPr id="3" name="그림 2"/>
-          <p:cNvPicPr>
-            <a:picLocks noChangeAspect="1"/>
-          </p:cNvPicPr>
-          <p:nvPr/>
-        </p:nvPicPr>
-        <p:blipFill>
-          <a:blip r:embed="rId5">
-            <a:extLst>
-              <a:ext uri="{28A0092B-C50C-407E-A947-70E740481C1C}">
-                <a14:useLocalDpi xmlns:a14="http://schemas.microsoft.com/office/drawing/2010/main" val="0"/>
-              </a:ext>
-            </a:extLst>
-          </a:blip>
-          <a:stretch>
-            <a:fillRect/>
-          </a:stretch>
-        </p:blipFill>
-        <p:spPr>
-          <a:xfrm>
-            <a:off x="1367989" y="4383277"/>
-            <a:ext cx="3833854" cy="1700397"/>
+            <a:off x="488504" y="1484784"/>
+            <a:ext cx="9160034" cy="3924640"/>
           </a:xfrm>
           <a:prstGeom prst="rect">
             <a:avLst/>
@@ -14903,7 +14472,7 @@
     </p:spTree>
     <p:extLst>
       <p:ext uri="{BB962C8B-B14F-4D97-AF65-F5344CB8AC3E}">
-        <p14:creationId xmlns:p14="http://schemas.microsoft.com/office/powerpoint/2010/main" val="1498656667"/>
+        <p14:creationId xmlns:p14="http://schemas.microsoft.com/office/powerpoint/2010/main" val="4286007262"/>
       </p:ext>
     </p:extLst>
   </p:cSld>
@@ -14937,6 +14506,43 @@
           <a:chExt cx="0" cy="0"/>
         </a:xfrm>
       </p:grpSpPr>
+      <p:pic>
+        <p:nvPicPr>
+          <p:cNvPr id="6" name="그림 5"/>
+          <p:cNvPicPr>
+            <a:picLocks noChangeAspect="1"/>
+          </p:cNvPicPr>
+          <p:nvPr/>
+        </p:nvPicPr>
+        <p:blipFill>
+          <a:blip r:embed="rId3">
+            <a:extLst>
+              <a:ext uri="{28A0092B-C50C-407E-A947-70E740481C1C}">
+                <a14:useLocalDpi xmlns:a14="http://schemas.microsoft.com/office/drawing/2010/main" val="0"/>
+              </a:ext>
+            </a:extLst>
+          </a:blip>
+          <a:stretch>
+            <a:fillRect/>
+          </a:stretch>
+        </p:blipFill>
+        <p:spPr>
+          <a:xfrm>
+            <a:off x="1368237" y="1844824"/>
+            <a:ext cx="5601235" cy="2389860"/>
+          </a:xfrm>
+          <a:prstGeom prst="rect">
+            <a:avLst/>
+          </a:prstGeom>
+          <a:ln>
+            <a:solidFill>
+              <a:schemeClr val="bg1">
+                <a:lumMod val="85000"/>
+              </a:schemeClr>
+            </a:solidFill>
+          </a:ln>
+        </p:spPr>
+      </p:pic>
       <p:sp>
         <p:nvSpPr>
           <p:cNvPr id="15" name="제목 5"/>
@@ -14990,7 +14596,7 @@
         <p:spPr>
           <a:xfrm>
             <a:off x="776536" y="980728"/>
-            <a:ext cx="8496944" cy="1015663"/>
+            <a:ext cx="8496944" cy="494494"/>
           </a:xfrm>
           <a:prstGeom prst="rect">
             <a:avLst/>
@@ -15026,69 +14632,11 @@
             </a:r>
             <a:endParaRPr lang="en-US" altLang="ko-KR" sz="2000" b="1" dirty="0" smtClean="0"/>
           </a:p>
-          <a:p>
-            <a:pPr>
-              <a:lnSpc>
-                <a:spcPct val="150000"/>
-              </a:lnSpc>
-            </a:pPr>
-            <a:r>
-              <a:rPr lang="en-US" altLang="ko-KR" sz="2000" b="1" dirty="0"/>
-              <a:t>- </a:t>
-            </a:r>
-            <a:r>
-              <a:rPr lang="ko-KR" altLang="en-US" sz="2000" b="1" dirty="0"/>
-              <a:t>방법 </a:t>
-            </a:r>
-            <a:r>
-              <a:rPr lang="en-US" altLang="ko-KR" sz="2000" b="1" dirty="0" smtClean="0"/>
-              <a:t>1</a:t>
-            </a:r>
-            <a:endParaRPr lang="en-US" altLang="ko-KR" sz="2000" b="1" dirty="0"/>
-          </a:p>
-        </p:txBody>
-      </p:sp>
-      <p:pic>
-        <p:nvPicPr>
-          <p:cNvPr id="3" name="그림 2"/>
-          <p:cNvPicPr>
-            <a:picLocks noChangeAspect="1"/>
-          </p:cNvPicPr>
-          <p:nvPr/>
-        </p:nvPicPr>
-        <p:blipFill>
-          <a:blip r:embed="rId3">
-            <a:extLst>
-              <a:ext uri="{28A0092B-C50C-407E-A947-70E740481C1C}">
-                <a14:useLocalDpi xmlns:a14="http://schemas.microsoft.com/office/drawing/2010/main" val="0"/>
-              </a:ext>
-            </a:extLst>
-          </a:blip>
-          <a:stretch>
-            <a:fillRect/>
-          </a:stretch>
-        </p:blipFill>
-        <p:spPr>
-          <a:xfrm>
-            <a:off x="938229" y="1941965"/>
-            <a:ext cx="7888336" cy="4320582"/>
-          </a:xfrm>
-          <a:prstGeom prst="rect">
-            <a:avLst/>
-          </a:prstGeom>
-          <a:ln>
-            <a:solidFill>
-              <a:schemeClr val="accent5">
-                <a:lumMod val="20000"/>
-                <a:lumOff val="80000"/>
-              </a:schemeClr>
-            </a:solidFill>
-          </a:ln>
-        </p:spPr>
-      </p:pic>
-      <p:sp>
-        <p:nvSpPr>
-          <p:cNvPr id="13" name="모서리가 둥근 직사각형 12">
+        </p:txBody>
+      </p:sp>
+      <p:sp>
+        <p:nvSpPr>
+          <p:cNvPr id="14" name="모서리가 둥근 직사각형 13">
             <a:extLst>
               <a:ext uri="{FF2B5EF4-FFF2-40B4-BE49-F238E27FC236}">
                 <a16:creationId xmlns:a16="http://schemas.microsoft.com/office/drawing/2014/main" id="{792DA8B4-17B2-454B-97AC-17311A4832C5}"/>
@@ -15100,16 +14648,13 @@
         </p:nvSpPr>
         <p:spPr>
           <a:xfrm>
-            <a:off x="704528" y="4293096"/>
-            <a:ext cx="8784976" cy="2088232"/>
+            <a:off x="5758712" y="1982908"/>
+            <a:ext cx="1622568" cy="299896"/>
           </a:xfrm>
           <a:prstGeom prst="roundRect">
             <a:avLst/>
           </a:prstGeom>
           <a:noFill/>
-          <a:ln>
-            <a:prstDash val="sysDash"/>
-          </a:ln>
         </p:spPr>
         <p:style>
           <a:lnRef idx="2">
@@ -15129,6 +14674,73 @@
           <a:bodyPr rtlCol="0" anchor="ctr"/>
           <a:lstStyle/>
           <a:p>
+            <a:r>
+              <a:rPr lang="en-US" altLang="ko-KR" sz="1600" dirty="0" smtClean="0">
+                <a:solidFill>
+                  <a:sysClr val="windowText" lastClr="000000"/>
+                </a:solidFill>
+              </a:rPr>
+              <a:t>get</a:t>
+            </a:r>
+            <a:r>
+              <a:rPr lang="ko-KR" altLang="en-US" sz="1600" dirty="0" smtClean="0">
+                <a:solidFill>
+                  <a:sysClr val="windowText" lastClr="000000"/>
+                </a:solidFill>
+              </a:rPr>
+              <a:t>으로 바꿈</a:t>
+            </a:r>
+            <a:endParaRPr lang="en-US" altLang="ko-KR" sz="1600" dirty="0" smtClean="0">
+              <a:solidFill>
+                <a:sysClr val="windowText" lastClr="000000"/>
+              </a:solidFill>
+            </a:endParaRPr>
+          </a:p>
+        </p:txBody>
+      </p:sp>
+      <p:sp>
+        <p:nvSpPr>
+          <p:cNvPr id="16" name="모서리가 둥근 직사각형 15">
+            <a:extLst>
+              <a:ext uri="{FF2B5EF4-FFF2-40B4-BE49-F238E27FC236}">
+                <a16:creationId xmlns:a16="http://schemas.microsoft.com/office/drawing/2014/main" id="{792DA8B4-17B2-454B-97AC-17311A4832C5}"/>
+              </a:ext>
+            </a:extLst>
+          </p:cNvPr>
+          <p:cNvSpPr/>
+          <p:nvPr/>
+        </p:nvSpPr>
+        <p:spPr>
+          <a:xfrm>
+            <a:off x="3550973" y="1694106"/>
+            <a:ext cx="1540230" cy="438750"/>
+          </a:xfrm>
+          <a:prstGeom prst="roundRect">
+            <a:avLst/>
+          </a:prstGeom>
+          <a:noFill/>
+          <a:ln>
+            <a:prstDash val="sysDash"/>
+          </a:ln>
+        </p:spPr>
+        <p:style>
+          <a:lnRef idx="2">
+            <a:schemeClr val="accent2"/>
+          </a:lnRef>
+          <a:fillRef idx="1">
+            <a:schemeClr val="lt1"/>
+          </a:fillRef>
+          <a:effectRef idx="0">
+            <a:schemeClr val="accent2"/>
+          </a:effectRef>
+          <a:fontRef idx="minor">
+            <a:schemeClr val="dk1"/>
+          </a:fontRef>
+        </p:style>
+        <p:txBody>
+          <a:bodyPr rtlCol="0" anchor="ctr"/>
+          <a:lstStyle/>
+          <a:p>
             <a:pPr algn="ctr"/>
             <a:endParaRPr lang="ko-KR" altLang="en-US" sz="1300" dirty="0">
               <a:solidFill>
@@ -15138,9 +14750,87 @@
           </a:p>
         </p:txBody>
       </p:sp>
-      <p:sp>
-        <p:nvSpPr>
-          <p:cNvPr id="7" name="제목 5"/>
+      <p:cxnSp>
+        <p:nvCxnSpPr>
+          <p:cNvPr id="17" name="직선 화살표 연결선 16"/>
+          <p:cNvCxnSpPr>
+            <a:stCxn id="14" idx="1"/>
+          </p:cNvCxnSpPr>
+          <p:nvPr/>
+        </p:nvCxnSpPr>
+        <p:spPr>
+          <a:xfrm flipH="1" flipV="1">
+            <a:off x="5181852" y="1982908"/>
+            <a:ext cx="576860" cy="149948"/>
+          </a:xfrm>
+          <a:prstGeom prst="straightConnector1">
+            <a:avLst/>
+          </a:prstGeom>
+          <a:ln w="9525">
+            <a:solidFill>
+              <a:srgbClr val="C00000"/>
+            </a:solidFill>
+            <a:prstDash val="solid"/>
+            <a:headEnd type="none" w="med" len="med"/>
+            <a:tailEnd type="triangle" w="med" len="med"/>
+          </a:ln>
+        </p:spPr>
+        <p:style>
+          <a:lnRef idx="1">
+            <a:schemeClr val="accent1"/>
+          </a:lnRef>
+          <a:fillRef idx="0">
+            <a:schemeClr val="accent1"/>
+          </a:fillRef>
+          <a:effectRef idx="0">
+            <a:schemeClr val="accent1"/>
+          </a:effectRef>
+          <a:fontRef idx="minor">
+            <a:schemeClr val="tx1"/>
+          </a:fontRef>
+        </p:style>
+      </p:cxnSp>
+      <p:pic>
+        <p:nvPicPr>
+          <p:cNvPr id="2" name="그림 1"/>
+          <p:cNvPicPr>
+            <a:picLocks noChangeAspect="1"/>
+          </p:cNvPicPr>
+          <p:nvPr/>
+        </p:nvPicPr>
+        <p:blipFill>
+          <a:blip r:embed="rId4">
+            <a:extLst>
+              <a:ext uri="{28A0092B-C50C-407E-A947-70E740481C1C}">
+                <a14:useLocalDpi xmlns:a14="http://schemas.microsoft.com/office/drawing/2010/main" val="0"/>
+              </a:ext>
+            </a:extLst>
+          </a:blip>
+          <a:stretch>
+            <a:fillRect/>
+          </a:stretch>
+        </p:blipFill>
+        <p:spPr>
+          <a:xfrm>
+            <a:off x="5937950" y="4383277"/>
+            <a:ext cx="2471433" cy="1393613"/>
+          </a:xfrm>
+          <a:prstGeom prst="rect">
+            <a:avLst/>
+          </a:prstGeom>
+          <a:ln>
+            <a:solidFill>
+              <a:schemeClr val="accent5">
+                <a:lumMod val="20000"/>
+                <a:lumOff val="80000"/>
+              </a:schemeClr>
+            </a:solidFill>
+          </a:ln>
+        </p:spPr>
+      </p:pic>
+      <p:sp>
+        <p:nvSpPr>
+          <p:cNvPr id="9" name="제목 5"/>
           <p:cNvSpPr txBox="1">
             <a:spLocks/>
           </p:cNvSpPr>
@@ -15194,10 +14884,47 @@
           </a:p>
         </p:txBody>
       </p:sp>
+      <p:pic>
+        <p:nvPicPr>
+          <p:cNvPr id="3" name="그림 2"/>
+          <p:cNvPicPr>
+            <a:picLocks noChangeAspect="1"/>
+          </p:cNvPicPr>
+          <p:nvPr/>
+        </p:nvPicPr>
+        <p:blipFill>
+          <a:blip r:embed="rId5">
+            <a:extLst>
+              <a:ext uri="{28A0092B-C50C-407E-A947-70E740481C1C}">
+                <a14:useLocalDpi xmlns:a14="http://schemas.microsoft.com/office/drawing/2010/main" val="0"/>
+              </a:ext>
+            </a:extLst>
+          </a:blip>
+          <a:stretch>
+            <a:fillRect/>
+          </a:stretch>
+        </p:blipFill>
+        <p:spPr>
+          <a:xfrm>
+            <a:off x="1367989" y="4383277"/>
+            <a:ext cx="3833854" cy="1700397"/>
+          </a:xfrm>
+          <a:prstGeom prst="rect">
+            <a:avLst/>
+          </a:prstGeom>
+          <a:ln>
+            <a:solidFill>
+              <a:schemeClr val="bg1">
+                <a:lumMod val="85000"/>
+              </a:schemeClr>
+            </a:solidFill>
+          </a:ln>
+        </p:spPr>
+      </p:pic>
     </p:spTree>
     <p:extLst>
       <p:ext uri="{BB962C8B-B14F-4D97-AF65-F5344CB8AC3E}">
-        <p14:creationId xmlns:p14="http://schemas.microsoft.com/office/powerpoint/2010/main" val="1026214474"/>
+        <p14:creationId xmlns:p14="http://schemas.microsoft.com/office/powerpoint/2010/main" val="1498656667"/>
       </p:ext>
     </p:extLst>
   </p:cSld>
@@ -15284,7 +15011,7 @@
         <p:spPr>
           <a:xfrm>
             <a:off x="776536" y="980728"/>
-            <a:ext cx="8496944" cy="969496"/>
+            <a:ext cx="8496944" cy="1015663"/>
           </a:xfrm>
           <a:prstGeom prst="rect">
             <a:avLst/>
@@ -15316,15 +15043,7 @@
             </a:r>
             <a:r>
               <a:rPr lang="ko-KR" altLang="en-US" sz="2000" b="1" dirty="0" smtClean="0"/>
-              <a:t>방식 요청 동시에 처리하기 </a:t>
-            </a:r>
-            <a:r>
-              <a:rPr lang="en-US" altLang="ko-KR" sz="2000" b="1" dirty="0" smtClean="0"/>
-              <a:t>- </a:t>
-            </a:r>
-            <a:r>
-              <a:rPr lang="ko-KR" altLang="en-US" sz="2000" b="1" dirty="0" smtClean="0"/>
-              <a:t>간단</a:t>
+              <a:t>방식 요청 동시에 처리하기</a:t>
             </a:r>
             <a:endParaRPr lang="en-US" altLang="ko-KR" sz="2000" b="1" dirty="0" smtClean="0"/>
           </a:p>
@@ -15335,24 +15054,24 @@
               </a:lnSpc>
             </a:pPr>
             <a:r>
-              <a:rPr lang="en-US" altLang="ko-KR" b="1" dirty="0" smtClean="0"/>
+              <a:rPr lang="en-US" altLang="ko-KR" sz="2000" b="1" dirty="0"/>
               <a:t>- </a:t>
             </a:r>
             <a:r>
-              <a:rPr lang="ko-KR" altLang="en-US" b="1" dirty="0" smtClean="0"/>
+              <a:rPr lang="ko-KR" altLang="en-US" sz="2000" b="1" dirty="0"/>
               <a:t>방법 </a:t>
             </a:r>
             <a:r>
-              <a:rPr lang="en-US" altLang="ko-KR" b="1" dirty="0"/>
-              <a:t>2</a:t>
-            </a:r>
-            <a:endParaRPr lang="en-US" altLang="ko-KR" b="1" dirty="0" smtClean="0"/>
+              <a:rPr lang="en-US" altLang="ko-KR" sz="2000" b="1" dirty="0" smtClean="0"/>
+              <a:t>1</a:t>
+            </a:r>
+            <a:endParaRPr lang="en-US" altLang="ko-KR" sz="2000" b="1" dirty="0"/>
           </a:p>
         </p:txBody>
       </p:sp>
       <p:pic>
         <p:nvPicPr>
-          <p:cNvPr id="2" name="그림 1"/>
+          <p:cNvPr id="3" name="그림 2"/>
           <p:cNvPicPr>
             <a:picLocks noChangeAspect="1"/>
           </p:cNvPicPr>
@@ -15372,8 +15091,8 @@
         </p:blipFill>
         <p:spPr>
           <a:xfrm>
-            <a:off x="1313047" y="2060848"/>
-            <a:ext cx="7423922" cy="3934501"/>
+            <a:off x="938229" y="1941965"/>
+            <a:ext cx="7888336" cy="4320582"/>
           </a:xfrm>
           <a:prstGeom prst="rect">
             <a:avLst/>
@@ -15402,8 +15121,8 @@
         </p:nvSpPr>
         <p:spPr>
           <a:xfrm>
-            <a:off x="1136576" y="3332689"/>
-            <a:ext cx="7776864" cy="653970"/>
+            <a:off x="704528" y="4293096"/>
+            <a:ext cx="8784976" cy="2088232"/>
           </a:xfrm>
           <a:prstGeom prst="roundRect">
             <a:avLst/>
@@ -15499,7 +15218,7 @@
     </p:spTree>
     <p:extLst>
       <p:ext uri="{BB962C8B-B14F-4D97-AF65-F5344CB8AC3E}">
-        <p14:creationId xmlns:p14="http://schemas.microsoft.com/office/powerpoint/2010/main" val="3918968659"/>
+        <p14:creationId xmlns:p14="http://schemas.microsoft.com/office/powerpoint/2010/main" val="1026214474"/>
       </p:ext>
     </p:extLst>
   </p:cSld>
@@ -15544,6 +15263,308 @@
         <p:spPr>
           <a:xfrm>
             <a:off x="0" y="-27384"/>
+            <a:ext cx="8337376" cy="854968"/>
+          </a:xfrm>
+          <a:prstGeom prst="rect">
+            <a:avLst/>
+          </a:prstGeom>
+        </p:spPr>
+        <p:txBody>
+          <a:bodyPr anchor="ctr" anchorCtr="0"/>
+          <a:lstStyle>
+            <a:lvl1pPr algn="l" defTabSz="914400" rtl="0" eaLnBrk="1" latinLnBrk="1" hangingPunct="1">
+              <a:spcBef>
+                <a:spcPct val="0"/>
+              </a:spcBef>
+              <a:buNone/>
+              <a:defRPr sz="3200" kern="1200">
+                <a:solidFill>
+                  <a:schemeClr val="bg1"/>
+                </a:solidFill>
+                <a:latin typeface="HY헤드라인M" panose="02030600000101010101" pitchFamily="18" charset="-127"/>
+                <a:ea typeface="HY헤드라인M" panose="02030600000101010101" pitchFamily="18" charset="-127"/>
+                <a:cs typeface="+mj-cs"/>
+              </a:defRPr>
+            </a:lvl1pPr>
+          </a:lstStyle>
+          <a:p>
+            <a:r>
+              <a:rPr lang="en-US" altLang="ko-KR" dirty="0" smtClean="0"/>
+              <a:t> </a:t>
+            </a:r>
+            <a:endParaRPr lang="ko-KR" altLang="en-US" dirty="0"/>
+          </a:p>
+        </p:txBody>
+      </p:sp>
+      <p:sp>
+        <p:nvSpPr>
+          <p:cNvPr id="4" name="TextBox 3"/>
+          <p:cNvSpPr txBox="1"/>
+          <p:nvPr/>
+        </p:nvSpPr>
+        <p:spPr>
+          <a:xfrm>
+            <a:off x="776536" y="980728"/>
+            <a:ext cx="8496944" cy="969496"/>
+          </a:xfrm>
+          <a:prstGeom prst="rect">
+            <a:avLst/>
+          </a:prstGeom>
+          <a:noFill/>
+        </p:spPr>
+        <p:txBody>
+          <a:bodyPr wrap="square" rtlCol="0">
+            <a:spAutoFit/>
+          </a:bodyPr>
+          <a:lstStyle/>
+          <a:p>
+            <a:pPr>
+              <a:lnSpc>
+                <a:spcPct val="150000"/>
+              </a:lnSpc>
+            </a:pPr>
+            <a:r>
+              <a:rPr lang="en-US" altLang="ko-KR" sz="2000" b="1" dirty="0" smtClean="0"/>
+              <a:t>GET</a:t>
+            </a:r>
+            <a:r>
+              <a:rPr lang="ko-KR" altLang="en-US" sz="2000" b="1" dirty="0" smtClean="0"/>
+              <a:t>방식과 </a:t>
+            </a:r>
+            <a:r>
+              <a:rPr lang="en-US" altLang="ko-KR" sz="2000" b="1" dirty="0" smtClean="0"/>
+              <a:t>POST </a:t>
+            </a:r>
+            <a:r>
+              <a:rPr lang="ko-KR" altLang="en-US" sz="2000" b="1" dirty="0" smtClean="0"/>
+              <a:t>방식 요청 동시에 처리하기 </a:t>
+            </a:r>
+            <a:r>
+              <a:rPr lang="en-US" altLang="ko-KR" sz="2000" b="1" dirty="0" smtClean="0"/>
+              <a:t>- </a:t>
+            </a:r>
+            <a:r>
+              <a:rPr lang="ko-KR" altLang="en-US" sz="2000" b="1" dirty="0" smtClean="0"/>
+              <a:t>간단</a:t>
+            </a:r>
+            <a:endParaRPr lang="en-US" altLang="ko-KR" sz="2000" b="1" dirty="0" smtClean="0"/>
+          </a:p>
+          <a:p>
+            <a:pPr>
+              <a:lnSpc>
+                <a:spcPct val="150000"/>
+              </a:lnSpc>
+            </a:pPr>
+            <a:r>
+              <a:rPr lang="en-US" altLang="ko-KR" b="1" dirty="0" smtClean="0"/>
+              <a:t>- </a:t>
+            </a:r>
+            <a:r>
+              <a:rPr lang="ko-KR" altLang="en-US" b="1" dirty="0" smtClean="0"/>
+              <a:t>방법 </a:t>
+            </a:r>
+            <a:r>
+              <a:rPr lang="en-US" altLang="ko-KR" b="1" dirty="0"/>
+              <a:t>2</a:t>
+            </a:r>
+            <a:endParaRPr lang="en-US" altLang="ko-KR" b="1" dirty="0" smtClean="0"/>
+          </a:p>
+        </p:txBody>
+      </p:sp>
+      <p:pic>
+        <p:nvPicPr>
+          <p:cNvPr id="2" name="그림 1"/>
+          <p:cNvPicPr>
+            <a:picLocks noChangeAspect="1"/>
+          </p:cNvPicPr>
+          <p:nvPr/>
+        </p:nvPicPr>
+        <p:blipFill>
+          <a:blip r:embed="rId3">
+            <a:extLst>
+              <a:ext uri="{28A0092B-C50C-407E-A947-70E740481C1C}">
+                <a14:useLocalDpi xmlns:a14="http://schemas.microsoft.com/office/drawing/2010/main" val="0"/>
+              </a:ext>
+            </a:extLst>
+          </a:blip>
+          <a:stretch>
+            <a:fillRect/>
+          </a:stretch>
+        </p:blipFill>
+        <p:spPr>
+          <a:xfrm>
+            <a:off x="1313047" y="2060848"/>
+            <a:ext cx="7423922" cy="3934501"/>
+          </a:xfrm>
+          <a:prstGeom prst="rect">
+            <a:avLst/>
+          </a:prstGeom>
+          <a:ln>
+            <a:solidFill>
+              <a:schemeClr val="accent5">
+                <a:lumMod val="20000"/>
+                <a:lumOff val="80000"/>
+              </a:schemeClr>
+            </a:solidFill>
+          </a:ln>
+        </p:spPr>
+      </p:pic>
+      <p:sp>
+        <p:nvSpPr>
+          <p:cNvPr id="13" name="모서리가 둥근 직사각형 12">
+            <a:extLst>
+              <a:ext uri="{FF2B5EF4-FFF2-40B4-BE49-F238E27FC236}">
+                <a16:creationId xmlns:a16="http://schemas.microsoft.com/office/drawing/2014/main" id="{792DA8B4-17B2-454B-97AC-17311A4832C5}"/>
+              </a:ext>
+            </a:extLst>
+          </p:cNvPr>
+          <p:cNvSpPr/>
+          <p:nvPr/>
+        </p:nvSpPr>
+        <p:spPr>
+          <a:xfrm>
+            <a:off x="1136576" y="3332689"/>
+            <a:ext cx="7776864" cy="653970"/>
+          </a:xfrm>
+          <a:prstGeom prst="roundRect">
+            <a:avLst/>
+          </a:prstGeom>
+          <a:noFill/>
+          <a:ln>
+            <a:prstDash val="sysDash"/>
+          </a:ln>
+        </p:spPr>
+        <p:style>
+          <a:lnRef idx="2">
+            <a:schemeClr val="accent2"/>
+          </a:lnRef>
+          <a:fillRef idx="1">
+            <a:schemeClr val="lt1"/>
+          </a:fillRef>
+          <a:effectRef idx="0">
+            <a:schemeClr val="accent2"/>
+          </a:effectRef>
+          <a:fontRef idx="minor">
+            <a:schemeClr val="dk1"/>
+          </a:fontRef>
+        </p:style>
+        <p:txBody>
+          <a:bodyPr rtlCol="0" anchor="ctr"/>
+          <a:lstStyle/>
+          <a:p>
+            <a:pPr algn="ctr"/>
+            <a:endParaRPr lang="ko-KR" altLang="en-US" sz="1300" dirty="0">
+              <a:solidFill>
+                <a:sysClr val="windowText" lastClr="000000"/>
+              </a:solidFill>
+            </a:endParaRPr>
+          </a:p>
+        </p:txBody>
+      </p:sp>
+      <p:sp>
+        <p:nvSpPr>
+          <p:cNvPr id="7" name="제목 5"/>
+          <p:cNvSpPr txBox="1">
+            <a:spLocks/>
+          </p:cNvSpPr>
+          <p:nvPr/>
+        </p:nvSpPr>
+        <p:spPr>
+          <a:xfrm>
+            <a:off x="152400" y="-27384"/>
+            <a:ext cx="8337376" cy="854968"/>
+          </a:xfrm>
+          <a:prstGeom prst="rect">
+            <a:avLst/>
+          </a:prstGeom>
+        </p:spPr>
+        <p:txBody>
+          <a:bodyPr anchor="ctr" anchorCtr="0"/>
+          <a:lstStyle>
+            <a:lvl1pPr algn="l" defTabSz="914400" rtl="0" eaLnBrk="1" latinLnBrk="1" hangingPunct="1">
+              <a:spcBef>
+                <a:spcPct val="0"/>
+              </a:spcBef>
+              <a:buNone/>
+              <a:defRPr sz="3200" kern="1200">
+                <a:solidFill>
+                  <a:schemeClr val="bg1"/>
+                </a:solidFill>
+                <a:latin typeface="HY헤드라인M" panose="02030600000101010101" pitchFamily="18" charset="-127"/>
+                <a:ea typeface="HY헤드라인M" panose="02030600000101010101" pitchFamily="18" charset="-127"/>
+                <a:cs typeface="+mj-cs"/>
+              </a:defRPr>
+            </a:lvl1pPr>
+          </a:lstStyle>
+          <a:p>
+            <a:r>
+              <a:rPr lang="en-US" altLang="ko-KR" dirty="0" smtClean="0"/>
+              <a:t> GET</a:t>
+            </a:r>
+            <a:r>
+              <a:rPr lang="ko-KR" altLang="en-US" dirty="0" smtClean="0"/>
+              <a:t>방식과 </a:t>
+            </a:r>
+            <a:r>
+              <a:rPr lang="en-US" altLang="ko-KR" dirty="0" smtClean="0"/>
+              <a:t>POST </a:t>
+            </a:r>
+            <a:r>
+              <a:rPr lang="ko-KR" altLang="en-US" dirty="0" smtClean="0"/>
+              <a:t>방식으로 동시 처리</a:t>
+            </a:r>
+            <a:endParaRPr lang="ko-KR" altLang="en-US" dirty="0"/>
+          </a:p>
+        </p:txBody>
+      </p:sp>
+    </p:spTree>
+    <p:extLst>
+      <p:ext uri="{BB962C8B-B14F-4D97-AF65-F5344CB8AC3E}">
+        <p14:creationId xmlns:p14="http://schemas.microsoft.com/office/powerpoint/2010/main" val="3918968659"/>
+      </p:ext>
+    </p:extLst>
+  </p:cSld>
+  <p:clrMapOvr>
+    <a:masterClrMapping/>
+  </p:clrMapOvr>
+  <p:timing>
+    <p:tnLst>
+      <p:par>
+        <p:cTn id="1" dur="indefinite" restart="never" nodeType="tmRoot"/>
+      </p:par>
+    </p:tnLst>
+  </p:timing>
+</p:sld>
+</file>
+
+<file path=ppt/slides/slide36.xml><?xml version="1.0" encoding="utf-8"?>
+<p:sld xmlns:a="http://schemas.openxmlformats.org/drawingml/2006/main" xmlns:r="http://schemas.openxmlformats.org/officeDocument/2006/relationships" xmlns:p="http://schemas.openxmlformats.org/presentationml/2006/main">
+  <p:cSld>
+    <p:spTree>
+      <p:nvGrpSpPr>
+        <p:cNvPr id="1" name=""/>
+        <p:cNvGrpSpPr/>
+        <p:nvPr/>
+      </p:nvGrpSpPr>
+      <p:grpSpPr>
+        <a:xfrm>
+          <a:off x="0" y="0"/>
+          <a:ext cx="0" cy="0"/>
+          <a:chOff x="0" y="0"/>
+          <a:chExt cx="0" cy="0"/>
+        </a:xfrm>
+      </p:grpSpPr>
+      <p:sp>
+        <p:nvSpPr>
+          <p:cNvPr id="15" name="제목 5"/>
+          <p:cNvSpPr txBox="1">
+            <a:spLocks/>
+          </p:cNvSpPr>
+          <p:nvPr/>
+        </p:nvSpPr>
+        <p:spPr>
+          <a:xfrm>
+            <a:off x="0" y="-27384"/>
             <a:ext cx="7995338" cy="854968"/>
           </a:xfrm>
           <a:prstGeom prst="rect">
@@ -16107,7 +16128,7 @@
 </p:sld>
 </file>
 
-<file path=ppt/slides/slide36.xml><?xml version="1.0" encoding="utf-8"?>
+<file path=ppt/slides/slide37.xml><?xml version="1.0" encoding="utf-8"?>
 <p:sld xmlns:a="http://schemas.openxmlformats.org/drawingml/2006/main" xmlns:r="http://schemas.openxmlformats.org/officeDocument/2006/relationships" xmlns:p="http://schemas.openxmlformats.org/presentationml/2006/main">
   <p:cSld>
     <p:spTree>
@@ -16879,7 +16900,7 @@
 </p:sld>
 </file>
 
-<file path=ppt/slides/slide37.xml><?xml version="1.0" encoding="utf-8"?>
+<file path=ppt/slides/slide38.xml><?xml version="1.0" encoding="utf-8"?>
 <p:sld xmlns:a="http://schemas.openxmlformats.org/drawingml/2006/main" xmlns:r="http://schemas.openxmlformats.org/officeDocument/2006/relationships" xmlns:p="http://schemas.openxmlformats.org/presentationml/2006/main">
   <p:cSld>
     <p:spTree>
@@ -17228,7 +17249,7 @@
 </p:sld>
 </file>
 
-<file path=ppt/slides/slide38.xml><?xml version="1.0" encoding="utf-8"?>
+<file path=ppt/slides/slide39.xml><?xml version="1.0" encoding="utf-8"?>
 <p:sld xmlns:a="http://schemas.openxmlformats.org/drawingml/2006/main" xmlns:r="http://schemas.openxmlformats.org/officeDocument/2006/relationships" xmlns:p="http://schemas.openxmlformats.org/presentationml/2006/main">
   <p:cSld>
     <p:spTree>
@@ -17405,7 +17426,485 @@
 </p:sld>
 </file>
 
-<file path=ppt/slides/slide39.xml><?xml version="1.0" encoding="utf-8"?>
+<file path=ppt/slides/slide4.xml><?xml version="1.0" encoding="utf-8"?>
+<p:sld xmlns:a="http://schemas.openxmlformats.org/drawingml/2006/main" xmlns:r="http://schemas.openxmlformats.org/officeDocument/2006/relationships" xmlns:p="http://schemas.openxmlformats.org/presentationml/2006/main">
+  <p:cSld>
+    <p:spTree>
+      <p:nvGrpSpPr>
+        <p:cNvPr id="1" name=""/>
+        <p:cNvGrpSpPr/>
+        <p:nvPr/>
+      </p:nvGrpSpPr>
+      <p:grpSpPr>
+        <a:xfrm>
+          <a:off x="0" y="0"/>
+          <a:ext cx="0" cy="0"/>
+          <a:chOff x="0" y="0"/>
+          <a:chExt cx="0" cy="0"/>
+        </a:xfrm>
+      </p:grpSpPr>
+      <p:sp>
+        <p:nvSpPr>
+          <p:cNvPr id="15" name="제목 5"/>
+          <p:cNvSpPr txBox="1">
+            <a:spLocks/>
+          </p:cNvSpPr>
+          <p:nvPr/>
+        </p:nvSpPr>
+        <p:spPr>
+          <a:xfrm>
+            <a:off x="0" y="-27384"/>
+            <a:ext cx="7995338" cy="854968"/>
+          </a:xfrm>
+          <a:prstGeom prst="rect">
+            <a:avLst/>
+          </a:prstGeom>
+        </p:spPr>
+        <p:txBody>
+          <a:bodyPr anchor="ctr" anchorCtr="0"/>
+          <a:lstStyle>
+            <a:lvl1pPr algn="l" defTabSz="914400" rtl="0" eaLnBrk="1" latinLnBrk="1" hangingPunct="1">
+              <a:spcBef>
+                <a:spcPct val="0"/>
+              </a:spcBef>
+              <a:buNone/>
+              <a:defRPr sz="3200" kern="1200">
+                <a:solidFill>
+                  <a:schemeClr val="bg1"/>
+                </a:solidFill>
+                <a:latin typeface="HY헤드라인M" panose="02030600000101010101" pitchFamily="18" charset="-127"/>
+                <a:ea typeface="HY헤드라인M" panose="02030600000101010101" pitchFamily="18" charset="-127"/>
+                <a:cs typeface="+mj-cs"/>
+              </a:defRPr>
+            </a:lvl1pPr>
+          </a:lstStyle>
+          <a:p>
+            <a:r>
+              <a:rPr lang="en-US" altLang="ko-KR" dirty="0" smtClean="0"/>
+              <a:t> </a:t>
+            </a:r>
+            <a:r>
+              <a:rPr lang="ko-KR" altLang="en-US" dirty="0" smtClean="0"/>
+              <a:t>웹 프로그래밍과 </a:t>
+            </a:r>
+            <a:r>
+              <a:rPr lang="en-US" altLang="ko-KR" dirty="0" smtClean="0"/>
+              <a:t>JSP</a:t>
+            </a:r>
+            <a:endParaRPr lang="ko-KR" altLang="en-US" dirty="0"/>
+          </a:p>
+        </p:txBody>
+      </p:sp>
+      <p:sp>
+        <p:nvSpPr>
+          <p:cNvPr id="11" name="TextBox 10"/>
+          <p:cNvSpPr txBox="1"/>
+          <p:nvPr/>
+        </p:nvSpPr>
+        <p:spPr>
+          <a:xfrm>
+            <a:off x="848544" y="1000530"/>
+            <a:ext cx="8280920" cy="4755148"/>
+          </a:xfrm>
+          <a:prstGeom prst="rect">
+            <a:avLst/>
+          </a:prstGeom>
+          <a:noFill/>
+        </p:spPr>
+        <p:txBody>
+          <a:bodyPr wrap="square" rtlCol="0">
+            <a:spAutoFit/>
+          </a:bodyPr>
+          <a:lstStyle/>
+          <a:p>
+            <a:pPr>
+              <a:lnSpc>
+                <a:spcPct val="150000"/>
+              </a:lnSpc>
+            </a:pPr>
+            <a:r>
+              <a:rPr lang="en-US" altLang="ko-KR" sz="2200" b="1" dirty="0" smtClean="0"/>
+              <a:t>JSP</a:t>
+            </a:r>
+            <a:r>
+              <a:rPr lang="ko-KR" altLang="en-US" sz="2200" b="1" dirty="0" smtClean="0"/>
+              <a:t>의 특징</a:t>
+            </a:r>
+            <a:endParaRPr lang="en-US" altLang="ko-KR" sz="2200" b="1" dirty="0" smtClean="0"/>
+          </a:p>
+          <a:p>
+            <a:pPr marL="342900" indent="-342900">
+              <a:lnSpc>
+                <a:spcPct val="150000"/>
+              </a:lnSpc>
+              <a:buFont typeface="Arial" panose="020B0604020202020204" pitchFamily="34" charset="0"/>
+              <a:buChar char="•"/>
+            </a:pPr>
+            <a:r>
+              <a:rPr lang="en-US" altLang="ko-KR" b="1" dirty="0" smtClean="0"/>
+              <a:t>JSP</a:t>
+            </a:r>
+            <a:r>
+              <a:rPr lang="ko-KR" altLang="en-US" b="1" dirty="0" smtClean="0"/>
+              <a:t>는 </a:t>
+            </a:r>
+            <a:r>
+              <a:rPr lang="ko-KR" altLang="en-US" b="1" dirty="0" err="1" smtClean="0"/>
+              <a:t>서블릿</a:t>
+            </a:r>
+            <a:r>
+              <a:rPr lang="ko-KR" altLang="en-US" b="1" dirty="0" smtClean="0"/>
+              <a:t> 기술의 확장이다</a:t>
+            </a:r>
+            <a:r>
+              <a:rPr lang="en-US" altLang="ko-KR" b="1" dirty="0" smtClean="0"/>
+              <a:t>.</a:t>
+            </a:r>
+          </a:p>
+          <a:p>
+            <a:pPr>
+              <a:lnSpc>
+                <a:spcPct val="150000"/>
+              </a:lnSpc>
+            </a:pPr>
+            <a:r>
+              <a:rPr lang="en-US" altLang="ko-KR" dirty="0"/>
+              <a:t> </a:t>
+            </a:r>
+            <a:r>
+              <a:rPr lang="en-US" altLang="ko-KR" dirty="0" smtClean="0"/>
+              <a:t>   </a:t>
+            </a:r>
+            <a:r>
+              <a:rPr lang="ko-KR" altLang="en-US" sz="1600" dirty="0" smtClean="0"/>
+              <a:t>처음에는 서버 측 프로그래밍 방식으로 자바를 사용하는 </a:t>
+            </a:r>
+            <a:r>
+              <a:rPr lang="ko-KR" altLang="en-US" sz="1600" dirty="0" err="1" smtClean="0"/>
+              <a:t>서블릿</a:t>
+            </a:r>
+            <a:r>
+              <a:rPr lang="en-US" altLang="ko-KR" sz="1600" dirty="0" smtClean="0"/>
+              <a:t>(Servlet)</a:t>
+            </a:r>
+            <a:r>
+              <a:rPr lang="ko-KR" altLang="en-US" sz="1600" dirty="0" smtClean="0"/>
+              <a:t>을 먼저 개발</a:t>
+            </a:r>
+            <a:endParaRPr lang="en-US" altLang="ko-KR" sz="1600" dirty="0" smtClean="0"/>
+          </a:p>
+          <a:p>
+            <a:pPr>
+              <a:lnSpc>
+                <a:spcPct val="150000"/>
+              </a:lnSpc>
+            </a:pPr>
+            <a:r>
+              <a:rPr lang="en-US" altLang="ko-KR" sz="1600" dirty="0"/>
+              <a:t> </a:t>
+            </a:r>
+            <a:r>
+              <a:rPr lang="en-US" altLang="ko-KR" sz="1600" dirty="0" smtClean="0"/>
+              <a:t>    </a:t>
+            </a:r>
+            <a:r>
+              <a:rPr lang="ko-KR" altLang="en-US" sz="1600" dirty="0" smtClean="0"/>
+              <a:t>하였으나 </a:t>
+            </a:r>
+            <a:r>
+              <a:rPr lang="ko-KR" altLang="en-US" sz="1600" dirty="0" err="1" smtClean="0"/>
+              <a:t>서블릿</a:t>
+            </a:r>
+            <a:r>
+              <a:rPr lang="ko-KR" altLang="en-US" sz="1600" dirty="0" smtClean="0"/>
+              <a:t> 개발방식이 쉽지 않아서 개발된 기술이 </a:t>
+            </a:r>
+            <a:r>
+              <a:rPr lang="en-US" altLang="ko-KR" sz="1600" dirty="0" smtClean="0"/>
+              <a:t>JSP(HTML</a:t>
+            </a:r>
+            <a:r>
+              <a:rPr lang="ko-KR" altLang="en-US" sz="1600" dirty="0" smtClean="0"/>
+              <a:t>코드에 삽입</a:t>
+            </a:r>
+            <a:r>
+              <a:rPr lang="en-US" altLang="ko-KR" sz="1600" dirty="0" smtClean="0"/>
+              <a:t>)</a:t>
+            </a:r>
+            <a:r>
+              <a:rPr lang="ko-KR" altLang="en-US" sz="1600" dirty="0" smtClean="0"/>
+              <a:t>이다</a:t>
+            </a:r>
+            <a:endParaRPr lang="en-US" altLang="ko-KR" sz="1600" dirty="0" smtClean="0"/>
+          </a:p>
+          <a:p>
+            <a:pPr marL="342900" indent="-342900">
+              <a:lnSpc>
+                <a:spcPct val="150000"/>
+              </a:lnSpc>
+              <a:buFont typeface="Arial" panose="020B0604020202020204" pitchFamily="34" charset="0"/>
+              <a:buChar char="•"/>
+            </a:pPr>
+            <a:r>
+              <a:rPr lang="en-US" altLang="ko-KR" b="1" dirty="0" smtClean="0"/>
+              <a:t>JSP</a:t>
+            </a:r>
+            <a:r>
+              <a:rPr lang="ko-KR" altLang="en-US" b="1" dirty="0" smtClean="0"/>
+              <a:t>는 유지 관리가 용이하다</a:t>
+            </a:r>
+            <a:r>
+              <a:rPr lang="en-US" altLang="ko-KR" b="1" dirty="0" smtClean="0"/>
+              <a:t>.</a:t>
+            </a:r>
+          </a:p>
+          <a:p>
+            <a:pPr>
+              <a:lnSpc>
+                <a:spcPct val="150000"/>
+              </a:lnSpc>
+            </a:pPr>
+            <a:r>
+              <a:rPr lang="en-US" altLang="ko-KR" dirty="0"/>
+              <a:t> </a:t>
+            </a:r>
+            <a:r>
+              <a:rPr lang="en-US" altLang="ko-KR" dirty="0" smtClean="0"/>
+              <a:t>   </a:t>
+            </a:r>
+            <a:r>
+              <a:rPr lang="ko-KR" altLang="en-US" sz="1600" dirty="0" err="1" smtClean="0"/>
+              <a:t>서블릿</a:t>
+            </a:r>
+            <a:r>
+              <a:rPr lang="ko-KR" altLang="en-US" sz="1600" dirty="0" smtClean="0"/>
+              <a:t> 기술은 프레젠테이션</a:t>
+            </a:r>
+            <a:r>
+              <a:rPr lang="en-US" altLang="ko-KR" sz="1600" dirty="0" smtClean="0"/>
+              <a:t>(View)</a:t>
+            </a:r>
+            <a:r>
+              <a:rPr lang="ko-KR" altLang="en-US" sz="1600" dirty="0" smtClean="0"/>
+              <a:t>와 비즈니스 </a:t>
+            </a:r>
+            <a:r>
+              <a:rPr lang="ko-KR" altLang="en-US" sz="1600" dirty="0" err="1" smtClean="0"/>
+              <a:t>로직</a:t>
+            </a:r>
+            <a:r>
+              <a:rPr lang="en-US" altLang="ko-KR" sz="1600" dirty="0" smtClean="0"/>
+              <a:t>(Control)</a:t>
+            </a:r>
+            <a:r>
+              <a:rPr lang="ko-KR" altLang="en-US" sz="1600" dirty="0" smtClean="0"/>
+              <a:t>이 섞여 있지만 </a:t>
+            </a:r>
+            <a:r>
+              <a:rPr lang="en-US" altLang="ko-KR" sz="1600" dirty="0" smtClean="0"/>
+              <a:t>JSP</a:t>
+            </a:r>
+            <a:r>
+              <a:rPr lang="ko-KR" altLang="en-US" sz="1600" dirty="0" smtClean="0"/>
+              <a:t>는 분</a:t>
+            </a:r>
+            <a:endParaRPr lang="en-US" altLang="ko-KR" sz="1600" dirty="0" smtClean="0"/>
+          </a:p>
+          <a:p>
+            <a:pPr>
+              <a:lnSpc>
+                <a:spcPct val="150000"/>
+              </a:lnSpc>
+            </a:pPr>
+            <a:r>
+              <a:rPr lang="en-US" altLang="ko-KR" sz="1600" dirty="0"/>
+              <a:t> </a:t>
+            </a:r>
+            <a:r>
+              <a:rPr lang="en-US" altLang="ko-KR" sz="1600" dirty="0" smtClean="0"/>
+              <a:t>   </a:t>
+            </a:r>
+            <a:r>
+              <a:rPr lang="ko-KR" altLang="en-US" sz="1600" dirty="0" err="1" smtClean="0"/>
+              <a:t>리할</a:t>
+            </a:r>
+            <a:r>
+              <a:rPr lang="ko-KR" altLang="en-US" sz="1600" dirty="0" smtClean="0"/>
+              <a:t> 수 있어서 관리가 쉽다</a:t>
+            </a:r>
+            <a:r>
+              <a:rPr lang="en-US" altLang="ko-KR" dirty="0" smtClean="0"/>
+              <a:t>.</a:t>
+            </a:r>
+          </a:p>
+          <a:p>
+            <a:pPr marL="342900" indent="-342900">
+              <a:lnSpc>
+                <a:spcPct val="150000"/>
+              </a:lnSpc>
+              <a:buFont typeface="Arial" panose="020B0604020202020204" pitchFamily="34" charset="0"/>
+              <a:buChar char="•"/>
+            </a:pPr>
+            <a:r>
+              <a:rPr lang="en-US" altLang="ko-KR" b="1" dirty="0" smtClean="0"/>
+              <a:t>JSP</a:t>
+            </a:r>
+            <a:r>
+              <a:rPr lang="ko-KR" altLang="en-US" b="1" dirty="0" smtClean="0"/>
+              <a:t>는 빠른 개발이 가능하다</a:t>
+            </a:r>
+            <a:r>
+              <a:rPr lang="en-US" altLang="ko-KR" b="1" dirty="0" smtClean="0"/>
+              <a:t>.</a:t>
+            </a:r>
+          </a:p>
+          <a:p>
+            <a:pPr>
+              <a:lnSpc>
+                <a:spcPct val="150000"/>
+              </a:lnSpc>
+            </a:pPr>
+            <a:r>
+              <a:rPr lang="en-US" altLang="ko-KR" dirty="0" smtClean="0"/>
+              <a:t>    </a:t>
+            </a:r>
+            <a:r>
+              <a:rPr lang="ko-KR" altLang="en-US" sz="1600" dirty="0" smtClean="0"/>
+              <a:t>코드를 </a:t>
+            </a:r>
+            <a:r>
+              <a:rPr lang="ko-KR" altLang="en-US" sz="1600" dirty="0" err="1" smtClean="0"/>
+              <a:t>수정했을때</a:t>
+            </a:r>
+            <a:r>
+              <a:rPr lang="ko-KR" altLang="en-US" sz="1600" dirty="0" smtClean="0"/>
+              <a:t> </a:t>
+            </a:r>
+            <a:r>
+              <a:rPr lang="ko-KR" altLang="en-US" sz="1600" dirty="0" err="1" smtClean="0"/>
+              <a:t>서블릿에서는</a:t>
+            </a:r>
+            <a:r>
+              <a:rPr lang="ko-KR" altLang="en-US" sz="1600" dirty="0" smtClean="0"/>
+              <a:t> 다시 </a:t>
+            </a:r>
+            <a:r>
+              <a:rPr lang="ko-KR" altLang="en-US" sz="1600" dirty="0" err="1" smtClean="0"/>
+              <a:t>컴파일해야</a:t>
+            </a:r>
+            <a:r>
+              <a:rPr lang="ko-KR" altLang="en-US" sz="1600" dirty="0" smtClean="0"/>
+              <a:t> 하지만</a:t>
+            </a:r>
+            <a:r>
+              <a:rPr lang="en-US" altLang="ko-KR" sz="1600" dirty="0" smtClean="0"/>
+              <a:t>, JSP</a:t>
+            </a:r>
+            <a:r>
+              <a:rPr lang="ko-KR" altLang="en-US" sz="1600" dirty="0" smtClean="0"/>
+              <a:t>는 </a:t>
+            </a:r>
+            <a:r>
+              <a:rPr lang="ko-KR" altLang="en-US" sz="1600" dirty="0" err="1" smtClean="0"/>
+              <a:t>컴파일하지</a:t>
+            </a:r>
+            <a:r>
+              <a:rPr lang="ko-KR" altLang="en-US" sz="1600" dirty="0" smtClean="0"/>
+              <a:t> 않는다</a:t>
+            </a:r>
+            <a:r>
+              <a:rPr lang="en-US" altLang="ko-KR" sz="1600" dirty="0" smtClean="0"/>
+              <a:t>.</a:t>
+            </a:r>
+          </a:p>
+          <a:p>
+            <a:pPr marL="342900" indent="-342900">
+              <a:lnSpc>
+                <a:spcPct val="150000"/>
+              </a:lnSpc>
+              <a:buFont typeface="Arial" panose="020B0604020202020204" pitchFamily="34" charset="0"/>
+              <a:buChar char="•"/>
+            </a:pPr>
+            <a:r>
+              <a:rPr lang="en-US" altLang="ko-KR" b="1" dirty="0" smtClean="0"/>
+              <a:t>JSP</a:t>
+            </a:r>
+            <a:r>
+              <a:rPr lang="ko-KR" altLang="en-US" b="1" dirty="0" smtClean="0"/>
+              <a:t>로 개발하면 코드 길이를 줄일 수 있다</a:t>
+            </a:r>
+            <a:r>
+              <a:rPr lang="en-US" altLang="ko-KR" b="1" dirty="0" smtClean="0"/>
+              <a:t>.</a:t>
+            </a:r>
+          </a:p>
+          <a:p>
+            <a:pPr>
+              <a:lnSpc>
+                <a:spcPct val="150000"/>
+              </a:lnSpc>
+            </a:pPr>
+            <a:r>
+              <a:rPr lang="en-US" altLang="ko-KR" dirty="0" smtClean="0"/>
+              <a:t>    </a:t>
+            </a:r>
+            <a:r>
+              <a:rPr lang="ko-KR" altLang="en-US" sz="1600" dirty="0" smtClean="0"/>
+              <a:t>액션 태그</a:t>
+            </a:r>
+            <a:r>
+              <a:rPr lang="en-US" altLang="ko-KR" sz="1600" dirty="0" smtClean="0"/>
+              <a:t>, JSTL, </a:t>
+            </a:r>
+            <a:r>
+              <a:rPr lang="ko-KR" altLang="en-US" sz="1600" dirty="0" smtClean="0"/>
+              <a:t>표현 언어를</a:t>
+            </a:r>
+            <a:r>
+              <a:rPr lang="en-US" altLang="ko-KR" sz="1600" dirty="0"/>
+              <a:t> </a:t>
+            </a:r>
+            <a:r>
+              <a:rPr lang="ko-KR" altLang="en-US" sz="1600" dirty="0" smtClean="0"/>
+              <a:t>사용하여 </a:t>
+            </a:r>
+            <a:r>
+              <a:rPr lang="ko-KR" altLang="en-US" sz="1600" dirty="0" err="1" smtClean="0"/>
+              <a:t>서블릿</a:t>
+            </a:r>
+            <a:r>
+              <a:rPr lang="ko-KR" altLang="en-US" sz="1600" dirty="0" smtClean="0"/>
+              <a:t> 보다 코드의 길이를 줄일 수 있다</a:t>
+            </a:r>
+            <a:r>
+              <a:rPr lang="en-US" altLang="ko-KR" sz="1600" dirty="0" smtClean="0"/>
+              <a:t>.</a:t>
+            </a:r>
+            <a:endParaRPr lang="en-US" altLang="ko-KR" dirty="0" smtClean="0"/>
+          </a:p>
+        </p:txBody>
+      </p:sp>
+    </p:spTree>
+    <p:extLst>
+      <p:ext uri="{BB962C8B-B14F-4D97-AF65-F5344CB8AC3E}">
+        <p14:creationId xmlns:p14="http://schemas.microsoft.com/office/powerpoint/2010/main" val="1207102388"/>
+      </p:ext>
+    </p:extLst>
+  </p:cSld>
+  <p:clrMapOvr>
+    <a:masterClrMapping/>
+  </p:clrMapOvr>
+  <p:timing>
+    <p:tnLst>
+      <p:par>
+        <p:cTn id="1" dur="indefinite" restart="never" nodeType="tmRoot"/>
+      </p:par>
+    </p:tnLst>
+  </p:timing>
+</p:sld>
+</file>
+
+<file path=ppt/slides/slide40.xml><?xml version="1.0" encoding="utf-8"?>
 <p:sld xmlns:a="http://schemas.openxmlformats.org/drawingml/2006/main" xmlns:r="http://schemas.openxmlformats.org/officeDocument/2006/relationships" xmlns:p="http://schemas.openxmlformats.org/presentationml/2006/main">
   <p:cSld>
     <p:spTree>
@@ -18050,7 +18549,7 @@
 </p:sld>
 </file>
 
-<file path=ppt/slides/slide4.xml><?xml version="1.0" encoding="utf-8"?>
+<file path=ppt/slides/slide41.xml><?xml version="1.0" encoding="utf-8"?>
 <p:sld xmlns:a="http://schemas.openxmlformats.org/drawingml/2006/main" xmlns:r="http://schemas.openxmlformats.org/officeDocument/2006/relationships" xmlns:p="http://schemas.openxmlformats.org/presentationml/2006/main">
   <p:cSld>
     <p:spTree>
@@ -18108,484 +18607,6 @@
               <a:t> </a:t>
             </a:r>
             <a:r>
-              <a:rPr lang="ko-KR" altLang="en-US" dirty="0" smtClean="0"/>
-              <a:t>웹 프로그래밍과 </a:t>
-            </a:r>
-            <a:r>
-              <a:rPr lang="en-US" altLang="ko-KR" dirty="0" smtClean="0"/>
-              <a:t>JSP</a:t>
-            </a:r>
-            <a:endParaRPr lang="ko-KR" altLang="en-US" dirty="0"/>
-          </a:p>
-        </p:txBody>
-      </p:sp>
-      <p:sp>
-        <p:nvSpPr>
-          <p:cNvPr id="11" name="TextBox 10"/>
-          <p:cNvSpPr txBox="1"/>
-          <p:nvPr/>
-        </p:nvSpPr>
-        <p:spPr>
-          <a:xfrm>
-            <a:off x="848544" y="1000530"/>
-            <a:ext cx="8280920" cy="4755148"/>
-          </a:xfrm>
-          <a:prstGeom prst="rect">
-            <a:avLst/>
-          </a:prstGeom>
-          <a:noFill/>
-        </p:spPr>
-        <p:txBody>
-          <a:bodyPr wrap="square" rtlCol="0">
-            <a:spAutoFit/>
-          </a:bodyPr>
-          <a:lstStyle/>
-          <a:p>
-            <a:pPr>
-              <a:lnSpc>
-                <a:spcPct val="150000"/>
-              </a:lnSpc>
-            </a:pPr>
-            <a:r>
-              <a:rPr lang="en-US" altLang="ko-KR" sz="2200" b="1" dirty="0" smtClean="0"/>
-              <a:t>JSP</a:t>
-            </a:r>
-            <a:r>
-              <a:rPr lang="ko-KR" altLang="en-US" sz="2200" b="1" dirty="0" smtClean="0"/>
-              <a:t>의 특징</a:t>
-            </a:r>
-            <a:endParaRPr lang="en-US" altLang="ko-KR" sz="2200" b="1" dirty="0" smtClean="0"/>
-          </a:p>
-          <a:p>
-            <a:pPr marL="342900" indent="-342900">
-              <a:lnSpc>
-                <a:spcPct val="150000"/>
-              </a:lnSpc>
-              <a:buFont typeface="Arial" panose="020B0604020202020204" pitchFamily="34" charset="0"/>
-              <a:buChar char="•"/>
-            </a:pPr>
-            <a:r>
-              <a:rPr lang="en-US" altLang="ko-KR" b="1" dirty="0" smtClean="0"/>
-              <a:t>JSP</a:t>
-            </a:r>
-            <a:r>
-              <a:rPr lang="ko-KR" altLang="en-US" b="1" dirty="0" smtClean="0"/>
-              <a:t>는 </a:t>
-            </a:r>
-            <a:r>
-              <a:rPr lang="ko-KR" altLang="en-US" b="1" dirty="0" err="1" smtClean="0"/>
-              <a:t>서블릿</a:t>
-            </a:r>
-            <a:r>
-              <a:rPr lang="ko-KR" altLang="en-US" b="1" dirty="0" smtClean="0"/>
-              <a:t> 기술의 확장이다</a:t>
-            </a:r>
-            <a:r>
-              <a:rPr lang="en-US" altLang="ko-KR" b="1" dirty="0" smtClean="0"/>
-              <a:t>.</a:t>
-            </a:r>
-          </a:p>
-          <a:p>
-            <a:pPr>
-              <a:lnSpc>
-                <a:spcPct val="150000"/>
-              </a:lnSpc>
-            </a:pPr>
-            <a:r>
-              <a:rPr lang="en-US" altLang="ko-KR" dirty="0"/>
-              <a:t> </a:t>
-            </a:r>
-            <a:r>
-              <a:rPr lang="en-US" altLang="ko-KR" dirty="0" smtClean="0"/>
-              <a:t>   </a:t>
-            </a:r>
-            <a:r>
-              <a:rPr lang="ko-KR" altLang="en-US" sz="1600" dirty="0" smtClean="0"/>
-              <a:t>처음에는 서버 측 프로그래밍 방식으로 자바를 사용하는 </a:t>
-            </a:r>
-            <a:r>
-              <a:rPr lang="ko-KR" altLang="en-US" sz="1600" dirty="0" err="1" smtClean="0"/>
-              <a:t>서블릿</a:t>
-            </a:r>
-            <a:r>
-              <a:rPr lang="en-US" altLang="ko-KR" sz="1600" dirty="0" smtClean="0"/>
-              <a:t>(Servlet)</a:t>
-            </a:r>
-            <a:r>
-              <a:rPr lang="ko-KR" altLang="en-US" sz="1600" dirty="0" smtClean="0"/>
-              <a:t>을 먼저 개발</a:t>
-            </a:r>
-            <a:endParaRPr lang="en-US" altLang="ko-KR" sz="1600" dirty="0" smtClean="0"/>
-          </a:p>
-          <a:p>
-            <a:pPr>
-              <a:lnSpc>
-                <a:spcPct val="150000"/>
-              </a:lnSpc>
-            </a:pPr>
-            <a:r>
-              <a:rPr lang="en-US" altLang="ko-KR" sz="1600" dirty="0"/>
-              <a:t> </a:t>
-            </a:r>
-            <a:r>
-              <a:rPr lang="en-US" altLang="ko-KR" sz="1600" dirty="0" smtClean="0"/>
-              <a:t>    </a:t>
-            </a:r>
-            <a:r>
-              <a:rPr lang="ko-KR" altLang="en-US" sz="1600" dirty="0" smtClean="0"/>
-              <a:t>하였으나 </a:t>
-            </a:r>
-            <a:r>
-              <a:rPr lang="ko-KR" altLang="en-US" sz="1600" dirty="0" err="1" smtClean="0"/>
-              <a:t>서블릿</a:t>
-            </a:r>
-            <a:r>
-              <a:rPr lang="ko-KR" altLang="en-US" sz="1600" dirty="0" smtClean="0"/>
-              <a:t> 개발방식이 쉽지 않아서 개발된 기술이 </a:t>
-            </a:r>
-            <a:r>
-              <a:rPr lang="en-US" altLang="ko-KR" sz="1600" dirty="0" smtClean="0"/>
-              <a:t>JSP(HTML</a:t>
-            </a:r>
-            <a:r>
-              <a:rPr lang="ko-KR" altLang="en-US" sz="1600" dirty="0" smtClean="0"/>
-              <a:t>코드에 삽입</a:t>
-            </a:r>
-            <a:r>
-              <a:rPr lang="en-US" altLang="ko-KR" sz="1600" dirty="0" smtClean="0"/>
-              <a:t>)</a:t>
-            </a:r>
-            <a:r>
-              <a:rPr lang="ko-KR" altLang="en-US" sz="1600" dirty="0" smtClean="0"/>
-              <a:t>이다</a:t>
-            </a:r>
-            <a:endParaRPr lang="en-US" altLang="ko-KR" sz="1600" dirty="0" smtClean="0"/>
-          </a:p>
-          <a:p>
-            <a:pPr marL="342900" indent="-342900">
-              <a:lnSpc>
-                <a:spcPct val="150000"/>
-              </a:lnSpc>
-              <a:buFont typeface="Arial" panose="020B0604020202020204" pitchFamily="34" charset="0"/>
-              <a:buChar char="•"/>
-            </a:pPr>
-            <a:r>
-              <a:rPr lang="en-US" altLang="ko-KR" b="1" dirty="0" smtClean="0"/>
-              <a:t>JSP</a:t>
-            </a:r>
-            <a:r>
-              <a:rPr lang="ko-KR" altLang="en-US" b="1" dirty="0" smtClean="0"/>
-              <a:t>는 유지 관리가 용이하다</a:t>
-            </a:r>
-            <a:r>
-              <a:rPr lang="en-US" altLang="ko-KR" b="1" dirty="0" smtClean="0"/>
-              <a:t>.</a:t>
-            </a:r>
-          </a:p>
-          <a:p>
-            <a:pPr>
-              <a:lnSpc>
-                <a:spcPct val="150000"/>
-              </a:lnSpc>
-            </a:pPr>
-            <a:r>
-              <a:rPr lang="en-US" altLang="ko-KR" dirty="0"/>
-              <a:t> </a:t>
-            </a:r>
-            <a:r>
-              <a:rPr lang="en-US" altLang="ko-KR" dirty="0" smtClean="0"/>
-              <a:t>   </a:t>
-            </a:r>
-            <a:r>
-              <a:rPr lang="ko-KR" altLang="en-US" sz="1600" dirty="0" err="1" smtClean="0"/>
-              <a:t>서블릿</a:t>
-            </a:r>
-            <a:r>
-              <a:rPr lang="ko-KR" altLang="en-US" sz="1600" dirty="0" smtClean="0"/>
-              <a:t> 기술은 프레젠테이션</a:t>
-            </a:r>
-            <a:r>
-              <a:rPr lang="en-US" altLang="ko-KR" sz="1600" dirty="0" smtClean="0"/>
-              <a:t>(View)</a:t>
-            </a:r>
-            <a:r>
-              <a:rPr lang="ko-KR" altLang="en-US" sz="1600" dirty="0" smtClean="0"/>
-              <a:t>와 비즈니스 </a:t>
-            </a:r>
-            <a:r>
-              <a:rPr lang="ko-KR" altLang="en-US" sz="1600" dirty="0" err="1" smtClean="0"/>
-              <a:t>로직</a:t>
-            </a:r>
-            <a:r>
-              <a:rPr lang="en-US" altLang="ko-KR" sz="1600" dirty="0" smtClean="0"/>
-              <a:t>(Control)</a:t>
-            </a:r>
-            <a:r>
-              <a:rPr lang="ko-KR" altLang="en-US" sz="1600" dirty="0" smtClean="0"/>
-              <a:t>이 섞여 있지만 </a:t>
-            </a:r>
-            <a:r>
-              <a:rPr lang="en-US" altLang="ko-KR" sz="1600" dirty="0" smtClean="0"/>
-              <a:t>JSP</a:t>
-            </a:r>
-            <a:r>
-              <a:rPr lang="ko-KR" altLang="en-US" sz="1600" dirty="0" smtClean="0"/>
-              <a:t>는 분</a:t>
-            </a:r>
-            <a:endParaRPr lang="en-US" altLang="ko-KR" sz="1600" dirty="0" smtClean="0"/>
-          </a:p>
-          <a:p>
-            <a:pPr>
-              <a:lnSpc>
-                <a:spcPct val="150000"/>
-              </a:lnSpc>
-            </a:pPr>
-            <a:r>
-              <a:rPr lang="en-US" altLang="ko-KR" sz="1600" dirty="0"/>
-              <a:t> </a:t>
-            </a:r>
-            <a:r>
-              <a:rPr lang="en-US" altLang="ko-KR" sz="1600" dirty="0" smtClean="0"/>
-              <a:t>   </a:t>
-            </a:r>
-            <a:r>
-              <a:rPr lang="ko-KR" altLang="en-US" sz="1600" dirty="0" err="1" smtClean="0"/>
-              <a:t>리할</a:t>
-            </a:r>
-            <a:r>
-              <a:rPr lang="ko-KR" altLang="en-US" sz="1600" dirty="0" smtClean="0"/>
-              <a:t> 수 있어서 관리가 쉽다</a:t>
-            </a:r>
-            <a:r>
-              <a:rPr lang="en-US" altLang="ko-KR" dirty="0" smtClean="0"/>
-              <a:t>.</a:t>
-            </a:r>
-          </a:p>
-          <a:p>
-            <a:pPr marL="342900" indent="-342900">
-              <a:lnSpc>
-                <a:spcPct val="150000"/>
-              </a:lnSpc>
-              <a:buFont typeface="Arial" panose="020B0604020202020204" pitchFamily="34" charset="0"/>
-              <a:buChar char="•"/>
-            </a:pPr>
-            <a:r>
-              <a:rPr lang="en-US" altLang="ko-KR" b="1" dirty="0" smtClean="0"/>
-              <a:t>JSP</a:t>
-            </a:r>
-            <a:r>
-              <a:rPr lang="ko-KR" altLang="en-US" b="1" dirty="0" smtClean="0"/>
-              <a:t>는 빠른 개발이 가능하다</a:t>
-            </a:r>
-            <a:r>
-              <a:rPr lang="en-US" altLang="ko-KR" b="1" dirty="0" smtClean="0"/>
-              <a:t>.</a:t>
-            </a:r>
-          </a:p>
-          <a:p>
-            <a:pPr>
-              <a:lnSpc>
-                <a:spcPct val="150000"/>
-              </a:lnSpc>
-            </a:pPr>
-            <a:r>
-              <a:rPr lang="en-US" altLang="ko-KR" dirty="0" smtClean="0"/>
-              <a:t>    </a:t>
-            </a:r>
-            <a:r>
-              <a:rPr lang="ko-KR" altLang="en-US" sz="1600" dirty="0" smtClean="0"/>
-              <a:t>코드를 </a:t>
-            </a:r>
-            <a:r>
-              <a:rPr lang="ko-KR" altLang="en-US" sz="1600" dirty="0" err="1" smtClean="0"/>
-              <a:t>수정했을때</a:t>
-            </a:r>
-            <a:r>
-              <a:rPr lang="ko-KR" altLang="en-US" sz="1600" dirty="0" smtClean="0"/>
-              <a:t> </a:t>
-            </a:r>
-            <a:r>
-              <a:rPr lang="ko-KR" altLang="en-US" sz="1600" dirty="0" err="1" smtClean="0"/>
-              <a:t>서블릿에서는</a:t>
-            </a:r>
-            <a:r>
-              <a:rPr lang="ko-KR" altLang="en-US" sz="1600" dirty="0" smtClean="0"/>
-              <a:t> 다시 </a:t>
-            </a:r>
-            <a:r>
-              <a:rPr lang="ko-KR" altLang="en-US" sz="1600" dirty="0" err="1" smtClean="0"/>
-              <a:t>컴파일해야</a:t>
-            </a:r>
-            <a:r>
-              <a:rPr lang="ko-KR" altLang="en-US" sz="1600" dirty="0" smtClean="0"/>
-              <a:t> 하지만</a:t>
-            </a:r>
-            <a:r>
-              <a:rPr lang="en-US" altLang="ko-KR" sz="1600" dirty="0" smtClean="0"/>
-              <a:t>, JSP</a:t>
-            </a:r>
-            <a:r>
-              <a:rPr lang="ko-KR" altLang="en-US" sz="1600" dirty="0" smtClean="0"/>
-              <a:t>는 </a:t>
-            </a:r>
-            <a:r>
-              <a:rPr lang="ko-KR" altLang="en-US" sz="1600" dirty="0" err="1" smtClean="0"/>
-              <a:t>컴파일하지</a:t>
-            </a:r>
-            <a:r>
-              <a:rPr lang="ko-KR" altLang="en-US" sz="1600" dirty="0" smtClean="0"/>
-              <a:t> 않는다</a:t>
-            </a:r>
-            <a:r>
-              <a:rPr lang="en-US" altLang="ko-KR" sz="1600" dirty="0" smtClean="0"/>
-              <a:t>.</a:t>
-            </a:r>
-          </a:p>
-          <a:p>
-            <a:pPr marL="342900" indent="-342900">
-              <a:lnSpc>
-                <a:spcPct val="150000"/>
-              </a:lnSpc>
-              <a:buFont typeface="Arial" panose="020B0604020202020204" pitchFamily="34" charset="0"/>
-              <a:buChar char="•"/>
-            </a:pPr>
-            <a:r>
-              <a:rPr lang="en-US" altLang="ko-KR" b="1" dirty="0" smtClean="0"/>
-              <a:t>JSP</a:t>
-            </a:r>
-            <a:r>
-              <a:rPr lang="ko-KR" altLang="en-US" b="1" dirty="0" smtClean="0"/>
-              <a:t>로 개발하면 코드 길이를 줄일 수 있다</a:t>
-            </a:r>
-            <a:r>
-              <a:rPr lang="en-US" altLang="ko-KR" b="1" dirty="0" smtClean="0"/>
-              <a:t>.</a:t>
-            </a:r>
-          </a:p>
-          <a:p>
-            <a:pPr>
-              <a:lnSpc>
-                <a:spcPct val="150000"/>
-              </a:lnSpc>
-            </a:pPr>
-            <a:r>
-              <a:rPr lang="en-US" altLang="ko-KR" dirty="0" smtClean="0"/>
-              <a:t>    </a:t>
-            </a:r>
-            <a:r>
-              <a:rPr lang="ko-KR" altLang="en-US" sz="1600" dirty="0" smtClean="0"/>
-              <a:t>액션 태그</a:t>
-            </a:r>
-            <a:r>
-              <a:rPr lang="en-US" altLang="ko-KR" sz="1600" dirty="0" smtClean="0"/>
-              <a:t>, JSTL, </a:t>
-            </a:r>
-            <a:r>
-              <a:rPr lang="ko-KR" altLang="en-US" sz="1600" dirty="0" smtClean="0"/>
-              <a:t>표현 언어를</a:t>
-            </a:r>
-            <a:r>
-              <a:rPr lang="en-US" altLang="ko-KR" sz="1600" dirty="0"/>
-              <a:t> </a:t>
-            </a:r>
-            <a:r>
-              <a:rPr lang="ko-KR" altLang="en-US" sz="1600" dirty="0" smtClean="0"/>
-              <a:t>사용하여 </a:t>
-            </a:r>
-            <a:r>
-              <a:rPr lang="ko-KR" altLang="en-US" sz="1600" dirty="0" err="1" smtClean="0"/>
-              <a:t>서블릿</a:t>
-            </a:r>
-            <a:r>
-              <a:rPr lang="ko-KR" altLang="en-US" sz="1600" dirty="0" smtClean="0"/>
-              <a:t> 보다 코드의 길이를 줄일 수 있다</a:t>
-            </a:r>
-            <a:r>
-              <a:rPr lang="en-US" altLang="ko-KR" sz="1600" dirty="0" smtClean="0"/>
-              <a:t>.</a:t>
-            </a:r>
-            <a:endParaRPr lang="en-US" altLang="ko-KR" dirty="0" smtClean="0"/>
-          </a:p>
-        </p:txBody>
-      </p:sp>
-    </p:spTree>
-    <p:extLst>
-      <p:ext uri="{BB962C8B-B14F-4D97-AF65-F5344CB8AC3E}">
-        <p14:creationId xmlns:p14="http://schemas.microsoft.com/office/powerpoint/2010/main" val="1207102388"/>
-      </p:ext>
-    </p:extLst>
-  </p:cSld>
-  <p:clrMapOvr>
-    <a:masterClrMapping/>
-  </p:clrMapOvr>
-  <p:timing>
-    <p:tnLst>
-      <p:par>
-        <p:cTn id="1" dur="indefinite" restart="never" nodeType="tmRoot"/>
-      </p:par>
-    </p:tnLst>
-  </p:timing>
-</p:sld>
-</file>
-
-<file path=ppt/slides/slide40.xml><?xml version="1.0" encoding="utf-8"?>
-<p:sld xmlns:a="http://schemas.openxmlformats.org/drawingml/2006/main" xmlns:r="http://schemas.openxmlformats.org/officeDocument/2006/relationships" xmlns:p="http://schemas.openxmlformats.org/presentationml/2006/main">
-  <p:cSld>
-    <p:spTree>
-      <p:nvGrpSpPr>
-        <p:cNvPr id="1" name=""/>
-        <p:cNvGrpSpPr/>
-        <p:nvPr/>
-      </p:nvGrpSpPr>
-      <p:grpSpPr>
-        <a:xfrm>
-          <a:off x="0" y="0"/>
-          <a:ext cx="0" cy="0"/>
-          <a:chOff x="0" y="0"/>
-          <a:chExt cx="0" cy="0"/>
-        </a:xfrm>
-      </p:grpSpPr>
-      <p:sp>
-        <p:nvSpPr>
-          <p:cNvPr id="15" name="제목 5"/>
-          <p:cNvSpPr txBox="1">
-            <a:spLocks/>
-          </p:cNvSpPr>
-          <p:nvPr/>
-        </p:nvSpPr>
-        <p:spPr>
-          <a:xfrm>
-            <a:off x="0" y="-27384"/>
-            <a:ext cx="7995338" cy="854968"/>
-          </a:xfrm>
-          <a:prstGeom prst="rect">
-            <a:avLst/>
-          </a:prstGeom>
-        </p:spPr>
-        <p:txBody>
-          <a:bodyPr anchor="ctr" anchorCtr="0"/>
-          <a:lstStyle>
-            <a:lvl1pPr algn="l" defTabSz="914400" rtl="0" eaLnBrk="1" latinLnBrk="1" hangingPunct="1">
-              <a:spcBef>
-                <a:spcPct val="0"/>
-              </a:spcBef>
-              <a:buNone/>
-              <a:defRPr sz="3200" kern="1200">
-                <a:solidFill>
-                  <a:schemeClr val="bg1"/>
-                </a:solidFill>
-                <a:latin typeface="HY헤드라인M" panose="02030600000101010101" pitchFamily="18" charset="-127"/>
-                <a:ea typeface="HY헤드라인M" panose="02030600000101010101" pitchFamily="18" charset="-127"/>
-                <a:cs typeface="+mj-cs"/>
-              </a:defRPr>
-            </a:lvl1pPr>
-          </a:lstStyle>
-          <a:p>
-            <a:r>
-              <a:rPr lang="en-US" altLang="ko-KR" dirty="0" smtClean="0"/>
-              <a:t> </a:t>
-            </a:r>
-            <a:r>
               <a:rPr lang="ko-KR" altLang="en-US" dirty="0"/>
               <a:t> </a:t>
             </a:r>
@@ -18859,384 +18880,6 @@
     <p:extLst>
       <p:ext uri="{BB962C8B-B14F-4D97-AF65-F5344CB8AC3E}">
         <p14:creationId xmlns:p14="http://schemas.microsoft.com/office/powerpoint/2010/main" val="2266938998"/>
-      </p:ext>
-    </p:extLst>
-  </p:cSld>
-  <p:clrMapOvr>
-    <a:masterClrMapping/>
-  </p:clrMapOvr>
-  <p:timing>
-    <p:tnLst>
-      <p:par>
-        <p:cTn id="1" dur="indefinite" restart="never" nodeType="tmRoot"/>
-      </p:par>
-    </p:tnLst>
-  </p:timing>
-</p:sld>
-</file>
-
-<file path=ppt/slides/slide41.xml><?xml version="1.0" encoding="utf-8"?>
-<p:sld xmlns:a="http://schemas.openxmlformats.org/drawingml/2006/main" xmlns:r="http://schemas.openxmlformats.org/officeDocument/2006/relationships" xmlns:p="http://schemas.openxmlformats.org/presentationml/2006/main">
-  <p:cSld>
-    <p:spTree>
-      <p:nvGrpSpPr>
-        <p:cNvPr id="1" name=""/>
-        <p:cNvGrpSpPr/>
-        <p:nvPr/>
-      </p:nvGrpSpPr>
-      <p:grpSpPr>
-        <a:xfrm>
-          <a:off x="0" y="0"/>
-          <a:ext cx="0" cy="0"/>
-          <a:chOff x="0" y="0"/>
-          <a:chExt cx="0" cy="0"/>
-        </a:xfrm>
-      </p:grpSpPr>
-      <p:sp>
-        <p:nvSpPr>
-          <p:cNvPr id="15" name="제목 5"/>
-          <p:cNvSpPr txBox="1">
-            <a:spLocks/>
-          </p:cNvSpPr>
-          <p:nvPr/>
-        </p:nvSpPr>
-        <p:spPr>
-          <a:xfrm>
-            <a:off x="0" y="-27384"/>
-            <a:ext cx="7995338" cy="854968"/>
-          </a:xfrm>
-          <a:prstGeom prst="rect">
-            <a:avLst/>
-          </a:prstGeom>
-        </p:spPr>
-        <p:txBody>
-          <a:bodyPr anchor="ctr" anchorCtr="0"/>
-          <a:lstStyle>
-            <a:lvl1pPr algn="l" defTabSz="914400" rtl="0" eaLnBrk="1" latinLnBrk="1" hangingPunct="1">
-              <a:spcBef>
-                <a:spcPct val="0"/>
-              </a:spcBef>
-              <a:buNone/>
-              <a:defRPr sz="3200" kern="1200">
-                <a:solidFill>
-                  <a:schemeClr val="bg1"/>
-                </a:solidFill>
-                <a:latin typeface="HY헤드라인M" panose="02030600000101010101" pitchFamily="18" charset="-127"/>
-                <a:ea typeface="HY헤드라인M" panose="02030600000101010101" pitchFamily="18" charset="-127"/>
-                <a:cs typeface="+mj-cs"/>
-              </a:defRPr>
-            </a:lvl1pPr>
-          </a:lstStyle>
-          <a:p>
-            <a:r>
-              <a:rPr lang="en-US" altLang="ko-KR" dirty="0" smtClean="0"/>
-              <a:t> </a:t>
-            </a:r>
-            <a:r>
-              <a:rPr lang="ko-KR" altLang="en-US" dirty="0"/>
-              <a:t> </a:t>
-            </a:r>
-            <a:r>
-              <a:rPr lang="ko-KR" altLang="en-US" dirty="0" err="1" smtClean="0"/>
-              <a:t>서블릿</a:t>
-            </a:r>
-            <a:r>
-              <a:rPr lang="ko-KR" altLang="en-US" dirty="0" smtClean="0"/>
-              <a:t> 포워드 기능</a:t>
-            </a:r>
-            <a:endParaRPr lang="ko-KR" altLang="en-US" dirty="0"/>
-          </a:p>
-        </p:txBody>
-      </p:sp>
-      <p:sp>
-        <p:nvSpPr>
-          <p:cNvPr id="5" name="TextBox 4"/>
-          <p:cNvSpPr txBox="1"/>
-          <p:nvPr/>
-        </p:nvSpPr>
-        <p:spPr>
-          <a:xfrm>
-            <a:off x="1141106" y="1242064"/>
-            <a:ext cx="2664296" cy="507831"/>
-          </a:xfrm>
-          <a:prstGeom prst="rect">
-            <a:avLst/>
-          </a:prstGeom>
-          <a:noFill/>
-        </p:spPr>
-        <p:txBody>
-          <a:bodyPr wrap="square" rtlCol="0">
-            <a:spAutoFit/>
-          </a:bodyPr>
-          <a:lstStyle/>
-          <a:p>
-            <a:pPr>
-              <a:lnSpc>
-                <a:spcPct val="150000"/>
-              </a:lnSpc>
-            </a:pPr>
-            <a:r>
-              <a:rPr lang="en-US" altLang="ko-KR" b="1" dirty="0"/>
-              <a:t> </a:t>
-            </a:r>
-            <a:r>
-              <a:rPr lang="en-US" altLang="ko-KR" b="1" dirty="0" smtClean="0"/>
-              <a:t> dispatch</a:t>
-            </a:r>
-            <a:r>
-              <a:rPr lang="ko-KR" altLang="en-US" b="1" dirty="0" smtClean="0"/>
-              <a:t>방법 실</a:t>
-            </a:r>
-            <a:r>
-              <a:rPr lang="ko-KR" altLang="en-US" b="1" dirty="0"/>
-              <a:t>습</a:t>
-            </a:r>
-            <a:endParaRPr lang="en-US" altLang="ko-KR" sz="1600" b="1" dirty="0" smtClean="0"/>
-          </a:p>
-        </p:txBody>
-      </p:sp>
-      <p:pic>
-        <p:nvPicPr>
-          <p:cNvPr id="2" name="그림 1"/>
-          <p:cNvPicPr>
-            <a:picLocks noChangeAspect="1"/>
-          </p:cNvPicPr>
-          <p:nvPr/>
-        </p:nvPicPr>
-        <p:blipFill>
-          <a:blip r:embed="rId2">
-            <a:extLst>
-              <a:ext uri="{28A0092B-C50C-407E-A947-70E740481C1C}">
-                <a14:useLocalDpi xmlns:a14="http://schemas.microsoft.com/office/drawing/2010/main" val="0"/>
-              </a:ext>
-            </a:extLst>
-          </a:blip>
-          <a:stretch>
-            <a:fillRect/>
-          </a:stretch>
-        </p:blipFill>
-        <p:spPr>
-          <a:xfrm>
-            <a:off x="1400892" y="1993336"/>
-            <a:ext cx="3452159" cy="998307"/>
-          </a:xfrm>
-          <a:prstGeom prst="rect">
-            <a:avLst/>
-          </a:prstGeom>
-          <a:ln>
-            <a:solidFill>
-              <a:schemeClr val="bg1">
-                <a:lumMod val="85000"/>
-              </a:schemeClr>
-            </a:solidFill>
-          </a:ln>
-        </p:spPr>
-      </p:pic>
-      <p:pic>
-        <p:nvPicPr>
-          <p:cNvPr id="6" name="그림 5"/>
-          <p:cNvPicPr>
-            <a:picLocks noChangeAspect="1"/>
-          </p:cNvPicPr>
-          <p:nvPr/>
-        </p:nvPicPr>
-        <p:blipFill>
-          <a:blip r:embed="rId3">
-            <a:extLst>
-              <a:ext uri="{28A0092B-C50C-407E-A947-70E740481C1C}">
-                <a14:useLocalDpi xmlns:a14="http://schemas.microsoft.com/office/drawing/2010/main" val="0"/>
-              </a:ext>
-            </a:extLst>
-          </a:blip>
-          <a:stretch>
-            <a:fillRect/>
-          </a:stretch>
-        </p:blipFill>
-        <p:spPr>
-          <a:xfrm>
-            <a:off x="1400892" y="3150145"/>
-            <a:ext cx="7658764" cy="2522439"/>
-          </a:xfrm>
-          <a:prstGeom prst="rect">
-            <a:avLst/>
-          </a:prstGeom>
-          <a:ln>
-            <a:solidFill>
-              <a:schemeClr val="bg1">
-                <a:lumMod val="85000"/>
-              </a:schemeClr>
-            </a:solidFill>
-          </a:ln>
-        </p:spPr>
-      </p:pic>
-      <p:sp>
-        <p:nvSpPr>
-          <p:cNvPr id="7" name="모서리가 둥근 직사각형 6">
-            <a:extLst>
-              <a:ext uri="{FF2B5EF4-FFF2-40B4-BE49-F238E27FC236}">
-                <a16:creationId xmlns:a16="http://schemas.microsoft.com/office/drawing/2014/main" id="{792DA8B4-17B2-454B-97AC-17311A4832C5}"/>
-              </a:ext>
-            </a:extLst>
-          </p:cNvPr>
-          <p:cNvSpPr/>
-          <p:nvPr/>
-        </p:nvSpPr>
-        <p:spPr>
-          <a:xfrm>
-            <a:off x="5025008" y="2192593"/>
-            <a:ext cx="2754120" cy="299896"/>
-          </a:xfrm>
-          <a:prstGeom prst="roundRect">
-            <a:avLst/>
-          </a:prstGeom>
-          <a:noFill/>
-        </p:spPr>
-        <p:style>
-          <a:lnRef idx="2">
-            <a:schemeClr val="accent2"/>
-          </a:lnRef>
-          <a:fillRef idx="1">
-            <a:schemeClr val="lt1"/>
-          </a:fillRef>
-          <a:effectRef idx="0">
-            <a:schemeClr val="accent2"/>
-          </a:effectRef>
-          <a:fontRef idx="minor">
-            <a:schemeClr val="dk1"/>
-          </a:fontRef>
-        </p:style>
-        <p:txBody>
-          <a:bodyPr rtlCol="0" anchor="ctr"/>
-          <a:lstStyle/>
-          <a:p>
-            <a:r>
-              <a:rPr lang="ko-KR" altLang="en-US" sz="1600" dirty="0" smtClean="0">
-                <a:solidFill>
-                  <a:sysClr val="windowText" lastClr="000000"/>
-                </a:solidFill>
-              </a:rPr>
-              <a:t>주소 표시줄에서 요청한다</a:t>
-            </a:r>
-            <a:r>
-              <a:rPr lang="en-US" altLang="ko-KR" sz="1600" dirty="0" smtClean="0">
-                <a:solidFill>
-                  <a:sysClr val="windowText" lastClr="000000"/>
-                </a:solidFill>
-              </a:rPr>
-              <a:t>.</a:t>
-            </a:r>
-          </a:p>
-        </p:txBody>
-      </p:sp>
-      <p:cxnSp>
-        <p:nvCxnSpPr>
-          <p:cNvPr id="8" name="직선 화살표 연결선 7"/>
-          <p:cNvCxnSpPr>
-            <a:stCxn id="7" idx="1"/>
-          </p:cNvCxnSpPr>
-          <p:nvPr/>
-        </p:nvCxnSpPr>
-        <p:spPr>
-          <a:xfrm flipH="1" flipV="1">
-            <a:off x="4448148" y="2192593"/>
-            <a:ext cx="576860" cy="149948"/>
-          </a:xfrm>
-          <a:prstGeom prst="straightConnector1">
-            <a:avLst/>
-          </a:prstGeom>
-          <a:ln w="9525">
-            <a:solidFill>
-              <a:srgbClr val="C00000"/>
-            </a:solidFill>
-            <a:prstDash val="solid"/>
-            <a:headEnd type="none" w="med" len="med"/>
-            <a:tailEnd type="triangle" w="med" len="med"/>
-          </a:ln>
-        </p:spPr>
-        <p:style>
-          <a:lnRef idx="1">
-            <a:schemeClr val="accent1"/>
-          </a:lnRef>
-          <a:fillRef idx="0">
-            <a:schemeClr val="accent1"/>
-          </a:fillRef>
-          <a:effectRef idx="0">
-            <a:schemeClr val="accent1"/>
-          </a:effectRef>
-          <a:fontRef idx="minor">
-            <a:schemeClr val="tx1"/>
-          </a:fontRef>
-        </p:style>
-      </p:cxnSp>
-      <p:sp>
-        <p:nvSpPr>
-          <p:cNvPr id="9" name="모서리가 둥근 직사각형 8">
-            <a:extLst>
-              <a:ext uri="{FF2B5EF4-FFF2-40B4-BE49-F238E27FC236}">
-                <a16:creationId xmlns:a16="http://schemas.microsoft.com/office/drawing/2014/main" id="{792DA8B4-17B2-454B-97AC-17311A4832C5}"/>
-              </a:ext>
-            </a:extLst>
-          </p:cNvPr>
-          <p:cNvSpPr/>
-          <p:nvPr/>
-        </p:nvSpPr>
-        <p:spPr>
-          <a:xfrm>
-            <a:off x="5745088" y="2655538"/>
-            <a:ext cx="3222358" cy="360040"/>
-          </a:xfrm>
-          <a:prstGeom prst="roundRect">
-            <a:avLst/>
-          </a:prstGeom>
-          <a:noFill/>
-          <a:ln w="12700">
-            <a:solidFill>
-              <a:schemeClr val="tx1"/>
-            </a:solidFill>
-          </a:ln>
-        </p:spPr>
-        <p:style>
-          <a:lnRef idx="2">
-            <a:schemeClr val="accent2"/>
-          </a:lnRef>
-          <a:fillRef idx="1">
-            <a:schemeClr val="lt1"/>
-          </a:fillRef>
-          <a:effectRef idx="0">
-            <a:schemeClr val="accent2"/>
-          </a:effectRef>
-          <a:fontRef idx="minor">
-            <a:schemeClr val="dk1"/>
-          </a:fontRef>
-        </p:style>
-        <p:txBody>
-          <a:bodyPr rtlCol="0" anchor="ctr"/>
-          <a:lstStyle/>
-          <a:p>
-            <a:pPr algn="ctr"/>
-            <a:r>
-              <a:rPr lang="en-US" altLang="ko-KR" sz="1600" dirty="0" err="1" smtClean="0">
-                <a:solidFill>
-                  <a:sysClr val="windowText" lastClr="000000"/>
-                </a:solidFill>
-              </a:rPr>
-              <a:t>com.servlet</a:t>
-            </a:r>
-            <a:r>
-              <a:rPr lang="en-US" altLang="ko-KR" sz="1600" dirty="0" smtClean="0">
-                <a:solidFill>
-                  <a:sysClr val="windowText" lastClr="000000"/>
-                </a:solidFill>
-              </a:rPr>
-              <a:t>/SecondServlet.java</a:t>
-            </a:r>
-          </a:p>
-        </p:txBody>
-      </p:sp>
-    </p:spTree>
-    <p:extLst>
-      <p:ext uri="{BB962C8B-B14F-4D97-AF65-F5344CB8AC3E}">
-        <p14:creationId xmlns:p14="http://schemas.microsoft.com/office/powerpoint/2010/main" val="178645080"/>
       </p:ext>
     </p:extLst>
   </p:cSld>
@@ -19334,7 +18977,7 @@
         </p:nvSpPr>
         <p:spPr>
           <a:xfrm>
-            <a:off x="1064568" y="1228315"/>
+            <a:off x="1141106" y="1242064"/>
             <a:ext cx="2664296" cy="507831"/>
           </a:xfrm>
           <a:prstGeom prst="rect">
@@ -19354,8 +18997,12 @@
               </a:lnSpc>
             </a:pPr>
             <a:r>
+              <a:rPr lang="en-US" altLang="ko-KR" b="1" dirty="0"/>
+              <a:t> </a:t>
+            </a:r>
+            <a:r>
               <a:rPr lang="en-US" altLang="ko-KR" b="1" dirty="0" smtClean="0"/>
-              <a:t>dispatch</a:t>
+              <a:t> dispatch</a:t>
             </a:r>
             <a:r>
               <a:rPr lang="ko-KR" altLang="en-US" b="1" dirty="0" smtClean="0"/>
@@ -19371,7 +19018,7 @@
       </p:sp>
       <p:pic>
         <p:nvPicPr>
-          <p:cNvPr id="4" name="그림 3"/>
+          <p:cNvPr id="2" name="그림 1"/>
           <p:cNvPicPr>
             <a:picLocks noChangeAspect="1"/>
           </p:cNvPicPr>
@@ -19391,8 +19038,8 @@
         </p:blipFill>
         <p:spPr>
           <a:xfrm>
-            <a:off x="1208583" y="1916832"/>
-            <a:ext cx="6950043" cy="3193057"/>
+            <a:off x="1400892" y="1993336"/>
+            <a:ext cx="3452159" cy="998307"/>
           </a:xfrm>
           <a:prstGeom prst="rect">
             <a:avLst/>
@@ -19406,10 +19053,211 @@
           </a:ln>
         </p:spPr>
       </p:pic>
+      <p:pic>
+        <p:nvPicPr>
+          <p:cNvPr id="6" name="그림 5"/>
+          <p:cNvPicPr>
+            <a:picLocks noChangeAspect="1"/>
+          </p:cNvPicPr>
+          <p:nvPr/>
+        </p:nvPicPr>
+        <p:blipFill>
+          <a:blip r:embed="rId3">
+            <a:extLst>
+              <a:ext uri="{28A0092B-C50C-407E-A947-70E740481C1C}">
+                <a14:useLocalDpi xmlns:a14="http://schemas.microsoft.com/office/drawing/2010/main" val="0"/>
+              </a:ext>
+            </a:extLst>
+          </a:blip>
+          <a:stretch>
+            <a:fillRect/>
+          </a:stretch>
+        </p:blipFill>
+        <p:spPr>
+          <a:xfrm>
+            <a:off x="1400892" y="3150145"/>
+            <a:ext cx="7658764" cy="2522439"/>
+          </a:xfrm>
+          <a:prstGeom prst="rect">
+            <a:avLst/>
+          </a:prstGeom>
+          <a:ln>
+            <a:solidFill>
+              <a:schemeClr val="bg1">
+                <a:lumMod val="85000"/>
+              </a:schemeClr>
+            </a:solidFill>
+          </a:ln>
+        </p:spPr>
+      </p:pic>
+      <p:sp>
+        <p:nvSpPr>
+          <p:cNvPr id="7" name="모서리가 둥근 직사각형 6">
+            <a:extLst>
+              <a:ext uri="{FF2B5EF4-FFF2-40B4-BE49-F238E27FC236}">
+                <a16:creationId xmlns:a16="http://schemas.microsoft.com/office/drawing/2014/main" id="{792DA8B4-17B2-454B-97AC-17311A4832C5}"/>
+              </a:ext>
+            </a:extLst>
+          </p:cNvPr>
+          <p:cNvSpPr/>
+          <p:nvPr/>
+        </p:nvSpPr>
+        <p:spPr>
+          <a:xfrm>
+            <a:off x="5025008" y="2192593"/>
+            <a:ext cx="2754120" cy="299896"/>
+          </a:xfrm>
+          <a:prstGeom prst="roundRect">
+            <a:avLst/>
+          </a:prstGeom>
+          <a:noFill/>
+        </p:spPr>
+        <p:style>
+          <a:lnRef idx="2">
+            <a:schemeClr val="accent2"/>
+          </a:lnRef>
+          <a:fillRef idx="1">
+            <a:schemeClr val="lt1"/>
+          </a:fillRef>
+          <a:effectRef idx="0">
+            <a:schemeClr val="accent2"/>
+          </a:effectRef>
+          <a:fontRef idx="minor">
+            <a:schemeClr val="dk1"/>
+          </a:fontRef>
+        </p:style>
+        <p:txBody>
+          <a:bodyPr rtlCol="0" anchor="ctr"/>
+          <a:lstStyle/>
+          <a:p>
+            <a:r>
+              <a:rPr lang="ko-KR" altLang="en-US" sz="1600" dirty="0" smtClean="0">
+                <a:solidFill>
+                  <a:sysClr val="windowText" lastClr="000000"/>
+                </a:solidFill>
+              </a:rPr>
+              <a:t>주소 표시줄에서 요청한다</a:t>
+            </a:r>
+            <a:r>
+              <a:rPr lang="en-US" altLang="ko-KR" sz="1600" dirty="0" smtClean="0">
+                <a:solidFill>
+                  <a:sysClr val="windowText" lastClr="000000"/>
+                </a:solidFill>
+              </a:rPr>
+              <a:t>.</a:t>
+            </a:r>
+          </a:p>
+        </p:txBody>
+      </p:sp>
+      <p:cxnSp>
+        <p:nvCxnSpPr>
+          <p:cNvPr id="8" name="직선 화살표 연결선 7"/>
+          <p:cNvCxnSpPr>
+            <a:stCxn id="7" idx="1"/>
+          </p:cNvCxnSpPr>
+          <p:nvPr/>
+        </p:nvCxnSpPr>
+        <p:spPr>
+          <a:xfrm flipH="1" flipV="1">
+            <a:off x="4448148" y="2192593"/>
+            <a:ext cx="576860" cy="149948"/>
+          </a:xfrm>
+          <a:prstGeom prst="straightConnector1">
+            <a:avLst/>
+          </a:prstGeom>
+          <a:ln w="9525">
+            <a:solidFill>
+              <a:srgbClr val="C00000"/>
+            </a:solidFill>
+            <a:prstDash val="solid"/>
+            <a:headEnd type="none" w="med" len="med"/>
+            <a:tailEnd type="triangle" w="med" len="med"/>
+          </a:ln>
+        </p:spPr>
+        <p:style>
+          <a:lnRef idx="1">
+            <a:schemeClr val="accent1"/>
+          </a:lnRef>
+          <a:fillRef idx="0">
+            <a:schemeClr val="accent1"/>
+          </a:fillRef>
+          <a:effectRef idx="0">
+            <a:schemeClr val="accent1"/>
+          </a:effectRef>
+          <a:fontRef idx="minor">
+            <a:schemeClr val="tx1"/>
+          </a:fontRef>
+        </p:style>
+      </p:cxnSp>
+      <p:sp>
+        <p:nvSpPr>
+          <p:cNvPr id="9" name="모서리가 둥근 직사각형 8">
+            <a:extLst>
+              <a:ext uri="{FF2B5EF4-FFF2-40B4-BE49-F238E27FC236}">
+                <a16:creationId xmlns:a16="http://schemas.microsoft.com/office/drawing/2014/main" id="{792DA8B4-17B2-454B-97AC-17311A4832C5}"/>
+              </a:ext>
+            </a:extLst>
+          </p:cNvPr>
+          <p:cNvSpPr/>
+          <p:nvPr/>
+        </p:nvSpPr>
+        <p:spPr>
+          <a:xfrm>
+            <a:off x="5745088" y="2655538"/>
+            <a:ext cx="3222358" cy="360040"/>
+          </a:xfrm>
+          <a:prstGeom prst="roundRect">
+            <a:avLst/>
+          </a:prstGeom>
+          <a:noFill/>
+          <a:ln w="12700">
+            <a:solidFill>
+              <a:schemeClr val="tx1"/>
+            </a:solidFill>
+          </a:ln>
+        </p:spPr>
+        <p:style>
+          <a:lnRef idx="2">
+            <a:schemeClr val="accent2"/>
+          </a:lnRef>
+          <a:fillRef idx="1">
+            <a:schemeClr val="lt1"/>
+          </a:fillRef>
+          <a:effectRef idx="0">
+            <a:schemeClr val="accent2"/>
+          </a:effectRef>
+          <a:fontRef idx="minor">
+            <a:schemeClr val="dk1"/>
+          </a:fontRef>
+        </p:style>
+        <p:txBody>
+          <a:bodyPr rtlCol="0" anchor="ctr"/>
+          <a:lstStyle/>
+          <a:p>
+            <a:pPr algn="ctr"/>
+            <a:r>
+              <a:rPr lang="en-US" altLang="ko-KR" sz="1600" dirty="0" err="1" smtClean="0">
+                <a:solidFill>
+                  <a:sysClr val="windowText" lastClr="000000"/>
+                </a:solidFill>
+              </a:rPr>
+              <a:t>com.servlet</a:t>
+            </a:r>
+            <a:r>
+              <a:rPr lang="en-US" altLang="ko-KR" sz="1600" dirty="0" smtClean="0">
+                <a:solidFill>
+                  <a:sysClr val="windowText" lastClr="000000"/>
+                </a:solidFill>
+              </a:rPr>
+              <a:t>/SecondServlet.java</a:t>
+            </a:r>
+          </a:p>
+        </p:txBody>
+      </p:sp>
     </p:spTree>
     <p:extLst>
       <p:ext uri="{BB962C8B-B14F-4D97-AF65-F5344CB8AC3E}">
-        <p14:creationId xmlns:p14="http://schemas.microsoft.com/office/powerpoint/2010/main" val="3546512560"/>
+        <p14:creationId xmlns:p14="http://schemas.microsoft.com/office/powerpoint/2010/main" val="178645080"/>
       </p:ext>
     </p:extLst>
   </p:cSld>
@@ -19485,11 +19333,15 @@
             </a:r>
             <a:r>
               <a:rPr lang="ko-KR" altLang="en-US" dirty="0"/>
-              <a:t> 쿠키</a:t>
-            </a:r>
-            <a:r>
-              <a:rPr lang="en-US" altLang="ko-KR" dirty="0"/>
-              <a:t>(cookie)</a:t>
+              <a:t> </a:t>
+            </a:r>
+            <a:r>
+              <a:rPr lang="ko-KR" altLang="en-US" dirty="0" err="1" smtClean="0"/>
+              <a:t>서블릿</a:t>
+            </a:r>
+            <a:r>
+              <a:rPr lang="ko-KR" altLang="en-US" dirty="0" smtClean="0"/>
+              <a:t> 포워드 기능</a:t>
             </a:r>
             <a:endParaRPr lang="ko-KR" altLang="en-US" dirty="0"/>
           </a:p>
@@ -19503,8 +19355,8 @@
         </p:nvSpPr>
         <p:spPr>
           <a:xfrm>
-            <a:off x="776536" y="980728"/>
-            <a:ext cx="8496944" cy="553998"/>
+            <a:off x="1064568" y="1228315"/>
+            <a:ext cx="2664296" cy="507831"/>
           </a:xfrm>
           <a:prstGeom prst="rect">
             <a:avLst/>
@@ -19523,14 +19375,18 @@
               </a:lnSpc>
             </a:pPr>
             <a:r>
-              <a:rPr lang="ko-KR" altLang="en-US" sz="2000" b="1" dirty="0" err="1" smtClean="0"/>
-              <a:t>서블릿에서</a:t>
-            </a:r>
-            <a:r>
-              <a:rPr lang="ko-KR" altLang="en-US" sz="2000" b="1" dirty="0" smtClean="0"/>
-              <a:t> 쿠키 사용하기</a:t>
-            </a:r>
-            <a:endParaRPr lang="en-US" altLang="ko-KR" dirty="0"/>
+              <a:rPr lang="en-US" altLang="ko-KR" b="1" dirty="0" smtClean="0"/>
+              <a:t>dispatch</a:t>
+            </a:r>
+            <a:r>
+              <a:rPr lang="ko-KR" altLang="en-US" b="1" dirty="0" smtClean="0"/>
+              <a:t>방법 실</a:t>
+            </a:r>
+            <a:r>
+              <a:rPr lang="ko-KR" altLang="en-US" b="1" dirty="0"/>
+              <a:t>습</a:t>
+            </a:r>
+            <a:endParaRPr lang="en-US" altLang="ko-KR" sz="1600" b="1" dirty="0" smtClean="0"/>
           </a:p>
         </p:txBody>
       </p:sp>
@@ -19556,8 +19412,8 @@
         </p:blipFill>
         <p:spPr>
           <a:xfrm>
-            <a:off x="776536" y="1600606"/>
-            <a:ext cx="8455836" cy="4132650"/>
+            <a:off x="1208583" y="1916832"/>
+            <a:ext cx="6950043" cy="3193057"/>
           </a:xfrm>
           <a:prstGeom prst="rect">
             <a:avLst/>
@@ -19571,47 +19427,10 @@
           </a:ln>
         </p:spPr>
       </p:pic>
-      <p:pic>
-        <p:nvPicPr>
-          <p:cNvPr id="6" name="그림 5"/>
-          <p:cNvPicPr>
-            <a:picLocks noChangeAspect="1"/>
-          </p:cNvPicPr>
-          <p:nvPr/>
-        </p:nvPicPr>
-        <p:blipFill>
-          <a:blip r:embed="rId3">
-            <a:extLst>
-              <a:ext uri="{28A0092B-C50C-407E-A947-70E740481C1C}">
-                <a14:useLocalDpi xmlns:a14="http://schemas.microsoft.com/office/drawing/2010/main" val="0"/>
-              </a:ext>
-            </a:extLst>
-          </a:blip>
-          <a:stretch>
-            <a:fillRect/>
-          </a:stretch>
-        </p:blipFill>
-        <p:spPr>
-          <a:xfrm>
-            <a:off x="5950872" y="5157192"/>
-            <a:ext cx="3322608" cy="899238"/>
-          </a:xfrm>
-          <a:prstGeom prst="rect">
-            <a:avLst/>
-          </a:prstGeom>
-          <a:ln>
-            <a:solidFill>
-              <a:schemeClr val="bg1">
-                <a:lumMod val="85000"/>
-              </a:schemeClr>
-            </a:solidFill>
-          </a:ln>
-        </p:spPr>
-      </p:pic>
     </p:spTree>
     <p:extLst>
       <p:ext uri="{BB962C8B-B14F-4D97-AF65-F5344CB8AC3E}">
-        <p14:creationId xmlns:p14="http://schemas.microsoft.com/office/powerpoint/2010/main" val="1362696016"/>
+        <p14:creationId xmlns:p14="http://schemas.microsoft.com/office/powerpoint/2010/main" val="3546512560"/>
       </p:ext>
     </p:extLst>
   </p:cSld>
@@ -19697,9 +19516,48 @@
           </a:p>
         </p:txBody>
       </p:sp>
+      <p:sp>
+        <p:nvSpPr>
+          <p:cNvPr id="5" name="TextBox 4"/>
+          <p:cNvSpPr txBox="1"/>
+          <p:nvPr/>
+        </p:nvSpPr>
+        <p:spPr>
+          <a:xfrm>
+            <a:off x="776536" y="980728"/>
+            <a:ext cx="8496944" cy="553998"/>
+          </a:xfrm>
+          <a:prstGeom prst="rect">
+            <a:avLst/>
+          </a:prstGeom>
+          <a:noFill/>
+        </p:spPr>
+        <p:txBody>
+          <a:bodyPr wrap="square" rtlCol="0">
+            <a:spAutoFit/>
+          </a:bodyPr>
+          <a:lstStyle/>
+          <a:p>
+            <a:pPr>
+              <a:lnSpc>
+                <a:spcPct val="150000"/>
+              </a:lnSpc>
+            </a:pPr>
+            <a:r>
+              <a:rPr lang="ko-KR" altLang="en-US" sz="2000" b="1" dirty="0" err="1" smtClean="0"/>
+              <a:t>서블릿에서</a:t>
+            </a:r>
+            <a:r>
+              <a:rPr lang="ko-KR" altLang="en-US" sz="2000" b="1" dirty="0" smtClean="0"/>
+              <a:t> 쿠키 사용하기</a:t>
+            </a:r>
+            <a:endParaRPr lang="en-US" altLang="ko-KR" dirty="0"/>
+          </a:p>
+        </p:txBody>
+      </p:sp>
       <p:pic>
         <p:nvPicPr>
-          <p:cNvPr id="2" name="그림 1"/>
+          <p:cNvPr id="4" name="그림 3"/>
           <p:cNvPicPr>
             <a:picLocks noChangeAspect="1"/>
           </p:cNvPicPr>
@@ -19719,8 +19577,8 @@
         </p:blipFill>
         <p:spPr>
           <a:xfrm>
-            <a:off x="570316" y="3171394"/>
-            <a:ext cx="8073897" cy="1872208"/>
+            <a:off x="776536" y="1600606"/>
+            <a:ext cx="8455836" cy="4132650"/>
           </a:xfrm>
           <a:prstGeom prst="rect">
             <a:avLst/>
@@ -19736,7 +19594,7 @@
       </p:pic>
       <p:pic>
         <p:nvPicPr>
-          <p:cNvPr id="3" name="그림 2"/>
+          <p:cNvPr id="6" name="그림 5"/>
           <p:cNvPicPr>
             <a:picLocks noChangeAspect="1"/>
           </p:cNvPicPr>
@@ -19756,8 +19614,8 @@
         </p:blipFill>
         <p:spPr>
           <a:xfrm>
-            <a:off x="560512" y="1268760"/>
-            <a:ext cx="8680635" cy="1584176"/>
+            <a:off x="5950872" y="5157192"/>
+            <a:ext cx="3322608" cy="899238"/>
           </a:xfrm>
           <a:prstGeom prst="rect">
             <a:avLst/>
@@ -19774,7 +19632,7 @@
     </p:spTree>
     <p:extLst>
       <p:ext uri="{BB962C8B-B14F-4D97-AF65-F5344CB8AC3E}">
-        <p14:creationId xmlns:p14="http://schemas.microsoft.com/office/powerpoint/2010/main" val="1599346481"/>
+        <p14:creationId xmlns:p14="http://schemas.microsoft.com/office/powerpoint/2010/main" val="1362696016"/>
       </p:ext>
     </p:extLst>
   </p:cSld>
@@ -19860,45 +19718,6 @@
           </a:p>
         </p:txBody>
       </p:sp>
-      <p:sp>
-        <p:nvSpPr>
-          <p:cNvPr id="5" name="TextBox 4"/>
-          <p:cNvSpPr txBox="1"/>
-          <p:nvPr/>
-        </p:nvSpPr>
-        <p:spPr>
-          <a:xfrm>
-            <a:off x="776536" y="980728"/>
-            <a:ext cx="8496944" cy="494494"/>
-          </a:xfrm>
-          <a:prstGeom prst="rect">
-            <a:avLst/>
-          </a:prstGeom>
-          <a:noFill/>
-        </p:spPr>
-        <p:txBody>
-          <a:bodyPr wrap="square" rtlCol="0">
-            <a:spAutoFit/>
-          </a:bodyPr>
-          <a:lstStyle/>
-          <a:p>
-            <a:pPr>
-              <a:lnSpc>
-                <a:spcPct val="150000"/>
-              </a:lnSpc>
-            </a:pPr>
-            <a:r>
-              <a:rPr lang="ko-KR" altLang="en-US" sz="2000" b="1" dirty="0" smtClean="0"/>
-              <a:t>쿠키 가져오</a:t>
-            </a:r>
-            <a:r>
-              <a:rPr lang="ko-KR" altLang="en-US" sz="2000" b="1" dirty="0"/>
-              <a:t>기</a:t>
-            </a:r>
-            <a:endParaRPr lang="en-US" altLang="ko-KR" sz="2000" b="1" dirty="0" smtClean="0"/>
-          </a:p>
-        </p:txBody>
-      </p:sp>
       <p:pic>
         <p:nvPicPr>
           <p:cNvPr id="2" name="그림 1"/>
@@ -19921,8 +19740,8 @@
         </p:blipFill>
         <p:spPr>
           <a:xfrm>
-            <a:off x="632520" y="1628800"/>
-            <a:ext cx="8784976" cy="4204342"/>
+            <a:off x="570316" y="3171394"/>
+            <a:ext cx="8073897" cy="1872208"/>
           </a:xfrm>
           <a:prstGeom prst="rect">
             <a:avLst/>
@@ -19958,8 +19777,8 @@
         </p:blipFill>
         <p:spPr>
           <a:xfrm>
-            <a:off x="5745088" y="5410195"/>
-            <a:ext cx="3482642" cy="845893"/>
+            <a:off x="560512" y="1268760"/>
+            <a:ext cx="8680635" cy="1584176"/>
           </a:xfrm>
           <a:prstGeom prst="rect">
             <a:avLst/>
@@ -19976,7 +19795,7 @@
     </p:spTree>
     <p:extLst>
       <p:ext uri="{BB962C8B-B14F-4D97-AF65-F5344CB8AC3E}">
-        <p14:creationId xmlns:p14="http://schemas.microsoft.com/office/powerpoint/2010/main" val="3511827381"/>
+        <p14:creationId xmlns:p14="http://schemas.microsoft.com/office/powerpoint/2010/main" val="1599346481"/>
       </p:ext>
     </p:extLst>
   </p:cSld>
@@ -20048,15 +19867,15 @@
           <a:p>
             <a:r>
               <a:rPr lang="en-US" altLang="ko-KR" dirty="0" smtClean="0"/>
-              <a:t>  </a:t>
-            </a:r>
-            <a:r>
-              <a:rPr lang="ko-KR" altLang="en-US" dirty="0" smtClean="0"/>
-              <a:t>세션</a:t>
+              <a:t> </a:t>
+            </a:r>
+            <a:r>
+              <a:rPr lang="ko-KR" altLang="en-US" dirty="0"/>
+              <a:t> 쿠키</a:t>
             </a:r>
             <a:r>
               <a:rPr lang="en-US" altLang="ko-KR" dirty="0"/>
-              <a:t>(session)</a:t>
+              <a:t>(cookie)</a:t>
             </a:r>
             <a:endParaRPr lang="ko-KR" altLang="en-US" dirty="0"/>
           </a:p>
@@ -20070,8 +19889,8 @@
         </p:nvSpPr>
         <p:spPr>
           <a:xfrm>
-            <a:off x="785326" y="974034"/>
-            <a:ext cx="8496944" cy="1708160"/>
+            <a:off x="776536" y="980728"/>
+            <a:ext cx="8496944" cy="494494"/>
           </a:xfrm>
           <a:prstGeom prst="rect">
             <a:avLst/>
@@ -20090,120 +19909,20 @@
               </a:lnSpc>
             </a:pPr>
             <a:r>
-              <a:rPr lang="ko-KR" altLang="en-US" sz="2000" b="1" dirty="0" err="1" smtClean="0"/>
-              <a:t>서블릿에서</a:t>
-            </a:r>
-            <a:r>
               <a:rPr lang="ko-KR" altLang="en-US" sz="2000" b="1" dirty="0" smtClean="0"/>
-              <a:t> 세</a:t>
+              <a:t>쿠키 가져오</a:t>
             </a:r>
             <a:r>
               <a:rPr lang="ko-KR" altLang="en-US" sz="2000" b="1" dirty="0"/>
-              <a:t>션</a:t>
-            </a:r>
-            <a:r>
-              <a:rPr lang="ko-KR" altLang="en-US" sz="2000" b="1" dirty="0" smtClean="0"/>
-              <a:t> 사용하기</a:t>
+              <a:t>기</a:t>
             </a:r>
             <a:endParaRPr lang="en-US" altLang="ko-KR" sz="2000" b="1" dirty="0" smtClean="0"/>
-          </a:p>
-          <a:p>
-            <a:pPr>
-              <a:lnSpc>
-                <a:spcPct val="150000"/>
-              </a:lnSpc>
-            </a:pPr>
-            <a:r>
-              <a:rPr lang="en-US" altLang="ko-KR" sz="1600" dirty="0" err="1" smtClean="0"/>
-              <a:t>HttpSession</a:t>
-            </a:r>
-            <a:r>
-              <a:rPr lang="en-US" altLang="ko-KR" sz="1600" dirty="0"/>
-              <a:t> </a:t>
-            </a:r>
-            <a:r>
-              <a:rPr lang="en-US" altLang="ko-KR" sz="1600" dirty="0" smtClean="0"/>
-              <a:t>– Java EE API</a:t>
-            </a:r>
-            <a:r>
-              <a:rPr lang="ko-KR" altLang="en-US" sz="1600" dirty="0" smtClean="0"/>
-              <a:t>로 검색</a:t>
-            </a:r>
-            <a:endParaRPr lang="en-US" altLang="ko-KR" sz="1600" dirty="0" smtClean="0"/>
-          </a:p>
-          <a:p>
-            <a:pPr>
-              <a:lnSpc>
-                <a:spcPct val="150000"/>
-              </a:lnSpc>
-            </a:pPr>
-            <a:r>
-              <a:rPr lang="ko-KR" altLang="en-US" sz="1600" dirty="0" err="1" smtClean="0"/>
-              <a:t>서블릿에서</a:t>
-            </a:r>
-            <a:r>
-              <a:rPr lang="ko-KR" altLang="en-US" sz="1600" dirty="0" smtClean="0"/>
-              <a:t> 세션을 이용하려면 </a:t>
-            </a:r>
-            <a:r>
-              <a:rPr lang="en-US" altLang="ko-KR" sz="1600" dirty="0" err="1" smtClean="0"/>
-              <a:t>HttpSession</a:t>
-            </a:r>
-            <a:r>
-              <a:rPr lang="en-US" altLang="ko-KR" sz="1600" dirty="0" smtClean="0"/>
-              <a:t> </a:t>
-            </a:r>
-            <a:r>
-              <a:rPr lang="ko-KR" altLang="en-US" sz="1600" dirty="0" smtClean="0"/>
-              <a:t>인터페이스의 객체를 생성해야 한다</a:t>
-            </a:r>
-            <a:r>
-              <a:rPr lang="en-US" altLang="ko-KR" sz="1600" dirty="0" smtClean="0"/>
-              <a:t>. </a:t>
-            </a:r>
-            <a:r>
-              <a:rPr lang="en-US" altLang="ko-KR" sz="1600" dirty="0" err="1" smtClean="0"/>
-              <a:t>HttpSession</a:t>
-            </a:r>
-            <a:r>
-              <a:rPr lang="ko-KR" altLang="en-US" sz="1600" dirty="0" smtClean="0"/>
-              <a:t>객체는 </a:t>
-            </a:r>
-            <a:r>
-              <a:rPr lang="en-US" altLang="ko-KR" sz="1600" dirty="0" err="1" smtClean="0"/>
-              <a:t>HttpServletRequest</a:t>
-            </a:r>
-            <a:r>
-              <a:rPr lang="ko-KR" altLang="en-US" sz="1600" dirty="0" smtClean="0"/>
-              <a:t>의 </a:t>
-            </a:r>
-            <a:r>
-              <a:rPr lang="en-US" altLang="ko-KR" sz="1600" dirty="0" err="1" smtClean="0"/>
-              <a:t>getSession</a:t>
-            </a:r>
-            <a:r>
-              <a:rPr lang="en-US" altLang="ko-KR" sz="1600" dirty="0" smtClean="0"/>
-              <a:t>() </a:t>
-            </a:r>
-            <a:r>
-              <a:rPr lang="ko-KR" altLang="en-US" sz="1600" dirty="0" err="1" smtClean="0"/>
-              <a:t>메서드를</a:t>
-            </a:r>
-            <a:r>
-              <a:rPr lang="ko-KR" altLang="en-US" sz="1600" dirty="0" smtClean="0"/>
-              <a:t> 호출해서 생성한다</a:t>
-            </a:r>
-            <a:r>
-              <a:rPr lang="en-US" altLang="ko-KR" sz="1600" dirty="0" smtClean="0"/>
-              <a:t>. </a:t>
-            </a:r>
-            <a:endParaRPr lang="en-US" altLang="ko-KR" sz="1600" dirty="0"/>
           </a:p>
         </p:txBody>
       </p:sp>
       <p:pic>
         <p:nvPicPr>
-          <p:cNvPr id="12" name="그림 11"/>
+          <p:cNvPr id="2" name="그림 1"/>
           <p:cNvPicPr>
             <a:picLocks noChangeAspect="1"/>
           </p:cNvPicPr>
@@ -20223,8 +19942,8 @@
         </p:blipFill>
         <p:spPr>
           <a:xfrm>
-            <a:off x="848544" y="2924944"/>
-            <a:ext cx="4914419" cy="3146096"/>
+            <a:off x="632520" y="1628800"/>
+            <a:ext cx="8784976" cy="4204342"/>
           </a:xfrm>
           <a:prstGeom prst="rect">
             <a:avLst/>
@@ -20240,7 +19959,7 @@
       </p:pic>
       <p:pic>
         <p:nvPicPr>
-          <p:cNvPr id="11" name="그림 10"/>
+          <p:cNvPr id="3" name="그림 2"/>
           <p:cNvPicPr>
             <a:picLocks noChangeAspect="1"/>
           </p:cNvPicPr>
@@ -20260,8 +19979,8 @@
         </p:blipFill>
         <p:spPr>
           <a:xfrm>
-            <a:off x="3512840" y="4365104"/>
-            <a:ext cx="6002432" cy="1594723"/>
+            <a:off x="5745088" y="5410195"/>
+            <a:ext cx="3482642" cy="845893"/>
           </a:xfrm>
           <a:prstGeom prst="rect">
             <a:avLst/>
@@ -20278,7 +19997,7 @@
     </p:spTree>
     <p:extLst>
       <p:ext uri="{BB962C8B-B14F-4D97-AF65-F5344CB8AC3E}">
-        <p14:creationId xmlns:p14="http://schemas.microsoft.com/office/powerpoint/2010/main" val="2556190687"/>
+        <p14:creationId xmlns:p14="http://schemas.microsoft.com/office/powerpoint/2010/main" val="3511827381"/>
       </p:ext>
     </p:extLst>
   </p:cSld>
@@ -20372,6 +20091,308 @@
         </p:nvSpPr>
         <p:spPr>
           <a:xfrm>
+            <a:off x="785326" y="974034"/>
+            <a:ext cx="8496944" cy="1708160"/>
+          </a:xfrm>
+          <a:prstGeom prst="rect">
+            <a:avLst/>
+          </a:prstGeom>
+          <a:noFill/>
+        </p:spPr>
+        <p:txBody>
+          <a:bodyPr wrap="square" rtlCol="0">
+            <a:spAutoFit/>
+          </a:bodyPr>
+          <a:lstStyle/>
+          <a:p>
+            <a:pPr>
+              <a:lnSpc>
+                <a:spcPct val="150000"/>
+              </a:lnSpc>
+            </a:pPr>
+            <a:r>
+              <a:rPr lang="ko-KR" altLang="en-US" sz="2000" b="1" dirty="0" err="1" smtClean="0"/>
+              <a:t>서블릿에서</a:t>
+            </a:r>
+            <a:r>
+              <a:rPr lang="ko-KR" altLang="en-US" sz="2000" b="1" dirty="0" smtClean="0"/>
+              <a:t> 세</a:t>
+            </a:r>
+            <a:r>
+              <a:rPr lang="ko-KR" altLang="en-US" sz="2000" b="1" dirty="0"/>
+              <a:t>션</a:t>
+            </a:r>
+            <a:r>
+              <a:rPr lang="ko-KR" altLang="en-US" sz="2000" b="1" dirty="0" smtClean="0"/>
+              <a:t> 사용하기</a:t>
+            </a:r>
+            <a:endParaRPr lang="en-US" altLang="ko-KR" sz="2000" b="1" dirty="0" smtClean="0"/>
+          </a:p>
+          <a:p>
+            <a:pPr>
+              <a:lnSpc>
+                <a:spcPct val="150000"/>
+              </a:lnSpc>
+            </a:pPr>
+            <a:r>
+              <a:rPr lang="en-US" altLang="ko-KR" sz="1600" dirty="0" err="1" smtClean="0"/>
+              <a:t>HttpSession</a:t>
+            </a:r>
+            <a:r>
+              <a:rPr lang="en-US" altLang="ko-KR" sz="1600" dirty="0"/>
+              <a:t> </a:t>
+            </a:r>
+            <a:r>
+              <a:rPr lang="en-US" altLang="ko-KR" sz="1600" dirty="0" smtClean="0"/>
+              <a:t>– Java EE API</a:t>
+            </a:r>
+            <a:r>
+              <a:rPr lang="ko-KR" altLang="en-US" sz="1600" dirty="0" smtClean="0"/>
+              <a:t>로 검색</a:t>
+            </a:r>
+            <a:endParaRPr lang="en-US" altLang="ko-KR" sz="1600" dirty="0" smtClean="0"/>
+          </a:p>
+          <a:p>
+            <a:pPr>
+              <a:lnSpc>
+                <a:spcPct val="150000"/>
+              </a:lnSpc>
+            </a:pPr>
+            <a:r>
+              <a:rPr lang="ko-KR" altLang="en-US" sz="1600" dirty="0" err="1" smtClean="0"/>
+              <a:t>서블릿에서</a:t>
+            </a:r>
+            <a:r>
+              <a:rPr lang="ko-KR" altLang="en-US" sz="1600" dirty="0" smtClean="0"/>
+              <a:t> 세션을 이용하려면 </a:t>
+            </a:r>
+            <a:r>
+              <a:rPr lang="en-US" altLang="ko-KR" sz="1600" dirty="0" err="1" smtClean="0"/>
+              <a:t>HttpSession</a:t>
+            </a:r>
+            <a:r>
+              <a:rPr lang="en-US" altLang="ko-KR" sz="1600" dirty="0" smtClean="0"/>
+              <a:t> </a:t>
+            </a:r>
+            <a:r>
+              <a:rPr lang="ko-KR" altLang="en-US" sz="1600" dirty="0" smtClean="0"/>
+              <a:t>인터페이스의 객체를 생성해야 한다</a:t>
+            </a:r>
+            <a:r>
+              <a:rPr lang="en-US" altLang="ko-KR" sz="1600" dirty="0" smtClean="0"/>
+              <a:t>. </a:t>
+            </a:r>
+            <a:r>
+              <a:rPr lang="en-US" altLang="ko-KR" sz="1600" dirty="0" err="1" smtClean="0"/>
+              <a:t>HttpSession</a:t>
+            </a:r>
+            <a:r>
+              <a:rPr lang="ko-KR" altLang="en-US" sz="1600" dirty="0" smtClean="0"/>
+              <a:t>객체는 </a:t>
+            </a:r>
+            <a:r>
+              <a:rPr lang="en-US" altLang="ko-KR" sz="1600" dirty="0" err="1" smtClean="0"/>
+              <a:t>HttpServletRequest</a:t>
+            </a:r>
+            <a:r>
+              <a:rPr lang="ko-KR" altLang="en-US" sz="1600" dirty="0" smtClean="0"/>
+              <a:t>의 </a:t>
+            </a:r>
+            <a:r>
+              <a:rPr lang="en-US" altLang="ko-KR" sz="1600" dirty="0" err="1" smtClean="0"/>
+              <a:t>getSession</a:t>
+            </a:r>
+            <a:r>
+              <a:rPr lang="en-US" altLang="ko-KR" sz="1600" dirty="0" smtClean="0"/>
+              <a:t>() </a:t>
+            </a:r>
+            <a:r>
+              <a:rPr lang="ko-KR" altLang="en-US" sz="1600" dirty="0" err="1" smtClean="0"/>
+              <a:t>메서드를</a:t>
+            </a:r>
+            <a:r>
+              <a:rPr lang="ko-KR" altLang="en-US" sz="1600" dirty="0" smtClean="0"/>
+              <a:t> 호출해서 생성한다</a:t>
+            </a:r>
+            <a:r>
+              <a:rPr lang="en-US" altLang="ko-KR" sz="1600" dirty="0" smtClean="0"/>
+              <a:t>. </a:t>
+            </a:r>
+            <a:endParaRPr lang="en-US" altLang="ko-KR" sz="1600" dirty="0"/>
+          </a:p>
+        </p:txBody>
+      </p:sp>
+      <p:pic>
+        <p:nvPicPr>
+          <p:cNvPr id="12" name="그림 11"/>
+          <p:cNvPicPr>
+            <a:picLocks noChangeAspect="1"/>
+          </p:cNvPicPr>
+          <p:nvPr/>
+        </p:nvPicPr>
+        <p:blipFill>
+          <a:blip r:embed="rId2">
+            <a:extLst>
+              <a:ext uri="{28A0092B-C50C-407E-A947-70E740481C1C}">
+                <a14:useLocalDpi xmlns:a14="http://schemas.microsoft.com/office/drawing/2010/main" val="0"/>
+              </a:ext>
+            </a:extLst>
+          </a:blip>
+          <a:stretch>
+            <a:fillRect/>
+          </a:stretch>
+        </p:blipFill>
+        <p:spPr>
+          <a:xfrm>
+            <a:off x="848544" y="2924944"/>
+            <a:ext cx="4914419" cy="3146096"/>
+          </a:xfrm>
+          <a:prstGeom prst="rect">
+            <a:avLst/>
+          </a:prstGeom>
+          <a:ln>
+            <a:solidFill>
+              <a:schemeClr val="bg1">
+                <a:lumMod val="85000"/>
+              </a:schemeClr>
+            </a:solidFill>
+          </a:ln>
+        </p:spPr>
+      </p:pic>
+      <p:pic>
+        <p:nvPicPr>
+          <p:cNvPr id="11" name="그림 10"/>
+          <p:cNvPicPr>
+            <a:picLocks noChangeAspect="1"/>
+          </p:cNvPicPr>
+          <p:nvPr/>
+        </p:nvPicPr>
+        <p:blipFill>
+          <a:blip r:embed="rId3">
+            <a:extLst>
+              <a:ext uri="{28A0092B-C50C-407E-A947-70E740481C1C}">
+                <a14:useLocalDpi xmlns:a14="http://schemas.microsoft.com/office/drawing/2010/main" val="0"/>
+              </a:ext>
+            </a:extLst>
+          </a:blip>
+          <a:stretch>
+            <a:fillRect/>
+          </a:stretch>
+        </p:blipFill>
+        <p:spPr>
+          <a:xfrm>
+            <a:off x="3512840" y="4365104"/>
+            <a:ext cx="6002432" cy="1594723"/>
+          </a:xfrm>
+          <a:prstGeom prst="rect">
+            <a:avLst/>
+          </a:prstGeom>
+          <a:ln>
+            <a:solidFill>
+              <a:schemeClr val="bg1">
+                <a:lumMod val="85000"/>
+              </a:schemeClr>
+            </a:solidFill>
+          </a:ln>
+        </p:spPr>
+      </p:pic>
+    </p:spTree>
+    <p:extLst>
+      <p:ext uri="{BB962C8B-B14F-4D97-AF65-F5344CB8AC3E}">
+        <p14:creationId xmlns:p14="http://schemas.microsoft.com/office/powerpoint/2010/main" val="2556190687"/>
+      </p:ext>
+    </p:extLst>
+  </p:cSld>
+  <p:clrMapOvr>
+    <a:masterClrMapping/>
+  </p:clrMapOvr>
+  <p:timing>
+    <p:tnLst>
+      <p:par>
+        <p:cTn id="1" dur="indefinite" restart="never" nodeType="tmRoot"/>
+      </p:par>
+    </p:tnLst>
+  </p:timing>
+</p:sld>
+</file>
+
+<file path=ppt/slides/slide48.xml><?xml version="1.0" encoding="utf-8"?>
+<p:sld xmlns:a="http://schemas.openxmlformats.org/drawingml/2006/main" xmlns:r="http://schemas.openxmlformats.org/officeDocument/2006/relationships" xmlns:p="http://schemas.openxmlformats.org/presentationml/2006/main">
+  <p:cSld>
+    <p:spTree>
+      <p:nvGrpSpPr>
+        <p:cNvPr id="1" name=""/>
+        <p:cNvGrpSpPr/>
+        <p:nvPr/>
+      </p:nvGrpSpPr>
+      <p:grpSpPr>
+        <a:xfrm>
+          <a:off x="0" y="0"/>
+          <a:ext cx="0" cy="0"/>
+          <a:chOff x="0" y="0"/>
+          <a:chExt cx="0" cy="0"/>
+        </a:xfrm>
+      </p:grpSpPr>
+      <p:sp>
+        <p:nvSpPr>
+          <p:cNvPr id="15" name="제목 5"/>
+          <p:cNvSpPr txBox="1">
+            <a:spLocks/>
+          </p:cNvSpPr>
+          <p:nvPr/>
+        </p:nvSpPr>
+        <p:spPr>
+          <a:xfrm>
+            <a:off x="0" y="-27384"/>
+            <a:ext cx="7995338" cy="854968"/>
+          </a:xfrm>
+          <a:prstGeom prst="rect">
+            <a:avLst/>
+          </a:prstGeom>
+        </p:spPr>
+        <p:txBody>
+          <a:bodyPr anchor="ctr" anchorCtr="0"/>
+          <a:lstStyle>
+            <a:lvl1pPr algn="l" defTabSz="914400" rtl="0" eaLnBrk="1" latinLnBrk="1" hangingPunct="1">
+              <a:spcBef>
+                <a:spcPct val="0"/>
+              </a:spcBef>
+              <a:buNone/>
+              <a:defRPr sz="3200" kern="1200">
+                <a:solidFill>
+                  <a:schemeClr val="bg1"/>
+                </a:solidFill>
+                <a:latin typeface="HY헤드라인M" panose="02030600000101010101" pitchFamily="18" charset="-127"/>
+                <a:ea typeface="HY헤드라인M" panose="02030600000101010101" pitchFamily="18" charset="-127"/>
+                <a:cs typeface="+mj-cs"/>
+              </a:defRPr>
+            </a:lvl1pPr>
+          </a:lstStyle>
+          <a:p>
+            <a:r>
+              <a:rPr lang="en-US" altLang="ko-KR" dirty="0" smtClean="0"/>
+              <a:t>  </a:t>
+            </a:r>
+            <a:r>
+              <a:rPr lang="ko-KR" altLang="en-US" dirty="0" smtClean="0"/>
+              <a:t>세션</a:t>
+            </a:r>
+            <a:r>
+              <a:rPr lang="en-US" altLang="ko-KR" dirty="0"/>
+              <a:t>(session)</a:t>
+            </a:r>
+            <a:endParaRPr lang="ko-KR" altLang="en-US" dirty="0"/>
+          </a:p>
+        </p:txBody>
+      </p:sp>
+      <p:sp>
+        <p:nvSpPr>
+          <p:cNvPr id="5" name="TextBox 4"/>
+          <p:cNvSpPr txBox="1"/>
+          <p:nvPr/>
+        </p:nvSpPr>
+        <p:spPr>
+          <a:xfrm>
             <a:off x="776536" y="980728"/>
             <a:ext cx="8496944" cy="553998"/>
           </a:xfrm>
@@ -20506,7 +20527,7 @@
 </p:sld>
 </file>
 
-<file path=ppt/slides/slide48.xml><?xml version="1.0" encoding="utf-8"?>
+<file path=ppt/slides/slide49.xml><?xml version="1.0" encoding="utf-8"?>
 <p:sld xmlns:a="http://schemas.openxmlformats.org/drawingml/2006/main" xmlns:r="http://schemas.openxmlformats.org/officeDocument/2006/relationships" xmlns:p="http://schemas.openxmlformats.org/presentationml/2006/main">
   <p:cSld>
     <p:spTree>
@@ -21164,7 +21185,388 @@
 </p:sld>
 </file>
 
-<file path=ppt/slides/slide49.xml><?xml version="1.0" encoding="utf-8"?>
+<file path=ppt/slides/slide5.xml><?xml version="1.0" encoding="utf-8"?>
+<p:sld xmlns:a="http://schemas.openxmlformats.org/drawingml/2006/main" xmlns:r="http://schemas.openxmlformats.org/officeDocument/2006/relationships" xmlns:p="http://schemas.openxmlformats.org/presentationml/2006/main">
+  <p:cSld>
+    <p:spTree>
+      <p:nvGrpSpPr>
+        <p:cNvPr id="1" name=""/>
+        <p:cNvGrpSpPr/>
+        <p:nvPr/>
+      </p:nvGrpSpPr>
+      <p:grpSpPr>
+        <a:xfrm>
+          <a:off x="0" y="0"/>
+          <a:ext cx="0" cy="0"/>
+          <a:chOff x="0" y="0"/>
+          <a:chExt cx="0" cy="0"/>
+        </a:xfrm>
+      </p:grpSpPr>
+      <p:sp>
+        <p:nvSpPr>
+          <p:cNvPr id="15" name="제목 5"/>
+          <p:cNvSpPr txBox="1">
+            <a:spLocks/>
+          </p:cNvSpPr>
+          <p:nvPr/>
+        </p:nvSpPr>
+        <p:spPr>
+          <a:xfrm>
+            <a:off x="0" y="-27384"/>
+            <a:ext cx="7995338" cy="854968"/>
+          </a:xfrm>
+          <a:prstGeom prst="rect">
+            <a:avLst/>
+          </a:prstGeom>
+        </p:spPr>
+        <p:txBody>
+          <a:bodyPr anchor="ctr" anchorCtr="0"/>
+          <a:lstStyle>
+            <a:lvl1pPr algn="l" defTabSz="914400" rtl="0" eaLnBrk="1" latinLnBrk="1" hangingPunct="1">
+              <a:spcBef>
+                <a:spcPct val="0"/>
+              </a:spcBef>
+              <a:buNone/>
+              <a:defRPr sz="3200" kern="1200">
+                <a:solidFill>
+                  <a:schemeClr val="bg1"/>
+                </a:solidFill>
+                <a:latin typeface="HY헤드라인M" panose="02030600000101010101" pitchFamily="18" charset="-127"/>
+                <a:ea typeface="HY헤드라인M" panose="02030600000101010101" pitchFamily="18" charset="-127"/>
+                <a:cs typeface="+mj-cs"/>
+              </a:defRPr>
+            </a:lvl1pPr>
+          </a:lstStyle>
+          <a:p>
+            <a:r>
+              <a:rPr lang="en-US" altLang="ko-KR" dirty="0" smtClean="0"/>
+              <a:t> </a:t>
+            </a:r>
+            <a:r>
+              <a:rPr lang="ko-KR" altLang="en-US" b="1" dirty="0" err="1">
+                <a:latin typeface="휴먼엑스포" panose="02030504000101010101" pitchFamily="18" charset="-127"/>
+                <a:ea typeface="휴먼엑스포" panose="02030504000101010101" pitchFamily="18" charset="-127"/>
+              </a:rPr>
+              <a:t>서블릿</a:t>
+            </a:r>
+            <a:r>
+              <a:rPr lang="ko-KR" altLang="en-US" b="1" dirty="0">
+                <a:latin typeface="휴먼엑스포" panose="02030504000101010101" pitchFamily="18" charset="-127"/>
+                <a:ea typeface="휴먼엑스포" panose="02030504000101010101" pitchFamily="18" charset="-127"/>
+              </a:rPr>
+              <a:t> </a:t>
+            </a:r>
+            <a:r>
+              <a:rPr lang="en-US" altLang="ko-KR" b="1" dirty="0">
+                <a:latin typeface="휴먼엑스포" panose="02030504000101010101" pitchFamily="18" charset="-127"/>
+                <a:ea typeface="휴먼엑스포" panose="02030504000101010101" pitchFamily="18" charset="-127"/>
+              </a:rPr>
+              <a:t>– Servlet</a:t>
+            </a:r>
+            <a:endParaRPr lang="ko-KR" altLang="en-US" dirty="0"/>
+          </a:p>
+        </p:txBody>
+      </p:sp>
+      <p:sp>
+        <p:nvSpPr>
+          <p:cNvPr id="7" name="TextBox 6"/>
+          <p:cNvSpPr txBox="1"/>
+          <p:nvPr/>
+        </p:nvSpPr>
+        <p:spPr>
+          <a:xfrm>
+            <a:off x="632520" y="1065217"/>
+            <a:ext cx="8928992" cy="3708708"/>
+          </a:xfrm>
+          <a:prstGeom prst="rect">
+            <a:avLst/>
+          </a:prstGeom>
+          <a:noFill/>
+        </p:spPr>
+        <p:txBody>
+          <a:bodyPr wrap="square" rtlCol="0">
+            <a:spAutoFit/>
+          </a:bodyPr>
+          <a:lstStyle/>
+          <a:p>
+            <a:pPr>
+              <a:lnSpc>
+                <a:spcPct val="200000"/>
+              </a:lnSpc>
+            </a:pPr>
+            <a:r>
+              <a:rPr lang="ko-KR" altLang="en-US" sz="2000" b="1" dirty="0" err="1" smtClean="0"/>
+              <a:t>서블릿</a:t>
+            </a:r>
+            <a:r>
+              <a:rPr lang="ko-KR" altLang="en-US" sz="2000" b="1" dirty="0" smtClean="0"/>
+              <a:t> </a:t>
+            </a:r>
+            <a:r>
+              <a:rPr lang="en-US" altLang="ko-KR" sz="2000" b="1" dirty="0" smtClean="0"/>
+              <a:t>vs </a:t>
+            </a:r>
+            <a:r>
+              <a:rPr lang="en-US" altLang="ko-KR" sz="2000" b="1" dirty="0" smtClean="0">
+                <a:solidFill>
+                  <a:srgbClr val="0070C0"/>
+                </a:solidFill>
+              </a:rPr>
+              <a:t>JSP</a:t>
+            </a:r>
+          </a:p>
+          <a:p>
+            <a:pPr>
+              <a:lnSpc>
+                <a:spcPct val="150000"/>
+              </a:lnSpc>
+            </a:pPr>
+            <a:r>
+              <a:rPr lang="ko-KR" altLang="en-US" sz="1600" dirty="0" err="1" smtClean="0"/>
+              <a:t>서블릿은</a:t>
+            </a:r>
+            <a:r>
+              <a:rPr lang="ko-KR" altLang="en-US" sz="1600" dirty="0" smtClean="0"/>
+              <a:t> </a:t>
+            </a:r>
+            <a:r>
+              <a:rPr lang="ko-KR" altLang="en-US" sz="1600" dirty="0" err="1" smtClean="0"/>
+              <a:t>서버쪽에서</a:t>
+            </a:r>
+            <a:r>
+              <a:rPr lang="ko-KR" altLang="en-US" sz="1600" dirty="0" smtClean="0"/>
+              <a:t> 실행되면서 클라이언트의 요청에 따라 동적으로 서비스를 제공하는 </a:t>
+            </a:r>
+            <a:r>
+              <a:rPr lang="ko-KR" altLang="en-US" sz="1600" b="1" dirty="0" smtClean="0">
+                <a:solidFill>
+                  <a:srgbClr val="C00000"/>
+                </a:solidFill>
+              </a:rPr>
+              <a:t>자바 클래스 이다</a:t>
+            </a:r>
+            <a:r>
+              <a:rPr lang="en-US" altLang="ko-KR" sz="1600" b="1" dirty="0" smtClean="0">
+                <a:solidFill>
+                  <a:srgbClr val="C00000"/>
+                </a:solidFill>
+              </a:rPr>
+              <a:t>.</a:t>
+            </a:r>
+            <a:r>
+              <a:rPr lang="en-US" altLang="ko-KR" b="1" dirty="0">
+                <a:solidFill>
+                  <a:srgbClr val="0070C0"/>
+                </a:solidFill>
+              </a:rPr>
+              <a:t> </a:t>
+            </a:r>
+            <a:endParaRPr lang="en-US" altLang="ko-KR" b="1" dirty="0" smtClean="0">
+              <a:solidFill>
+                <a:srgbClr val="0070C0"/>
+              </a:solidFill>
+            </a:endParaRPr>
+          </a:p>
+          <a:p>
+            <a:pPr>
+              <a:lnSpc>
+                <a:spcPct val="150000"/>
+              </a:lnSpc>
+            </a:pPr>
+            <a:r>
+              <a:rPr lang="ko-KR" altLang="en-US" sz="1600" dirty="0" err="1" smtClean="0"/>
+              <a:t>서블릿의</a:t>
+            </a:r>
+            <a:r>
+              <a:rPr lang="ko-KR" altLang="en-US" sz="1600" dirty="0" smtClean="0"/>
+              <a:t> 문제점을 보완하여 등장한 것이 </a:t>
+            </a:r>
+            <a:r>
+              <a:rPr lang="en-US" altLang="ko-KR" sz="1600" b="1" dirty="0" smtClean="0">
+                <a:solidFill>
+                  <a:srgbClr val="0070C0"/>
+                </a:solidFill>
+              </a:rPr>
+              <a:t>JSP(Java Server Pages)</a:t>
+            </a:r>
+            <a:r>
+              <a:rPr lang="ko-KR" altLang="en-US" sz="1600" dirty="0" smtClean="0"/>
+              <a:t>이다</a:t>
+            </a:r>
+            <a:r>
+              <a:rPr lang="en-US" altLang="ko-KR" sz="1600" dirty="0" smtClean="0"/>
+              <a:t>.</a:t>
+            </a:r>
+          </a:p>
+          <a:p>
+            <a:pPr>
+              <a:lnSpc>
+                <a:spcPct val="150000"/>
+              </a:lnSpc>
+            </a:pPr>
+            <a:r>
+              <a:rPr lang="ko-KR" altLang="en-US" sz="1600" dirty="0" smtClean="0"/>
+              <a:t>화면의 기능이나 구성이 복잡해짐에 따라 사용자를 고려하는 요구사항이 늘어났고 디자이너의 경우 화면의 수월한 기능 구현과 개발 후의 화면의 편리한 유지관리를 목적으로 도입 된 것이다</a:t>
+            </a:r>
+            <a:r>
+              <a:rPr lang="en-US" altLang="ko-KR" sz="1600" dirty="0" smtClean="0"/>
+              <a:t>.</a:t>
+            </a:r>
+          </a:p>
+          <a:p>
+            <a:pPr>
+              <a:lnSpc>
+                <a:spcPct val="150000"/>
+              </a:lnSpc>
+            </a:pPr>
+            <a:endParaRPr lang="en-US" altLang="ko-KR" sz="1600" dirty="0" smtClean="0"/>
+          </a:p>
+          <a:p>
+            <a:pPr>
+              <a:lnSpc>
+                <a:spcPct val="150000"/>
+              </a:lnSpc>
+            </a:pPr>
+            <a:r>
+              <a:rPr lang="ko-KR" altLang="en-US" sz="1600" dirty="0" smtClean="0"/>
+              <a:t>현재는 웹 애플리케이션을 개발할 때 </a:t>
+            </a:r>
+            <a:r>
+              <a:rPr lang="en-US" altLang="ko-KR" sz="1600" dirty="0" smtClean="0">
+                <a:solidFill>
+                  <a:srgbClr val="0070C0"/>
+                </a:solidFill>
+              </a:rPr>
+              <a:t>JSP</a:t>
+            </a:r>
+            <a:r>
+              <a:rPr lang="ko-KR" altLang="en-US" sz="1600" dirty="0" smtClean="0"/>
+              <a:t>는 화면 계층</a:t>
+            </a:r>
+            <a:r>
+              <a:rPr lang="en-US" altLang="ko-KR" sz="1600" dirty="0" smtClean="0"/>
+              <a:t>(</a:t>
+            </a:r>
+            <a:r>
+              <a:rPr lang="ko-KR" altLang="en-US" sz="1600" dirty="0" smtClean="0"/>
+              <a:t>프레젠테이</a:t>
+            </a:r>
+            <a:r>
+              <a:rPr lang="ko-KR" altLang="en-US" sz="1600" dirty="0"/>
+              <a:t>션</a:t>
+            </a:r>
+            <a:r>
+              <a:rPr lang="ko-KR" altLang="en-US" sz="1600" dirty="0" smtClean="0"/>
+              <a:t> 계층</a:t>
+            </a:r>
+            <a:r>
+              <a:rPr lang="en-US" altLang="ko-KR" sz="1600" dirty="0" smtClean="0"/>
+              <a:t>)</a:t>
+            </a:r>
+            <a:r>
+              <a:rPr lang="ko-KR" altLang="en-US" sz="1600" dirty="0" smtClean="0"/>
+              <a:t>으로 </a:t>
+            </a:r>
+            <a:r>
+              <a:rPr lang="ko-KR" altLang="en-US" sz="1600" dirty="0" err="1" smtClean="0"/>
+              <a:t>서블릿은</a:t>
+            </a:r>
+            <a:r>
+              <a:rPr lang="ko-KR" altLang="en-US" sz="1600" dirty="0" smtClean="0"/>
+              <a:t> 비즈니스 </a:t>
+            </a:r>
+            <a:r>
+              <a:rPr lang="ko-KR" altLang="en-US" sz="1600" dirty="0" err="1" smtClean="0"/>
+              <a:t>로직</a:t>
+            </a:r>
+            <a:r>
+              <a:rPr lang="en-US" altLang="ko-KR" sz="1600" dirty="0" smtClean="0"/>
+              <a:t>(Controller)</a:t>
+            </a:r>
+            <a:r>
+              <a:rPr lang="ko-KR" altLang="en-US" sz="1600" dirty="0" smtClean="0"/>
+              <a:t>으로 역할을 나누어 기능을 구현하고 있다</a:t>
+            </a:r>
+            <a:r>
+              <a:rPr lang="en-US" altLang="ko-KR" sz="1600" b="1" dirty="0" smtClean="0">
+                <a:solidFill>
+                  <a:srgbClr val="C00000"/>
+                </a:solidFill>
+              </a:rPr>
+              <a:t>.(</a:t>
+            </a:r>
+            <a:r>
+              <a:rPr lang="ko-KR" altLang="en-US" sz="1600" b="1" dirty="0" smtClean="0">
+                <a:solidFill>
+                  <a:srgbClr val="C00000"/>
+                </a:solidFill>
+              </a:rPr>
+              <a:t>모델</a:t>
+            </a:r>
+            <a:r>
+              <a:rPr lang="en-US" altLang="ko-KR" sz="1600" b="1" dirty="0" smtClean="0">
+                <a:solidFill>
+                  <a:srgbClr val="C00000"/>
+                </a:solidFill>
+              </a:rPr>
+              <a:t>2 </a:t>
+            </a:r>
+            <a:r>
+              <a:rPr lang="ko-KR" altLang="en-US" sz="1600" b="1" dirty="0" smtClean="0">
+                <a:solidFill>
+                  <a:srgbClr val="C00000"/>
+                </a:solidFill>
+              </a:rPr>
+              <a:t>방식</a:t>
+            </a:r>
+            <a:r>
+              <a:rPr lang="en-US" altLang="ko-KR" sz="1600" b="1" dirty="0" smtClean="0">
+                <a:solidFill>
+                  <a:srgbClr val="C00000"/>
+                </a:solidFill>
+              </a:rPr>
+              <a:t>- MVC </a:t>
+            </a:r>
+            <a:r>
+              <a:rPr lang="ko-KR" altLang="en-US" sz="1600" b="1" dirty="0" smtClean="0">
+                <a:solidFill>
+                  <a:srgbClr val="C00000"/>
+                </a:solidFill>
+              </a:rPr>
+              <a:t>패턴</a:t>
+            </a:r>
+            <a:r>
+              <a:rPr lang="en-US" altLang="ko-KR" sz="1600" b="1" dirty="0" smtClean="0">
+                <a:solidFill>
+                  <a:srgbClr val="C00000"/>
+                </a:solidFill>
+              </a:rPr>
+              <a:t>)</a:t>
+            </a:r>
+          </a:p>
+        </p:txBody>
+      </p:sp>
+    </p:spTree>
+    <p:extLst>
+      <p:ext uri="{BB962C8B-B14F-4D97-AF65-F5344CB8AC3E}">
+        <p14:creationId xmlns:p14="http://schemas.microsoft.com/office/powerpoint/2010/main" val="2241920699"/>
+      </p:ext>
+    </p:extLst>
+  </p:cSld>
+  <p:clrMapOvr>
+    <a:masterClrMapping/>
+  </p:clrMapOvr>
+  <p:timing>
+    <p:tnLst>
+      <p:par>
+        <p:cTn id="1" dur="indefinite" restart="never" nodeType="tmRoot"/>
+      </p:par>
+    </p:tnLst>
+  </p:timing>
+</p:sld>
+</file>
+
+<file path=ppt/slides/slide50.xml><?xml version="1.0" encoding="utf-8"?>
 <p:sld xmlns:a="http://schemas.openxmlformats.org/drawingml/2006/main" xmlns:r="http://schemas.openxmlformats.org/officeDocument/2006/relationships" xmlns:p="http://schemas.openxmlformats.org/presentationml/2006/main">
   <p:cSld>
     <p:spTree>
@@ -22064,388 +22466,7 @@
 </p:sld>
 </file>
 
-<file path=ppt/slides/slide5.xml><?xml version="1.0" encoding="utf-8"?>
-<p:sld xmlns:a="http://schemas.openxmlformats.org/drawingml/2006/main" xmlns:r="http://schemas.openxmlformats.org/officeDocument/2006/relationships" xmlns:p="http://schemas.openxmlformats.org/presentationml/2006/main">
-  <p:cSld>
-    <p:spTree>
-      <p:nvGrpSpPr>
-        <p:cNvPr id="1" name=""/>
-        <p:cNvGrpSpPr/>
-        <p:nvPr/>
-      </p:nvGrpSpPr>
-      <p:grpSpPr>
-        <a:xfrm>
-          <a:off x="0" y="0"/>
-          <a:ext cx="0" cy="0"/>
-          <a:chOff x="0" y="0"/>
-          <a:chExt cx="0" cy="0"/>
-        </a:xfrm>
-      </p:grpSpPr>
-      <p:sp>
-        <p:nvSpPr>
-          <p:cNvPr id="15" name="제목 5"/>
-          <p:cNvSpPr txBox="1">
-            <a:spLocks/>
-          </p:cNvSpPr>
-          <p:nvPr/>
-        </p:nvSpPr>
-        <p:spPr>
-          <a:xfrm>
-            <a:off x="0" y="-27384"/>
-            <a:ext cx="7995338" cy="854968"/>
-          </a:xfrm>
-          <a:prstGeom prst="rect">
-            <a:avLst/>
-          </a:prstGeom>
-        </p:spPr>
-        <p:txBody>
-          <a:bodyPr anchor="ctr" anchorCtr="0"/>
-          <a:lstStyle>
-            <a:lvl1pPr algn="l" defTabSz="914400" rtl="0" eaLnBrk="1" latinLnBrk="1" hangingPunct="1">
-              <a:spcBef>
-                <a:spcPct val="0"/>
-              </a:spcBef>
-              <a:buNone/>
-              <a:defRPr sz="3200" kern="1200">
-                <a:solidFill>
-                  <a:schemeClr val="bg1"/>
-                </a:solidFill>
-                <a:latin typeface="HY헤드라인M" panose="02030600000101010101" pitchFamily="18" charset="-127"/>
-                <a:ea typeface="HY헤드라인M" panose="02030600000101010101" pitchFamily="18" charset="-127"/>
-                <a:cs typeface="+mj-cs"/>
-              </a:defRPr>
-            </a:lvl1pPr>
-          </a:lstStyle>
-          <a:p>
-            <a:r>
-              <a:rPr lang="en-US" altLang="ko-KR" dirty="0" smtClean="0"/>
-              <a:t> </a:t>
-            </a:r>
-            <a:r>
-              <a:rPr lang="ko-KR" altLang="en-US" b="1" dirty="0" err="1">
-                <a:latin typeface="휴먼엑스포" panose="02030504000101010101" pitchFamily="18" charset="-127"/>
-                <a:ea typeface="휴먼엑스포" panose="02030504000101010101" pitchFamily="18" charset="-127"/>
-              </a:rPr>
-              <a:t>서블릿</a:t>
-            </a:r>
-            <a:r>
-              <a:rPr lang="ko-KR" altLang="en-US" b="1" dirty="0">
-                <a:latin typeface="휴먼엑스포" panose="02030504000101010101" pitchFamily="18" charset="-127"/>
-                <a:ea typeface="휴먼엑스포" panose="02030504000101010101" pitchFamily="18" charset="-127"/>
-              </a:rPr>
-              <a:t> </a:t>
-            </a:r>
-            <a:r>
-              <a:rPr lang="en-US" altLang="ko-KR" b="1" dirty="0">
-                <a:latin typeface="휴먼엑스포" panose="02030504000101010101" pitchFamily="18" charset="-127"/>
-                <a:ea typeface="휴먼엑스포" panose="02030504000101010101" pitchFamily="18" charset="-127"/>
-              </a:rPr>
-              <a:t>– Servlet</a:t>
-            </a:r>
-            <a:endParaRPr lang="ko-KR" altLang="en-US" dirty="0"/>
-          </a:p>
-        </p:txBody>
-      </p:sp>
-      <p:sp>
-        <p:nvSpPr>
-          <p:cNvPr id="7" name="TextBox 6"/>
-          <p:cNvSpPr txBox="1"/>
-          <p:nvPr/>
-        </p:nvSpPr>
-        <p:spPr>
-          <a:xfrm>
-            <a:off x="632520" y="1065217"/>
-            <a:ext cx="8928992" cy="3708708"/>
-          </a:xfrm>
-          <a:prstGeom prst="rect">
-            <a:avLst/>
-          </a:prstGeom>
-          <a:noFill/>
-        </p:spPr>
-        <p:txBody>
-          <a:bodyPr wrap="square" rtlCol="0">
-            <a:spAutoFit/>
-          </a:bodyPr>
-          <a:lstStyle/>
-          <a:p>
-            <a:pPr>
-              <a:lnSpc>
-                <a:spcPct val="200000"/>
-              </a:lnSpc>
-            </a:pPr>
-            <a:r>
-              <a:rPr lang="ko-KR" altLang="en-US" sz="2000" b="1" dirty="0" err="1" smtClean="0"/>
-              <a:t>서블릿</a:t>
-            </a:r>
-            <a:r>
-              <a:rPr lang="ko-KR" altLang="en-US" sz="2000" b="1" dirty="0" smtClean="0"/>
-              <a:t> </a:t>
-            </a:r>
-            <a:r>
-              <a:rPr lang="en-US" altLang="ko-KR" sz="2000" b="1" dirty="0" smtClean="0"/>
-              <a:t>vs </a:t>
-            </a:r>
-            <a:r>
-              <a:rPr lang="en-US" altLang="ko-KR" sz="2000" b="1" dirty="0" smtClean="0">
-                <a:solidFill>
-                  <a:srgbClr val="0070C0"/>
-                </a:solidFill>
-              </a:rPr>
-              <a:t>JSP</a:t>
-            </a:r>
-          </a:p>
-          <a:p>
-            <a:pPr>
-              <a:lnSpc>
-                <a:spcPct val="150000"/>
-              </a:lnSpc>
-            </a:pPr>
-            <a:r>
-              <a:rPr lang="ko-KR" altLang="en-US" sz="1600" dirty="0" err="1" smtClean="0"/>
-              <a:t>서블릿은</a:t>
-            </a:r>
-            <a:r>
-              <a:rPr lang="ko-KR" altLang="en-US" sz="1600" dirty="0" smtClean="0"/>
-              <a:t> </a:t>
-            </a:r>
-            <a:r>
-              <a:rPr lang="ko-KR" altLang="en-US" sz="1600" dirty="0" err="1" smtClean="0"/>
-              <a:t>서버쪽에서</a:t>
-            </a:r>
-            <a:r>
-              <a:rPr lang="ko-KR" altLang="en-US" sz="1600" dirty="0" smtClean="0"/>
-              <a:t> 실행되면서 클라이언트의 요청에 따라 동적으로 서비스를 제공하는 </a:t>
-            </a:r>
-            <a:r>
-              <a:rPr lang="ko-KR" altLang="en-US" sz="1600" b="1" dirty="0" smtClean="0">
-                <a:solidFill>
-                  <a:srgbClr val="C00000"/>
-                </a:solidFill>
-              </a:rPr>
-              <a:t>자바 클래스 이다</a:t>
-            </a:r>
-            <a:r>
-              <a:rPr lang="en-US" altLang="ko-KR" sz="1600" b="1" dirty="0" smtClean="0">
-                <a:solidFill>
-                  <a:srgbClr val="C00000"/>
-                </a:solidFill>
-              </a:rPr>
-              <a:t>.</a:t>
-            </a:r>
-            <a:r>
-              <a:rPr lang="en-US" altLang="ko-KR" b="1" dirty="0">
-                <a:solidFill>
-                  <a:srgbClr val="0070C0"/>
-                </a:solidFill>
-              </a:rPr>
-              <a:t> </a:t>
-            </a:r>
-            <a:endParaRPr lang="en-US" altLang="ko-KR" b="1" dirty="0" smtClean="0">
-              <a:solidFill>
-                <a:srgbClr val="0070C0"/>
-              </a:solidFill>
-            </a:endParaRPr>
-          </a:p>
-          <a:p>
-            <a:pPr>
-              <a:lnSpc>
-                <a:spcPct val="150000"/>
-              </a:lnSpc>
-            </a:pPr>
-            <a:r>
-              <a:rPr lang="ko-KR" altLang="en-US" sz="1600" dirty="0" err="1" smtClean="0"/>
-              <a:t>서블릿의</a:t>
-            </a:r>
-            <a:r>
-              <a:rPr lang="ko-KR" altLang="en-US" sz="1600" dirty="0" smtClean="0"/>
-              <a:t> 문제점을 보완하여 등장한 것이 </a:t>
-            </a:r>
-            <a:r>
-              <a:rPr lang="en-US" altLang="ko-KR" sz="1600" b="1" dirty="0" smtClean="0">
-                <a:solidFill>
-                  <a:srgbClr val="0070C0"/>
-                </a:solidFill>
-              </a:rPr>
-              <a:t>JSP(Java Server Pages)</a:t>
-            </a:r>
-            <a:r>
-              <a:rPr lang="ko-KR" altLang="en-US" sz="1600" dirty="0" smtClean="0"/>
-              <a:t>이다</a:t>
-            </a:r>
-            <a:r>
-              <a:rPr lang="en-US" altLang="ko-KR" sz="1600" dirty="0" smtClean="0"/>
-              <a:t>.</a:t>
-            </a:r>
-          </a:p>
-          <a:p>
-            <a:pPr>
-              <a:lnSpc>
-                <a:spcPct val="150000"/>
-              </a:lnSpc>
-            </a:pPr>
-            <a:r>
-              <a:rPr lang="ko-KR" altLang="en-US" sz="1600" dirty="0" smtClean="0"/>
-              <a:t>화면의 기능이나 구성이 복잡해짐에 따라 사용자를 고려하는 요구사항이 늘어났고 디자이너의 경우 화면의 수월한 기능 구현과 개발 후의 화면의 편리한 유지관리를 목적으로 도입 된 것이다</a:t>
-            </a:r>
-            <a:r>
-              <a:rPr lang="en-US" altLang="ko-KR" sz="1600" dirty="0" smtClean="0"/>
-              <a:t>.</a:t>
-            </a:r>
-          </a:p>
-          <a:p>
-            <a:pPr>
-              <a:lnSpc>
-                <a:spcPct val="150000"/>
-              </a:lnSpc>
-            </a:pPr>
-            <a:endParaRPr lang="en-US" altLang="ko-KR" sz="1600" dirty="0" smtClean="0"/>
-          </a:p>
-          <a:p>
-            <a:pPr>
-              <a:lnSpc>
-                <a:spcPct val="150000"/>
-              </a:lnSpc>
-            </a:pPr>
-            <a:r>
-              <a:rPr lang="ko-KR" altLang="en-US" sz="1600" dirty="0" smtClean="0"/>
-              <a:t>현재는 웹 애플리케이션을 개발할 때 </a:t>
-            </a:r>
-            <a:r>
-              <a:rPr lang="en-US" altLang="ko-KR" sz="1600" dirty="0" smtClean="0">
-                <a:solidFill>
-                  <a:srgbClr val="0070C0"/>
-                </a:solidFill>
-              </a:rPr>
-              <a:t>JSP</a:t>
-            </a:r>
-            <a:r>
-              <a:rPr lang="ko-KR" altLang="en-US" sz="1600" dirty="0" smtClean="0"/>
-              <a:t>는 화면 계층</a:t>
-            </a:r>
-            <a:r>
-              <a:rPr lang="en-US" altLang="ko-KR" sz="1600" dirty="0" smtClean="0"/>
-              <a:t>(</a:t>
-            </a:r>
-            <a:r>
-              <a:rPr lang="ko-KR" altLang="en-US" sz="1600" dirty="0" smtClean="0"/>
-              <a:t>프레젠테이</a:t>
-            </a:r>
-            <a:r>
-              <a:rPr lang="ko-KR" altLang="en-US" sz="1600" dirty="0"/>
-              <a:t>션</a:t>
-            </a:r>
-            <a:r>
-              <a:rPr lang="ko-KR" altLang="en-US" sz="1600" dirty="0" smtClean="0"/>
-              <a:t> 계층</a:t>
-            </a:r>
-            <a:r>
-              <a:rPr lang="en-US" altLang="ko-KR" sz="1600" dirty="0" smtClean="0"/>
-              <a:t>)</a:t>
-            </a:r>
-            <a:r>
-              <a:rPr lang="ko-KR" altLang="en-US" sz="1600" dirty="0" smtClean="0"/>
-              <a:t>으로 </a:t>
-            </a:r>
-            <a:r>
-              <a:rPr lang="ko-KR" altLang="en-US" sz="1600" dirty="0" err="1" smtClean="0"/>
-              <a:t>서블릿은</a:t>
-            </a:r>
-            <a:r>
-              <a:rPr lang="ko-KR" altLang="en-US" sz="1600" dirty="0" smtClean="0"/>
-              <a:t> 비즈니스 </a:t>
-            </a:r>
-            <a:r>
-              <a:rPr lang="ko-KR" altLang="en-US" sz="1600" dirty="0" err="1" smtClean="0"/>
-              <a:t>로직</a:t>
-            </a:r>
-            <a:r>
-              <a:rPr lang="en-US" altLang="ko-KR" sz="1600" dirty="0" smtClean="0"/>
-              <a:t>(Controller)</a:t>
-            </a:r>
-            <a:r>
-              <a:rPr lang="ko-KR" altLang="en-US" sz="1600" dirty="0" smtClean="0"/>
-              <a:t>으로 역할을 나누어 기능을 구현하고 있다</a:t>
-            </a:r>
-            <a:r>
-              <a:rPr lang="en-US" altLang="ko-KR" sz="1600" b="1" dirty="0" smtClean="0">
-                <a:solidFill>
-                  <a:srgbClr val="C00000"/>
-                </a:solidFill>
-              </a:rPr>
-              <a:t>.(</a:t>
-            </a:r>
-            <a:r>
-              <a:rPr lang="ko-KR" altLang="en-US" sz="1600" b="1" dirty="0" smtClean="0">
-                <a:solidFill>
-                  <a:srgbClr val="C00000"/>
-                </a:solidFill>
-              </a:rPr>
-              <a:t>모델</a:t>
-            </a:r>
-            <a:r>
-              <a:rPr lang="en-US" altLang="ko-KR" sz="1600" b="1" dirty="0" smtClean="0">
-                <a:solidFill>
-                  <a:srgbClr val="C00000"/>
-                </a:solidFill>
-              </a:rPr>
-              <a:t>2 </a:t>
-            </a:r>
-            <a:r>
-              <a:rPr lang="ko-KR" altLang="en-US" sz="1600" b="1" dirty="0" smtClean="0">
-                <a:solidFill>
-                  <a:srgbClr val="C00000"/>
-                </a:solidFill>
-              </a:rPr>
-              <a:t>방식</a:t>
-            </a:r>
-            <a:r>
-              <a:rPr lang="en-US" altLang="ko-KR" sz="1600" b="1" dirty="0" smtClean="0">
-                <a:solidFill>
-                  <a:srgbClr val="C00000"/>
-                </a:solidFill>
-              </a:rPr>
-              <a:t>- MVC </a:t>
-            </a:r>
-            <a:r>
-              <a:rPr lang="ko-KR" altLang="en-US" sz="1600" b="1" dirty="0" smtClean="0">
-                <a:solidFill>
-                  <a:srgbClr val="C00000"/>
-                </a:solidFill>
-              </a:rPr>
-              <a:t>패턴</a:t>
-            </a:r>
-            <a:r>
-              <a:rPr lang="en-US" altLang="ko-KR" sz="1600" b="1" dirty="0" smtClean="0">
-                <a:solidFill>
-                  <a:srgbClr val="C00000"/>
-                </a:solidFill>
-              </a:rPr>
-              <a:t>)</a:t>
-            </a:r>
-          </a:p>
-        </p:txBody>
-      </p:sp>
-    </p:spTree>
-    <p:extLst>
-      <p:ext uri="{BB962C8B-B14F-4D97-AF65-F5344CB8AC3E}">
-        <p14:creationId xmlns:p14="http://schemas.microsoft.com/office/powerpoint/2010/main" val="2241920699"/>
-      </p:ext>
-    </p:extLst>
-  </p:cSld>
-  <p:clrMapOvr>
-    <a:masterClrMapping/>
-  </p:clrMapOvr>
-  <p:timing>
-    <p:tnLst>
-      <p:par>
-        <p:cTn id="1" dur="indefinite" restart="never" nodeType="tmRoot"/>
-      </p:par>
-    </p:tnLst>
-  </p:timing>
-</p:sld>
-</file>
-
-<file path=ppt/slides/slide50.xml><?xml version="1.0" encoding="utf-8"?>
+<file path=ppt/slides/slide51.xml><?xml version="1.0" encoding="utf-8"?>
 <p:sld xmlns:a="http://schemas.openxmlformats.org/drawingml/2006/main" xmlns:r="http://schemas.openxmlformats.org/officeDocument/2006/relationships" xmlns:p="http://schemas.openxmlformats.org/presentationml/2006/main">
   <p:cSld>
     <p:spTree>
@@ -22860,7 +22881,7 @@
 </p:sld>
 </file>
 
-<file path=ppt/slides/slide51.xml><?xml version="1.0" encoding="utf-8"?>
+<file path=ppt/slides/slide52.xml><?xml version="1.0" encoding="utf-8"?>
 <p:sld xmlns:a="http://schemas.openxmlformats.org/drawingml/2006/main" xmlns:r="http://schemas.openxmlformats.org/officeDocument/2006/relationships" xmlns:p="http://schemas.openxmlformats.org/presentationml/2006/main">
   <p:cSld>
     <p:spTree>
@@ -23111,7 +23132,7 @@
 </p:sld>
 </file>
 
-<file path=ppt/slides/slide52.xml><?xml version="1.0" encoding="utf-8"?>
+<file path=ppt/slides/slide53.xml><?xml version="1.0" encoding="utf-8"?>
 <p:sld xmlns:a="http://schemas.openxmlformats.org/drawingml/2006/main" xmlns:r="http://schemas.openxmlformats.org/officeDocument/2006/relationships" xmlns:p="http://schemas.openxmlformats.org/presentationml/2006/main">
   <p:cSld>
     <p:spTree>

--- a/jspWorks/자료/jsp_ppt/4장. jsp 서블릿 API.pptx
+++ b/jspWorks/자료/jsp_ppt/4장. jsp 서블릿 API.pptx
@@ -5,7 +5,7 @@
     <p:sldMasterId id="2147483648" r:id="rId1"/>
   </p:sldMasterIdLst>
   <p:notesMasterIdLst>
-    <p:notesMasterId r:id="rId55"/>
+    <p:notesMasterId r:id="rId57"/>
   </p:notesMasterIdLst>
   <p:sldIdLst>
     <p:sldId id="256" r:id="rId2"/>
@@ -35,32 +35,34 @@
     <p:sldId id="392" r:id="rId26"/>
     <p:sldId id="443" r:id="rId27"/>
     <p:sldId id="382" r:id="rId28"/>
-    <p:sldId id="383" r:id="rId29"/>
-    <p:sldId id="442" r:id="rId30"/>
-    <p:sldId id="450" r:id="rId31"/>
-    <p:sldId id="444" r:id="rId32"/>
-    <p:sldId id="445" r:id="rId33"/>
-    <p:sldId id="393" r:id="rId34"/>
-    <p:sldId id="395" r:id="rId35"/>
+    <p:sldId id="451" r:id="rId29"/>
+    <p:sldId id="383" r:id="rId30"/>
+    <p:sldId id="442" r:id="rId31"/>
+    <p:sldId id="450" r:id="rId32"/>
+    <p:sldId id="444" r:id="rId33"/>
+    <p:sldId id="445" r:id="rId34"/>
+    <p:sldId id="393" r:id="rId35"/>
     <p:sldId id="394" r:id="rId36"/>
-    <p:sldId id="412" r:id="rId37"/>
-    <p:sldId id="441" r:id="rId38"/>
-    <p:sldId id="413" r:id="rId39"/>
-    <p:sldId id="414" r:id="rId40"/>
-    <p:sldId id="422" r:id="rId41"/>
-    <p:sldId id="423" r:id="rId42"/>
-    <p:sldId id="424" r:id="rId43"/>
-    <p:sldId id="425" r:id="rId44"/>
-    <p:sldId id="426" r:id="rId45"/>
-    <p:sldId id="446" r:id="rId46"/>
-    <p:sldId id="427" r:id="rId47"/>
-    <p:sldId id="428" r:id="rId48"/>
-    <p:sldId id="429" r:id="rId49"/>
-    <p:sldId id="430" r:id="rId50"/>
-    <p:sldId id="433" r:id="rId51"/>
-    <p:sldId id="434" r:id="rId52"/>
-    <p:sldId id="447" r:id="rId53"/>
-    <p:sldId id="448" r:id="rId54"/>
+    <p:sldId id="395" r:id="rId37"/>
+    <p:sldId id="412" r:id="rId38"/>
+    <p:sldId id="452" r:id="rId39"/>
+    <p:sldId id="441" r:id="rId40"/>
+    <p:sldId id="413" r:id="rId41"/>
+    <p:sldId id="414" r:id="rId42"/>
+    <p:sldId id="422" r:id="rId43"/>
+    <p:sldId id="423" r:id="rId44"/>
+    <p:sldId id="424" r:id="rId45"/>
+    <p:sldId id="425" r:id="rId46"/>
+    <p:sldId id="426" r:id="rId47"/>
+    <p:sldId id="446" r:id="rId48"/>
+    <p:sldId id="427" r:id="rId49"/>
+    <p:sldId id="428" r:id="rId50"/>
+    <p:sldId id="429" r:id="rId51"/>
+    <p:sldId id="430" r:id="rId52"/>
+    <p:sldId id="433" r:id="rId53"/>
+    <p:sldId id="434" r:id="rId54"/>
+    <p:sldId id="447" r:id="rId55"/>
+    <p:sldId id="448" r:id="rId56"/>
   </p:sldIdLst>
   <p:sldSz cx="9906000" cy="6858000" type="A4"/>
   <p:notesSz cx="6858000" cy="9144000"/>
@@ -260,7 +262,7 @@
           <a:p>
             <a:fld id="{7665CDAC-D627-4E87-877A-1B781DD4CADC}" type="datetimeFigureOut">
               <a:rPr lang="ko-KR" altLang="en-US" smtClean="0"/>
-              <a:t>2023-05-31</a:t>
+              <a:t>2023-06-01</a:t>
             </a:fld>
             <a:endParaRPr lang="ko-KR" altLang="en-US"/>
           </a:p>
@@ -677,7 +679,7 @@
           <a:p>
             <a:fld id="{0FADDD8A-FD4C-4C63-90D4-202AFE8080B2}" type="slidenum">
               <a:rPr lang="ko-KR" altLang="en-US" smtClean="0"/>
-              <a:t>33</a:t>
+              <a:t>34</a:t>
             </a:fld>
             <a:endParaRPr lang="ko-KR" altLang="en-US"/>
           </a:p>
@@ -761,7 +763,7 @@
           <a:p>
             <a:fld id="{0FADDD8A-FD4C-4C63-90D4-202AFE8080B2}" type="slidenum">
               <a:rPr lang="ko-KR" altLang="en-US" smtClean="0"/>
-              <a:t>34</a:t>
+              <a:t>35</a:t>
             </a:fld>
             <a:endParaRPr lang="ko-KR" altLang="en-US"/>
           </a:p>
@@ -845,7 +847,7 @@
           <a:p>
             <a:fld id="{0FADDD8A-FD4C-4C63-90D4-202AFE8080B2}" type="slidenum">
               <a:rPr lang="ko-KR" altLang="en-US" smtClean="0"/>
-              <a:t>35</a:t>
+              <a:t>36</a:t>
             </a:fld>
             <a:endParaRPr lang="ko-KR" altLang="en-US"/>
           </a:p>
@@ -1050,7 +1052,7 @@
           <a:p>
             <a:fld id="{F4AC81B4-D91A-4578-85B3-829E63FCFE17}" type="datetime1">
               <a:rPr lang="ko-KR" altLang="en-US" smtClean="0"/>
-              <a:t>2023-05-31</a:t>
+              <a:t>2023-06-01</a:t>
             </a:fld>
             <a:endParaRPr lang="ko-KR" altLang="en-US"/>
           </a:p>
@@ -1425,7 +1427,7 @@
           <a:p>
             <a:fld id="{F5B77542-37E5-48F2-BAE7-80CC6B0EB6A3}" type="datetime1">
               <a:rPr lang="ko-KR" altLang="en-US" smtClean="0"/>
-              <a:t>2023-05-31</a:t>
+              <a:t>2023-06-01</a:t>
             </a:fld>
             <a:endParaRPr lang="ko-KR" altLang="en-US"/>
           </a:p>
@@ -1605,7 +1607,7 @@
           <a:p>
             <a:fld id="{227CF174-B5AC-4A98-B673-0BE8126D3F27}" type="datetime1">
               <a:rPr lang="ko-KR" altLang="en-US" smtClean="0"/>
-              <a:t>2023-05-31</a:t>
+              <a:t>2023-06-01</a:t>
             </a:fld>
             <a:endParaRPr lang="ko-KR" altLang="en-US"/>
           </a:p>
@@ -1779,7 +1781,7 @@
           <a:p>
             <a:fld id="{E20FDEC8-1339-42E8-9704-2977280C2FD3}" type="datetime1">
               <a:rPr lang="ko-KR" altLang="en-US" smtClean="0"/>
-              <a:t>2023-05-31</a:t>
+              <a:t>2023-06-01</a:t>
             </a:fld>
             <a:endParaRPr lang="ko-KR" altLang="en-US"/>
           </a:p>
@@ -2025,7 +2027,7 @@
           <a:p>
             <a:fld id="{4D18DC76-A282-4817-B790-197F054E1215}" type="datetime1">
               <a:rPr lang="ko-KR" altLang="en-US" smtClean="0"/>
-              <a:t>2023-05-31</a:t>
+              <a:t>2023-06-01</a:t>
             </a:fld>
             <a:endParaRPr lang="ko-KR" altLang="en-US"/>
           </a:p>
@@ -2313,7 +2315,7 @@
           <a:p>
             <a:fld id="{6680AA6C-13D8-43E4-90F0-E6C88A2B9F16}" type="datetime1">
               <a:rPr lang="ko-KR" altLang="en-US" smtClean="0"/>
-              <a:t>2023-05-31</a:t>
+              <a:t>2023-06-01</a:t>
             </a:fld>
             <a:endParaRPr lang="ko-KR" altLang="en-US"/>
           </a:p>
@@ -2735,7 +2737,7 @@
           <a:p>
             <a:fld id="{3EF5B03B-20CC-436E-8601-C933C6C1F4A6}" type="datetime1">
               <a:rPr lang="ko-KR" altLang="en-US" smtClean="0"/>
-              <a:t>2023-05-31</a:t>
+              <a:t>2023-06-01</a:t>
             </a:fld>
             <a:endParaRPr lang="ko-KR" altLang="en-US"/>
           </a:p>
@@ -2853,7 +2855,7 @@
           <a:p>
             <a:fld id="{87B5A15D-8B08-482F-AB47-E416EC355EB6}" type="datetime1">
               <a:rPr lang="ko-KR" altLang="en-US" smtClean="0"/>
-              <a:t>2023-05-31</a:t>
+              <a:t>2023-06-01</a:t>
             </a:fld>
             <a:endParaRPr lang="ko-KR" altLang="en-US"/>
           </a:p>
@@ -2948,7 +2950,7 @@
           <a:p>
             <a:fld id="{A877D7F8-7B64-44F8-A411-CBD22F28CBFF}" type="datetime1">
               <a:rPr lang="ko-KR" altLang="en-US" smtClean="0"/>
-              <a:t>2023-05-31</a:t>
+              <a:t>2023-06-01</a:t>
             </a:fld>
             <a:endParaRPr lang="ko-KR" altLang="en-US"/>
           </a:p>
@@ -3225,7 +3227,7 @@
           <a:p>
             <a:fld id="{E12DBD9B-2BB6-4D1F-BCB4-1E48829C93C3}" type="datetime1">
               <a:rPr lang="ko-KR" altLang="en-US" smtClean="0"/>
-              <a:t>2023-05-31</a:t>
+              <a:t>2023-06-01</a:t>
             </a:fld>
             <a:endParaRPr lang="ko-KR" altLang="en-US"/>
           </a:p>
@@ -3478,7 +3480,7 @@
           <a:p>
             <a:fld id="{17564C48-0CD7-40EB-BE64-BBF4DB8C56AF}" type="datetime1">
               <a:rPr lang="ko-KR" altLang="en-US" smtClean="0"/>
-              <a:t>2023-05-31</a:t>
+              <a:t>2023-06-01</a:t>
             </a:fld>
             <a:endParaRPr lang="ko-KR" altLang="en-US"/>
           </a:p>
@@ -3658,7 +3660,7 @@
           <a:p>
             <a:fld id="{C116BCB4-B68B-4638-8167-F4BDC0A30DA1}" type="datetime1">
               <a:rPr lang="ko-KR" altLang="en-US" smtClean="0"/>
-              <a:t>2023-05-31</a:t>
+              <a:t>2023-06-01</a:t>
             </a:fld>
             <a:endParaRPr lang="ko-KR" altLang="en-US"/>
           </a:p>
@@ -12456,7 +12458,7 @@
       </p:sp>
       <p:pic>
         <p:nvPicPr>
-          <p:cNvPr id="2" name="그림 1"/>
+          <p:cNvPr id="5" name="그림 4"/>
           <p:cNvPicPr>
             <a:picLocks noChangeAspect="1"/>
           </p:cNvPicPr>
@@ -12476,8 +12478,8 @@
         </p:blipFill>
         <p:spPr>
           <a:xfrm>
-            <a:off x="1136576" y="1844824"/>
-            <a:ext cx="6970375" cy="4320480"/>
+            <a:off x="1064568" y="2094246"/>
+            <a:ext cx="4480948" cy="2263336"/>
           </a:xfrm>
           <a:prstGeom prst="rect">
             <a:avLst/>
@@ -12493,7 +12495,7 @@
       </p:pic>
       <p:pic>
         <p:nvPicPr>
-          <p:cNvPr id="3" name="그림 2"/>
+          <p:cNvPr id="6" name="그림 5"/>
           <p:cNvPicPr>
             <a:picLocks noChangeAspect="1"/>
           </p:cNvPicPr>
@@ -12513,8 +12515,8 @@
         </p:blipFill>
         <p:spPr>
           <a:xfrm>
-            <a:off x="6321152" y="2060848"/>
-            <a:ext cx="3299746" cy="1783235"/>
+            <a:off x="4736976" y="3933056"/>
+            <a:ext cx="4244708" cy="1470787"/>
           </a:xfrm>
           <a:prstGeom prst="rect">
             <a:avLst/>
@@ -12650,7 +12652,7 @@
         <p:spPr>
           <a:xfrm>
             <a:off x="776536" y="980728"/>
-            <a:ext cx="8496944" cy="494494"/>
+            <a:ext cx="8496944" cy="553998"/>
           </a:xfrm>
           <a:prstGeom prst="rect">
             <a:avLst/>
@@ -12678,7 +12680,23 @@
             </a:r>
             <a:r>
               <a:rPr lang="ko-KR" altLang="en-US" sz="2000" b="1" dirty="0" smtClean="0"/>
-              <a:t>생성</a:t>
+              <a:t>생성 </a:t>
+            </a:r>
+            <a:r>
+              <a:rPr lang="en-US" altLang="ko-KR" sz="2000" b="1" dirty="0" smtClean="0"/>
+              <a:t>– </a:t>
+            </a:r>
+            <a:r>
+              <a:rPr lang="ko-KR" altLang="en-US" sz="2000" b="1" dirty="0" smtClean="0"/>
+              <a:t>여러 개의 </a:t>
+            </a:r>
+            <a:r>
+              <a:rPr lang="en-US" altLang="ko-KR" sz="2000" b="1" dirty="0" smtClean="0"/>
+              <a:t>name</a:t>
+            </a:r>
+            <a:r>
+              <a:rPr lang="ko-KR" altLang="en-US" sz="2000" b="1" dirty="0" smtClean="0"/>
+              <a:t>을 전송할 때의 요청 처리</a:t>
             </a:r>
             <a:endParaRPr lang="en-US" altLang="ko-KR" sz="2000" b="1" dirty="0" smtClean="0"/>
           </a:p>
@@ -12686,7 +12704,7 @@
       </p:sp>
       <p:pic>
         <p:nvPicPr>
-          <p:cNvPr id="5" name="그림 4"/>
+          <p:cNvPr id="3" name="그림 2"/>
           <p:cNvPicPr>
             <a:picLocks noChangeAspect="1"/>
           </p:cNvPicPr>
@@ -12706,46 +12724,8 @@
         </p:blipFill>
         <p:spPr>
           <a:xfrm>
-            <a:off x="916607" y="1556792"/>
-            <a:ext cx="7279595" cy="4608512"/>
-          </a:xfrm>
-          <a:prstGeom prst="rect">
-            <a:avLst/>
-          </a:prstGeom>
-          <a:ln>
-            <a:solidFill>
-              <a:schemeClr val="accent5">
-                <a:lumMod val="40000"/>
-                <a:lumOff val="60000"/>
-              </a:schemeClr>
-            </a:solidFill>
-          </a:ln>
-        </p:spPr>
-      </p:pic>
-      <p:pic>
-        <p:nvPicPr>
-          <p:cNvPr id="2" name="그림 1"/>
-          <p:cNvPicPr>
-            <a:picLocks noChangeAspect="1"/>
-          </p:cNvPicPr>
-          <p:nvPr/>
-        </p:nvPicPr>
-        <p:blipFill>
-          <a:blip r:embed="rId3">
-            <a:extLst>
-              <a:ext uri="{28A0092B-C50C-407E-A947-70E740481C1C}">
-                <a14:useLocalDpi xmlns:a14="http://schemas.microsoft.com/office/drawing/2010/main" val="0"/>
-              </a:ext>
-            </a:extLst>
-          </a:blip>
-          <a:stretch>
-            <a:fillRect/>
-          </a:stretch>
-        </p:blipFill>
-        <p:spPr>
-          <a:xfrm>
-            <a:off x="6969224" y="4809034"/>
-            <a:ext cx="2194522" cy="1428278"/>
+            <a:off x="1064568" y="1687870"/>
+            <a:ext cx="8063202" cy="4488793"/>
           </a:xfrm>
           <a:prstGeom prst="rect">
             <a:avLst/>
@@ -12762,7 +12742,7 @@
     </p:spTree>
     <p:extLst>
       <p:ext uri="{BB962C8B-B14F-4D97-AF65-F5344CB8AC3E}">
-        <p14:creationId xmlns:p14="http://schemas.microsoft.com/office/powerpoint/2010/main" val="2720858460"/>
+        <p14:creationId xmlns:p14="http://schemas.microsoft.com/office/powerpoint/2010/main" val="279045354"/>
       </p:ext>
     </p:extLst>
   </p:cSld>
@@ -12841,13 +12821,77 @@
               <a:t> </a:t>
             </a:r>
             <a:r>
+              <a:rPr lang="en-US" altLang="ko-KR" b="1" dirty="0" smtClean="0">
+                <a:latin typeface="휴먼엑스포" panose="02030504000101010101" pitchFamily="18" charset="-127"/>
+                <a:ea typeface="휴먼엑스포" panose="02030504000101010101" pitchFamily="18" charset="-127"/>
+              </a:rPr>
+              <a:t>&lt;form&gt; </a:t>
+            </a:r>
+            <a:r>
               <a:rPr lang="ko-KR" altLang="en-US" b="1" dirty="0" smtClean="0">
                 <a:latin typeface="휴먼엑스포" panose="02030504000101010101" pitchFamily="18" charset="-127"/>
                 <a:ea typeface="휴먼엑스포" panose="02030504000101010101" pitchFamily="18" charset="-127"/>
               </a:rPr>
-              <a:t>간단한 계산기</a:t>
+              <a:t>태그로 </a:t>
+            </a:r>
+            <a:r>
+              <a:rPr lang="ko-KR" altLang="en-US" b="1" dirty="0" err="1" smtClean="0">
+                <a:latin typeface="휴먼엑스포" panose="02030504000101010101" pitchFamily="18" charset="-127"/>
+                <a:ea typeface="휴먼엑스포" panose="02030504000101010101" pitchFamily="18" charset="-127"/>
+              </a:rPr>
+              <a:t>서블릿에</a:t>
+            </a:r>
+            <a:r>
+              <a:rPr lang="ko-KR" altLang="en-US" b="1" dirty="0" smtClean="0">
+                <a:latin typeface="휴먼엑스포" panose="02030504000101010101" pitchFamily="18" charset="-127"/>
+                <a:ea typeface="휴먼엑스포" panose="02030504000101010101" pitchFamily="18" charset="-127"/>
+              </a:rPr>
+              <a:t> 요청하기</a:t>
             </a:r>
             <a:endParaRPr lang="ko-KR" altLang="en-US" dirty="0"/>
+          </a:p>
+        </p:txBody>
+      </p:sp>
+      <p:sp>
+        <p:nvSpPr>
+          <p:cNvPr id="4" name="TextBox 3"/>
+          <p:cNvSpPr txBox="1"/>
+          <p:nvPr/>
+        </p:nvSpPr>
+        <p:spPr>
+          <a:xfrm>
+            <a:off x="776536" y="980728"/>
+            <a:ext cx="8496944" cy="494494"/>
+          </a:xfrm>
+          <a:prstGeom prst="rect">
+            <a:avLst/>
+          </a:prstGeom>
+          <a:noFill/>
+        </p:spPr>
+        <p:txBody>
+          <a:bodyPr wrap="square" rtlCol="0">
+            <a:spAutoFit/>
+          </a:bodyPr>
+          <a:lstStyle/>
+          <a:p>
+            <a:pPr>
+              <a:lnSpc>
+                <a:spcPct val="150000"/>
+              </a:lnSpc>
+            </a:pPr>
+            <a:r>
+              <a:rPr lang="en-US" altLang="ko-KR" sz="2000" b="1" dirty="0" err="1" smtClean="0"/>
+              <a:t>RegisterServet</a:t>
+            </a:r>
+            <a:r>
+              <a:rPr lang="en-US" altLang="ko-KR" sz="2000" b="1" dirty="0" smtClean="0"/>
+              <a:t> </a:t>
+            </a:r>
+            <a:r>
+              <a:rPr lang="ko-KR" altLang="en-US" sz="2000" b="1" dirty="0" smtClean="0"/>
+              <a:t>생성</a:t>
+            </a:r>
+            <a:endParaRPr lang="en-US" altLang="ko-KR" sz="2000" b="1" dirty="0" smtClean="0"/>
           </a:p>
         </p:txBody>
       </p:sp>
@@ -12873,8 +12917,8 @@
         </p:blipFill>
         <p:spPr>
           <a:xfrm>
-            <a:off x="970924" y="1412776"/>
-            <a:ext cx="7920880" cy="2003475"/>
+            <a:off x="1148838" y="1623497"/>
+            <a:ext cx="7404562" cy="4761039"/>
           </a:xfrm>
           <a:prstGeom prst="rect">
             <a:avLst/>
@@ -12888,47 +12932,10 @@
           </a:ln>
         </p:spPr>
       </p:pic>
-      <p:pic>
-        <p:nvPicPr>
-          <p:cNvPr id="5" name="그림 4"/>
-          <p:cNvPicPr>
-            <a:picLocks noChangeAspect="1"/>
-          </p:cNvPicPr>
-          <p:nvPr/>
-        </p:nvPicPr>
-        <p:blipFill>
-          <a:blip r:embed="rId3">
-            <a:extLst>
-              <a:ext uri="{28A0092B-C50C-407E-A947-70E740481C1C}">
-                <a14:useLocalDpi xmlns:a14="http://schemas.microsoft.com/office/drawing/2010/main" val="0"/>
-              </a:ext>
-            </a:extLst>
-          </a:blip>
-          <a:stretch>
-            <a:fillRect/>
-          </a:stretch>
-        </p:blipFill>
-        <p:spPr>
-          <a:xfrm>
-            <a:off x="992560" y="3861048"/>
-            <a:ext cx="7920880" cy="2213821"/>
-          </a:xfrm>
-          <a:prstGeom prst="rect">
-            <a:avLst/>
-          </a:prstGeom>
-          <a:ln>
-            <a:solidFill>
-              <a:schemeClr val="bg1">
-                <a:lumMod val="85000"/>
-              </a:schemeClr>
-            </a:solidFill>
-          </a:ln>
-        </p:spPr>
-      </p:pic>
     </p:spTree>
     <p:extLst>
       <p:ext uri="{BB962C8B-B14F-4D97-AF65-F5344CB8AC3E}">
-        <p14:creationId xmlns:p14="http://schemas.microsoft.com/office/powerpoint/2010/main" val="3796363577"/>
+        <p14:creationId xmlns:p14="http://schemas.microsoft.com/office/powerpoint/2010/main" val="2720858460"/>
       </p:ext>
     </p:extLst>
   </p:cSld>
@@ -14004,7 +14011,7 @@
       </p:sp>
       <p:pic>
         <p:nvPicPr>
-          <p:cNvPr id="2" name="그림 1"/>
+          <p:cNvPr id="3" name="그림 2"/>
           <p:cNvPicPr>
             <a:picLocks noChangeAspect="1"/>
           </p:cNvPicPr>
@@ -14024,8 +14031,8 @@
         </p:blipFill>
         <p:spPr>
           <a:xfrm>
-            <a:off x="1568624" y="1196752"/>
-            <a:ext cx="6569009" cy="5159187"/>
+            <a:off x="970924" y="1412776"/>
+            <a:ext cx="7920880" cy="2003475"/>
           </a:xfrm>
           <a:prstGeom prst="rect">
             <a:avLst/>
@@ -14039,87 +14046,9 @@
           </a:ln>
         </p:spPr>
       </p:pic>
-      <p:sp>
-        <p:nvSpPr>
-          <p:cNvPr id="7" name="모서리가 둥근 직사각형 6">
-            <a:extLst>
-              <a:ext uri="{FF2B5EF4-FFF2-40B4-BE49-F238E27FC236}">
-                <a16:creationId xmlns:a16="http://schemas.microsoft.com/office/drawing/2014/main" id="{792DA8B4-17B2-454B-97AC-17311A4832C5}"/>
-              </a:ext>
-            </a:extLst>
-          </p:cNvPr>
-          <p:cNvSpPr/>
-          <p:nvPr/>
-        </p:nvSpPr>
-        <p:spPr>
-          <a:xfrm>
-            <a:off x="6825208" y="1700808"/>
-            <a:ext cx="2448272" cy="316149"/>
-          </a:xfrm>
-          <a:prstGeom prst="roundRect">
-            <a:avLst/>
-          </a:prstGeom>
-          <a:noFill/>
-          <a:ln w="12700">
-            <a:solidFill>
-              <a:schemeClr val="tx1"/>
-            </a:solidFill>
-          </a:ln>
-        </p:spPr>
-        <p:style>
-          <a:lnRef idx="2">
-            <a:schemeClr val="accent2"/>
-          </a:lnRef>
-          <a:fillRef idx="1">
-            <a:schemeClr val="lt1"/>
-          </a:fillRef>
-          <a:effectRef idx="0">
-            <a:schemeClr val="accent2"/>
-          </a:effectRef>
-          <a:fontRef idx="minor">
-            <a:schemeClr val="dk1"/>
-          </a:fontRef>
-        </p:style>
-        <p:txBody>
-          <a:bodyPr rtlCol="0" anchor="ctr"/>
-          <a:lstStyle/>
-          <a:p>
-            <a:pPr algn="ctr"/>
-            <a:r>
-              <a:rPr lang="en-US" altLang="ko-KR" sz="1600" dirty="0">
-                <a:solidFill>
-                  <a:sysClr val="windowText" lastClr="000000"/>
-                </a:solidFill>
-              </a:rPr>
-              <a:t>s</a:t>
-            </a:r>
-            <a:r>
-              <a:rPr lang="en-US" altLang="ko-KR" sz="1600" dirty="0" smtClean="0">
-                <a:solidFill>
-                  <a:sysClr val="windowText" lastClr="000000"/>
-                </a:solidFill>
-              </a:rPr>
-              <a:t>ervlet/</a:t>
-            </a:r>
-            <a:r>
-              <a:rPr lang="en-US" altLang="ko-KR" sz="1600" dirty="0" err="1" smtClean="0">
-                <a:solidFill>
-                  <a:sysClr val="windowText" lastClr="000000"/>
-                </a:solidFill>
-              </a:rPr>
-              <a:t>calcForm.jsp</a:t>
-            </a:r>
-            <a:endParaRPr lang="en-US" altLang="ko-KR" sz="1600" dirty="0" smtClean="0">
-              <a:solidFill>
-                <a:sysClr val="windowText" lastClr="000000"/>
-              </a:solidFill>
-            </a:endParaRPr>
-          </a:p>
-        </p:txBody>
-      </p:sp>
       <p:pic>
         <p:nvPicPr>
-          <p:cNvPr id="3" name="그림 2"/>
+          <p:cNvPr id="5" name="그림 4"/>
           <p:cNvPicPr>
             <a:picLocks noChangeAspect="1"/>
           </p:cNvPicPr>
@@ -14139,8 +14068,8 @@
         </p:blipFill>
         <p:spPr>
           <a:xfrm>
-            <a:off x="7251432" y="3284984"/>
-            <a:ext cx="2171888" cy="2453853"/>
+            <a:off x="992560" y="3861048"/>
+            <a:ext cx="7920880" cy="2213821"/>
           </a:xfrm>
           <a:prstGeom prst="rect">
             <a:avLst/>
@@ -14157,7 +14086,7 @@
     </p:spTree>
     <p:extLst>
       <p:ext uri="{BB962C8B-B14F-4D97-AF65-F5344CB8AC3E}">
-        <p14:creationId xmlns:p14="http://schemas.microsoft.com/office/powerpoint/2010/main" val="3224662542"/>
+        <p14:creationId xmlns:p14="http://schemas.microsoft.com/office/powerpoint/2010/main" val="3796363577"/>
       </p:ext>
     </p:extLst>
   </p:cSld>
@@ -14268,8 +14197,8 @@
         </p:blipFill>
         <p:spPr>
           <a:xfrm>
-            <a:off x="704528" y="1196752"/>
-            <a:ext cx="8458933" cy="4709568"/>
+            <a:off x="1568624" y="1196752"/>
+            <a:ext cx="6569009" cy="5159187"/>
           </a:xfrm>
           <a:prstGeom prst="rect">
             <a:avLst/>
@@ -14285,7 +14214,7 @@
       </p:pic>
       <p:sp>
         <p:nvSpPr>
-          <p:cNvPr id="5" name="모서리가 둥근 직사각형 4">
+          <p:cNvPr id="7" name="모서리가 둥근 직사각형 6">
             <a:extLst>
               <a:ext uri="{FF2B5EF4-FFF2-40B4-BE49-F238E27FC236}">
                 <a16:creationId xmlns:a16="http://schemas.microsoft.com/office/drawing/2014/main" id="{792DA8B4-17B2-454B-97AC-17311A4832C5}"/>
@@ -14297,8 +14226,8 @@
         </p:nvSpPr>
         <p:spPr>
           <a:xfrm>
-            <a:off x="6537176" y="1340768"/>
-            <a:ext cx="3131386" cy="316149"/>
+            <a:off x="6825208" y="1700808"/>
+            <a:ext cx="2448272" cy="316149"/>
           </a:xfrm>
           <a:prstGeom prst="roundRect">
             <a:avLst/>
@@ -14330,20 +14259,78 @@
           <a:p>
             <a:pPr algn="ctr"/>
             <a:r>
+              <a:rPr lang="en-US" altLang="ko-KR" sz="1600" dirty="0">
+                <a:solidFill>
+                  <a:sysClr val="windowText" lastClr="000000"/>
+                </a:solidFill>
+              </a:rPr>
+              <a:t>s</a:t>
+            </a:r>
+            <a:r>
               <a:rPr lang="en-US" altLang="ko-KR" sz="1600" dirty="0" smtClean="0">
                 <a:solidFill>
                   <a:sysClr val="windowText" lastClr="000000"/>
                 </a:solidFill>
               </a:rPr>
-              <a:t>servlet.CalcServlet.java</a:t>
-            </a:r>
-          </a:p>
-        </p:txBody>
-      </p:sp>
+              <a:t>ervlet/</a:t>
+            </a:r>
+            <a:r>
+              <a:rPr lang="en-US" altLang="ko-KR" sz="1600" dirty="0" err="1" smtClean="0">
+                <a:solidFill>
+                  <a:sysClr val="windowText" lastClr="000000"/>
+                </a:solidFill>
+              </a:rPr>
+              <a:t>calcForm.jsp</a:t>
+            </a:r>
+            <a:endParaRPr lang="en-US" altLang="ko-KR" sz="1600" dirty="0" smtClean="0">
+              <a:solidFill>
+                <a:sysClr val="windowText" lastClr="000000"/>
+              </a:solidFill>
+            </a:endParaRPr>
+          </a:p>
+        </p:txBody>
+      </p:sp>
+      <p:pic>
+        <p:nvPicPr>
+          <p:cNvPr id="3" name="그림 2"/>
+          <p:cNvPicPr>
+            <a:picLocks noChangeAspect="1"/>
+          </p:cNvPicPr>
+          <p:nvPr/>
+        </p:nvPicPr>
+        <p:blipFill>
+          <a:blip r:embed="rId3">
+            <a:extLst>
+              <a:ext uri="{28A0092B-C50C-407E-A947-70E740481C1C}">
+                <a14:useLocalDpi xmlns:a14="http://schemas.microsoft.com/office/drawing/2010/main" val="0"/>
+              </a:ext>
+            </a:extLst>
+          </a:blip>
+          <a:stretch>
+            <a:fillRect/>
+          </a:stretch>
+        </p:blipFill>
+        <p:spPr>
+          <a:xfrm>
+            <a:off x="7251432" y="3284984"/>
+            <a:ext cx="2171888" cy="2453853"/>
+          </a:xfrm>
+          <a:prstGeom prst="rect">
+            <a:avLst/>
+          </a:prstGeom>
+          <a:ln>
+            <a:solidFill>
+              <a:schemeClr val="bg1">
+                <a:lumMod val="85000"/>
+              </a:schemeClr>
+            </a:solidFill>
+          </a:ln>
+        </p:spPr>
+      </p:pic>
     </p:spTree>
     <p:extLst>
       <p:ext uri="{BB962C8B-B14F-4D97-AF65-F5344CB8AC3E}">
-        <p14:creationId xmlns:p14="http://schemas.microsoft.com/office/powerpoint/2010/main" val="980002226"/>
+        <p14:creationId xmlns:p14="http://schemas.microsoft.com/office/powerpoint/2010/main" val="3224662542"/>
       </p:ext>
     </p:extLst>
   </p:cSld>
@@ -14434,7 +14421,7 @@
       </p:sp>
       <p:pic>
         <p:nvPicPr>
-          <p:cNvPr id="4" name="그림 3"/>
+          <p:cNvPr id="3" name="그림 2"/>
           <p:cNvPicPr>
             <a:picLocks noChangeAspect="1"/>
           </p:cNvPicPr>
@@ -14454,8 +14441,8 @@
         </p:blipFill>
         <p:spPr>
           <a:xfrm>
-            <a:off x="488504" y="1484784"/>
-            <a:ext cx="9160034" cy="3924640"/>
+            <a:off x="848544" y="1124744"/>
+            <a:ext cx="8458933" cy="5121084"/>
           </a:xfrm>
           <a:prstGeom prst="rect">
             <a:avLst/>
@@ -14469,10 +14456,67 @@
           </a:ln>
         </p:spPr>
       </p:pic>
+      <p:sp>
+        <p:nvSpPr>
+          <p:cNvPr id="5" name="모서리가 둥근 직사각형 4">
+            <a:extLst>
+              <a:ext uri="{FF2B5EF4-FFF2-40B4-BE49-F238E27FC236}">
+                <a16:creationId xmlns:a16="http://schemas.microsoft.com/office/drawing/2014/main" id="{792DA8B4-17B2-454B-97AC-17311A4832C5}"/>
+              </a:ext>
+            </a:extLst>
+          </p:cNvPr>
+          <p:cNvSpPr/>
+          <p:nvPr/>
+        </p:nvSpPr>
+        <p:spPr>
+          <a:xfrm>
+            <a:off x="6537176" y="1340768"/>
+            <a:ext cx="3131386" cy="316149"/>
+          </a:xfrm>
+          <a:prstGeom prst="roundRect">
+            <a:avLst/>
+          </a:prstGeom>
+          <a:noFill/>
+          <a:ln w="12700">
+            <a:solidFill>
+              <a:schemeClr val="tx1"/>
+            </a:solidFill>
+          </a:ln>
+        </p:spPr>
+        <p:style>
+          <a:lnRef idx="2">
+            <a:schemeClr val="accent2"/>
+          </a:lnRef>
+          <a:fillRef idx="1">
+            <a:schemeClr val="lt1"/>
+          </a:fillRef>
+          <a:effectRef idx="0">
+            <a:schemeClr val="accent2"/>
+          </a:effectRef>
+          <a:fontRef idx="minor">
+            <a:schemeClr val="dk1"/>
+          </a:fontRef>
+        </p:style>
+        <p:txBody>
+          <a:bodyPr rtlCol="0" anchor="ctr"/>
+          <a:lstStyle/>
+          <a:p>
+            <a:pPr algn="ctr"/>
+            <a:r>
+              <a:rPr lang="en-US" altLang="ko-KR" sz="1600" dirty="0" smtClean="0">
+                <a:solidFill>
+                  <a:sysClr val="windowText" lastClr="000000"/>
+                </a:solidFill>
+              </a:rPr>
+              <a:t>servlet.CalcServlet.java</a:t>
+            </a:r>
+          </a:p>
+        </p:txBody>
+      </p:sp>
     </p:spTree>
     <p:extLst>
       <p:ext uri="{BB962C8B-B14F-4D97-AF65-F5344CB8AC3E}">
-        <p14:creationId xmlns:p14="http://schemas.microsoft.com/office/powerpoint/2010/main" val="4286007262"/>
+        <p14:creationId xmlns:p14="http://schemas.microsoft.com/office/powerpoint/2010/main" val="980002226"/>
       </p:ext>
     </p:extLst>
   </p:cSld>
@@ -14506,43 +14550,6 @@
           <a:chExt cx="0" cy="0"/>
         </a:xfrm>
       </p:grpSpPr>
-      <p:pic>
-        <p:nvPicPr>
-          <p:cNvPr id="6" name="그림 5"/>
-          <p:cNvPicPr>
-            <a:picLocks noChangeAspect="1"/>
-          </p:cNvPicPr>
-          <p:nvPr/>
-        </p:nvPicPr>
-        <p:blipFill>
-          <a:blip r:embed="rId3">
-            <a:extLst>
-              <a:ext uri="{28A0092B-C50C-407E-A947-70E740481C1C}">
-                <a14:useLocalDpi xmlns:a14="http://schemas.microsoft.com/office/drawing/2010/main" val="0"/>
-              </a:ext>
-            </a:extLst>
-          </a:blip>
-          <a:stretch>
-            <a:fillRect/>
-          </a:stretch>
-        </p:blipFill>
-        <p:spPr>
-          <a:xfrm>
-            <a:off x="1368237" y="1844824"/>
-            <a:ext cx="5601235" cy="2389860"/>
-          </a:xfrm>
-          <a:prstGeom prst="rect">
-            <a:avLst/>
-          </a:prstGeom>
-          <a:ln>
-            <a:solidFill>
-              <a:schemeClr val="bg1">
-                <a:lumMod val="85000"/>
-              </a:schemeClr>
-            </a:solidFill>
-          </a:ln>
-        </p:spPr>
-      </p:pic>
       <p:sp>
         <p:nvSpPr>
           <p:cNvPr id="15" name="제목 5"/>
@@ -14583,213 +14590,21 @@
               <a:rPr lang="en-US" altLang="ko-KR" dirty="0" smtClean="0"/>
               <a:t> </a:t>
             </a:r>
+            <a:r>
+              <a:rPr lang="ko-KR" altLang="en-US" dirty="0"/>
+              <a:t> </a:t>
+            </a:r>
+            <a:r>
+              <a:rPr lang="ko-KR" altLang="en-US" b="1" dirty="0" smtClean="0">
+                <a:latin typeface="휴먼엑스포" panose="02030504000101010101" pitchFamily="18" charset="-127"/>
+                <a:ea typeface="휴먼엑스포" panose="02030504000101010101" pitchFamily="18" charset="-127"/>
+              </a:rPr>
+              <a:t>간단한 계산기</a:t>
+            </a:r>
             <a:endParaRPr lang="ko-KR" altLang="en-US" dirty="0"/>
           </a:p>
         </p:txBody>
       </p:sp>
-      <p:sp>
-        <p:nvSpPr>
-          <p:cNvPr id="4" name="TextBox 3"/>
-          <p:cNvSpPr txBox="1"/>
-          <p:nvPr/>
-        </p:nvSpPr>
-        <p:spPr>
-          <a:xfrm>
-            <a:off x="776536" y="980728"/>
-            <a:ext cx="8496944" cy="494494"/>
-          </a:xfrm>
-          <a:prstGeom prst="rect">
-            <a:avLst/>
-          </a:prstGeom>
-          <a:noFill/>
-        </p:spPr>
-        <p:txBody>
-          <a:bodyPr wrap="square" rtlCol="0">
-            <a:spAutoFit/>
-          </a:bodyPr>
-          <a:lstStyle/>
-          <a:p>
-            <a:pPr>
-              <a:lnSpc>
-                <a:spcPct val="150000"/>
-              </a:lnSpc>
-            </a:pPr>
-            <a:r>
-              <a:rPr lang="en-US" altLang="ko-KR" sz="2000" b="1" dirty="0" smtClean="0"/>
-              <a:t>GET</a:t>
-            </a:r>
-            <a:r>
-              <a:rPr lang="ko-KR" altLang="en-US" sz="2000" b="1" dirty="0" smtClean="0"/>
-              <a:t>방식과 </a:t>
-            </a:r>
-            <a:r>
-              <a:rPr lang="en-US" altLang="ko-KR" sz="2000" b="1" dirty="0" smtClean="0"/>
-              <a:t>POST </a:t>
-            </a:r>
-            <a:r>
-              <a:rPr lang="ko-KR" altLang="en-US" sz="2000" b="1" dirty="0" smtClean="0"/>
-              <a:t>방식 요청 동시에 처리하기</a:t>
-            </a:r>
-            <a:endParaRPr lang="en-US" altLang="ko-KR" sz="2000" b="1" dirty="0" smtClean="0"/>
-          </a:p>
-        </p:txBody>
-      </p:sp>
-      <p:sp>
-        <p:nvSpPr>
-          <p:cNvPr id="14" name="모서리가 둥근 직사각형 13">
-            <a:extLst>
-              <a:ext uri="{FF2B5EF4-FFF2-40B4-BE49-F238E27FC236}">
-                <a16:creationId xmlns:a16="http://schemas.microsoft.com/office/drawing/2014/main" id="{792DA8B4-17B2-454B-97AC-17311A4832C5}"/>
-              </a:ext>
-            </a:extLst>
-          </p:cNvPr>
-          <p:cNvSpPr/>
-          <p:nvPr/>
-        </p:nvSpPr>
-        <p:spPr>
-          <a:xfrm>
-            <a:off x="5758712" y="1982908"/>
-            <a:ext cx="1622568" cy="299896"/>
-          </a:xfrm>
-          <a:prstGeom prst="roundRect">
-            <a:avLst/>
-          </a:prstGeom>
-          <a:noFill/>
-        </p:spPr>
-        <p:style>
-          <a:lnRef idx="2">
-            <a:schemeClr val="accent2"/>
-          </a:lnRef>
-          <a:fillRef idx="1">
-            <a:schemeClr val="lt1"/>
-          </a:fillRef>
-          <a:effectRef idx="0">
-            <a:schemeClr val="accent2"/>
-          </a:effectRef>
-          <a:fontRef idx="minor">
-            <a:schemeClr val="dk1"/>
-          </a:fontRef>
-        </p:style>
-        <p:txBody>
-          <a:bodyPr rtlCol="0" anchor="ctr"/>
-          <a:lstStyle/>
-          <a:p>
-            <a:r>
-              <a:rPr lang="en-US" altLang="ko-KR" sz="1600" dirty="0" smtClean="0">
-                <a:solidFill>
-                  <a:sysClr val="windowText" lastClr="000000"/>
-                </a:solidFill>
-              </a:rPr>
-              <a:t>get</a:t>
-            </a:r>
-            <a:r>
-              <a:rPr lang="ko-KR" altLang="en-US" sz="1600" dirty="0" smtClean="0">
-                <a:solidFill>
-                  <a:sysClr val="windowText" lastClr="000000"/>
-                </a:solidFill>
-              </a:rPr>
-              <a:t>으로 바꿈</a:t>
-            </a:r>
-            <a:endParaRPr lang="en-US" altLang="ko-KR" sz="1600" dirty="0" smtClean="0">
-              <a:solidFill>
-                <a:sysClr val="windowText" lastClr="000000"/>
-              </a:solidFill>
-            </a:endParaRPr>
-          </a:p>
-        </p:txBody>
-      </p:sp>
-      <p:sp>
-        <p:nvSpPr>
-          <p:cNvPr id="16" name="모서리가 둥근 직사각형 15">
-            <a:extLst>
-              <a:ext uri="{FF2B5EF4-FFF2-40B4-BE49-F238E27FC236}">
-                <a16:creationId xmlns:a16="http://schemas.microsoft.com/office/drawing/2014/main" id="{792DA8B4-17B2-454B-97AC-17311A4832C5}"/>
-              </a:ext>
-            </a:extLst>
-          </p:cNvPr>
-          <p:cNvSpPr/>
-          <p:nvPr/>
-        </p:nvSpPr>
-        <p:spPr>
-          <a:xfrm>
-            <a:off x="3550973" y="1694106"/>
-            <a:ext cx="1540230" cy="438750"/>
-          </a:xfrm>
-          <a:prstGeom prst="roundRect">
-            <a:avLst/>
-          </a:prstGeom>
-          <a:noFill/>
-          <a:ln>
-            <a:prstDash val="sysDash"/>
-          </a:ln>
-        </p:spPr>
-        <p:style>
-          <a:lnRef idx="2">
-            <a:schemeClr val="accent2"/>
-          </a:lnRef>
-          <a:fillRef idx="1">
-            <a:schemeClr val="lt1"/>
-          </a:fillRef>
-          <a:effectRef idx="0">
-            <a:schemeClr val="accent2"/>
-          </a:effectRef>
-          <a:fontRef idx="minor">
-            <a:schemeClr val="dk1"/>
-          </a:fontRef>
-        </p:style>
-        <p:txBody>
-          <a:bodyPr rtlCol="0" anchor="ctr"/>
-          <a:lstStyle/>
-          <a:p>
-            <a:pPr algn="ctr"/>
-            <a:endParaRPr lang="ko-KR" altLang="en-US" sz="1300" dirty="0">
-              <a:solidFill>
-                <a:sysClr val="windowText" lastClr="000000"/>
-              </a:solidFill>
-            </a:endParaRPr>
-          </a:p>
-        </p:txBody>
-      </p:sp>
-      <p:cxnSp>
-        <p:nvCxnSpPr>
-          <p:cNvPr id="17" name="직선 화살표 연결선 16"/>
-          <p:cNvCxnSpPr>
-            <a:stCxn id="14" idx="1"/>
-          </p:cNvCxnSpPr>
-          <p:nvPr/>
-        </p:nvCxnSpPr>
-        <p:spPr>
-          <a:xfrm flipH="1" flipV="1">
-            <a:off x="5181852" y="1982908"/>
-            <a:ext cx="576860" cy="149948"/>
-          </a:xfrm>
-          <a:prstGeom prst="straightConnector1">
-            <a:avLst/>
-          </a:prstGeom>
-          <a:ln w="9525">
-            <a:solidFill>
-              <a:srgbClr val="C00000"/>
-            </a:solidFill>
-            <a:prstDash val="solid"/>
-            <a:headEnd type="none" w="med" len="med"/>
-            <a:tailEnd type="triangle" w="med" len="med"/>
-          </a:ln>
-        </p:spPr>
-        <p:style>
-          <a:lnRef idx="1">
-            <a:schemeClr val="accent1"/>
-          </a:lnRef>
-          <a:fillRef idx="0">
-            <a:schemeClr val="accent1"/>
-          </a:fillRef>
-          <a:effectRef idx="0">
-            <a:schemeClr val="accent1"/>
-          </a:effectRef>
-          <a:fontRef idx="minor">
-            <a:schemeClr val="tx1"/>
-          </a:fontRef>
-        </p:style>
-      </p:cxnSp>
       <p:pic>
         <p:nvPicPr>
           <p:cNvPr id="2" name="그림 1"/>
@@ -14799,7 +14614,7 @@
           <p:nvPr/>
         </p:nvPicPr>
         <p:blipFill>
-          <a:blip r:embed="rId4">
+          <a:blip r:embed="rId2">
             <a:extLst>
               <a:ext uri="{28A0092B-C50C-407E-A947-70E740481C1C}">
                 <a14:useLocalDpi xmlns:a14="http://schemas.microsoft.com/office/drawing/2010/main" val="0"/>
@@ -14812,102 +14627,8 @@
         </p:blipFill>
         <p:spPr>
           <a:xfrm>
-            <a:off x="5937950" y="4383277"/>
-            <a:ext cx="2471433" cy="1393613"/>
-          </a:xfrm>
-          <a:prstGeom prst="rect">
-            <a:avLst/>
-          </a:prstGeom>
-          <a:ln>
-            <a:solidFill>
-              <a:schemeClr val="accent5">
-                <a:lumMod val="20000"/>
-                <a:lumOff val="80000"/>
-              </a:schemeClr>
-            </a:solidFill>
-          </a:ln>
-        </p:spPr>
-      </p:pic>
-      <p:sp>
-        <p:nvSpPr>
-          <p:cNvPr id="9" name="제목 5"/>
-          <p:cNvSpPr txBox="1">
-            <a:spLocks/>
-          </p:cNvSpPr>
-          <p:nvPr/>
-        </p:nvSpPr>
-        <p:spPr>
-          <a:xfrm>
-            <a:off x="152400" y="-27384"/>
-            <a:ext cx="8337376" cy="854968"/>
-          </a:xfrm>
-          <a:prstGeom prst="rect">
-            <a:avLst/>
-          </a:prstGeom>
-        </p:spPr>
-        <p:txBody>
-          <a:bodyPr anchor="ctr" anchorCtr="0"/>
-          <a:lstStyle>
-            <a:lvl1pPr algn="l" defTabSz="914400" rtl="0" eaLnBrk="1" latinLnBrk="1" hangingPunct="1">
-              <a:spcBef>
-                <a:spcPct val="0"/>
-              </a:spcBef>
-              <a:buNone/>
-              <a:defRPr sz="3200" kern="1200">
-                <a:solidFill>
-                  <a:schemeClr val="bg1"/>
-                </a:solidFill>
-                <a:latin typeface="HY헤드라인M" panose="02030600000101010101" pitchFamily="18" charset="-127"/>
-                <a:ea typeface="HY헤드라인M" panose="02030600000101010101" pitchFamily="18" charset="-127"/>
-                <a:cs typeface="+mj-cs"/>
-              </a:defRPr>
-            </a:lvl1pPr>
-          </a:lstStyle>
-          <a:p>
-            <a:r>
-              <a:rPr lang="en-US" altLang="ko-KR" dirty="0" smtClean="0"/>
-              <a:t> GET</a:t>
-            </a:r>
-            <a:r>
-              <a:rPr lang="ko-KR" altLang="en-US" dirty="0" smtClean="0"/>
-              <a:t>방식과 </a:t>
-            </a:r>
-            <a:r>
-              <a:rPr lang="en-US" altLang="ko-KR" dirty="0" smtClean="0"/>
-              <a:t>POST </a:t>
-            </a:r>
-            <a:r>
-              <a:rPr lang="ko-KR" altLang="en-US" dirty="0" smtClean="0"/>
-              <a:t>방식으로 동시 처리</a:t>
-            </a:r>
-            <a:endParaRPr lang="ko-KR" altLang="en-US" dirty="0"/>
-          </a:p>
-        </p:txBody>
-      </p:sp>
-      <p:pic>
-        <p:nvPicPr>
-          <p:cNvPr id="3" name="그림 2"/>
-          <p:cNvPicPr>
-            <a:picLocks noChangeAspect="1"/>
-          </p:cNvPicPr>
-          <p:nvPr/>
-        </p:nvPicPr>
-        <p:blipFill>
-          <a:blip r:embed="rId5">
-            <a:extLst>
-              <a:ext uri="{28A0092B-C50C-407E-A947-70E740481C1C}">
-                <a14:useLocalDpi xmlns:a14="http://schemas.microsoft.com/office/drawing/2010/main" val="0"/>
-              </a:ext>
-            </a:extLst>
-          </a:blip>
-          <a:stretch>
-            <a:fillRect/>
-          </a:stretch>
-        </p:blipFill>
-        <p:spPr>
-          <a:xfrm>
-            <a:off x="1367989" y="4383277"/>
-            <a:ext cx="3833854" cy="1700397"/>
+            <a:off x="560512" y="1484784"/>
+            <a:ext cx="9007621" cy="3436918"/>
           </a:xfrm>
           <a:prstGeom prst="rect">
             <a:avLst/>
@@ -14924,7 +14645,7 @@
     </p:spTree>
     <p:extLst>
       <p:ext uri="{BB962C8B-B14F-4D97-AF65-F5344CB8AC3E}">
-        <p14:creationId xmlns:p14="http://schemas.microsoft.com/office/powerpoint/2010/main" val="1498656667"/>
+        <p14:creationId xmlns:p14="http://schemas.microsoft.com/office/powerpoint/2010/main" val="4286007262"/>
       </p:ext>
     </p:extLst>
   </p:cSld>
@@ -14958,6 +14679,43 @@
           <a:chExt cx="0" cy="0"/>
         </a:xfrm>
       </p:grpSpPr>
+      <p:pic>
+        <p:nvPicPr>
+          <p:cNvPr id="5" name="그림 4"/>
+          <p:cNvPicPr>
+            <a:picLocks noChangeAspect="1"/>
+          </p:cNvPicPr>
+          <p:nvPr/>
+        </p:nvPicPr>
+        <p:blipFill>
+          <a:blip r:embed="rId3">
+            <a:extLst>
+              <a:ext uri="{28A0092B-C50C-407E-A947-70E740481C1C}">
+                <a14:useLocalDpi xmlns:a14="http://schemas.microsoft.com/office/drawing/2010/main" val="0"/>
+              </a:ext>
+            </a:extLst>
+          </a:blip>
+          <a:stretch>
+            <a:fillRect/>
+          </a:stretch>
+        </p:blipFill>
+        <p:spPr>
+          <a:xfrm>
+            <a:off x="1547181" y="1809077"/>
+            <a:ext cx="5243014" cy="3132091"/>
+          </a:xfrm>
+          <a:prstGeom prst="rect">
+            <a:avLst/>
+          </a:prstGeom>
+          <a:ln>
+            <a:solidFill>
+              <a:schemeClr val="bg1">
+                <a:lumMod val="85000"/>
+              </a:schemeClr>
+            </a:solidFill>
+          </a:ln>
+        </p:spPr>
+      </p:pic>
       <p:sp>
         <p:nvSpPr>
           <p:cNvPr id="15" name="제목 5"/>
@@ -15011,7 +14769,7 @@
         <p:spPr>
           <a:xfrm>
             <a:off x="776536" y="980728"/>
-            <a:ext cx="8496944" cy="1015663"/>
+            <a:ext cx="8496944" cy="494494"/>
           </a:xfrm>
           <a:prstGeom prst="rect">
             <a:avLst/>
@@ -15047,69 +14805,11 @@
             </a:r>
             <a:endParaRPr lang="en-US" altLang="ko-KR" sz="2000" b="1" dirty="0" smtClean="0"/>
           </a:p>
-          <a:p>
-            <a:pPr>
-              <a:lnSpc>
-                <a:spcPct val="150000"/>
-              </a:lnSpc>
-            </a:pPr>
-            <a:r>
-              <a:rPr lang="en-US" altLang="ko-KR" sz="2000" b="1" dirty="0"/>
-              <a:t>- </a:t>
-            </a:r>
-            <a:r>
-              <a:rPr lang="ko-KR" altLang="en-US" sz="2000" b="1" dirty="0"/>
-              <a:t>방법 </a:t>
-            </a:r>
-            <a:r>
-              <a:rPr lang="en-US" altLang="ko-KR" sz="2000" b="1" dirty="0" smtClean="0"/>
-              <a:t>1</a:t>
-            </a:r>
-            <a:endParaRPr lang="en-US" altLang="ko-KR" sz="2000" b="1" dirty="0"/>
-          </a:p>
-        </p:txBody>
-      </p:sp>
-      <p:pic>
-        <p:nvPicPr>
-          <p:cNvPr id="3" name="그림 2"/>
-          <p:cNvPicPr>
-            <a:picLocks noChangeAspect="1"/>
-          </p:cNvPicPr>
-          <p:nvPr/>
-        </p:nvPicPr>
-        <p:blipFill>
-          <a:blip r:embed="rId3">
-            <a:extLst>
-              <a:ext uri="{28A0092B-C50C-407E-A947-70E740481C1C}">
-                <a14:useLocalDpi xmlns:a14="http://schemas.microsoft.com/office/drawing/2010/main" val="0"/>
-              </a:ext>
-            </a:extLst>
-          </a:blip>
-          <a:stretch>
-            <a:fillRect/>
-          </a:stretch>
-        </p:blipFill>
-        <p:spPr>
-          <a:xfrm>
-            <a:off x="938229" y="1941965"/>
-            <a:ext cx="7888336" cy="4320582"/>
-          </a:xfrm>
-          <a:prstGeom prst="rect">
-            <a:avLst/>
-          </a:prstGeom>
-          <a:ln>
-            <a:solidFill>
-              <a:schemeClr val="accent5">
-                <a:lumMod val="20000"/>
-                <a:lumOff val="80000"/>
-              </a:schemeClr>
-            </a:solidFill>
-          </a:ln>
-        </p:spPr>
-      </p:pic>
-      <p:sp>
-        <p:nvSpPr>
-          <p:cNvPr id="13" name="모서리가 둥근 직사각형 12">
+        </p:txBody>
+      </p:sp>
+      <p:sp>
+        <p:nvSpPr>
+          <p:cNvPr id="14" name="모서리가 둥근 직사각형 13">
             <a:extLst>
               <a:ext uri="{FF2B5EF4-FFF2-40B4-BE49-F238E27FC236}">
                 <a16:creationId xmlns:a16="http://schemas.microsoft.com/office/drawing/2014/main" id="{792DA8B4-17B2-454B-97AC-17311A4832C5}"/>
@@ -15121,16 +14821,13 @@
         </p:nvSpPr>
         <p:spPr>
           <a:xfrm>
-            <a:off x="704528" y="4293096"/>
-            <a:ext cx="8784976" cy="2088232"/>
+            <a:off x="7041232" y="2144705"/>
+            <a:ext cx="1622568" cy="299896"/>
           </a:xfrm>
           <a:prstGeom prst="roundRect">
             <a:avLst/>
           </a:prstGeom>
           <a:noFill/>
-          <a:ln>
-            <a:prstDash val="sysDash"/>
-          </a:ln>
         </p:spPr>
         <p:style>
           <a:lnRef idx="2">
@@ -15150,6 +14847,73 @@
           <a:bodyPr rtlCol="0" anchor="ctr"/>
           <a:lstStyle/>
           <a:p>
+            <a:r>
+              <a:rPr lang="en-US" altLang="ko-KR" sz="1600" dirty="0" smtClean="0">
+                <a:solidFill>
+                  <a:sysClr val="windowText" lastClr="000000"/>
+                </a:solidFill>
+              </a:rPr>
+              <a:t>get</a:t>
+            </a:r>
+            <a:r>
+              <a:rPr lang="ko-KR" altLang="en-US" sz="1600" dirty="0" smtClean="0">
+                <a:solidFill>
+                  <a:sysClr val="windowText" lastClr="000000"/>
+                </a:solidFill>
+              </a:rPr>
+              <a:t>으로 바꿈</a:t>
+            </a:r>
+            <a:endParaRPr lang="en-US" altLang="ko-KR" sz="1600" dirty="0" smtClean="0">
+              <a:solidFill>
+                <a:sysClr val="windowText" lastClr="000000"/>
+              </a:solidFill>
+            </a:endParaRPr>
+          </a:p>
+        </p:txBody>
+      </p:sp>
+      <p:sp>
+        <p:nvSpPr>
+          <p:cNvPr id="16" name="모서리가 둥근 직사각형 15">
+            <a:extLst>
+              <a:ext uri="{FF2B5EF4-FFF2-40B4-BE49-F238E27FC236}">
+                <a16:creationId xmlns:a16="http://schemas.microsoft.com/office/drawing/2014/main" id="{792DA8B4-17B2-454B-97AC-17311A4832C5}"/>
+              </a:ext>
+            </a:extLst>
+          </p:cNvPr>
+          <p:cNvSpPr/>
+          <p:nvPr/>
+        </p:nvSpPr>
+        <p:spPr>
+          <a:xfrm>
+            <a:off x="4886084" y="1686648"/>
+            <a:ext cx="1723099" cy="438750"/>
+          </a:xfrm>
+          <a:prstGeom prst="roundRect">
+            <a:avLst/>
+          </a:prstGeom>
+          <a:noFill/>
+          <a:ln>
+            <a:prstDash val="sysDash"/>
+          </a:ln>
+        </p:spPr>
+        <p:style>
+          <a:lnRef idx="2">
+            <a:schemeClr val="accent2"/>
+          </a:lnRef>
+          <a:fillRef idx="1">
+            <a:schemeClr val="lt1"/>
+          </a:fillRef>
+          <a:effectRef idx="0">
+            <a:schemeClr val="accent2"/>
+          </a:effectRef>
+          <a:fontRef idx="minor">
+            <a:schemeClr val="dk1"/>
+          </a:fontRef>
+        </p:style>
+        <p:txBody>
+          <a:bodyPr rtlCol="0" anchor="ctr"/>
+          <a:lstStyle/>
+          <a:p>
             <a:pPr algn="ctr"/>
             <a:endParaRPr lang="ko-KR" altLang="en-US" sz="1300" dirty="0">
               <a:solidFill>
@@ -15159,9 +14923,49 @@
           </a:p>
         </p:txBody>
       </p:sp>
-      <p:sp>
-        <p:nvSpPr>
-          <p:cNvPr id="7" name="제목 5"/>
+      <p:cxnSp>
+        <p:nvCxnSpPr>
+          <p:cNvPr id="17" name="직선 화살표 연결선 16"/>
+          <p:cNvCxnSpPr>
+            <a:stCxn id="14" idx="1"/>
+          </p:cNvCxnSpPr>
+          <p:nvPr/>
+        </p:nvCxnSpPr>
+        <p:spPr>
+          <a:xfrm flipH="1" flipV="1">
+            <a:off x="6464372" y="2144705"/>
+            <a:ext cx="576860" cy="149948"/>
+          </a:xfrm>
+          <a:prstGeom prst="straightConnector1">
+            <a:avLst/>
+          </a:prstGeom>
+          <a:ln w="9525">
+            <a:solidFill>
+              <a:srgbClr val="C00000"/>
+            </a:solidFill>
+            <a:prstDash val="solid"/>
+            <a:headEnd type="none" w="med" len="med"/>
+            <a:tailEnd type="triangle" w="med" len="med"/>
+          </a:ln>
+        </p:spPr>
+        <p:style>
+          <a:lnRef idx="1">
+            <a:schemeClr val="accent1"/>
+          </a:lnRef>
+          <a:fillRef idx="0">
+            <a:schemeClr val="accent1"/>
+          </a:fillRef>
+          <a:effectRef idx="0">
+            <a:schemeClr val="accent1"/>
+          </a:effectRef>
+          <a:fontRef idx="minor">
+            <a:schemeClr val="tx1"/>
+          </a:fontRef>
+        </p:style>
+      </p:cxnSp>
+      <p:sp>
+        <p:nvSpPr>
+          <p:cNvPr id="9" name="제목 5"/>
           <p:cNvSpPr txBox="1">
             <a:spLocks/>
           </p:cNvSpPr>
@@ -15215,10 +15019,47 @@
           </a:p>
         </p:txBody>
       </p:sp>
+      <p:pic>
+        <p:nvPicPr>
+          <p:cNvPr id="3" name="그림 2"/>
+          <p:cNvPicPr>
+            <a:picLocks noChangeAspect="1"/>
+          </p:cNvPicPr>
+          <p:nvPr/>
+        </p:nvPicPr>
+        <p:blipFill>
+          <a:blip r:embed="rId4">
+            <a:extLst>
+              <a:ext uri="{28A0092B-C50C-407E-A947-70E740481C1C}">
+                <a14:useLocalDpi xmlns:a14="http://schemas.microsoft.com/office/drawing/2010/main" val="0"/>
+              </a:ext>
+            </a:extLst>
+          </a:blip>
+          <a:stretch>
+            <a:fillRect/>
+          </a:stretch>
+        </p:blipFill>
+        <p:spPr>
+          <a:xfrm>
+            <a:off x="5211484" y="4725144"/>
+            <a:ext cx="3833854" cy="1700397"/>
+          </a:xfrm>
+          <a:prstGeom prst="rect">
+            <a:avLst/>
+          </a:prstGeom>
+          <a:ln>
+            <a:solidFill>
+              <a:schemeClr val="bg1">
+                <a:lumMod val="85000"/>
+              </a:schemeClr>
+            </a:solidFill>
+          </a:ln>
+        </p:spPr>
+      </p:pic>
     </p:spTree>
     <p:extLst>
       <p:ext uri="{BB962C8B-B14F-4D97-AF65-F5344CB8AC3E}">
-        <p14:creationId xmlns:p14="http://schemas.microsoft.com/office/powerpoint/2010/main" val="1026214474"/>
+        <p14:creationId xmlns:p14="http://schemas.microsoft.com/office/powerpoint/2010/main" val="1498656667"/>
       </p:ext>
     </p:extLst>
   </p:cSld>
@@ -15252,6 +15093,43 @@
           <a:chExt cx="0" cy="0"/>
         </a:xfrm>
       </p:grpSpPr>
+      <p:pic>
+        <p:nvPicPr>
+          <p:cNvPr id="3" name="그림 2"/>
+          <p:cNvPicPr>
+            <a:picLocks noChangeAspect="1"/>
+          </p:cNvPicPr>
+          <p:nvPr/>
+        </p:nvPicPr>
+        <p:blipFill>
+          <a:blip r:embed="rId3">
+            <a:extLst>
+              <a:ext uri="{28A0092B-C50C-407E-A947-70E740481C1C}">
+                <a14:useLocalDpi xmlns:a14="http://schemas.microsoft.com/office/drawing/2010/main" val="0"/>
+              </a:ext>
+            </a:extLst>
+          </a:blip>
+          <a:stretch>
+            <a:fillRect/>
+          </a:stretch>
+        </p:blipFill>
+        <p:spPr>
+          <a:xfrm>
+            <a:off x="1169910" y="1950224"/>
+            <a:ext cx="7954831" cy="4463344"/>
+          </a:xfrm>
+          <a:prstGeom prst="rect">
+            <a:avLst/>
+          </a:prstGeom>
+          <a:ln>
+            <a:solidFill>
+              <a:schemeClr val="bg1">
+                <a:lumMod val="85000"/>
+              </a:schemeClr>
+            </a:solidFill>
+          </a:ln>
+        </p:spPr>
+      </p:pic>
       <p:sp>
         <p:nvSpPr>
           <p:cNvPr id="15" name="제목 5"/>
@@ -15337,7 +15215,11 @@
             </a:r>
             <a:r>
               <a:rPr lang="ko-KR" altLang="en-US" sz="2000" b="1" dirty="0" smtClean="0"/>
-              <a:t>방식 요청 동시에 처리하기 </a:t>
+              <a:t>방식 요청 동시에 </a:t>
+            </a:r>
+            <a:r>
+              <a:rPr lang="ko-KR" altLang="en-US" sz="2000" b="1" dirty="0" smtClean="0"/>
+              <a:t>처리하기 </a:t>
             </a:r>
             <a:r>
               <a:rPr lang="en-US" altLang="ko-KR" sz="2000" b="1" dirty="0" smtClean="0"/>
@@ -15347,7 +15229,6 @@
               <a:rPr lang="ko-KR" altLang="en-US" sz="2000" b="1" dirty="0" smtClean="0"/>
               <a:t>간단</a:t>
             </a:r>
-            <a:endParaRPr lang="en-US" altLang="ko-KR" sz="2000" b="1" dirty="0" smtClean="0"/>
           </a:p>
           <a:p>
             <a:pPr>
@@ -15364,51 +15245,13 @@
               <a:t>방법 </a:t>
             </a:r>
             <a:r>
-              <a:rPr lang="en-US" altLang="ko-KR" b="1" dirty="0"/>
-              <a:t>2</a:t>
+              <a:rPr lang="en-US" altLang="ko-KR" b="1" dirty="0" smtClean="0"/>
+              <a:t>1</a:t>
             </a:r>
             <a:endParaRPr lang="en-US" altLang="ko-KR" b="1" dirty="0" smtClean="0"/>
           </a:p>
         </p:txBody>
       </p:sp>
-      <p:pic>
-        <p:nvPicPr>
-          <p:cNvPr id="2" name="그림 1"/>
-          <p:cNvPicPr>
-            <a:picLocks noChangeAspect="1"/>
-          </p:cNvPicPr>
-          <p:nvPr/>
-        </p:nvPicPr>
-        <p:blipFill>
-          <a:blip r:embed="rId3">
-            <a:extLst>
-              <a:ext uri="{28A0092B-C50C-407E-A947-70E740481C1C}">
-                <a14:useLocalDpi xmlns:a14="http://schemas.microsoft.com/office/drawing/2010/main" val="0"/>
-              </a:ext>
-            </a:extLst>
-          </a:blip>
-          <a:stretch>
-            <a:fillRect/>
-          </a:stretch>
-        </p:blipFill>
-        <p:spPr>
-          <a:xfrm>
-            <a:off x="1313047" y="2060848"/>
-            <a:ext cx="7423922" cy="3934501"/>
-          </a:xfrm>
-          <a:prstGeom prst="rect">
-            <a:avLst/>
-          </a:prstGeom>
-          <a:ln>
-            <a:solidFill>
-              <a:schemeClr val="accent5">
-                <a:lumMod val="20000"/>
-                <a:lumOff val="80000"/>
-              </a:schemeClr>
-            </a:solidFill>
-          </a:ln>
-        </p:spPr>
-      </p:pic>
       <p:sp>
         <p:nvSpPr>
           <p:cNvPr id="13" name="모서리가 둥근 직사각형 12">
@@ -15423,8 +15266,8 @@
         </p:nvSpPr>
         <p:spPr>
           <a:xfrm>
-            <a:off x="1136576" y="3332689"/>
-            <a:ext cx="7776864" cy="653970"/>
+            <a:off x="1021170" y="2919720"/>
+            <a:ext cx="8252309" cy="869320"/>
           </a:xfrm>
           <a:prstGeom prst="roundRect">
             <a:avLst/>
@@ -15554,6 +15397,43 @@
           <a:chExt cx="0" cy="0"/>
         </a:xfrm>
       </p:grpSpPr>
+      <p:pic>
+        <p:nvPicPr>
+          <p:cNvPr id="2" name="그림 1"/>
+          <p:cNvPicPr>
+            <a:picLocks noChangeAspect="1"/>
+          </p:cNvPicPr>
+          <p:nvPr/>
+        </p:nvPicPr>
+        <p:blipFill>
+          <a:blip r:embed="rId3">
+            <a:extLst>
+              <a:ext uri="{28A0092B-C50C-407E-A947-70E740481C1C}">
+                <a14:useLocalDpi xmlns:a14="http://schemas.microsoft.com/office/drawing/2010/main" val="0"/>
+              </a:ext>
+            </a:extLst>
+          </a:blip>
+          <a:stretch>
+            <a:fillRect/>
+          </a:stretch>
+        </p:blipFill>
+        <p:spPr>
+          <a:xfrm>
+            <a:off x="813428" y="1996391"/>
+            <a:ext cx="8567175" cy="4423670"/>
+          </a:xfrm>
+          <a:prstGeom prst="rect">
+            <a:avLst/>
+          </a:prstGeom>
+          <a:ln>
+            <a:solidFill>
+              <a:schemeClr val="bg1">
+                <a:lumMod val="85000"/>
+              </a:schemeClr>
+            </a:solidFill>
+          </a:ln>
+        </p:spPr>
+      </p:pic>
       <p:sp>
         <p:nvSpPr>
           <p:cNvPr id="15" name="제목 5"/>
@@ -15565,7 +15445,7 @@
         <p:spPr>
           <a:xfrm>
             <a:off x="0" y="-27384"/>
-            <a:ext cx="7995338" cy="854968"/>
+            <a:ext cx="8337376" cy="854968"/>
           </a:xfrm>
           <a:prstGeom prst="rect">
             <a:avLst/>
@@ -15594,32 +15474,20 @@
               <a:rPr lang="en-US" altLang="ko-KR" dirty="0" smtClean="0"/>
               <a:t> </a:t>
             </a:r>
-            <a:r>
-              <a:rPr lang="ko-KR" altLang="en-US" dirty="0"/>
-              <a:t> </a:t>
-            </a:r>
-            <a:r>
-              <a:rPr lang="ko-KR" altLang="en-US" dirty="0" err="1" smtClean="0"/>
-              <a:t>서블릿</a:t>
-            </a:r>
-            <a:r>
-              <a:rPr lang="ko-KR" altLang="en-US" dirty="0" smtClean="0"/>
-              <a:t> 포워드 기능</a:t>
-            </a:r>
             <a:endParaRPr lang="ko-KR" altLang="en-US" dirty="0"/>
           </a:p>
         </p:txBody>
       </p:sp>
       <p:sp>
         <p:nvSpPr>
-          <p:cNvPr id="5" name="TextBox 4"/>
+          <p:cNvPr id="4" name="TextBox 3"/>
           <p:cNvSpPr txBox="1"/>
           <p:nvPr/>
         </p:nvSpPr>
         <p:spPr>
           <a:xfrm>
             <a:off x="776536" y="980728"/>
-            <a:ext cx="7272808" cy="969496"/>
+            <a:ext cx="8496944" cy="1015663"/>
           </a:xfrm>
           <a:prstGeom prst="rect">
             <a:avLst/>
@@ -15638,80 +15506,23 @@
               </a:lnSpc>
             </a:pPr>
             <a:r>
+              <a:rPr lang="en-US" altLang="ko-KR" sz="2000" b="1" dirty="0" smtClean="0"/>
+              <a:t>GET</a:t>
+            </a:r>
+            <a:r>
               <a:rPr lang="ko-KR" altLang="en-US" sz="2000" b="1" dirty="0" smtClean="0"/>
-              <a:t>포워드</a:t>
+              <a:t>방식과 </a:t>
             </a:r>
             <a:r>
               <a:rPr lang="en-US" altLang="ko-KR" sz="2000" b="1" dirty="0" smtClean="0"/>
-              <a:t>(forward) </a:t>
+              <a:t>POST </a:t>
             </a:r>
             <a:r>
               <a:rPr lang="ko-KR" altLang="en-US" sz="2000" b="1" dirty="0" smtClean="0"/>
-              <a:t>기능</a:t>
+              <a:t>방식 요청 동시에 처리하기</a:t>
             </a:r>
             <a:endParaRPr lang="en-US" altLang="ko-KR" sz="2000" b="1" dirty="0" smtClean="0"/>
           </a:p>
-          <a:p>
-            <a:pPr marL="285750" indent="-285750">
-              <a:lnSpc>
-                <a:spcPct val="150000"/>
-              </a:lnSpc>
-              <a:buFont typeface="Arial" panose="020B0604020202020204" pitchFamily="34" charset="0"/>
-              <a:buChar char="•"/>
-            </a:pPr>
-            <a:r>
-              <a:rPr lang="ko-KR" altLang="en-US" dirty="0" smtClean="0"/>
-              <a:t>하나의 </a:t>
-            </a:r>
-            <a:r>
-              <a:rPr lang="ko-KR" altLang="en-US" dirty="0" err="1" smtClean="0"/>
-              <a:t>서블릿에서</a:t>
-            </a:r>
-            <a:r>
-              <a:rPr lang="ko-KR" altLang="en-US" dirty="0" smtClean="0"/>
-              <a:t> 다른 </a:t>
-            </a:r>
-            <a:r>
-              <a:rPr lang="ko-KR" altLang="en-US" dirty="0" err="1" smtClean="0"/>
-              <a:t>서블릿이나</a:t>
-            </a:r>
-            <a:r>
-              <a:rPr lang="ko-KR" altLang="en-US" dirty="0" smtClean="0"/>
-              <a:t> </a:t>
-            </a:r>
-            <a:r>
-              <a:rPr lang="en-US" altLang="ko-KR" dirty="0" smtClean="0"/>
-              <a:t>JSP</a:t>
-            </a:r>
-            <a:r>
-              <a:rPr lang="ko-KR" altLang="en-US" dirty="0" smtClean="0"/>
-              <a:t>와 연동하는 방법</a:t>
-            </a:r>
-            <a:endParaRPr lang="en-US" altLang="ko-KR" dirty="0" smtClean="0"/>
-          </a:p>
-        </p:txBody>
-      </p:sp>
-      <p:sp>
-        <p:nvSpPr>
-          <p:cNvPr id="7" name="TextBox 6"/>
-          <p:cNvSpPr txBox="1"/>
-          <p:nvPr/>
-        </p:nvSpPr>
-        <p:spPr>
-          <a:xfrm>
-            <a:off x="776536" y="1988840"/>
-            <a:ext cx="7272808" cy="1384995"/>
-          </a:xfrm>
-          <a:prstGeom prst="rect">
-            <a:avLst/>
-          </a:prstGeom>
-          <a:noFill/>
-        </p:spPr>
-        <p:txBody>
-          <a:bodyPr wrap="square" rtlCol="0">
-            <a:spAutoFit/>
-          </a:bodyPr>
-          <a:lstStyle/>
           <a:p>
             <a:pPr>
               <a:lnSpc>
@@ -15719,341 +15530,55 @@
               </a:lnSpc>
             </a:pPr>
             <a:r>
-              <a:rPr lang="ko-KR" altLang="en-US" sz="2000" b="1" dirty="0" smtClean="0"/>
-              <a:t>포워드</a:t>
+              <a:rPr lang="en-US" altLang="ko-KR" sz="2000" b="1" dirty="0"/>
+              <a:t>- </a:t>
+            </a:r>
+            <a:r>
+              <a:rPr lang="ko-KR" altLang="en-US" sz="2000" b="1" dirty="0"/>
+              <a:t>방법 </a:t>
             </a:r>
             <a:r>
               <a:rPr lang="en-US" altLang="ko-KR" sz="2000" b="1" dirty="0" smtClean="0"/>
-              <a:t>(forward) </a:t>
-            </a:r>
-            <a:r>
-              <a:rPr lang="ko-KR" altLang="en-US" sz="2000" b="1" dirty="0" smtClean="0"/>
-              <a:t>기능이 사용되는 용도</a:t>
-            </a:r>
-            <a:endParaRPr lang="en-US" altLang="ko-KR" sz="2000" b="1" dirty="0" smtClean="0"/>
-          </a:p>
-          <a:p>
-            <a:pPr marL="285750" indent="-285750">
-              <a:lnSpc>
-                <a:spcPct val="150000"/>
-              </a:lnSpc>
-              <a:buFont typeface="Wingdings" panose="05000000000000000000" pitchFamily="2" charset="2"/>
-              <a:buChar char="§"/>
-            </a:pPr>
-            <a:r>
-              <a:rPr lang="ko-KR" altLang="en-US" dirty="0" smtClean="0"/>
-              <a:t>요청</a:t>
-            </a:r>
-            <a:r>
-              <a:rPr lang="en-US" altLang="ko-KR" dirty="0" smtClean="0"/>
-              <a:t>(request)</a:t>
-            </a:r>
-            <a:r>
-              <a:rPr lang="ko-KR" altLang="en-US" dirty="0" smtClean="0"/>
-              <a:t>에 대한 추가 작업을 다른 </a:t>
-            </a:r>
-            <a:r>
-              <a:rPr lang="ko-KR" altLang="en-US" dirty="0" err="1" smtClean="0"/>
-              <a:t>서블릿에게</a:t>
-            </a:r>
-            <a:r>
-              <a:rPr lang="ko-KR" altLang="en-US" dirty="0" smtClean="0"/>
-              <a:t> </a:t>
-            </a:r>
-            <a:r>
-              <a:rPr lang="ko-KR" altLang="en-US" dirty="0" err="1" smtClean="0"/>
-              <a:t>수행하게함</a:t>
-            </a:r>
-            <a:endParaRPr lang="en-US" altLang="ko-KR" dirty="0" smtClean="0"/>
-          </a:p>
-          <a:p>
-            <a:pPr marL="285750" indent="-285750">
-              <a:lnSpc>
-                <a:spcPct val="150000"/>
-              </a:lnSpc>
-              <a:buFont typeface="Wingdings" panose="05000000000000000000" pitchFamily="2" charset="2"/>
-              <a:buChar char="§"/>
-            </a:pPr>
-            <a:r>
-              <a:rPr lang="ko-KR" altLang="en-US" dirty="0" smtClean="0"/>
-              <a:t>요청에 대한 정보를 포함시켜 다른 </a:t>
-            </a:r>
-            <a:r>
-              <a:rPr lang="ko-KR" altLang="en-US" dirty="0" err="1" smtClean="0"/>
-              <a:t>서블릿에게</a:t>
-            </a:r>
-            <a:r>
-              <a:rPr lang="ko-KR" altLang="en-US" dirty="0" smtClean="0"/>
-              <a:t> 전달할 수 있음</a:t>
-            </a:r>
-            <a:endParaRPr lang="en-US" altLang="ko-KR" dirty="0" smtClean="0"/>
-          </a:p>
-        </p:txBody>
-      </p:sp>
-      <p:sp>
-        <p:nvSpPr>
-          <p:cNvPr id="8" name="TextBox 7"/>
-          <p:cNvSpPr txBox="1"/>
-          <p:nvPr/>
-        </p:nvSpPr>
-        <p:spPr>
-          <a:xfrm>
-            <a:off x="776536" y="3429000"/>
-            <a:ext cx="8352928" cy="2215991"/>
-          </a:xfrm>
-          <a:prstGeom prst="rect">
+              <a:t>2</a:t>
+            </a:r>
+            <a:endParaRPr lang="en-US" altLang="ko-KR" sz="2000" b="1" dirty="0"/>
+          </a:p>
+        </p:txBody>
+      </p:sp>
+      <p:sp>
+        <p:nvSpPr>
+          <p:cNvPr id="13" name="모서리가 둥근 직사각형 12">
+            <a:extLst>
+              <a:ext uri="{FF2B5EF4-FFF2-40B4-BE49-F238E27FC236}">
+                <a16:creationId xmlns:a16="http://schemas.microsoft.com/office/drawing/2014/main" id="{792DA8B4-17B2-454B-97AC-17311A4832C5}"/>
+              </a:ext>
+            </a:extLst>
+          </p:cNvPr>
+          <p:cNvSpPr/>
+          <p:nvPr/>
+        </p:nvSpPr>
+        <p:spPr>
+          <a:xfrm>
+            <a:off x="776536" y="4797152"/>
+            <a:ext cx="8784976" cy="1800200"/>
+          </a:xfrm>
+          <a:prstGeom prst="roundRect">
             <a:avLst/>
           </a:prstGeom>
           <a:noFill/>
-        </p:spPr>
-        <p:txBody>
-          <a:bodyPr wrap="square" rtlCol="0">
-            <a:spAutoFit/>
-          </a:bodyPr>
-          <a:lstStyle/>
-          <a:p>
-            <a:pPr>
-              <a:lnSpc>
-                <a:spcPct val="150000"/>
-              </a:lnSpc>
-            </a:pPr>
-            <a:r>
-              <a:rPr lang="ko-KR" altLang="en-US" sz="2000" b="1" dirty="0" smtClean="0"/>
-              <a:t>포워드 방법</a:t>
-            </a:r>
-            <a:endParaRPr lang="en-US" altLang="ko-KR" sz="2000" b="1" dirty="0" smtClean="0"/>
-          </a:p>
-          <a:p>
-            <a:pPr marL="342900" indent="-342900">
-              <a:lnSpc>
-                <a:spcPct val="150000"/>
-              </a:lnSpc>
-              <a:buFont typeface="+mj-lt"/>
-              <a:buAutoNum type="arabicPeriod"/>
-            </a:pPr>
-            <a:r>
-              <a:rPr lang="en-US" altLang="ko-KR" dirty="0" smtClean="0"/>
-              <a:t>redirect </a:t>
-            </a:r>
-            <a:r>
-              <a:rPr lang="ko-KR" altLang="en-US" dirty="0" smtClean="0"/>
-              <a:t>방법 </a:t>
-            </a:r>
-            <a:r>
-              <a:rPr lang="en-US" altLang="ko-KR" dirty="0" smtClean="0"/>
-              <a:t>– </a:t>
-            </a:r>
-            <a:r>
-              <a:rPr lang="en-US" altLang="ko-KR" dirty="0" err="1" smtClean="0"/>
-              <a:t>HttpServletResponse</a:t>
-            </a:r>
-            <a:r>
-              <a:rPr lang="en-US" altLang="ko-KR" dirty="0" smtClean="0"/>
-              <a:t> </a:t>
-            </a:r>
-            <a:r>
-              <a:rPr lang="ko-KR" altLang="en-US" dirty="0" smtClean="0"/>
-              <a:t>객체의 </a:t>
-            </a:r>
-            <a:r>
-              <a:rPr lang="en-US" altLang="ko-KR" dirty="0" err="1" smtClean="0"/>
-              <a:t>sendRedirect</a:t>
-            </a:r>
-            <a:r>
-              <a:rPr lang="en-US" altLang="ko-KR" dirty="0" smtClean="0"/>
-              <a:t>() </a:t>
-            </a:r>
-            <a:r>
-              <a:rPr lang="ko-KR" altLang="en-US" dirty="0" err="1" smtClean="0"/>
-              <a:t>메서드</a:t>
-            </a:r>
-            <a:r>
-              <a:rPr lang="ko-KR" altLang="en-US" dirty="0" smtClean="0"/>
-              <a:t> 이용</a:t>
-            </a:r>
-            <a:endParaRPr lang="en-US" altLang="ko-KR" dirty="0" smtClean="0"/>
-          </a:p>
-          <a:p>
-            <a:pPr marL="342900" indent="-342900">
-              <a:lnSpc>
-                <a:spcPct val="150000"/>
-              </a:lnSpc>
-              <a:buFont typeface="+mj-lt"/>
-              <a:buAutoNum type="arabicPeriod"/>
-            </a:pPr>
-            <a:r>
-              <a:rPr lang="en-US" altLang="ko-KR" dirty="0" smtClean="0"/>
-              <a:t>Refresh </a:t>
-            </a:r>
-            <a:r>
-              <a:rPr lang="ko-KR" altLang="en-US" dirty="0" smtClean="0"/>
-              <a:t>방법 </a:t>
-            </a:r>
-            <a:r>
-              <a:rPr lang="en-US" altLang="ko-KR" dirty="0" smtClean="0"/>
-              <a:t>- </a:t>
-            </a:r>
-            <a:r>
-              <a:rPr lang="en-US" altLang="ko-KR" dirty="0" err="1"/>
-              <a:t>HttpServletResponse</a:t>
-            </a:r>
-            <a:r>
-              <a:rPr lang="en-US" altLang="ko-KR" dirty="0"/>
-              <a:t> </a:t>
-            </a:r>
-            <a:r>
-              <a:rPr lang="ko-KR" altLang="en-US" dirty="0"/>
-              <a:t>객체의 </a:t>
-            </a:r>
-            <a:r>
-              <a:rPr lang="en-US" altLang="ko-KR" dirty="0" err="1" smtClean="0"/>
-              <a:t>addHeader</a:t>
-            </a:r>
-            <a:r>
-              <a:rPr lang="en-US" altLang="ko-KR" dirty="0" smtClean="0"/>
-              <a:t>() </a:t>
-            </a:r>
-            <a:r>
-              <a:rPr lang="ko-KR" altLang="en-US" dirty="0" err="1"/>
-              <a:t>메서드</a:t>
-            </a:r>
-            <a:r>
-              <a:rPr lang="ko-KR" altLang="en-US" dirty="0"/>
-              <a:t> </a:t>
-            </a:r>
-            <a:r>
-              <a:rPr lang="ko-KR" altLang="en-US" dirty="0" smtClean="0"/>
-              <a:t>이용</a:t>
-            </a:r>
-            <a:endParaRPr lang="en-US" altLang="ko-KR" dirty="0" smtClean="0"/>
-          </a:p>
-          <a:p>
-            <a:pPr marL="342900" indent="-342900">
-              <a:lnSpc>
-                <a:spcPct val="150000"/>
-              </a:lnSpc>
-              <a:buFont typeface="+mj-lt"/>
-              <a:buAutoNum type="arabicPeriod"/>
-            </a:pPr>
-            <a:r>
-              <a:rPr lang="en-US" altLang="ko-KR" dirty="0" smtClean="0"/>
-              <a:t>location </a:t>
-            </a:r>
-            <a:r>
-              <a:rPr lang="ko-KR" altLang="en-US" dirty="0" smtClean="0"/>
-              <a:t>방법 </a:t>
-            </a:r>
-            <a:r>
-              <a:rPr lang="en-US" altLang="ko-KR" dirty="0" smtClean="0"/>
-              <a:t>– </a:t>
-            </a:r>
-            <a:r>
-              <a:rPr lang="ko-KR" altLang="en-US" dirty="0" smtClean="0"/>
-              <a:t>자바스크립트 </a:t>
-            </a:r>
-            <a:r>
-              <a:rPr lang="en-US" altLang="ko-KR" dirty="0" smtClean="0"/>
-              <a:t>location </a:t>
-            </a:r>
-            <a:r>
-              <a:rPr lang="ko-KR" altLang="en-US" dirty="0" smtClean="0"/>
-              <a:t>객체의 </a:t>
-            </a:r>
-            <a:r>
-              <a:rPr lang="en-US" altLang="ko-KR" dirty="0" err="1" smtClean="0"/>
-              <a:t>href</a:t>
-            </a:r>
-            <a:r>
-              <a:rPr lang="en-US" altLang="ko-KR" dirty="0" smtClean="0"/>
-              <a:t> </a:t>
-            </a:r>
-            <a:r>
-              <a:rPr lang="ko-KR" altLang="en-US" dirty="0" smtClean="0"/>
-              <a:t>속성을 이용</a:t>
-            </a:r>
-            <a:endParaRPr lang="en-US" altLang="ko-KR" dirty="0" smtClean="0"/>
-          </a:p>
-          <a:p>
-            <a:pPr marL="342900" indent="-342900">
-              <a:lnSpc>
-                <a:spcPct val="150000"/>
-              </a:lnSpc>
-              <a:buFont typeface="+mj-lt"/>
-              <a:buAutoNum type="arabicPeriod"/>
-            </a:pPr>
-            <a:r>
-              <a:rPr lang="en-US" altLang="ko-KR" dirty="0" err="1"/>
-              <a:t>d</a:t>
-            </a:r>
-            <a:r>
-              <a:rPr lang="en-US" altLang="ko-KR" dirty="0" err="1" smtClean="0"/>
-              <a:t>spatch</a:t>
-            </a:r>
-            <a:r>
-              <a:rPr lang="en-US" altLang="ko-KR" dirty="0" smtClean="0"/>
-              <a:t> </a:t>
-            </a:r>
-            <a:r>
-              <a:rPr lang="ko-KR" altLang="en-US" dirty="0" smtClean="0"/>
-              <a:t>방법 </a:t>
-            </a:r>
-            <a:r>
-              <a:rPr lang="en-US" altLang="ko-KR" dirty="0" smtClean="0"/>
-              <a:t>– </a:t>
-            </a:r>
-            <a:r>
-              <a:rPr lang="en-US" altLang="ko-KR" dirty="0" err="1" smtClean="0"/>
-              <a:t>RequestDispatcher</a:t>
-            </a:r>
-            <a:r>
-              <a:rPr lang="en-US" altLang="ko-KR" dirty="0" smtClean="0"/>
-              <a:t> </a:t>
-            </a:r>
-            <a:r>
-              <a:rPr lang="ko-KR" altLang="en-US" dirty="0" smtClean="0"/>
-              <a:t>클래스의 </a:t>
-            </a:r>
-            <a:r>
-              <a:rPr lang="en-US" altLang="ko-KR" dirty="0" smtClean="0"/>
-              <a:t>forward() </a:t>
-            </a:r>
-            <a:r>
-              <a:rPr lang="ko-KR" altLang="en-US" dirty="0" err="1" smtClean="0"/>
-              <a:t>메서드</a:t>
-            </a:r>
-            <a:r>
-              <a:rPr lang="ko-KR" altLang="en-US" dirty="0" smtClean="0"/>
-              <a:t> 이용</a:t>
-            </a:r>
-            <a:endParaRPr lang="en-US" altLang="ko-KR" dirty="0" smtClean="0"/>
-          </a:p>
-        </p:txBody>
-      </p:sp>
-      <p:sp>
-        <p:nvSpPr>
-          <p:cNvPr id="4" name="모서리가 둥근 직사각형 3"/>
-          <p:cNvSpPr/>
-          <p:nvPr/>
-        </p:nvSpPr>
-        <p:spPr>
-          <a:xfrm>
-            <a:off x="1136576" y="5746847"/>
-            <a:ext cx="7992888" cy="360040"/>
-          </a:xfrm>
-          <a:prstGeom prst="roundRect">
-            <a:avLst/>
-          </a:prstGeom>
-          <a:ln/>
+          <a:ln>
+            <a:prstDash val="sysDash"/>
+          </a:ln>
         </p:spPr>
         <p:style>
           <a:lnRef idx="2">
-            <a:schemeClr val="accent1"/>
+            <a:schemeClr val="accent2"/>
           </a:lnRef>
           <a:fillRef idx="1">
             <a:schemeClr val="lt1"/>
           </a:fillRef>
           <a:effectRef idx="0">
-            <a:schemeClr val="accent1"/>
+            <a:schemeClr val="accent2"/>
           </a:effectRef>
           <a:fontRef idx="minor">
             <a:schemeClr val="dk1"/>
@@ -16064,45 +15589,65 @@
           <a:lstStyle/>
           <a:p>
             <a:pPr algn="ctr"/>
+            <a:endParaRPr lang="ko-KR" altLang="en-US" sz="1300" dirty="0">
+              <a:solidFill>
+                <a:sysClr val="windowText" lastClr="000000"/>
+              </a:solidFill>
+            </a:endParaRPr>
+          </a:p>
+        </p:txBody>
+      </p:sp>
+      <p:sp>
+        <p:nvSpPr>
+          <p:cNvPr id="7" name="제목 5"/>
+          <p:cNvSpPr txBox="1">
+            <a:spLocks/>
+          </p:cNvSpPr>
+          <p:nvPr/>
+        </p:nvSpPr>
+        <p:spPr>
+          <a:xfrm>
+            <a:off x="152400" y="-27384"/>
+            <a:ext cx="8337376" cy="854968"/>
+          </a:xfrm>
+          <a:prstGeom prst="rect">
+            <a:avLst/>
+          </a:prstGeom>
+        </p:spPr>
+        <p:txBody>
+          <a:bodyPr anchor="ctr" anchorCtr="0"/>
+          <a:lstStyle>
+            <a:lvl1pPr algn="l" defTabSz="914400" rtl="0" eaLnBrk="1" latinLnBrk="1" hangingPunct="1">
+              <a:spcBef>
+                <a:spcPct val="0"/>
+              </a:spcBef>
+              <a:buNone/>
+              <a:defRPr sz="3200" kern="1200">
+                <a:solidFill>
+                  <a:schemeClr val="bg1"/>
+                </a:solidFill>
+                <a:latin typeface="HY헤드라인M" panose="02030600000101010101" pitchFamily="18" charset="-127"/>
+                <a:ea typeface="HY헤드라인M" panose="02030600000101010101" pitchFamily="18" charset="-127"/>
+                <a:cs typeface="+mj-cs"/>
+              </a:defRPr>
+            </a:lvl1pPr>
+          </a:lstStyle>
+          <a:p>
             <a:r>
               <a:rPr lang="en-US" altLang="ko-KR" dirty="0" smtClean="0"/>
-              <a:t>1,2,3</a:t>
+              <a:t> GET</a:t>
             </a:r>
             <a:r>
               <a:rPr lang="ko-KR" altLang="en-US" dirty="0" smtClean="0"/>
-              <a:t>은 브라우저가 </a:t>
-            </a:r>
-            <a:r>
-              <a:rPr lang="ko-KR" altLang="en-US" dirty="0" err="1" smtClean="0"/>
-              <a:t>재요청하는</a:t>
+              <a:t>방식과 </a:t>
+            </a:r>
+            <a:r>
+              <a:rPr lang="en-US" altLang="ko-KR" dirty="0" smtClean="0"/>
+              <a:t>POST </a:t>
             </a:r>
             <a:r>
               <a:rPr lang="ko-KR" altLang="en-US" dirty="0" smtClean="0"/>
-              <a:t> 방식이고</a:t>
-            </a:r>
-            <a:r>
-              <a:rPr lang="en-US" altLang="ko-KR" dirty="0" smtClean="0"/>
-              <a:t>,</a:t>
-            </a:r>
-            <a:r>
-              <a:rPr lang="ko-KR" altLang="en-US" dirty="0" smtClean="0"/>
-              <a:t> </a:t>
-            </a:r>
-            <a:r>
-              <a:rPr lang="en-US" altLang="ko-KR" dirty="0" smtClean="0"/>
-              <a:t>4</a:t>
-            </a:r>
-            <a:r>
-              <a:rPr lang="ko-KR" altLang="en-US" dirty="0" smtClean="0"/>
-              <a:t>는 </a:t>
-            </a:r>
-            <a:r>
-              <a:rPr lang="ko-KR" altLang="en-US" dirty="0" err="1" smtClean="0"/>
-              <a:t>서블릿이</a:t>
-            </a:r>
-            <a:r>
-              <a:rPr lang="ko-KR" altLang="en-US" dirty="0" smtClean="0"/>
-              <a:t> 직접 요청하는 방식</a:t>
+              <a:t>방식으로 동시 처리</a:t>
             </a:r>
             <a:endParaRPr lang="ko-KR" altLang="en-US" dirty="0"/>
           </a:p>
@@ -16111,7 +15656,7 @@
     </p:spTree>
     <p:extLst>
       <p:ext uri="{BB962C8B-B14F-4D97-AF65-F5344CB8AC3E}">
-        <p14:creationId xmlns:p14="http://schemas.microsoft.com/office/powerpoint/2010/main" val="3255409032"/>
+        <p14:creationId xmlns:p14="http://schemas.microsoft.com/office/powerpoint/2010/main" val="1026214474"/>
       </p:ext>
     </p:extLst>
   </p:cSld>
@@ -16209,8 +15754,8 @@
         </p:nvSpPr>
         <p:spPr>
           <a:xfrm>
-            <a:off x="1070900" y="1124744"/>
-            <a:ext cx="3744416" cy="507831"/>
+            <a:off x="776536" y="980728"/>
+            <a:ext cx="7272808" cy="969496"/>
           </a:xfrm>
           <a:prstGeom prst="rect">
             <a:avLst/>
@@ -16227,6 +15772,770 @@
               <a:lnSpc>
                 <a:spcPct val="150000"/>
               </a:lnSpc>
+            </a:pPr>
+            <a:r>
+              <a:rPr lang="ko-KR" altLang="en-US" sz="2000" b="1" dirty="0" smtClean="0"/>
+              <a:t>포워드</a:t>
+            </a:r>
+            <a:r>
+              <a:rPr lang="en-US" altLang="ko-KR" sz="2000" b="1" dirty="0" smtClean="0"/>
+              <a:t>(forward) </a:t>
+            </a:r>
+            <a:r>
+              <a:rPr lang="ko-KR" altLang="en-US" sz="2000" b="1" dirty="0" smtClean="0"/>
+              <a:t>기능</a:t>
+            </a:r>
+            <a:endParaRPr lang="en-US" altLang="ko-KR" sz="2000" b="1" dirty="0" smtClean="0"/>
+          </a:p>
+          <a:p>
+            <a:pPr marL="285750" indent="-285750">
+              <a:lnSpc>
+                <a:spcPct val="150000"/>
+              </a:lnSpc>
+              <a:buFont typeface="Arial" panose="020B0604020202020204" pitchFamily="34" charset="0"/>
+              <a:buChar char="•"/>
+            </a:pPr>
+            <a:r>
+              <a:rPr lang="ko-KR" altLang="en-US" dirty="0" smtClean="0"/>
+              <a:t>하나의 </a:t>
+            </a:r>
+            <a:r>
+              <a:rPr lang="ko-KR" altLang="en-US" dirty="0" err="1" smtClean="0"/>
+              <a:t>서블릿에서</a:t>
+            </a:r>
+            <a:r>
+              <a:rPr lang="ko-KR" altLang="en-US" dirty="0" smtClean="0"/>
+              <a:t> 다른 </a:t>
+            </a:r>
+            <a:r>
+              <a:rPr lang="ko-KR" altLang="en-US" dirty="0" err="1" smtClean="0"/>
+              <a:t>서블릿이나</a:t>
+            </a:r>
+            <a:r>
+              <a:rPr lang="ko-KR" altLang="en-US" dirty="0" smtClean="0"/>
+              <a:t> </a:t>
+            </a:r>
+            <a:r>
+              <a:rPr lang="en-US" altLang="ko-KR" dirty="0" smtClean="0"/>
+              <a:t>JSP</a:t>
+            </a:r>
+            <a:r>
+              <a:rPr lang="ko-KR" altLang="en-US" dirty="0" smtClean="0"/>
+              <a:t>와 연동하는 방법</a:t>
+            </a:r>
+            <a:endParaRPr lang="en-US" altLang="ko-KR" dirty="0" smtClean="0"/>
+          </a:p>
+        </p:txBody>
+      </p:sp>
+      <p:sp>
+        <p:nvSpPr>
+          <p:cNvPr id="7" name="TextBox 6"/>
+          <p:cNvSpPr txBox="1"/>
+          <p:nvPr/>
+        </p:nvSpPr>
+        <p:spPr>
+          <a:xfrm>
+            <a:off x="776536" y="1988840"/>
+            <a:ext cx="7272808" cy="1384995"/>
+          </a:xfrm>
+          <a:prstGeom prst="rect">
+            <a:avLst/>
+          </a:prstGeom>
+          <a:noFill/>
+        </p:spPr>
+        <p:txBody>
+          <a:bodyPr wrap="square" rtlCol="0">
+            <a:spAutoFit/>
+          </a:bodyPr>
+          <a:lstStyle/>
+          <a:p>
+            <a:pPr>
+              <a:lnSpc>
+                <a:spcPct val="150000"/>
+              </a:lnSpc>
+            </a:pPr>
+            <a:r>
+              <a:rPr lang="ko-KR" altLang="en-US" sz="2000" b="1" dirty="0" smtClean="0"/>
+              <a:t>포워드</a:t>
+            </a:r>
+            <a:r>
+              <a:rPr lang="en-US" altLang="ko-KR" sz="2000" b="1" dirty="0" smtClean="0"/>
+              <a:t>(forward) </a:t>
+            </a:r>
+            <a:r>
+              <a:rPr lang="ko-KR" altLang="en-US" sz="2000" b="1" dirty="0" smtClean="0"/>
+              <a:t>기능이 사용되는 용도</a:t>
+            </a:r>
+            <a:endParaRPr lang="en-US" altLang="ko-KR" sz="2000" b="1" dirty="0" smtClean="0"/>
+          </a:p>
+          <a:p>
+            <a:pPr marL="285750" indent="-285750">
+              <a:lnSpc>
+                <a:spcPct val="150000"/>
+              </a:lnSpc>
+              <a:buFont typeface="Wingdings" panose="05000000000000000000" pitchFamily="2" charset="2"/>
+              <a:buChar char="§"/>
+            </a:pPr>
+            <a:r>
+              <a:rPr lang="ko-KR" altLang="en-US" dirty="0" smtClean="0"/>
+              <a:t>요청</a:t>
+            </a:r>
+            <a:r>
+              <a:rPr lang="en-US" altLang="ko-KR" dirty="0" smtClean="0"/>
+              <a:t>(request)</a:t>
+            </a:r>
+            <a:r>
+              <a:rPr lang="ko-KR" altLang="en-US" dirty="0" smtClean="0"/>
+              <a:t>에 대한 추가 작업을 다른 </a:t>
+            </a:r>
+            <a:r>
+              <a:rPr lang="ko-KR" altLang="en-US" dirty="0" err="1" smtClean="0"/>
+              <a:t>서블릿에게</a:t>
+            </a:r>
+            <a:r>
+              <a:rPr lang="ko-KR" altLang="en-US" dirty="0" smtClean="0"/>
+              <a:t> </a:t>
+            </a:r>
+            <a:r>
+              <a:rPr lang="ko-KR" altLang="en-US" dirty="0" err="1" smtClean="0"/>
+              <a:t>수행하게함</a:t>
+            </a:r>
+            <a:endParaRPr lang="en-US" altLang="ko-KR" dirty="0" smtClean="0"/>
+          </a:p>
+          <a:p>
+            <a:pPr marL="285750" indent="-285750">
+              <a:lnSpc>
+                <a:spcPct val="150000"/>
+              </a:lnSpc>
+              <a:buFont typeface="Wingdings" panose="05000000000000000000" pitchFamily="2" charset="2"/>
+              <a:buChar char="§"/>
+            </a:pPr>
+            <a:r>
+              <a:rPr lang="ko-KR" altLang="en-US" dirty="0" smtClean="0"/>
+              <a:t>요청에 대한 정보를 포함시켜 다른 </a:t>
+            </a:r>
+            <a:r>
+              <a:rPr lang="ko-KR" altLang="en-US" dirty="0" err="1" smtClean="0"/>
+              <a:t>서블릿에게</a:t>
+            </a:r>
+            <a:r>
+              <a:rPr lang="ko-KR" altLang="en-US" dirty="0" smtClean="0"/>
+              <a:t> 전달할 수 있음</a:t>
+            </a:r>
+            <a:endParaRPr lang="en-US" altLang="ko-KR" dirty="0" smtClean="0"/>
+          </a:p>
+        </p:txBody>
+      </p:sp>
+      <p:sp>
+        <p:nvSpPr>
+          <p:cNvPr id="8" name="TextBox 7"/>
+          <p:cNvSpPr txBox="1"/>
+          <p:nvPr/>
+        </p:nvSpPr>
+        <p:spPr>
+          <a:xfrm>
+            <a:off x="776536" y="3429000"/>
+            <a:ext cx="8352928" cy="2215991"/>
+          </a:xfrm>
+          <a:prstGeom prst="rect">
+            <a:avLst/>
+          </a:prstGeom>
+          <a:noFill/>
+        </p:spPr>
+        <p:txBody>
+          <a:bodyPr wrap="square" rtlCol="0">
+            <a:spAutoFit/>
+          </a:bodyPr>
+          <a:lstStyle/>
+          <a:p>
+            <a:pPr>
+              <a:lnSpc>
+                <a:spcPct val="150000"/>
+              </a:lnSpc>
+            </a:pPr>
+            <a:r>
+              <a:rPr lang="ko-KR" altLang="en-US" sz="2000" b="1" dirty="0" smtClean="0"/>
+              <a:t>포워드 방법</a:t>
+            </a:r>
+            <a:endParaRPr lang="en-US" altLang="ko-KR" sz="2000" b="1" dirty="0" smtClean="0"/>
+          </a:p>
+          <a:p>
+            <a:pPr marL="342900" indent="-342900">
+              <a:lnSpc>
+                <a:spcPct val="150000"/>
+              </a:lnSpc>
+              <a:buFont typeface="+mj-lt"/>
+              <a:buAutoNum type="arabicPeriod"/>
+            </a:pPr>
+            <a:r>
+              <a:rPr lang="en-US" altLang="ko-KR" dirty="0" smtClean="0"/>
+              <a:t>redirect </a:t>
+            </a:r>
+            <a:r>
+              <a:rPr lang="ko-KR" altLang="en-US" dirty="0" smtClean="0"/>
+              <a:t>방법 </a:t>
+            </a:r>
+            <a:r>
+              <a:rPr lang="en-US" altLang="ko-KR" dirty="0" smtClean="0"/>
+              <a:t>– </a:t>
+            </a:r>
+            <a:r>
+              <a:rPr lang="en-US" altLang="ko-KR" dirty="0" err="1" smtClean="0"/>
+              <a:t>HttpServletResponse</a:t>
+            </a:r>
+            <a:r>
+              <a:rPr lang="en-US" altLang="ko-KR" dirty="0" smtClean="0"/>
+              <a:t> </a:t>
+            </a:r>
+            <a:r>
+              <a:rPr lang="ko-KR" altLang="en-US" dirty="0" smtClean="0"/>
+              <a:t>객체의 </a:t>
+            </a:r>
+            <a:r>
+              <a:rPr lang="en-US" altLang="ko-KR" dirty="0" err="1" smtClean="0"/>
+              <a:t>sendRedirect</a:t>
+            </a:r>
+            <a:r>
+              <a:rPr lang="en-US" altLang="ko-KR" dirty="0" smtClean="0"/>
+              <a:t>() </a:t>
+            </a:r>
+            <a:r>
+              <a:rPr lang="ko-KR" altLang="en-US" dirty="0" err="1" smtClean="0"/>
+              <a:t>메서드</a:t>
+            </a:r>
+            <a:r>
+              <a:rPr lang="ko-KR" altLang="en-US" dirty="0" smtClean="0"/>
+              <a:t> 이용</a:t>
+            </a:r>
+            <a:endParaRPr lang="en-US" altLang="ko-KR" dirty="0" smtClean="0"/>
+          </a:p>
+          <a:p>
+            <a:pPr marL="342900" indent="-342900">
+              <a:lnSpc>
+                <a:spcPct val="150000"/>
+              </a:lnSpc>
+              <a:buFont typeface="+mj-lt"/>
+              <a:buAutoNum type="arabicPeriod"/>
+            </a:pPr>
+            <a:r>
+              <a:rPr lang="en-US" altLang="ko-KR" dirty="0" smtClean="0"/>
+              <a:t>Refresh </a:t>
+            </a:r>
+            <a:r>
+              <a:rPr lang="ko-KR" altLang="en-US" dirty="0" smtClean="0"/>
+              <a:t>방법 </a:t>
+            </a:r>
+            <a:r>
+              <a:rPr lang="en-US" altLang="ko-KR" dirty="0" smtClean="0"/>
+              <a:t>- </a:t>
+            </a:r>
+            <a:r>
+              <a:rPr lang="en-US" altLang="ko-KR" dirty="0" err="1"/>
+              <a:t>HttpServletResponse</a:t>
+            </a:r>
+            <a:r>
+              <a:rPr lang="en-US" altLang="ko-KR" dirty="0"/>
+              <a:t> </a:t>
+            </a:r>
+            <a:r>
+              <a:rPr lang="ko-KR" altLang="en-US" dirty="0"/>
+              <a:t>객체의 </a:t>
+            </a:r>
+            <a:r>
+              <a:rPr lang="en-US" altLang="ko-KR" dirty="0" err="1" smtClean="0"/>
+              <a:t>addHeader</a:t>
+            </a:r>
+            <a:r>
+              <a:rPr lang="en-US" altLang="ko-KR" dirty="0" smtClean="0"/>
+              <a:t>() </a:t>
+            </a:r>
+            <a:r>
+              <a:rPr lang="ko-KR" altLang="en-US" dirty="0" err="1"/>
+              <a:t>메서드</a:t>
+            </a:r>
+            <a:r>
+              <a:rPr lang="ko-KR" altLang="en-US" dirty="0"/>
+              <a:t> </a:t>
+            </a:r>
+            <a:r>
+              <a:rPr lang="ko-KR" altLang="en-US" dirty="0" smtClean="0"/>
+              <a:t>이용</a:t>
+            </a:r>
+            <a:endParaRPr lang="en-US" altLang="ko-KR" dirty="0" smtClean="0"/>
+          </a:p>
+          <a:p>
+            <a:pPr marL="342900" indent="-342900">
+              <a:lnSpc>
+                <a:spcPct val="150000"/>
+              </a:lnSpc>
+              <a:buFont typeface="+mj-lt"/>
+              <a:buAutoNum type="arabicPeriod"/>
+            </a:pPr>
+            <a:r>
+              <a:rPr lang="en-US" altLang="ko-KR" dirty="0" smtClean="0"/>
+              <a:t>location </a:t>
+            </a:r>
+            <a:r>
+              <a:rPr lang="ko-KR" altLang="en-US" dirty="0" smtClean="0"/>
+              <a:t>방법 </a:t>
+            </a:r>
+            <a:r>
+              <a:rPr lang="en-US" altLang="ko-KR" dirty="0" smtClean="0"/>
+              <a:t>– </a:t>
+            </a:r>
+            <a:r>
+              <a:rPr lang="ko-KR" altLang="en-US" dirty="0" smtClean="0"/>
+              <a:t>자바스크립트 </a:t>
+            </a:r>
+            <a:r>
+              <a:rPr lang="en-US" altLang="ko-KR" dirty="0" smtClean="0"/>
+              <a:t>location </a:t>
+            </a:r>
+            <a:r>
+              <a:rPr lang="ko-KR" altLang="en-US" dirty="0" smtClean="0"/>
+              <a:t>객체의 </a:t>
+            </a:r>
+            <a:r>
+              <a:rPr lang="en-US" altLang="ko-KR" dirty="0" err="1" smtClean="0"/>
+              <a:t>href</a:t>
+            </a:r>
+            <a:r>
+              <a:rPr lang="en-US" altLang="ko-KR" dirty="0" smtClean="0"/>
+              <a:t> </a:t>
+            </a:r>
+            <a:r>
+              <a:rPr lang="ko-KR" altLang="en-US" dirty="0" smtClean="0"/>
+              <a:t>속성을 이용</a:t>
+            </a:r>
+            <a:endParaRPr lang="en-US" altLang="ko-KR" dirty="0" smtClean="0"/>
+          </a:p>
+          <a:p>
+            <a:pPr marL="342900" indent="-342900">
+              <a:lnSpc>
+                <a:spcPct val="150000"/>
+              </a:lnSpc>
+              <a:buFont typeface="+mj-lt"/>
+              <a:buAutoNum type="arabicPeriod"/>
+            </a:pPr>
+            <a:r>
+              <a:rPr lang="en-US" altLang="ko-KR" dirty="0" err="1"/>
+              <a:t>d</a:t>
+            </a:r>
+            <a:r>
+              <a:rPr lang="en-US" altLang="ko-KR" dirty="0" err="1" smtClean="0"/>
+              <a:t>spatch</a:t>
+            </a:r>
+            <a:r>
+              <a:rPr lang="en-US" altLang="ko-KR" dirty="0" smtClean="0"/>
+              <a:t> </a:t>
+            </a:r>
+            <a:r>
+              <a:rPr lang="ko-KR" altLang="en-US" dirty="0" smtClean="0"/>
+              <a:t>방법 </a:t>
+            </a:r>
+            <a:r>
+              <a:rPr lang="en-US" altLang="ko-KR" dirty="0" smtClean="0"/>
+              <a:t>– </a:t>
+            </a:r>
+            <a:r>
+              <a:rPr lang="en-US" altLang="ko-KR" dirty="0" err="1" smtClean="0"/>
+              <a:t>RequestDispatcher</a:t>
+            </a:r>
+            <a:r>
+              <a:rPr lang="en-US" altLang="ko-KR" dirty="0" smtClean="0"/>
+              <a:t> </a:t>
+            </a:r>
+            <a:r>
+              <a:rPr lang="ko-KR" altLang="en-US" dirty="0" smtClean="0"/>
+              <a:t>클래스의 </a:t>
+            </a:r>
+            <a:r>
+              <a:rPr lang="en-US" altLang="ko-KR" dirty="0" smtClean="0"/>
+              <a:t>forward() </a:t>
+            </a:r>
+            <a:r>
+              <a:rPr lang="ko-KR" altLang="en-US" dirty="0" err="1" smtClean="0"/>
+              <a:t>메서드</a:t>
+            </a:r>
+            <a:r>
+              <a:rPr lang="ko-KR" altLang="en-US" dirty="0" smtClean="0"/>
+              <a:t> 이용</a:t>
+            </a:r>
+            <a:endParaRPr lang="en-US" altLang="ko-KR" dirty="0" smtClean="0"/>
+          </a:p>
+        </p:txBody>
+      </p:sp>
+      <p:sp>
+        <p:nvSpPr>
+          <p:cNvPr id="4" name="모서리가 둥근 직사각형 3"/>
+          <p:cNvSpPr/>
+          <p:nvPr/>
+        </p:nvSpPr>
+        <p:spPr>
+          <a:xfrm>
+            <a:off x="1136576" y="5746847"/>
+            <a:ext cx="7992888" cy="360040"/>
+          </a:xfrm>
+          <a:prstGeom prst="roundRect">
+            <a:avLst/>
+          </a:prstGeom>
+          <a:ln/>
+        </p:spPr>
+        <p:style>
+          <a:lnRef idx="2">
+            <a:schemeClr val="accent1"/>
+          </a:lnRef>
+          <a:fillRef idx="1">
+            <a:schemeClr val="lt1"/>
+          </a:fillRef>
+          <a:effectRef idx="0">
+            <a:schemeClr val="accent1"/>
+          </a:effectRef>
+          <a:fontRef idx="minor">
+            <a:schemeClr val="dk1"/>
+          </a:fontRef>
+        </p:style>
+        <p:txBody>
+          <a:bodyPr rtlCol="0" anchor="ctr"/>
+          <a:lstStyle/>
+          <a:p>
+            <a:pPr algn="ctr"/>
+            <a:r>
+              <a:rPr lang="en-US" altLang="ko-KR" dirty="0" smtClean="0"/>
+              <a:t>1,2,3</a:t>
+            </a:r>
+            <a:r>
+              <a:rPr lang="ko-KR" altLang="en-US" dirty="0" smtClean="0"/>
+              <a:t>은 브라우저가 </a:t>
+            </a:r>
+            <a:r>
+              <a:rPr lang="ko-KR" altLang="en-US" dirty="0" err="1" smtClean="0"/>
+              <a:t>재요청하는</a:t>
+            </a:r>
+            <a:r>
+              <a:rPr lang="ko-KR" altLang="en-US" dirty="0" smtClean="0"/>
+              <a:t> 방식이고</a:t>
+            </a:r>
+            <a:r>
+              <a:rPr lang="en-US" altLang="ko-KR" dirty="0" smtClean="0"/>
+              <a:t>,</a:t>
+            </a:r>
+            <a:r>
+              <a:rPr lang="ko-KR" altLang="en-US" dirty="0" smtClean="0"/>
+              <a:t> </a:t>
+            </a:r>
+            <a:r>
+              <a:rPr lang="en-US" altLang="ko-KR" dirty="0" smtClean="0"/>
+              <a:t>4</a:t>
+            </a:r>
+            <a:r>
+              <a:rPr lang="ko-KR" altLang="en-US" dirty="0" smtClean="0"/>
+              <a:t>는 </a:t>
+            </a:r>
+            <a:r>
+              <a:rPr lang="ko-KR" altLang="en-US" dirty="0" err="1" smtClean="0"/>
+              <a:t>서블릿이</a:t>
+            </a:r>
+            <a:r>
+              <a:rPr lang="ko-KR" altLang="en-US" dirty="0" smtClean="0"/>
+              <a:t> 직접 요청하는 방식</a:t>
+            </a:r>
+            <a:endParaRPr lang="ko-KR" altLang="en-US" dirty="0"/>
+          </a:p>
+        </p:txBody>
+      </p:sp>
+    </p:spTree>
+    <p:extLst>
+      <p:ext uri="{BB962C8B-B14F-4D97-AF65-F5344CB8AC3E}">
+        <p14:creationId xmlns:p14="http://schemas.microsoft.com/office/powerpoint/2010/main" val="3255409032"/>
+      </p:ext>
+    </p:extLst>
+  </p:cSld>
+  <p:clrMapOvr>
+    <a:masterClrMapping/>
+  </p:clrMapOvr>
+  <p:timing>
+    <p:tnLst>
+      <p:par>
+        <p:cTn id="1" dur="indefinite" restart="never" nodeType="tmRoot"/>
+      </p:par>
+    </p:tnLst>
+  </p:timing>
+</p:sld>
+</file>
+
+<file path=ppt/slides/slide38.xml><?xml version="1.0" encoding="utf-8"?>
+<p:sld xmlns:a="http://schemas.openxmlformats.org/drawingml/2006/main" xmlns:r="http://schemas.openxmlformats.org/officeDocument/2006/relationships" xmlns:p="http://schemas.openxmlformats.org/presentationml/2006/main">
+  <p:cSld>
+    <p:spTree>
+      <p:nvGrpSpPr>
+        <p:cNvPr id="1" name=""/>
+        <p:cNvGrpSpPr/>
+        <p:nvPr/>
+      </p:nvGrpSpPr>
+      <p:grpSpPr>
+        <a:xfrm>
+          <a:off x="0" y="0"/>
+          <a:ext cx="0" cy="0"/>
+          <a:chOff x="0" y="0"/>
+          <a:chExt cx="0" cy="0"/>
+        </a:xfrm>
+      </p:grpSpPr>
+      <p:sp>
+        <p:nvSpPr>
+          <p:cNvPr id="15" name="제목 5"/>
+          <p:cNvSpPr txBox="1">
+            <a:spLocks/>
+          </p:cNvSpPr>
+          <p:nvPr/>
+        </p:nvSpPr>
+        <p:spPr>
+          <a:xfrm>
+            <a:off x="0" y="-27384"/>
+            <a:ext cx="7995338" cy="854968"/>
+          </a:xfrm>
+          <a:prstGeom prst="rect">
+            <a:avLst/>
+          </a:prstGeom>
+        </p:spPr>
+        <p:txBody>
+          <a:bodyPr anchor="ctr" anchorCtr="0"/>
+          <a:lstStyle>
+            <a:lvl1pPr algn="l" defTabSz="914400" rtl="0" eaLnBrk="1" latinLnBrk="1" hangingPunct="1">
+              <a:spcBef>
+                <a:spcPct val="0"/>
+              </a:spcBef>
+              <a:buNone/>
+              <a:defRPr sz="3200" kern="1200">
+                <a:solidFill>
+                  <a:schemeClr val="bg1"/>
+                </a:solidFill>
+                <a:latin typeface="HY헤드라인M" panose="02030600000101010101" pitchFamily="18" charset="-127"/>
+                <a:ea typeface="HY헤드라인M" panose="02030600000101010101" pitchFamily="18" charset="-127"/>
+                <a:cs typeface="+mj-cs"/>
+              </a:defRPr>
+            </a:lvl1pPr>
+          </a:lstStyle>
+          <a:p>
+            <a:r>
+              <a:rPr lang="en-US" altLang="ko-KR" dirty="0" smtClean="0"/>
+              <a:t> </a:t>
+            </a:r>
+            <a:r>
+              <a:rPr lang="ko-KR" altLang="en-US" dirty="0"/>
+              <a:t> </a:t>
+            </a:r>
+            <a:r>
+              <a:rPr lang="ko-KR" altLang="en-US" dirty="0" err="1" smtClean="0"/>
+              <a:t>서블릿</a:t>
+            </a:r>
+            <a:r>
+              <a:rPr lang="ko-KR" altLang="en-US" dirty="0" smtClean="0"/>
+              <a:t> 포워드 기능</a:t>
+            </a:r>
+            <a:endParaRPr lang="ko-KR" altLang="en-US" dirty="0"/>
+          </a:p>
+        </p:txBody>
+      </p:sp>
+      <p:sp>
+        <p:nvSpPr>
+          <p:cNvPr id="5" name="TextBox 4"/>
+          <p:cNvSpPr txBox="1"/>
+          <p:nvPr/>
+        </p:nvSpPr>
+        <p:spPr>
+          <a:xfrm>
+            <a:off x="1070900" y="1124744"/>
+            <a:ext cx="3744416" cy="454292"/>
+          </a:xfrm>
+          <a:prstGeom prst="rect">
+            <a:avLst/>
+          </a:prstGeom>
+          <a:noFill/>
+        </p:spPr>
+        <p:txBody>
+          <a:bodyPr wrap="square" rtlCol="0">
+            <a:spAutoFit/>
+          </a:bodyPr>
+          <a:lstStyle/>
+          <a:p>
+            <a:pPr marL="342900" indent="-342900">
+              <a:lnSpc>
+                <a:spcPct val="150000"/>
+              </a:lnSpc>
+              <a:buFont typeface="Wingdings" panose="05000000000000000000" pitchFamily="2" charset="2"/>
+              <a:buChar char="l"/>
+            </a:pPr>
+            <a:r>
+              <a:rPr lang="ko-KR" altLang="en-US" b="1" dirty="0" err="1" smtClean="0"/>
+              <a:t>서블릿</a:t>
+            </a:r>
+            <a:r>
+              <a:rPr lang="ko-KR" altLang="en-US" b="1" dirty="0" smtClean="0"/>
+              <a:t> 포워드 실습</a:t>
+            </a:r>
+            <a:endParaRPr lang="en-US" altLang="ko-KR" sz="1600" b="1" dirty="0" smtClean="0"/>
+          </a:p>
+        </p:txBody>
+      </p:sp>
+      <p:pic>
+        <p:nvPicPr>
+          <p:cNvPr id="2" name="그림 1"/>
+          <p:cNvPicPr>
+            <a:picLocks noChangeAspect="1"/>
+          </p:cNvPicPr>
+          <p:nvPr/>
+        </p:nvPicPr>
+        <p:blipFill>
+          <a:blip r:embed="rId2">
+            <a:extLst>
+              <a:ext uri="{28A0092B-C50C-407E-A947-70E740481C1C}">
+                <a14:useLocalDpi xmlns:a14="http://schemas.microsoft.com/office/drawing/2010/main" val="0"/>
+              </a:ext>
+            </a:extLst>
+          </a:blip>
+          <a:stretch>
+            <a:fillRect/>
+          </a:stretch>
+        </p:blipFill>
+        <p:spPr>
+          <a:xfrm>
+            <a:off x="1496616" y="1891612"/>
+            <a:ext cx="2956117" cy="2160240"/>
+          </a:xfrm>
+          <a:prstGeom prst="rect">
+            <a:avLst/>
+          </a:prstGeom>
+          <a:ln>
+            <a:solidFill>
+              <a:schemeClr val="bg1">
+                <a:lumMod val="85000"/>
+              </a:schemeClr>
+            </a:solidFill>
+          </a:ln>
+        </p:spPr>
+      </p:pic>
+    </p:spTree>
+    <p:extLst>
+      <p:ext uri="{BB962C8B-B14F-4D97-AF65-F5344CB8AC3E}">
+        <p14:creationId xmlns:p14="http://schemas.microsoft.com/office/powerpoint/2010/main" val="4091341866"/>
+      </p:ext>
+    </p:extLst>
+  </p:cSld>
+  <p:clrMapOvr>
+    <a:masterClrMapping/>
+  </p:clrMapOvr>
+  <p:timing>
+    <p:tnLst>
+      <p:par>
+        <p:cTn id="1" dur="indefinite" restart="never" nodeType="tmRoot"/>
+      </p:par>
+    </p:tnLst>
+  </p:timing>
+</p:sld>
+</file>
+
+<file path=ppt/slides/slide39.xml><?xml version="1.0" encoding="utf-8"?>
+<p:sld xmlns:a="http://schemas.openxmlformats.org/drawingml/2006/main" xmlns:r="http://schemas.openxmlformats.org/officeDocument/2006/relationships" xmlns:p="http://schemas.openxmlformats.org/presentationml/2006/main">
+  <p:cSld>
+    <p:spTree>
+      <p:nvGrpSpPr>
+        <p:cNvPr id="1" name=""/>
+        <p:cNvGrpSpPr/>
+        <p:nvPr/>
+      </p:nvGrpSpPr>
+      <p:grpSpPr>
+        <a:xfrm>
+          <a:off x="0" y="0"/>
+          <a:ext cx="0" cy="0"/>
+          <a:chOff x="0" y="0"/>
+          <a:chExt cx="0" cy="0"/>
+        </a:xfrm>
+      </p:grpSpPr>
+      <p:sp>
+        <p:nvSpPr>
+          <p:cNvPr id="15" name="제목 5"/>
+          <p:cNvSpPr txBox="1">
+            <a:spLocks/>
+          </p:cNvSpPr>
+          <p:nvPr/>
+        </p:nvSpPr>
+        <p:spPr>
+          <a:xfrm>
+            <a:off x="0" y="-27384"/>
+            <a:ext cx="7995338" cy="854968"/>
+          </a:xfrm>
+          <a:prstGeom prst="rect">
+            <a:avLst/>
+          </a:prstGeom>
+        </p:spPr>
+        <p:txBody>
+          <a:bodyPr anchor="ctr" anchorCtr="0"/>
+          <a:lstStyle>
+            <a:lvl1pPr algn="l" defTabSz="914400" rtl="0" eaLnBrk="1" latinLnBrk="1" hangingPunct="1">
+              <a:spcBef>
+                <a:spcPct val="0"/>
+              </a:spcBef>
+              <a:buNone/>
+              <a:defRPr sz="3200" kern="1200">
+                <a:solidFill>
+                  <a:schemeClr val="bg1"/>
+                </a:solidFill>
+                <a:latin typeface="HY헤드라인M" panose="02030600000101010101" pitchFamily="18" charset="-127"/>
+                <a:ea typeface="HY헤드라인M" panose="02030600000101010101" pitchFamily="18" charset="-127"/>
+                <a:cs typeface="+mj-cs"/>
+              </a:defRPr>
+            </a:lvl1pPr>
+          </a:lstStyle>
+          <a:p>
+            <a:r>
+              <a:rPr lang="en-US" altLang="ko-KR" dirty="0" smtClean="0"/>
+              <a:t> </a:t>
+            </a:r>
+            <a:r>
+              <a:rPr lang="ko-KR" altLang="en-US" dirty="0"/>
+              <a:t> </a:t>
+            </a:r>
+            <a:r>
+              <a:rPr lang="ko-KR" altLang="en-US" dirty="0" err="1" smtClean="0"/>
+              <a:t>서블릿</a:t>
+            </a:r>
+            <a:r>
+              <a:rPr lang="ko-KR" altLang="en-US" dirty="0" smtClean="0"/>
+              <a:t> 포워드 기능</a:t>
+            </a:r>
+            <a:endParaRPr lang="ko-KR" altLang="en-US" dirty="0"/>
+          </a:p>
+        </p:txBody>
+      </p:sp>
+      <p:sp>
+        <p:nvSpPr>
+          <p:cNvPr id="5" name="TextBox 4"/>
+          <p:cNvSpPr txBox="1"/>
+          <p:nvPr/>
+        </p:nvSpPr>
+        <p:spPr>
+          <a:xfrm>
+            <a:off x="1070900" y="1124744"/>
+            <a:ext cx="3744416" cy="454292"/>
+          </a:xfrm>
+          <a:prstGeom prst="rect">
+            <a:avLst/>
+          </a:prstGeom>
+          <a:noFill/>
+        </p:spPr>
+        <p:txBody>
+          <a:bodyPr wrap="square" rtlCol="0">
+            <a:spAutoFit/>
+          </a:bodyPr>
+          <a:lstStyle/>
+          <a:p>
+            <a:pPr marL="342900" indent="-342900">
+              <a:lnSpc>
+                <a:spcPct val="150000"/>
+              </a:lnSpc>
+              <a:buFont typeface="Wingdings" panose="05000000000000000000" pitchFamily="2" charset="2"/>
+              <a:buChar char="Ø"/>
             </a:pPr>
             <a:r>
               <a:rPr lang="en-US" altLang="ko-KR" b="1" dirty="0" smtClean="0"/>
@@ -16900,532 +17209,6 @@
 </p:sld>
 </file>
 
-<file path=ppt/slides/slide38.xml><?xml version="1.0" encoding="utf-8"?>
-<p:sld xmlns:a="http://schemas.openxmlformats.org/drawingml/2006/main" xmlns:r="http://schemas.openxmlformats.org/officeDocument/2006/relationships" xmlns:p="http://schemas.openxmlformats.org/presentationml/2006/main">
-  <p:cSld>
-    <p:spTree>
-      <p:nvGrpSpPr>
-        <p:cNvPr id="1" name=""/>
-        <p:cNvGrpSpPr/>
-        <p:nvPr/>
-      </p:nvGrpSpPr>
-      <p:grpSpPr>
-        <a:xfrm>
-          <a:off x="0" y="0"/>
-          <a:ext cx="0" cy="0"/>
-          <a:chOff x="0" y="0"/>
-          <a:chExt cx="0" cy="0"/>
-        </a:xfrm>
-      </p:grpSpPr>
-      <p:sp>
-        <p:nvSpPr>
-          <p:cNvPr id="15" name="제목 5"/>
-          <p:cNvSpPr txBox="1">
-            <a:spLocks/>
-          </p:cNvSpPr>
-          <p:nvPr/>
-        </p:nvSpPr>
-        <p:spPr>
-          <a:xfrm>
-            <a:off x="0" y="-27384"/>
-            <a:ext cx="7995338" cy="854968"/>
-          </a:xfrm>
-          <a:prstGeom prst="rect">
-            <a:avLst/>
-          </a:prstGeom>
-        </p:spPr>
-        <p:txBody>
-          <a:bodyPr anchor="ctr" anchorCtr="0"/>
-          <a:lstStyle>
-            <a:lvl1pPr algn="l" defTabSz="914400" rtl="0" eaLnBrk="1" latinLnBrk="1" hangingPunct="1">
-              <a:spcBef>
-                <a:spcPct val="0"/>
-              </a:spcBef>
-              <a:buNone/>
-              <a:defRPr sz="3200" kern="1200">
-                <a:solidFill>
-                  <a:schemeClr val="bg1"/>
-                </a:solidFill>
-                <a:latin typeface="HY헤드라인M" panose="02030600000101010101" pitchFamily="18" charset="-127"/>
-                <a:ea typeface="HY헤드라인M" panose="02030600000101010101" pitchFamily="18" charset="-127"/>
-                <a:cs typeface="+mj-cs"/>
-              </a:defRPr>
-            </a:lvl1pPr>
-          </a:lstStyle>
-          <a:p>
-            <a:r>
-              <a:rPr lang="en-US" altLang="ko-KR" dirty="0" smtClean="0"/>
-              <a:t> </a:t>
-            </a:r>
-            <a:r>
-              <a:rPr lang="ko-KR" altLang="en-US" dirty="0"/>
-              <a:t> </a:t>
-            </a:r>
-            <a:r>
-              <a:rPr lang="ko-KR" altLang="en-US" dirty="0" err="1" smtClean="0"/>
-              <a:t>서블릿</a:t>
-            </a:r>
-            <a:r>
-              <a:rPr lang="ko-KR" altLang="en-US" dirty="0" smtClean="0"/>
-              <a:t> 포워드 기능</a:t>
-            </a:r>
-            <a:endParaRPr lang="ko-KR" altLang="en-US" dirty="0"/>
-          </a:p>
-        </p:txBody>
-      </p:sp>
-      <p:sp>
-        <p:nvSpPr>
-          <p:cNvPr id="5" name="TextBox 4"/>
-          <p:cNvSpPr txBox="1"/>
-          <p:nvPr/>
-        </p:nvSpPr>
-        <p:spPr>
-          <a:xfrm>
-            <a:off x="992560" y="1192977"/>
-            <a:ext cx="2664296" cy="507831"/>
-          </a:xfrm>
-          <a:prstGeom prst="rect">
-            <a:avLst/>
-          </a:prstGeom>
-          <a:noFill/>
-        </p:spPr>
-        <p:txBody>
-          <a:bodyPr wrap="square" rtlCol="0">
-            <a:spAutoFit/>
-          </a:bodyPr>
-          <a:lstStyle/>
-          <a:p>
-            <a:pPr>
-              <a:lnSpc>
-                <a:spcPct val="150000"/>
-              </a:lnSpc>
-            </a:pPr>
-            <a:r>
-              <a:rPr lang="en-US" altLang="ko-KR" b="1" dirty="0"/>
-              <a:t> </a:t>
-            </a:r>
-            <a:r>
-              <a:rPr lang="en-US" altLang="ko-KR" b="1" dirty="0" smtClean="0"/>
-              <a:t> redirect </a:t>
-            </a:r>
-            <a:r>
-              <a:rPr lang="ko-KR" altLang="en-US" b="1" dirty="0" smtClean="0"/>
-              <a:t>방법 실</a:t>
-            </a:r>
-            <a:r>
-              <a:rPr lang="ko-KR" altLang="en-US" b="1" dirty="0"/>
-              <a:t>습</a:t>
-            </a:r>
-            <a:endParaRPr lang="en-US" altLang="ko-KR" sz="1600" b="1" dirty="0" smtClean="0"/>
-          </a:p>
-        </p:txBody>
-      </p:sp>
-      <p:pic>
-        <p:nvPicPr>
-          <p:cNvPr id="2" name="그림 1"/>
-          <p:cNvPicPr>
-            <a:picLocks noChangeAspect="1"/>
-          </p:cNvPicPr>
-          <p:nvPr/>
-        </p:nvPicPr>
-        <p:blipFill>
-          <a:blip r:embed="rId2">
-            <a:extLst>
-              <a:ext uri="{28A0092B-C50C-407E-A947-70E740481C1C}">
-                <a14:useLocalDpi xmlns:a14="http://schemas.microsoft.com/office/drawing/2010/main" val="0"/>
-              </a:ext>
-            </a:extLst>
-          </a:blip>
-          <a:stretch>
-            <a:fillRect/>
-          </a:stretch>
-        </p:blipFill>
-        <p:spPr>
-          <a:xfrm>
-            <a:off x="1276054" y="1992420"/>
-            <a:ext cx="3825572" cy="784928"/>
-          </a:xfrm>
-          <a:prstGeom prst="rect">
-            <a:avLst/>
-          </a:prstGeom>
-          <a:ln>
-            <a:solidFill>
-              <a:schemeClr val="bg1">
-                <a:lumMod val="85000"/>
-              </a:schemeClr>
-            </a:solidFill>
-          </a:ln>
-        </p:spPr>
-      </p:pic>
-      <p:pic>
-        <p:nvPicPr>
-          <p:cNvPr id="3" name="그림 2"/>
-          <p:cNvPicPr>
-            <a:picLocks noChangeAspect="1"/>
-          </p:cNvPicPr>
-          <p:nvPr/>
-        </p:nvPicPr>
-        <p:blipFill>
-          <a:blip r:embed="rId3">
-            <a:extLst>
-              <a:ext uri="{28A0092B-C50C-407E-A947-70E740481C1C}">
-                <a14:useLocalDpi xmlns:a14="http://schemas.microsoft.com/office/drawing/2010/main" val="0"/>
-              </a:ext>
-            </a:extLst>
-          </a:blip>
-          <a:stretch>
-            <a:fillRect/>
-          </a:stretch>
-        </p:blipFill>
-        <p:spPr>
-          <a:xfrm>
-            <a:off x="1276054" y="3093706"/>
-            <a:ext cx="7004931" cy="2216555"/>
-          </a:xfrm>
-          <a:prstGeom prst="rect">
-            <a:avLst/>
-          </a:prstGeom>
-          <a:ln>
-            <a:solidFill>
-              <a:schemeClr val="bg1">
-                <a:lumMod val="85000"/>
-              </a:schemeClr>
-            </a:solidFill>
-          </a:ln>
-        </p:spPr>
-      </p:pic>
-      <p:pic>
-        <p:nvPicPr>
-          <p:cNvPr id="4" name="그림 3"/>
-          <p:cNvPicPr>
-            <a:picLocks noChangeAspect="1"/>
-          </p:cNvPicPr>
-          <p:nvPr/>
-        </p:nvPicPr>
-        <p:blipFill rotWithShape="1">
-          <a:blip r:embed="rId4">
-            <a:extLst>
-              <a:ext uri="{28A0092B-C50C-407E-A947-70E740481C1C}">
-                <a14:useLocalDpi xmlns:a14="http://schemas.microsoft.com/office/drawing/2010/main" val="0"/>
-              </a:ext>
-            </a:extLst>
-          </a:blip>
-          <a:srcRect b="54787"/>
-          <a:stretch/>
-        </p:blipFill>
-        <p:spPr>
-          <a:xfrm>
-            <a:off x="6729130" y="4725144"/>
-            <a:ext cx="2253233" cy="1368152"/>
-          </a:xfrm>
-          <a:prstGeom prst="rect">
-            <a:avLst/>
-          </a:prstGeom>
-          <a:ln>
-            <a:solidFill>
-              <a:schemeClr val="bg1">
-                <a:lumMod val="85000"/>
-              </a:schemeClr>
-            </a:solidFill>
-          </a:ln>
-        </p:spPr>
-      </p:pic>
-      <p:sp>
-        <p:nvSpPr>
-          <p:cNvPr id="7" name="모서리가 둥근 직사각형 6">
-            <a:extLst>
-              <a:ext uri="{FF2B5EF4-FFF2-40B4-BE49-F238E27FC236}">
-                <a16:creationId xmlns:a16="http://schemas.microsoft.com/office/drawing/2014/main" id="{792DA8B4-17B2-454B-97AC-17311A4832C5}"/>
-              </a:ext>
-            </a:extLst>
-          </p:cNvPr>
-          <p:cNvSpPr/>
-          <p:nvPr/>
-        </p:nvSpPr>
-        <p:spPr>
-          <a:xfrm>
-            <a:off x="5101626" y="2234936"/>
-            <a:ext cx="2754120" cy="299896"/>
-          </a:xfrm>
-          <a:prstGeom prst="roundRect">
-            <a:avLst/>
-          </a:prstGeom>
-          <a:noFill/>
-        </p:spPr>
-        <p:style>
-          <a:lnRef idx="2">
-            <a:schemeClr val="accent2"/>
-          </a:lnRef>
-          <a:fillRef idx="1">
-            <a:schemeClr val="lt1"/>
-          </a:fillRef>
-          <a:effectRef idx="0">
-            <a:schemeClr val="accent2"/>
-          </a:effectRef>
-          <a:fontRef idx="minor">
-            <a:schemeClr val="dk1"/>
-          </a:fontRef>
-        </p:style>
-        <p:txBody>
-          <a:bodyPr rtlCol="0" anchor="ctr"/>
-          <a:lstStyle/>
-          <a:p>
-            <a:r>
-              <a:rPr lang="ko-KR" altLang="en-US" sz="1600" dirty="0" smtClean="0">
-                <a:solidFill>
-                  <a:sysClr val="windowText" lastClr="000000"/>
-                </a:solidFill>
-              </a:rPr>
-              <a:t>주소 표시줄에서 요청한다</a:t>
-            </a:r>
-            <a:r>
-              <a:rPr lang="en-US" altLang="ko-KR" sz="1600" dirty="0" smtClean="0">
-                <a:solidFill>
-                  <a:sysClr val="windowText" lastClr="000000"/>
-                </a:solidFill>
-              </a:rPr>
-              <a:t>.</a:t>
-            </a:r>
-          </a:p>
-        </p:txBody>
-      </p:sp>
-      <p:cxnSp>
-        <p:nvCxnSpPr>
-          <p:cNvPr id="9" name="직선 화살표 연결선 8"/>
-          <p:cNvCxnSpPr>
-            <a:stCxn id="7" idx="1"/>
-          </p:cNvCxnSpPr>
-          <p:nvPr/>
-        </p:nvCxnSpPr>
-        <p:spPr>
-          <a:xfrm flipH="1" flipV="1">
-            <a:off x="4524766" y="2234936"/>
-            <a:ext cx="576860" cy="149948"/>
-          </a:xfrm>
-          <a:prstGeom prst="straightConnector1">
-            <a:avLst/>
-          </a:prstGeom>
-          <a:ln w="9525">
-            <a:solidFill>
-              <a:srgbClr val="C00000"/>
-            </a:solidFill>
-            <a:prstDash val="solid"/>
-            <a:headEnd type="none" w="med" len="med"/>
-            <a:tailEnd type="triangle" w="med" len="med"/>
-          </a:ln>
-        </p:spPr>
-        <p:style>
-          <a:lnRef idx="1">
-            <a:schemeClr val="accent1"/>
-          </a:lnRef>
-          <a:fillRef idx="0">
-            <a:schemeClr val="accent1"/>
-          </a:fillRef>
-          <a:effectRef idx="0">
-            <a:schemeClr val="accent1"/>
-          </a:effectRef>
-          <a:fontRef idx="minor">
-            <a:schemeClr val="tx1"/>
-          </a:fontRef>
-        </p:style>
-      </p:cxnSp>
-    </p:spTree>
-    <p:extLst>
-      <p:ext uri="{BB962C8B-B14F-4D97-AF65-F5344CB8AC3E}">
-        <p14:creationId xmlns:p14="http://schemas.microsoft.com/office/powerpoint/2010/main" val="4227906072"/>
-      </p:ext>
-    </p:extLst>
-  </p:cSld>
-  <p:clrMapOvr>
-    <a:masterClrMapping/>
-  </p:clrMapOvr>
-  <p:timing>
-    <p:tnLst>
-      <p:par>
-        <p:cTn id="1" dur="indefinite" restart="never" nodeType="tmRoot"/>
-      </p:par>
-    </p:tnLst>
-  </p:timing>
-</p:sld>
-</file>
-
-<file path=ppt/slides/slide39.xml><?xml version="1.0" encoding="utf-8"?>
-<p:sld xmlns:a="http://schemas.openxmlformats.org/drawingml/2006/main" xmlns:r="http://schemas.openxmlformats.org/officeDocument/2006/relationships" xmlns:p="http://schemas.openxmlformats.org/presentationml/2006/main">
-  <p:cSld>
-    <p:spTree>
-      <p:nvGrpSpPr>
-        <p:cNvPr id="1" name=""/>
-        <p:cNvGrpSpPr/>
-        <p:nvPr/>
-      </p:nvGrpSpPr>
-      <p:grpSpPr>
-        <a:xfrm>
-          <a:off x="0" y="0"/>
-          <a:ext cx="0" cy="0"/>
-          <a:chOff x="0" y="0"/>
-          <a:chExt cx="0" cy="0"/>
-        </a:xfrm>
-      </p:grpSpPr>
-      <p:sp>
-        <p:nvSpPr>
-          <p:cNvPr id="15" name="제목 5"/>
-          <p:cNvSpPr txBox="1">
-            <a:spLocks/>
-          </p:cNvSpPr>
-          <p:nvPr/>
-        </p:nvSpPr>
-        <p:spPr>
-          <a:xfrm>
-            <a:off x="0" y="-27384"/>
-            <a:ext cx="7995338" cy="854968"/>
-          </a:xfrm>
-          <a:prstGeom prst="rect">
-            <a:avLst/>
-          </a:prstGeom>
-        </p:spPr>
-        <p:txBody>
-          <a:bodyPr anchor="ctr" anchorCtr="0"/>
-          <a:lstStyle>
-            <a:lvl1pPr algn="l" defTabSz="914400" rtl="0" eaLnBrk="1" latinLnBrk="1" hangingPunct="1">
-              <a:spcBef>
-                <a:spcPct val="0"/>
-              </a:spcBef>
-              <a:buNone/>
-              <a:defRPr sz="3200" kern="1200">
-                <a:solidFill>
-                  <a:schemeClr val="bg1"/>
-                </a:solidFill>
-                <a:latin typeface="HY헤드라인M" panose="02030600000101010101" pitchFamily="18" charset="-127"/>
-                <a:ea typeface="HY헤드라인M" panose="02030600000101010101" pitchFamily="18" charset="-127"/>
-                <a:cs typeface="+mj-cs"/>
-              </a:defRPr>
-            </a:lvl1pPr>
-          </a:lstStyle>
-          <a:p>
-            <a:r>
-              <a:rPr lang="en-US" altLang="ko-KR" dirty="0" smtClean="0"/>
-              <a:t> </a:t>
-            </a:r>
-            <a:r>
-              <a:rPr lang="ko-KR" altLang="en-US" dirty="0"/>
-              <a:t> </a:t>
-            </a:r>
-            <a:r>
-              <a:rPr lang="ko-KR" altLang="en-US" dirty="0" err="1" smtClean="0"/>
-              <a:t>서블릿</a:t>
-            </a:r>
-            <a:r>
-              <a:rPr lang="ko-KR" altLang="en-US" dirty="0" smtClean="0"/>
-              <a:t> 포워드 기능</a:t>
-            </a:r>
-            <a:endParaRPr lang="ko-KR" altLang="en-US" dirty="0"/>
-          </a:p>
-        </p:txBody>
-      </p:sp>
-      <p:sp>
-        <p:nvSpPr>
-          <p:cNvPr id="5" name="TextBox 4"/>
-          <p:cNvSpPr txBox="1"/>
-          <p:nvPr/>
-        </p:nvSpPr>
-        <p:spPr>
-          <a:xfrm>
-            <a:off x="992560" y="1192977"/>
-            <a:ext cx="2664296" cy="507831"/>
-          </a:xfrm>
-          <a:prstGeom prst="rect">
-            <a:avLst/>
-          </a:prstGeom>
-          <a:noFill/>
-        </p:spPr>
-        <p:txBody>
-          <a:bodyPr wrap="square" rtlCol="0">
-            <a:spAutoFit/>
-          </a:bodyPr>
-          <a:lstStyle/>
-          <a:p>
-            <a:pPr>
-              <a:lnSpc>
-                <a:spcPct val="150000"/>
-              </a:lnSpc>
-            </a:pPr>
-            <a:r>
-              <a:rPr lang="en-US" altLang="ko-KR" b="1" dirty="0"/>
-              <a:t> </a:t>
-            </a:r>
-            <a:r>
-              <a:rPr lang="en-US" altLang="ko-KR" b="1" dirty="0" smtClean="0"/>
-              <a:t>redirect </a:t>
-            </a:r>
-            <a:r>
-              <a:rPr lang="ko-KR" altLang="en-US" b="1" dirty="0" smtClean="0"/>
-              <a:t>방법 실</a:t>
-            </a:r>
-            <a:r>
-              <a:rPr lang="ko-KR" altLang="en-US" b="1" dirty="0"/>
-              <a:t>습</a:t>
-            </a:r>
-            <a:endParaRPr lang="en-US" altLang="ko-KR" sz="1600" b="1" dirty="0" smtClean="0"/>
-          </a:p>
-        </p:txBody>
-      </p:sp>
-      <p:pic>
-        <p:nvPicPr>
-          <p:cNvPr id="4" name="그림 3"/>
-          <p:cNvPicPr>
-            <a:picLocks noChangeAspect="1"/>
-          </p:cNvPicPr>
-          <p:nvPr/>
-        </p:nvPicPr>
-        <p:blipFill>
-          <a:blip r:embed="rId2">
-            <a:extLst>
-              <a:ext uri="{28A0092B-C50C-407E-A947-70E740481C1C}">
-                <a14:useLocalDpi xmlns:a14="http://schemas.microsoft.com/office/drawing/2010/main" val="0"/>
-              </a:ext>
-            </a:extLst>
-          </a:blip>
-          <a:stretch>
-            <a:fillRect/>
-          </a:stretch>
-        </p:blipFill>
-        <p:spPr>
-          <a:xfrm>
-            <a:off x="1146785" y="1916832"/>
-            <a:ext cx="7041491" cy="2994920"/>
-          </a:xfrm>
-          <a:prstGeom prst="rect">
-            <a:avLst/>
-          </a:prstGeom>
-          <a:ln>
-            <a:solidFill>
-              <a:schemeClr val="bg1">
-                <a:lumMod val="85000"/>
-              </a:schemeClr>
-            </a:solidFill>
-          </a:ln>
-        </p:spPr>
-      </p:pic>
-    </p:spTree>
-    <p:extLst>
-      <p:ext uri="{BB962C8B-B14F-4D97-AF65-F5344CB8AC3E}">
-        <p14:creationId xmlns:p14="http://schemas.microsoft.com/office/powerpoint/2010/main" val="3499166900"/>
-      </p:ext>
-    </p:extLst>
-  </p:cSld>
-  <p:clrMapOvr>
-    <a:masterClrMapping/>
-  </p:clrMapOvr>
-  <p:timing>
-    <p:tnLst>
-      <p:par>
-        <p:cTn id="1" dur="indefinite" restart="never" nodeType="tmRoot"/>
-      </p:par>
-    </p:tnLst>
-  </p:timing>
-</p:sld>
-</file>
-
 <file path=ppt/slides/slide4.xml><?xml version="1.0" encoding="utf-8"?>
 <p:sld xmlns:a="http://schemas.openxmlformats.org/drawingml/2006/main" xmlns:r="http://schemas.openxmlformats.org/officeDocument/2006/relationships" xmlns:p="http://schemas.openxmlformats.org/presentationml/2006/main">
   <p:cSld>
@@ -17985,8 +17768,8 @@
         </p:nvSpPr>
         <p:spPr>
           <a:xfrm>
-            <a:off x="1070900" y="1124744"/>
-            <a:ext cx="3744416" cy="507831"/>
+            <a:off x="992560" y="1192977"/>
+            <a:ext cx="2664296" cy="507831"/>
           </a:xfrm>
           <a:prstGeom prst="rect">
             <a:avLst/>
@@ -18003,6 +17786,697 @@
               <a:lnSpc>
                 <a:spcPct val="150000"/>
               </a:lnSpc>
+            </a:pPr>
+            <a:r>
+              <a:rPr lang="en-US" altLang="ko-KR" b="1" dirty="0"/>
+              <a:t> </a:t>
+            </a:r>
+            <a:r>
+              <a:rPr lang="en-US" altLang="ko-KR" b="1" dirty="0" smtClean="0"/>
+              <a:t> redirect </a:t>
+            </a:r>
+            <a:r>
+              <a:rPr lang="ko-KR" altLang="en-US" b="1" dirty="0" smtClean="0"/>
+              <a:t>방법 실</a:t>
+            </a:r>
+            <a:r>
+              <a:rPr lang="ko-KR" altLang="en-US" b="1" dirty="0"/>
+              <a:t>습</a:t>
+            </a:r>
+            <a:endParaRPr lang="en-US" altLang="ko-KR" sz="1600" b="1" dirty="0" smtClean="0"/>
+          </a:p>
+        </p:txBody>
+      </p:sp>
+      <p:sp>
+        <p:nvSpPr>
+          <p:cNvPr id="7" name="모서리가 둥근 직사각형 6">
+            <a:extLst>
+              <a:ext uri="{FF2B5EF4-FFF2-40B4-BE49-F238E27FC236}">
+                <a16:creationId xmlns:a16="http://schemas.microsoft.com/office/drawing/2014/main" id="{792DA8B4-17B2-454B-97AC-17311A4832C5}"/>
+              </a:ext>
+            </a:extLst>
+          </p:cNvPr>
+          <p:cNvSpPr/>
+          <p:nvPr/>
+        </p:nvSpPr>
+        <p:spPr>
+          <a:xfrm>
+            <a:off x="6467093" y="2555543"/>
+            <a:ext cx="3056490" cy="820337"/>
+          </a:xfrm>
+          <a:prstGeom prst="roundRect">
+            <a:avLst/>
+          </a:prstGeom>
+          <a:noFill/>
+        </p:spPr>
+        <p:style>
+          <a:lnRef idx="2">
+            <a:schemeClr val="accent2"/>
+          </a:lnRef>
+          <a:fillRef idx="1">
+            <a:schemeClr val="lt1"/>
+          </a:fillRef>
+          <a:effectRef idx="0">
+            <a:schemeClr val="accent2"/>
+          </a:effectRef>
+          <a:fontRef idx="minor">
+            <a:schemeClr val="dk1"/>
+          </a:fontRef>
+        </p:style>
+        <p:txBody>
+          <a:bodyPr rtlCol="0" anchor="ctr"/>
+          <a:lstStyle/>
+          <a:p>
+            <a:r>
+              <a:rPr lang="ko-KR" altLang="en-US" sz="1600" dirty="0" smtClean="0">
+                <a:solidFill>
+                  <a:sysClr val="windowText" lastClr="000000"/>
+                </a:solidFill>
+              </a:rPr>
+              <a:t>주소 </a:t>
+            </a:r>
+            <a:r>
+              <a:rPr lang="ko-KR" altLang="en-US" sz="1600" dirty="0" smtClean="0">
+                <a:solidFill>
+                  <a:sysClr val="windowText" lastClr="000000"/>
+                </a:solidFill>
+              </a:rPr>
+              <a:t>표시줄에 </a:t>
+            </a:r>
+            <a:r>
+              <a:rPr lang="en-US" altLang="ko-KR" sz="1600" dirty="0" smtClean="0">
+                <a:solidFill>
+                  <a:sysClr val="windowText" lastClr="000000"/>
+                </a:solidFill>
+              </a:rPr>
+              <a:t>/</a:t>
+            </a:r>
+            <a:r>
+              <a:rPr lang="en-US" altLang="ko-KR" sz="1600" dirty="0" err="1" smtClean="0">
+                <a:solidFill>
+                  <a:sysClr val="windowText" lastClr="000000"/>
+                </a:solidFill>
+              </a:rPr>
+              <a:t>dir</a:t>
+            </a:r>
+            <a:r>
+              <a:rPr lang="en-US" altLang="ko-KR" sz="1600" dirty="0" smtClean="0">
+                <a:solidFill>
+                  <a:sysClr val="windowText" lastClr="000000"/>
+                </a:solidFill>
+              </a:rPr>
+              <a:t>/first</a:t>
+            </a:r>
+            <a:r>
+              <a:rPr lang="ko-KR" altLang="en-US" sz="1600" dirty="0" smtClean="0">
+                <a:solidFill>
+                  <a:sysClr val="windowText" lastClr="000000"/>
+                </a:solidFill>
+              </a:rPr>
+              <a:t>로 요청</a:t>
+            </a:r>
+            <a:r>
+              <a:rPr lang="ko-KR" altLang="en-US" sz="1600" dirty="0" smtClean="0">
+                <a:solidFill>
+                  <a:sysClr val="windowText" lastClr="000000"/>
+                </a:solidFill>
+              </a:rPr>
+              <a:t>하면 </a:t>
+            </a:r>
+            <a:r>
+              <a:rPr lang="en-US" altLang="ko-KR" sz="1600" dirty="0" smtClean="0">
+                <a:solidFill>
+                  <a:sysClr val="windowText" lastClr="000000"/>
+                </a:solidFill>
+              </a:rPr>
+              <a:t>/</a:t>
+            </a:r>
+            <a:r>
+              <a:rPr lang="en-US" altLang="ko-KR" sz="1600" dirty="0" err="1" smtClean="0">
+                <a:solidFill>
+                  <a:sysClr val="windowText" lastClr="000000"/>
+                </a:solidFill>
+              </a:rPr>
+              <a:t>dir</a:t>
+            </a:r>
+            <a:r>
+              <a:rPr lang="en-US" altLang="ko-KR" sz="1600" dirty="0" smtClean="0">
+                <a:solidFill>
+                  <a:sysClr val="windowText" lastClr="000000"/>
+                </a:solidFill>
+              </a:rPr>
+              <a:t>/second</a:t>
+            </a:r>
+            <a:r>
+              <a:rPr lang="ko-KR" altLang="en-US" sz="1600" dirty="0" smtClean="0">
+                <a:solidFill>
+                  <a:sysClr val="windowText" lastClr="000000"/>
+                </a:solidFill>
+              </a:rPr>
+              <a:t>로 이동함</a:t>
+            </a:r>
+            <a:endParaRPr lang="en-US" altLang="ko-KR" sz="1600" dirty="0" smtClean="0">
+              <a:solidFill>
+                <a:sysClr val="windowText" lastClr="000000"/>
+              </a:solidFill>
+            </a:endParaRPr>
+          </a:p>
+        </p:txBody>
+      </p:sp>
+      <p:cxnSp>
+        <p:nvCxnSpPr>
+          <p:cNvPr id="9" name="직선 화살표 연결선 8"/>
+          <p:cNvCxnSpPr/>
+          <p:nvPr/>
+        </p:nvCxnSpPr>
+        <p:spPr>
+          <a:xfrm flipH="1" flipV="1">
+            <a:off x="6276323" y="2160045"/>
+            <a:ext cx="548885" cy="395498"/>
+          </a:xfrm>
+          <a:prstGeom prst="straightConnector1">
+            <a:avLst/>
+          </a:prstGeom>
+          <a:ln w="9525">
+            <a:solidFill>
+              <a:srgbClr val="C00000"/>
+            </a:solidFill>
+            <a:prstDash val="solid"/>
+            <a:headEnd type="none" w="med" len="med"/>
+            <a:tailEnd type="triangle" w="med" len="med"/>
+          </a:ln>
+        </p:spPr>
+        <p:style>
+          <a:lnRef idx="1">
+            <a:schemeClr val="accent1"/>
+          </a:lnRef>
+          <a:fillRef idx="0">
+            <a:schemeClr val="accent1"/>
+          </a:fillRef>
+          <a:effectRef idx="0">
+            <a:schemeClr val="accent1"/>
+          </a:effectRef>
+          <a:fontRef idx="minor">
+            <a:schemeClr val="tx1"/>
+          </a:fontRef>
+        </p:style>
+      </p:cxnSp>
+      <p:sp>
+        <p:nvSpPr>
+          <p:cNvPr id="11" name="모서리가 둥근 직사각형 10">
+            <a:extLst>
+              <a:ext uri="{FF2B5EF4-FFF2-40B4-BE49-F238E27FC236}">
+                <a16:creationId xmlns:a16="http://schemas.microsoft.com/office/drawing/2014/main" id="{792DA8B4-17B2-454B-97AC-17311A4832C5}"/>
+              </a:ext>
+            </a:extLst>
+          </p:cNvPr>
+          <p:cNvSpPr/>
+          <p:nvPr/>
+        </p:nvSpPr>
+        <p:spPr>
+          <a:xfrm>
+            <a:off x="1208584" y="3195860"/>
+            <a:ext cx="3222358" cy="360040"/>
+          </a:xfrm>
+          <a:prstGeom prst="roundRect">
+            <a:avLst/>
+          </a:prstGeom>
+          <a:noFill/>
+          <a:ln w="12700">
+            <a:solidFill>
+              <a:schemeClr val="tx1"/>
+            </a:solidFill>
+          </a:ln>
+        </p:spPr>
+        <p:style>
+          <a:lnRef idx="2">
+            <a:schemeClr val="accent2"/>
+          </a:lnRef>
+          <a:fillRef idx="1">
+            <a:schemeClr val="lt1"/>
+          </a:fillRef>
+          <a:effectRef idx="0">
+            <a:schemeClr val="accent2"/>
+          </a:effectRef>
+          <a:fontRef idx="minor">
+            <a:schemeClr val="dk1"/>
+          </a:fontRef>
+        </p:style>
+        <p:txBody>
+          <a:bodyPr rtlCol="0" anchor="ctr"/>
+          <a:lstStyle/>
+          <a:p>
+            <a:pPr algn="ctr"/>
+            <a:r>
+              <a:rPr lang="en-US" altLang="ko-KR" sz="1600" dirty="0" smtClean="0">
+                <a:solidFill>
+                  <a:sysClr val="windowText" lastClr="000000"/>
+                </a:solidFill>
+              </a:rPr>
+              <a:t>redirect/FirstServlet.java</a:t>
+            </a:r>
+            <a:endParaRPr lang="en-US" altLang="ko-KR" sz="1600" dirty="0" smtClean="0">
+              <a:solidFill>
+                <a:sysClr val="windowText" lastClr="000000"/>
+              </a:solidFill>
+            </a:endParaRPr>
+          </a:p>
+        </p:txBody>
+      </p:sp>
+      <p:pic>
+        <p:nvPicPr>
+          <p:cNvPr id="10" name="그림 9"/>
+          <p:cNvPicPr>
+            <a:picLocks noChangeAspect="1"/>
+          </p:cNvPicPr>
+          <p:nvPr/>
+        </p:nvPicPr>
+        <p:blipFill>
+          <a:blip r:embed="rId2">
+            <a:extLst>
+              <a:ext uri="{28A0092B-C50C-407E-A947-70E740481C1C}">
+                <a14:useLocalDpi xmlns:a14="http://schemas.microsoft.com/office/drawing/2010/main" val="0"/>
+              </a:ext>
+            </a:extLst>
+          </a:blip>
+          <a:stretch>
+            <a:fillRect/>
+          </a:stretch>
+        </p:blipFill>
+        <p:spPr>
+          <a:xfrm>
+            <a:off x="1280592" y="3717032"/>
+            <a:ext cx="7776439" cy="2109226"/>
+          </a:xfrm>
+          <a:prstGeom prst="rect">
+            <a:avLst/>
+          </a:prstGeom>
+          <a:ln>
+            <a:solidFill>
+              <a:schemeClr val="bg1">
+                <a:lumMod val="85000"/>
+              </a:schemeClr>
+            </a:solidFill>
+          </a:ln>
+        </p:spPr>
+      </p:pic>
+      <p:pic>
+        <p:nvPicPr>
+          <p:cNvPr id="12" name="그림 11"/>
+          <p:cNvPicPr>
+            <a:picLocks noChangeAspect="1"/>
+          </p:cNvPicPr>
+          <p:nvPr/>
+        </p:nvPicPr>
+        <p:blipFill>
+          <a:blip r:embed="rId3">
+            <a:extLst>
+              <a:ext uri="{28A0092B-C50C-407E-A947-70E740481C1C}">
+                <a14:useLocalDpi xmlns:a14="http://schemas.microsoft.com/office/drawing/2010/main" val="0"/>
+              </a:ext>
+            </a:extLst>
+          </a:blip>
+          <a:stretch>
+            <a:fillRect/>
+          </a:stretch>
+        </p:blipFill>
+        <p:spPr>
+          <a:xfrm>
+            <a:off x="1208584" y="1861940"/>
+            <a:ext cx="5067739" cy="922100"/>
+          </a:xfrm>
+          <a:prstGeom prst="rect">
+            <a:avLst/>
+          </a:prstGeom>
+          <a:ln>
+            <a:solidFill>
+              <a:schemeClr val="bg1">
+                <a:lumMod val="85000"/>
+              </a:schemeClr>
+            </a:solidFill>
+          </a:ln>
+        </p:spPr>
+      </p:pic>
+    </p:spTree>
+    <p:extLst>
+      <p:ext uri="{BB962C8B-B14F-4D97-AF65-F5344CB8AC3E}">
+        <p14:creationId xmlns:p14="http://schemas.microsoft.com/office/powerpoint/2010/main" val="4227906072"/>
+      </p:ext>
+    </p:extLst>
+  </p:cSld>
+  <p:clrMapOvr>
+    <a:masterClrMapping/>
+  </p:clrMapOvr>
+  <p:timing>
+    <p:tnLst>
+      <p:par>
+        <p:cTn id="1" dur="indefinite" restart="never" nodeType="tmRoot"/>
+      </p:par>
+    </p:tnLst>
+  </p:timing>
+</p:sld>
+</file>
+
+<file path=ppt/slides/slide41.xml><?xml version="1.0" encoding="utf-8"?>
+<p:sld xmlns:a="http://schemas.openxmlformats.org/drawingml/2006/main" xmlns:r="http://schemas.openxmlformats.org/officeDocument/2006/relationships" xmlns:p="http://schemas.openxmlformats.org/presentationml/2006/main">
+  <p:cSld>
+    <p:spTree>
+      <p:nvGrpSpPr>
+        <p:cNvPr id="1" name=""/>
+        <p:cNvGrpSpPr/>
+        <p:nvPr/>
+      </p:nvGrpSpPr>
+      <p:grpSpPr>
+        <a:xfrm>
+          <a:off x="0" y="0"/>
+          <a:ext cx="0" cy="0"/>
+          <a:chOff x="0" y="0"/>
+          <a:chExt cx="0" cy="0"/>
+        </a:xfrm>
+      </p:grpSpPr>
+      <p:sp>
+        <p:nvSpPr>
+          <p:cNvPr id="15" name="제목 5"/>
+          <p:cNvSpPr txBox="1">
+            <a:spLocks/>
+          </p:cNvSpPr>
+          <p:nvPr/>
+        </p:nvSpPr>
+        <p:spPr>
+          <a:xfrm>
+            <a:off x="0" y="-27384"/>
+            <a:ext cx="7995338" cy="854968"/>
+          </a:xfrm>
+          <a:prstGeom prst="rect">
+            <a:avLst/>
+          </a:prstGeom>
+        </p:spPr>
+        <p:txBody>
+          <a:bodyPr anchor="ctr" anchorCtr="0"/>
+          <a:lstStyle>
+            <a:lvl1pPr algn="l" defTabSz="914400" rtl="0" eaLnBrk="1" latinLnBrk="1" hangingPunct="1">
+              <a:spcBef>
+                <a:spcPct val="0"/>
+              </a:spcBef>
+              <a:buNone/>
+              <a:defRPr sz="3200" kern="1200">
+                <a:solidFill>
+                  <a:schemeClr val="bg1"/>
+                </a:solidFill>
+                <a:latin typeface="HY헤드라인M" panose="02030600000101010101" pitchFamily="18" charset="-127"/>
+                <a:ea typeface="HY헤드라인M" panose="02030600000101010101" pitchFamily="18" charset="-127"/>
+                <a:cs typeface="+mj-cs"/>
+              </a:defRPr>
+            </a:lvl1pPr>
+          </a:lstStyle>
+          <a:p>
+            <a:r>
+              <a:rPr lang="en-US" altLang="ko-KR" dirty="0" smtClean="0"/>
+              <a:t> </a:t>
+            </a:r>
+            <a:r>
+              <a:rPr lang="ko-KR" altLang="en-US" dirty="0"/>
+              <a:t> </a:t>
+            </a:r>
+            <a:r>
+              <a:rPr lang="ko-KR" altLang="en-US" dirty="0" err="1" smtClean="0"/>
+              <a:t>서블릿</a:t>
+            </a:r>
+            <a:r>
+              <a:rPr lang="ko-KR" altLang="en-US" dirty="0" smtClean="0"/>
+              <a:t> 포워드 기능</a:t>
+            </a:r>
+            <a:endParaRPr lang="ko-KR" altLang="en-US" dirty="0"/>
+          </a:p>
+        </p:txBody>
+      </p:sp>
+      <p:sp>
+        <p:nvSpPr>
+          <p:cNvPr id="5" name="TextBox 4"/>
+          <p:cNvSpPr txBox="1"/>
+          <p:nvPr/>
+        </p:nvSpPr>
+        <p:spPr>
+          <a:xfrm>
+            <a:off x="992560" y="1192977"/>
+            <a:ext cx="2664296" cy="507831"/>
+          </a:xfrm>
+          <a:prstGeom prst="rect">
+            <a:avLst/>
+          </a:prstGeom>
+          <a:noFill/>
+        </p:spPr>
+        <p:txBody>
+          <a:bodyPr wrap="square" rtlCol="0">
+            <a:spAutoFit/>
+          </a:bodyPr>
+          <a:lstStyle/>
+          <a:p>
+            <a:pPr>
+              <a:lnSpc>
+                <a:spcPct val="150000"/>
+              </a:lnSpc>
+            </a:pPr>
+            <a:r>
+              <a:rPr lang="en-US" altLang="ko-KR" b="1" dirty="0"/>
+              <a:t> </a:t>
+            </a:r>
+            <a:r>
+              <a:rPr lang="en-US" altLang="ko-KR" b="1" dirty="0" smtClean="0"/>
+              <a:t>redirect </a:t>
+            </a:r>
+            <a:r>
+              <a:rPr lang="ko-KR" altLang="en-US" b="1" dirty="0" smtClean="0"/>
+              <a:t>방법 실</a:t>
+            </a:r>
+            <a:r>
+              <a:rPr lang="ko-KR" altLang="en-US" b="1" dirty="0"/>
+              <a:t>습</a:t>
+            </a:r>
+            <a:endParaRPr lang="en-US" altLang="ko-KR" sz="1600" b="1" dirty="0" smtClean="0"/>
+          </a:p>
+        </p:txBody>
+      </p:sp>
+      <p:sp>
+        <p:nvSpPr>
+          <p:cNvPr id="6" name="모서리가 둥근 직사각형 5">
+            <a:extLst>
+              <a:ext uri="{FF2B5EF4-FFF2-40B4-BE49-F238E27FC236}">
+                <a16:creationId xmlns:a16="http://schemas.microsoft.com/office/drawing/2014/main" id="{792DA8B4-17B2-454B-97AC-17311A4832C5}"/>
+              </a:ext>
+            </a:extLst>
+          </p:cNvPr>
+          <p:cNvSpPr/>
+          <p:nvPr/>
+        </p:nvSpPr>
+        <p:spPr>
+          <a:xfrm>
+            <a:off x="4978088" y="1844824"/>
+            <a:ext cx="3222358" cy="360040"/>
+          </a:xfrm>
+          <a:prstGeom prst="roundRect">
+            <a:avLst/>
+          </a:prstGeom>
+          <a:noFill/>
+          <a:ln w="12700">
+            <a:solidFill>
+              <a:schemeClr val="tx1"/>
+            </a:solidFill>
+          </a:ln>
+        </p:spPr>
+        <p:style>
+          <a:lnRef idx="2">
+            <a:schemeClr val="accent2"/>
+          </a:lnRef>
+          <a:fillRef idx="1">
+            <a:schemeClr val="lt1"/>
+          </a:fillRef>
+          <a:effectRef idx="0">
+            <a:schemeClr val="accent2"/>
+          </a:effectRef>
+          <a:fontRef idx="minor">
+            <a:schemeClr val="dk1"/>
+          </a:fontRef>
+        </p:style>
+        <p:txBody>
+          <a:bodyPr rtlCol="0" anchor="ctr"/>
+          <a:lstStyle/>
+          <a:p>
+            <a:pPr algn="ctr"/>
+            <a:r>
+              <a:rPr lang="en-US" altLang="ko-KR" sz="1600" dirty="0" smtClean="0">
+                <a:solidFill>
+                  <a:sysClr val="windowText" lastClr="000000"/>
+                </a:solidFill>
+              </a:rPr>
+              <a:t>redirect/SecondServlet.java</a:t>
+            </a:r>
+            <a:endParaRPr lang="en-US" altLang="ko-KR" sz="1600" dirty="0" smtClean="0">
+              <a:solidFill>
+                <a:sysClr val="windowText" lastClr="000000"/>
+              </a:solidFill>
+            </a:endParaRPr>
+          </a:p>
+        </p:txBody>
+      </p:sp>
+      <p:pic>
+        <p:nvPicPr>
+          <p:cNvPr id="2" name="그림 1"/>
+          <p:cNvPicPr>
+            <a:picLocks noChangeAspect="1"/>
+          </p:cNvPicPr>
+          <p:nvPr/>
+        </p:nvPicPr>
+        <p:blipFill>
+          <a:blip r:embed="rId2">
+            <a:extLst>
+              <a:ext uri="{28A0092B-C50C-407E-A947-70E740481C1C}">
+                <a14:useLocalDpi xmlns:a14="http://schemas.microsoft.com/office/drawing/2010/main" val="0"/>
+              </a:ext>
+            </a:extLst>
+          </a:blip>
+          <a:stretch>
+            <a:fillRect/>
+          </a:stretch>
+        </p:blipFill>
+        <p:spPr>
+          <a:xfrm>
+            <a:off x="992560" y="2420888"/>
+            <a:ext cx="7992888" cy="3004626"/>
+          </a:xfrm>
+          <a:prstGeom prst="rect">
+            <a:avLst/>
+          </a:prstGeom>
+          <a:ln>
+            <a:solidFill>
+              <a:schemeClr val="bg1">
+                <a:lumMod val="85000"/>
+              </a:schemeClr>
+            </a:solidFill>
+          </a:ln>
+        </p:spPr>
+      </p:pic>
+    </p:spTree>
+    <p:extLst>
+      <p:ext uri="{BB962C8B-B14F-4D97-AF65-F5344CB8AC3E}">
+        <p14:creationId xmlns:p14="http://schemas.microsoft.com/office/powerpoint/2010/main" val="3499166900"/>
+      </p:ext>
+    </p:extLst>
+  </p:cSld>
+  <p:clrMapOvr>
+    <a:masterClrMapping/>
+  </p:clrMapOvr>
+  <p:timing>
+    <p:tnLst>
+      <p:par>
+        <p:cTn id="1" dur="indefinite" restart="never" nodeType="tmRoot"/>
+      </p:par>
+    </p:tnLst>
+  </p:timing>
+</p:sld>
+</file>
+
+<file path=ppt/slides/slide42.xml><?xml version="1.0" encoding="utf-8"?>
+<p:sld xmlns:a="http://schemas.openxmlformats.org/drawingml/2006/main" xmlns:r="http://schemas.openxmlformats.org/officeDocument/2006/relationships" xmlns:p="http://schemas.openxmlformats.org/presentationml/2006/main">
+  <p:cSld>
+    <p:spTree>
+      <p:nvGrpSpPr>
+        <p:cNvPr id="1" name=""/>
+        <p:cNvGrpSpPr/>
+        <p:nvPr/>
+      </p:nvGrpSpPr>
+      <p:grpSpPr>
+        <a:xfrm>
+          <a:off x="0" y="0"/>
+          <a:ext cx="0" cy="0"/>
+          <a:chOff x="0" y="0"/>
+          <a:chExt cx="0" cy="0"/>
+        </a:xfrm>
+      </p:grpSpPr>
+      <p:sp>
+        <p:nvSpPr>
+          <p:cNvPr id="15" name="제목 5"/>
+          <p:cNvSpPr txBox="1">
+            <a:spLocks/>
+          </p:cNvSpPr>
+          <p:nvPr/>
+        </p:nvSpPr>
+        <p:spPr>
+          <a:xfrm>
+            <a:off x="0" y="-27384"/>
+            <a:ext cx="7995338" cy="854968"/>
+          </a:xfrm>
+          <a:prstGeom prst="rect">
+            <a:avLst/>
+          </a:prstGeom>
+        </p:spPr>
+        <p:txBody>
+          <a:bodyPr anchor="ctr" anchorCtr="0"/>
+          <a:lstStyle>
+            <a:lvl1pPr algn="l" defTabSz="914400" rtl="0" eaLnBrk="1" latinLnBrk="1" hangingPunct="1">
+              <a:spcBef>
+                <a:spcPct val="0"/>
+              </a:spcBef>
+              <a:buNone/>
+              <a:defRPr sz="3200" kern="1200">
+                <a:solidFill>
+                  <a:schemeClr val="bg1"/>
+                </a:solidFill>
+                <a:latin typeface="HY헤드라인M" panose="02030600000101010101" pitchFamily="18" charset="-127"/>
+                <a:ea typeface="HY헤드라인M" panose="02030600000101010101" pitchFamily="18" charset="-127"/>
+                <a:cs typeface="+mj-cs"/>
+              </a:defRPr>
+            </a:lvl1pPr>
+          </a:lstStyle>
+          <a:p>
+            <a:r>
+              <a:rPr lang="en-US" altLang="ko-KR" dirty="0" smtClean="0"/>
+              <a:t> </a:t>
+            </a:r>
+            <a:r>
+              <a:rPr lang="ko-KR" altLang="en-US" dirty="0"/>
+              <a:t> </a:t>
+            </a:r>
+            <a:r>
+              <a:rPr lang="ko-KR" altLang="en-US" dirty="0" err="1" smtClean="0"/>
+              <a:t>서블릿</a:t>
+            </a:r>
+            <a:r>
+              <a:rPr lang="ko-KR" altLang="en-US" dirty="0" smtClean="0"/>
+              <a:t> 포워드 기능</a:t>
+            </a:r>
+            <a:endParaRPr lang="ko-KR" altLang="en-US" dirty="0"/>
+          </a:p>
+        </p:txBody>
+      </p:sp>
+      <p:sp>
+        <p:nvSpPr>
+          <p:cNvPr id="5" name="TextBox 4"/>
+          <p:cNvSpPr txBox="1"/>
+          <p:nvPr/>
+        </p:nvSpPr>
+        <p:spPr>
+          <a:xfrm>
+            <a:off x="1070900" y="1124744"/>
+            <a:ext cx="3744416" cy="454292"/>
+          </a:xfrm>
+          <a:prstGeom prst="rect">
+            <a:avLst/>
+          </a:prstGeom>
+          <a:noFill/>
+        </p:spPr>
+        <p:txBody>
+          <a:bodyPr wrap="square" rtlCol="0">
+            <a:spAutoFit/>
+          </a:bodyPr>
+          <a:lstStyle/>
+          <a:p>
+            <a:pPr marL="285750" indent="-285750">
+              <a:lnSpc>
+                <a:spcPct val="150000"/>
+              </a:lnSpc>
+              <a:buFont typeface="Wingdings" panose="05000000000000000000" pitchFamily="2" charset="2"/>
+              <a:buChar char="Ø"/>
             </a:pPr>
             <a:r>
               <a:rPr lang="en-US" altLang="ko-KR" b="1" dirty="0"/>
@@ -18549,7 +19023,7 @@
 </p:sld>
 </file>
 
-<file path=ppt/slides/slide41.xml><?xml version="1.0" encoding="utf-8"?>
+<file path=ppt/slides/slide43.xml><?xml version="1.0" encoding="utf-8"?>
 <p:sld xmlns:a="http://schemas.openxmlformats.org/drawingml/2006/main" xmlns:r="http://schemas.openxmlformats.org/officeDocument/2006/relationships" xmlns:p="http://schemas.openxmlformats.org/presentationml/2006/main">
   <p:cSld>
     <p:spTree>
@@ -18880,557 +19354,6 @@
     <p:extLst>
       <p:ext uri="{BB962C8B-B14F-4D97-AF65-F5344CB8AC3E}">
         <p14:creationId xmlns:p14="http://schemas.microsoft.com/office/powerpoint/2010/main" val="2266938998"/>
-      </p:ext>
-    </p:extLst>
-  </p:cSld>
-  <p:clrMapOvr>
-    <a:masterClrMapping/>
-  </p:clrMapOvr>
-  <p:timing>
-    <p:tnLst>
-      <p:par>
-        <p:cTn id="1" dur="indefinite" restart="never" nodeType="tmRoot"/>
-      </p:par>
-    </p:tnLst>
-  </p:timing>
-</p:sld>
-</file>
-
-<file path=ppt/slides/slide42.xml><?xml version="1.0" encoding="utf-8"?>
-<p:sld xmlns:a="http://schemas.openxmlformats.org/drawingml/2006/main" xmlns:r="http://schemas.openxmlformats.org/officeDocument/2006/relationships" xmlns:p="http://schemas.openxmlformats.org/presentationml/2006/main">
-  <p:cSld>
-    <p:spTree>
-      <p:nvGrpSpPr>
-        <p:cNvPr id="1" name=""/>
-        <p:cNvGrpSpPr/>
-        <p:nvPr/>
-      </p:nvGrpSpPr>
-      <p:grpSpPr>
-        <a:xfrm>
-          <a:off x="0" y="0"/>
-          <a:ext cx="0" cy="0"/>
-          <a:chOff x="0" y="0"/>
-          <a:chExt cx="0" cy="0"/>
-        </a:xfrm>
-      </p:grpSpPr>
-      <p:sp>
-        <p:nvSpPr>
-          <p:cNvPr id="15" name="제목 5"/>
-          <p:cNvSpPr txBox="1">
-            <a:spLocks/>
-          </p:cNvSpPr>
-          <p:nvPr/>
-        </p:nvSpPr>
-        <p:spPr>
-          <a:xfrm>
-            <a:off x="0" y="-27384"/>
-            <a:ext cx="7995338" cy="854968"/>
-          </a:xfrm>
-          <a:prstGeom prst="rect">
-            <a:avLst/>
-          </a:prstGeom>
-        </p:spPr>
-        <p:txBody>
-          <a:bodyPr anchor="ctr" anchorCtr="0"/>
-          <a:lstStyle>
-            <a:lvl1pPr algn="l" defTabSz="914400" rtl="0" eaLnBrk="1" latinLnBrk="1" hangingPunct="1">
-              <a:spcBef>
-                <a:spcPct val="0"/>
-              </a:spcBef>
-              <a:buNone/>
-              <a:defRPr sz="3200" kern="1200">
-                <a:solidFill>
-                  <a:schemeClr val="bg1"/>
-                </a:solidFill>
-                <a:latin typeface="HY헤드라인M" panose="02030600000101010101" pitchFamily="18" charset="-127"/>
-                <a:ea typeface="HY헤드라인M" panose="02030600000101010101" pitchFamily="18" charset="-127"/>
-                <a:cs typeface="+mj-cs"/>
-              </a:defRPr>
-            </a:lvl1pPr>
-          </a:lstStyle>
-          <a:p>
-            <a:r>
-              <a:rPr lang="en-US" altLang="ko-KR" dirty="0" smtClean="0"/>
-              <a:t> </a:t>
-            </a:r>
-            <a:r>
-              <a:rPr lang="ko-KR" altLang="en-US" dirty="0"/>
-              <a:t> </a:t>
-            </a:r>
-            <a:r>
-              <a:rPr lang="ko-KR" altLang="en-US" dirty="0" err="1" smtClean="0"/>
-              <a:t>서블릿</a:t>
-            </a:r>
-            <a:r>
-              <a:rPr lang="ko-KR" altLang="en-US" dirty="0" smtClean="0"/>
-              <a:t> 포워드 기능</a:t>
-            </a:r>
-            <a:endParaRPr lang="ko-KR" altLang="en-US" dirty="0"/>
-          </a:p>
-        </p:txBody>
-      </p:sp>
-      <p:sp>
-        <p:nvSpPr>
-          <p:cNvPr id="5" name="TextBox 4"/>
-          <p:cNvSpPr txBox="1"/>
-          <p:nvPr/>
-        </p:nvSpPr>
-        <p:spPr>
-          <a:xfrm>
-            <a:off x="1141106" y="1242064"/>
-            <a:ext cx="2664296" cy="507831"/>
-          </a:xfrm>
-          <a:prstGeom prst="rect">
-            <a:avLst/>
-          </a:prstGeom>
-          <a:noFill/>
-        </p:spPr>
-        <p:txBody>
-          <a:bodyPr wrap="square" rtlCol="0">
-            <a:spAutoFit/>
-          </a:bodyPr>
-          <a:lstStyle/>
-          <a:p>
-            <a:pPr>
-              <a:lnSpc>
-                <a:spcPct val="150000"/>
-              </a:lnSpc>
-            </a:pPr>
-            <a:r>
-              <a:rPr lang="en-US" altLang="ko-KR" b="1" dirty="0"/>
-              <a:t> </a:t>
-            </a:r>
-            <a:r>
-              <a:rPr lang="en-US" altLang="ko-KR" b="1" dirty="0" smtClean="0"/>
-              <a:t> dispatch</a:t>
-            </a:r>
-            <a:r>
-              <a:rPr lang="ko-KR" altLang="en-US" b="1" dirty="0" smtClean="0"/>
-              <a:t>방법 실</a:t>
-            </a:r>
-            <a:r>
-              <a:rPr lang="ko-KR" altLang="en-US" b="1" dirty="0"/>
-              <a:t>습</a:t>
-            </a:r>
-            <a:endParaRPr lang="en-US" altLang="ko-KR" sz="1600" b="1" dirty="0" smtClean="0"/>
-          </a:p>
-        </p:txBody>
-      </p:sp>
-      <p:pic>
-        <p:nvPicPr>
-          <p:cNvPr id="2" name="그림 1"/>
-          <p:cNvPicPr>
-            <a:picLocks noChangeAspect="1"/>
-          </p:cNvPicPr>
-          <p:nvPr/>
-        </p:nvPicPr>
-        <p:blipFill>
-          <a:blip r:embed="rId2">
-            <a:extLst>
-              <a:ext uri="{28A0092B-C50C-407E-A947-70E740481C1C}">
-                <a14:useLocalDpi xmlns:a14="http://schemas.microsoft.com/office/drawing/2010/main" val="0"/>
-              </a:ext>
-            </a:extLst>
-          </a:blip>
-          <a:stretch>
-            <a:fillRect/>
-          </a:stretch>
-        </p:blipFill>
-        <p:spPr>
-          <a:xfrm>
-            <a:off x="1400892" y="1993336"/>
-            <a:ext cx="3452159" cy="998307"/>
-          </a:xfrm>
-          <a:prstGeom prst="rect">
-            <a:avLst/>
-          </a:prstGeom>
-          <a:ln>
-            <a:solidFill>
-              <a:schemeClr val="bg1">
-                <a:lumMod val="85000"/>
-              </a:schemeClr>
-            </a:solidFill>
-          </a:ln>
-        </p:spPr>
-      </p:pic>
-      <p:pic>
-        <p:nvPicPr>
-          <p:cNvPr id="6" name="그림 5"/>
-          <p:cNvPicPr>
-            <a:picLocks noChangeAspect="1"/>
-          </p:cNvPicPr>
-          <p:nvPr/>
-        </p:nvPicPr>
-        <p:blipFill>
-          <a:blip r:embed="rId3">
-            <a:extLst>
-              <a:ext uri="{28A0092B-C50C-407E-A947-70E740481C1C}">
-                <a14:useLocalDpi xmlns:a14="http://schemas.microsoft.com/office/drawing/2010/main" val="0"/>
-              </a:ext>
-            </a:extLst>
-          </a:blip>
-          <a:stretch>
-            <a:fillRect/>
-          </a:stretch>
-        </p:blipFill>
-        <p:spPr>
-          <a:xfrm>
-            <a:off x="1400892" y="3150145"/>
-            <a:ext cx="7658764" cy="2522439"/>
-          </a:xfrm>
-          <a:prstGeom prst="rect">
-            <a:avLst/>
-          </a:prstGeom>
-          <a:ln>
-            <a:solidFill>
-              <a:schemeClr val="bg1">
-                <a:lumMod val="85000"/>
-              </a:schemeClr>
-            </a:solidFill>
-          </a:ln>
-        </p:spPr>
-      </p:pic>
-      <p:sp>
-        <p:nvSpPr>
-          <p:cNvPr id="7" name="모서리가 둥근 직사각형 6">
-            <a:extLst>
-              <a:ext uri="{FF2B5EF4-FFF2-40B4-BE49-F238E27FC236}">
-                <a16:creationId xmlns:a16="http://schemas.microsoft.com/office/drawing/2014/main" id="{792DA8B4-17B2-454B-97AC-17311A4832C5}"/>
-              </a:ext>
-            </a:extLst>
-          </p:cNvPr>
-          <p:cNvSpPr/>
-          <p:nvPr/>
-        </p:nvSpPr>
-        <p:spPr>
-          <a:xfrm>
-            <a:off x="5025008" y="2192593"/>
-            <a:ext cx="2754120" cy="299896"/>
-          </a:xfrm>
-          <a:prstGeom prst="roundRect">
-            <a:avLst/>
-          </a:prstGeom>
-          <a:noFill/>
-        </p:spPr>
-        <p:style>
-          <a:lnRef idx="2">
-            <a:schemeClr val="accent2"/>
-          </a:lnRef>
-          <a:fillRef idx="1">
-            <a:schemeClr val="lt1"/>
-          </a:fillRef>
-          <a:effectRef idx="0">
-            <a:schemeClr val="accent2"/>
-          </a:effectRef>
-          <a:fontRef idx="minor">
-            <a:schemeClr val="dk1"/>
-          </a:fontRef>
-        </p:style>
-        <p:txBody>
-          <a:bodyPr rtlCol="0" anchor="ctr"/>
-          <a:lstStyle/>
-          <a:p>
-            <a:r>
-              <a:rPr lang="ko-KR" altLang="en-US" sz="1600" dirty="0" smtClean="0">
-                <a:solidFill>
-                  <a:sysClr val="windowText" lastClr="000000"/>
-                </a:solidFill>
-              </a:rPr>
-              <a:t>주소 표시줄에서 요청한다</a:t>
-            </a:r>
-            <a:r>
-              <a:rPr lang="en-US" altLang="ko-KR" sz="1600" dirty="0" smtClean="0">
-                <a:solidFill>
-                  <a:sysClr val="windowText" lastClr="000000"/>
-                </a:solidFill>
-              </a:rPr>
-              <a:t>.</a:t>
-            </a:r>
-          </a:p>
-        </p:txBody>
-      </p:sp>
-      <p:cxnSp>
-        <p:nvCxnSpPr>
-          <p:cNvPr id="8" name="직선 화살표 연결선 7"/>
-          <p:cNvCxnSpPr>
-            <a:stCxn id="7" idx="1"/>
-          </p:cNvCxnSpPr>
-          <p:nvPr/>
-        </p:nvCxnSpPr>
-        <p:spPr>
-          <a:xfrm flipH="1" flipV="1">
-            <a:off x="4448148" y="2192593"/>
-            <a:ext cx="576860" cy="149948"/>
-          </a:xfrm>
-          <a:prstGeom prst="straightConnector1">
-            <a:avLst/>
-          </a:prstGeom>
-          <a:ln w="9525">
-            <a:solidFill>
-              <a:srgbClr val="C00000"/>
-            </a:solidFill>
-            <a:prstDash val="solid"/>
-            <a:headEnd type="none" w="med" len="med"/>
-            <a:tailEnd type="triangle" w="med" len="med"/>
-          </a:ln>
-        </p:spPr>
-        <p:style>
-          <a:lnRef idx="1">
-            <a:schemeClr val="accent1"/>
-          </a:lnRef>
-          <a:fillRef idx="0">
-            <a:schemeClr val="accent1"/>
-          </a:fillRef>
-          <a:effectRef idx="0">
-            <a:schemeClr val="accent1"/>
-          </a:effectRef>
-          <a:fontRef idx="minor">
-            <a:schemeClr val="tx1"/>
-          </a:fontRef>
-        </p:style>
-      </p:cxnSp>
-      <p:sp>
-        <p:nvSpPr>
-          <p:cNvPr id="9" name="모서리가 둥근 직사각형 8">
-            <a:extLst>
-              <a:ext uri="{FF2B5EF4-FFF2-40B4-BE49-F238E27FC236}">
-                <a16:creationId xmlns:a16="http://schemas.microsoft.com/office/drawing/2014/main" id="{792DA8B4-17B2-454B-97AC-17311A4832C5}"/>
-              </a:ext>
-            </a:extLst>
-          </p:cNvPr>
-          <p:cNvSpPr/>
-          <p:nvPr/>
-        </p:nvSpPr>
-        <p:spPr>
-          <a:xfrm>
-            <a:off x="5745088" y="2655538"/>
-            <a:ext cx="3222358" cy="360040"/>
-          </a:xfrm>
-          <a:prstGeom prst="roundRect">
-            <a:avLst/>
-          </a:prstGeom>
-          <a:noFill/>
-          <a:ln w="12700">
-            <a:solidFill>
-              <a:schemeClr val="tx1"/>
-            </a:solidFill>
-          </a:ln>
-        </p:spPr>
-        <p:style>
-          <a:lnRef idx="2">
-            <a:schemeClr val="accent2"/>
-          </a:lnRef>
-          <a:fillRef idx="1">
-            <a:schemeClr val="lt1"/>
-          </a:fillRef>
-          <a:effectRef idx="0">
-            <a:schemeClr val="accent2"/>
-          </a:effectRef>
-          <a:fontRef idx="minor">
-            <a:schemeClr val="dk1"/>
-          </a:fontRef>
-        </p:style>
-        <p:txBody>
-          <a:bodyPr rtlCol="0" anchor="ctr"/>
-          <a:lstStyle/>
-          <a:p>
-            <a:pPr algn="ctr"/>
-            <a:r>
-              <a:rPr lang="en-US" altLang="ko-KR" sz="1600" dirty="0" err="1" smtClean="0">
-                <a:solidFill>
-                  <a:sysClr val="windowText" lastClr="000000"/>
-                </a:solidFill>
-              </a:rPr>
-              <a:t>com.servlet</a:t>
-            </a:r>
-            <a:r>
-              <a:rPr lang="en-US" altLang="ko-KR" sz="1600" dirty="0" smtClean="0">
-                <a:solidFill>
-                  <a:sysClr val="windowText" lastClr="000000"/>
-                </a:solidFill>
-              </a:rPr>
-              <a:t>/SecondServlet.java</a:t>
-            </a:r>
-          </a:p>
-        </p:txBody>
-      </p:sp>
-    </p:spTree>
-    <p:extLst>
-      <p:ext uri="{BB962C8B-B14F-4D97-AF65-F5344CB8AC3E}">
-        <p14:creationId xmlns:p14="http://schemas.microsoft.com/office/powerpoint/2010/main" val="178645080"/>
-      </p:ext>
-    </p:extLst>
-  </p:cSld>
-  <p:clrMapOvr>
-    <a:masterClrMapping/>
-  </p:clrMapOvr>
-  <p:timing>
-    <p:tnLst>
-      <p:par>
-        <p:cTn id="1" dur="indefinite" restart="never" nodeType="tmRoot"/>
-      </p:par>
-    </p:tnLst>
-  </p:timing>
-</p:sld>
-</file>
-
-<file path=ppt/slides/slide43.xml><?xml version="1.0" encoding="utf-8"?>
-<p:sld xmlns:a="http://schemas.openxmlformats.org/drawingml/2006/main" xmlns:r="http://schemas.openxmlformats.org/officeDocument/2006/relationships" xmlns:p="http://schemas.openxmlformats.org/presentationml/2006/main">
-  <p:cSld>
-    <p:spTree>
-      <p:nvGrpSpPr>
-        <p:cNvPr id="1" name=""/>
-        <p:cNvGrpSpPr/>
-        <p:nvPr/>
-      </p:nvGrpSpPr>
-      <p:grpSpPr>
-        <a:xfrm>
-          <a:off x="0" y="0"/>
-          <a:ext cx="0" cy="0"/>
-          <a:chOff x="0" y="0"/>
-          <a:chExt cx="0" cy="0"/>
-        </a:xfrm>
-      </p:grpSpPr>
-      <p:sp>
-        <p:nvSpPr>
-          <p:cNvPr id="15" name="제목 5"/>
-          <p:cNvSpPr txBox="1">
-            <a:spLocks/>
-          </p:cNvSpPr>
-          <p:nvPr/>
-        </p:nvSpPr>
-        <p:spPr>
-          <a:xfrm>
-            <a:off x="0" y="-27384"/>
-            <a:ext cx="7995338" cy="854968"/>
-          </a:xfrm>
-          <a:prstGeom prst="rect">
-            <a:avLst/>
-          </a:prstGeom>
-        </p:spPr>
-        <p:txBody>
-          <a:bodyPr anchor="ctr" anchorCtr="0"/>
-          <a:lstStyle>
-            <a:lvl1pPr algn="l" defTabSz="914400" rtl="0" eaLnBrk="1" latinLnBrk="1" hangingPunct="1">
-              <a:spcBef>
-                <a:spcPct val="0"/>
-              </a:spcBef>
-              <a:buNone/>
-              <a:defRPr sz="3200" kern="1200">
-                <a:solidFill>
-                  <a:schemeClr val="bg1"/>
-                </a:solidFill>
-                <a:latin typeface="HY헤드라인M" panose="02030600000101010101" pitchFamily="18" charset="-127"/>
-                <a:ea typeface="HY헤드라인M" panose="02030600000101010101" pitchFamily="18" charset="-127"/>
-                <a:cs typeface="+mj-cs"/>
-              </a:defRPr>
-            </a:lvl1pPr>
-          </a:lstStyle>
-          <a:p>
-            <a:r>
-              <a:rPr lang="en-US" altLang="ko-KR" dirty="0" smtClean="0"/>
-              <a:t> </a:t>
-            </a:r>
-            <a:r>
-              <a:rPr lang="ko-KR" altLang="en-US" dirty="0"/>
-              <a:t> </a:t>
-            </a:r>
-            <a:r>
-              <a:rPr lang="ko-KR" altLang="en-US" dirty="0" err="1" smtClean="0"/>
-              <a:t>서블릿</a:t>
-            </a:r>
-            <a:r>
-              <a:rPr lang="ko-KR" altLang="en-US" dirty="0" smtClean="0"/>
-              <a:t> 포워드 기능</a:t>
-            </a:r>
-            <a:endParaRPr lang="ko-KR" altLang="en-US" dirty="0"/>
-          </a:p>
-        </p:txBody>
-      </p:sp>
-      <p:sp>
-        <p:nvSpPr>
-          <p:cNvPr id="5" name="TextBox 4"/>
-          <p:cNvSpPr txBox="1"/>
-          <p:nvPr/>
-        </p:nvSpPr>
-        <p:spPr>
-          <a:xfrm>
-            <a:off x="1064568" y="1228315"/>
-            <a:ext cx="2664296" cy="507831"/>
-          </a:xfrm>
-          <a:prstGeom prst="rect">
-            <a:avLst/>
-          </a:prstGeom>
-          <a:noFill/>
-        </p:spPr>
-        <p:txBody>
-          <a:bodyPr wrap="square" rtlCol="0">
-            <a:spAutoFit/>
-          </a:bodyPr>
-          <a:lstStyle/>
-          <a:p>
-            <a:pPr>
-              <a:lnSpc>
-                <a:spcPct val="150000"/>
-              </a:lnSpc>
-            </a:pPr>
-            <a:r>
-              <a:rPr lang="en-US" altLang="ko-KR" b="1" dirty="0" smtClean="0"/>
-              <a:t>dispatch</a:t>
-            </a:r>
-            <a:r>
-              <a:rPr lang="ko-KR" altLang="en-US" b="1" dirty="0" smtClean="0"/>
-              <a:t>방법 실</a:t>
-            </a:r>
-            <a:r>
-              <a:rPr lang="ko-KR" altLang="en-US" b="1" dirty="0"/>
-              <a:t>습</a:t>
-            </a:r>
-            <a:endParaRPr lang="en-US" altLang="ko-KR" sz="1600" b="1" dirty="0" smtClean="0"/>
-          </a:p>
-        </p:txBody>
-      </p:sp>
-      <p:pic>
-        <p:nvPicPr>
-          <p:cNvPr id="4" name="그림 3"/>
-          <p:cNvPicPr>
-            <a:picLocks noChangeAspect="1"/>
-          </p:cNvPicPr>
-          <p:nvPr/>
-        </p:nvPicPr>
-        <p:blipFill>
-          <a:blip r:embed="rId2">
-            <a:extLst>
-              <a:ext uri="{28A0092B-C50C-407E-A947-70E740481C1C}">
-                <a14:useLocalDpi xmlns:a14="http://schemas.microsoft.com/office/drawing/2010/main" val="0"/>
-              </a:ext>
-            </a:extLst>
-          </a:blip>
-          <a:stretch>
-            <a:fillRect/>
-          </a:stretch>
-        </p:blipFill>
-        <p:spPr>
-          <a:xfrm>
-            <a:off x="1208583" y="1916832"/>
-            <a:ext cx="6950043" cy="3193057"/>
-          </a:xfrm>
-          <a:prstGeom prst="rect">
-            <a:avLst/>
-          </a:prstGeom>
-          <a:ln>
-            <a:solidFill>
-              <a:schemeClr val="bg1">
-                <a:lumMod val="85000"/>
-              </a:schemeClr>
-            </a:solidFill>
-          </a:ln>
-        </p:spPr>
-      </p:pic>
-    </p:spTree>
-    <p:extLst>
-      <p:ext uri="{BB962C8B-B14F-4D97-AF65-F5344CB8AC3E}">
-        <p14:creationId xmlns:p14="http://schemas.microsoft.com/office/powerpoint/2010/main" val="3546512560"/>
       </p:ext>
     </p:extLst>
   </p:cSld>
@@ -19506,11 +19429,15 @@
             </a:r>
             <a:r>
               <a:rPr lang="ko-KR" altLang="en-US" dirty="0"/>
-              <a:t> 쿠키</a:t>
-            </a:r>
-            <a:r>
-              <a:rPr lang="en-US" altLang="ko-KR" dirty="0"/>
-              <a:t>(cookie)</a:t>
+              <a:t> </a:t>
+            </a:r>
+            <a:r>
+              <a:rPr lang="ko-KR" altLang="en-US" dirty="0" err="1" smtClean="0"/>
+              <a:t>서블릿</a:t>
+            </a:r>
+            <a:r>
+              <a:rPr lang="ko-KR" altLang="en-US" dirty="0" smtClean="0"/>
+              <a:t> 포워드 기능</a:t>
             </a:r>
             <a:endParaRPr lang="ko-KR" altLang="en-US" dirty="0"/>
           </a:p>
@@ -19524,8 +19451,8 @@
         </p:nvSpPr>
         <p:spPr>
           <a:xfrm>
-            <a:off x="776536" y="980728"/>
-            <a:ext cx="8496944" cy="553998"/>
+            <a:off x="1141106" y="1242064"/>
+            <a:ext cx="2664296" cy="507831"/>
           </a:xfrm>
           <a:prstGeom prst="rect">
             <a:avLst/>
@@ -19544,20 +19471,90 @@
               </a:lnSpc>
             </a:pPr>
             <a:r>
-              <a:rPr lang="ko-KR" altLang="en-US" sz="2000" b="1" dirty="0" err="1" smtClean="0"/>
-              <a:t>서블릿에서</a:t>
-            </a:r>
-            <a:r>
-              <a:rPr lang="ko-KR" altLang="en-US" sz="2000" b="1" dirty="0" smtClean="0"/>
-              <a:t> 쿠키 사용하기</a:t>
-            </a:r>
-            <a:endParaRPr lang="en-US" altLang="ko-KR" dirty="0"/>
+              <a:rPr lang="en-US" altLang="ko-KR" b="1" dirty="0"/>
+              <a:t> </a:t>
+            </a:r>
+            <a:r>
+              <a:rPr lang="en-US" altLang="ko-KR" b="1" dirty="0" smtClean="0"/>
+              <a:t> dispatch</a:t>
+            </a:r>
+            <a:r>
+              <a:rPr lang="ko-KR" altLang="en-US" b="1" dirty="0" smtClean="0"/>
+              <a:t>방법 실</a:t>
+            </a:r>
+            <a:r>
+              <a:rPr lang="ko-KR" altLang="en-US" b="1" dirty="0"/>
+              <a:t>습</a:t>
+            </a:r>
+            <a:endParaRPr lang="en-US" altLang="ko-KR" sz="1600" b="1" dirty="0" smtClean="0"/>
+          </a:p>
+        </p:txBody>
+      </p:sp>
+      <p:sp>
+        <p:nvSpPr>
+          <p:cNvPr id="9" name="모서리가 둥근 직사각형 8">
+            <a:extLst>
+              <a:ext uri="{FF2B5EF4-FFF2-40B4-BE49-F238E27FC236}">
+                <a16:creationId xmlns:a16="http://schemas.microsoft.com/office/drawing/2014/main" id="{792DA8B4-17B2-454B-97AC-17311A4832C5}"/>
+              </a:ext>
+            </a:extLst>
+          </p:cNvPr>
+          <p:cNvSpPr/>
+          <p:nvPr/>
+        </p:nvSpPr>
+        <p:spPr>
+          <a:xfrm>
+            <a:off x="5702898" y="2846511"/>
+            <a:ext cx="3222358" cy="360040"/>
+          </a:xfrm>
+          <a:prstGeom prst="roundRect">
+            <a:avLst/>
+          </a:prstGeom>
+          <a:noFill/>
+          <a:ln w="12700">
+            <a:solidFill>
+              <a:schemeClr val="tx1"/>
+            </a:solidFill>
+          </a:ln>
+        </p:spPr>
+        <p:style>
+          <a:lnRef idx="2">
+            <a:schemeClr val="accent2"/>
+          </a:lnRef>
+          <a:fillRef idx="1">
+            <a:schemeClr val="lt1"/>
+          </a:fillRef>
+          <a:effectRef idx="0">
+            <a:schemeClr val="accent2"/>
+          </a:effectRef>
+          <a:fontRef idx="minor">
+            <a:schemeClr val="dk1"/>
+          </a:fontRef>
+        </p:style>
+        <p:txBody>
+          <a:bodyPr rtlCol="0" anchor="ctr"/>
+          <a:lstStyle/>
+          <a:p>
+            <a:pPr algn="ctr"/>
+            <a:r>
+              <a:rPr lang="en-US" altLang="ko-KR" sz="1600" dirty="0" smtClean="0">
+                <a:solidFill>
+                  <a:sysClr val="windowText" lastClr="000000"/>
+                </a:solidFill>
+              </a:rPr>
+              <a:t>dispatch/FirstServlet.java</a:t>
+            </a:r>
+            <a:endParaRPr lang="en-US" altLang="ko-KR" sz="1600" dirty="0" smtClean="0">
+              <a:solidFill>
+                <a:sysClr val="windowText" lastClr="000000"/>
+              </a:solidFill>
+            </a:endParaRPr>
           </a:p>
         </p:txBody>
       </p:sp>
       <p:pic>
         <p:nvPicPr>
-          <p:cNvPr id="4" name="그림 3"/>
+          <p:cNvPr id="3" name="그림 2"/>
           <p:cNvPicPr>
             <a:picLocks noChangeAspect="1"/>
           </p:cNvPicPr>
@@ -19577,8 +19574,8 @@
         </p:blipFill>
         <p:spPr>
           <a:xfrm>
-            <a:off x="776536" y="1600606"/>
-            <a:ext cx="8455836" cy="4132650"/>
+            <a:off x="1141106" y="3452088"/>
+            <a:ext cx="7813493" cy="2782888"/>
           </a:xfrm>
           <a:prstGeom prst="rect">
             <a:avLst/>
@@ -19594,7 +19591,7 @@
       </p:pic>
       <p:pic>
         <p:nvPicPr>
-          <p:cNvPr id="6" name="그림 5"/>
+          <p:cNvPr id="4" name="그림 3"/>
           <p:cNvPicPr>
             <a:picLocks noChangeAspect="1"/>
           </p:cNvPicPr>
@@ -19614,8 +19611,8 @@
         </p:blipFill>
         <p:spPr>
           <a:xfrm>
-            <a:off x="5950872" y="5157192"/>
-            <a:ext cx="3322608" cy="899238"/>
+            <a:off x="1352600" y="2001904"/>
+            <a:ext cx="3998978" cy="1153551"/>
           </a:xfrm>
           <a:prstGeom prst="rect">
             <a:avLst/>
@@ -19632,7 +19629,7 @@
     </p:spTree>
     <p:extLst>
       <p:ext uri="{BB962C8B-B14F-4D97-AF65-F5344CB8AC3E}">
-        <p14:creationId xmlns:p14="http://schemas.microsoft.com/office/powerpoint/2010/main" val="1362696016"/>
+        <p14:creationId xmlns:p14="http://schemas.microsoft.com/office/powerpoint/2010/main" val="178645080"/>
       </p:ext>
     </p:extLst>
   </p:cSld>
@@ -19708,13 +19705,122 @@
             </a:r>
             <a:r>
               <a:rPr lang="ko-KR" altLang="en-US" dirty="0"/>
-              <a:t> 쿠키</a:t>
-            </a:r>
-            <a:r>
-              <a:rPr lang="en-US" altLang="ko-KR" dirty="0"/>
-              <a:t>(cookie)</a:t>
+              <a:t> </a:t>
+            </a:r>
+            <a:r>
+              <a:rPr lang="ko-KR" altLang="en-US" dirty="0" err="1" smtClean="0"/>
+              <a:t>서블릿</a:t>
+            </a:r>
+            <a:r>
+              <a:rPr lang="ko-KR" altLang="en-US" dirty="0" smtClean="0"/>
+              <a:t> 포워드 기능</a:t>
             </a:r>
             <a:endParaRPr lang="ko-KR" altLang="en-US" dirty="0"/>
+          </a:p>
+        </p:txBody>
+      </p:sp>
+      <p:sp>
+        <p:nvSpPr>
+          <p:cNvPr id="5" name="TextBox 4"/>
+          <p:cNvSpPr txBox="1"/>
+          <p:nvPr/>
+        </p:nvSpPr>
+        <p:spPr>
+          <a:xfrm>
+            <a:off x="1064568" y="1228315"/>
+            <a:ext cx="2664296" cy="507831"/>
+          </a:xfrm>
+          <a:prstGeom prst="rect">
+            <a:avLst/>
+          </a:prstGeom>
+          <a:noFill/>
+        </p:spPr>
+        <p:txBody>
+          <a:bodyPr wrap="square" rtlCol="0">
+            <a:spAutoFit/>
+          </a:bodyPr>
+          <a:lstStyle/>
+          <a:p>
+            <a:pPr>
+              <a:lnSpc>
+                <a:spcPct val="150000"/>
+              </a:lnSpc>
+            </a:pPr>
+            <a:r>
+              <a:rPr lang="en-US" altLang="ko-KR" b="1" dirty="0" smtClean="0"/>
+              <a:t>dispatch</a:t>
+            </a:r>
+            <a:r>
+              <a:rPr lang="ko-KR" altLang="en-US" b="1" dirty="0" smtClean="0"/>
+              <a:t>방법 실</a:t>
+            </a:r>
+            <a:r>
+              <a:rPr lang="ko-KR" altLang="en-US" b="1" dirty="0"/>
+              <a:t>습</a:t>
+            </a:r>
+            <a:endParaRPr lang="en-US" altLang="ko-KR" sz="1600" b="1" dirty="0" smtClean="0"/>
+          </a:p>
+        </p:txBody>
+      </p:sp>
+      <p:sp>
+        <p:nvSpPr>
+          <p:cNvPr id="6" name="모서리가 둥근 직사각형 5">
+            <a:extLst>
+              <a:ext uri="{FF2B5EF4-FFF2-40B4-BE49-F238E27FC236}">
+                <a16:creationId xmlns:a16="http://schemas.microsoft.com/office/drawing/2014/main" id="{792DA8B4-17B2-454B-97AC-17311A4832C5}"/>
+              </a:ext>
+            </a:extLst>
+          </p:cNvPr>
+          <p:cNvSpPr/>
+          <p:nvPr/>
+        </p:nvSpPr>
+        <p:spPr>
+          <a:xfrm>
+            <a:off x="4936268" y="1783451"/>
+            <a:ext cx="3222358" cy="360040"/>
+          </a:xfrm>
+          <a:prstGeom prst="roundRect">
+            <a:avLst/>
+          </a:prstGeom>
+          <a:noFill/>
+          <a:ln w="12700">
+            <a:solidFill>
+              <a:schemeClr val="tx1"/>
+            </a:solidFill>
+          </a:ln>
+        </p:spPr>
+        <p:style>
+          <a:lnRef idx="2">
+            <a:schemeClr val="accent2"/>
+          </a:lnRef>
+          <a:fillRef idx="1">
+            <a:schemeClr val="lt1"/>
+          </a:fillRef>
+          <a:effectRef idx="0">
+            <a:schemeClr val="accent2"/>
+          </a:effectRef>
+          <a:fontRef idx="minor">
+            <a:schemeClr val="dk1"/>
+          </a:fontRef>
+        </p:style>
+        <p:txBody>
+          <a:bodyPr rtlCol="0" anchor="ctr"/>
+          <a:lstStyle/>
+          <a:p>
+            <a:pPr algn="ctr"/>
+            <a:r>
+              <a:rPr lang="en-US" altLang="ko-KR" sz="1600" dirty="0" smtClean="0">
+                <a:solidFill>
+                  <a:sysClr val="windowText" lastClr="000000"/>
+                </a:solidFill>
+              </a:rPr>
+              <a:t>dispatch/SecondServlet.java</a:t>
+            </a:r>
+            <a:endParaRPr lang="en-US" altLang="ko-KR" sz="1600" dirty="0" smtClean="0">
+              <a:solidFill>
+                <a:sysClr val="windowText" lastClr="000000"/>
+              </a:solidFill>
+            </a:endParaRPr>
           </a:p>
         </p:txBody>
       </p:sp>
@@ -19740,8 +19846,8 @@
         </p:blipFill>
         <p:spPr>
           <a:xfrm>
-            <a:off x="570316" y="3171394"/>
-            <a:ext cx="8073897" cy="1872208"/>
+            <a:off x="1271652" y="2348880"/>
+            <a:ext cx="7329232" cy="3456552"/>
           </a:xfrm>
           <a:prstGeom prst="rect">
             <a:avLst/>
@@ -19755,47 +19861,10 @@
           </a:ln>
         </p:spPr>
       </p:pic>
-      <p:pic>
-        <p:nvPicPr>
-          <p:cNvPr id="3" name="그림 2"/>
-          <p:cNvPicPr>
-            <a:picLocks noChangeAspect="1"/>
-          </p:cNvPicPr>
-          <p:nvPr/>
-        </p:nvPicPr>
-        <p:blipFill>
-          <a:blip r:embed="rId3">
-            <a:extLst>
-              <a:ext uri="{28A0092B-C50C-407E-A947-70E740481C1C}">
-                <a14:useLocalDpi xmlns:a14="http://schemas.microsoft.com/office/drawing/2010/main" val="0"/>
-              </a:ext>
-            </a:extLst>
-          </a:blip>
-          <a:stretch>
-            <a:fillRect/>
-          </a:stretch>
-        </p:blipFill>
-        <p:spPr>
-          <a:xfrm>
-            <a:off x="560512" y="1268760"/>
-            <a:ext cx="8680635" cy="1584176"/>
-          </a:xfrm>
-          <a:prstGeom prst="rect">
-            <a:avLst/>
-          </a:prstGeom>
-          <a:ln>
-            <a:solidFill>
-              <a:schemeClr val="bg1">
-                <a:lumMod val="85000"/>
-              </a:schemeClr>
-            </a:solidFill>
-          </a:ln>
-        </p:spPr>
-      </p:pic>
     </p:spTree>
     <p:extLst>
       <p:ext uri="{BB962C8B-B14F-4D97-AF65-F5344CB8AC3E}">
-        <p14:creationId xmlns:p14="http://schemas.microsoft.com/office/powerpoint/2010/main" val="1599346481"/>
+        <p14:creationId xmlns:p14="http://schemas.microsoft.com/office/powerpoint/2010/main" val="3546512560"/>
       </p:ext>
     </p:extLst>
   </p:cSld>
@@ -19890,7 +19959,7 @@
         <p:spPr>
           <a:xfrm>
             <a:off x="776536" y="980728"/>
-            <a:ext cx="8496944" cy="494494"/>
+            <a:ext cx="8496944" cy="553998"/>
           </a:xfrm>
           <a:prstGeom prst="rect">
             <a:avLst/>
@@ -19909,20 +19978,20 @@
               </a:lnSpc>
             </a:pPr>
             <a:r>
+              <a:rPr lang="ko-KR" altLang="en-US" sz="2000" b="1" dirty="0" err="1" smtClean="0"/>
+              <a:t>서블릿에서</a:t>
+            </a:r>
+            <a:r>
               <a:rPr lang="ko-KR" altLang="en-US" sz="2000" b="1" dirty="0" smtClean="0"/>
-              <a:t>쿠키 가져오</a:t>
-            </a:r>
-            <a:r>
-              <a:rPr lang="ko-KR" altLang="en-US" sz="2000" b="1" dirty="0"/>
-              <a:t>기</a:t>
-            </a:r>
-            <a:endParaRPr lang="en-US" altLang="ko-KR" sz="2000" b="1" dirty="0" smtClean="0"/>
+              <a:t> 쿠키 사용하기</a:t>
+            </a:r>
+            <a:endParaRPr lang="en-US" altLang="ko-KR" dirty="0"/>
           </a:p>
         </p:txBody>
       </p:sp>
       <p:pic>
         <p:nvPicPr>
-          <p:cNvPr id="2" name="그림 1"/>
+          <p:cNvPr id="4" name="그림 3"/>
           <p:cNvPicPr>
             <a:picLocks noChangeAspect="1"/>
           </p:cNvPicPr>
@@ -19942,8 +20011,8 @@
         </p:blipFill>
         <p:spPr>
           <a:xfrm>
-            <a:off x="632520" y="1628800"/>
-            <a:ext cx="8784976" cy="4204342"/>
+            <a:off x="776536" y="1600606"/>
+            <a:ext cx="8455836" cy="4132650"/>
           </a:xfrm>
           <a:prstGeom prst="rect">
             <a:avLst/>
@@ -19959,7 +20028,7 @@
       </p:pic>
       <p:pic>
         <p:nvPicPr>
-          <p:cNvPr id="3" name="그림 2"/>
+          <p:cNvPr id="6" name="그림 5"/>
           <p:cNvPicPr>
             <a:picLocks noChangeAspect="1"/>
           </p:cNvPicPr>
@@ -19979,8 +20048,8 @@
         </p:blipFill>
         <p:spPr>
           <a:xfrm>
-            <a:off x="5745088" y="5410195"/>
-            <a:ext cx="3482642" cy="845893"/>
+            <a:off x="5950872" y="5157192"/>
+            <a:ext cx="3322608" cy="899238"/>
           </a:xfrm>
           <a:prstGeom prst="rect">
             <a:avLst/>
@@ -19997,7 +20066,7 @@
     </p:spTree>
     <p:extLst>
       <p:ext uri="{BB962C8B-B14F-4D97-AF65-F5344CB8AC3E}">
-        <p14:creationId xmlns:p14="http://schemas.microsoft.com/office/powerpoint/2010/main" val="3511827381"/>
+        <p14:creationId xmlns:p14="http://schemas.microsoft.com/office/powerpoint/2010/main" val="1362696016"/>
       </p:ext>
     </p:extLst>
   </p:cSld>
@@ -20069,162 +20138,23 @@
           <a:p>
             <a:r>
               <a:rPr lang="en-US" altLang="ko-KR" dirty="0" smtClean="0"/>
-              <a:t>  </a:t>
-            </a:r>
-            <a:r>
-              <a:rPr lang="ko-KR" altLang="en-US" dirty="0" smtClean="0"/>
-              <a:t>세션</a:t>
+              <a:t> </a:t>
+            </a:r>
+            <a:r>
+              <a:rPr lang="ko-KR" altLang="en-US" dirty="0"/>
+              <a:t> 쿠키</a:t>
             </a:r>
             <a:r>
               <a:rPr lang="en-US" altLang="ko-KR" dirty="0"/>
-              <a:t>(session)</a:t>
+              <a:t>(cookie)</a:t>
             </a:r>
             <a:endParaRPr lang="ko-KR" altLang="en-US" dirty="0"/>
-          </a:p>
-        </p:txBody>
-      </p:sp>
-      <p:sp>
-        <p:nvSpPr>
-          <p:cNvPr id="5" name="TextBox 4"/>
-          <p:cNvSpPr txBox="1"/>
-          <p:nvPr/>
-        </p:nvSpPr>
-        <p:spPr>
-          <a:xfrm>
-            <a:off x="785326" y="974034"/>
-            <a:ext cx="8496944" cy="1708160"/>
-          </a:xfrm>
-          <a:prstGeom prst="rect">
-            <a:avLst/>
-          </a:prstGeom>
-          <a:noFill/>
-        </p:spPr>
-        <p:txBody>
-          <a:bodyPr wrap="square" rtlCol="0">
-            <a:spAutoFit/>
-          </a:bodyPr>
-          <a:lstStyle/>
-          <a:p>
-            <a:pPr>
-              <a:lnSpc>
-                <a:spcPct val="150000"/>
-              </a:lnSpc>
-            </a:pPr>
-            <a:r>
-              <a:rPr lang="ko-KR" altLang="en-US" sz="2000" b="1" dirty="0" err="1" smtClean="0"/>
-              <a:t>서블릿에서</a:t>
-            </a:r>
-            <a:r>
-              <a:rPr lang="ko-KR" altLang="en-US" sz="2000" b="1" dirty="0" smtClean="0"/>
-              <a:t> 세</a:t>
-            </a:r>
-            <a:r>
-              <a:rPr lang="ko-KR" altLang="en-US" sz="2000" b="1" dirty="0"/>
-              <a:t>션</a:t>
-            </a:r>
-            <a:r>
-              <a:rPr lang="ko-KR" altLang="en-US" sz="2000" b="1" dirty="0" smtClean="0"/>
-              <a:t> 사용하기</a:t>
-            </a:r>
-            <a:endParaRPr lang="en-US" altLang="ko-KR" sz="2000" b="1" dirty="0" smtClean="0"/>
-          </a:p>
-          <a:p>
-            <a:pPr>
-              <a:lnSpc>
-                <a:spcPct val="150000"/>
-              </a:lnSpc>
-            </a:pPr>
-            <a:r>
-              <a:rPr lang="en-US" altLang="ko-KR" sz="1600" dirty="0" err="1" smtClean="0"/>
-              <a:t>HttpSession</a:t>
-            </a:r>
-            <a:r>
-              <a:rPr lang="en-US" altLang="ko-KR" sz="1600" dirty="0"/>
-              <a:t> </a:t>
-            </a:r>
-            <a:r>
-              <a:rPr lang="en-US" altLang="ko-KR" sz="1600" dirty="0" smtClean="0"/>
-              <a:t>– Java EE API</a:t>
-            </a:r>
-            <a:r>
-              <a:rPr lang="ko-KR" altLang="en-US" sz="1600" dirty="0" smtClean="0"/>
-              <a:t>로 검색</a:t>
-            </a:r>
-            <a:endParaRPr lang="en-US" altLang="ko-KR" sz="1600" dirty="0" smtClean="0"/>
-          </a:p>
-          <a:p>
-            <a:pPr>
-              <a:lnSpc>
-                <a:spcPct val="150000"/>
-              </a:lnSpc>
-            </a:pPr>
-            <a:r>
-              <a:rPr lang="ko-KR" altLang="en-US" sz="1600" dirty="0" err="1" smtClean="0"/>
-              <a:t>서블릿에서</a:t>
-            </a:r>
-            <a:r>
-              <a:rPr lang="ko-KR" altLang="en-US" sz="1600" dirty="0" smtClean="0"/>
-              <a:t> 세션을 이용하려면 </a:t>
-            </a:r>
-            <a:r>
-              <a:rPr lang="en-US" altLang="ko-KR" sz="1600" dirty="0" err="1" smtClean="0"/>
-              <a:t>HttpSession</a:t>
-            </a:r>
-            <a:r>
-              <a:rPr lang="en-US" altLang="ko-KR" sz="1600" dirty="0" smtClean="0"/>
-              <a:t> </a:t>
-            </a:r>
-            <a:r>
-              <a:rPr lang="ko-KR" altLang="en-US" sz="1600" dirty="0" smtClean="0"/>
-              <a:t>인터페이스의 객체를 생성해야 한다</a:t>
-            </a:r>
-            <a:r>
-              <a:rPr lang="en-US" altLang="ko-KR" sz="1600" dirty="0" smtClean="0"/>
-              <a:t>. </a:t>
-            </a:r>
-            <a:r>
-              <a:rPr lang="en-US" altLang="ko-KR" sz="1600" dirty="0" err="1" smtClean="0"/>
-              <a:t>HttpSession</a:t>
-            </a:r>
-            <a:r>
-              <a:rPr lang="ko-KR" altLang="en-US" sz="1600" dirty="0" smtClean="0"/>
-              <a:t>객체는 </a:t>
-            </a:r>
-            <a:r>
-              <a:rPr lang="en-US" altLang="ko-KR" sz="1600" dirty="0" err="1" smtClean="0"/>
-              <a:t>HttpServletRequest</a:t>
-            </a:r>
-            <a:r>
-              <a:rPr lang="ko-KR" altLang="en-US" sz="1600" dirty="0" smtClean="0"/>
-              <a:t>의 </a:t>
-            </a:r>
-            <a:r>
-              <a:rPr lang="en-US" altLang="ko-KR" sz="1600" dirty="0" err="1" smtClean="0"/>
-              <a:t>getSession</a:t>
-            </a:r>
-            <a:r>
-              <a:rPr lang="en-US" altLang="ko-KR" sz="1600" dirty="0" smtClean="0"/>
-              <a:t>() </a:t>
-            </a:r>
-            <a:r>
-              <a:rPr lang="ko-KR" altLang="en-US" sz="1600" dirty="0" err="1" smtClean="0"/>
-              <a:t>메서드를</a:t>
-            </a:r>
-            <a:r>
-              <a:rPr lang="ko-KR" altLang="en-US" sz="1600" dirty="0" smtClean="0"/>
-              <a:t> 호출해서 생성한다</a:t>
-            </a:r>
-            <a:r>
-              <a:rPr lang="en-US" altLang="ko-KR" sz="1600" dirty="0" smtClean="0"/>
-              <a:t>. </a:t>
-            </a:r>
-            <a:endParaRPr lang="en-US" altLang="ko-KR" sz="1600" dirty="0"/>
           </a:p>
         </p:txBody>
       </p:sp>
       <p:pic>
         <p:nvPicPr>
-          <p:cNvPr id="12" name="그림 11"/>
+          <p:cNvPr id="2" name="그림 1"/>
           <p:cNvPicPr>
             <a:picLocks noChangeAspect="1"/>
           </p:cNvPicPr>
@@ -20244,8 +20174,8 @@
         </p:blipFill>
         <p:spPr>
           <a:xfrm>
-            <a:off x="848544" y="2924944"/>
-            <a:ext cx="4914419" cy="3146096"/>
+            <a:off x="570316" y="3171394"/>
+            <a:ext cx="8073897" cy="1872208"/>
           </a:xfrm>
           <a:prstGeom prst="rect">
             <a:avLst/>
@@ -20261,7 +20191,7 @@
       </p:pic>
       <p:pic>
         <p:nvPicPr>
-          <p:cNvPr id="11" name="그림 10"/>
+          <p:cNvPr id="3" name="그림 2"/>
           <p:cNvPicPr>
             <a:picLocks noChangeAspect="1"/>
           </p:cNvPicPr>
@@ -20281,8 +20211,8 @@
         </p:blipFill>
         <p:spPr>
           <a:xfrm>
-            <a:off x="3512840" y="4365104"/>
-            <a:ext cx="6002432" cy="1594723"/>
+            <a:off x="560512" y="1268760"/>
+            <a:ext cx="8680635" cy="1584176"/>
           </a:xfrm>
           <a:prstGeom prst="rect">
             <a:avLst/>
@@ -20299,7 +20229,7 @@
     </p:spTree>
     <p:extLst>
       <p:ext uri="{BB962C8B-B14F-4D97-AF65-F5344CB8AC3E}">
-        <p14:creationId xmlns:p14="http://schemas.microsoft.com/office/powerpoint/2010/main" val="2556190687"/>
+        <p14:creationId xmlns:p14="http://schemas.microsoft.com/office/powerpoint/2010/main" val="1599346481"/>
       </p:ext>
     </p:extLst>
   </p:cSld>
@@ -20371,6 +20301,891 @@
           <a:p>
             <a:r>
               <a:rPr lang="en-US" altLang="ko-KR" dirty="0" smtClean="0"/>
+              <a:t> </a:t>
+            </a:r>
+            <a:r>
+              <a:rPr lang="ko-KR" altLang="en-US" dirty="0"/>
+              <a:t> 쿠키</a:t>
+            </a:r>
+            <a:r>
+              <a:rPr lang="en-US" altLang="ko-KR" dirty="0"/>
+              <a:t>(cookie)</a:t>
+            </a:r>
+            <a:endParaRPr lang="ko-KR" altLang="en-US" dirty="0"/>
+          </a:p>
+        </p:txBody>
+      </p:sp>
+      <p:sp>
+        <p:nvSpPr>
+          <p:cNvPr id="5" name="TextBox 4"/>
+          <p:cNvSpPr txBox="1"/>
+          <p:nvPr/>
+        </p:nvSpPr>
+        <p:spPr>
+          <a:xfrm>
+            <a:off x="776536" y="980728"/>
+            <a:ext cx="8496944" cy="494494"/>
+          </a:xfrm>
+          <a:prstGeom prst="rect">
+            <a:avLst/>
+          </a:prstGeom>
+          <a:noFill/>
+        </p:spPr>
+        <p:txBody>
+          <a:bodyPr wrap="square" rtlCol="0">
+            <a:spAutoFit/>
+          </a:bodyPr>
+          <a:lstStyle/>
+          <a:p>
+            <a:pPr>
+              <a:lnSpc>
+                <a:spcPct val="150000"/>
+              </a:lnSpc>
+            </a:pPr>
+            <a:r>
+              <a:rPr lang="ko-KR" altLang="en-US" sz="2000" b="1" dirty="0" smtClean="0"/>
+              <a:t>쿠키 가져오</a:t>
+            </a:r>
+            <a:r>
+              <a:rPr lang="ko-KR" altLang="en-US" sz="2000" b="1" dirty="0"/>
+              <a:t>기</a:t>
+            </a:r>
+            <a:endParaRPr lang="en-US" altLang="ko-KR" sz="2000" b="1" dirty="0" smtClean="0"/>
+          </a:p>
+        </p:txBody>
+      </p:sp>
+      <p:pic>
+        <p:nvPicPr>
+          <p:cNvPr id="2" name="그림 1"/>
+          <p:cNvPicPr>
+            <a:picLocks noChangeAspect="1"/>
+          </p:cNvPicPr>
+          <p:nvPr/>
+        </p:nvPicPr>
+        <p:blipFill>
+          <a:blip r:embed="rId2">
+            <a:extLst>
+              <a:ext uri="{28A0092B-C50C-407E-A947-70E740481C1C}">
+                <a14:useLocalDpi xmlns:a14="http://schemas.microsoft.com/office/drawing/2010/main" val="0"/>
+              </a:ext>
+            </a:extLst>
+          </a:blip>
+          <a:stretch>
+            <a:fillRect/>
+          </a:stretch>
+        </p:blipFill>
+        <p:spPr>
+          <a:xfrm>
+            <a:off x="632520" y="1628800"/>
+            <a:ext cx="8784976" cy="4204342"/>
+          </a:xfrm>
+          <a:prstGeom prst="rect">
+            <a:avLst/>
+          </a:prstGeom>
+          <a:ln>
+            <a:solidFill>
+              <a:schemeClr val="bg1">
+                <a:lumMod val="85000"/>
+              </a:schemeClr>
+            </a:solidFill>
+          </a:ln>
+        </p:spPr>
+      </p:pic>
+      <p:pic>
+        <p:nvPicPr>
+          <p:cNvPr id="3" name="그림 2"/>
+          <p:cNvPicPr>
+            <a:picLocks noChangeAspect="1"/>
+          </p:cNvPicPr>
+          <p:nvPr/>
+        </p:nvPicPr>
+        <p:blipFill>
+          <a:blip r:embed="rId3">
+            <a:extLst>
+              <a:ext uri="{28A0092B-C50C-407E-A947-70E740481C1C}">
+                <a14:useLocalDpi xmlns:a14="http://schemas.microsoft.com/office/drawing/2010/main" val="0"/>
+              </a:ext>
+            </a:extLst>
+          </a:blip>
+          <a:stretch>
+            <a:fillRect/>
+          </a:stretch>
+        </p:blipFill>
+        <p:spPr>
+          <a:xfrm>
+            <a:off x="5745088" y="5410195"/>
+            <a:ext cx="3482642" cy="845893"/>
+          </a:xfrm>
+          <a:prstGeom prst="rect">
+            <a:avLst/>
+          </a:prstGeom>
+          <a:ln>
+            <a:solidFill>
+              <a:schemeClr val="bg1">
+                <a:lumMod val="85000"/>
+              </a:schemeClr>
+            </a:solidFill>
+          </a:ln>
+        </p:spPr>
+      </p:pic>
+    </p:spTree>
+    <p:extLst>
+      <p:ext uri="{BB962C8B-B14F-4D97-AF65-F5344CB8AC3E}">
+        <p14:creationId xmlns:p14="http://schemas.microsoft.com/office/powerpoint/2010/main" val="3511827381"/>
+      </p:ext>
+    </p:extLst>
+  </p:cSld>
+  <p:clrMapOvr>
+    <a:masterClrMapping/>
+  </p:clrMapOvr>
+  <p:timing>
+    <p:tnLst>
+      <p:par>
+        <p:cTn id="1" dur="indefinite" restart="never" nodeType="tmRoot"/>
+      </p:par>
+    </p:tnLst>
+  </p:timing>
+</p:sld>
+</file>
+
+<file path=ppt/slides/slide49.xml><?xml version="1.0" encoding="utf-8"?>
+<p:sld xmlns:a="http://schemas.openxmlformats.org/drawingml/2006/main" xmlns:r="http://schemas.openxmlformats.org/officeDocument/2006/relationships" xmlns:p="http://schemas.openxmlformats.org/presentationml/2006/main">
+  <p:cSld>
+    <p:spTree>
+      <p:nvGrpSpPr>
+        <p:cNvPr id="1" name=""/>
+        <p:cNvGrpSpPr/>
+        <p:nvPr/>
+      </p:nvGrpSpPr>
+      <p:grpSpPr>
+        <a:xfrm>
+          <a:off x="0" y="0"/>
+          <a:ext cx="0" cy="0"/>
+          <a:chOff x="0" y="0"/>
+          <a:chExt cx="0" cy="0"/>
+        </a:xfrm>
+      </p:grpSpPr>
+      <p:sp>
+        <p:nvSpPr>
+          <p:cNvPr id="15" name="제목 5"/>
+          <p:cNvSpPr txBox="1">
+            <a:spLocks/>
+          </p:cNvSpPr>
+          <p:nvPr/>
+        </p:nvSpPr>
+        <p:spPr>
+          <a:xfrm>
+            <a:off x="0" y="-27384"/>
+            <a:ext cx="7995338" cy="854968"/>
+          </a:xfrm>
+          <a:prstGeom prst="rect">
+            <a:avLst/>
+          </a:prstGeom>
+        </p:spPr>
+        <p:txBody>
+          <a:bodyPr anchor="ctr" anchorCtr="0"/>
+          <a:lstStyle>
+            <a:lvl1pPr algn="l" defTabSz="914400" rtl="0" eaLnBrk="1" latinLnBrk="1" hangingPunct="1">
+              <a:spcBef>
+                <a:spcPct val="0"/>
+              </a:spcBef>
+              <a:buNone/>
+              <a:defRPr sz="3200" kern="1200">
+                <a:solidFill>
+                  <a:schemeClr val="bg1"/>
+                </a:solidFill>
+                <a:latin typeface="HY헤드라인M" panose="02030600000101010101" pitchFamily="18" charset="-127"/>
+                <a:ea typeface="HY헤드라인M" panose="02030600000101010101" pitchFamily="18" charset="-127"/>
+                <a:cs typeface="+mj-cs"/>
+              </a:defRPr>
+            </a:lvl1pPr>
+          </a:lstStyle>
+          <a:p>
+            <a:r>
+              <a:rPr lang="en-US" altLang="ko-KR" dirty="0" smtClean="0"/>
+              <a:t>  </a:t>
+            </a:r>
+            <a:r>
+              <a:rPr lang="ko-KR" altLang="en-US" dirty="0" smtClean="0"/>
+              <a:t>세션</a:t>
+            </a:r>
+            <a:r>
+              <a:rPr lang="en-US" altLang="ko-KR" dirty="0"/>
+              <a:t>(session)</a:t>
+            </a:r>
+            <a:endParaRPr lang="ko-KR" altLang="en-US" dirty="0"/>
+          </a:p>
+        </p:txBody>
+      </p:sp>
+      <p:sp>
+        <p:nvSpPr>
+          <p:cNvPr id="5" name="TextBox 4"/>
+          <p:cNvSpPr txBox="1"/>
+          <p:nvPr/>
+        </p:nvSpPr>
+        <p:spPr>
+          <a:xfrm>
+            <a:off x="785326" y="974034"/>
+            <a:ext cx="8496944" cy="1708160"/>
+          </a:xfrm>
+          <a:prstGeom prst="rect">
+            <a:avLst/>
+          </a:prstGeom>
+          <a:noFill/>
+        </p:spPr>
+        <p:txBody>
+          <a:bodyPr wrap="square" rtlCol="0">
+            <a:spAutoFit/>
+          </a:bodyPr>
+          <a:lstStyle/>
+          <a:p>
+            <a:pPr>
+              <a:lnSpc>
+                <a:spcPct val="150000"/>
+              </a:lnSpc>
+            </a:pPr>
+            <a:r>
+              <a:rPr lang="ko-KR" altLang="en-US" sz="2000" b="1" dirty="0" err="1" smtClean="0"/>
+              <a:t>서블릿에서</a:t>
+            </a:r>
+            <a:r>
+              <a:rPr lang="ko-KR" altLang="en-US" sz="2000" b="1" dirty="0" smtClean="0"/>
+              <a:t> 세</a:t>
+            </a:r>
+            <a:r>
+              <a:rPr lang="ko-KR" altLang="en-US" sz="2000" b="1" dirty="0"/>
+              <a:t>션</a:t>
+            </a:r>
+            <a:r>
+              <a:rPr lang="ko-KR" altLang="en-US" sz="2000" b="1" dirty="0" smtClean="0"/>
+              <a:t> 사용하기</a:t>
+            </a:r>
+            <a:endParaRPr lang="en-US" altLang="ko-KR" sz="2000" b="1" dirty="0" smtClean="0"/>
+          </a:p>
+          <a:p>
+            <a:pPr>
+              <a:lnSpc>
+                <a:spcPct val="150000"/>
+              </a:lnSpc>
+            </a:pPr>
+            <a:r>
+              <a:rPr lang="en-US" altLang="ko-KR" sz="1600" dirty="0" err="1" smtClean="0"/>
+              <a:t>HttpSession</a:t>
+            </a:r>
+            <a:r>
+              <a:rPr lang="en-US" altLang="ko-KR" sz="1600" dirty="0"/>
+              <a:t> </a:t>
+            </a:r>
+            <a:r>
+              <a:rPr lang="en-US" altLang="ko-KR" sz="1600" dirty="0" smtClean="0"/>
+              <a:t>– Java EE API</a:t>
+            </a:r>
+            <a:r>
+              <a:rPr lang="ko-KR" altLang="en-US" sz="1600" dirty="0" smtClean="0"/>
+              <a:t>로 검색</a:t>
+            </a:r>
+            <a:endParaRPr lang="en-US" altLang="ko-KR" sz="1600" dirty="0" smtClean="0"/>
+          </a:p>
+          <a:p>
+            <a:pPr>
+              <a:lnSpc>
+                <a:spcPct val="150000"/>
+              </a:lnSpc>
+            </a:pPr>
+            <a:r>
+              <a:rPr lang="ko-KR" altLang="en-US" sz="1600" dirty="0" err="1" smtClean="0"/>
+              <a:t>서블릿에서</a:t>
+            </a:r>
+            <a:r>
+              <a:rPr lang="ko-KR" altLang="en-US" sz="1600" dirty="0" smtClean="0"/>
+              <a:t> 세션을 이용하려면 </a:t>
+            </a:r>
+            <a:r>
+              <a:rPr lang="en-US" altLang="ko-KR" sz="1600" dirty="0" err="1" smtClean="0"/>
+              <a:t>HttpSession</a:t>
+            </a:r>
+            <a:r>
+              <a:rPr lang="en-US" altLang="ko-KR" sz="1600" dirty="0" smtClean="0"/>
+              <a:t> </a:t>
+            </a:r>
+            <a:r>
+              <a:rPr lang="ko-KR" altLang="en-US" sz="1600" dirty="0" smtClean="0"/>
+              <a:t>인터페이스의 객체를 생성해야 한다</a:t>
+            </a:r>
+            <a:r>
+              <a:rPr lang="en-US" altLang="ko-KR" sz="1600" dirty="0" smtClean="0"/>
+              <a:t>. </a:t>
+            </a:r>
+            <a:r>
+              <a:rPr lang="en-US" altLang="ko-KR" sz="1600" dirty="0" err="1" smtClean="0"/>
+              <a:t>HttpSession</a:t>
+            </a:r>
+            <a:r>
+              <a:rPr lang="ko-KR" altLang="en-US" sz="1600" dirty="0" smtClean="0"/>
+              <a:t>객체는 </a:t>
+            </a:r>
+            <a:r>
+              <a:rPr lang="en-US" altLang="ko-KR" sz="1600" dirty="0" err="1" smtClean="0"/>
+              <a:t>HttpServletRequest</a:t>
+            </a:r>
+            <a:r>
+              <a:rPr lang="ko-KR" altLang="en-US" sz="1600" dirty="0" smtClean="0"/>
+              <a:t>의 </a:t>
+            </a:r>
+            <a:r>
+              <a:rPr lang="en-US" altLang="ko-KR" sz="1600" dirty="0" err="1" smtClean="0"/>
+              <a:t>getSession</a:t>
+            </a:r>
+            <a:r>
+              <a:rPr lang="en-US" altLang="ko-KR" sz="1600" dirty="0" smtClean="0"/>
+              <a:t>() </a:t>
+            </a:r>
+            <a:r>
+              <a:rPr lang="ko-KR" altLang="en-US" sz="1600" dirty="0" err="1" smtClean="0"/>
+              <a:t>메서드를</a:t>
+            </a:r>
+            <a:r>
+              <a:rPr lang="ko-KR" altLang="en-US" sz="1600" dirty="0" smtClean="0"/>
+              <a:t> 호출해서 생성한다</a:t>
+            </a:r>
+            <a:r>
+              <a:rPr lang="en-US" altLang="ko-KR" sz="1600" dirty="0" smtClean="0"/>
+              <a:t>. </a:t>
+            </a:r>
+            <a:endParaRPr lang="en-US" altLang="ko-KR" sz="1600" dirty="0"/>
+          </a:p>
+        </p:txBody>
+      </p:sp>
+      <p:pic>
+        <p:nvPicPr>
+          <p:cNvPr id="12" name="그림 11"/>
+          <p:cNvPicPr>
+            <a:picLocks noChangeAspect="1"/>
+          </p:cNvPicPr>
+          <p:nvPr/>
+        </p:nvPicPr>
+        <p:blipFill>
+          <a:blip r:embed="rId2">
+            <a:extLst>
+              <a:ext uri="{28A0092B-C50C-407E-A947-70E740481C1C}">
+                <a14:useLocalDpi xmlns:a14="http://schemas.microsoft.com/office/drawing/2010/main" val="0"/>
+              </a:ext>
+            </a:extLst>
+          </a:blip>
+          <a:stretch>
+            <a:fillRect/>
+          </a:stretch>
+        </p:blipFill>
+        <p:spPr>
+          <a:xfrm>
+            <a:off x="848544" y="2924944"/>
+            <a:ext cx="4914419" cy="3146096"/>
+          </a:xfrm>
+          <a:prstGeom prst="rect">
+            <a:avLst/>
+          </a:prstGeom>
+          <a:ln>
+            <a:solidFill>
+              <a:schemeClr val="bg1">
+                <a:lumMod val="85000"/>
+              </a:schemeClr>
+            </a:solidFill>
+          </a:ln>
+        </p:spPr>
+      </p:pic>
+      <p:pic>
+        <p:nvPicPr>
+          <p:cNvPr id="11" name="그림 10"/>
+          <p:cNvPicPr>
+            <a:picLocks noChangeAspect="1"/>
+          </p:cNvPicPr>
+          <p:nvPr/>
+        </p:nvPicPr>
+        <p:blipFill>
+          <a:blip r:embed="rId3">
+            <a:extLst>
+              <a:ext uri="{28A0092B-C50C-407E-A947-70E740481C1C}">
+                <a14:useLocalDpi xmlns:a14="http://schemas.microsoft.com/office/drawing/2010/main" val="0"/>
+              </a:ext>
+            </a:extLst>
+          </a:blip>
+          <a:stretch>
+            <a:fillRect/>
+          </a:stretch>
+        </p:blipFill>
+        <p:spPr>
+          <a:xfrm>
+            <a:off x="3512840" y="4365104"/>
+            <a:ext cx="6002432" cy="1594723"/>
+          </a:xfrm>
+          <a:prstGeom prst="rect">
+            <a:avLst/>
+          </a:prstGeom>
+          <a:ln>
+            <a:solidFill>
+              <a:schemeClr val="bg1">
+                <a:lumMod val="85000"/>
+              </a:schemeClr>
+            </a:solidFill>
+          </a:ln>
+        </p:spPr>
+      </p:pic>
+    </p:spTree>
+    <p:extLst>
+      <p:ext uri="{BB962C8B-B14F-4D97-AF65-F5344CB8AC3E}">
+        <p14:creationId xmlns:p14="http://schemas.microsoft.com/office/powerpoint/2010/main" val="2556190687"/>
+      </p:ext>
+    </p:extLst>
+  </p:cSld>
+  <p:clrMapOvr>
+    <a:masterClrMapping/>
+  </p:clrMapOvr>
+  <p:timing>
+    <p:tnLst>
+      <p:par>
+        <p:cTn id="1" dur="indefinite" restart="never" nodeType="tmRoot"/>
+      </p:par>
+    </p:tnLst>
+  </p:timing>
+</p:sld>
+</file>
+
+<file path=ppt/slides/slide5.xml><?xml version="1.0" encoding="utf-8"?>
+<p:sld xmlns:a="http://schemas.openxmlformats.org/drawingml/2006/main" xmlns:r="http://schemas.openxmlformats.org/officeDocument/2006/relationships" xmlns:p="http://schemas.openxmlformats.org/presentationml/2006/main">
+  <p:cSld>
+    <p:spTree>
+      <p:nvGrpSpPr>
+        <p:cNvPr id="1" name=""/>
+        <p:cNvGrpSpPr/>
+        <p:nvPr/>
+      </p:nvGrpSpPr>
+      <p:grpSpPr>
+        <a:xfrm>
+          <a:off x="0" y="0"/>
+          <a:ext cx="0" cy="0"/>
+          <a:chOff x="0" y="0"/>
+          <a:chExt cx="0" cy="0"/>
+        </a:xfrm>
+      </p:grpSpPr>
+      <p:sp>
+        <p:nvSpPr>
+          <p:cNvPr id="15" name="제목 5"/>
+          <p:cNvSpPr txBox="1">
+            <a:spLocks/>
+          </p:cNvSpPr>
+          <p:nvPr/>
+        </p:nvSpPr>
+        <p:spPr>
+          <a:xfrm>
+            <a:off x="0" y="-27384"/>
+            <a:ext cx="7995338" cy="854968"/>
+          </a:xfrm>
+          <a:prstGeom prst="rect">
+            <a:avLst/>
+          </a:prstGeom>
+        </p:spPr>
+        <p:txBody>
+          <a:bodyPr anchor="ctr" anchorCtr="0"/>
+          <a:lstStyle>
+            <a:lvl1pPr algn="l" defTabSz="914400" rtl="0" eaLnBrk="1" latinLnBrk="1" hangingPunct="1">
+              <a:spcBef>
+                <a:spcPct val="0"/>
+              </a:spcBef>
+              <a:buNone/>
+              <a:defRPr sz="3200" kern="1200">
+                <a:solidFill>
+                  <a:schemeClr val="bg1"/>
+                </a:solidFill>
+                <a:latin typeface="HY헤드라인M" panose="02030600000101010101" pitchFamily="18" charset="-127"/>
+                <a:ea typeface="HY헤드라인M" panose="02030600000101010101" pitchFamily="18" charset="-127"/>
+                <a:cs typeface="+mj-cs"/>
+              </a:defRPr>
+            </a:lvl1pPr>
+          </a:lstStyle>
+          <a:p>
+            <a:r>
+              <a:rPr lang="en-US" altLang="ko-KR" dirty="0" smtClean="0"/>
+              <a:t> </a:t>
+            </a:r>
+            <a:r>
+              <a:rPr lang="ko-KR" altLang="en-US" b="1" dirty="0" err="1">
+                <a:latin typeface="휴먼엑스포" panose="02030504000101010101" pitchFamily="18" charset="-127"/>
+                <a:ea typeface="휴먼엑스포" panose="02030504000101010101" pitchFamily="18" charset="-127"/>
+              </a:rPr>
+              <a:t>서블릿</a:t>
+            </a:r>
+            <a:r>
+              <a:rPr lang="ko-KR" altLang="en-US" b="1" dirty="0">
+                <a:latin typeface="휴먼엑스포" panose="02030504000101010101" pitchFamily="18" charset="-127"/>
+                <a:ea typeface="휴먼엑스포" panose="02030504000101010101" pitchFamily="18" charset="-127"/>
+              </a:rPr>
+              <a:t> </a:t>
+            </a:r>
+            <a:r>
+              <a:rPr lang="en-US" altLang="ko-KR" b="1" dirty="0">
+                <a:latin typeface="휴먼엑스포" panose="02030504000101010101" pitchFamily="18" charset="-127"/>
+                <a:ea typeface="휴먼엑스포" panose="02030504000101010101" pitchFamily="18" charset="-127"/>
+              </a:rPr>
+              <a:t>– Servlet</a:t>
+            </a:r>
+            <a:endParaRPr lang="ko-KR" altLang="en-US" dirty="0"/>
+          </a:p>
+        </p:txBody>
+      </p:sp>
+      <p:sp>
+        <p:nvSpPr>
+          <p:cNvPr id="7" name="TextBox 6"/>
+          <p:cNvSpPr txBox="1"/>
+          <p:nvPr/>
+        </p:nvSpPr>
+        <p:spPr>
+          <a:xfrm>
+            <a:off x="632520" y="1065217"/>
+            <a:ext cx="8928992" cy="3708708"/>
+          </a:xfrm>
+          <a:prstGeom prst="rect">
+            <a:avLst/>
+          </a:prstGeom>
+          <a:noFill/>
+        </p:spPr>
+        <p:txBody>
+          <a:bodyPr wrap="square" rtlCol="0">
+            <a:spAutoFit/>
+          </a:bodyPr>
+          <a:lstStyle/>
+          <a:p>
+            <a:pPr>
+              <a:lnSpc>
+                <a:spcPct val="200000"/>
+              </a:lnSpc>
+            </a:pPr>
+            <a:r>
+              <a:rPr lang="ko-KR" altLang="en-US" sz="2000" b="1" dirty="0" err="1" smtClean="0"/>
+              <a:t>서블릿</a:t>
+            </a:r>
+            <a:r>
+              <a:rPr lang="ko-KR" altLang="en-US" sz="2000" b="1" dirty="0" smtClean="0"/>
+              <a:t> </a:t>
+            </a:r>
+            <a:r>
+              <a:rPr lang="en-US" altLang="ko-KR" sz="2000" b="1" dirty="0" smtClean="0"/>
+              <a:t>vs </a:t>
+            </a:r>
+            <a:r>
+              <a:rPr lang="en-US" altLang="ko-KR" sz="2000" b="1" dirty="0" smtClean="0">
+                <a:solidFill>
+                  <a:srgbClr val="0070C0"/>
+                </a:solidFill>
+              </a:rPr>
+              <a:t>JSP</a:t>
+            </a:r>
+          </a:p>
+          <a:p>
+            <a:pPr>
+              <a:lnSpc>
+                <a:spcPct val="150000"/>
+              </a:lnSpc>
+            </a:pPr>
+            <a:r>
+              <a:rPr lang="ko-KR" altLang="en-US" sz="1600" dirty="0" err="1" smtClean="0"/>
+              <a:t>서블릿은</a:t>
+            </a:r>
+            <a:r>
+              <a:rPr lang="ko-KR" altLang="en-US" sz="1600" dirty="0" smtClean="0"/>
+              <a:t> </a:t>
+            </a:r>
+            <a:r>
+              <a:rPr lang="ko-KR" altLang="en-US" sz="1600" dirty="0" err="1" smtClean="0"/>
+              <a:t>서버쪽에서</a:t>
+            </a:r>
+            <a:r>
+              <a:rPr lang="ko-KR" altLang="en-US" sz="1600" dirty="0" smtClean="0"/>
+              <a:t> 실행되면서 클라이언트의 요청에 따라 동적으로 서비스를 제공하는 </a:t>
+            </a:r>
+            <a:r>
+              <a:rPr lang="ko-KR" altLang="en-US" sz="1600" b="1" dirty="0" smtClean="0">
+                <a:solidFill>
+                  <a:srgbClr val="C00000"/>
+                </a:solidFill>
+              </a:rPr>
+              <a:t>자바 클래스 이다</a:t>
+            </a:r>
+            <a:r>
+              <a:rPr lang="en-US" altLang="ko-KR" sz="1600" b="1" dirty="0" smtClean="0">
+                <a:solidFill>
+                  <a:srgbClr val="C00000"/>
+                </a:solidFill>
+              </a:rPr>
+              <a:t>.</a:t>
+            </a:r>
+            <a:r>
+              <a:rPr lang="en-US" altLang="ko-KR" b="1" dirty="0">
+                <a:solidFill>
+                  <a:srgbClr val="0070C0"/>
+                </a:solidFill>
+              </a:rPr>
+              <a:t> </a:t>
+            </a:r>
+            <a:endParaRPr lang="en-US" altLang="ko-KR" b="1" dirty="0" smtClean="0">
+              <a:solidFill>
+                <a:srgbClr val="0070C0"/>
+              </a:solidFill>
+            </a:endParaRPr>
+          </a:p>
+          <a:p>
+            <a:pPr>
+              <a:lnSpc>
+                <a:spcPct val="150000"/>
+              </a:lnSpc>
+            </a:pPr>
+            <a:r>
+              <a:rPr lang="ko-KR" altLang="en-US" sz="1600" dirty="0" err="1" smtClean="0"/>
+              <a:t>서블릿의</a:t>
+            </a:r>
+            <a:r>
+              <a:rPr lang="ko-KR" altLang="en-US" sz="1600" dirty="0" smtClean="0"/>
+              <a:t> 문제점을 보완하여 등장한 것이 </a:t>
+            </a:r>
+            <a:r>
+              <a:rPr lang="en-US" altLang="ko-KR" sz="1600" b="1" dirty="0" smtClean="0">
+                <a:solidFill>
+                  <a:srgbClr val="0070C0"/>
+                </a:solidFill>
+              </a:rPr>
+              <a:t>JSP(Java Server Pages)</a:t>
+            </a:r>
+            <a:r>
+              <a:rPr lang="ko-KR" altLang="en-US" sz="1600" dirty="0" smtClean="0"/>
+              <a:t>이다</a:t>
+            </a:r>
+            <a:r>
+              <a:rPr lang="en-US" altLang="ko-KR" sz="1600" dirty="0" smtClean="0"/>
+              <a:t>.</a:t>
+            </a:r>
+          </a:p>
+          <a:p>
+            <a:pPr>
+              <a:lnSpc>
+                <a:spcPct val="150000"/>
+              </a:lnSpc>
+            </a:pPr>
+            <a:r>
+              <a:rPr lang="ko-KR" altLang="en-US" sz="1600" dirty="0" smtClean="0"/>
+              <a:t>화면의 기능이나 구성이 복잡해짐에 따라 사용자를 고려하는 요구사항이 늘어났고 디자이너의 경우 화면의 수월한 기능 구현과 개발 후의 화면의 편리한 유지관리를 목적으로 도입 된 것이다</a:t>
+            </a:r>
+            <a:r>
+              <a:rPr lang="en-US" altLang="ko-KR" sz="1600" dirty="0" smtClean="0"/>
+              <a:t>.</a:t>
+            </a:r>
+          </a:p>
+          <a:p>
+            <a:pPr>
+              <a:lnSpc>
+                <a:spcPct val="150000"/>
+              </a:lnSpc>
+            </a:pPr>
+            <a:endParaRPr lang="en-US" altLang="ko-KR" sz="1600" dirty="0" smtClean="0"/>
+          </a:p>
+          <a:p>
+            <a:pPr>
+              <a:lnSpc>
+                <a:spcPct val="150000"/>
+              </a:lnSpc>
+            </a:pPr>
+            <a:r>
+              <a:rPr lang="ko-KR" altLang="en-US" sz="1600" dirty="0" smtClean="0"/>
+              <a:t>현재는 웹 애플리케이션을 개발할 때 </a:t>
+            </a:r>
+            <a:r>
+              <a:rPr lang="en-US" altLang="ko-KR" sz="1600" dirty="0" smtClean="0">
+                <a:solidFill>
+                  <a:srgbClr val="0070C0"/>
+                </a:solidFill>
+              </a:rPr>
+              <a:t>JSP</a:t>
+            </a:r>
+            <a:r>
+              <a:rPr lang="ko-KR" altLang="en-US" sz="1600" dirty="0" smtClean="0"/>
+              <a:t>는 화면 계층</a:t>
+            </a:r>
+            <a:r>
+              <a:rPr lang="en-US" altLang="ko-KR" sz="1600" dirty="0" smtClean="0"/>
+              <a:t>(</a:t>
+            </a:r>
+            <a:r>
+              <a:rPr lang="ko-KR" altLang="en-US" sz="1600" dirty="0" smtClean="0"/>
+              <a:t>프레젠테이</a:t>
+            </a:r>
+            <a:r>
+              <a:rPr lang="ko-KR" altLang="en-US" sz="1600" dirty="0"/>
+              <a:t>션</a:t>
+            </a:r>
+            <a:r>
+              <a:rPr lang="ko-KR" altLang="en-US" sz="1600" dirty="0" smtClean="0"/>
+              <a:t> 계층</a:t>
+            </a:r>
+            <a:r>
+              <a:rPr lang="en-US" altLang="ko-KR" sz="1600" dirty="0" smtClean="0"/>
+              <a:t>)</a:t>
+            </a:r>
+            <a:r>
+              <a:rPr lang="ko-KR" altLang="en-US" sz="1600" dirty="0" smtClean="0"/>
+              <a:t>으로 </a:t>
+            </a:r>
+            <a:r>
+              <a:rPr lang="ko-KR" altLang="en-US" sz="1600" dirty="0" err="1" smtClean="0"/>
+              <a:t>서블릿은</a:t>
+            </a:r>
+            <a:r>
+              <a:rPr lang="ko-KR" altLang="en-US" sz="1600" dirty="0" smtClean="0"/>
+              <a:t> 비즈니스 </a:t>
+            </a:r>
+            <a:r>
+              <a:rPr lang="ko-KR" altLang="en-US" sz="1600" dirty="0" err="1" smtClean="0"/>
+              <a:t>로직</a:t>
+            </a:r>
+            <a:r>
+              <a:rPr lang="en-US" altLang="ko-KR" sz="1600" dirty="0" smtClean="0"/>
+              <a:t>(Controller)</a:t>
+            </a:r>
+            <a:r>
+              <a:rPr lang="ko-KR" altLang="en-US" sz="1600" dirty="0" smtClean="0"/>
+              <a:t>으로 역할을 나누어 기능을 구현하고 있다</a:t>
+            </a:r>
+            <a:r>
+              <a:rPr lang="en-US" altLang="ko-KR" sz="1600" b="1" dirty="0" smtClean="0">
+                <a:solidFill>
+                  <a:srgbClr val="C00000"/>
+                </a:solidFill>
+              </a:rPr>
+              <a:t>.(</a:t>
+            </a:r>
+            <a:r>
+              <a:rPr lang="ko-KR" altLang="en-US" sz="1600" b="1" dirty="0" smtClean="0">
+                <a:solidFill>
+                  <a:srgbClr val="C00000"/>
+                </a:solidFill>
+              </a:rPr>
+              <a:t>모델</a:t>
+            </a:r>
+            <a:r>
+              <a:rPr lang="en-US" altLang="ko-KR" sz="1600" b="1" dirty="0" smtClean="0">
+                <a:solidFill>
+                  <a:srgbClr val="C00000"/>
+                </a:solidFill>
+              </a:rPr>
+              <a:t>2 </a:t>
+            </a:r>
+            <a:r>
+              <a:rPr lang="ko-KR" altLang="en-US" sz="1600" b="1" dirty="0" smtClean="0">
+                <a:solidFill>
+                  <a:srgbClr val="C00000"/>
+                </a:solidFill>
+              </a:rPr>
+              <a:t>방식</a:t>
+            </a:r>
+            <a:r>
+              <a:rPr lang="en-US" altLang="ko-KR" sz="1600" b="1" dirty="0" smtClean="0">
+                <a:solidFill>
+                  <a:srgbClr val="C00000"/>
+                </a:solidFill>
+              </a:rPr>
+              <a:t>- MVC </a:t>
+            </a:r>
+            <a:r>
+              <a:rPr lang="ko-KR" altLang="en-US" sz="1600" b="1" dirty="0" smtClean="0">
+                <a:solidFill>
+                  <a:srgbClr val="C00000"/>
+                </a:solidFill>
+              </a:rPr>
+              <a:t>패턴</a:t>
+            </a:r>
+            <a:r>
+              <a:rPr lang="en-US" altLang="ko-KR" sz="1600" b="1" dirty="0" smtClean="0">
+                <a:solidFill>
+                  <a:srgbClr val="C00000"/>
+                </a:solidFill>
+              </a:rPr>
+              <a:t>)</a:t>
+            </a:r>
+          </a:p>
+        </p:txBody>
+      </p:sp>
+    </p:spTree>
+    <p:extLst>
+      <p:ext uri="{BB962C8B-B14F-4D97-AF65-F5344CB8AC3E}">
+        <p14:creationId xmlns:p14="http://schemas.microsoft.com/office/powerpoint/2010/main" val="2241920699"/>
+      </p:ext>
+    </p:extLst>
+  </p:cSld>
+  <p:clrMapOvr>
+    <a:masterClrMapping/>
+  </p:clrMapOvr>
+  <p:timing>
+    <p:tnLst>
+      <p:par>
+        <p:cTn id="1" dur="indefinite" restart="never" nodeType="tmRoot"/>
+      </p:par>
+    </p:tnLst>
+  </p:timing>
+</p:sld>
+</file>
+
+<file path=ppt/slides/slide50.xml><?xml version="1.0" encoding="utf-8"?>
+<p:sld xmlns:a="http://schemas.openxmlformats.org/drawingml/2006/main" xmlns:r="http://schemas.openxmlformats.org/officeDocument/2006/relationships" xmlns:p="http://schemas.openxmlformats.org/presentationml/2006/main">
+  <p:cSld>
+    <p:spTree>
+      <p:nvGrpSpPr>
+        <p:cNvPr id="1" name=""/>
+        <p:cNvGrpSpPr/>
+        <p:nvPr/>
+      </p:nvGrpSpPr>
+      <p:grpSpPr>
+        <a:xfrm>
+          <a:off x="0" y="0"/>
+          <a:ext cx="0" cy="0"/>
+          <a:chOff x="0" y="0"/>
+          <a:chExt cx="0" cy="0"/>
+        </a:xfrm>
+      </p:grpSpPr>
+      <p:sp>
+        <p:nvSpPr>
+          <p:cNvPr id="15" name="제목 5"/>
+          <p:cNvSpPr txBox="1">
+            <a:spLocks/>
+          </p:cNvSpPr>
+          <p:nvPr/>
+        </p:nvSpPr>
+        <p:spPr>
+          <a:xfrm>
+            <a:off x="0" y="-27384"/>
+            <a:ext cx="7995338" cy="854968"/>
+          </a:xfrm>
+          <a:prstGeom prst="rect">
+            <a:avLst/>
+          </a:prstGeom>
+        </p:spPr>
+        <p:txBody>
+          <a:bodyPr anchor="ctr" anchorCtr="0"/>
+          <a:lstStyle>
+            <a:lvl1pPr algn="l" defTabSz="914400" rtl="0" eaLnBrk="1" latinLnBrk="1" hangingPunct="1">
+              <a:spcBef>
+                <a:spcPct val="0"/>
+              </a:spcBef>
+              <a:buNone/>
+              <a:defRPr sz="3200" kern="1200">
+                <a:solidFill>
+                  <a:schemeClr val="bg1"/>
+                </a:solidFill>
+                <a:latin typeface="HY헤드라인M" panose="02030600000101010101" pitchFamily="18" charset="-127"/>
+                <a:ea typeface="HY헤드라인M" panose="02030600000101010101" pitchFamily="18" charset="-127"/>
+                <a:cs typeface="+mj-cs"/>
+              </a:defRPr>
+            </a:lvl1pPr>
+          </a:lstStyle>
+          <a:p>
+            <a:r>
+              <a:rPr lang="en-US" altLang="ko-KR" dirty="0" smtClean="0"/>
               <a:t>  </a:t>
             </a:r>
             <a:r>
@@ -20527,7 +21342,7 @@
 </p:sld>
 </file>
 
-<file path=ppt/slides/slide49.xml><?xml version="1.0" encoding="utf-8"?>
+<file path=ppt/slides/slide51.xml><?xml version="1.0" encoding="utf-8"?>
 <p:sld xmlns:a="http://schemas.openxmlformats.org/drawingml/2006/main" xmlns:r="http://schemas.openxmlformats.org/officeDocument/2006/relationships" xmlns:p="http://schemas.openxmlformats.org/presentationml/2006/main">
   <p:cSld>
     <p:spTree>
@@ -21185,388 +22000,7 @@
 </p:sld>
 </file>
 
-<file path=ppt/slides/slide5.xml><?xml version="1.0" encoding="utf-8"?>
-<p:sld xmlns:a="http://schemas.openxmlformats.org/drawingml/2006/main" xmlns:r="http://schemas.openxmlformats.org/officeDocument/2006/relationships" xmlns:p="http://schemas.openxmlformats.org/presentationml/2006/main">
-  <p:cSld>
-    <p:spTree>
-      <p:nvGrpSpPr>
-        <p:cNvPr id="1" name=""/>
-        <p:cNvGrpSpPr/>
-        <p:nvPr/>
-      </p:nvGrpSpPr>
-      <p:grpSpPr>
-        <a:xfrm>
-          <a:off x="0" y="0"/>
-          <a:ext cx="0" cy="0"/>
-          <a:chOff x="0" y="0"/>
-          <a:chExt cx="0" cy="0"/>
-        </a:xfrm>
-      </p:grpSpPr>
-      <p:sp>
-        <p:nvSpPr>
-          <p:cNvPr id="15" name="제목 5"/>
-          <p:cNvSpPr txBox="1">
-            <a:spLocks/>
-          </p:cNvSpPr>
-          <p:nvPr/>
-        </p:nvSpPr>
-        <p:spPr>
-          <a:xfrm>
-            <a:off x="0" y="-27384"/>
-            <a:ext cx="7995338" cy="854968"/>
-          </a:xfrm>
-          <a:prstGeom prst="rect">
-            <a:avLst/>
-          </a:prstGeom>
-        </p:spPr>
-        <p:txBody>
-          <a:bodyPr anchor="ctr" anchorCtr="0"/>
-          <a:lstStyle>
-            <a:lvl1pPr algn="l" defTabSz="914400" rtl="0" eaLnBrk="1" latinLnBrk="1" hangingPunct="1">
-              <a:spcBef>
-                <a:spcPct val="0"/>
-              </a:spcBef>
-              <a:buNone/>
-              <a:defRPr sz="3200" kern="1200">
-                <a:solidFill>
-                  <a:schemeClr val="bg1"/>
-                </a:solidFill>
-                <a:latin typeface="HY헤드라인M" panose="02030600000101010101" pitchFamily="18" charset="-127"/>
-                <a:ea typeface="HY헤드라인M" panose="02030600000101010101" pitchFamily="18" charset="-127"/>
-                <a:cs typeface="+mj-cs"/>
-              </a:defRPr>
-            </a:lvl1pPr>
-          </a:lstStyle>
-          <a:p>
-            <a:r>
-              <a:rPr lang="en-US" altLang="ko-KR" dirty="0" smtClean="0"/>
-              <a:t> </a:t>
-            </a:r>
-            <a:r>
-              <a:rPr lang="ko-KR" altLang="en-US" b="1" dirty="0" err="1">
-                <a:latin typeface="휴먼엑스포" panose="02030504000101010101" pitchFamily="18" charset="-127"/>
-                <a:ea typeface="휴먼엑스포" panose="02030504000101010101" pitchFamily="18" charset="-127"/>
-              </a:rPr>
-              <a:t>서블릿</a:t>
-            </a:r>
-            <a:r>
-              <a:rPr lang="ko-KR" altLang="en-US" b="1" dirty="0">
-                <a:latin typeface="휴먼엑스포" panose="02030504000101010101" pitchFamily="18" charset="-127"/>
-                <a:ea typeface="휴먼엑스포" panose="02030504000101010101" pitchFamily="18" charset="-127"/>
-              </a:rPr>
-              <a:t> </a:t>
-            </a:r>
-            <a:r>
-              <a:rPr lang="en-US" altLang="ko-KR" b="1" dirty="0">
-                <a:latin typeface="휴먼엑스포" panose="02030504000101010101" pitchFamily="18" charset="-127"/>
-                <a:ea typeface="휴먼엑스포" panose="02030504000101010101" pitchFamily="18" charset="-127"/>
-              </a:rPr>
-              <a:t>– Servlet</a:t>
-            </a:r>
-            <a:endParaRPr lang="ko-KR" altLang="en-US" dirty="0"/>
-          </a:p>
-        </p:txBody>
-      </p:sp>
-      <p:sp>
-        <p:nvSpPr>
-          <p:cNvPr id="7" name="TextBox 6"/>
-          <p:cNvSpPr txBox="1"/>
-          <p:nvPr/>
-        </p:nvSpPr>
-        <p:spPr>
-          <a:xfrm>
-            <a:off x="632520" y="1065217"/>
-            <a:ext cx="8928992" cy="3708708"/>
-          </a:xfrm>
-          <a:prstGeom prst="rect">
-            <a:avLst/>
-          </a:prstGeom>
-          <a:noFill/>
-        </p:spPr>
-        <p:txBody>
-          <a:bodyPr wrap="square" rtlCol="0">
-            <a:spAutoFit/>
-          </a:bodyPr>
-          <a:lstStyle/>
-          <a:p>
-            <a:pPr>
-              <a:lnSpc>
-                <a:spcPct val="200000"/>
-              </a:lnSpc>
-            </a:pPr>
-            <a:r>
-              <a:rPr lang="ko-KR" altLang="en-US" sz="2000" b="1" dirty="0" err="1" smtClean="0"/>
-              <a:t>서블릿</a:t>
-            </a:r>
-            <a:r>
-              <a:rPr lang="ko-KR" altLang="en-US" sz="2000" b="1" dirty="0" smtClean="0"/>
-              <a:t> </a:t>
-            </a:r>
-            <a:r>
-              <a:rPr lang="en-US" altLang="ko-KR" sz="2000" b="1" dirty="0" smtClean="0"/>
-              <a:t>vs </a:t>
-            </a:r>
-            <a:r>
-              <a:rPr lang="en-US" altLang="ko-KR" sz="2000" b="1" dirty="0" smtClean="0">
-                <a:solidFill>
-                  <a:srgbClr val="0070C0"/>
-                </a:solidFill>
-              </a:rPr>
-              <a:t>JSP</a:t>
-            </a:r>
-          </a:p>
-          <a:p>
-            <a:pPr>
-              <a:lnSpc>
-                <a:spcPct val="150000"/>
-              </a:lnSpc>
-            </a:pPr>
-            <a:r>
-              <a:rPr lang="ko-KR" altLang="en-US" sz="1600" dirty="0" err="1" smtClean="0"/>
-              <a:t>서블릿은</a:t>
-            </a:r>
-            <a:r>
-              <a:rPr lang="ko-KR" altLang="en-US" sz="1600" dirty="0" smtClean="0"/>
-              <a:t> </a:t>
-            </a:r>
-            <a:r>
-              <a:rPr lang="ko-KR" altLang="en-US" sz="1600" dirty="0" err="1" smtClean="0"/>
-              <a:t>서버쪽에서</a:t>
-            </a:r>
-            <a:r>
-              <a:rPr lang="ko-KR" altLang="en-US" sz="1600" dirty="0" smtClean="0"/>
-              <a:t> 실행되면서 클라이언트의 요청에 따라 동적으로 서비스를 제공하는 </a:t>
-            </a:r>
-            <a:r>
-              <a:rPr lang="ko-KR" altLang="en-US" sz="1600" b="1" dirty="0" smtClean="0">
-                <a:solidFill>
-                  <a:srgbClr val="C00000"/>
-                </a:solidFill>
-              </a:rPr>
-              <a:t>자바 클래스 이다</a:t>
-            </a:r>
-            <a:r>
-              <a:rPr lang="en-US" altLang="ko-KR" sz="1600" b="1" dirty="0" smtClean="0">
-                <a:solidFill>
-                  <a:srgbClr val="C00000"/>
-                </a:solidFill>
-              </a:rPr>
-              <a:t>.</a:t>
-            </a:r>
-            <a:r>
-              <a:rPr lang="en-US" altLang="ko-KR" b="1" dirty="0">
-                <a:solidFill>
-                  <a:srgbClr val="0070C0"/>
-                </a:solidFill>
-              </a:rPr>
-              <a:t> </a:t>
-            </a:r>
-            <a:endParaRPr lang="en-US" altLang="ko-KR" b="1" dirty="0" smtClean="0">
-              <a:solidFill>
-                <a:srgbClr val="0070C0"/>
-              </a:solidFill>
-            </a:endParaRPr>
-          </a:p>
-          <a:p>
-            <a:pPr>
-              <a:lnSpc>
-                <a:spcPct val="150000"/>
-              </a:lnSpc>
-            </a:pPr>
-            <a:r>
-              <a:rPr lang="ko-KR" altLang="en-US" sz="1600" dirty="0" err="1" smtClean="0"/>
-              <a:t>서블릿의</a:t>
-            </a:r>
-            <a:r>
-              <a:rPr lang="ko-KR" altLang="en-US" sz="1600" dirty="0" smtClean="0"/>
-              <a:t> 문제점을 보완하여 등장한 것이 </a:t>
-            </a:r>
-            <a:r>
-              <a:rPr lang="en-US" altLang="ko-KR" sz="1600" b="1" dirty="0" smtClean="0">
-                <a:solidFill>
-                  <a:srgbClr val="0070C0"/>
-                </a:solidFill>
-              </a:rPr>
-              <a:t>JSP(Java Server Pages)</a:t>
-            </a:r>
-            <a:r>
-              <a:rPr lang="ko-KR" altLang="en-US" sz="1600" dirty="0" smtClean="0"/>
-              <a:t>이다</a:t>
-            </a:r>
-            <a:r>
-              <a:rPr lang="en-US" altLang="ko-KR" sz="1600" dirty="0" smtClean="0"/>
-              <a:t>.</a:t>
-            </a:r>
-          </a:p>
-          <a:p>
-            <a:pPr>
-              <a:lnSpc>
-                <a:spcPct val="150000"/>
-              </a:lnSpc>
-            </a:pPr>
-            <a:r>
-              <a:rPr lang="ko-KR" altLang="en-US" sz="1600" dirty="0" smtClean="0"/>
-              <a:t>화면의 기능이나 구성이 복잡해짐에 따라 사용자를 고려하는 요구사항이 늘어났고 디자이너의 경우 화면의 수월한 기능 구현과 개발 후의 화면의 편리한 유지관리를 목적으로 도입 된 것이다</a:t>
-            </a:r>
-            <a:r>
-              <a:rPr lang="en-US" altLang="ko-KR" sz="1600" dirty="0" smtClean="0"/>
-              <a:t>.</a:t>
-            </a:r>
-          </a:p>
-          <a:p>
-            <a:pPr>
-              <a:lnSpc>
-                <a:spcPct val="150000"/>
-              </a:lnSpc>
-            </a:pPr>
-            <a:endParaRPr lang="en-US" altLang="ko-KR" sz="1600" dirty="0" smtClean="0"/>
-          </a:p>
-          <a:p>
-            <a:pPr>
-              <a:lnSpc>
-                <a:spcPct val="150000"/>
-              </a:lnSpc>
-            </a:pPr>
-            <a:r>
-              <a:rPr lang="ko-KR" altLang="en-US" sz="1600" dirty="0" smtClean="0"/>
-              <a:t>현재는 웹 애플리케이션을 개발할 때 </a:t>
-            </a:r>
-            <a:r>
-              <a:rPr lang="en-US" altLang="ko-KR" sz="1600" dirty="0" smtClean="0">
-                <a:solidFill>
-                  <a:srgbClr val="0070C0"/>
-                </a:solidFill>
-              </a:rPr>
-              <a:t>JSP</a:t>
-            </a:r>
-            <a:r>
-              <a:rPr lang="ko-KR" altLang="en-US" sz="1600" dirty="0" smtClean="0"/>
-              <a:t>는 화면 계층</a:t>
-            </a:r>
-            <a:r>
-              <a:rPr lang="en-US" altLang="ko-KR" sz="1600" dirty="0" smtClean="0"/>
-              <a:t>(</a:t>
-            </a:r>
-            <a:r>
-              <a:rPr lang="ko-KR" altLang="en-US" sz="1600" dirty="0" smtClean="0"/>
-              <a:t>프레젠테이</a:t>
-            </a:r>
-            <a:r>
-              <a:rPr lang="ko-KR" altLang="en-US" sz="1600" dirty="0"/>
-              <a:t>션</a:t>
-            </a:r>
-            <a:r>
-              <a:rPr lang="ko-KR" altLang="en-US" sz="1600" dirty="0" smtClean="0"/>
-              <a:t> 계층</a:t>
-            </a:r>
-            <a:r>
-              <a:rPr lang="en-US" altLang="ko-KR" sz="1600" dirty="0" smtClean="0"/>
-              <a:t>)</a:t>
-            </a:r>
-            <a:r>
-              <a:rPr lang="ko-KR" altLang="en-US" sz="1600" dirty="0" smtClean="0"/>
-              <a:t>으로 </a:t>
-            </a:r>
-            <a:r>
-              <a:rPr lang="ko-KR" altLang="en-US" sz="1600" dirty="0" err="1" smtClean="0"/>
-              <a:t>서블릿은</a:t>
-            </a:r>
-            <a:r>
-              <a:rPr lang="ko-KR" altLang="en-US" sz="1600" dirty="0" smtClean="0"/>
-              <a:t> 비즈니스 </a:t>
-            </a:r>
-            <a:r>
-              <a:rPr lang="ko-KR" altLang="en-US" sz="1600" dirty="0" err="1" smtClean="0"/>
-              <a:t>로직</a:t>
-            </a:r>
-            <a:r>
-              <a:rPr lang="en-US" altLang="ko-KR" sz="1600" dirty="0" smtClean="0"/>
-              <a:t>(Controller)</a:t>
-            </a:r>
-            <a:r>
-              <a:rPr lang="ko-KR" altLang="en-US" sz="1600" dirty="0" smtClean="0"/>
-              <a:t>으로 역할을 나누어 기능을 구현하고 있다</a:t>
-            </a:r>
-            <a:r>
-              <a:rPr lang="en-US" altLang="ko-KR" sz="1600" b="1" dirty="0" smtClean="0">
-                <a:solidFill>
-                  <a:srgbClr val="C00000"/>
-                </a:solidFill>
-              </a:rPr>
-              <a:t>.(</a:t>
-            </a:r>
-            <a:r>
-              <a:rPr lang="ko-KR" altLang="en-US" sz="1600" b="1" dirty="0" smtClean="0">
-                <a:solidFill>
-                  <a:srgbClr val="C00000"/>
-                </a:solidFill>
-              </a:rPr>
-              <a:t>모델</a:t>
-            </a:r>
-            <a:r>
-              <a:rPr lang="en-US" altLang="ko-KR" sz="1600" b="1" dirty="0" smtClean="0">
-                <a:solidFill>
-                  <a:srgbClr val="C00000"/>
-                </a:solidFill>
-              </a:rPr>
-              <a:t>2 </a:t>
-            </a:r>
-            <a:r>
-              <a:rPr lang="ko-KR" altLang="en-US" sz="1600" b="1" dirty="0" smtClean="0">
-                <a:solidFill>
-                  <a:srgbClr val="C00000"/>
-                </a:solidFill>
-              </a:rPr>
-              <a:t>방식</a:t>
-            </a:r>
-            <a:r>
-              <a:rPr lang="en-US" altLang="ko-KR" sz="1600" b="1" dirty="0" smtClean="0">
-                <a:solidFill>
-                  <a:srgbClr val="C00000"/>
-                </a:solidFill>
-              </a:rPr>
-              <a:t>- MVC </a:t>
-            </a:r>
-            <a:r>
-              <a:rPr lang="ko-KR" altLang="en-US" sz="1600" b="1" dirty="0" smtClean="0">
-                <a:solidFill>
-                  <a:srgbClr val="C00000"/>
-                </a:solidFill>
-              </a:rPr>
-              <a:t>패턴</a:t>
-            </a:r>
-            <a:r>
-              <a:rPr lang="en-US" altLang="ko-KR" sz="1600" b="1" dirty="0" smtClean="0">
-                <a:solidFill>
-                  <a:srgbClr val="C00000"/>
-                </a:solidFill>
-              </a:rPr>
-              <a:t>)</a:t>
-            </a:r>
-          </a:p>
-        </p:txBody>
-      </p:sp>
-    </p:spTree>
-    <p:extLst>
-      <p:ext uri="{BB962C8B-B14F-4D97-AF65-F5344CB8AC3E}">
-        <p14:creationId xmlns:p14="http://schemas.microsoft.com/office/powerpoint/2010/main" val="2241920699"/>
-      </p:ext>
-    </p:extLst>
-  </p:cSld>
-  <p:clrMapOvr>
-    <a:masterClrMapping/>
-  </p:clrMapOvr>
-  <p:timing>
-    <p:tnLst>
-      <p:par>
-        <p:cTn id="1" dur="indefinite" restart="never" nodeType="tmRoot"/>
-      </p:par>
-    </p:tnLst>
-  </p:timing>
-</p:sld>
-</file>
-
-<file path=ppt/slides/slide50.xml><?xml version="1.0" encoding="utf-8"?>
+<file path=ppt/slides/slide52.xml><?xml version="1.0" encoding="utf-8"?>
 <p:sld xmlns:a="http://schemas.openxmlformats.org/drawingml/2006/main" xmlns:r="http://schemas.openxmlformats.org/officeDocument/2006/relationships" xmlns:p="http://schemas.openxmlformats.org/presentationml/2006/main">
   <p:cSld>
     <p:spTree>
@@ -22466,7 +22900,7 @@
 </p:sld>
 </file>
 
-<file path=ppt/slides/slide51.xml><?xml version="1.0" encoding="utf-8"?>
+<file path=ppt/slides/slide53.xml><?xml version="1.0" encoding="utf-8"?>
 <p:sld xmlns:a="http://schemas.openxmlformats.org/drawingml/2006/main" xmlns:r="http://schemas.openxmlformats.org/officeDocument/2006/relationships" xmlns:p="http://schemas.openxmlformats.org/presentationml/2006/main">
   <p:cSld>
     <p:spTree>
@@ -22881,7 +23315,7 @@
 </p:sld>
 </file>
 
-<file path=ppt/slides/slide52.xml><?xml version="1.0" encoding="utf-8"?>
+<file path=ppt/slides/slide54.xml><?xml version="1.0" encoding="utf-8"?>
 <p:sld xmlns:a="http://schemas.openxmlformats.org/drawingml/2006/main" xmlns:r="http://schemas.openxmlformats.org/officeDocument/2006/relationships" xmlns:p="http://schemas.openxmlformats.org/presentationml/2006/main">
   <p:cSld>
     <p:spTree>
@@ -23132,7 +23566,7 @@
 </p:sld>
 </file>
 
-<file path=ppt/slides/slide53.xml><?xml version="1.0" encoding="utf-8"?>
+<file path=ppt/slides/slide55.xml><?xml version="1.0" encoding="utf-8"?>
 <p:sld xmlns:a="http://schemas.openxmlformats.org/drawingml/2006/main" xmlns:r="http://schemas.openxmlformats.org/officeDocument/2006/relationships" xmlns:p="http://schemas.openxmlformats.org/presentationml/2006/main">
   <p:cSld>
     <p:spTree>

--- a/jspWorks/자료/jsp_ppt/4장. jsp 서블릿 API.pptx
+++ b/jspWorks/자료/jsp_ppt/4장. jsp 서블릿 API.pptx
@@ -262,7 +262,7 @@
           <a:p>
             <a:fld id="{7665CDAC-D627-4E87-877A-1B781DD4CADC}" type="datetimeFigureOut">
               <a:rPr lang="ko-KR" altLang="en-US" smtClean="0"/>
-              <a:t>2023-06-01</a:t>
+              <a:t>2023-06-09</a:t>
             </a:fld>
             <a:endParaRPr lang="ko-KR" altLang="en-US"/>
           </a:p>
@@ -1052,7 +1052,7 @@
           <a:p>
             <a:fld id="{F4AC81B4-D91A-4578-85B3-829E63FCFE17}" type="datetime1">
               <a:rPr lang="ko-KR" altLang="en-US" smtClean="0"/>
-              <a:t>2023-06-01</a:t>
+              <a:t>2023-06-09</a:t>
             </a:fld>
             <a:endParaRPr lang="ko-KR" altLang="en-US"/>
           </a:p>
@@ -1427,7 +1427,7 @@
           <a:p>
             <a:fld id="{F5B77542-37E5-48F2-BAE7-80CC6B0EB6A3}" type="datetime1">
               <a:rPr lang="ko-KR" altLang="en-US" smtClean="0"/>
-              <a:t>2023-06-01</a:t>
+              <a:t>2023-06-09</a:t>
             </a:fld>
             <a:endParaRPr lang="ko-KR" altLang="en-US"/>
           </a:p>
@@ -1607,7 +1607,7 @@
           <a:p>
             <a:fld id="{227CF174-B5AC-4A98-B673-0BE8126D3F27}" type="datetime1">
               <a:rPr lang="ko-KR" altLang="en-US" smtClean="0"/>
-              <a:t>2023-06-01</a:t>
+              <a:t>2023-06-09</a:t>
             </a:fld>
             <a:endParaRPr lang="ko-KR" altLang="en-US"/>
           </a:p>
@@ -1781,7 +1781,7 @@
           <a:p>
             <a:fld id="{E20FDEC8-1339-42E8-9704-2977280C2FD3}" type="datetime1">
               <a:rPr lang="ko-KR" altLang="en-US" smtClean="0"/>
-              <a:t>2023-06-01</a:t>
+              <a:t>2023-06-09</a:t>
             </a:fld>
             <a:endParaRPr lang="ko-KR" altLang="en-US"/>
           </a:p>
@@ -2027,7 +2027,7 @@
           <a:p>
             <a:fld id="{4D18DC76-A282-4817-B790-197F054E1215}" type="datetime1">
               <a:rPr lang="ko-KR" altLang="en-US" smtClean="0"/>
-              <a:t>2023-06-01</a:t>
+              <a:t>2023-06-09</a:t>
             </a:fld>
             <a:endParaRPr lang="ko-KR" altLang="en-US"/>
           </a:p>
@@ -2315,7 +2315,7 @@
           <a:p>
             <a:fld id="{6680AA6C-13D8-43E4-90F0-E6C88A2B9F16}" type="datetime1">
               <a:rPr lang="ko-KR" altLang="en-US" smtClean="0"/>
-              <a:t>2023-06-01</a:t>
+              <a:t>2023-06-09</a:t>
             </a:fld>
             <a:endParaRPr lang="ko-KR" altLang="en-US"/>
           </a:p>
@@ -2737,7 +2737,7 @@
           <a:p>
             <a:fld id="{3EF5B03B-20CC-436E-8601-C933C6C1F4A6}" type="datetime1">
               <a:rPr lang="ko-KR" altLang="en-US" smtClean="0"/>
-              <a:t>2023-06-01</a:t>
+              <a:t>2023-06-09</a:t>
             </a:fld>
             <a:endParaRPr lang="ko-KR" altLang="en-US"/>
           </a:p>
@@ -2855,7 +2855,7 @@
           <a:p>
             <a:fld id="{87B5A15D-8B08-482F-AB47-E416EC355EB6}" type="datetime1">
               <a:rPr lang="ko-KR" altLang="en-US" smtClean="0"/>
-              <a:t>2023-06-01</a:t>
+              <a:t>2023-06-09</a:t>
             </a:fld>
             <a:endParaRPr lang="ko-KR" altLang="en-US"/>
           </a:p>
@@ -2950,7 +2950,7 @@
           <a:p>
             <a:fld id="{A877D7F8-7B64-44F8-A411-CBD22F28CBFF}" type="datetime1">
               <a:rPr lang="ko-KR" altLang="en-US" smtClean="0"/>
-              <a:t>2023-06-01</a:t>
+              <a:t>2023-06-09</a:t>
             </a:fld>
             <a:endParaRPr lang="ko-KR" altLang="en-US"/>
           </a:p>
@@ -3227,7 +3227,7 @@
           <a:p>
             <a:fld id="{E12DBD9B-2BB6-4D1F-BCB4-1E48829C93C3}" type="datetime1">
               <a:rPr lang="ko-KR" altLang="en-US" smtClean="0"/>
-              <a:t>2023-06-01</a:t>
+              <a:t>2023-06-09</a:t>
             </a:fld>
             <a:endParaRPr lang="ko-KR" altLang="en-US"/>
           </a:p>
@@ -3480,7 +3480,7 @@
           <a:p>
             <a:fld id="{17564C48-0CD7-40EB-BE64-BBF4DB8C56AF}" type="datetime1">
               <a:rPr lang="ko-KR" altLang="en-US" smtClean="0"/>
-              <a:t>2023-06-01</a:t>
+              <a:t>2023-06-09</a:t>
             </a:fld>
             <a:endParaRPr lang="ko-KR" altLang="en-US"/>
           </a:p>
@@ -3660,7 +3660,7 @@
           <a:p>
             <a:fld id="{C116BCB4-B68B-4638-8167-F4BDC0A30DA1}" type="datetime1">
               <a:rPr lang="ko-KR" altLang="en-US" smtClean="0"/>
-              <a:t>2023-06-01</a:t>
+              <a:t>2023-06-09</a:t>
             </a:fld>
             <a:endParaRPr lang="ko-KR" altLang="en-US"/>
           </a:p>
@@ -15215,11 +15215,7 @@
             </a:r>
             <a:r>
               <a:rPr lang="ko-KR" altLang="en-US" sz="2000" b="1" dirty="0" smtClean="0"/>
-              <a:t>방식 요청 동시에 </a:t>
-            </a:r>
-            <a:r>
-              <a:rPr lang="ko-KR" altLang="en-US" sz="2000" b="1" dirty="0" smtClean="0"/>
-              <a:t>처리하기 </a:t>
+              <a:t>방식 요청 동시에 처리하기 </a:t>
             </a:r>
             <a:r>
               <a:rPr lang="en-US" altLang="ko-KR" sz="2000" b="1" dirty="0" smtClean="0"/>
@@ -15248,7 +15244,6 @@
               <a:rPr lang="en-US" altLang="ko-KR" b="1" dirty="0" smtClean="0"/>
               <a:t>1</a:t>
             </a:r>
-            <a:endParaRPr lang="en-US" altLang="ko-KR" b="1" dirty="0" smtClean="0"/>
           </a:p>
         </p:txBody>
       </p:sp>
@@ -17853,15 +17848,7 @@
                   <a:sysClr val="windowText" lastClr="000000"/>
                 </a:solidFill>
               </a:rPr>
-              <a:t>주소 </a:t>
-            </a:r>
-            <a:r>
-              <a:rPr lang="ko-KR" altLang="en-US" sz="1600" dirty="0" smtClean="0">
-                <a:solidFill>
-                  <a:sysClr val="windowText" lastClr="000000"/>
-                </a:solidFill>
-              </a:rPr>
-              <a:t>표시줄에 </a:t>
+              <a:t>주소 표시줄에 </a:t>
             </a:r>
             <a:r>
               <a:rPr lang="en-US" altLang="ko-KR" sz="1600" dirty="0" smtClean="0">
@@ -17893,15 +17880,7 @@
                   <a:sysClr val="windowText" lastClr="000000"/>
                 </a:solidFill>
               </a:rPr>
-              <a:t>로 요청</a:t>
-            </a:r>
-            <a:r>
-              <a:rPr lang="ko-KR" altLang="en-US" sz="1600" dirty="0" smtClean="0">
-                <a:solidFill>
-                  <a:sysClr val="windowText" lastClr="000000"/>
-                </a:solidFill>
-              </a:rPr>
-              <a:t>하면 </a:t>
+              <a:t>로 요청하면 </a:t>
             </a:r>
             <a:r>
               <a:rPr lang="en-US" altLang="ko-KR" sz="1600" dirty="0" smtClean="0">
@@ -18035,11 +18014,6 @@
               </a:rPr>
               <a:t>redirect/FirstServlet.java</a:t>
             </a:r>
-            <a:endParaRPr lang="en-US" altLang="ko-KR" sz="1600" dirty="0" smtClean="0">
-              <a:solidFill>
-                <a:sysClr val="windowText" lastClr="000000"/>
-              </a:solidFill>
-            </a:endParaRPr>
           </a:p>
         </p:txBody>
       </p:sp>
@@ -18311,11 +18285,6 @@
               </a:rPr>
               <a:t>redirect/SecondServlet.java</a:t>
             </a:r>
-            <a:endParaRPr lang="en-US" altLang="ko-KR" sz="1600" dirty="0" smtClean="0">
-              <a:solidFill>
-                <a:sysClr val="windowText" lastClr="000000"/>
-              </a:solidFill>
-            </a:endParaRPr>
           </a:p>
         </p:txBody>
       </p:sp>
@@ -19544,11 +19513,6 @@
               </a:rPr>
               <a:t>dispatch/FirstServlet.java</a:t>
             </a:r>
-            <a:endParaRPr lang="en-US" altLang="ko-KR" sz="1600" dirty="0" smtClean="0">
-              <a:solidFill>
-                <a:sysClr val="windowText" lastClr="000000"/>
-              </a:solidFill>
-            </a:endParaRPr>
           </a:p>
         </p:txBody>
       </p:sp>
@@ -19816,11 +19780,6 @@
               </a:rPr>
               <a:t>dispatch/SecondServlet.java</a:t>
             </a:r>
-            <a:endParaRPr lang="en-US" altLang="ko-KR" sz="1600" dirty="0" smtClean="0">
-              <a:solidFill>
-                <a:sysClr val="windowText" lastClr="000000"/>
-              </a:solidFill>
-            </a:endParaRPr>
           </a:p>
         </p:txBody>
       </p:sp>
@@ -23635,90 +23594,87 @@
           </a:p>
         </p:txBody>
       </p:sp>
-      <p:sp>
-        <p:nvSpPr>
-          <p:cNvPr id="5" name="TextBox 4"/>
-          <p:cNvSpPr txBox="1"/>
-          <p:nvPr/>
-        </p:nvSpPr>
-        <p:spPr>
-          <a:xfrm>
-            <a:off x="776536" y="980728"/>
-            <a:ext cx="8496944" cy="553998"/>
-          </a:xfrm>
-          <a:prstGeom prst="rect">
-            <a:avLst/>
-          </a:prstGeom>
-          <a:noFill/>
-        </p:spPr>
-        <p:txBody>
-          <a:bodyPr wrap="square" rtlCol="0">
-            <a:spAutoFit/>
-          </a:bodyPr>
-          <a:lstStyle/>
-          <a:p>
-            <a:pPr>
-              <a:lnSpc>
-                <a:spcPct val="150000"/>
-              </a:lnSpc>
-            </a:pPr>
-            <a:r>
-              <a:rPr lang="ko-KR" altLang="en-US" sz="2000" b="1" dirty="0" err="1" smtClean="0"/>
-              <a:t>서블릿에서</a:t>
-            </a:r>
-            <a:r>
-              <a:rPr lang="ko-KR" altLang="en-US" sz="2000" b="1" dirty="0" smtClean="0"/>
-              <a:t> 세</a:t>
-            </a:r>
-            <a:r>
-              <a:rPr lang="ko-KR" altLang="en-US" sz="2000" b="1" dirty="0"/>
-              <a:t>션</a:t>
-            </a:r>
-            <a:r>
-              <a:rPr lang="ko-KR" altLang="en-US" sz="2000" b="1" dirty="0" smtClean="0"/>
-              <a:t> 사용하기</a:t>
-            </a:r>
-            <a:endParaRPr lang="en-US" altLang="ko-KR" dirty="0"/>
-          </a:p>
-        </p:txBody>
-      </p:sp>
-      <p:pic>
-        <p:nvPicPr>
-          <p:cNvPr id="3" name="그림 2"/>
-          <p:cNvPicPr>
-            <a:picLocks noChangeAspect="1"/>
-          </p:cNvPicPr>
-          <p:nvPr/>
-        </p:nvPicPr>
-        <p:blipFill>
-          <a:blip r:embed="rId2">
-            <a:extLst>
-              <a:ext uri="{28A0092B-C50C-407E-A947-70E740481C1C}">
-                <a14:useLocalDpi xmlns:a14="http://schemas.microsoft.com/office/drawing/2010/main" val="0"/>
-              </a:ext>
-            </a:extLst>
-          </a:blip>
-          <a:stretch>
-            <a:fillRect/>
-          </a:stretch>
-        </p:blipFill>
-        <p:spPr>
-          <a:xfrm>
-            <a:off x="890798" y="1484665"/>
-            <a:ext cx="8268417" cy="4968671"/>
-          </a:xfrm>
-          <a:prstGeom prst="rect">
-            <a:avLst/>
-          </a:prstGeom>
-          <a:ln>
-            <a:solidFill>
-              <a:schemeClr val="bg1">
-                <a:lumMod val="85000"/>
-              </a:schemeClr>
-            </a:solidFill>
-          </a:ln>
-        </p:spPr>
-      </p:pic>
+      <p:grpSp>
+        <p:nvGrpSpPr>
+          <p:cNvPr id="4" name="그룹 3"/>
+          <p:cNvGrpSpPr/>
+          <p:nvPr/>
+        </p:nvGrpSpPr>
+        <p:grpSpPr>
+          <a:xfrm>
+            <a:off x="867742" y="1088921"/>
+            <a:ext cx="8268417" cy="5220399"/>
+            <a:chOff x="867742" y="1088921"/>
+            <a:chExt cx="8268417" cy="5220399"/>
+          </a:xfrm>
+        </p:grpSpPr>
+        <p:pic>
+          <p:nvPicPr>
+            <p:cNvPr id="3" name="그림 2"/>
+            <p:cNvPicPr>
+              <a:picLocks noChangeAspect="1"/>
+            </p:cNvPicPr>
+            <p:nvPr/>
+          </p:nvPicPr>
+          <p:blipFill rotWithShape="1">
+            <a:blip r:embed="rId2">
+              <a:extLst>
+                <a:ext uri="{28A0092B-C50C-407E-A947-70E740481C1C}">
+                  <a14:useLocalDpi xmlns:a14="http://schemas.microsoft.com/office/drawing/2010/main" val="0"/>
+                </a:ext>
+              </a:extLst>
+            </a:blip>
+            <a:srcRect t="4350"/>
+            <a:stretch/>
+          </p:blipFill>
+          <p:spPr>
+            <a:xfrm>
+              <a:off x="867742" y="1556792"/>
+              <a:ext cx="8268417" cy="4752528"/>
+            </a:xfrm>
+            <a:prstGeom prst="rect">
+              <a:avLst/>
+            </a:prstGeom>
+            <a:ln>
+              <a:solidFill>
+                <a:schemeClr val="bg1">
+                  <a:lumMod val="85000"/>
+                </a:schemeClr>
+              </a:solidFill>
+            </a:ln>
+          </p:spPr>
+        </p:pic>
+        <p:pic>
+          <p:nvPicPr>
+            <p:cNvPr id="2" name="그림 1"/>
+            <p:cNvPicPr>
+              <a:picLocks noChangeAspect="1"/>
+            </p:cNvPicPr>
+            <p:nvPr/>
+          </p:nvPicPr>
+          <p:blipFill>
+            <a:blip r:embed="rId3">
+              <a:extLst>
+                <a:ext uri="{28A0092B-C50C-407E-A947-70E740481C1C}">
+                  <a14:useLocalDpi xmlns:a14="http://schemas.microsoft.com/office/drawing/2010/main" val="0"/>
+                </a:ext>
+              </a:extLst>
+            </a:blip>
+            <a:stretch>
+              <a:fillRect/>
+            </a:stretch>
+          </p:blipFill>
+          <p:spPr>
+            <a:xfrm>
+              <a:off x="867742" y="1088921"/>
+              <a:ext cx="2476715" cy="350550"/>
+            </a:xfrm>
+            <a:prstGeom prst="rect">
+              <a:avLst/>
+            </a:prstGeom>
+          </p:spPr>
+        </p:pic>
+      </p:grpSp>
     </p:spTree>
     <p:extLst>
       <p:ext uri="{BB962C8B-B14F-4D97-AF65-F5344CB8AC3E}">
